--- a/整合.pptx
+++ b/整合.pptx
@@ -5,7 +5,7 @@
     <p:sldMasterId id="2147483648" r:id="rId1"/>
   </p:sldMasterIdLst>
   <p:notesMasterIdLst>
-    <p:notesMasterId r:id="rId30"/>
+    <p:notesMasterId r:id="rId36"/>
   </p:notesMasterIdLst>
   <p:sldIdLst>
     <p:sldId id="268" r:id="rId2"/>
@@ -34,8 +34,14 @@
     <p:sldId id="292" r:id="rId25"/>
     <p:sldId id="294" r:id="rId26"/>
     <p:sldId id="295" r:id="rId27"/>
-    <p:sldId id="296" r:id="rId28"/>
-    <p:sldId id="293" r:id="rId29"/>
+    <p:sldId id="299" r:id="rId28"/>
+    <p:sldId id="296" r:id="rId29"/>
+    <p:sldId id="301" r:id="rId30"/>
+    <p:sldId id="300" r:id="rId31"/>
+    <p:sldId id="302" r:id="rId32"/>
+    <p:sldId id="303" r:id="rId33"/>
+    <p:sldId id="304" r:id="rId34"/>
+    <p:sldId id="293" r:id="rId35"/>
   </p:sldIdLst>
   <p:sldSz cx="9144000" cy="6858000" type="screen4x3"/>
   <p:notesSz cx="6858000" cy="9144000"/>
@@ -136,7 +142,7 @@
   </p:defaultTextStyle>
   <p:extLst>
     <p:ext uri="{EFAFB233-063F-42B5-8137-9DF3F51BA10A}">
-      <p15:sldGuideLst xmlns:p15="http://schemas.microsoft.com/office/powerpoint/2012/main">
+      <p15:sldGuideLst xmlns:p15="http://schemas.microsoft.com/office/powerpoint/2012/main" xmlns="">
         <p15:guide id="1" orient="horz" pos="2160">
           <p15:clr>
             <a:srgbClr val="A4A3A4"/>
@@ -7124,6 +7130,13 @@
   <p:clrMapOvr>
     <a:masterClrMapping/>
   </p:clrMapOvr>
+  <p:timing>
+    <p:tnLst>
+      <p:par>
+        <p:cTn id="1" dur="indefinite" restart="never" nodeType="tmRoot"/>
+      </p:par>
+    </p:tnLst>
+  </p:timing>
 </p:sld>
 </file>
 
@@ -10182,6 +10195,13 @@
   <p:clrMapOvr>
     <a:masterClrMapping/>
   </p:clrMapOvr>
+  <p:timing>
+    <p:tnLst>
+      <p:par>
+        <p:cTn id="1" dur="indefinite" restart="never" nodeType="tmRoot"/>
+      </p:par>
+    </p:tnLst>
+  </p:timing>
 </p:sld>
 </file>
 
@@ -23791,7 +23811,7 @@
         </p:spPr>
         <p:txBody>
           <a:bodyPr>
-            <a:normAutofit lnSpcReduction="10000"/>
+            <a:normAutofit fontScale="85000" lnSpcReduction="20000"/>
           </a:bodyPr>
           <a:lstStyle/>
           <a:p>
@@ -23987,7 +24007,38 @@
                 <a:latin typeface="+mn-ea"/>
                 <a:cs typeface="ＭＳ Ｐゴシック" charset="-128"/>
               </a:rPr>
-              <a:t>注意：对于宽依赖，在两个阶段（</a:t>
+              <a:t>注意</a:t>
+            </a:r>
+            <a:r>
+              <a:rPr lang="zh-CN" altLang="en-US" sz="2000" dirty="0" smtClean="0">
+                <a:latin typeface="+mn-ea"/>
+                <a:cs typeface="ＭＳ Ｐゴシック" charset="-128"/>
+              </a:rPr>
+              <a:t>：</a:t>
+            </a:r>
+            <a:endParaRPr lang="en-US" altLang="zh-CN" sz="2000" dirty="0" smtClean="0">
+              <a:latin typeface="+mn-ea"/>
+              <a:cs typeface="ＭＳ Ｐゴシック" charset="-128"/>
+            </a:endParaRPr>
+          </a:p>
+          <a:p>
+            <a:pPr marL="457200" indent="-457200">
+              <a:buFont typeface="+mj-lt"/>
+              <a:buAutoNum type="arabicPeriod"/>
+            </a:pPr>
+            <a:r>
+              <a:rPr lang="zh-CN" altLang="en-US" sz="2000" dirty="0" smtClean="0">
+                <a:latin typeface="+mn-ea"/>
+                <a:cs typeface="ＭＳ Ｐゴシック" charset="-128"/>
+              </a:rPr>
+              <a:t>对于</a:t>
+            </a:r>
+            <a:r>
+              <a:rPr lang="zh-CN" altLang="en-US" sz="2000" dirty="0" smtClean="0">
+                <a:latin typeface="+mn-ea"/>
+                <a:cs typeface="ＭＳ Ｐゴシック" charset="-128"/>
+              </a:rPr>
+              <a:t>宽依赖，在两个阶段（</a:t>
             </a:r>
             <a:r>
               <a:rPr lang="en-US" altLang="zh-CN" sz="2000" b="1" dirty="0" smtClean="0">
@@ -24043,8 +24094,64 @@
                 <a:latin typeface="+mn-ea"/>
                 <a:cs typeface="ＭＳ Ｐゴシック" charset="-128"/>
               </a:rPr>
-              <a:t>操作涉及到数据网络传输、中间结果排序等问题，会影响到整体性能。</a:t>
-            </a:r>
+              <a:t>操作涉及到数据网络传输、中间结果排序等问题，会影响到整体性能</a:t>
+            </a:r>
+            <a:r>
+              <a:rPr lang="zh-CN" altLang="en-US" sz="2000" dirty="0" smtClean="0">
+                <a:latin typeface="+mn-ea"/>
+                <a:cs typeface="ＭＳ Ｐゴシック" charset="-128"/>
+              </a:rPr>
+              <a:t>。</a:t>
+            </a:r>
+            <a:endParaRPr lang="en-US" altLang="zh-CN" sz="2000" dirty="0" smtClean="0">
+              <a:latin typeface="+mn-ea"/>
+              <a:cs typeface="ＭＳ Ｐゴシック" charset="-128"/>
+            </a:endParaRPr>
+          </a:p>
+          <a:p>
+            <a:pPr marL="457200" indent="-457200">
+              <a:buFont typeface="+mj-lt"/>
+              <a:buAutoNum type="arabicPeriod"/>
+            </a:pPr>
+            <a:r>
+              <a:rPr lang="zh-CN" altLang="en-US" sz="2000" dirty="0" smtClean="0"/>
+              <a:t>默认</a:t>
+            </a:r>
+            <a:r>
+              <a:rPr lang="zh-CN" altLang="en-US" sz="2000" dirty="0"/>
+              <a:t>情况下，</a:t>
+            </a:r>
+            <a:r>
+              <a:rPr lang="en-US" altLang="zh-CN" sz="2000" dirty="0"/>
+              <a:t>Spark</a:t>
+            </a:r>
+            <a:r>
+              <a:rPr lang="zh-CN" altLang="en-US" sz="2000" dirty="0"/>
+              <a:t>在</a:t>
+            </a:r>
+            <a:r>
+              <a:rPr lang="en-US" altLang="zh-CN" sz="2000" dirty="0"/>
+              <a:t>shuffle</a:t>
+            </a:r>
+            <a:r>
+              <a:rPr lang="zh-CN" altLang="en-US" sz="2000" dirty="0"/>
+              <a:t>前物化每个</a:t>
+            </a:r>
+            <a:r>
+              <a:rPr lang="en-US" altLang="zh-CN" sz="2000" dirty="0"/>
+              <a:t>map</a:t>
+            </a:r>
+            <a:r>
+              <a:rPr lang="zh-CN" altLang="en-US" sz="2000" dirty="0"/>
+              <a:t>任务的输出到内存，当有必要时（如内存吃紧）会存入磁盘。</a:t>
+            </a:r>
+            <a:endParaRPr lang="en-US" altLang="zh-CN" sz="2000" dirty="0"/>
+          </a:p>
+          <a:p>
+            <a:pPr marL="0" indent="0">
+              <a:buFontTx/>
+              <a:buNone/>
+            </a:pPr>
             <a:endParaRPr lang="en-US" sz="2000" dirty="0" smtClean="0">
               <a:latin typeface="+mn-ea"/>
               <a:cs typeface="ＭＳ Ｐゴシック" charset="-128"/>
@@ -31505,10 +31612,6 @@
                 </a:rPr>
                 <a:t>Task Set</a:t>
               </a:r>
-              <a:endParaRPr lang="en-US" sz="1600" dirty="0" smtClean="0">
-                <a:latin typeface="Corbel"/>
-                <a:cs typeface="Corbel"/>
-              </a:endParaRPr>
             </a:p>
           </p:txBody>
         </p:sp>
@@ -33065,7 +33168,76 @@
           <a:bodyPr/>
           <a:lstStyle/>
           <a:p>
-            <a:endParaRPr lang="zh-CN" altLang="en-US"/>
+            <a:endParaRPr lang="zh-CN" altLang="en-US" dirty="0"/>
+          </a:p>
+        </p:txBody>
+      </p:sp>
+      <p:sp>
+        <p:nvSpPr>
+          <p:cNvPr id="4" name="TextBox 3"/>
+          <p:cNvSpPr txBox="1"/>
+          <p:nvPr/>
+        </p:nvSpPr>
+        <p:spPr>
+          <a:xfrm>
+            <a:off x="395536" y="2276872"/>
+            <a:ext cx="8136904" cy="1569660"/>
+          </a:xfrm>
+          <a:prstGeom prst="rect">
+            <a:avLst/>
+          </a:prstGeom>
+          <a:noFill/>
+        </p:spPr>
+        <p:txBody>
+          <a:bodyPr wrap="square" rtlCol="0">
+            <a:spAutoFit/>
+          </a:bodyPr>
+          <a:lstStyle/>
+          <a:p>
+            <a:r>
+              <a:rPr lang="en-US" altLang="zh-CN" sz="3200" dirty="0"/>
+              <a:t>CREATE TABLE </a:t>
+            </a:r>
+            <a:r>
+              <a:rPr lang="en-US" altLang="zh-CN" sz="3200" dirty="0" err="1"/>
+              <a:t>latest_logs</a:t>
+            </a:r>
+            <a:endParaRPr lang="en-US" altLang="zh-CN" sz="3200" dirty="0"/>
+          </a:p>
+          <a:p>
+            <a:r>
+              <a:rPr lang="en-US" altLang="zh-CN" sz="3200" dirty="0" smtClean="0"/>
+              <a:t>      TBLPROPERTIES </a:t>
+            </a:r>
+            <a:r>
+              <a:rPr lang="en-US" altLang="zh-CN" sz="3200" dirty="0"/>
+              <a:t>("</a:t>
+            </a:r>
+            <a:r>
+              <a:rPr lang="en-US" altLang="zh-CN" sz="3200" dirty="0" err="1"/>
+              <a:t>shark.cache</a:t>
+            </a:r>
+            <a:r>
+              <a:rPr lang="en-US" altLang="zh-CN" sz="3200" dirty="0"/>
+              <a:t>"=true</a:t>
+            </a:r>
+            <a:r>
+              <a:rPr lang="en-US" altLang="zh-CN" sz="3200" dirty="0" smtClean="0"/>
+              <a:t>)  AS     SELECT </a:t>
+            </a:r>
+            <a:r>
+              <a:rPr lang="en-US" altLang="zh-CN" sz="3200" dirty="0"/>
+              <a:t>* FROM logs WHERE date &gt; </a:t>
+            </a:r>
+            <a:r>
+              <a:rPr lang="en-US" altLang="zh-CN" sz="3200" dirty="0" smtClean="0"/>
+              <a:t>now</a:t>
+            </a:r>
+            <a:r>
+              <a:rPr lang="en-US" altLang="zh-CN" sz="3200" dirty="0"/>
+              <a:t>()-3600;</a:t>
+            </a:r>
+            <a:endParaRPr lang="zh-CN" altLang="en-US" sz="3200" dirty="0"/>
           </a:p>
         </p:txBody>
       </p:sp>
@@ -33870,11 +34042,7 @@
             </a:pPr>
             <a:r>
               <a:rPr lang="zh-CN" altLang="en-US" dirty="0" smtClean="0"/>
-              <a:t>错误恢复可</a:t>
-            </a:r>
-            <a:r>
-              <a:rPr lang="zh-CN" altLang="en-US" dirty="0" smtClean="0"/>
-              <a:t>在集群中并行地展开：假如一个失败节点包含</a:t>
+              <a:t>错误恢复可在集群中并行地展开：假如一个失败节点包含</a:t>
             </a:r>
             <a:r>
               <a:rPr lang="en-US" altLang="zh-CN" dirty="0" smtClean="0"/>
@@ -34160,19 +34328,11 @@
             </a:r>
             <a:r>
               <a:rPr lang="zh-CN" altLang="en-US" dirty="0" smtClean="0"/>
-              <a:t>等。（</a:t>
-            </a:r>
-            <a:r>
-              <a:rPr lang="zh-CN" altLang="en-US" dirty="0" smtClean="0">
-                <a:solidFill>
-                  <a:srgbClr val="FF0000"/>
-                </a:solidFill>
-              </a:rPr>
-              <a:t>附上数据库系统优化的图</a:t>
+              <a:t>等</a:t>
             </a:r>
             <a:r>
               <a:rPr lang="zh-CN" altLang="en-US" dirty="0" smtClean="0"/>
-              <a:t>）</a:t>
+              <a:t>。</a:t>
             </a:r>
             <a:endParaRPr lang="en-US" altLang="zh-CN" dirty="0" smtClean="0"/>
           </a:p>
@@ -34247,11 +34407,7 @@
             </a:r>
             <a:r>
               <a:rPr lang="zh-CN" altLang="en-US" dirty="0" smtClean="0"/>
-              <a:t>”组成的物理</a:t>
-            </a:r>
-            <a:r>
-              <a:rPr lang="zh-CN" altLang="en-US" dirty="0" smtClean="0"/>
-              <a:t>计划。</a:t>
+              <a:t>”组成的物理计划。</a:t>
             </a:r>
             <a:endParaRPr lang="en-US" altLang="zh-CN" dirty="0" smtClean="0"/>
           </a:p>
@@ -34262,7 +34418,11 @@
             </a:pPr>
             <a:r>
               <a:rPr lang="zh-CN" altLang="en-US" dirty="0" smtClean="0"/>
-              <a:t>至此，一个查询操作在底层表现为</a:t>
+              <a:t>至此</a:t>
+            </a:r>
+            <a:r>
+              <a:rPr lang="zh-CN" altLang="en-US" dirty="0" smtClean="0"/>
+              <a:t>，一个查询操作在底层表现为</a:t>
             </a:r>
             <a:r>
               <a:rPr lang="en-US" altLang="zh-CN" b="1" dirty="0" smtClean="0"/>
@@ -34306,11 +34466,7 @@
             </a:r>
             <a:r>
               <a:rPr lang="zh-CN" altLang="en-US" dirty="0" smtClean="0"/>
-              <a:t>使用</a:t>
-            </a:r>
-            <a:r>
-              <a:rPr lang="zh-CN" altLang="en-US" dirty="0" smtClean="0"/>
-              <a:t>标准的</a:t>
+              <a:t>使用标准的</a:t>
             </a:r>
             <a:r>
               <a:rPr lang="en-US" altLang="zh-CN" dirty="0" err="1" smtClean="0"/>
@@ -34365,24 +34521,3264 @@
           <a:chExt cx="0" cy="0"/>
         </a:xfrm>
       </p:grpSpPr>
+      <p:grpSp>
+        <p:nvGrpSpPr>
+          <p:cNvPr id="2" name="组合 1"/>
+          <p:cNvGrpSpPr/>
+          <p:nvPr/>
+        </p:nvGrpSpPr>
+        <p:grpSpPr>
+          <a:xfrm>
+            <a:off x="88928" y="1133994"/>
+            <a:ext cx="7322153" cy="5339285"/>
+            <a:chOff x="1097947" y="719802"/>
+            <a:chExt cx="7322153" cy="5862954"/>
+          </a:xfrm>
+        </p:grpSpPr>
+        <p:sp>
+          <p:nvSpPr>
+            <p:cNvPr id="3" name="Text Box 5"/>
+            <p:cNvSpPr txBox="1">
+              <a:spLocks noChangeArrowheads="1"/>
+            </p:cNvSpPr>
+            <p:nvPr/>
+          </p:nvSpPr>
+          <p:spPr bwMode="auto">
+            <a:xfrm>
+              <a:off x="1866900" y="719802"/>
+              <a:ext cx="1981200" cy="642129"/>
+            </a:xfrm>
+            <a:prstGeom prst="rect">
+              <a:avLst/>
+            </a:prstGeom>
+            <a:noFill/>
+            <a:ln>
+              <a:noFill/>
+            </a:ln>
+            <a:effectLst/>
+            <a:extLst>
+              <a:ext uri="{909E8E84-426E-40DD-AFC4-6F175D3DCCD1}">
+                <a14:hiddenFill xmlns:a14="http://schemas.microsoft.com/office/drawing/2010/main">
+                  <a:solidFill>
+                    <a:schemeClr val="accent1"/>
+                  </a:solidFill>
+                </a14:hiddenFill>
+              </a:ext>
+              <a:ext uri="{91240B29-F687-4F45-9708-019B960494DF}">
+                <a14:hiddenLine xmlns:a14="http://schemas.microsoft.com/office/drawing/2010/main" w="12700" cap="sq">
+                  <a:solidFill>
+                    <a:schemeClr val="tx1"/>
+                  </a:solidFill>
+                  <a:miter lim="800000"/>
+                  <a:headEnd type="none" w="sm" len="sm"/>
+                  <a:tailEnd type="none" w="sm" len="sm"/>
+                </a14:hiddenLine>
+              </a:ext>
+              <a:ext uri="{AF507438-7753-43E0-B8FC-AC1667EBCBE1}">
+                <a14:hiddenEffects xmlns:a14="http://schemas.microsoft.com/office/drawing/2010/main">
+                  <a:effectLst>
+                    <a:outerShdw dist="35921" dir="2700000" algn="ctr" rotWithShape="0">
+                      <a:schemeClr val="bg2"/>
+                    </a:outerShdw>
+                  </a:effectLst>
+                </a14:hiddenEffects>
+              </a:ext>
+            </a:extLst>
+          </p:spPr>
+          <p:txBody>
+            <a:bodyPr>
+              <a:spAutoFit/>
+            </a:bodyPr>
+            <a:lstStyle>
+              <a:defPPr>
+                <a:defRPr lang="en-US"/>
+              </a:defPPr>
+              <a:lvl1pPr algn="l" rtl="0" fontAlgn="base">
+                <a:spcBef>
+                  <a:spcPct val="0"/>
+                </a:spcBef>
+                <a:spcAft>
+                  <a:spcPct val="0"/>
+                </a:spcAft>
+                <a:defRPr kumimoji="1" sz="3600" kern="1200">
+                  <a:solidFill>
+                    <a:schemeClr val="tx1"/>
+                  </a:solidFill>
+                  <a:latin typeface="Times New Roman" pitchFamily="18" charset="0"/>
+                  <a:ea typeface="宋体" pitchFamily="2" charset="-122"/>
+                  <a:cs typeface="+mn-cs"/>
+                </a:defRPr>
+              </a:lvl1pPr>
+              <a:lvl2pPr marL="457200" algn="l" rtl="0" fontAlgn="base">
+                <a:spcBef>
+                  <a:spcPct val="0"/>
+                </a:spcBef>
+                <a:spcAft>
+                  <a:spcPct val="0"/>
+                </a:spcAft>
+                <a:defRPr kumimoji="1" sz="3600" kern="1200">
+                  <a:solidFill>
+                    <a:schemeClr val="tx1"/>
+                  </a:solidFill>
+                  <a:latin typeface="Times New Roman" pitchFamily="18" charset="0"/>
+                  <a:ea typeface="宋体" pitchFamily="2" charset="-122"/>
+                  <a:cs typeface="+mn-cs"/>
+                </a:defRPr>
+              </a:lvl2pPr>
+              <a:lvl3pPr marL="914400" algn="l" rtl="0" fontAlgn="base">
+                <a:spcBef>
+                  <a:spcPct val="0"/>
+                </a:spcBef>
+                <a:spcAft>
+                  <a:spcPct val="0"/>
+                </a:spcAft>
+                <a:defRPr kumimoji="1" sz="3600" kern="1200">
+                  <a:solidFill>
+                    <a:schemeClr val="tx1"/>
+                  </a:solidFill>
+                  <a:latin typeface="Times New Roman" pitchFamily="18" charset="0"/>
+                  <a:ea typeface="宋体" pitchFamily="2" charset="-122"/>
+                  <a:cs typeface="+mn-cs"/>
+                </a:defRPr>
+              </a:lvl3pPr>
+              <a:lvl4pPr marL="1371600" algn="l" rtl="0" fontAlgn="base">
+                <a:spcBef>
+                  <a:spcPct val="0"/>
+                </a:spcBef>
+                <a:spcAft>
+                  <a:spcPct val="0"/>
+                </a:spcAft>
+                <a:defRPr kumimoji="1" sz="3600" kern="1200">
+                  <a:solidFill>
+                    <a:schemeClr val="tx1"/>
+                  </a:solidFill>
+                  <a:latin typeface="Times New Roman" pitchFamily="18" charset="0"/>
+                  <a:ea typeface="宋体" pitchFamily="2" charset="-122"/>
+                  <a:cs typeface="+mn-cs"/>
+                </a:defRPr>
+              </a:lvl4pPr>
+              <a:lvl5pPr marL="1828800" algn="l" rtl="0" fontAlgn="base">
+                <a:spcBef>
+                  <a:spcPct val="0"/>
+                </a:spcBef>
+                <a:spcAft>
+                  <a:spcPct val="0"/>
+                </a:spcAft>
+                <a:defRPr kumimoji="1" sz="3600" kern="1200">
+                  <a:solidFill>
+                    <a:schemeClr val="tx1"/>
+                  </a:solidFill>
+                  <a:latin typeface="Times New Roman" pitchFamily="18" charset="0"/>
+                  <a:ea typeface="宋体" pitchFamily="2" charset="-122"/>
+                  <a:cs typeface="+mn-cs"/>
+                </a:defRPr>
+              </a:lvl5pPr>
+              <a:lvl6pPr marL="2286000" algn="l" defTabSz="914400" rtl="0" eaLnBrk="1" latinLnBrk="0" hangingPunct="1">
+                <a:defRPr kumimoji="1" sz="3600" kern="1200">
+                  <a:solidFill>
+                    <a:schemeClr val="tx1"/>
+                  </a:solidFill>
+                  <a:latin typeface="Times New Roman" pitchFamily="18" charset="0"/>
+                  <a:ea typeface="宋体" pitchFamily="2" charset="-122"/>
+                  <a:cs typeface="+mn-cs"/>
+                </a:defRPr>
+              </a:lvl6pPr>
+              <a:lvl7pPr marL="2743200" algn="l" defTabSz="914400" rtl="0" eaLnBrk="1" latinLnBrk="0" hangingPunct="1">
+                <a:defRPr kumimoji="1" sz="3600" kern="1200">
+                  <a:solidFill>
+                    <a:schemeClr val="tx1"/>
+                  </a:solidFill>
+                  <a:latin typeface="Times New Roman" pitchFamily="18" charset="0"/>
+                  <a:ea typeface="宋体" pitchFamily="2" charset="-122"/>
+                  <a:cs typeface="+mn-cs"/>
+                </a:defRPr>
+              </a:lvl7pPr>
+              <a:lvl8pPr marL="3200400" algn="l" defTabSz="914400" rtl="0" eaLnBrk="1" latinLnBrk="0" hangingPunct="1">
+                <a:defRPr kumimoji="1" sz="3600" kern="1200">
+                  <a:solidFill>
+                    <a:schemeClr val="tx1"/>
+                  </a:solidFill>
+                  <a:latin typeface="Times New Roman" pitchFamily="18" charset="0"/>
+                  <a:ea typeface="宋体" pitchFamily="2" charset="-122"/>
+                  <a:cs typeface="+mn-cs"/>
+                </a:defRPr>
+              </a:lvl8pPr>
+              <a:lvl9pPr marL="3657600" algn="l" defTabSz="914400" rtl="0" eaLnBrk="1" latinLnBrk="0" hangingPunct="1">
+                <a:defRPr kumimoji="1" sz="3600" kern="1200">
+                  <a:solidFill>
+                    <a:schemeClr val="tx1"/>
+                  </a:solidFill>
+                  <a:latin typeface="Times New Roman" pitchFamily="18" charset="0"/>
+                  <a:ea typeface="宋体" pitchFamily="2" charset="-122"/>
+                  <a:cs typeface="+mn-cs"/>
+                </a:defRPr>
+              </a:lvl9pPr>
+            </a:lstStyle>
+            <a:p>
+              <a:pPr>
+                <a:spcBef>
+                  <a:spcPct val="50000"/>
+                </a:spcBef>
+              </a:pPr>
+              <a:r>
+                <a:rPr lang="zh-CN" altLang="en-US" sz="3200" b="1" dirty="0"/>
+                <a:t> </a:t>
+              </a:r>
+              <a:r>
+                <a:rPr lang="en-US" altLang="zh-CN" sz="3200" b="1" dirty="0"/>
+                <a:t>π</a:t>
+              </a:r>
+              <a:r>
+                <a:rPr lang="en-US" altLang="zh-CN" sz="2000" b="1" dirty="0"/>
+                <a:t> </a:t>
+              </a:r>
+              <a:r>
+                <a:rPr lang="en-US" altLang="zh-CN" sz="1400" b="1" dirty="0"/>
+                <a:t>T, N</a:t>
+              </a:r>
+              <a:r>
+                <a:rPr lang="en-US" altLang="zh-CN" sz="2000" b="1" dirty="0"/>
+                <a:t> </a:t>
+              </a:r>
+              <a:endParaRPr lang="zh-CN" altLang="en-US" sz="2000" b="1" dirty="0"/>
+            </a:p>
+          </p:txBody>
+        </p:sp>
+        <p:sp>
+          <p:nvSpPr>
+            <p:cNvPr id="4" name="Text Box 6"/>
+            <p:cNvSpPr txBox="1">
+              <a:spLocks noChangeArrowheads="1"/>
+            </p:cNvSpPr>
+            <p:nvPr/>
+          </p:nvSpPr>
+          <p:spPr bwMode="auto">
+            <a:xfrm>
+              <a:off x="1828800" y="1355724"/>
+              <a:ext cx="3352800" cy="642129"/>
+            </a:xfrm>
+            <a:prstGeom prst="rect">
+              <a:avLst/>
+            </a:prstGeom>
+            <a:noFill/>
+            <a:ln>
+              <a:noFill/>
+            </a:ln>
+            <a:effectLst/>
+            <a:extLst>
+              <a:ext uri="{909E8E84-426E-40DD-AFC4-6F175D3DCCD1}">
+                <a14:hiddenFill xmlns:a14="http://schemas.microsoft.com/office/drawing/2010/main">
+                  <a:solidFill>
+                    <a:schemeClr val="accent1"/>
+                  </a:solidFill>
+                </a14:hiddenFill>
+              </a:ext>
+              <a:ext uri="{91240B29-F687-4F45-9708-019B960494DF}">
+                <a14:hiddenLine xmlns:a14="http://schemas.microsoft.com/office/drawing/2010/main" w="12700" cap="sq">
+                  <a:solidFill>
+                    <a:schemeClr val="tx1"/>
+                  </a:solidFill>
+                  <a:miter lim="800000"/>
+                  <a:headEnd type="none" w="sm" len="sm"/>
+                  <a:tailEnd type="none" w="sm" len="sm"/>
+                </a14:hiddenLine>
+              </a:ext>
+              <a:ext uri="{AF507438-7753-43E0-B8FC-AC1667EBCBE1}">
+                <a14:hiddenEffects xmlns:a14="http://schemas.microsoft.com/office/drawing/2010/main">
+                  <a:effectLst>
+                    <a:outerShdw dist="35921" dir="2700000" algn="ctr" rotWithShape="0">
+                      <a:schemeClr val="bg2"/>
+                    </a:outerShdw>
+                  </a:effectLst>
+                </a14:hiddenEffects>
+              </a:ext>
+            </a:extLst>
+          </p:spPr>
+          <p:txBody>
+            <a:bodyPr>
+              <a:spAutoFit/>
+            </a:bodyPr>
+            <a:lstStyle>
+              <a:defPPr>
+                <a:defRPr lang="en-US"/>
+              </a:defPPr>
+              <a:lvl1pPr algn="l" rtl="0" fontAlgn="base">
+                <a:spcBef>
+                  <a:spcPct val="0"/>
+                </a:spcBef>
+                <a:spcAft>
+                  <a:spcPct val="0"/>
+                </a:spcAft>
+                <a:defRPr kumimoji="1" sz="3600" kern="1200">
+                  <a:solidFill>
+                    <a:schemeClr val="tx1"/>
+                  </a:solidFill>
+                  <a:latin typeface="Times New Roman" pitchFamily="18" charset="0"/>
+                  <a:ea typeface="宋体" pitchFamily="2" charset="-122"/>
+                  <a:cs typeface="+mn-cs"/>
+                </a:defRPr>
+              </a:lvl1pPr>
+              <a:lvl2pPr marL="457200" algn="l" rtl="0" fontAlgn="base">
+                <a:spcBef>
+                  <a:spcPct val="0"/>
+                </a:spcBef>
+                <a:spcAft>
+                  <a:spcPct val="0"/>
+                </a:spcAft>
+                <a:defRPr kumimoji="1" sz="3600" kern="1200">
+                  <a:solidFill>
+                    <a:schemeClr val="tx1"/>
+                  </a:solidFill>
+                  <a:latin typeface="Times New Roman" pitchFamily="18" charset="0"/>
+                  <a:ea typeface="宋体" pitchFamily="2" charset="-122"/>
+                  <a:cs typeface="+mn-cs"/>
+                </a:defRPr>
+              </a:lvl2pPr>
+              <a:lvl3pPr marL="914400" algn="l" rtl="0" fontAlgn="base">
+                <a:spcBef>
+                  <a:spcPct val="0"/>
+                </a:spcBef>
+                <a:spcAft>
+                  <a:spcPct val="0"/>
+                </a:spcAft>
+                <a:defRPr kumimoji="1" sz="3600" kern="1200">
+                  <a:solidFill>
+                    <a:schemeClr val="tx1"/>
+                  </a:solidFill>
+                  <a:latin typeface="Times New Roman" pitchFamily="18" charset="0"/>
+                  <a:ea typeface="宋体" pitchFamily="2" charset="-122"/>
+                  <a:cs typeface="+mn-cs"/>
+                </a:defRPr>
+              </a:lvl3pPr>
+              <a:lvl4pPr marL="1371600" algn="l" rtl="0" fontAlgn="base">
+                <a:spcBef>
+                  <a:spcPct val="0"/>
+                </a:spcBef>
+                <a:spcAft>
+                  <a:spcPct val="0"/>
+                </a:spcAft>
+                <a:defRPr kumimoji="1" sz="3600" kern="1200">
+                  <a:solidFill>
+                    <a:schemeClr val="tx1"/>
+                  </a:solidFill>
+                  <a:latin typeface="Times New Roman" pitchFamily="18" charset="0"/>
+                  <a:ea typeface="宋体" pitchFamily="2" charset="-122"/>
+                  <a:cs typeface="+mn-cs"/>
+                </a:defRPr>
+              </a:lvl4pPr>
+              <a:lvl5pPr marL="1828800" algn="l" rtl="0" fontAlgn="base">
+                <a:spcBef>
+                  <a:spcPct val="0"/>
+                </a:spcBef>
+                <a:spcAft>
+                  <a:spcPct val="0"/>
+                </a:spcAft>
+                <a:defRPr kumimoji="1" sz="3600" kern="1200">
+                  <a:solidFill>
+                    <a:schemeClr val="tx1"/>
+                  </a:solidFill>
+                  <a:latin typeface="Times New Roman" pitchFamily="18" charset="0"/>
+                  <a:ea typeface="宋体" pitchFamily="2" charset="-122"/>
+                  <a:cs typeface="+mn-cs"/>
+                </a:defRPr>
+              </a:lvl5pPr>
+              <a:lvl6pPr marL="2286000" algn="l" defTabSz="914400" rtl="0" eaLnBrk="1" latinLnBrk="0" hangingPunct="1">
+                <a:defRPr kumimoji="1" sz="3600" kern="1200">
+                  <a:solidFill>
+                    <a:schemeClr val="tx1"/>
+                  </a:solidFill>
+                  <a:latin typeface="Times New Roman" pitchFamily="18" charset="0"/>
+                  <a:ea typeface="宋体" pitchFamily="2" charset="-122"/>
+                  <a:cs typeface="+mn-cs"/>
+                </a:defRPr>
+              </a:lvl6pPr>
+              <a:lvl7pPr marL="2743200" algn="l" defTabSz="914400" rtl="0" eaLnBrk="1" latinLnBrk="0" hangingPunct="1">
+                <a:defRPr kumimoji="1" sz="3600" kern="1200">
+                  <a:solidFill>
+                    <a:schemeClr val="tx1"/>
+                  </a:solidFill>
+                  <a:latin typeface="Times New Roman" pitchFamily="18" charset="0"/>
+                  <a:ea typeface="宋体" pitchFamily="2" charset="-122"/>
+                  <a:cs typeface="+mn-cs"/>
+                </a:defRPr>
+              </a:lvl7pPr>
+              <a:lvl8pPr marL="3200400" algn="l" defTabSz="914400" rtl="0" eaLnBrk="1" latinLnBrk="0" hangingPunct="1">
+                <a:defRPr kumimoji="1" sz="3600" kern="1200">
+                  <a:solidFill>
+                    <a:schemeClr val="tx1"/>
+                  </a:solidFill>
+                  <a:latin typeface="Times New Roman" pitchFamily="18" charset="0"/>
+                  <a:ea typeface="宋体" pitchFamily="2" charset="-122"/>
+                  <a:cs typeface="+mn-cs"/>
+                </a:defRPr>
+              </a:lvl8pPr>
+              <a:lvl9pPr marL="3657600" algn="l" defTabSz="914400" rtl="0" eaLnBrk="1" latinLnBrk="0" hangingPunct="1">
+                <a:defRPr kumimoji="1" sz="3600" kern="1200">
+                  <a:solidFill>
+                    <a:schemeClr val="tx1"/>
+                  </a:solidFill>
+                  <a:latin typeface="Times New Roman" pitchFamily="18" charset="0"/>
+                  <a:ea typeface="宋体" pitchFamily="2" charset="-122"/>
+                  <a:cs typeface="+mn-cs"/>
+                </a:defRPr>
+              </a:lvl9pPr>
+            </a:lstStyle>
+            <a:p>
+              <a:pPr>
+                <a:spcBef>
+                  <a:spcPct val="50000"/>
+                </a:spcBef>
+              </a:pPr>
+              <a:r>
+                <a:rPr lang="zh-CN" altLang="en-US" sz="3200" b="1" dirty="0"/>
+                <a:t> </a:t>
+              </a:r>
+              <a:r>
+                <a:rPr lang="en-US" altLang="zh-CN" sz="3200" b="1" dirty="0" err="1"/>
+                <a:t>σ</a:t>
+              </a:r>
+              <a:r>
+                <a:rPr lang="en-US" altLang="zh-CN" sz="1200" b="1" dirty="0" err="1"/>
+                <a:t>D</a:t>
+              </a:r>
+              <a:r>
+                <a:rPr lang="en-US" altLang="zh-CN" sz="1200" b="1" dirty="0"/>
+                <a:t>&lt;20010101</a:t>
+              </a:r>
+              <a:endParaRPr lang="zh-CN" altLang="en-US" sz="1200" b="1" dirty="0"/>
+            </a:p>
+          </p:txBody>
+        </p:sp>
+        <p:sp>
+          <p:nvSpPr>
+            <p:cNvPr id="5" name="Text Box 8"/>
+            <p:cNvSpPr txBox="1">
+              <a:spLocks noChangeArrowheads="1"/>
+            </p:cNvSpPr>
+            <p:nvPr/>
+          </p:nvSpPr>
+          <p:spPr bwMode="auto">
+            <a:xfrm>
+              <a:off x="1478947" y="2390584"/>
+              <a:ext cx="5410200" cy="642129"/>
+            </a:xfrm>
+            <a:prstGeom prst="rect">
+              <a:avLst/>
+            </a:prstGeom>
+            <a:noFill/>
+            <a:ln>
+              <a:noFill/>
+            </a:ln>
+            <a:effectLst/>
+            <a:extLst>
+              <a:ext uri="{909E8E84-426E-40DD-AFC4-6F175D3DCCD1}">
+                <a14:hiddenFill xmlns:a14="http://schemas.microsoft.com/office/drawing/2010/main">
+                  <a:solidFill>
+                    <a:schemeClr val="accent1"/>
+                  </a:solidFill>
+                </a14:hiddenFill>
+              </a:ext>
+              <a:ext uri="{91240B29-F687-4F45-9708-019B960494DF}">
+                <a14:hiddenLine xmlns:a14="http://schemas.microsoft.com/office/drawing/2010/main" w="12700" cap="sq">
+                  <a:solidFill>
+                    <a:schemeClr val="tx1"/>
+                  </a:solidFill>
+                  <a:miter lim="800000"/>
+                  <a:headEnd type="none" w="sm" len="sm"/>
+                  <a:tailEnd type="none" w="sm" len="sm"/>
+                </a14:hiddenLine>
+              </a:ext>
+              <a:ext uri="{AF507438-7753-43E0-B8FC-AC1667EBCBE1}">
+                <a14:hiddenEffects xmlns:a14="http://schemas.microsoft.com/office/drawing/2010/main">
+                  <a:effectLst>
+                    <a:outerShdw dist="35921" dir="2700000" algn="ctr" rotWithShape="0">
+                      <a:schemeClr val="bg2"/>
+                    </a:outerShdw>
+                  </a:effectLst>
+                </a14:hiddenEffects>
+              </a:ext>
+            </a:extLst>
+          </p:spPr>
+          <p:txBody>
+            <a:bodyPr>
+              <a:spAutoFit/>
+            </a:bodyPr>
+            <a:lstStyle>
+              <a:defPPr>
+                <a:defRPr lang="en-US"/>
+              </a:defPPr>
+              <a:lvl1pPr algn="l" rtl="0" fontAlgn="base">
+                <a:spcBef>
+                  <a:spcPct val="0"/>
+                </a:spcBef>
+                <a:spcAft>
+                  <a:spcPct val="0"/>
+                </a:spcAft>
+                <a:defRPr kumimoji="1" sz="3600" kern="1200">
+                  <a:solidFill>
+                    <a:schemeClr val="tx1"/>
+                  </a:solidFill>
+                  <a:latin typeface="Times New Roman" pitchFamily="18" charset="0"/>
+                  <a:ea typeface="宋体" pitchFamily="2" charset="-122"/>
+                  <a:cs typeface="+mn-cs"/>
+                </a:defRPr>
+              </a:lvl1pPr>
+              <a:lvl2pPr marL="457200" algn="l" rtl="0" fontAlgn="base">
+                <a:spcBef>
+                  <a:spcPct val="0"/>
+                </a:spcBef>
+                <a:spcAft>
+                  <a:spcPct val="0"/>
+                </a:spcAft>
+                <a:defRPr kumimoji="1" sz="3600" kern="1200">
+                  <a:solidFill>
+                    <a:schemeClr val="tx1"/>
+                  </a:solidFill>
+                  <a:latin typeface="Times New Roman" pitchFamily="18" charset="0"/>
+                  <a:ea typeface="宋体" pitchFamily="2" charset="-122"/>
+                  <a:cs typeface="+mn-cs"/>
+                </a:defRPr>
+              </a:lvl2pPr>
+              <a:lvl3pPr marL="914400" algn="l" rtl="0" fontAlgn="base">
+                <a:spcBef>
+                  <a:spcPct val="0"/>
+                </a:spcBef>
+                <a:spcAft>
+                  <a:spcPct val="0"/>
+                </a:spcAft>
+                <a:defRPr kumimoji="1" sz="3600" kern="1200">
+                  <a:solidFill>
+                    <a:schemeClr val="tx1"/>
+                  </a:solidFill>
+                  <a:latin typeface="Times New Roman" pitchFamily="18" charset="0"/>
+                  <a:ea typeface="宋体" pitchFamily="2" charset="-122"/>
+                  <a:cs typeface="+mn-cs"/>
+                </a:defRPr>
+              </a:lvl3pPr>
+              <a:lvl4pPr marL="1371600" algn="l" rtl="0" fontAlgn="base">
+                <a:spcBef>
+                  <a:spcPct val="0"/>
+                </a:spcBef>
+                <a:spcAft>
+                  <a:spcPct val="0"/>
+                </a:spcAft>
+                <a:defRPr kumimoji="1" sz="3600" kern="1200">
+                  <a:solidFill>
+                    <a:schemeClr val="tx1"/>
+                  </a:solidFill>
+                  <a:latin typeface="Times New Roman" pitchFamily="18" charset="0"/>
+                  <a:ea typeface="宋体" pitchFamily="2" charset="-122"/>
+                  <a:cs typeface="+mn-cs"/>
+                </a:defRPr>
+              </a:lvl4pPr>
+              <a:lvl5pPr marL="1828800" algn="l" rtl="0" fontAlgn="base">
+                <a:spcBef>
+                  <a:spcPct val="0"/>
+                </a:spcBef>
+                <a:spcAft>
+                  <a:spcPct val="0"/>
+                </a:spcAft>
+                <a:defRPr kumimoji="1" sz="3600" kern="1200">
+                  <a:solidFill>
+                    <a:schemeClr val="tx1"/>
+                  </a:solidFill>
+                  <a:latin typeface="Times New Roman" pitchFamily="18" charset="0"/>
+                  <a:ea typeface="宋体" pitchFamily="2" charset="-122"/>
+                  <a:cs typeface="+mn-cs"/>
+                </a:defRPr>
+              </a:lvl5pPr>
+              <a:lvl6pPr marL="2286000" algn="l" defTabSz="914400" rtl="0" eaLnBrk="1" latinLnBrk="0" hangingPunct="1">
+                <a:defRPr kumimoji="1" sz="3600" kern="1200">
+                  <a:solidFill>
+                    <a:schemeClr val="tx1"/>
+                  </a:solidFill>
+                  <a:latin typeface="Times New Roman" pitchFamily="18" charset="0"/>
+                  <a:ea typeface="宋体" pitchFamily="2" charset="-122"/>
+                  <a:cs typeface="+mn-cs"/>
+                </a:defRPr>
+              </a:lvl6pPr>
+              <a:lvl7pPr marL="2743200" algn="l" defTabSz="914400" rtl="0" eaLnBrk="1" latinLnBrk="0" hangingPunct="1">
+                <a:defRPr kumimoji="1" sz="3600" kern="1200">
+                  <a:solidFill>
+                    <a:schemeClr val="tx1"/>
+                  </a:solidFill>
+                  <a:latin typeface="Times New Roman" pitchFamily="18" charset="0"/>
+                  <a:ea typeface="宋体" pitchFamily="2" charset="-122"/>
+                  <a:cs typeface="+mn-cs"/>
+                </a:defRPr>
+              </a:lvl7pPr>
+              <a:lvl8pPr marL="3200400" algn="l" defTabSz="914400" rtl="0" eaLnBrk="1" latinLnBrk="0" hangingPunct="1">
+                <a:defRPr kumimoji="1" sz="3600" kern="1200">
+                  <a:solidFill>
+                    <a:schemeClr val="tx1"/>
+                  </a:solidFill>
+                  <a:latin typeface="Times New Roman" pitchFamily="18" charset="0"/>
+                  <a:ea typeface="宋体" pitchFamily="2" charset="-122"/>
+                  <a:cs typeface="+mn-cs"/>
+                </a:defRPr>
+              </a:lvl8pPr>
+              <a:lvl9pPr marL="3657600" algn="l" defTabSz="914400" rtl="0" eaLnBrk="1" latinLnBrk="0" hangingPunct="1">
+                <a:defRPr kumimoji="1" sz="3600" kern="1200">
+                  <a:solidFill>
+                    <a:schemeClr val="tx1"/>
+                  </a:solidFill>
+                  <a:latin typeface="Times New Roman" pitchFamily="18" charset="0"/>
+                  <a:ea typeface="宋体" pitchFamily="2" charset="-122"/>
+                  <a:cs typeface="+mn-cs"/>
+                </a:defRPr>
+              </a:lvl9pPr>
+            </a:lstStyle>
+            <a:p>
+              <a:pPr>
+                <a:spcBef>
+                  <a:spcPct val="50000"/>
+                </a:spcBef>
+              </a:pPr>
+              <a:r>
+                <a:rPr lang="zh-CN" altLang="en-US" sz="3200" b="1" dirty="0"/>
+                <a:t> </a:t>
+              </a:r>
+              <a:r>
+                <a:rPr lang="en-US" altLang="zh-CN" sz="3200" b="1" dirty="0"/>
+                <a:t>π</a:t>
+              </a:r>
+              <a:r>
+                <a:rPr lang="en-US" altLang="zh-CN" sz="1800" b="1" dirty="0"/>
+                <a:t> </a:t>
+              </a:r>
+              <a:r>
+                <a:rPr lang="en-US" altLang="zh-CN" sz="1400" b="1" dirty="0"/>
+                <a:t>T, A, P, BN, N, C, LN, D</a:t>
+              </a:r>
+              <a:r>
+                <a:rPr lang="en-US" altLang="zh-CN" sz="1800" b="1" dirty="0"/>
+                <a:t> </a:t>
+              </a:r>
+              <a:endParaRPr lang="zh-CN" altLang="en-US" sz="1800" b="1" dirty="0"/>
+            </a:p>
+          </p:txBody>
+        </p:sp>
+        <p:sp>
+          <p:nvSpPr>
+            <p:cNvPr id="6" name="Text Box 9"/>
+            <p:cNvSpPr txBox="1">
+              <a:spLocks noChangeArrowheads="1"/>
+            </p:cNvSpPr>
+            <p:nvPr/>
+          </p:nvSpPr>
+          <p:spPr bwMode="auto">
+            <a:xfrm>
+              <a:off x="1943100" y="3184525"/>
+              <a:ext cx="6477000" cy="642129"/>
+            </a:xfrm>
+            <a:prstGeom prst="rect">
+              <a:avLst/>
+            </a:prstGeom>
+            <a:noFill/>
+            <a:ln>
+              <a:noFill/>
+            </a:ln>
+            <a:effectLst/>
+            <a:extLst>
+              <a:ext uri="{909E8E84-426E-40DD-AFC4-6F175D3DCCD1}">
+                <a14:hiddenFill xmlns:a14="http://schemas.microsoft.com/office/drawing/2010/main">
+                  <a:solidFill>
+                    <a:schemeClr val="accent1"/>
+                  </a:solidFill>
+                </a14:hiddenFill>
+              </a:ext>
+              <a:ext uri="{91240B29-F687-4F45-9708-019B960494DF}">
+                <a14:hiddenLine xmlns:a14="http://schemas.microsoft.com/office/drawing/2010/main" w="12700" cap="sq">
+                  <a:solidFill>
+                    <a:schemeClr val="tx1"/>
+                  </a:solidFill>
+                  <a:miter lim="800000"/>
+                  <a:headEnd type="none" w="sm" len="sm"/>
+                  <a:tailEnd type="none" w="sm" len="sm"/>
+                </a14:hiddenLine>
+              </a:ext>
+              <a:ext uri="{AF507438-7753-43E0-B8FC-AC1667EBCBE1}">
+                <a14:hiddenEffects xmlns:a14="http://schemas.microsoft.com/office/drawing/2010/main">
+                  <a:effectLst>
+                    <a:outerShdw dist="35921" dir="2700000" algn="ctr" rotWithShape="0">
+                      <a:schemeClr val="bg2"/>
+                    </a:outerShdw>
+                  </a:effectLst>
+                </a14:hiddenEffects>
+              </a:ext>
+            </a:extLst>
+          </p:spPr>
+          <p:txBody>
+            <a:bodyPr>
+              <a:spAutoFit/>
+            </a:bodyPr>
+            <a:lstStyle>
+              <a:defPPr>
+                <a:defRPr lang="en-US"/>
+              </a:defPPr>
+              <a:lvl1pPr algn="l" rtl="0" fontAlgn="base">
+                <a:spcBef>
+                  <a:spcPct val="0"/>
+                </a:spcBef>
+                <a:spcAft>
+                  <a:spcPct val="0"/>
+                </a:spcAft>
+                <a:defRPr kumimoji="1" sz="3600" kern="1200">
+                  <a:solidFill>
+                    <a:schemeClr val="tx1"/>
+                  </a:solidFill>
+                  <a:latin typeface="Times New Roman" pitchFamily="18" charset="0"/>
+                  <a:ea typeface="宋体" pitchFamily="2" charset="-122"/>
+                  <a:cs typeface="+mn-cs"/>
+                </a:defRPr>
+              </a:lvl1pPr>
+              <a:lvl2pPr marL="457200" algn="l" rtl="0" fontAlgn="base">
+                <a:spcBef>
+                  <a:spcPct val="0"/>
+                </a:spcBef>
+                <a:spcAft>
+                  <a:spcPct val="0"/>
+                </a:spcAft>
+                <a:defRPr kumimoji="1" sz="3600" kern="1200">
+                  <a:solidFill>
+                    <a:schemeClr val="tx1"/>
+                  </a:solidFill>
+                  <a:latin typeface="Times New Roman" pitchFamily="18" charset="0"/>
+                  <a:ea typeface="宋体" pitchFamily="2" charset="-122"/>
+                  <a:cs typeface="+mn-cs"/>
+                </a:defRPr>
+              </a:lvl2pPr>
+              <a:lvl3pPr marL="914400" algn="l" rtl="0" fontAlgn="base">
+                <a:spcBef>
+                  <a:spcPct val="0"/>
+                </a:spcBef>
+                <a:spcAft>
+                  <a:spcPct val="0"/>
+                </a:spcAft>
+                <a:defRPr kumimoji="1" sz="3600" kern="1200">
+                  <a:solidFill>
+                    <a:schemeClr val="tx1"/>
+                  </a:solidFill>
+                  <a:latin typeface="Times New Roman" pitchFamily="18" charset="0"/>
+                  <a:ea typeface="宋体" pitchFamily="2" charset="-122"/>
+                  <a:cs typeface="+mn-cs"/>
+                </a:defRPr>
+              </a:lvl3pPr>
+              <a:lvl4pPr marL="1371600" algn="l" rtl="0" fontAlgn="base">
+                <a:spcBef>
+                  <a:spcPct val="0"/>
+                </a:spcBef>
+                <a:spcAft>
+                  <a:spcPct val="0"/>
+                </a:spcAft>
+                <a:defRPr kumimoji="1" sz="3600" kern="1200">
+                  <a:solidFill>
+                    <a:schemeClr val="tx1"/>
+                  </a:solidFill>
+                  <a:latin typeface="Times New Roman" pitchFamily="18" charset="0"/>
+                  <a:ea typeface="宋体" pitchFamily="2" charset="-122"/>
+                  <a:cs typeface="+mn-cs"/>
+                </a:defRPr>
+              </a:lvl4pPr>
+              <a:lvl5pPr marL="1828800" algn="l" rtl="0" fontAlgn="base">
+                <a:spcBef>
+                  <a:spcPct val="0"/>
+                </a:spcBef>
+                <a:spcAft>
+                  <a:spcPct val="0"/>
+                </a:spcAft>
+                <a:defRPr kumimoji="1" sz="3600" kern="1200">
+                  <a:solidFill>
+                    <a:schemeClr val="tx1"/>
+                  </a:solidFill>
+                  <a:latin typeface="Times New Roman" pitchFamily="18" charset="0"/>
+                  <a:ea typeface="宋体" pitchFamily="2" charset="-122"/>
+                  <a:cs typeface="+mn-cs"/>
+                </a:defRPr>
+              </a:lvl5pPr>
+              <a:lvl6pPr marL="2286000" algn="l" defTabSz="914400" rtl="0" eaLnBrk="1" latinLnBrk="0" hangingPunct="1">
+                <a:defRPr kumimoji="1" sz="3600" kern="1200">
+                  <a:solidFill>
+                    <a:schemeClr val="tx1"/>
+                  </a:solidFill>
+                  <a:latin typeface="Times New Roman" pitchFamily="18" charset="0"/>
+                  <a:ea typeface="宋体" pitchFamily="2" charset="-122"/>
+                  <a:cs typeface="+mn-cs"/>
+                </a:defRPr>
+              </a:lvl6pPr>
+              <a:lvl7pPr marL="2743200" algn="l" defTabSz="914400" rtl="0" eaLnBrk="1" latinLnBrk="0" hangingPunct="1">
+                <a:defRPr kumimoji="1" sz="3600" kern="1200">
+                  <a:solidFill>
+                    <a:schemeClr val="tx1"/>
+                  </a:solidFill>
+                  <a:latin typeface="Times New Roman" pitchFamily="18" charset="0"/>
+                  <a:ea typeface="宋体" pitchFamily="2" charset="-122"/>
+                  <a:cs typeface="+mn-cs"/>
+                </a:defRPr>
+              </a:lvl7pPr>
+              <a:lvl8pPr marL="3200400" algn="l" defTabSz="914400" rtl="0" eaLnBrk="1" latinLnBrk="0" hangingPunct="1">
+                <a:defRPr kumimoji="1" sz="3600" kern="1200">
+                  <a:solidFill>
+                    <a:schemeClr val="tx1"/>
+                  </a:solidFill>
+                  <a:latin typeface="Times New Roman" pitchFamily="18" charset="0"/>
+                  <a:ea typeface="宋体" pitchFamily="2" charset="-122"/>
+                  <a:cs typeface="+mn-cs"/>
+                </a:defRPr>
+              </a:lvl8pPr>
+              <a:lvl9pPr marL="3657600" algn="l" defTabSz="914400" rtl="0" eaLnBrk="1" latinLnBrk="0" hangingPunct="1">
+                <a:defRPr kumimoji="1" sz="3600" kern="1200">
+                  <a:solidFill>
+                    <a:schemeClr val="tx1"/>
+                  </a:solidFill>
+                  <a:latin typeface="Times New Roman" pitchFamily="18" charset="0"/>
+                  <a:ea typeface="宋体" pitchFamily="2" charset="-122"/>
+                  <a:cs typeface="+mn-cs"/>
+                </a:defRPr>
+              </a:lvl9pPr>
+            </a:lstStyle>
+            <a:p>
+              <a:pPr>
+                <a:spcBef>
+                  <a:spcPct val="50000"/>
+                </a:spcBef>
+              </a:pPr>
+              <a:r>
+                <a:rPr lang="zh-CN" altLang="en-US" sz="3200" b="1" dirty="0"/>
+                <a:t> </a:t>
+              </a:r>
+              <a:r>
+                <a:rPr lang="en-US" altLang="zh-CN" sz="3200" b="1" dirty="0">
+                  <a:latin typeface="宋体" pitchFamily="2" charset="-122"/>
+                </a:rPr>
+                <a:t>σ</a:t>
+              </a:r>
+              <a:r>
+                <a:rPr lang="en-US" altLang="zh-CN" sz="1400" b="1" dirty="0"/>
+                <a:t>B.BN=L.BN AND S.LN=L.LN</a:t>
+              </a:r>
+              <a:r>
+                <a:rPr lang="en-US" altLang="zh-CN" sz="1800" b="1" dirty="0"/>
+                <a:t> </a:t>
+              </a:r>
+              <a:endParaRPr lang="zh-CN" altLang="en-US" sz="1800" b="1" dirty="0"/>
+            </a:p>
+          </p:txBody>
+        </p:sp>
+        <p:sp>
+          <p:nvSpPr>
+            <p:cNvPr id="7" name="Text Box 10"/>
+            <p:cNvSpPr txBox="1">
+              <a:spLocks noChangeArrowheads="1"/>
+            </p:cNvSpPr>
+            <p:nvPr/>
+          </p:nvSpPr>
+          <p:spPr bwMode="auto">
+            <a:xfrm>
+              <a:off x="2225824" y="4365104"/>
+              <a:ext cx="762000" cy="439352"/>
+            </a:xfrm>
+            <a:prstGeom prst="rect">
+              <a:avLst/>
+            </a:prstGeom>
+            <a:noFill/>
+            <a:ln>
+              <a:noFill/>
+            </a:ln>
+            <a:effectLst/>
+            <a:extLst>
+              <a:ext uri="{909E8E84-426E-40DD-AFC4-6F175D3DCCD1}">
+                <a14:hiddenFill xmlns:a14="http://schemas.microsoft.com/office/drawing/2010/main">
+                  <a:solidFill>
+                    <a:schemeClr val="accent1"/>
+                  </a:solidFill>
+                </a14:hiddenFill>
+              </a:ext>
+              <a:ext uri="{91240B29-F687-4F45-9708-019B960494DF}">
+                <a14:hiddenLine xmlns:a14="http://schemas.microsoft.com/office/drawing/2010/main" w="12700" cap="sq">
+                  <a:solidFill>
+                    <a:schemeClr val="tx1"/>
+                  </a:solidFill>
+                  <a:miter lim="800000"/>
+                  <a:headEnd type="none" w="sm" len="sm"/>
+                  <a:tailEnd type="none" w="sm" len="sm"/>
+                </a14:hiddenLine>
+              </a:ext>
+              <a:ext uri="{AF507438-7753-43E0-B8FC-AC1667EBCBE1}">
+                <a14:hiddenEffects xmlns:a14="http://schemas.microsoft.com/office/drawing/2010/main">
+                  <a:effectLst>
+                    <a:outerShdw dist="35921" dir="2700000" algn="ctr" rotWithShape="0">
+                      <a:schemeClr val="bg2"/>
+                    </a:outerShdw>
+                  </a:effectLst>
+                </a14:hiddenEffects>
+              </a:ext>
+            </a:extLst>
+          </p:spPr>
+          <p:txBody>
+            <a:bodyPr>
+              <a:spAutoFit/>
+            </a:bodyPr>
+            <a:lstStyle>
+              <a:defPPr>
+                <a:defRPr lang="en-US"/>
+              </a:defPPr>
+              <a:lvl1pPr algn="l" rtl="0" fontAlgn="base">
+                <a:spcBef>
+                  <a:spcPct val="0"/>
+                </a:spcBef>
+                <a:spcAft>
+                  <a:spcPct val="0"/>
+                </a:spcAft>
+                <a:defRPr kumimoji="1" sz="3600" kern="1200">
+                  <a:solidFill>
+                    <a:schemeClr val="tx1"/>
+                  </a:solidFill>
+                  <a:latin typeface="Times New Roman" pitchFamily="18" charset="0"/>
+                  <a:ea typeface="宋体" pitchFamily="2" charset="-122"/>
+                  <a:cs typeface="+mn-cs"/>
+                </a:defRPr>
+              </a:lvl1pPr>
+              <a:lvl2pPr marL="457200" algn="l" rtl="0" fontAlgn="base">
+                <a:spcBef>
+                  <a:spcPct val="0"/>
+                </a:spcBef>
+                <a:spcAft>
+                  <a:spcPct val="0"/>
+                </a:spcAft>
+                <a:defRPr kumimoji="1" sz="3600" kern="1200">
+                  <a:solidFill>
+                    <a:schemeClr val="tx1"/>
+                  </a:solidFill>
+                  <a:latin typeface="Times New Roman" pitchFamily="18" charset="0"/>
+                  <a:ea typeface="宋体" pitchFamily="2" charset="-122"/>
+                  <a:cs typeface="+mn-cs"/>
+                </a:defRPr>
+              </a:lvl2pPr>
+              <a:lvl3pPr marL="914400" algn="l" rtl="0" fontAlgn="base">
+                <a:spcBef>
+                  <a:spcPct val="0"/>
+                </a:spcBef>
+                <a:spcAft>
+                  <a:spcPct val="0"/>
+                </a:spcAft>
+                <a:defRPr kumimoji="1" sz="3600" kern="1200">
+                  <a:solidFill>
+                    <a:schemeClr val="tx1"/>
+                  </a:solidFill>
+                  <a:latin typeface="Times New Roman" pitchFamily="18" charset="0"/>
+                  <a:ea typeface="宋体" pitchFamily="2" charset="-122"/>
+                  <a:cs typeface="+mn-cs"/>
+                </a:defRPr>
+              </a:lvl3pPr>
+              <a:lvl4pPr marL="1371600" algn="l" rtl="0" fontAlgn="base">
+                <a:spcBef>
+                  <a:spcPct val="0"/>
+                </a:spcBef>
+                <a:spcAft>
+                  <a:spcPct val="0"/>
+                </a:spcAft>
+                <a:defRPr kumimoji="1" sz="3600" kern="1200">
+                  <a:solidFill>
+                    <a:schemeClr val="tx1"/>
+                  </a:solidFill>
+                  <a:latin typeface="Times New Roman" pitchFamily="18" charset="0"/>
+                  <a:ea typeface="宋体" pitchFamily="2" charset="-122"/>
+                  <a:cs typeface="+mn-cs"/>
+                </a:defRPr>
+              </a:lvl4pPr>
+              <a:lvl5pPr marL="1828800" algn="l" rtl="0" fontAlgn="base">
+                <a:spcBef>
+                  <a:spcPct val="0"/>
+                </a:spcBef>
+                <a:spcAft>
+                  <a:spcPct val="0"/>
+                </a:spcAft>
+                <a:defRPr kumimoji="1" sz="3600" kern="1200">
+                  <a:solidFill>
+                    <a:schemeClr val="tx1"/>
+                  </a:solidFill>
+                  <a:latin typeface="Times New Roman" pitchFamily="18" charset="0"/>
+                  <a:ea typeface="宋体" pitchFamily="2" charset="-122"/>
+                  <a:cs typeface="+mn-cs"/>
+                </a:defRPr>
+              </a:lvl5pPr>
+              <a:lvl6pPr marL="2286000" algn="l" defTabSz="914400" rtl="0" eaLnBrk="1" latinLnBrk="0" hangingPunct="1">
+                <a:defRPr kumimoji="1" sz="3600" kern="1200">
+                  <a:solidFill>
+                    <a:schemeClr val="tx1"/>
+                  </a:solidFill>
+                  <a:latin typeface="Times New Roman" pitchFamily="18" charset="0"/>
+                  <a:ea typeface="宋体" pitchFamily="2" charset="-122"/>
+                  <a:cs typeface="+mn-cs"/>
+                </a:defRPr>
+              </a:lvl6pPr>
+              <a:lvl7pPr marL="2743200" algn="l" defTabSz="914400" rtl="0" eaLnBrk="1" latinLnBrk="0" hangingPunct="1">
+                <a:defRPr kumimoji="1" sz="3600" kern="1200">
+                  <a:solidFill>
+                    <a:schemeClr val="tx1"/>
+                  </a:solidFill>
+                  <a:latin typeface="Times New Roman" pitchFamily="18" charset="0"/>
+                  <a:ea typeface="宋体" pitchFamily="2" charset="-122"/>
+                  <a:cs typeface="+mn-cs"/>
+                </a:defRPr>
+              </a:lvl7pPr>
+              <a:lvl8pPr marL="3200400" algn="l" defTabSz="914400" rtl="0" eaLnBrk="1" latinLnBrk="0" hangingPunct="1">
+                <a:defRPr kumimoji="1" sz="3600" kern="1200">
+                  <a:solidFill>
+                    <a:schemeClr val="tx1"/>
+                  </a:solidFill>
+                  <a:latin typeface="Times New Roman" pitchFamily="18" charset="0"/>
+                  <a:ea typeface="宋体" pitchFamily="2" charset="-122"/>
+                  <a:cs typeface="+mn-cs"/>
+                </a:defRPr>
+              </a:lvl8pPr>
+              <a:lvl9pPr marL="3657600" algn="l" defTabSz="914400" rtl="0" eaLnBrk="1" latinLnBrk="0" hangingPunct="1">
+                <a:defRPr kumimoji="1" sz="3600" kern="1200">
+                  <a:solidFill>
+                    <a:schemeClr val="tx1"/>
+                  </a:solidFill>
+                  <a:latin typeface="Times New Roman" pitchFamily="18" charset="0"/>
+                  <a:ea typeface="宋体" pitchFamily="2" charset="-122"/>
+                  <a:cs typeface="+mn-cs"/>
+                </a:defRPr>
+              </a:lvl9pPr>
+            </a:lstStyle>
+            <a:p>
+              <a:pPr>
+                <a:spcBef>
+                  <a:spcPct val="50000"/>
+                </a:spcBef>
+              </a:pPr>
+              <a:r>
+                <a:rPr lang="zh-CN" altLang="en-US" sz="1200" b="1" dirty="0">
+                  <a:latin typeface="宋体" pitchFamily="2" charset="-122"/>
+                </a:rPr>
+                <a:t>╳</a:t>
+              </a:r>
+              <a:r>
+                <a:rPr lang="zh-CN" altLang="en-US" sz="2000" b="1" dirty="0"/>
+                <a:t> </a:t>
+              </a:r>
+            </a:p>
+          </p:txBody>
+        </p:sp>
+        <p:sp>
+          <p:nvSpPr>
+            <p:cNvPr id="8" name="Text Box 11"/>
+            <p:cNvSpPr txBox="1">
+              <a:spLocks noChangeArrowheads="1"/>
+            </p:cNvSpPr>
+            <p:nvPr/>
+          </p:nvSpPr>
+          <p:spPr bwMode="auto">
+            <a:xfrm>
+              <a:off x="2924944" y="5185302"/>
+              <a:ext cx="762000" cy="439352"/>
+            </a:xfrm>
+            <a:prstGeom prst="rect">
+              <a:avLst/>
+            </a:prstGeom>
+            <a:noFill/>
+            <a:ln>
+              <a:noFill/>
+            </a:ln>
+            <a:effectLst/>
+            <a:extLst>
+              <a:ext uri="{909E8E84-426E-40DD-AFC4-6F175D3DCCD1}">
+                <a14:hiddenFill xmlns:a14="http://schemas.microsoft.com/office/drawing/2010/main">
+                  <a:solidFill>
+                    <a:schemeClr val="accent1"/>
+                  </a:solidFill>
+                </a14:hiddenFill>
+              </a:ext>
+              <a:ext uri="{91240B29-F687-4F45-9708-019B960494DF}">
+                <a14:hiddenLine xmlns:a14="http://schemas.microsoft.com/office/drawing/2010/main" w="12700" cap="sq">
+                  <a:solidFill>
+                    <a:schemeClr val="tx1"/>
+                  </a:solidFill>
+                  <a:miter lim="800000"/>
+                  <a:headEnd type="none" w="sm" len="sm"/>
+                  <a:tailEnd type="none" w="sm" len="sm"/>
+                </a14:hiddenLine>
+              </a:ext>
+              <a:ext uri="{AF507438-7753-43E0-B8FC-AC1667EBCBE1}">
+                <a14:hiddenEffects xmlns:a14="http://schemas.microsoft.com/office/drawing/2010/main">
+                  <a:effectLst>
+                    <a:outerShdw dist="35921" dir="2700000" algn="ctr" rotWithShape="0">
+                      <a:schemeClr val="bg2"/>
+                    </a:outerShdw>
+                  </a:effectLst>
+                </a14:hiddenEffects>
+              </a:ext>
+            </a:extLst>
+          </p:spPr>
+          <p:txBody>
+            <a:bodyPr>
+              <a:spAutoFit/>
+            </a:bodyPr>
+            <a:lstStyle>
+              <a:defPPr>
+                <a:defRPr lang="en-US"/>
+              </a:defPPr>
+              <a:lvl1pPr algn="l" rtl="0" fontAlgn="base">
+                <a:spcBef>
+                  <a:spcPct val="0"/>
+                </a:spcBef>
+                <a:spcAft>
+                  <a:spcPct val="0"/>
+                </a:spcAft>
+                <a:defRPr kumimoji="1" sz="3600" kern="1200">
+                  <a:solidFill>
+                    <a:schemeClr val="tx1"/>
+                  </a:solidFill>
+                  <a:latin typeface="Times New Roman" pitchFamily="18" charset="0"/>
+                  <a:ea typeface="宋体" pitchFamily="2" charset="-122"/>
+                  <a:cs typeface="+mn-cs"/>
+                </a:defRPr>
+              </a:lvl1pPr>
+              <a:lvl2pPr marL="457200" algn="l" rtl="0" fontAlgn="base">
+                <a:spcBef>
+                  <a:spcPct val="0"/>
+                </a:spcBef>
+                <a:spcAft>
+                  <a:spcPct val="0"/>
+                </a:spcAft>
+                <a:defRPr kumimoji="1" sz="3600" kern="1200">
+                  <a:solidFill>
+                    <a:schemeClr val="tx1"/>
+                  </a:solidFill>
+                  <a:latin typeface="Times New Roman" pitchFamily="18" charset="0"/>
+                  <a:ea typeface="宋体" pitchFamily="2" charset="-122"/>
+                  <a:cs typeface="+mn-cs"/>
+                </a:defRPr>
+              </a:lvl2pPr>
+              <a:lvl3pPr marL="914400" algn="l" rtl="0" fontAlgn="base">
+                <a:spcBef>
+                  <a:spcPct val="0"/>
+                </a:spcBef>
+                <a:spcAft>
+                  <a:spcPct val="0"/>
+                </a:spcAft>
+                <a:defRPr kumimoji="1" sz="3600" kern="1200">
+                  <a:solidFill>
+                    <a:schemeClr val="tx1"/>
+                  </a:solidFill>
+                  <a:latin typeface="Times New Roman" pitchFamily="18" charset="0"/>
+                  <a:ea typeface="宋体" pitchFamily="2" charset="-122"/>
+                  <a:cs typeface="+mn-cs"/>
+                </a:defRPr>
+              </a:lvl3pPr>
+              <a:lvl4pPr marL="1371600" algn="l" rtl="0" fontAlgn="base">
+                <a:spcBef>
+                  <a:spcPct val="0"/>
+                </a:spcBef>
+                <a:spcAft>
+                  <a:spcPct val="0"/>
+                </a:spcAft>
+                <a:defRPr kumimoji="1" sz="3600" kern="1200">
+                  <a:solidFill>
+                    <a:schemeClr val="tx1"/>
+                  </a:solidFill>
+                  <a:latin typeface="Times New Roman" pitchFamily="18" charset="0"/>
+                  <a:ea typeface="宋体" pitchFamily="2" charset="-122"/>
+                  <a:cs typeface="+mn-cs"/>
+                </a:defRPr>
+              </a:lvl4pPr>
+              <a:lvl5pPr marL="1828800" algn="l" rtl="0" fontAlgn="base">
+                <a:spcBef>
+                  <a:spcPct val="0"/>
+                </a:spcBef>
+                <a:spcAft>
+                  <a:spcPct val="0"/>
+                </a:spcAft>
+                <a:defRPr kumimoji="1" sz="3600" kern="1200">
+                  <a:solidFill>
+                    <a:schemeClr val="tx1"/>
+                  </a:solidFill>
+                  <a:latin typeface="Times New Roman" pitchFamily="18" charset="0"/>
+                  <a:ea typeface="宋体" pitchFamily="2" charset="-122"/>
+                  <a:cs typeface="+mn-cs"/>
+                </a:defRPr>
+              </a:lvl5pPr>
+              <a:lvl6pPr marL="2286000" algn="l" defTabSz="914400" rtl="0" eaLnBrk="1" latinLnBrk="0" hangingPunct="1">
+                <a:defRPr kumimoji="1" sz="3600" kern="1200">
+                  <a:solidFill>
+                    <a:schemeClr val="tx1"/>
+                  </a:solidFill>
+                  <a:latin typeface="Times New Roman" pitchFamily="18" charset="0"/>
+                  <a:ea typeface="宋体" pitchFamily="2" charset="-122"/>
+                  <a:cs typeface="+mn-cs"/>
+                </a:defRPr>
+              </a:lvl6pPr>
+              <a:lvl7pPr marL="2743200" algn="l" defTabSz="914400" rtl="0" eaLnBrk="1" latinLnBrk="0" hangingPunct="1">
+                <a:defRPr kumimoji="1" sz="3600" kern="1200">
+                  <a:solidFill>
+                    <a:schemeClr val="tx1"/>
+                  </a:solidFill>
+                  <a:latin typeface="Times New Roman" pitchFamily="18" charset="0"/>
+                  <a:ea typeface="宋体" pitchFamily="2" charset="-122"/>
+                  <a:cs typeface="+mn-cs"/>
+                </a:defRPr>
+              </a:lvl7pPr>
+              <a:lvl8pPr marL="3200400" algn="l" defTabSz="914400" rtl="0" eaLnBrk="1" latinLnBrk="0" hangingPunct="1">
+                <a:defRPr kumimoji="1" sz="3600" kern="1200">
+                  <a:solidFill>
+                    <a:schemeClr val="tx1"/>
+                  </a:solidFill>
+                  <a:latin typeface="Times New Roman" pitchFamily="18" charset="0"/>
+                  <a:ea typeface="宋体" pitchFamily="2" charset="-122"/>
+                  <a:cs typeface="+mn-cs"/>
+                </a:defRPr>
+              </a:lvl8pPr>
+              <a:lvl9pPr marL="3657600" algn="l" defTabSz="914400" rtl="0" eaLnBrk="1" latinLnBrk="0" hangingPunct="1">
+                <a:defRPr kumimoji="1" sz="3600" kern="1200">
+                  <a:solidFill>
+                    <a:schemeClr val="tx1"/>
+                  </a:solidFill>
+                  <a:latin typeface="Times New Roman" pitchFamily="18" charset="0"/>
+                  <a:ea typeface="宋体" pitchFamily="2" charset="-122"/>
+                  <a:cs typeface="+mn-cs"/>
+                </a:defRPr>
+              </a:lvl9pPr>
+            </a:lstStyle>
+            <a:p>
+              <a:pPr>
+                <a:spcBef>
+                  <a:spcPct val="50000"/>
+                </a:spcBef>
+              </a:pPr>
+              <a:r>
+                <a:rPr lang="zh-CN" altLang="en-US" sz="1400" b="1" dirty="0">
+                  <a:latin typeface="宋体" pitchFamily="2" charset="-122"/>
+                </a:rPr>
+                <a:t>╳</a:t>
+              </a:r>
+              <a:r>
+                <a:rPr lang="zh-CN" altLang="en-US" sz="2000" b="1" dirty="0"/>
+                <a:t> </a:t>
+              </a:r>
+            </a:p>
+          </p:txBody>
+        </p:sp>
+        <p:sp>
+          <p:nvSpPr>
+            <p:cNvPr id="9" name="Text Box 12"/>
+            <p:cNvSpPr txBox="1">
+              <a:spLocks noChangeArrowheads="1"/>
+            </p:cNvSpPr>
+            <p:nvPr/>
+          </p:nvSpPr>
+          <p:spPr bwMode="auto">
+            <a:xfrm>
+              <a:off x="3305944" y="6143404"/>
+              <a:ext cx="762000" cy="439352"/>
+            </a:xfrm>
+            <a:prstGeom prst="rect">
+              <a:avLst/>
+            </a:prstGeom>
+            <a:noFill/>
+            <a:ln>
+              <a:noFill/>
+            </a:ln>
+            <a:effectLst/>
+            <a:extLst>
+              <a:ext uri="{909E8E84-426E-40DD-AFC4-6F175D3DCCD1}">
+                <a14:hiddenFill xmlns:a14="http://schemas.microsoft.com/office/drawing/2010/main">
+                  <a:solidFill>
+                    <a:schemeClr val="accent1"/>
+                  </a:solidFill>
+                </a14:hiddenFill>
+              </a:ext>
+              <a:ext uri="{91240B29-F687-4F45-9708-019B960494DF}">
+                <a14:hiddenLine xmlns:a14="http://schemas.microsoft.com/office/drawing/2010/main" w="12700" cap="sq">
+                  <a:solidFill>
+                    <a:schemeClr val="tx1"/>
+                  </a:solidFill>
+                  <a:miter lim="800000"/>
+                  <a:headEnd type="none" w="sm" len="sm"/>
+                  <a:tailEnd type="none" w="sm" len="sm"/>
+                </a14:hiddenLine>
+              </a:ext>
+              <a:ext uri="{AF507438-7753-43E0-B8FC-AC1667EBCBE1}">
+                <a14:hiddenEffects xmlns:a14="http://schemas.microsoft.com/office/drawing/2010/main">
+                  <a:effectLst>
+                    <a:outerShdw dist="35921" dir="2700000" algn="ctr" rotWithShape="0">
+                      <a:schemeClr val="bg2"/>
+                    </a:outerShdw>
+                  </a:effectLst>
+                </a14:hiddenEffects>
+              </a:ext>
+            </a:extLst>
+          </p:spPr>
+          <p:txBody>
+            <a:bodyPr>
+              <a:spAutoFit/>
+            </a:bodyPr>
+            <a:lstStyle>
+              <a:defPPr>
+                <a:defRPr lang="en-US"/>
+              </a:defPPr>
+              <a:lvl1pPr algn="l" rtl="0" fontAlgn="base">
+                <a:spcBef>
+                  <a:spcPct val="0"/>
+                </a:spcBef>
+                <a:spcAft>
+                  <a:spcPct val="0"/>
+                </a:spcAft>
+                <a:defRPr kumimoji="1" sz="3600" kern="1200">
+                  <a:solidFill>
+                    <a:schemeClr val="tx1"/>
+                  </a:solidFill>
+                  <a:latin typeface="Times New Roman" pitchFamily="18" charset="0"/>
+                  <a:ea typeface="宋体" pitchFamily="2" charset="-122"/>
+                  <a:cs typeface="+mn-cs"/>
+                </a:defRPr>
+              </a:lvl1pPr>
+              <a:lvl2pPr marL="457200" algn="l" rtl="0" fontAlgn="base">
+                <a:spcBef>
+                  <a:spcPct val="0"/>
+                </a:spcBef>
+                <a:spcAft>
+                  <a:spcPct val="0"/>
+                </a:spcAft>
+                <a:defRPr kumimoji="1" sz="3600" kern="1200">
+                  <a:solidFill>
+                    <a:schemeClr val="tx1"/>
+                  </a:solidFill>
+                  <a:latin typeface="Times New Roman" pitchFamily="18" charset="0"/>
+                  <a:ea typeface="宋体" pitchFamily="2" charset="-122"/>
+                  <a:cs typeface="+mn-cs"/>
+                </a:defRPr>
+              </a:lvl2pPr>
+              <a:lvl3pPr marL="914400" algn="l" rtl="0" fontAlgn="base">
+                <a:spcBef>
+                  <a:spcPct val="0"/>
+                </a:spcBef>
+                <a:spcAft>
+                  <a:spcPct val="0"/>
+                </a:spcAft>
+                <a:defRPr kumimoji="1" sz="3600" kern="1200">
+                  <a:solidFill>
+                    <a:schemeClr val="tx1"/>
+                  </a:solidFill>
+                  <a:latin typeface="Times New Roman" pitchFamily="18" charset="0"/>
+                  <a:ea typeface="宋体" pitchFamily="2" charset="-122"/>
+                  <a:cs typeface="+mn-cs"/>
+                </a:defRPr>
+              </a:lvl3pPr>
+              <a:lvl4pPr marL="1371600" algn="l" rtl="0" fontAlgn="base">
+                <a:spcBef>
+                  <a:spcPct val="0"/>
+                </a:spcBef>
+                <a:spcAft>
+                  <a:spcPct val="0"/>
+                </a:spcAft>
+                <a:defRPr kumimoji="1" sz="3600" kern="1200">
+                  <a:solidFill>
+                    <a:schemeClr val="tx1"/>
+                  </a:solidFill>
+                  <a:latin typeface="Times New Roman" pitchFamily="18" charset="0"/>
+                  <a:ea typeface="宋体" pitchFamily="2" charset="-122"/>
+                  <a:cs typeface="+mn-cs"/>
+                </a:defRPr>
+              </a:lvl4pPr>
+              <a:lvl5pPr marL="1828800" algn="l" rtl="0" fontAlgn="base">
+                <a:spcBef>
+                  <a:spcPct val="0"/>
+                </a:spcBef>
+                <a:spcAft>
+                  <a:spcPct val="0"/>
+                </a:spcAft>
+                <a:defRPr kumimoji="1" sz="3600" kern="1200">
+                  <a:solidFill>
+                    <a:schemeClr val="tx1"/>
+                  </a:solidFill>
+                  <a:latin typeface="Times New Roman" pitchFamily="18" charset="0"/>
+                  <a:ea typeface="宋体" pitchFamily="2" charset="-122"/>
+                  <a:cs typeface="+mn-cs"/>
+                </a:defRPr>
+              </a:lvl5pPr>
+              <a:lvl6pPr marL="2286000" algn="l" defTabSz="914400" rtl="0" eaLnBrk="1" latinLnBrk="0" hangingPunct="1">
+                <a:defRPr kumimoji="1" sz="3600" kern="1200">
+                  <a:solidFill>
+                    <a:schemeClr val="tx1"/>
+                  </a:solidFill>
+                  <a:latin typeface="Times New Roman" pitchFamily="18" charset="0"/>
+                  <a:ea typeface="宋体" pitchFamily="2" charset="-122"/>
+                  <a:cs typeface="+mn-cs"/>
+                </a:defRPr>
+              </a:lvl6pPr>
+              <a:lvl7pPr marL="2743200" algn="l" defTabSz="914400" rtl="0" eaLnBrk="1" latinLnBrk="0" hangingPunct="1">
+                <a:defRPr kumimoji="1" sz="3600" kern="1200">
+                  <a:solidFill>
+                    <a:schemeClr val="tx1"/>
+                  </a:solidFill>
+                  <a:latin typeface="Times New Roman" pitchFamily="18" charset="0"/>
+                  <a:ea typeface="宋体" pitchFamily="2" charset="-122"/>
+                  <a:cs typeface="+mn-cs"/>
+                </a:defRPr>
+              </a:lvl7pPr>
+              <a:lvl8pPr marL="3200400" algn="l" defTabSz="914400" rtl="0" eaLnBrk="1" latinLnBrk="0" hangingPunct="1">
+                <a:defRPr kumimoji="1" sz="3600" kern="1200">
+                  <a:solidFill>
+                    <a:schemeClr val="tx1"/>
+                  </a:solidFill>
+                  <a:latin typeface="Times New Roman" pitchFamily="18" charset="0"/>
+                  <a:ea typeface="宋体" pitchFamily="2" charset="-122"/>
+                  <a:cs typeface="+mn-cs"/>
+                </a:defRPr>
+              </a:lvl8pPr>
+              <a:lvl9pPr marL="3657600" algn="l" defTabSz="914400" rtl="0" eaLnBrk="1" latinLnBrk="0" hangingPunct="1">
+                <a:defRPr kumimoji="1" sz="3600" kern="1200">
+                  <a:solidFill>
+                    <a:schemeClr val="tx1"/>
+                  </a:solidFill>
+                  <a:latin typeface="Times New Roman" pitchFamily="18" charset="0"/>
+                  <a:ea typeface="宋体" pitchFamily="2" charset="-122"/>
+                  <a:cs typeface="+mn-cs"/>
+                </a:defRPr>
+              </a:lvl9pPr>
+            </a:lstStyle>
+            <a:p>
+              <a:pPr>
+                <a:spcBef>
+                  <a:spcPct val="50000"/>
+                </a:spcBef>
+              </a:pPr>
+              <a:r>
+                <a:rPr lang="en-US" altLang="zh-CN" sz="2000" dirty="0"/>
+                <a:t>L</a:t>
+              </a:r>
+              <a:r>
+                <a:rPr lang="en-US" altLang="zh-CN" sz="2000" b="1" dirty="0"/>
+                <a:t> </a:t>
+              </a:r>
+            </a:p>
+          </p:txBody>
+        </p:sp>
+        <p:sp>
+          <p:nvSpPr>
+            <p:cNvPr id="10" name="Text Box 13"/>
+            <p:cNvSpPr txBox="1">
+              <a:spLocks noChangeArrowheads="1"/>
+            </p:cNvSpPr>
+            <p:nvPr/>
+          </p:nvSpPr>
+          <p:spPr bwMode="auto">
+            <a:xfrm>
+              <a:off x="2476500" y="5996136"/>
+              <a:ext cx="762000" cy="439352"/>
+            </a:xfrm>
+            <a:prstGeom prst="rect">
+              <a:avLst/>
+            </a:prstGeom>
+            <a:noFill/>
+            <a:ln>
+              <a:noFill/>
+            </a:ln>
+            <a:effectLst/>
+            <a:extLst>
+              <a:ext uri="{909E8E84-426E-40DD-AFC4-6F175D3DCCD1}">
+                <a14:hiddenFill xmlns:a14="http://schemas.microsoft.com/office/drawing/2010/main">
+                  <a:solidFill>
+                    <a:schemeClr val="accent1"/>
+                  </a:solidFill>
+                </a14:hiddenFill>
+              </a:ext>
+              <a:ext uri="{91240B29-F687-4F45-9708-019B960494DF}">
+                <a14:hiddenLine xmlns:a14="http://schemas.microsoft.com/office/drawing/2010/main" w="12700" cap="sq">
+                  <a:solidFill>
+                    <a:schemeClr val="tx1"/>
+                  </a:solidFill>
+                  <a:miter lim="800000"/>
+                  <a:headEnd type="none" w="sm" len="sm"/>
+                  <a:tailEnd type="none" w="sm" len="sm"/>
+                </a14:hiddenLine>
+              </a:ext>
+              <a:ext uri="{AF507438-7753-43E0-B8FC-AC1667EBCBE1}">
+                <a14:hiddenEffects xmlns:a14="http://schemas.microsoft.com/office/drawing/2010/main">
+                  <a:effectLst>
+                    <a:outerShdw dist="35921" dir="2700000" algn="ctr" rotWithShape="0">
+                      <a:schemeClr val="bg2"/>
+                    </a:outerShdw>
+                  </a:effectLst>
+                </a14:hiddenEffects>
+              </a:ext>
+            </a:extLst>
+          </p:spPr>
+          <p:txBody>
+            <a:bodyPr>
+              <a:spAutoFit/>
+            </a:bodyPr>
+            <a:lstStyle>
+              <a:defPPr>
+                <a:defRPr lang="en-US"/>
+              </a:defPPr>
+              <a:lvl1pPr algn="l" rtl="0" fontAlgn="base">
+                <a:spcBef>
+                  <a:spcPct val="0"/>
+                </a:spcBef>
+                <a:spcAft>
+                  <a:spcPct val="0"/>
+                </a:spcAft>
+                <a:defRPr kumimoji="1" sz="3600" kern="1200">
+                  <a:solidFill>
+                    <a:schemeClr val="tx1"/>
+                  </a:solidFill>
+                  <a:latin typeface="Times New Roman" pitchFamily="18" charset="0"/>
+                  <a:ea typeface="宋体" pitchFamily="2" charset="-122"/>
+                  <a:cs typeface="+mn-cs"/>
+                </a:defRPr>
+              </a:lvl1pPr>
+              <a:lvl2pPr marL="457200" algn="l" rtl="0" fontAlgn="base">
+                <a:spcBef>
+                  <a:spcPct val="0"/>
+                </a:spcBef>
+                <a:spcAft>
+                  <a:spcPct val="0"/>
+                </a:spcAft>
+                <a:defRPr kumimoji="1" sz="3600" kern="1200">
+                  <a:solidFill>
+                    <a:schemeClr val="tx1"/>
+                  </a:solidFill>
+                  <a:latin typeface="Times New Roman" pitchFamily="18" charset="0"/>
+                  <a:ea typeface="宋体" pitchFamily="2" charset="-122"/>
+                  <a:cs typeface="+mn-cs"/>
+                </a:defRPr>
+              </a:lvl2pPr>
+              <a:lvl3pPr marL="914400" algn="l" rtl="0" fontAlgn="base">
+                <a:spcBef>
+                  <a:spcPct val="0"/>
+                </a:spcBef>
+                <a:spcAft>
+                  <a:spcPct val="0"/>
+                </a:spcAft>
+                <a:defRPr kumimoji="1" sz="3600" kern="1200">
+                  <a:solidFill>
+                    <a:schemeClr val="tx1"/>
+                  </a:solidFill>
+                  <a:latin typeface="Times New Roman" pitchFamily="18" charset="0"/>
+                  <a:ea typeface="宋体" pitchFamily="2" charset="-122"/>
+                  <a:cs typeface="+mn-cs"/>
+                </a:defRPr>
+              </a:lvl3pPr>
+              <a:lvl4pPr marL="1371600" algn="l" rtl="0" fontAlgn="base">
+                <a:spcBef>
+                  <a:spcPct val="0"/>
+                </a:spcBef>
+                <a:spcAft>
+                  <a:spcPct val="0"/>
+                </a:spcAft>
+                <a:defRPr kumimoji="1" sz="3600" kern="1200">
+                  <a:solidFill>
+                    <a:schemeClr val="tx1"/>
+                  </a:solidFill>
+                  <a:latin typeface="Times New Roman" pitchFamily="18" charset="0"/>
+                  <a:ea typeface="宋体" pitchFamily="2" charset="-122"/>
+                  <a:cs typeface="+mn-cs"/>
+                </a:defRPr>
+              </a:lvl4pPr>
+              <a:lvl5pPr marL="1828800" algn="l" rtl="0" fontAlgn="base">
+                <a:spcBef>
+                  <a:spcPct val="0"/>
+                </a:spcBef>
+                <a:spcAft>
+                  <a:spcPct val="0"/>
+                </a:spcAft>
+                <a:defRPr kumimoji="1" sz="3600" kern="1200">
+                  <a:solidFill>
+                    <a:schemeClr val="tx1"/>
+                  </a:solidFill>
+                  <a:latin typeface="Times New Roman" pitchFamily="18" charset="0"/>
+                  <a:ea typeface="宋体" pitchFamily="2" charset="-122"/>
+                  <a:cs typeface="+mn-cs"/>
+                </a:defRPr>
+              </a:lvl5pPr>
+              <a:lvl6pPr marL="2286000" algn="l" defTabSz="914400" rtl="0" eaLnBrk="1" latinLnBrk="0" hangingPunct="1">
+                <a:defRPr kumimoji="1" sz="3600" kern="1200">
+                  <a:solidFill>
+                    <a:schemeClr val="tx1"/>
+                  </a:solidFill>
+                  <a:latin typeface="Times New Roman" pitchFamily="18" charset="0"/>
+                  <a:ea typeface="宋体" pitchFamily="2" charset="-122"/>
+                  <a:cs typeface="+mn-cs"/>
+                </a:defRPr>
+              </a:lvl6pPr>
+              <a:lvl7pPr marL="2743200" algn="l" defTabSz="914400" rtl="0" eaLnBrk="1" latinLnBrk="0" hangingPunct="1">
+                <a:defRPr kumimoji="1" sz="3600" kern="1200">
+                  <a:solidFill>
+                    <a:schemeClr val="tx1"/>
+                  </a:solidFill>
+                  <a:latin typeface="Times New Roman" pitchFamily="18" charset="0"/>
+                  <a:ea typeface="宋体" pitchFamily="2" charset="-122"/>
+                  <a:cs typeface="+mn-cs"/>
+                </a:defRPr>
+              </a:lvl7pPr>
+              <a:lvl8pPr marL="3200400" algn="l" defTabSz="914400" rtl="0" eaLnBrk="1" latinLnBrk="0" hangingPunct="1">
+                <a:defRPr kumimoji="1" sz="3600" kern="1200">
+                  <a:solidFill>
+                    <a:schemeClr val="tx1"/>
+                  </a:solidFill>
+                  <a:latin typeface="Times New Roman" pitchFamily="18" charset="0"/>
+                  <a:ea typeface="宋体" pitchFamily="2" charset="-122"/>
+                  <a:cs typeface="+mn-cs"/>
+                </a:defRPr>
+              </a:lvl8pPr>
+              <a:lvl9pPr marL="3657600" algn="l" defTabSz="914400" rtl="0" eaLnBrk="1" latinLnBrk="0" hangingPunct="1">
+                <a:defRPr kumimoji="1" sz="3600" kern="1200">
+                  <a:solidFill>
+                    <a:schemeClr val="tx1"/>
+                  </a:solidFill>
+                  <a:latin typeface="Times New Roman" pitchFamily="18" charset="0"/>
+                  <a:ea typeface="宋体" pitchFamily="2" charset="-122"/>
+                  <a:cs typeface="+mn-cs"/>
+                </a:defRPr>
+              </a:lvl9pPr>
+            </a:lstStyle>
+            <a:p>
+              <a:pPr>
+                <a:spcBef>
+                  <a:spcPct val="50000"/>
+                </a:spcBef>
+              </a:pPr>
+              <a:r>
+                <a:rPr lang="en-US" altLang="zh-CN" sz="2000" b="1" dirty="0">
+                  <a:latin typeface="宋体" pitchFamily="2" charset="-122"/>
+                </a:rPr>
+                <a:t>S</a:t>
+              </a:r>
+              <a:r>
+                <a:rPr lang="en-US" altLang="zh-CN" sz="2000" b="1" dirty="0"/>
+                <a:t> </a:t>
+              </a:r>
+            </a:p>
+          </p:txBody>
+        </p:sp>
+        <p:sp>
+          <p:nvSpPr>
+            <p:cNvPr id="11" name="Text Box 14"/>
+            <p:cNvSpPr txBox="1">
+              <a:spLocks noChangeArrowheads="1"/>
+            </p:cNvSpPr>
+            <p:nvPr/>
+          </p:nvSpPr>
+          <p:spPr bwMode="auto">
+            <a:xfrm>
+              <a:off x="1097947" y="5432732"/>
+              <a:ext cx="762000" cy="439352"/>
+            </a:xfrm>
+            <a:prstGeom prst="rect">
+              <a:avLst/>
+            </a:prstGeom>
+            <a:noFill/>
+            <a:ln>
+              <a:noFill/>
+            </a:ln>
+            <a:effectLst/>
+            <a:extLst>
+              <a:ext uri="{909E8E84-426E-40DD-AFC4-6F175D3DCCD1}">
+                <a14:hiddenFill xmlns:a14="http://schemas.microsoft.com/office/drawing/2010/main">
+                  <a:solidFill>
+                    <a:schemeClr val="accent1"/>
+                  </a:solidFill>
+                </a14:hiddenFill>
+              </a:ext>
+              <a:ext uri="{91240B29-F687-4F45-9708-019B960494DF}">
+                <a14:hiddenLine xmlns:a14="http://schemas.microsoft.com/office/drawing/2010/main" w="12700" cap="sq">
+                  <a:solidFill>
+                    <a:schemeClr val="tx1"/>
+                  </a:solidFill>
+                  <a:miter lim="800000"/>
+                  <a:headEnd type="none" w="sm" len="sm"/>
+                  <a:tailEnd type="none" w="sm" len="sm"/>
+                </a14:hiddenLine>
+              </a:ext>
+              <a:ext uri="{AF507438-7753-43E0-B8FC-AC1667EBCBE1}">
+                <a14:hiddenEffects xmlns:a14="http://schemas.microsoft.com/office/drawing/2010/main">
+                  <a:effectLst>
+                    <a:outerShdw dist="35921" dir="2700000" algn="ctr" rotWithShape="0">
+                      <a:schemeClr val="bg2"/>
+                    </a:outerShdw>
+                  </a:effectLst>
+                </a14:hiddenEffects>
+              </a:ext>
+            </a:extLst>
+          </p:spPr>
+          <p:txBody>
+            <a:bodyPr>
+              <a:spAutoFit/>
+            </a:bodyPr>
+            <a:lstStyle>
+              <a:defPPr>
+                <a:defRPr lang="en-US"/>
+              </a:defPPr>
+              <a:lvl1pPr algn="l" rtl="0" fontAlgn="base">
+                <a:spcBef>
+                  <a:spcPct val="0"/>
+                </a:spcBef>
+                <a:spcAft>
+                  <a:spcPct val="0"/>
+                </a:spcAft>
+                <a:defRPr kumimoji="1" sz="3600" kern="1200">
+                  <a:solidFill>
+                    <a:schemeClr val="tx1"/>
+                  </a:solidFill>
+                  <a:latin typeface="Times New Roman" pitchFamily="18" charset="0"/>
+                  <a:ea typeface="宋体" pitchFamily="2" charset="-122"/>
+                  <a:cs typeface="+mn-cs"/>
+                </a:defRPr>
+              </a:lvl1pPr>
+              <a:lvl2pPr marL="457200" algn="l" rtl="0" fontAlgn="base">
+                <a:spcBef>
+                  <a:spcPct val="0"/>
+                </a:spcBef>
+                <a:spcAft>
+                  <a:spcPct val="0"/>
+                </a:spcAft>
+                <a:defRPr kumimoji="1" sz="3600" kern="1200">
+                  <a:solidFill>
+                    <a:schemeClr val="tx1"/>
+                  </a:solidFill>
+                  <a:latin typeface="Times New Roman" pitchFamily="18" charset="0"/>
+                  <a:ea typeface="宋体" pitchFamily="2" charset="-122"/>
+                  <a:cs typeface="+mn-cs"/>
+                </a:defRPr>
+              </a:lvl2pPr>
+              <a:lvl3pPr marL="914400" algn="l" rtl="0" fontAlgn="base">
+                <a:spcBef>
+                  <a:spcPct val="0"/>
+                </a:spcBef>
+                <a:spcAft>
+                  <a:spcPct val="0"/>
+                </a:spcAft>
+                <a:defRPr kumimoji="1" sz="3600" kern="1200">
+                  <a:solidFill>
+                    <a:schemeClr val="tx1"/>
+                  </a:solidFill>
+                  <a:latin typeface="Times New Roman" pitchFamily="18" charset="0"/>
+                  <a:ea typeface="宋体" pitchFamily="2" charset="-122"/>
+                  <a:cs typeface="+mn-cs"/>
+                </a:defRPr>
+              </a:lvl3pPr>
+              <a:lvl4pPr marL="1371600" algn="l" rtl="0" fontAlgn="base">
+                <a:spcBef>
+                  <a:spcPct val="0"/>
+                </a:spcBef>
+                <a:spcAft>
+                  <a:spcPct val="0"/>
+                </a:spcAft>
+                <a:defRPr kumimoji="1" sz="3600" kern="1200">
+                  <a:solidFill>
+                    <a:schemeClr val="tx1"/>
+                  </a:solidFill>
+                  <a:latin typeface="Times New Roman" pitchFamily="18" charset="0"/>
+                  <a:ea typeface="宋体" pitchFamily="2" charset="-122"/>
+                  <a:cs typeface="+mn-cs"/>
+                </a:defRPr>
+              </a:lvl4pPr>
+              <a:lvl5pPr marL="1828800" algn="l" rtl="0" fontAlgn="base">
+                <a:spcBef>
+                  <a:spcPct val="0"/>
+                </a:spcBef>
+                <a:spcAft>
+                  <a:spcPct val="0"/>
+                </a:spcAft>
+                <a:defRPr kumimoji="1" sz="3600" kern="1200">
+                  <a:solidFill>
+                    <a:schemeClr val="tx1"/>
+                  </a:solidFill>
+                  <a:latin typeface="Times New Roman" pitchFamily="18" charset="0"/>
+                  <a:ea typeface="宋体" pitchFamily="2" charset="-122"/>
+                  <a:cs typeface="+mn-cs"/>
+                </a:defRPr>
+              </a:lvl5pPr>
+              <a:lvl6pPr marL="2286000" algn="l" defTabSz="914400" rtl="0" eaLnBrk="1" latinLnBrk="0" hangingPunct="1">
+                <a:defRPr kumimoji="1" sz="3600" kern="1200">
+                  <a:solidFill>
+                    <a:schemeClr val="tx1"/>
+                  </a:solidFill>
+                  <a:latin typeface="Times New Roman" pitchFamily="18" charset="0"/>
+                  <a:ea typeface="宋体" pitchFamily="2" charset="-122"/>
+                  <a:cs typeface="+mn-cs"/>
+                </a:defRPr>
+              </a:lvl6pPr>
+              <a:lvl7pPr marL="2743200" algn="l" defTabSz="914400" rtl="0" eaLnBrk="1" latinLnBrk="0" hangingPunct="1">
+                <a:defRPr kumimoji="1" sz="3600" kern="1200">
+                  <a:solidFill>
+                    <a:schemeClr val="tx1"/>
+                  </a:solidFill>
+                  <a:latin typeface="Times New Roman" pitchFamily="18" charset="0"/>
+                  <a:ea typeface="宋体" pitchFamily="2" charset="-122"/>
+                  <a:cs typeface="+mn-cs"/>
+                </a:defRPr>
+              </a:lvl7pPr>
+              <a:lvl8pPr marL="3200400" algn="l" defTabSz="914400" rtl="0" eaLnBrk="1" latinLnBrk="0" hangingPunct="1">
+                <a:defRPr kumimoji="1" sz="3600" kern="1200">
+                  <a:solidFill>
+                    <a:schemeClr val="tx1"/>
+                  </a:solidFill>
+                  <a:latin typeface="Times New Roman" pitchFamily="18" charset="0"/>
+                  <a:ea typeface="宋体" pitchFamily="2" charset="-122"/>
+                  <a:cs typeface="+mn-cs"/>
+                </a:defRPr>
+              </a:lvl8pPr>
+              <a:lvl9pPr marL="3657600" algn="l" defTabSz="914400" rtl="0" eaLnBrk="1" latinLnBrk="0" hangingPunct="1">
+                <a:defRPr kumimoji="1" sz="3600" kern="1200">
+                  <a:solidFill>
+                    <a:schemeClr val="tx1"/>
+                  </a:solidFill>
+                  <a:latin typeface="Times New Roman" pitchFamily="18" charset="0"/>
+                  <a:ea typeface="宋体" pitchFamily="2" charset="-122"/>
+                  <a:cs typeface="+mn-cs"/>
+                </a:defRPr>
+              </a:lvl9pPr>
+            </a:lstStyle>
+            <a:p>
+              <a:pPr>
+                <a:spcBef>
+                  <a:spcPct val="50000"/>
+                </a:spcBef>
+              </a:pPr>
+              <a:r>
+                <a:rPr lang="en-US" altLang="zh-CN" sz="2000" b="1">
+                  <a:latin typeface="宋体" pitchFamily="2" charset="-122"/>
+                </a:rPr>
+                <a:t> B</a:t>
+              </a:r>
+              <a:r>
+                <a:rPr lang="en-US" altLang="zh-CN" sz="2000" b="1"/>
+                <a:t> </a:t>
+              </a:r>
+            </a:p>
+          </p:txBody>
+        </p:sp>
+        <p:sp>
+          <p:nvSpPr>
+            <p:cNvPr id="12" name="Line 15"/>
+            <p:cNvSpPr>
+              <a:spLocks noChangeShapeType="1"/>
+            </p:cNvSpPr>
+            <p:nvPr/>
+          </p:nvSpPr>
+          <p:spPr bwMode="auto">
+            <a:xfrm>
+              <a:off x="2400300" y="1354111"/>
+              <a:ext cx="0" cy="342900"/>
+            </a:xfrm>
+            <a:prstGeom prst="line">
+              <a:avLst/>
+            </a:prstGeom>
+            <a:noFill/>
+            <a:ln w="12700" cap="sq">
+              <a:solidFill>
+                <a:schemeClr val="tx1"/>
+              </a:solidFill>
+              <a:round/>
+              <a:headEnd type="none" w="sm" len="sm"/>
+              <a:tailEnd type="none" w="sm" len="sm"/>
+            </a:ln>
+            <a:effectLst/>
+            <a:extLst>
+              <a:ext uri="{909E8E84-426E-40DD-AFC4-6F175D3DCCD1}">
+                <a14:hiddenFill xmlns:a14="http://schemas.microsoft.com/office/drawing/2010/main">
+                  <a:noFill/>
+                </a14:hiddenFill>
+              </a:ext>
+              <a:ext uri="{AF507438-7753-43E0-B8FC-AC1667EBCBE1}">
+                <a14:hiddenEffects xmlns:a14="http://schemas.microsoft.com/office/drawing/2010/main">
+                  <a:effectLst>
+                    <a:outerShdw dist="35921" dir="2700000" algn="ctr" rotWithShape="0">
+                      <a:schemeClr val="bg2"/>
+                    </a:outerShdw>
+                  </a:effectLst>
+                </a14:hiddenEffects>
+              </a:ext>
+            </a:extLst>
+          </p:spPr>
+          <p:txBody>
+            <a:bodyPr wrap="none"/>
+            <a:lstStyle>
+              <a:defPPr>
+                <a:defRPr lang="en-US"/>
+              </a:defPPr>
+              <a:lvl1pPr algn="l" rtl="0" fontAlgn="base">
+                <a:spcBef>
+                  <a:spcPct val="0"/>
+                </a:spcBef>
+                <a:spcAft>
+                  <a:spcPct val="0"/>
+                </a:spcAft>
+                <a:defRPr kumimoji="1" sz="3600" kern="1200">
+                  <a:solidFill>
+                    <a:schemeClr val="tx1"/>
+                  </a:solidFill>
+                  <a:latin typeface="Times New Roman" pitchFamily="18" charset="0"/>
+                  <a:ea typeface="宋体" pitchFamily="2" charset="-122"/>
+                  <a:cs typeface="+mn-cs"/>
+                </a:defRPr>
+              </a:lvl1pPr>
+              <a:lvl2pPr marL="457200" algn="l" rtl="0" fontAlgn="base">
+                <a:spcBef>
+                  <a:spcPct val="0"/>
+                </a:spcBef>
+                <a:spcAft>
+                  <a:spcPct val="0"/>
+                </a:spcAft>
+                <a:defRPr kumimoji="1" sz="3600" kern="1200">
+                  <a:solidFill>
+                    <a:schemeClr val="tx1"/>
+                  </a:solidFill>
+                  <a:latin typeface="Times New Roman" pitchFamily="18" charset="0"/>
+                  <a:ea typeface="宋体" pitchFamily="2" charset="-122"/>
+                  <a:cs typeface="+mn-cs"/>
+                </a:defRPr>
+              </a:lvl2pPr>
+              <a:lvl3pPr marL="914400" algn="l" rtl="0" fontAlgn="base">
+                <a:spcBef>
+                  <a:spcPct val="0"/>
+                </a:spcBef>
+                <a:spcAft>
+                  <a:spcPct val="0"/>
+                </a:spcAft>
+                <a:defRPr kumimoji="1" sz="3600" kern="1200">
+                  <a:solidFill>
+                    <a:schemeClr val="tx1"/>
+                  </a:solidFill>
+                  <a:latin typeface="Times New Roman" pitchFamily="18" charset="0"/>
+                  <a:ea typeface="宋体" pitchFamily="2" charset="-122"/>
+                  <a:cs typeface="+mn-cs"/>
+                </a:defRPr>
+              </a:lvl3pPr>
+              <a:lvl4pPr marL="1371600" algn="l" rtl="0" fontAlgn="base">
+                <a:spcBef>
+                  <a:spcPct val="0"/>
+                </a:spcBef>
+                <a:spcAft>
+                  <a:spcPct val="0"/>
+                </a:spcAft>
+                <a:defRPr kumimoji="1" sz="3600" kern="1200">
+                  <a:solidFill>
+                    <a:schemeClr val="tx1"/>
+                  </a:solidFill>
+                  <a:latin typeface="Times New Roman" pitchFamily="18" charset="0"/>
+                  <a:ea typeface="宋体" pitchFamily="2" charset="-122"/>
+                  <a:cs typeface="+mn-cs"/>
+                </a:defRPr>
+              </a:lvl4pPr>
+              <a:lvl5pPr marL="1828800" algn="l" rtl="0" fontAlgn="base">
+                <a:spcBef>
+                  <a:spcPct val="0"/>
+                </a:spcBef>
+                <a:spcAft>
+                  <a:spcPct val="0"/>
+                </a:spcAft>
+                <a:defRPr kumimoji="1" sz="3600" kern="1200">
+                  <a:solidFill>
+                    <a:schemeClr val="tx1"/>
+                  </a:solidFill>
+                  <a:latin typeface="Times New Roman" pitchFamily="18" charset="0"/>
+                  <a:ea typeface="宋体" pitchFamily="2" charset="-122"/>
+                  <a:cs typeface="+mn-cs"/>
+                </a:defRPr>
+              </a:lvl5pPr>
+              <a:lvl6pPr marL="2286000" algn="l" defTabSz="914400" rtl="0" eaLnBrk="1" latinLnBrk="0" hangingPunct="1">
+                <a:defRPr kumimoji="1" sz="3600" kern="1200">
+                  <a:solidFill>
+                    <a:schemeClr val="tx1"/>
+                  </a:solidFill>
+                  <a:latin typeface="Times New Roman" pitchFamily="18" charset="0"/>
+                  <a:ea typeface="宋体" pitchFamily="2" charset="-122"/>
+                  <a:cs typeface="+mn-cs"/>
+                </a:defRPr>
+              </a:lvl6pPr>
+              <a:lvl7pPr marL="2743200" algn="l" defTabSz="914400" rtl="0" eaLnBrk="1" latinLnBrk="0" hangingPunct="1">
+                <a:defRPr kumimoji="1" sz="3600" kern="1200">
+                  <a:solidFill>
+                    <a:schemeClr val="tx1"/>
+                  </a:solidFill>
+                  <a:latin typeface="Times New Roman" pitchFamily="18" charset="0"/>
+                  <a:ea typeface="宋体" pitchFamily="2" charset="-122"/>
+                  <a:cs typeface="+mn-cs"/>
+                </a:defRPr>
+              </a:lvl7pPr>
+              <a:lvl8pPr marL="3200400" algn="l" defTabSz="914400" rtl="0" eaLnBrk="1" latinLnBrk="0" hangingPunct="1">
+                <a:defRPr kumimoji="1" sz="3600" kern="1200">
+                  <a:solidFill>
+                    <a:schemeClr val="tx1"/>
+                  </a:solidFill>
+                  <a:latin typeface="Times New Roman" pitchFamily="18" charset="0"/>
+                  <a:ea typeface="宋体" pitchFamily="2" charset="-122"/>
+                  <a:cs typeface="+mn-cs"/>
+                </a:defRPr>
+              </a:lvl8pPr>
+              <a:lvl9pPr marL="3657600" algn="l" defTabSz="914400" rtl="0" eaLnBrk="1" latinLnBrk="0" hangingPunct="1">
+                <a:defRPr kumimoji="1" sz="3600" kern="1200">
+                  <a:solidFill>
+                    <a:schemeClr val="tx1"/>
+                  </a:solidFill>
+                  <a:latin typeface="Times New Roman" pitchFamily="18" charset="0"/>
+                  <a:ea typeface="宋体" pitchFamily="2" charset="-122"/>
+                  <a:cs typeface="+mn-cs"/>
+                </a:defRPr>
+              </a:lvl9pPr>
+            </a:lstStyle>
+            <a:p>
+              <a:endParaRPr lang="zh-CN" altLang="en-US" sz="2000"/>
+            </a:p>
+          </p:txBody>
+        </p:sp>
+        <p:sp>
+          <p:nvSpPr>
+            <p:cNvPr id="13" name="Line 16"/>
+            <p:cNvSpPr>
+              <a:spLocks noChangeShapeType="1"/>
+            </p:cNvSpPr>
+            <p:nvPr/>
+          </p:nvSpPr>
+          <p:spPr bwMode="auto">
+            <a:xfrm>
+              <a:off x="2400300" y="2065446"/>
+              <a:ext cx="0" cy="585677"/>
+            </a:xfrm>
+            <a:prstGeom prst="line">
+              <a:avLst/>
+            </a:prstGeom>
+            <a:noFill/>
+            <a:ln w="12700" cap="sq">
+              <a:solidFill>
+                <a:schemeClr val="tx1"/>
+              </a:solidFill>
+              <a:round/>
+              <a:headEnd type="none" w="sm" len="sm"/>
+              <a:tailEnd type="none" w="sm" len="sm"/>
+            </a:ln>
+            <a:effectLst/>
+            <a:extLst>
+              <a:ext uri="{909E8E84-426E-40DD-AFC4-6F175D3DCCD1}">
+                <a14:hiddenFill xmlns:a14="http://schemas.microsoft.com/office/drawing/2010/main">
+                  <a:noFill/>
+                </a14:hiddenFill>
+              </a:ext>
+              <a:ext uri="{AF507438-7753-43E0-B8FC-AC1667EBCBE1}">
+                <a14:hiddenEffects xmlns:a14="http://schemas.microsoft.com/office/drawing/2010/main">
+                  <a:effectLst>
+                    <a:outerShdw dist="35921" dir="2700000" algn="ctr" rotWithShape="0">
+                      <a:schemeClr val="bg2"/>
+                    </a:outerShdw>
+                  </a:effectLst>
+                </a14:hiddenEffects>
+              </a:ext>
+            </a:extLst>
+          </p:spPr>
+          <p:txBody>
+            <a:bodyPr wrap="none"/>
+            <a:lstStyle>
+              <a:defPPr>
+                <a:defRPr lang="en-US"/>
+              </a:defPPr>
+              <a:lvl1pPr algn="l" rtl="0" fontAlgn="base">
+                <a:spcBef>
+                  <a:spcPct val="0"/>
+                </a:spcBef>
+                <a:spcAft>
+                  <a:spcPct val="0"/>
+                </a:spcAft>
+                <a:defRPr kumimoji="1" sz="3600" kern="1200">
+                  <a:solidFill>
+                    <a:schemeClr val="tx1"/>
+                  </a:solidFill>
+                  <a:latin typeface="Times New Roman" pitchFamily="18" charset="0"/>
+                  <a:ea typeface="宋体" pitchFamily="2" charset="-122"/>
+                  <a:cs typeface="+mn-cs"/>
+                </a:defRPr>
+              </a:lvl1pPr>
+              <a:lvl2pPr marL="457200" algn="l" rtl="0" fontAlgn="base">
+                <a:spcBef>
+                  <a:spcPct val="0"/>
+                </a:spcBef>
+                <a:spcAft>
+                  <a:spcPct val="0"/>
+                </a:spcAft>
+                <a:defRPr kumimoji="1" sz="3600" kern="1200">
+                  <a:solidFill>
+                    <a:schemeClr val="tx1"/>
+                  </a:solidFill>
+                  <a:latin typeface="Times New Roman" pitchFamily="18" charset="0"/>
+                  <a:ea typeface="宋体" pitchFamily="2" charset="-122"/>
+                  <a:cs typeface="+mn-cs"/>
+                </a:defRPr>
+              </a:lvl2pPr>
+              <a:lvl3pPr marL="914400" algn="l" rtl="0" fontAlgn="base">
+                <a:spcBef>
+                  <a:spcPct val="0"/>
+                </a:spcBef>
+                <a:spcAft>
+                  <a:spcPct val="0"/>
+                </a:spcAft>
+                <a:defRPr kumimoji="1" sz="3600" kern="1200">
+                  <a:solidFill>
+                    <a:schemeClr val="tx1"/>
+                  </a:solidFill>
+                  <a:latin typeface="Times New Roman" pitchFamily="18" charset="0"/>
+                  <a:ea typeface="宋体" pitchFamily="2" charset="-122"/>
+                  <a:cs typeface="+mn-cs"/>
+                </a:defRPr>
+              </a:lvl3pPr>
+              <a:lvl4pPr marL="1371600" algn="l" rtl="0" fontAlgn="base">
+                <a:spcBef>
+                  <a:spcPct val="0"/>
+                </a:spcBef>
+                <a:spcAft>
+                  <a:spcPct val="0"/>
+                </a:spcAft>
+                <a:defRPr kumimoji="1" sz="3600" kern="1200">
+                  <a:solidFill>
+                    <a:schemeClr val="tx1"/>
+                  </a:solidFill>
+                  <a:latin typeface="Times New Roman" pitchFamily="18" charset="0"/>
+                  <a:ea typeface="宋体" pitchFamily="2" charset="-122"/>
+                  <a:cs typeface="+mn-cs"/>
+                </a:defRPr>
+              </a:lvl4pPr>
+              <a:lvl5pPr marL="1828800" algn="l" rtl="0" fontAlgn="base">
+                <a:spcBef>
+                  <a:spcPct val="0"/>
+                </a:spcBef>
+                <a:spcAft>
+                  <a:spcPct val="0"/>
+                </a:spcAft>
+                <a:defRPr kumimoji="1" sz="3600" kern="1200">
+                  <a:solidFill>
+                    <a:schemeClr val="tx1"/>
+                  </a:solidFill>
+                  <a:latin typeface="Times New Roman" pitchFamily="18" charset="0"/>
+                  <a:ea typeface="宋体" pitchFamily="2" charset="-122"/>
+                  <a:cs typeface="+mn-cs"/>
+                </a:defRPr>
+              </a:lvl5pPr>
+              <a:lvl6pPr marL="2286000" algn="l" defTabSz="914400" rtl="0" eaLnBrk="1" latinLnBrk="0" hangingPunct="1">
+                <a:defRPr kumimoji="1" sz="3600" kern="1200">
+                  <a:solidFill>
+                    <a:schemeClr val="tx1"/>
+                  </a:solidFill>
+                  <a:latin typeface="Times New Roman" pitchFamily="18" charset="0"/>
+                  <a:ea typeface="宋体" pitchFamily="2" charset="-122"/>
+                  <a:cs typeface="+mn-cs"/>
+                </a:defRPr>
+              </a:lvl6pPr>
+              <a:lvl7pPr marL="2743200" algn="l" defTabSz="914400" rtl="0" eaLnBrk="1" latinLnBrk="0" hangingPunct="1">
+                <a:defRPr kumimoji="1" sz="3600" kern="1200">
+                  <a:solidFill>
+                    <a:schemeClr val="tx1"/>
+                  </a:solidFill>
+                  <a:latin typeface="Times New Roman" pitchFamily="18" charset="0"/>
+                  <a:ea typeface="宋体" pitchFamily="2" charset="-122"/>
+                  <a:cs typeface="+mn-cs"/>
+                </a:defRPr>
+              </a:lvl7pPr>
+              <a:lvl8pPr marL="3200400" algn="l" defTabSz="914400" rtl="0" eaLnBrk="1" latinLnBrk="0" hangingPunct="1">
+                <a:defRPr kumimoji="1" sz="3600" kern="1200">
+                  <a:solidFill>
+                    <a:schemeClr val="tx1"/>
+                  </a:solidFill>
+                  <a:latin typeface="Times New Roman" pitchFamily="18" charset="0"/>
+                  <a:ea typeface="宋体" pitchFamily="2" charset="-122"/>
+                  <a:cs typeface="+mn-cs"/>
+                </a:defRPr>
+              </a:lvl8pPr>
+              <a:lvl9pPr marL="3657600" algn="l" defTabSz="914400" rtl="0" eaLnBrk="1" latinLnBrk="0" hangingPunct="1">
+                <a:defRPr kumimoji="1" sz="3600" kern="1200">
+                  <a:solidFill>
+                    <a:schemeClr val="tx1"/>
+                  </a:solidFill>
+                  <a:latin typeface="Times New Roman" pitchFamily="18" charset="0"/>
+                  <a:ea typeface="宋体" pitchFamily="2" charset="-122"/>
+                  <a:cs typeface="+mn-cs"/>
+                </a:defRPr>
+              </a:lvl9pPr>
+            </a:lstStyle>
+            <a:p>
+              <a:endParaRPr lang="zh-CN" altLang="en-US" sz="2000"/>
+            </a:p>
+          </p:txBody>
+        </p:sp>
+        <p:sp>
+          <p:nvSpPr>
+            <p:cNvPr id="14" name="Line 17"/>
+            <p:cNvSpPr>
+              <a:spLocks noChangeShapeType="1"/>
+            </p:cNvSpPr>
+            <p:nvPr/>
+          </p:nvSpPr>
+          <p:spPr bwMode="auto">
+            <a:xfrm>
+              <a:off x="2400300" y="3146424"/>
+              <a:ext cx="0" cy="266700"/>
+            </a:xfrm>
+            <a:prstGeom prst="line">
+              <a:avLst/>
+            </a:prstGeom>
+            <a:noFill/>
+            <a:ln w="12700" cap="sq">
+              <a:solidFill>
+                <a:schemeClr val="tx1"/>
+              </a:solidFill>
+              <a:round/>
+              <a:headEnd type="none" w="sm" len="sm"/>
+              <a:tailEnd type="none" w="sm" len="sm"/>
+            </a:ln>
+            <a:effectLst/>
+            <a:extLst>
+              <a:ext uri="{909E8E84-426E-40DD-AFC4-6F175D3DCCD1}">
+                <a14:hiddenFill xmlns:a14="http://schemas.microsoft.com/office/drawing/2010/main">
+                  <a:noFill/>
+                </a14:hiddenFill>
+              </a:ext>
+              <a:ext uri="{AF507438-7753-43E0-B8FC-AC1667EBCBE1}">
+                <a14:hiddenEffects xmlns:a14="http://schemas.microsoft.com/office/drawing/2010/main">
+                  <a:effectLst>
+                    <a:outerShdw dist="35921" dir="2700000" algn="ctr" rotWithShape="0">
+                      <a:schemeClr val="bg2"/>
+                    </a:outerShdw>
+                  </a:effectLst>
+                </a14:hiddenEffects>
+              </a:ext>
+            </a:extLst>
+          </p:spPr>
+          <p:txBody>
+            <a:bodyPr wrap="none"/>
+            <a:lstStyle>
+              <a:defPPr>
+                <a:defRPr lang="en-US"/>
+              </a:defPPr>
+              <a:lvl1pPr algn="l" rtl="0" fontAlgn="base">
+                <a:spcBef>
+                  <a:spcPct val="0"/>
+                </a:spcBef>
+                <a:spcAft>
+                  <a:spcPct val="0"/>
+                </a:spcAft>
+                <a:defRPr kumimoji="1" sz="3600" kern="1200">
+                  <a:solidFill>
+                    <a:schemeClr val="tx1"/>
+                  </a:solidFill>
+                  <a:latin typeface="Times New Roman" pitchFamily="18" charset="0"/>
+                  <a:ea typeface="宋体" pitchFamily="2" charset="-122"/>
+                  <a:cs typeface="+mn-cs"/>
+                </a:defRPr>
+              </a:lvl1pPr>
+              <a:lvl2pPr marL="457200" algn="l" rtl="0" fontAlgn="base">
+                <a:spcBef>
+                  <a:spcPct val="0"/>
+                </a:spcBef>
+                <a:spcAft>
+                  <a:spcPct val="0"/>
+                </a:spcAft>
+                <a:defRPr kumimoji="1" sz="3600" kern="1200">
+                  <a:solidFill>
+                    <a:schemeClr val="tx1"/>
+                  </a:solidFill>
+                  <a:latin typeface="Times New Roman" pitchFamily="18" charset="0"/>
+                  <a:ea typeface="宋体" pitchFamily="2" charset="-122"/>
+                  <a:cs typeface="+mn-cs"/>
+                </a:defRPr>
+              </a:lvl2pPr>
+              <a:lvl3pPr marL="914400" algn="l" rtl="0" fontAlgn="base">
+                <a:spcBef>
+                  <a:spcPct val="0"/>
+                </a:spcBef>
+                <a:spcAft>
+                  <a:spcPct val="0"/>
+                </a:spcAft>
+                <a:defRPr kumimoji="1" sz="3600" kern="1200">
+                  <a:solidFill>
+                    <a:schemeClr val="tx1"/>
+                  </a:solidFill>
+                  <a:latin typeface="Times New Roman" pitchFamily="18" charset="0"/>
+                  <a:ea typeface="宋体" pitchFamily="2" charset="-122"/>
+                  <a:cs typeface="+mn-cs"/>
+                </a:defRPr>
+              </a:lvl3pPr>
+              <a:lvl4pPr marL="1371600" algn="l" rtl="0" fontAlgn="base">
+                <a:spcBef>
+                  <a:spcPct val="0"/>
+                </a:spcBef>
+                <a:spcAft>
+                  <a:spcPct val="0"/>
+                </a:spcAft>
+                <a:defRPr kumimoji="1" sz="3600" kern="1200">
+                  <a:solidFill>
+                    <a:schemeClr val="tx1"/>
+                  </a:solidFill>
+                  <a:latin typeface="Times New Roman" pitchFamily="18" charset="0"/>
+                  <a:ea typeface="宋体" pitchFamily="2" charset="-122"/>
+                  <a:cs typeface="+mn-cs"/>
+                </a:defRPr>
+              </a:lvl4pPr>
+              <a:lvl5pPr marL="1828800" algn="l" rtl="0" fontAlgn="base">
+                <a:spcBef>
+                  <a:spcPct val="0"/>
+                </a:spcBef>
+                <a:spcAft>
+                  <a:spcPct val="0"/>
+                </a:spcAft>
+                <a:defRPr kumimoji="1" sz="3600" kern="1200">
+                  <a:solidFill>
+                    <a:schemeClr val="tx1"/>
+                  </a:solidFill>
+                  <a:latin typeface="Times New Roman" pitchFamily="18" charset="0"/>
+                  <a:ea typeface="宋体" pitchFamily="2" charset="-122"/>
+                  <a:cs typeface="+mn-cs"/>
+                </a:defRPr>
+              </a:lvl5pPr>
+              <a:lvl6pPr marL="2286000" algn="l" defTabSz="914400" rtl="0" eaLnBrk="1" latinLnBrk="0" hangingPunct="1">
+                <a:defRPr kumimoji="1" sz="3600" kern="1200">
+                  <a:solidFill>
+                    <a:schemeClr val="tx1"/>
+                  </a:solidFill>
+                  <a:latin typeface="Times New Roman" pitchFamily="18" charset="0"/>
+                  <a:ea typeface="宋体" pitchFamily="2" charset="-122"/>
+                  <a:cs typeface="+mn-cs"/>
+                </a:defRPr>
+              </a:lvl6pPr>
+              <a:lvl7pPr marL="2743200" algn="l" defTabSz="914400" rtl="0" eaLnBrk="1" latinLnBrk="0" hangingPunct="1">
+                <a:defRPr kumimoji="1" sz="3600" kern="1200">
+                  <a:solidFill>
+                    <a:schemeClr val="tx1"/>
+                  </a:solidFill>
+                  <a:latin typeface="Times New Roman" pitchFamily="18" charset="0"/>
+                  <a:ea typeface="宋体" pitchFamily="2" charset="-122"/>
+                  <a:cs typeface="+mn-cs"/>
+                </a:defRPr>
+              </a:lvl7pPr>
+              <a:lvl8pPr marL="3200400" algn="l" defTabSz="914400" rtl="0" eaLnBrk="1" latinLnBrk="0" hangingPunct="1">
+                <a:defRPr kumimoji="1" sz="3600" kern="1200">
+                  <a:solidFill>
+                    <a:schemeClr val="tx1"/>
+                  </a:solidFill>
+                  <a:latin typeface="Times New Roman" pitchFamily="18" charset="0"/>
+                  <a:ea typeface="宋体" pitchFamily="2" charset="-122"/>
+                  <a:cs typeface="+mn-cs"/>
+                </a:defRPr>
+              </a:lvl8pPr>
+              <a:lvl9pPr marL="3657600" algn="l" defTabSz="914400" rtl="0" eaLnBrk="1" latinLnBrk="0" hangingPunct="1">
+                <a:defRPr kumimoji="1" sz="3600" kern="1200">
+                  <a:solidFill>
+                    <a:schemeClr val="tx1"/>
+                  </a:solidFill>
+                  <a:latin typeface="Times New Roman" pitchFamily="18" charset="0"/>
+                  <a:ea typeface="宋体" pitchFamily="2" charset="-122"/>
+                  <a:cs typeface="+mn-cs"/>
+                </a:defRPr>
+              </a:lvl9pPr>
+            </a:lstStyle>
+            <a:p>
+              <a:endParaRPr lang="zh-CN" altLang="en-US" sz="2000"/>
+            </a:p>
+          </p:txBody>
+        </p:sp>
+        <p:sp>
+          <p:nvSpPr>
+            <p:cNvPr id="15" name="Line 18"/>
+            <p:cNvSpPr>
+              <a:spLocks noChangeShapeType="1"/>
+            </p:cNvSpPr>
+            <p:nvPr/>
+          </p:nvSpPr>
+          <p:spPr bwMode="auto">
+            <a:xfrm flipH="1">
+              <a:off x="2400300" y="3870325"/>
+              <a:ext cx="0" cy="533400"/>
+            </a:xfrm>
+            <a:prstGeom prst="line">
+              <a:avLst/>
+            </a:prstGeom>
+            <a:noFill/>
+            <a:ln w="12700" cap="sq">
+              <a:solidFill>
+                <a:schemeClr val="tx1"/>
+              </a:solidFill>
+              <a:round/>
+              <a:headEnd type="none" w="sm" len="sm"/>
+              <a:tailEnd type="none" w="sm" len="sm"/>
+            </a:ln>
+            <a:effectLst/>
+            <a:extLst>
+              <a:ext uri="{909E8E84-426E-40DD-AFC4-6F175D3DCCD1}">
+                <a14:hiddenFill xmlns:a14="http://schemas.microsoft.com/office/drawing/2010/main">
+                  <a:noFill/>
+                </a14:hiddenFill>
+              </a:ext>
+              <a:ext uri="{AF507438-7753-43E0-B8FC-AC1667EBCBE1}">
+                <a14:hiddenEffects xmlns:a14="http://schemas.microsoft.com/office/drawing/2010/main">
+                  <a:effectLst>
+                    <a:outerShdw dist="35921" dir="2700000" algn="ctr" rotWithShape="0">
+                      <a:schemeClr val="bg2"/>
+                    </a:outerShdw>
+                  </a:effectLst>
+                </a14:hiddenEffects>
+              </a:ext>
+            </a:extLst>
+          </p:spPr>
+          <p:txBody>
+            <a:bodyPr wrap="none"/>
+            <a:lstStyle>
+              <a:defPPr>
+                <a:defRPr lang="en-US"/>
+              </a:defPPr>
+              <a:lvl1pPr algn="l" rtl="0" fontAlgn="base">
+                <a:spcBef>
+                  <a:spcPct val="0"/>
+                </a:spcBef>
+                <a:spcAft>
+                  <a:spcPct val="0"/>
+                </a:spcAft>
+                <a:defRPr kumimoji="1" sz="3600" kern="1200">
+                  <a:solidFill>
+                    <a:schemeClr val="tx1"/>
+                  </a:solidFill>
+                  <a:latin typeface="Times New Roman" pitchFamily="18" charset="0"/>
+                  <a:ea typeface="宋体" pitchFamily="2" charset="-122"/>
+                  <a:cs typeface="+mn-cs"/>
+                </a:defRPr>
+              </a:lvl1pPr>
+              <a:lvl2pPr marL="457200" algn="l" rtl="0" fontAlgn="base">
+                <a:spcBef>
+                  <a:spcPct val="0"/>
+                </a:spcBef>
+                <a:spcAft>
+                  <a:spcPct val="0"/>
+                </a:spcAft>
+                <a:defRPr kumimoji="1" sz="3600" kern="1200">
+                  <a:solidFill>
+                    <a:schemeClr val="tx1"/>
+                  </a:solidFill>
+                  <a:latin typeface="Times New Roman" pitchFamily="18" charset="0"/>
+                  <a:ea typeface="宋体" pitchFamily="2" charset="-122"/>
+                  <a:cs typeface="+mn-cs"/>
+                </a:defRPr>
+              </a:lvl2pPr>
+              <a:lvl3pPr marL="914400" algn="l" rtl="0" fontAlgn="base">
+                <a:spcBef>
+                  <a:spcPct val="0"/>
+                </a:spcBef>
+                <a:spcAft>
+                  <a:spcPct val="0"/>
+                </a:spcAft>
+                <a:defRPr kumimoji="1" sz="3600" kern="1200">
+                  <a:solidFill>
+                    <a:schemeClr val="tx1"/>
+                  </a:solidFill>
+                  <a:latin typeface="Times New Roman" pitchFamily="18" charset="0"/>
+                  <a:ea typeface="宋体" pitchFamily="2" charset="-122"/>
+                  <a:cs typeface="+mn-cs"/>
+                </a:defRPr>
+              </a:lvl3pPr>
+              <a:lvl4pPr marL="1371600" algn="l" rtl="0" fontAlgn="base">
+                <a:spcBef>
+                  <a:spcPct val="0"/>
+                </a:spcBef>
+                <a:spcAft>
+                  <a:spcPct val="0"/>
+                </a:spcAft>
+                <a:defRPr kumimoji="1" sz="3600" kern="1200">
+                  <a:solidFill>
+                    <a:schemeClr val="tx1"/>
+                  </a:solidFill>
+                  <a:latin typeface="Times New Roman" pitchFamily="18" charset="0"/>
+                  <a:ea typeface="宋体" pitchFamily="2" charset="-122"/>
+                  <a:cs typeface="+mn-cs"/>
+                </a:defRPr>
+              </a:lvl4pPr>
+              <a:lvl5pPr marL="1828800" algn="l" rtl="0" fontAlgn="base">
+                <a:spcBef>
+                  <a:spcPct val="0"/>
+                </a:spcBef>
+                <a:spcAft>
+                  <a:spcPct val="0"/>
+                </a:spcAft>
+                <a:defRPr kumimoji="1" sz="3600" kern="1200">
+                  <a:solidFill>
+                    <a:schemeClr val="tx1"/>
+                  </a:solidFill>
+                  <a:latin typeface="Times New Roman" pitchFamily="18" charset="0"/>
+                  <a:ea typeface="宋体" pitchFamily="2" charset="-122"/>
+                  <a:cs typeface="+mn-cs"/>
+                </a:defRPr>
+              </a:lvl5pPr>
+              <a:lvl6pPr marL="2286000" algn="l" defTabSz="914400" rtl="0" eaLnBrk="1" latinLnBrk="0" hangingPunct="1">
+                <a:defRPr kumimoji="1" sz="3600" kern="1200">
+                  <a:solidFill>
+                    <a:schemeClr val="tx1"/>
+                  </a:solidFill>
+                  <a:latin typeface="Times New Roman" pitchFamily="18" charset="0"/>
+                  <a:ea typeface="宋体" pitchFamily="2" charset="-122"/>
+                  <a:cs typeface="+mn-cs"/>
+                </a:defRPr>
+              </a:lvl6pPr>
+              <a:lvl7pPr marL="2743200" algn="l" defTabSz="914400" rtl="0" eaLnBrk="1" latinLnBrk="0" hangingPunct="1">
+                <a:defRPr kumimoji="1" sz="3600" kern="1200">
+                  <a:solidFill>
+                    <a:schemeClr val="tx1"/>
+                  </a:solidFill>
+                  <a:latin typeface="Times New Roman" pitchFamily="18" charset="0"/>
+                  <a:ea typeface="宋体" pitchFamily="2" charset="-122"/>
+                  <a:cs typeface="+mn-cs"/>
+                </a:defRPr>
+              </a:lvl7pPr>
+              <a:lvl8pPr marL="3200400" algn="l" defTabSz="914400" rtl="0" eaLnBrk="1" latinLnBrk="0" hangingPunct="1">
+                <a:defRPr kumimoji="1" sz="3600" kern="1200">
+                  <a:solidFill>
+                    <a:schemeClr val="tx1"/>
+                  </a:solidFill>
+                  <a:latin typeface="Times New Roman" pitchFamily="18" charset="0"/>
+                  <a:ea typeface="宋体" pitchFamily="2" charset="-122"/>
+                  <a:cs typeface="+mn-cs"/>
+                </a:defRPr>
+              </a:lvl8pPr>
+              <a:lvl9pPr marL="3657600" algn="l" defTabSz="914400" rtl="0" eaLnBrk="1" latinLnBrk="0" hangingPunct="1">
+                <a:defRPr kumimoji="1" sz="3600" kern="1200">
+                  <a:solidFill>
+                    <a:schemeClr val="tx1"/>
+                  </a:solidFill>
+                  <a:latin typeface="Times New Roman" pitchFamily="18" charset="0"/>
+                  <a:ea typeface="宋体" pitchFamily="2" charset="-122"/>
+                  <a:cs typeface="+mn-cs"/>
+                </a:defRPr>
+              </a:lvl9pPr>
+            </a:lstStyle>
+            <a:p>
+              <a:endParaRPr lang="zh-CN" altLang="en-US" sz="2000"/>
+            </a:p>
+          </p:txBody>
+        </p:sp>
+        <p:sp>
+          <p:nvSpPr>
+            <p:cNvPr id="16" name="Line 19"/>
+            <p:cNvSpPr>
+              <a:spLocks noChangeShapeType="1"/>
+            </p:cNvSpPr>
+            <p:nvPr/>
+          </p:nvSpPr>
+          <p:spPr bwMode="auto">
+            <a:xfrm flipH="1">
+              <a:off x="1478947" y="4744699"/>
+              <a:ext cx="762000" cy="609600"/>
+            </a:xfrm>
+            <a:prstGeom prst="line">
+              <a:avLst/>
+            </a:prstGeom>
+            <a:noFill/>
+            <a:ln w="12700" cap="sq">
+              <a:solidFill>
+                <a:schemeClr val="tx1"/>
+              </a:solidFill>
+              <a:round/>
+              <a:headEnd type="none" w="sm" len="sm"/>
+              <a:tailEnd type="none" w="sm" len="sm"/>
+            </a:ln>
+            <a:effectLst/>
+            <a:extLst>
+              <a:ext uri="{909E8E84-426E-40DD-AFC4-6F175D3DCCD1}">
+                <a14:hiddenFill xmlns:a14="http://schemas.microsoft.com/office/drawing/2010/main">
+                  <a:noFill/>
+                </a14:hiddenFill>
+              </a:ext>
+              <a:ext uri="{AF507438-7753-43E0-B8FC-AC1667EBCBE1}">
+                <a14:hiddenEffects xmlns:a14="http://schemas.microsoft.com/office/drawing/2010/main">
+                  <a:effectLst>
+                    <a:outerShdw dist="35921" dir="2700000" algn="ctr" rotWithShape="0">
+                      <a:schemeClr val="bg2"/>
+                    </a:outerShdw>
+                  </a:effectLst>
+                </a14:hiddenEffects>
+              </a:ext>
+            </a:extLst>
+          </p:spPr>
+          <p:txBody>
+            <a:bodyPr wrap="none"/>
+            <a:lstStyle>
+              <a:defPPr>
+                <a:defRPr lang="en-US"/>
+              </a:defPPr>
+              <a:lvl1pPr algn="l" rtl="0" fontAlgn="base">
+                <a:spcBef>
+                  <a:spcPct val="0"/>
+                </a:spcBef>
+                <a:spcAft>
+                  <a:spcPct val="0"/>
+                </a:spcAft>
+                <a:defRPr kumimoji="1" sz="3600" kern="1200">
+                  <a:solidFill>
+                    <a:schemeClr val="tx1"/>
+                  </a:solidFill>
+                  <a:latin typeface="Times New Roman" pitchFamily="18" charset="0"/>
+                  <a:ea typeface="宋体" pitchFamily="2" charset="-122"/>
+                  <a:cs typeface="+mn-cs"/>
+                </a:defRPr>
+              </a:lvl1pPr>
+              <a:lvl2pPr marL="457200" algn="l" rtl="0" fontAlgn="base">
+                <a:spcBef>
+                  <a:spcPct val="0"/>
+                </a:spcBef>
+                <a:spcAft>
+                  <a:spcPct val="0"/>
+                </a:spcAft>
+                <a:defRPr kumimoji="1" sz="3600" kern="1200">
+                  <a:solidFill>
+                    <a:schemeClr val="tx1"/>
+                  </a:solidFill>
+                  <a:latin typeface="Times New Roman" pitchFamily="18" charset="0"/>
+                  <a:ea typeface="宋体" pitchFamily="2" charset="-122"/>
+                  <a:cs typeface="+mn-cs"/>
+                </a:defRPr>
+              </a:lvl2pPr>
+              <a:lvl3pPr marL="914400" algn="l" rtl="0" fontAlgn="base">
+                <a:spcBef>
+                  <a:spcPct val="0"/>
+                </a:spcBef>
+                <a:spcAft>
+                  <a:spcPct val="0"/>
+                </a:spcAft>
+                <a:defRPr kumimoji="1" sz="3600" kern="1200">
+                  <a:solidFill>
+                    <a:schemeClr val="tx1"/>
+                  </a:solidFill>
+                  <a:latin typeface="Times New Roman" pitchFamily="18" charset="0"/>
+                  <a:ea typeface="宋体" pitchFamily="2" charset="-122"/>
+                  <a:cs typeface="+mn-cs"/>
+                </a:defRPr>
+              </a:lvl3pPr>
+              <a:lvl4pPr marL="1371600" algn="l" rtl="0" fontAlgn="base">
+                <a:spcBef>
+                  <a:spcPct val="0"/>
+                </a:spcBef>
+                <a:spcAft>
+                  <a:spcPct val="0"/>
+                </a:spcAft>
+                <a:defRPr kumimoji="1" sz="3600" kern="1200">
+                  <a:solidFill>
+                    <a:schemeClr val="tx1"/>
+                  </a:solidFill>
+                  <a:latin typeface="Times New Roman" pitchFamily="18" charset="0"/>
+                  <a:ea typeface="宋体" pitchFamily="2" charset="-122"/>
+                  <a:cs typeface="+mn-cs"/>
+                </a:defRPr>
+              </a:lvl4pPr>
+              <a:lvl5pPr marL="1828800" algn="l" rtl="0" fontAlgn="base">
+                <a:spcBef>
+                  <a:spcPct val="0"/>
+                </a:spcBef>
+                <a:spcAft>
+                  <a:spcPct val="0"/>
+                </a:spcAft>
+                <a:defRPr kumimoji="1" sz="3600" kern="1200">
+                  <a:solidFill>
+                    <a:schemeClr val="tx1"/>
+                  </a:solidFill>
+                  <a:latin typeface="Times New Roman" pitchFamily="18" charset="0"/>
+                  <a:ea typeface="宋体" pitchFamily="2" charset="-122"/>
+                  <a:cs typeface="+mn-cs"/>
+                </a:defRPr>
+              </a:lvl5pPr>
+              <a:lvl6pPr marL="2286000" algn="l" defTabSz="914400" rtl="0" eaLnBrk="1" latinLnBrk="0" hangingPunct="1">
+                <a:defRPr kumimoji="1" sz="3600" kern="1200">
+                  <a:solidFill>
+                    <a:schemeClr val="tx1"/>
+                  </a:solidFill>
+                  <a:latin typeface="Times New Roman" pitchFamily="18" charset="0"/>
+                  <a:ea typeface="宋体" pitchFamily="2" charset="-122"/>
+                  <a:cs typeface="+mn-cs"/>
+                </a:defRPr>
+              </a:lvl6pPr>
+              <a:lvl7pPr marL="2743200" algn="l" defTabSz="914400" rtl="0" eaLnBrk="1" latinLnBrk="0" hangingPunct="1">
+                <a:defRPr kumimoji="1" sz="3600" kern="1200">
+                  <a:solidFill>
+                    <a:schemeClr val="tx1"/>
+                  </a:solidFill>
+                  <a:latin typeface="Times New Roman" pitchFamily="18" charset="0"/>
+                  <a:ea typeface="宋体" pitchFamily="2" charset="-122"/>
+                  <a:cs typeface="+mn-cs"/>
+                </a:defRPr>
+              </a:lvl7pPr>
+              <a:lvl8pPr marL="3200400" algn="l" defTabSz="914400" rtl="0" eaLnBrk="1" latinLnBrk="0" hangingPunct="1">
+                <a:defRPr kumimoji="1" sz="3600" kern="1200">
+                  <a:solidFill>
+                    <a:schemeClr val="tx1"/>
+                  </a:solidFill>
+                  <a:latin typeface="Times New Roman" pitchFamily="18" charset="0"/>
+                  <a:ea typeface="宋体" pitchFamily="2" charset="-122"/>
+                  <a:cs typeface="+mn-cs"/>
+                </a:defRPr>
+              </a:lvl8pPr>
+              <a:lvl9pPr marL="3657600" algn="l" defTabSz="914400" rtl="0" eaLnBrk="1" latinLnBrk="0" hangingPunct="1">
+                <a:defRPr kumimoji="1" sz="3600" kern="1200">
+                  <a:solidFill>
+                    <a:schemeClr val="tx1"/>
+                  </a:solidFill>
+                  <a:latin typeface="Times New Roman" pitchFamily="18" charset="0"/>
+                  <a:ea typeface="宋体" pitchFamily="2" charset="-122"/>
+                  <a:cs typeface="+mn-cs"/>
+                </a:defRPr>
+              </a:lvl9pPr>
+            </a:lstStyle>
+            <a:p>
+              <a:endParaRPr lang="zh-CN" altLang="en-US" sz="2000"/>
+            </a:p>
+          </p:txBody>
+        </p:sp>
+        <p:sp>
+          <p:nvSpPr>
+            <p:cNvPr id="17" name="Line 20"/>
+            <p:cNvSpPr>
+              <a:spLocks noChangeShapeType="1"/>
+            </p:cNvSpPr>
+            <p:nvPr/>
+          </p:nvSpPr>
+          <p:spPr bwMode="auto">
+            <a:xfrm>
+              <a:off x="2549061" y="4744699"/>
+              <a:ext cx="533400" cy="533400"/>
+            </a:xfrm>
+            <a:prstGeom prst="line">
+              <a:avLst/>
+            </a:prstGeom>
+            <a:noFill/>
+            <a:ln w="12700" cap="sq">
+              <a:solidFill>
+                <a:schemeClr val="tx1"/>
+              </a:solidFill>
+              <a:round/>
+              <a:headEnd type="none" w="sm" len="sm"/>
+              <a:tailEnd type="none" w="sm" len="sm"/>
+            </a:ln>
+            <a:effectLst/>
+            <a:extLst>
+              <a:ext uri="{909E8E84-426E-40DD-AFC4-6F175D3DCCD1}">
+                <a14:hiddenFill xmlns:a14="http://schemas.microsoft.com/office/drawing/2010/main">
+                  <a:noFill/>
+                </a14:hiddenFill>
+              </a:ext>
+              <a:ext uri="{AF507438-7753-43E0-B8FC-AC1667EBCBE1}">
+                <a14:hiddenEffects xmlns:a14="http://schemas.microsoft.com/office/drawing/2010/main">
+                  <a:effectLst>
+                    <a:outerShdw dist="35921" dir="2700000" algn="ctr" rotWithShape="0">
+                      <a:schemeClr val="bg2"/>
+                    </a:outerShdw>
+                  </a:effectLst>
+                </a14:hiddenEffects>
+              </a:ext>
+            </a:extLst>
+          </p:spPr>
+          <p:txBody>
+            <a:bodyPr wrap="none"/>
+            <a:lstStyle>
+              <a:defPPr>
+                <a:defRPr lang="en-US"/>
+              </a:defPPr>
+              <a:lvl1pPr algn="l" rtl="0" fontAlgn="base">
+                <a:spcBef>
+                  <a:spcPct val="0"/>
+                </a:spcBef>
+                <a:spcAft>
+                  <a:spcPct val="0"/>
+                </a:spcAft>
+                <a:defRPr kumimoji="1" sz="3600" kern="1200">
+                  <a:solidFill>
+                    <a:schemeClr val="tx1"/>
+                  </a:solidFill>
+                  <a:latin typeface="Times New Roman" pitchFamily="18" charset="0"/>
+                  <a:ea typeface="宋体" pitchFamily="2" charset="-122"/>
+                  <a:cs typeface="+mn-cs"/>
+                </a:defRPr>
+              </a:lvl1pPr>
+              <a:lvl2pPr marL="457200" algn="l" rtl="0" fontAlgn="base">
+                <a:spcBef>
+                  <a:spcPct val="0"/>
+                </a:spcBef>
+                <a:spcAft>
+                  <a:spcPct val="0"/>
+                </a:spcAft>
+                <a:defRPr kumimoji="1" sz="3600" kern="1200">
+                  <a:solidFill>
+                    <a:schemeClr val="tx1"/>
+                  </a:solidFill>
+                  <a:latin typeface="Times New Roman" pitchFamily="18" charset="0"/>
+                  <a:ea typeface="宋体" pitchFamily="2" charset="-122"/>
+                  <a:cs typeface="+mn-cs"/>
+                </a:defRPr>
+              </a:lvl2pPr>
+              <a:lvl3pPr marL="914400" algn="l" rtl="0" fontAlgn="base">
+                <a:spcBef>
+                  <a:spcPct val="0"/>
+                </a:spcBef>
+                <a:spcAft>
+                  <a:spcPct val="0"/>
+                </a:spcAft>
+                <a:defRPr kumimoji="1" sz="3600" kern="1200">
+                  <a:solidFill>
+                    <a:schemeClr val="tx1"/>
+                  </a:solidFill>
+                  <a:latin typeface="Times New Roman" pitchFamily="18" charset="0"/>
+                  <a:ea typeface="宋体" pitchFamily="2" charset="-122"/>
+                  <a:cs typeface="+mn-cs"/>
+                </a:defRPr>
+              </a:lvl3pPr>
+              <a:lvl4pPr marL="1371600" algn="l" rtl="0" fontAlgn="base">
+                <a:spcBef>
+                  <a:spcPct val="0"/>
+                </a:spcBef>
+                <a:spcAft>
+                  <a:spcPct val="0"/>
+                </a:spcAft>
+                <a:defRPr kumimoji="1" sz="3600" kern="1200">
+                  <a:solidFill>
+                    <a:schemeClr val="tx1"/>
+                  </a:solidFill>
+                  <a:latin typeface="Times New Roman" pitchFamily="18" charset="0"/>
+                  <a:ea typeface="宋体" pitchFamily="2" charset="-122"/>
+                  <a:cs typeface="+mn-cs"/>
+                </a:defRPr>
+              </a:lvl4pPr>
+              <a:lvl5pPr marL="1828800" algn="l" rtl="0" fontAlgn="base">
+                <a:spcBef>
+                  <a:spcPct val="0"/>
+                </a:spcBef>
+                <a:spcAft>
+                  <a:spcPct val="0"/>
+                </a:spcAft>
+                <a:defRPr kumimoji="1" sz="3600" kern="1200">
+                  <a:solidFill>
+                    <a:schemeClr val="tx1"/>
+                  </a:solidFill>
+                  <a:latin typeface="Times New Roman" pitchFamily="18" charset="0"/>
+                  <a:ea typeface="宋体" pitchFamily="2" charset="-122"/>
+                  <a:cs typeface="+mn-cs"/>
+                </a:defRPr>
+              </a:lvl5pPr>
+              <a:lvl6pPr marL="2286000" algn="l" defTabSz="914400" rtl="0" eaLnBrk="1" latinLnBrk="0" hangingPunct="1">
+                <a:defRPr kumimoji="1" sz="3600" kern="1200">
+                  <a:solidFill>
+                    <a:schemeClr val="tx1"/>
+                  </a:solidFill>
+                  <a:latin typeface="Times New Roman" pitchFamily="18" charset="0"/>
+                  <a:ea typeface="宋体" pitchFamily="2" charset="-122"/>
+                  <a:cs typeface="+mn-cs"/>
+                </a:defRPr>
+              </a:lvl6pPr>
+              <a:lvl7pPr marL="2743200" algn="l" defTabSz="914400" rtl="0" eaLnBrk="1" latinLnBrk="0" hangingPunct="1">
+                <a:defRPr kumimoji="1" sz="3600" kern="1200">
+                  <a:solidFill>
+                    <a:schemeClr val="tx1"/>
+                  </a:solidFill>
+                  <a:latin typeface="Times New Roman" pitchFamily="18" charset="0"/>
+                  <a:ea typeface="宋体" pitchFamily="2" charset="-122"/>
+                  <a:cs typeface="+mn-cs"/>
+                </a:defRPr>
+              </a:lvl7pPr>
+              <a:lvl8pPr marL="3200400" algn="l" defTabSz="914400" rtl="0" eaLnBrk="1" latinLnBrk="0" hangingPunct="1">
+                <a:defRPr kumimoji="1" sz="3600" kern="1200">
+                  <a:solidFill>
+                    <a:schemeClr val="tx1"/>
+                  </a:solidFill>
+                  <a:latin typeface="Times New Roman" pitchFamily="18" charset="0"/>
+                  <a:ea typeface="宋体" pitchFamily="2" charset="-122"/>
+                  <a:cs typeface="+mn-cs"/>
+                </a:defRPr>
+              </a:lvl8pPr>
+              <a:lvl9pPr marL="3657600" algn="l" defTabSz="914400" rtl="0" eaLnBrk="1" latinLnBrk="0" hangingPunct="1">
+                <a:defRPr kumimoji="1" sz="3600" kern="1200">
+                  <a:solidFill>
+                    <a:schemeClr val="tx1"/>
+                  </a:solidFill>
+                  <a:latin typeface="Times New Roman" pitchFamily="18" charset="0"/>
+                  <a:ea typeface="宋体" pitchFamily="2" charset="-122"/>
+                  <a:cs typeface="+mn-cs"/>
+                </a:defRPr>
+              </a:lvl9pPr>
+            </a:lstStyle>
+            <a:p>
+              <a:endParaRPr lang="zh-CN" altLang="en-US" sz="2000"/>
+            </a:p>
+          </p:txBody>
+        </p:sp>
+        <p:sp>
+          <p:nvSpPr>
+            <p:cNvPr id="18" name="Line 21"/>
+            <p:cNvSpPr>
+              <a:spLocks noChangeShapeType="1"/>
+            </p:cNvSpPr>
+            <p:nvPr/>
+          </p:nvSpPr>
+          <p:spPr bwMode="auto">
+            <a:xfrm flipH="1">
+              <a:off x="2705100" y="5686204"/>
+              <a:ext cx="304800" cy="457200"/>
+            </a:xfrm>
+            <a:prstGeom prst="line">
+              <a:avLst/>
+            </a:prstGeom>
+            <a:noFill/>
+            <a:ln w="12700" cap="sq">
+              <a:solidFill>
+                <a:schemeClr val="tx1"/>
+              </a:solidFill>
+              <a:round/>
+              <a:headEnd type="none" w="sm" len="sm"/>
+              <a:tailEnd type="none" w="sm" len="sm"/>
+            </a:ln>
+            <a:effectLst/>
+            <a:extLst>
+              <a:ext uri="{909E8E84-426E-40DD-AFC4-6F175D3DCCD1}">
+                <a14:hiddenFill xmlns:a14="http://schemas.microsoft.com/office/drawing/2010/main">
+                  <a:noFill/>
+                </a14:hiddenFill>
+              </a:ext>
+              <a:ext uri="{AF507438-7753-43E0-B8FC-AC1667EBCBE1}">
+                <a14:hiddenEffects xmlns:a14="http://schemas.microsoft.com/office/drawing/2010/main">
+                  <a:effectLst>
+                    <a:outerShdw dist="35921" dir="2700000" algn="ctr" rotWithShape="0">
+                      <a:schemeClr val="bg2"/>
+                    </a:outerShdw>
+                  </a:effectLst>
+                </a14:hiddenEffects>
+              </a:ext>
+            </a:extLst>
+          </p:spPr>
+          <p:txBody>
+            <a:bodyPr wrap="none"/>
+            <a:lstStyle>
+              <a:defPPr>
+                <a:defRPr lang="en-US"/>
+              </a:defPPr>
+              <a:lvl1pPr algn="l" rtl="0" fontAlgn="base">
+                <a:spcBef>
+                  <a:spcPct val="0"/>
+                </a:spcBef>
+                <a:spcAft>
+                  <a:spcPct val="0"/>
+                </a:spcAft>
+                <a:defRPr kumimoji="1" sz="3600" kern="1200">
+                  <a:solidFill>
+                    <a:schemeClr val="tx1"/>
+                  </a:solidFill>
+                  <a:latin typeface="Times New Roman" pitchFamily="18" charset="0"/>
+                  <a:ea typeface="宋体" pitchFamily="2" charset="-122"/>
+                  <a:cs typeface="+mn-cs"/>
+                </a:defRPr>
+              </a:lvl1pPr>
+              <a:lvl2pPr marL="457200" algn="l" rtl="0" fontAlgn="base">
+                <a:spcBef>
+                  <a:spcPct val="0"/>
+                </a:spcBef>
+                <a:spcAft>
+                  <a:spcPct val="0"/>
+                </a:spcAft>
+                <a:defRPr kumimoji="1" sz="3600" kern="1200">
+                  <a:solidFill>
+                    <a:schemeClr val="tx1"/>
+                  </a:solidFill>
+                  <a:latin typeface="Times New Roman" pitchFamily="18" charset="0"/>
+                  <a:ea typeface="宋体" pitchFamily="2" charset="-122"/>
+                  <a:cs typeface="+mn-cs"/>
+                </a:defRPr>
+              </a:lvl2pPr>
+              <a:lvl3pPr marL="914400" algn="l" rtl="0" fontAlgn="base">
+                <a:spcBef>
+                  <a:spcPct val="0"/>
+                </a:spcBef>
+                <a:spcAft>
+                  <a:spcPct val="0"/>
+                </a:spcAft>
+                <a:defRPr kumimoji="1" sz="3600" kern="1200">
+                  <a:solidFill>
+                    <a:schemeClr val="tx1"/>
+                  </a:solidFill>
+                  <a:latin typeface="Times New Roman" pitchFamily="18" charset="0"/>
+                  <a:ea typeface="宋体" pitchFamily="2" charset="-122"/>
+                  <a:cs typeface="+mn-cs"/>
+                </a:defRPr>
+              </a:lvl3pPr>
+              <a:lvl4pPr marL="1371600" algn="l" rtl="0" fontAlgn="base">
+                <a:spcBef>
+                  <a:spcPct val="0"/>
+                </a:spcBef>
+                <a:spcAft>
+                  <a:spcPct val="0"/>
+                </a:spcAft>
+                <a:defRPr kumimoji="1" sz="3600" kern="1200">
+                  <a:solidFill>
+                    <a:schemeClr val="tx1"/>
+                  </a:solidFill>
+                  <a:latin typeface="Times New Roman" pitchFamily="18" charset="0"/>
+                  <a:ea typeface="宋体" pitchFamily="2" charset="-122"/>
+                  <a:cs typeface="+mn-cs"/>
+                </a:defRPr>
+              </a:lvl4pPr>
+              <a:lvl5pPr marL="1828800" algn="l" rtl="0" fontAlgn="base">
+                <a:spcBef>
+                  <a:spcPct val="0"/>
+                </a:spcBef>
+                <a:spcAft>
+                  <a:spcPct val="0"/>
+                </a:spcAft>
+                <a:defRPr kumimoji="1" sz="3600" kern="1200">
+                  <a:solidFill>
+                    <a:schemeClr val="tx1"/>
+                  </a:solidFill>
+                  <a:latin typeface="Times New Roman" pitchFamily="18" charset="0"/>
+                  <a:ea typeface="宋体" pitchFamily="2" charset="-122"/>
+                  <a:cs typeface="+mn-cs"/>
+                </a:defRPr>
+              </a:lvl5pPr>
+              <a:lvl6pPr marL="2286000" algn="l" defTabSz="914400" rtl="0" eaLnBrk="1" latinLnBrk="0" hangingPunct="1">
+                <a:defRPr kumimoji="1" sz="3600" kern="1200">
+                  <a:solidFill>
+                    <a:schemeClr val="tx1"/>
+                  </a:solidFill>
+                  <a:latin typeface="Times New Roman" pitchFamily="18" charset="0"/>
+                  <a:ea typeface="宋体" pitchFamily="2" charset="-122"/>
+                  <a:cs typeface="+mn-cs"/>
+                </a:defRPr>
+              </a:lvl6pPr>
+              <a:lvl7pPr marL="2743200" algn="l" defTabSz="914400" rtl="0" eaLnBrk="1" latinLnBrk="0" hangingPunct="1">
+                <a:defRPr kumimoji="1" sz="3600" kern="1200">
+                  <a:solidFill>
+                    <a:schemeClr val="tx1"/>
+                  </a:solidFill>
+                  <a:latin typeface="Times New Roman" pitchFamily="18" charset="0"/>
+                  <a:ea typeface="宋体" pitchFamily="2" charset="-122"/>
+                  <a:cs typeface="+mn-cs"/>
+                </a:defRPr>
+              </a:lvl7pPr>
+              <a:lvl8pPr marL="3200400" algn="l" defTabSz="914400" rtl="0" eaLnBrk="1" latinLnBrk="0" hangingPunct="1">
+                <a:defRPr kumimoji="1" sz="3600" kern="1200">
+                  <a:solidFill>
+                    <a:schemeClr val="tx1"/>
+                  </a:solidFill>
+                  <a:latin typeface="Times New Roman" pitchFamily="18" charset="0"/>
+                  <a:ea typeface="宋体" pitchFamily="2" charset="-122"/>
+                  <a:cs typeface="+mn-cs"/>
+                </a:defRPr>
+              </a:lvl8pPr>
+              <a:lvl9pPr marL="3657600" algn="l" defTabSz="914400" rtl="0" eaLnBrk="1" latinLnBrk="0" hangingPunct="1">
+                <a:defRPr kumimoji="1" sz="3600" kern="1200">
+                  <a:solidFill>
+                    <a:schemeClr val="tx1"/>
+                  </a:solidFill>
+                  <a:latin typeface="Times New Roman" pitchFamily="18" charset="0"/>
+                  <a:ea typeface="宋体" pitchFamily="2" charset="-122"/>
+                  <a:cs typeface="+mn-cs"/>
+                </a:defRPr>
+              </a:lvl9pPr>
+            </a:lstStyle>
+            <a:p>
+              <a:endParaRPr lang="zh-CN" altLang="en-US" sz="2000"/>
+            </a:p>
+          </p:txBody>
+        </p:sp>
+        <p:sp>
+          <p:nvSpPr>
+            <p:cNvPr id="19" name="Line 22"/>
+            <p:cNvSpPr>
+              <a:spLocks noChangeShapeType="1"/>
+            </p:cNvSpPr>
+            <p:nvPr/>
+          </p:nvSpPr>
+          <p:spPr bwMode="auto">
+            <a:xfrm>
+              <a:off x="3265140" y="5564981"/>
+              <a:ext cx="304800" cy="457200"/>
+            </a:xfrm>
+            <a:prstGeom prst="line">
+              <a:avLst/>
+            </a:prstGeom>
+            <a:noFill/>
+            <a:ln w="12700" cap="sq">
+              <a:solidFill>
+                <a:schemeClr val="tx1"/>
+              </a:solidFill>
+              <a:round/>
+              <a:headEnd type="none" w="sm" len="sm"/>
+              <a:tailEnd type="none" w="sm" len="sm"/>
+            </a:ln>
+            <a:effectLst/>
+            <a:extLst>
+              <a:ext uri="{909E8E84-426E-40DD-AFC4-6F175D3DCCD1}">
+                <a14:hiddenFill xmlns:a14="http://schemas.microsoft.com/office/drawing/2010/main">
+                  <a:noFill/>
+                </a14:hiddenFill>
+              </a:ext>
+              <a:ext uri="{AF507438-7753-43E0-B8FC-AC1667EBCBE1}">
+                <a14:hiddenEffects xmlns:a14="http://schemas.microsoft.com/office/drawing/2010/main">
+                  <a:effectLst>
+                    <a:outerShdw dist="35921" dir="2700000" algn="ctr" rotWithShape="0">
+                      <a:schemeClr val="bg2"/>
+                    </a:outerShdw>
+                  </a:effectLst>
+                </a14:hiddenEffects>
+              </a:ext>
+            </a:extLst>
+          </p:spPr>
+          <p:txBody>
+            <a:bodyPr wrap="none"/>
+            <a:lstStyle>
+              <a:defPPr>
+                <a:defRPr lang="en-US"/>
+              </a:defPPr>
+              <a:lvl1pPr algn="l" rtl="0" fontAlgn="base">
+                <a:spcBef>
+                  <a:spcPct val="0"/>
+                </a:spcBef>
+                <a:spcAft>
+                  <a:spcPct val="0"/>
+                </a:spcAft>
+                <a:defRPr kumimoji="1" sz="3600" kern="1200">
+                  <a:solidFill>
+                    <a:schemeClr val="tx1"/>
+                  </a:solidFill>
+                  <a:latin typeface="Times New Roman" pitchFamily="18" charset="0"/>
+                  <a:ea typeface="宋体" pitchFamily="2" charset="-122"/>
+                  <a:cs typeface="+mn-cs"/>
+                </a:defRPr>
+              </a:lvl1pPr>
+              <a:lvl2pPr marL="457200" algn="l" rtl="0" fontAlgn="base">
+                <a:spcBef>
+                  <a:spcPct val="0"/>
+                </a:spcBef>
+                <a:spcAft>
+                  <a:spcPct val="0"/>
+                </a:spcAft>
+                <a:defRPr kumimoji="1" sz="3600" kern="1200">
+                  <a:solidFill>
+                    <a:schemeClr val="tx1"/>
+                  </a:solidFill>
+                  <a:latin typeface="Times New Roman" pitchFamily="18" charset="0"/>
+                  <a:ea typeface="宋体" pitchFamily="2" charset="-122"/>
+                  <a:cs typeface="+mn-cs"/>
+                </a:defRPr>
+              </a:lvl2pPr>
+              <a:lvl3pPr marL="914400" algn="l" rtl="0" fontAlgn="base">
+                <a:spcBef>
+                  <a:spcPct val="0"/>
+                </a:spcBef>
+                <a:spcAft>
+                  <a:spcPct val="0"/>
+                </a:spcAft>
+                <a:defRPr kumimoji="1" sz="3600" kern="1200">
+                  <a:solidFill>
+                    <a:schemeClr val="tx1"/>
+                  </a:solidFill>
+                  <a:latin typeface="Times New Roman" pitchFamily="18" charset="0"/>
+                  <a:ea typeface="宋体" pitchFamily="2" charset="-122"/>
+                  <a:cs typeface="+mn-cs"/>
+                </a:defRPr>
+              </a:lvl3pPr>
+              <a:lvl4pPr marL="1371600" algn="l" rtl="0" fontAlgn="base">
+                <a:spcBef>
+                  <a:spcPct val="0"/>
+                </a:spcBef>
+                <a:spcAft>
+                  <a:spcPct val="0"/>
+                </a:spcAft>
+                <a:defRPr kumimoji="1" sz="3600" kern="1200">
+                  <a:solidFill>
+                    <a:schemeClr val="tx1"/>
+                  </a:solidFill>
+                  <a:latin typeface="Times New Roman" pitchFamily="18" charset="0"/>
+                  <a:ea typeface="宋体" pitchFamily="2" charset="-122"/>
+                  <a:cs typeface="+mn-cs"/>
+                </a:defRPr>
+              </a:lvl4pPr>
+              <a:lvl5pPr marL="1828800" algn="l" rtl="0" fontAlgn="base">
+                <a:spcBef>
+                  <a:spcPct val="0"/>
+                </a:spcBef>
+                <a:spcAft>
+                  <a:spcPct val="0"/>
+                </a:spcAft>
+                <a:defRPr kumimoji="1" sz="3600" kern="1200">
+                  <a:solidFill>
+                    <a:schemeClr val="tx1"/>
+                  </a:solidFill>
+                  <a:latin typeface="Times New Roman" pitchFamily="18" charset="0"/>
+                  <a:ea typeface="宋体" pitchFamily="2" charset="-122"/>
+                  <a:cs typeface="+mn-cs"/>
+                </a:defRPr>
+              </a:lvl5pPr>
+              <a:lvl6pPr marL="2286000" algn="l" defTabSz="914400" rtl="0" eaLnBrk="1" latinLnBrk="0" hangingPunct="1">
+                <a:defRPr kumimoji="1" sz="3600" kern="1200">
+                  <a:solidFill>
+                    <a:schemeClr val="tx1"/>
+                  </a:solidFill>
+                  <a:latin typeface="Times New Roman" pitchFamily="18" charset="0"/>
+                  <a:ea typeface="宋体" pitchFamily="2" charset="-122"/>
+                  <a:cs typeface="+mn-cs"/>
+                </a:defRPr>
+              </a:lvl6pPr>
+              <a:lvl7pPr marL="2743200" algn="l" defTabSz="914400" rtl="0" eaLnBrk="1" latinLnBrk="0" hangingPunct="1">
+                <a:defRPr kumimoji="1" sz="3600" kern="1200">
+                  <a:solidFill>
+                    <a:schemeClr val="tx1"/>
+                  </a:solidFill>
+                  <a:latin typeface="Times New Roman" pitchFamily="18" charset="0"/>
+                  <a:ea typeface="宋体" pitchFamily="2" charset="-122"/>
+                  <a:cs typeface="+mn-cs"/>
+                </a:defRPr>
+              </a:lvl7pPr>
+              <a:lvl8pPr marL="3200400" algn="l" defTabSz="914400" rtl="0" eaLnBrk="1" latinLnBrk="0" hangingPunct="1">
+                <a:defRPr kumimoji="1" sz="3600" kern="1200">
+                  <a:solidFill>
+                    <a:schemeClr val="tx1"/>
+                  </a:solidFill>
+                  <a:latin typeface="Times New Roman" pitchFamily="18" charset="0"/>
+                  <a:ea typeface="宋体" pitchFamily="2" charset="-122"/>
+                  <a:cs typeface="+mn-cs"/>
+                </a:defRPr>
+              </a:lvl8pPr>
+              <a:lvl9pPr marL="3657600" algn="l" defTabSz="914400" rtl="0" eaLnBrk="1" latinLnBrk="0" hangingPunct="1">
+                <a:defRPr kumimoji="1" sz="3600" kern="1200">
+                  <a:solidFill>
+                    <a:schemeClr val="tx1"/>
+                  </a:solidFill>
+                  <a:latin typeface="Times New Roman" pitchFamily="18" charset="0"/>
+                  <a:ea typeface="宋体" pitchFamily="2" charset="-122"/>
+                  <a:cs typeface="+mn-cs"/>
+                </a:defRPr>
+              </a:lvl9pPr>
+            </a:lstStyle>
+            <a:p>
+              <a:endParaRPr lang="zh-CN" altLang="en-US" sz="2000"/>
+            </a:p>
+          </p:txBody>
+        </p:sp>
+      </p:grpSp>
       <p:sp>
         <p:nvSpPr>
-          <p:cNvPr id="2" name="标题 1"/>
-          <p:cNvSpPr>
-            <a:spLocks noGrp="1"/>
-          </p:cNvSpPr>
-          <p:nvPr>
-            <p:ph type="title"/>
-          </p:nvPr>
+          <p:cNvPr id="93" name="TextBox 92"/>
+          <p:cNvSpPr txBox="1"/>
+          <p:nvPr/>
         </p:nvSpPr>
-        <p:spPr/>
+        <p:spPr>
+          <a:xfrm>
+            <a:off x="561359" y="6288613"/>
+            <a:ext cx="2776636" cy="369332"/>
+          </a:xfrm>
+          <a:prstGeom prst="rect">
+            <a:avLst/>
+          </a:prstGeom>
+          <a:noFill/>
+        </p:spPr>
         <p:txBody>
-          <a:bodyPr/>
+          <a:bodyPr wrap="square" rtlCol="0">
+            <a:spAutoFit/>
+          </a:bodyPr>
           <a:lstStyle/>
           <a:p>
             <a:r>
               <a:rPr lang="zh-CN" altLang="en-US" dirty="0" smtClean="0"/>
-              <a:t>引擎扩展</a:t>
+              <a:t>初始语法树</a:t>
             </a:r>
             <a:endParaRPr lang="zh-CN" altLang="en-US" dirty="0"/>
           </a:p>
@@ -34390,203 +37786,3379 @@
       </p:sp>
       <p:sp>
         <p:nvSpPr>
-          <p:cNvPr id="3" name="内容占位符 2"/>
-          <p:cNvSpPr>
-            <a:spLocks noGrp="1"/>
-          </p:cNvSpPr>
-          <p:nvPr>
-            <p:ph idx="1"/>
-          </p:nvPr>
+          <p:cNvPr id="94" name="TextBox 93"/>
+          <p:cNvSpPr txBox="1"/>
+          <p:nvPr/>
         </p:nvSpPr>
-        <p:spPr/>
+        <p:spPr>
+          <a:xfrm>
+            <a:off x="5240036" y="6339165"/>
+            <a:ext cx="3753177" cy="369332"/>
+          </a:xfrm>
+          <a:prstGeom prst="rect">
+            <a:avLst/>
+          </a:prstGeom>
+          <a:noFill/>
+        </p:spPr>
         <p:txBody>
-          <a:bodyPr>
-            <a:normAutofit fontScale="92500" lnSpcReduction="10000"/>
+          <a:bodyPr wrap="square" rtlCol="0">
+            <a:spAutoFit/>
           </a:bodyPr>
           <a:lstStyle/>
           <a:p>
             <a:r>
-              <a:rPr lang="zh-CN" altLang="en-US" dirty="0"/>
-              <a:t>有效地在</a:t>
-            </a:r>
-            <a:r>
-              <a:rPr lang="en-US" altLang="zh-CN" dirty="0" smtClean="0"/>
-              <a:t>RDD</a:t>
-            </a:r>
-            <a:r>
               <a:rPr lang="zh-CN" altLang="en-US" dirty="0" smtClean="0"/>
-              <a:t>上执行</a:t>
-            </a:r>
-            <a:r>
-              <a:rPr lang="en-US" altLang="zh-CN" dirty="0" smtClean="0"/>
-              <a:t>SQL</a:t>
-            </a:r>
-            <a:r>
-              <a:rPr lang="zh-CN" altLang="en-US" dirty="0" smtClean="0"/>
-              <a:t>有难度。原因：</a:t>
-            </a:r>
-            <a:endParaRPr lang="en-US" altLang="zh-CN" dirty="0" smtClean="0"/>
+              <a:t>优化后的语法树</a:t>
+            </a:r>
+            <a:endParaRPr lang="zh-CN" altLang="en-US" dirty="0"/>
           </a:p>
+        </p:txBody>
+      </p:sp>
+      <p:grpSp>
+        <p:nvGrpSpPr>
+          <p:cNvPr id="95" name="组合 94"/>
+          <p:cNvGrpSpPr/>
+          <p:nvPr/>
+        </p:nvGrpSpPr>
+        <p:grpSpPr>
+          <a:xfrm>
+            <a:off x="4754425" y="858471"/>
+            <a:ext cx="5562600" cy="5566649"/>
+            <a:chOff x="3184376" y="777375"/>
+            <a:chExt cx="5562600" cy="5566649"/>
+          </a:xfrm>
+        </p:grpSpPr>
+        <p:sp>
+          <p:nvSpPr>
+            <p:cNvPr id="96" name="Text Box 4"/>
+            <p:cNvSpPr txBox="1">
+              <a:spLocks noChangeArrowheads="1"/>
+            </p:cNvSpPr>
+            <p:nvPr/>
+          </p:nvSpPr>
+          <p:spPr bwMode="auto">
+            <a:xfrm>
+              <a:off x="3592603" y="777375"/>
+              <a:ext cx="1981200" cy="584775"/>
+            </a:xfrm>
+            <a:prstGeom prst="rect">
+              <a:avLst/>
+            </a:prstGeom>
+            <a:noFill/>
+            <a:ln>
+              <a:noFill/>
+            </a:ln>
+            <a:effectLst/>
+            <a:extLst>
+              <a:ext uri="{909E8E84-426E-40DD-AFC4-6F175D3DCCD1}">
+                <a14:hiddenFill xmlns:a14="http://schemas.microsoft.com/office/drawing/2010/main">
+                  <a:solidFill>
+                    <a:schemeClr val="accent1"/>
+                  </a:solidFill>
+                </a14:hiddenFill>
+              </a:ext>
+              <a:ext uri="{91240B29-F687-4F45-9708-019B960494DF}">
+                <a14:hiddenLine xmlns:a14="http://schemas.microsoft.com/office/drawing/2010/main" w="12700" cap="sq">
+                  <a:solidFill>
+                    <a:schemeClr val="tx1"/>
+                  </a:solidFill>
+                  <a:miter lim="800000"/>
+                  <a:headEnd type="none" w="sm" len="sm"/>
+                  <a:tailEnd type="none" w="sm" len="sm"/>
+                </a14:hiddenLine>
+              </a:ext>
+              <a:ext uri="{AF507438-7753-43E0-B8FC-AC1667EBCBE1}">
+                <a14:hiddenEffects xmlns:a14="http://schemas.microsoft.com/office/drawing/2010/main">
+                  <a:effectLst>
+                    <a:outerShdw dist="35921" dir="2700000" algn="ctr" rotWithShape="0">
+                      <a:schemeClr val="bg2"/>
+                    </a:outerShdw>
+                  </a:effectLst>
+                </a14:hiddenEffects>
+              </a:ext>
+            </a:extLst>
+          </p:spPr>
+          <p:txBody>
+            <a:bodyPr>
+              <a:spAutoFit/>
+            </a:bodyPr>
+            <a:lstStyle>
+              <a:defPPr>
+                <a:defRPr lang="en-US"/>
+              </a:defPPr>
+              <a:lvl1pPr algn="l" rtl="0" fontAlgn="base">
+                <a:spcBef>
+                  <a:spcPct val="0"/>
+                </a:spcBef>
+                <a:spcAft>
+                  <a:spcPct val="0"/>
+                </a:spcAft>
+                <a:defRPr kumimoji="1" sz="3600" kern="1200">
+                  <a:solidFill>
+                    <a:schemeClr val="tx1"/>
+                  </a:solidFill>
+                  <a:latin typeface="Times New Roman" pitchFamily="18" charset="0"/>
+                  <a:ea typeface="宋体" pitchFamily="2" charset="-122"/>
+                  <a:cs typeface="+mn-cs"/>
+                </a:defRPr>
+              </a:lvl1pPr>
+              <a:lvl2pPr marL="457200" algn="l" rtl="0" fontAlgn="base">
+                <a:spcBef>
+                  <a:spcPct val="0"/>
+                </a:spcBef>
+                <a:spcAft>
+                  <a:spcPct val="0"/>
+                </a:spcAft>
+                <a:defRPr kumimoji="1" sz="3600" kern="1200">
+                  <a:solidFill>
+                    <a:schemeClr val="tx1"/>
+                  </a:solidFill>
+                  <a:latin typeface="Times New Roman" pitchFamily="18" charset="0"/>
+                  <a:ea typeface="宋体" pitchFamily="2" charset="-122"/>
+                  <a:cs typeface="+mn-cs"/>
+                </a:defRPr>
+              </a:lvl2pPr>
+              <a:lvl3pPr marL="914400" algn="l" rtl="0" fontAlgn="base">
+                <a:spcBef>
+                  <a:spcPct val="0"/>
+                </a:spcBef>
+                <a:spcAft>
+                  <a:spcPct val="0"/>
+                </a:spcAft>
+                <a:defRPr kumimoji="1" sz="3600" kern="1200">
+                  <a:solidFill>
+                    <a:schemeClr val="tx1"/>
+                  </a:solidFill>
+                  <a:latin typeface="Times New Roman" pitchFamily="18" charset="0"/>
+                  <a:ea typeface="宋体" pitchFamily="2" charset="-122"/>
+                  <a:cs typeface="+mn-cs"/>
+                </a:defRPr>
+              </a:lvl3pPr>
+              <a:lvl4pPr marL="1371600" algn="l" rtl="0" fontAlgn="base">
+                <a:spcBef>
+                  <a:spcPct val="0"/>
+                </a:spcBef>
+                <a:spcAft>
+                  <a:spcPct val="0"/>
+                </a:spcAft>
+                <a:defRPr kumimoji="1" sz="3600" kern="1200">
+                  <a:solidFill>
+                    <a:schemeClr val="tx1"/>
+                  </a:solidFill>
+                  <a:latin typeface="Times New Roman" pitchFamily="18" charset="0"/>
+                  <a:ea typeface="宋体" pitchFamily="2" charset="-122"/>
+                  <a:cs typeface="+mn-cs"/>
+                </a:defRPr>
+              </a:lvl4pPr>
+              <a:lvl5pPr marL="1828800" algn="l" rtl="0" fontAlgn="base">
+                <a:spcBef>
+                  <a:spcPct val="0"/>
+                </a:spcBef>
+                <a:spcAft>
+                  <a:spcPct val="0"/>
+                </a:spcAft>
+                <a:defRPr kumimoji="1" sz="3600" kern="1200">
+                  <a:solidFill>
+                    <a:schemeClr val="tx1"/>
+                  </a:solidFill>
+                  <a:latin typeface="Times New Roman" pitchFamily="18" charset="0"/>
+                  <a:ea typeface="宋体" pitchFamily="2" charset="-122"/>
+                  <a:cs typeface="+mn-cs"/>
+                </a:defRPr>
+              </a:lvl5pPr>
+              <a:lvl6pPr marL="2286000" algn="l" defTabSz="914400" rtl="0" eaLnBrk="1" latinLnBrk="0" hangingPunct="1">
+                <a:defRPr kumimoji="1" sz="3600" kern="1200">
+                  <a:solidFill>
+                    <a:schemeClr val="tx1"/>
+                  </a:solidFill>
+                  <a:latin typeface="Times New Roman" pitchFamily="18" charset="0"/>
+                  <a:ea typeface="宋体" pitchFamily="2" charset="-122"/>
+                  <a:cs typeface="+mn-cs"/>
+                </a:defRPr>
+              </a:lvl6pPr>
+              <a:lvl7pPr marL="2743200" algn="l" defTabSz="914400" rtl="0" eaLnBrk="1" latinLnBrk="0" hangingPunct="1">
+                <a:defRPr kumimoji="1" sz="3600" kern="1200">
+                  <a:solidFill>
+                    <a:schemeClr val="tx1"/>
+                  </a:solidFill>
+                  <a:latin typeface="Times New Roman" pitchFamily="18" charset="0"/>
+                  <a:ea typeface="宋体" pitchFamily="2" charset="-122"/>
+                  <a:cs typeface="+mn-cs"/>
+                </a:defRPr>
+              </a:lvl7pPr>
+              <a:lvl8pPr marL="3200400" algn="l" defTabSz="914400" rtl="0" eaLnBrk="1" latinLnBrk="0" hangingPunct="1">
+                <a:defRPr kumimoji="1" sz="3600" kern="1200">
+                  <a:solidFill>
+                    <a:schemeClr val="tx1"/>
+                  </a:solidFill>
+                  <a:latin typeface="Times New Roman" pitchFamily="18" charset="0"/>
+                  <a:ea typeface="宋体" pitchFamily="2" charset="-122"/>
+                  <a:cs typeface="+mn-cs"/>
+                </a:defRPr>
+              </a:lvl8pPr>
+              <a:lvl9pPr marL="3657600" algn="l" defTabSz="914400" rtl="0" eaLnBrk="1" latinLnBrk="0" hangingPunct="1">
+                <a:defRPr kumimoji="1" sz="3600" kern="1200">
+                  <a:solidFill>
+                    <a:schemeClr val="tx1"/>
+                  </a:solidFill>
+                  <a:latin typeface="Times New Roman" pitchFamily="18" charset="0"/>
+                  <a:ea typeface="宋体" pitchFamily="2" charset="-122"/>
+                  <a:cs typeface="+mn-cs"/>
+                </a:defRPr>
+              </a:lvl9pPr>
+            </a:lstStyle>
+            <a:p>
+              <a:pPr>
+                <a:spcBef>
+                  <a:spcPct val="50000"/>
+                </a:spcBef>
+              </a:pPr>
+              <a:r>
+                <a:rPr lang="zh-CN" altLang="en-US" sz="3200" b="1" dirty="0"/>
+                <a:t> </a:t>
+              </a:r>
+              <a:r>
+                <a:rPr lang="en-US" altLang="zh-CN" sz="3200" b="1" dirty="0"/>
+                <a:t>π</a:t>
+              </a:r>
+              <a:r>
+                <a:rPr lang="en-US" altLang="zh-CN" sz="2000" b="1" dirty="0"/>
+                <a:t> </a:t>
+              </a:r>
+              <a:r>
+                <a:rPr lang="en-US" altLang="zh-CN" sz="1400" b="1" dirty="0"/>
+                <a:t>T, N</a:t>
+              </a:r>
+              <a:r>
+                <a:rPr lang="en-US" altLang="zh-CN" sz="2000" b="1" dirty="0"/>
+                <a:t> </a:t>
+              </a:r>
+              <a:endParaRPr lang="zh-CN" altLang="en-US" sz="2000" b="1" dirty="0"/>
+            </a:p>
+          </p:txBody>
+        </p:sp>
+        <p:sp>
+          <p:nvSpPr>
+            <p:cNvPr id="97" name="Text Box 5"/>
+            <p:cNvSpPr txBox="1">
+              <a:spLocks noChangeArrowheads="1"/>
+            </p:cNvSpPr>
+            <p:nvPr/>
+          </p:nvSpPr>
+          <p:spPr bwMode="auto">
+            <a:xfrm>
+              <a:off x="3737746" y="1533812"/>
+              <a:ext cx="3352800" cy="584775"/>
+            </a:xfrm>
+            <a:prstGeom prst="rect">
+              <a:avLst/>
+            </a:prstGeom>
+            <a:noFill/>
+            <a:ln>
+              <a:noFill/>
+            </a:ln>
+            <a:effectLst/>
+            <a:extLst>
+              <a:ext uri="{909E8E84-426E-40DD-AFC4-6F175D3DCCD1}">
+                <a14:hiddenFill xmlns:a14="http://schemas.microsoft.com/office/drawing/2010/main">
+                  <a:solidFill>
+                    <a:schemeClr val="accent1"/>
+                  </a:solidFill>
+                </a14:hiddenFill>
+              </a:ext>
+              <a:ext uri="{91240B29-F687-4F45-9708-019B960494DF}">
+                <a14:hiddenLine xmlns:a14="http://schemas.microsoft.com/office/drawing/2010/main" w="12700" cap="sq">
+                  <a:solidFill>
+                    <a:schemeClr val="tx1"/>
+                  </a:solidFill>
+                  <a:miter lim="800000"/>
+                  <a:headEnd type="none" w="sm" len="sm"/>
+                  <a:tailEnd type="none" w="sm" len="sm"/>
+                </a14:hiddenLine>
+              </a:ext>
+              <a:ext uri="{AF507438-7753-43E0-B8FC-AC1667EBCBE1}">
+                <a14:hiddenEffects xmlns:a14="http://schemas.microsoft.com/office/drawing/2010/main">
+                  <a:effectLst>
+                    <a:outerShdw dist="35921" dir="2700000" algn="ctr" rotWithShape="0">
+                      <a:schemeClr val="bg2"/>
+                    </a:outerShdw>
+                  </a:effectLst>
+                </a14:hiddenEffects>
+              </a:ext>
+            </a:extLst>
+          </p:spPr>
+          <p:txBody>
+            <a:bodyPr>
+              <a:spAutoFit/>
+            </a:bodyPr>
+            <a:lstStyle>
+              <a:defPPr>
+                <a:defRPr lang="en-US"/>
+              </a:defPPr>
+              <a:lvl1pPr algn="l" rtl="0" fontAlgn="base">
+                <a:spcBef>
+                  <a:spcPct val="0"/>
+                </a:spcBef>
+                <a:spcAft>
+                  <a:spcPct val="0"/>
+                </a:spcAft>
+                <a:defRPr kumimoji="1" sz="3600" kern="1200">
+                  <a:solidFill>
+                    <a:schemeClr val="tx1"/>
+                  </a:solidFill>
+                  <a:latin typeface="Times New Roman" pitchFamily="18" charset="0"/>
+                  <a:ea typeface="宋体" pitchFamily="2" charset="-122"/>
+                  <a:cs typeface="+mn-cs"/>
+                </a:defRPr>
+              </a:lvl1pPr>
+              <a:lvl2pPr marL="457200" algn="l" rtl="0" fontAlgn="base">
+                <a:spcBef>
+                  <a:spcPct val="0"/>
+                </a:spcBef>
+                <a:spcAft>
+                  <a:spcPct val="0"/>
+                </a:spcAft>
+                <a:defRPr kumimoji="1" sz="3600" kern="1200">
+                  <a:solidFill>
+                    <a:schemeClr val="tx1"/>
+                  </a:solidFill>
+                  <a:latin typeface="Times New Roman" pitchFamily="18" charset="0"/>
+                  <a:ea typeface="宋体" pitchFamily="2" charset="-122"/>
+                  <a:cs typeface="+mn-cs"/>
+                </a:defRPr>
+              </a:lvl2pPr>
+              <a:lvl3pPr marL="914400" algn="l" rtl="0" fontAlgn="base">
+                <a:spcBef>
+                  <a:spcPct val="0"/>
+                </a:spcBef>
+                <a:spcAft>
+                  <a:spcPct val="0"/>
+                </a:spcAft>
+                <a:defRPr kumimoji="1" sz="3600" kern="1200">
+                  <a:solidFill>
+                    <a:schemeClr val="tx1"/>
+                  </a:solidFill>
+                  <a:latin typeface="Times New Roman" pitchFamily="18" charset="0"/>
+                  <a:ea typeface="宋体" pitchFamily="2" charset="-122"/>
+                  <a:cs typeface="+mn-cs"/>
+                </a:defRPr>
+              </a:lvl3pPr>
+              <a:lvl4pPr marL="1371600" algn="l" rtl="0" fontAlgn="base">
+                <a:spcBef>
+                  <a:spcPct val="0"/>
+                </a:spcBef>
+                <a:spcAft>
+                  <a:spcPct val="0"/>
+                </a:spcAft>
+                <a:defRPr kumimoji="1" sz="3600" kern="1200">
+                  <a:solidFill>
+                    <a:schemeClr val="tx1"/>
+                  </a:solidFill>
+                  <a:latin typeface="Times New Roman" pitchFamily="18" charset="0"/>
+                  <a:ea typeface="宋体" pitchFamily="2" charset="-122"/>
+                  <a:cs typeface="+mn-cs"/>
+                </a:defRPr>
+              </a:lvl4pPr>
+              <a:lvl5pPr marL="1828800" algn="l" rtl="0" fontAlgn="base">
+                <a:spcBef>
+                  <a:spcPct val="0"/>
+                </a:spcBef>
+                <a:spcAft>
+                  <a:spcPct val="0"/>
+                </a:spcAft>
+                <a:defRPr kumimoji="1" sz="3600" kern="1200">
+                  <a:solidFill>
+                    <a:schemeClr val="tx1"/>
+                  </a:solidFill>
+                  <a:latin typeface="Times New Roman" pitchFamily="18" charset="0"/>
+                  <a:ea typeface="宋体" pitchFamily="2" charset="-122"/>
+                  <a:cs typeface="+mn-cs"/>
+                </a:defRPr>
+              </a:lvl5pPr>
+              <a:lvl6pPr marL="2286000" algn="l" defTabSz="914400" rtl="0" eaLnBrk="1" latinLnBrk="0" hangingPunct="1">
+                <a:defRPr kumimoji="1" sz="3600" kern="1200">
+                  <a:solidFill>
+                    <a:schemeClr val="tx1"/>
+                  </a:solidFill>
+                  <a:latin typeface="Times New Roman" pitchFamily="18" charset="0"/>
+                  <a:ea typeface="宋体" pitchFamily="2" charset="-122"/>
+                  <a:cs typeface="+mn-cs"/>
+                </a:defRPr>
+              </a:lvl6pPr>
+              <a:lvl7pPr marL="2743200" algn="l" defTabSz="914400" rtl="0" eaLnBrk="1" latinLnBrk="0" hangingPunct="1">
+                <a:defRPr kumimoji="1" sz="3600" kern="1200">
+                  <a:solidFill>
+                    <a:schemeClr val="tx1"/>
+                  </a:solidFill>
+                  <a:latin typeface="Times New Roman" pitchFamily="18" charset="0"/>
+                  <a:ea typeface="宋体" pitchFamily="2" charset="-122"/>
+                  <a:cs typeface="+mn-cs"/>
+                </a:defRPr>
+              </a:lvl7pPr>
+              <a:lvl8pPr marL="3200400" algn="l" defTabSz="914400" rtl="0" eaLnBrk="1" latinLnBrk="0" hangingPunct="1">
+                <a:defRPr kumimoji="1" sz="3600" kern="1200">
+                  <a:solidFill>
+                    <a:schemeClr val="tx1"/>
+                  </a:solidFill>
+                  <a:latin typeface="Times New Roman" pitchFamily="18" charset="0"/>
+                  <a:ea typeface="宋体" pitchFamily="2" charset="-122"/>
+                  <a:cs typeface="+mn-cs"/>
+                </a:defRPr>
+              </a:lvl8pPr>
+              <a:lvl9pPr marL="3657600" algn="l" defTabSz="914400" rtl="0" eaLnBrk="1" latinLnBrk="0" hangingPunct="1">
+                <a:defRPr kumimoji="1" sz="3600" kern="1200">
+                  <a:solidFill>
+                    <a:schemeClr val="tx1"/>
+                  </a:solidFill>
+                  <a:latin typeface="Times New Roman" pitchFamily="18" charset="0"/>
+                  <a:ea typeface="宋体" pitchFamily="2" charset="-122"/>
+                  <a:cs typeface="+mn-cs"/>
+                </a:defRPr>
+              </a:lvl9pPr>
+            </a:lstStyle>
+            <a:p>
+              <a:pPr>
+                <a:spcBef>
+                  <a:spcPct val="50000"/>
+                </a:spcBef>
+              </a:pPr>
+              <a:r>
+                <a:rPr lang="zh-CN" altLang="en-US" sz="3200" b="1" dirty="0"/>
+                <a:t> </a:t>
+              </a:r>
+              <a:r>
+                <a:rPr lang="en-US" altLang="zh-CN" sz="3200" b="1" dirty="0"/>
+                <a:t>σ</a:t>
+              </a:r>
+              <a:r>
+                <a:rPr lang="en-US" altLang="zh-CN" sz="1400" b="1" dirty="0"/>
+                <a:t>B.BN=L.BN</a:t>
+              </a:r>
+              <a:r>
+                <a:rPr lang="en-US" altLang="zh-CN" sz="1800" b="1" dirty="0"/>
+                <a:t> </a:t>
+              </a:r>
+              <a:endParaRPr lang="zh-CN" altLang="en-US" sz="1800" b="1" dirty="0"/>
+            </a:p>
+          </p:txBody>
+        </p:sp>
+        <p:sp>
+          <p:nvSpPr>
+            <p:cNvPr id="98" name="Text Box 7"/>
+            <p:cNvSpPr txBox="1">
+              <a:spLocks noChangeArrowheads="1"/>
+            </p:cNvSpPr>
+            <p:nvPr/>
+          </p:nvSpPr>
+          <p:spPr bwMode="auto">
+            <a:xfrm>
+              <a:off x="3946376" y="3241735"/>
+              <a:ext cx="3200400" cy="584775"/>
+            </a:xfrm>
+            <a:prstGeom prst="rect">
+              <a:avLst/>
+            </a:prstGeom>
+            <a:noFill/>
+            <a:ln>
+              <a:noFill/>
+            </a:ln>
+            <a:effectLst/>
+            <a:extLst>
+              <a:ext uri="{909E8E84-426E-40DD-AFC4-6F175D3DCCD1}">
+                <a14:hiddenFill xmlns:a14="http://schemas.microsoft.com/office/drawing/2010/main">
+                  <a:solidFill>
+                    <a:schemeClr val="accent1"/>
+                  </a:solidFill>
+                </a14:hiddenFill>
+              </a:ext>
+              <a:ext uri="{91240B29-F687-4F45-9708-019B960494DF}">
+                <a14:hiddenLine xmlns:a14="http://schemas.microsoft.com/office/drawing/2010/main" w="12700" cap="sq">
+                  <a:solidFill>
+                    <a:schemeClr val="tx1"/>
+                  </a:solidFill>
+                  <a:miter lim="800000"/>
+                  <a:headEnd type="none" w="sm" len="sm"/>
+                  <a:tailEnd type="none" w="sm" len="sm"/>
+                </a14:hiddenLine>
+              </a:ext>
+              <a:ext uri="{AF507438-7753-43E0-B8FC-AC1667EBCBE1}">
+                <a14:hiddenEffects xmlns:a14="http://schemas.microsoft.com/office/drawing/2010/main">
+                  <a:effectLst>
+                    <a:outerShdw dist="35921" dir="2700000" algn="ctr" rotWithShape="0">
+                      <a:schemeClr val="bg2"/>
+                    </a:outerShdw>
+                  </a:effectLst>
+                </a14:hiddenEffects>
+              </a:ext>
+            </a:extLst>
+          </p:spPr>
+          <p:txBody>
+            <a:bodyPr>
+              <a:spAutoFit/>
+            </a:bodyPr>
+            <a:lstStyle>
+              <a:defPPr>
+                <a:defRPr lang="en-US"/>
+              </a:defPPr>
+              <a:lvl1pPr algn="l" rtl="0" fontAlgn="base">
+                <a:spcBef>
+                  <a:spcPct val="0"/>
+                </a:spcBef>
+                <a:spcAft>
+                  <a:spcPct val="0"/>
+                </a:spcAft>
+                <a:defRPr kumimoji="1" sz="3600" kern="1200">
+                  <a:solidFill>
+                    <a:schemeClr val="tx1"/>
+                  </a:solidFill>
+                  <a:latin typeface="Times New Roman" pitchFamily="18" charset="0"/>
+                  <a:ea typeface="宋体" pitchFamily="2" charset="-122"/>
+                  <a:cs typeface="+mn-cs"/>
+                </a:defRPr>
+              </a:lvl1pPr>
+              <a:lvl2pPr marL="457200" algn="l" rtl="0" fontAlgn="base">
+                <a:spcBef>
+                  <a:spcPct val="0"/>
+                </a:spcBef>
+                <a:spcAft>
+                  <a:spcPct val="0"/>
+                </a:spcAft>
+                <a:defRPr kumimoji="1" sz="3600" kern="1200">
+                  <a:solidFill>
+                    <a:schemeClr val="tx1"/>
+                  </a:solidFill>
+                  <a:latin typeface="Times New Roman" pitchFamily="18" charset="0"/>
+                  <a:ea typeface="宋体" pitchFamily="2" charset="-122"/>
+                  <a:cs typeface="+mn-cs"/>
+                </a:defRPr>
+              </a:lvl2pPr>
+              <a:lvl3pPr marL="914400" algn="l" rtl="0" fontAlgn="base">
+                <a:spcBef>
+                  <a:spcPct val="0"/>
+                </a:spcBef>
+                <a:spcAft>
+                  <a:spcPct val="0"/>
+                </a:spcAft>
+                <a:defRPr kumimoji="1" sz="3600" kern="1200">
+                  <a:solidFill>
+                    <a:schemeClr val="tx1"/>
+                  </a:solidFill>
+                  <a:latin typeface="Times New Roman" pitchFamily="18" charset="0"/>
+                  <a:ea typeface="宋体" pitchFamily="2" charset="-122"/>
+                  <a:cs typeface="+mn-cs"/>
+                </a:defRPr>
+              </a:lvl3pPr>
+              <a:lvl4pPr marL="1371600" algn="l" rtl="0" fontAlgn="base">
+                <a:spcBef>
+                  <a:spcPct val="0"/>
+                </a:spcBef>
+                <a:spcAft>
+                  <a:spcPct val="0"/>
+                </a:spcAft>
+                <a:defRPr kumimoji="1" sz="3600" kern="1200">
+                  <a:solidFill>
+                    <a:schemeClr val="tx1"/>
+                  </a:solidFill>
+                  <a:latin typeface="Times New Roman" pitchFamily="18" charset="0"/>
+                  <a:ea typeface="宋体" pitchFamily="2" charset="-122"/>
+                  <a:cs typeface="+mn-cs"/>
+                </a:defRPr>
+              </a:lvl4pPr>
+              <a:lvl5pPr marL="1828800" algn="l" rtl="0" fontAlgn="base">
+                <a:spcBef>
+                  <a:spcPct val="0"/>
+                </a:spcBef>
+                <a:spcAft>
+                  <a:spcPct val="0"/>
+                </a:spcAft>
+                <a:defRPr kumimoji="1" sz="3600" kern="1200">
+                  <a:solidFill>
+                    <a:schemeClr val="tx1"/>
+                  </a:solidFill>
+                  <a:latin typeface="Times New Roman" pitchFamily="18" charset="0"/>
+                  <a:ea typeface="宋体" pitchFamily="2" charset="-122"/>
+                  <a:cs typeface="+mn-cs"/>
+                </a:defRPr>
+              </a:lvl5pPr>
+              <a:lvl6pPr marL="2286000" algn="l" defTabSz="914400" rtl="0" eaLnBrk="1" latinLnBrk="0" hangingPunct="1">
+                <a:defRPr kumimoji="1" sz="3600" kern="1200">
+                  <a:solidFill>
+                    <a:schemeClr val="tx1"/>
+                  </a:solidFill>
+                  <a:latin typeface="Times New Roman" pitchFamily="18" charset="0"/>
+                  <a:ea typeface="宋体" pitchFamily="2" charset="-122"/>
+                  <a:cs typeface="+mn-cs"/>
+                </a:defRPr>
+              </a:lvl6pPr>
+              <a:lvl7pPr marL="2743200" algn="l" defTabSz="914400" rtl="0" eaLnBrk="1" latinLnBrk="0" hangingPunct="1">
+                <a:defRPr kumimoji="1" sz="3600" kern="1200">
+                  <a:solidFill>
+                    <a:schemeClr val="tx1"/>
+                  </a:solidFill>
+                  <a:latin typeface="Times New Roman" pitchFamily="18" charset="0"/>
+                  <a:ea typeface="宋体" pitchFamily="2" charset="-122"/>
+                  <a:cs typeface="+mn-cs"/>
+                </a:defRPr>
+              </a:lvl7pPr>
+              <a:lvl8pPr marL="3200400" algn="l" defTabSz="914400" rtl="0" eaLnBrk="1" latinLnBrk="0" hangingPunct="1">
+                <a:defRPr kumimoji="1" sz="3600" kern="1200">
+                  <a:solidFill>
+                    <a:schemeClr val="tx1"/>
+                  </a:solidFill>
+                  <a:latin typeface="Times New Roman" pitchFamily="18" charset="0"/>
+                  <a:ea typeface="宋体" pitchFamily="2" charset="-122"/>
+                  <a:cs typeface="+mn-cs"/>
+                </a:defRPr>
+              </a:lvl8pPr>
+              <a:lvl9pPr marL="3657600" algn="l" defTabSz="914400" rtl="0" eaLnBrk="1" latinLnBrk="0" hangingPunct="1">
+                <a:defRPr kumimoji="1" sz="3600" kern="1200">
+                  <a:solidFill>
+                    <a:schemeClr val="tx1"/>
+                  </a:solidFill>
+                  <a:latin typeface="Times New Roman" pitchFamily="18" charset="0"/>
+                  <a:ea typeface="宋体" pitchFamily="2" charset="-122"/>
+                  <a:cs typeface="+mn-cs"/>
+                </a:defRPr>
+              </a:lvl9pPr>
+            </a:lstStyle>
+            <a:p>
+              <a:pPr>
+                <a:spcBef>
+                  <a:spcPct val="50000"/>
+                </a:spcBef>
+              </a:pPr>
+              <a:r>
+                <a:rPr lang="zh-CN" altLang="en-US" sz="3200" b="1" dirty="0"/>
+                <a:t> </a:t>
+              </a:r>
+              <a:r>
+                <a:rPr lang="en-US" altLang="zh-CN" sz="3200" b="1" dirty="0" err="1">
+                  <a:latin typeface="宋体" pitchFamily="2" charset="-122"/>
+                </a:rPr>
+                <a:t>σ</a:t>
+              </a:r>
+              <a:r>
+                <a:rPr lang="en-US" altLang="zh-CN" sz="1400" b="1" dirty="0" err="1"/>
+                <a:t>S.LN</a:t>
+              </a:r>
+              <a:r>
+                <a:rPr lang="en-US" altLang="zh-CN" sz="1400" b="1" dirty="0"/>
+                <a:t>=L.LN</a:t>
+              </a:r>
+              <a:r>
+                <a:rPr lang="en-US" altLang="zh-CN" sz="1800" b="1" dirty="0"/>
+                <a:t> </a:t>
+              </a:r>
+              <a:endParaRPr lang="zh-CN" altLang="en-US" sz="1800" b="1" dirty="0"/>
+            </a:p>
+          </p:txBody>
+        </p:sp>
+        <p:sp>
+          <p:nvSpPr>
+            <p:cNvPr id="99" name="Text Box 8"/>
+            <p:cNvSpPr txBox="1">
+              <a:spLocks noChangeArrowheads="1"/>
+            </p:cNvSpPr>
+            <p:nvPr/>
+          </p:nvSpPr>
+          <p:spPr bwMode="auto">
+            <a:xfrm>
+              <a:off x="4020616" y="2536825"/>
+              <a:ext cx="762000" cy="400110"/>
+            </a:xfrm>
+            <a:prstGeom prst="rect">
+              <a:avLst/>
+            </a:prstGeom>
+            <a:noFill/>
+            <a:ln>
+              <a:noFill/>
+            </a:ln>
+            <a:effectLst/>
+            <a:extLst>
+              <a:ext uri="{909E8E84-426E-40DD-AFC4-6F175D3DCCD1}">
+                <a14:hiddenFill xmlns:a14="http://schemas.microsoft.com/office/drawing/2010/main">
+                  <a:solidFill>
+                    <a:schemeClr val="accent1"/>
+                  </a:solidFill>
+                </a14:hiddenFill>
+              </a:ext>
+              <a:ext uri="{91240B29-F687-4F45-9708-019B960494DF}">
+                <a14:hiddenLine xmlns:a14="http://schemas.microsoft.com/office/drawing/2010/main" w="12700" cap="sq">
+                  <a:solidFill>
+                    <a:schemeClr val="tx1"/>
+                  </a:solidFill>
+                  <a:miter lim="800000"/>
+                  <a:headEnd type="none" w="sm" len="sm"/>
+                  <a:tailEnd type="none" w="sm" len="sm"/>
+                </a14:hiddenLine>
+              </a:ext>
+              <a:ext uri="{AF507438-7753-43E0-B8FC-AC1667EBCBE1}">
+                <a14:hiddenEffects xmlns:a14="http://schemas.microsoft.com/office/drawing/2010/main">
+                  <a:effectLst>
+                    <a:outerShdw dist="35921" dir="2700000" algn="ctr" rotWithShape="0">
+                      <a:schemeClr val="bg2"/>
+                    </a:outerShdw>
+                  </a:effectLst>
+                </a14:hiddenEffects>
+              </a:ext>
+            </a:extLst>
+          </p:spPr>
+          <p:txBody>
+            <a:bodyPr>
+              <a:spAutoFit/>
+            </a:bodyPr>
+            <a:lstStyle>
+              <a:defPPr>
+                <a:defRPr lang="en-US"/>
+              </a:defPPr>
+              <a:lvl1pPr algn="l" rtl="0" fontAlgn="base">
+                <a:spcBef>
+                  <a:spcPct val="0"/>
+                </a:spcBef>
+                <a:spcAft>
+                  <a:spcPct val="0"/>
+                </a:spcAft>
+                <a:defRPr kumimoji="1" sz="3600" kern="1200">
+                  <a:solidFill>
+                    <a:schemeClr val="tx1"/>
+                  </a:solidFill>
+                  <a:latin typeface="Times New Roman" pitchFamily="18" charset="0"/>
+                  <a:ea typeface="宋体" pitchFamily="2" charset="-122"/>
+                  <a:cs typeface="+mn-cs"/>
+                </a:defRPr>
+              </a:lvl1pPr>
+              <a:lvl2pPr marL="457200" algn="l" rtl="0" fontAlgn="base">
+                <a:spcBef>
+                  <a:spcPct val="0"/>
+                </a:spcBef>
+                <a:spcAft>
+                  <a:spcPct val="0"/>
+                </a:spcAft>
+                <a:defRPr kumimoji="1" sz="3600" kern="1200">
+                  <a:solidFill>
+                    <a:schemeClr val="tx1"/>
+                  </a:solidFill>
+                  <a:latin typeface="Times New Roman" pitchFamily="18" charset="0"/>
+                  <a:ea typeface="宋体" pitchFamily="2" charset="-122"/>
+                  <a:cs typeface="+mn-cs"/>
+                </a:defRPr>
+              </a:lvl2pPr>
+              <a:lvl3pPr marL="914400" algn="l" rtl="0" fontAlgn="base">
+                <a:spcBef>
+                  <a:spcPct val="0"/>
+                </a:spcBef>
+                <a:spcAft>
+                  <a:spcPct val="0"/>
+                </a:spcAft>
+                <a:defRPr kumimoji="1" sz="3600" kern="1200">
+                  <a:solidFill>
+                    <a:schemeClr val="tx1"/>
+                  </a:solidFill>
+                  <a:latin typeface="Times New Roman" pitchFamily="18" charset="0"/>
+                  <a:ea typeface="宋体" pitchFamily="2" charset="-122"/>
+                  <a:cs typeface="+mn-cs"/>
+                </a:defRPr>
+              </a:lvl3pPr>
+              <a:lvl4pPr marL="1371600" algn="l" rtl="0" fontAlgn="base">
+                <a:spcBef>
+                  <a:spcPct val="0"/>
+                </a:spcBef>
+                <a:spcAft>
+                  <a:spcPct val="0"/>
+                </a:spcAft>
+                <a:defRPr kumimoji="1" sz="3600" kern="1200">
+                  <a:solidFill>
+                    <a:schemeClr val="tx1"/>
+                  </a:solidFill>
+                  <a:latin typeface="Times New Roman" pitchFamily="18" charset="0"/>
+                  <a:ea typeface="宋体" pitchFamily="2" charset="-122"/>
+                  <a:cs typeface="+mn-cs"/>
+                </a:defRPr>
+              </a:lvl4pPr>
+              <a:lvl5pPr marL="1828800" algn="l" rtl="0" fontAlgn="base">
+                <a:spcBef>
+                  <a:spcPct val="0"/>
+                </a:spcBef>
+                <a:spcAft>
+                  <a:spcPct val="0"/>
+                </a:spcAft>
+                <a:defRPr kumimoji="1" sz="3600" kern="1200">
+                  <a:solidFill>
+                    <a:schemeClr val="tx1"/>
+                  </a:solidFill>
+                  <a:latin typeface="Times New Roman" pitchFamily="18" charset="0"/>
+                  <a:ea typeface="宋体" pitchFamily="2" charset="-122"/>
+                  <a:cs typeface="+mn-cs"/>
+                </a:defRPr>
+              </a:lvl5pPr>
+              <a:lvl6pPr marL="2286000" algn="l" defTabSz="914400" rtl="0" eaLnBrk="1" latinLnBrk="0" hangingPunct="1">
+                <a:defRPr kumimoji="1" sz="3600" kern="1200">
+                  <a:solidFill>
+                    <a:schemeClr val="tx1"/>
+                  </a:solidFill>
+                  <a:latin typeface="Times New Roman" pitchFamily="18" charset="0"/>
+                  <a:ea typeface="宋体" pitchFamily="2" charset="-122"/>
+                  <a:cs typeface="+mn-cs"/>
+                </a:defRPr>
+              </a:lvl6pPr>
+              <a:lvl7pPr marL="2743200" algn="l" defTabSz="914400" rtl="0" eaLnBrk="1" latinLnBrk="0" hangingPunct="1">
+                <a:defRPr kumimoji="1" sz="3600" kern="1200">
+                  <a:solidFill>
+                    <a:schemeClr val="tx1"/>
+                  </a:solidFill>
+                  <a:latin typeface="Times New Roman" pitchFamily="18" charset="0"/>
+                  <a:ea typeface="宋体" pitchFamily="2" charset="-122"/>
+                  <a:cs typeface="+mn-cs"/>
+                </a:defRPr>
+              </a:lvl7pPr>
+              <a:lvl8pPr marL="3200400" algn="l" defTabSz="914400" rtl="0" eaLnBrk="1" latinLnBrk="0" hangingPunct="1">
+                <a:defRPr kumimoji="1" sz="3600" kern="1200">
+                  <a:solidFill>
+                    <a:schemeClr val="tx1"/>
+                  </a:solidFill>
+                  <a:latin typeface="Times New Roman" pitchFamily="18" charset="0"/>
+                  <a:ea typeface="宋体" pitchFamily="2" charset="-122"/>
+                  <a:cs typeface="+mn-cs"/>
+                </a:defRPr>
+              </a:lvl8pPr>
+              <a:lvl9pPr marL="3657600" algn="l" defTabSz="914400" rtl="0" eaLnBrk="1" latinLnBrk="0" hangingPunct="1">
+                <a:defRPr kumimoji="1" sz="3600" kern="1200">
+                  <a:solidFill>
+                    <a:schemeClr val="tx1"/>
+                  </a:solidFill>
+                  <a:latin typeface="Times New Roman" pitchFamily="18" charset="0"/>
+                  <a:ea typeface="宋体" pitchFamily="2" charset="-122"/>
+                  <a:cs typeface="+mn-cs"/>
+                </a:defRPr>
+              </a:lvl9pPr>
+            </a:lstStyle>
+            <a:p>
+              <a:pPr>
+                <a:spcBef>
+                  <a:spcPct val="50000"/>
+                </a:spcBef>
+              </a:pPr>
+              <a:r>
+                <a:rPr lang="zh-CN" altLang="en-US" sz="1200" b="1" dirty="0">
+                  <a:latin typeface="宋体" pitchFamily="2" charset="-122"/>
+                </a:rPr>
+                <a:t>╳</a:t>
+              </a:r>
+              <a:r>
+                <a:rPr lang="zh-CN" altLang="en-US" sz="2000" b="1" dirty="0"/>
+                <a:t> </a:t>
+              </a:r>
+            </a:p>
+          </p:txBody>
+        </p:sp>
+        <p:sp>
+          <p:nvSpPr>
+            <p:cNvPr id="100" name="Text Box 9"/>
+            <p:cNvSpPr txBox="1">
+              <a:spLocks noChangeArrowheads="1"/>
+            </p:cNvSpPr>
+            <p:nvPr/>
+          </p:nvSpPr>
+          <p:spPr bwMode="auto">
+            <a:xfrm>
+              <a:off x="5079032" y="4221088"/>
+              <a:ext cx="762000" cy="400110"/>
+            </a:xfrm>
+            <a:prstGeom prst="rect">
+              <a:avLst/>
+            </a:prstGeom>
+            <a:noFill/>
+            <a:ln>
+              <a:noFill/>
+            </a:ln>
+            <a:effectLst/>
+            <a:extLst>
+              <a:ext uri="{909E8E84-426E-40DD-AFC4-6F175D3DCCD1}">
+                <a14:hiddenFill xmlns:a14="http://schemas.microsoft.com/office/drawing/2010/main">
+                  <a:solidFill>
+                    <a:schemeClr val="accent1"/>
+                  </a:solidFill>
+                </a14:hiddenFill>
+              </a:ext>
+              <a:ext uri="{91240B29-F687-4F45-9708-019B960494DF}">
+                <a14:hiddenLine xmlns:a14="http://schemas.microsoft.com/office/drawing/2010/main" w="12700" cap="sq">
+                  <a:solidFill>
+                    <a:schemeClr val="tx1"/>
+                  </a:solidFill>
+                  <a:miter lim="800000"/>
+                  <a:headEnd type="none" w="sm" len="sm"/>
+                  <a:tailEnd type="none" w="sm" len="sm"/>
+                </a14:hiddenLine>
+              </a:ext>
+              <a:ext uri="{AF507438-7753-43E0-B8FC-AC1667EBCBE1}">
+                <a14:hiddenEffects xmlns:a14="http://schemas.microsoft.com/office/drawing/2010/main">
+                  <a:effectLst>
+                    <a:outerShdw dist="35921" dir="2700000" algn="ctr" rotWithShape="0">
+                      <a:schemeClr val="bg2"/>
+                    </a:outerShdw>
+                  </a:effectLst>
+                </a14:hiddenEffects>
+              </a:ext>
+            </a:extLst>
+          </p:spPr>
+          <p:txBody>
+            <a:bodyPr>
+              <a:spAutoFit/>
+            </a:bodyPr>
+            <a:lstStyle>
+              <a:defPPr>
+                <a:defRPr lang="en-US"/>
+              </a:defPPr>
+              <a:lvl1pPr algn="l" rtl="0" fontAlgn="base">
+                <a:spcBef>
+                  <a:spcPct val="0"/>
+                </a:spcBef>
+                <a:spcAft>
+                  <a:spcPct val="0"/>
+                </a:spcAft>
+                <a:defRPr kumimoji="1" sz="3600" kern="1200">
+                  <a:solidFill>
+                    <a:schemeClr val="tx1"/>
+                  </a:solidFill>
+                  <a:latin typeface="Times New Roman" pitchFamily="18" charset="0"/>
+                  <a:ea typeface="宋体" pitchFamily="2" charset="-122"/>
+                  <a:cs typeface="+mn-cs"/>
+                </a:defRPr>
+              </a:lvl1pPr>
+              <a:lvl2pPr marL="457200" algn="l" rtl="0" fontAlgn="base">
+                <a:spcBef>
+                  <a:spcPct val="0"/>
+                </a:spcBef>
+                <a:spcAft>
+                  <a:spcPct val="0"/>
+                </a:spcAft>
+                <a:defRPr kumimoji="1" sz="3600" kern="1200">
+                  <a:solidFill>
+                    <a:schemeClr val="tx1"/>
+                  </a:solidFill>
+                  <a:latin typeface="Times New Roman" pitchFamily="18" charset="0"/>
+                  <a:ea typeface="宋体" pitchFamily="2" charset="-122"/>
+                  <a:cs typeface="+mn-cs"/>
+                </a:defRPr>
+              </a:lvl2pPr>
+              <a:lvl3pPr marL="914400" algn="l" rtl="0" fontAlgn="base">
+                <a:spcBef>
+                  <a:spcPct val="0"/>
+                </a:spcBef>
+                <a:spcAft>
+                  <a:spcPct val="0"/>
+                </a:spcAft>
+                <a:defRPr kumimoji="1" sz="3600" kern="1200">
+                  <a:solidFill>
+                    <a:schemeClr val="tx1"/>
+                  </a:solidFill>
+                  <a:latin typeface="Times New Roman" pitchFamily="18" charset="0"/>
+                  <a:ea typeface="宋体" pitchFamily="2" charset="-122"/>
+                  <a:cs typeface="+mn-cs"/>
+                </a:defRPr>
+              </a:lvl3pPr>
+              <a:lvl4pPr marL="1371600" algn="l" rtl="0" fontAlgn="base">
+                <a:spcBef>
+                  <a:spcPct val="0"/>
+                </a:spcBef>
+                <a:spcAft>
+                  <a:spcPct val="0"/>
+                </a:spcAft>
+                <a:defRPr kumimoji="1" sz="3600" kern="1200">
+                  <a:solidFill>
+                    <a:schemeClr val="tx1"/>
+                  </a:solidFill>
+                  <a:latin typeface="Times New Roman" pitchFamily="18" charset="0"/>
+                  <a:ea typeface="宋体" pitchFamily="2" charset="-122"/>
+                  <a:cs typeface="+mn-cs"/>
+                </a:defRPr>
+              </a:lvl4pPr>
+              <a:lvl5pPr marL="1828800" algn="l" rtl="0" fontAlgn="base">
+                <a:spcBef>
+                  <a:spcPct val="0"/>
+                </a:spcBef>
+                <a:spcAft>
+                  <a:spcPct val="0"/>
+                </a:spcAft>
+                <a:defRPr kumimoji="1" sz="3600" kern="1200">
+                  <a:solidFill>
+                    <a:schemeClr val="tx1"/>
+                  </a:solidFill>
+                  <a:latin typeface="Times New Roman" pitchFamily="18" charset="0"/>
+                  <a:ea typeface="宋体" pitchFamily="2" charset="-122"/>
+                  <a:cs typeface="+mn-cs"/>
+                </a:defRPr>
+              </a:lvl5pPr>
+              <a:lvl6pPr marL="2286000" algn="l" defTabSz="914400" rtl="0" eaLnBrk="1" latinLnBrk="0" hangingPunct="1">
+                <a:defRPr kumimoji="1" sz="3600" kern="1200">
+                  <a:solidFill>
+                    <a:schemeClr val="tx1"/>
+                  </a:solidFill>
+                  <a:latin typeface="Times New Roman" pitchFamily="18" charset="0"/>
+                  <a:ea typeface="宋体" pitchFamily="2" charset="-122"/>
+                  <a:cs typeface="+mn-cs"/>
+                </a:defRPr>
+              </a:lvl6pPr>
+              <a:lvl7pPr marL="2743200" algn="l" defTabSz="914400" rtl="0" eaLnBrk="1" latinLnBrk="0" hangingPunct="1">
+                <a:defRPr kumimoji="1" sz="3600" kern="1200">
+                  <a:solidFill>
+                    <a:schemeClr val="tx1"/>
+                  </a:solidFill>
+                  <a:latin typeface="Times New Roman" pitchFamily="18" charset="0"/>
+                  <a:ea typeface="宋体" pitchFamily="2" charset="-122"/>
+                  <a:cs typeface="+mn-cs"/>
+                </a:defRPr>
+              </a:lvl7pPr>
+              <a:lvl8pPr marL="3200400" algn="l" defTabSz="914400" rtl="0" eaLnBrk="1" latinLnBrk="0" hangingPunct="1">
+                <a:defRPr kumimoji="1" sz="3600" kern="1200">
+                  <a:solidFill>
+                    <a:schemeClr val="tx1"/>
+                  </a:solidFill>
+                  <a:latin typeface="Times New Roman" pitchFamily="18" charset="0"/>
+                  <a:ea typeface="宋体" pitchFamily="2" charset="-122"/>
+                  <a:cs typeface="+mn-cs"/>
+                </a:defRPr>
+              </a:lvl8pPr>
+              <a:lvl9pPr marL="3657600" algn="l" defTabSz="914400" rtl="0" eaLnBrk="1" latinLnBrk="0" hangingPunct="1">
+                <a:defRPr kumimoji="1" sz="3600" kern="1200">
+                  <a:solidFill>
+                    <a:schemeClr val="tx1"/>
+                  </a:solidFill>
+                  <a:latin typeface="Times New Roman" pitchFamily="18" charset="0"/>
+                  <a:ea typeface="宋体" pitchFamily="2" charset="-122"/>
+                  <a:cs typeface="+mn-cs"/>
+                </a:defRPr>
+              </a:lvl9pPr>
+            </a:lstStyle>
+            <a:p>
+              <a:pPr>
+                <a:spcBef>
+                  <a:spcPct val="50000"/>
+                </a:spcBef>
+              </a:pPr>
+              <a:r>
+                <a:rPr lang="zh-CN" altLang="en-US" sz="1400" b="1" dirty="0">
+                  <a:latin typeface="宋体" pitchFamily="2" charset="-122"/>
+                </a:rPr>
+                <a:t>╳</a:t>
+              </a:r>
+              <a:r>
+                <a:rPr lang="zh-CN" altLang="en-US" sz="2000" b="1" dirty="0"/>
+                <a:t> </a:t>
+              </a:r>
+            </a:p>
+          </p:txBody>
+        </p:sp>
+        <p:sp>
+          <p:nvSpPr>
+            <p:cNvPr id="101" name="Text Box 10"/>
+            <p:cNvSpPr txBox="1">
+              <a:spLocks noChangeArrowheads="1"/>
+            </p:cNvSpPr>
+            <p:nvPr/>
+          </p:nvSpPr>
+          <p:spPr bwMode="auto">
+            <a:xfrm>
+              <a:off x="6075223" y="5943914"/>
+              <a:ext cx="762000" cy="400110"/>
+            </a:xfrm>
+            <a:prstGeom prst="rect">
+              <a:avLst/>
+            </a:prstGeom>
+            <a:noFill/>
+            <a:ln>
+              <a:noFill/>
+            </a:ln>
+            <a:effectLst/>
+            <a:extLst>
+              <a:ext uri="{909E8E84-426E-40DD-AFC4-6F175D3DCCD1}">
+                <a14:hiddenFill xmlns:a14="http://schemas.microsoft.com/office/drawing/2010/main">
+                  <a:solidFill>
+                    <a:schemeClr val="accent1"/>
+                  </a:solidFill>
+                </a14:hiddenFill>
+              </a:ext>
+              <a:ext uri="{91240B29-F687-4F45-9708-019B960494DF}">
+                <a14:hiddenLine xmlns:a14="http://schemas.microsoft.com/office/drawing/2010/main" w="12700" cap="sq">
+                  <a:solidFill>
+                    <a:schemeClr val="tx1"/>
+                  </a:solidFill>
+                  <a:miter lim="800000"/>
+                  <a:headEnd type="none" w="sm" len="sm"/>
+                  <a:tailEnd type="none" w="sm" len="sm"/>
+                </a14:hiddenLine>
+              </a:ext>
+              <a:ext uri="{AF507438-7753-43E0-B8FC-AC1667EBCBE1}">
+                <a14:hiddenEffects xmlns:a14="http://schemas.microsoft.com/office/drawing/2010/main">
+                  <a:effectLst>
+                    <a:outerShdw dist="35921" dir="2700000" algn="ctr" rotWithShape="0">
+                      <a:schemeClr val="bg2"/>
+                    </a:outerShdw>
+                  </a:effectLst>
+                </a14:hiddenEffects>
+              </a:ext>
+            </a:extLst>
+          </p:spPr>
+          <p:txBody>
+            <a:bodyPr>
+              <a:spAutoFit/>
+            </a:bodyPr>
+            <a:lstStyle>
+              <a:defPPr>
+                <a:defRPr lang="en-US"/>
+              </a:defPPr>
+              <a:lvl1pPr algn="l" rtl="0" fontAlgn="base">
+                <a:spcBef>
+                  <a:spcPct val="0"/>
+                </a:spcBef>
+                <a:spcAft>
+                  <a:spcPct val="0"/>
+                </a:spcAft>
+                <a:defRPr kumimoji="1" sz="3600" kern="1200">
+                  <a:solidFill>
+                    <a:schemeClr val="tx1"/>
+                  </a:solidFill>
+                  <a:latin typeface="Times New Roman" pitchFamily="18" charset="0"/>
+                  <a:ea typeface="宋体" pitchFamily="2" charset="-122"/>
+                  <a:cs typeface="+mn-cs"/>
+                </a:defRPr>
+              </a:lvl1pPr>
+              <a:lvl2pPr marL="457200" algn="l" rtl="0" fontAlgn="base">
+                <a:spcBef>
+                  <a:spcPct val="0"/>
+                </a:spcBef>
+                <a:spcAft>
+                  <a:spcPct val="0"/>
+                </a:spcAft>
+                <a:defRPr kumimoji="1" sz="3600" kern="1200">
+                  <a:solidFill>
+                    <a:schemeClr val="tx1"/>
+                  </a:solidFill>
+                  <a:latin typeface="Times New Roman" pitchFamily="18" charset="0"/>
+                  <a:ea typeface="宋体" pitchFamily="2" charset="-122"/>
+                  <a:cs typeface="+mn-cs"/>
+                </a:defRPr>
+              </a:lvl2pPr>
+              <a:lvl3pPr marL="914400" algn="l" rtl="0" fontAlgn="base">
+                <a:spcBef>
+                  <a:spcPct val="0"/>
+                </a:spcBef>
+                <a:spcAft>
+                  <a:spcPct val="0"/>
+                </a:spcAft>
+                <a:defRPr kumimoji="1" sz="3600" kern="1200">
+                  <a:solidFill>
+                    <a:schemeClr val="tx1"/>
+                  </a:solidFill>
+                  <a:latin typeface="Times New Roman" pitchFamily="18" charset="0"/>
+                  <a:ea typeface="宋体" pitchFamily="2" charset="-122"/>
+                  <a:cs typeface="+mn-cs"/>
+                </a:defRPr>
+              </a:lvl3pPr>
+              <a:lvl4pPr marL="1371600" algn="l" rtl="0" fontAlgn="base">
+                <a:spcBef>
+                  <a:spcPct val="0"/>
+                </a:spcBef>
+                <a:spcAft>
+                  <a:spcPct val="0"/>
+                </a:spcAft>
+                <a:defRPr kumimoji="1" sz="3600" kern="1200">
+                  <a:solidFill>
+                    <a:schemeClr val="tx1"/>
+                  </a:solidFill>
+                  <a:latin typeface="Times New Roman" pitchFamily="18" charset="0"/>
+                  <a:ea typeface="宋体" pitchFamily="2" charset="-122"/>
+                  <a:cs typeface="+mn-cs"/>
+                </a:defRPr>
+              </a:lvl4pPr>
+              <a:lvl5pPr marL="1828800" algn="l" rtl="0" fontAlgn="base">
+                <a:spcBef>
+                  <a:spcPct val="0"/>
+                </a:spcBef>
+                <a:spcAft>
+                  <a:spcPct val="0"/>
+                </a:spcAft>
+                <a:defRPr kumimoji="1" sz="3600" kern="1200">
+                  <a:solidFill>
+                    <a:schemeClr val="tx1"/>
+                  </a:solidFill>
+                  <a:latin typeface="Times New Roman" pitchFamily="18" charset="0"/>
+                  <a:ea typeface="宋体" pitchFamily="2" charset="-122"/>
+                  <a:cs typeface="+mn-cs"/>
+                </a:defRPr>
+              </a:lvl5pPr>
+              <a:lvl6pPr marL="2286000" algn="l" defTabSz="914400" rtl="0" eaLnBrk="1" latinLnBrk="0" hangingPunct="1">
+                <a:defRPr kumimoji="1" sz="3600" kern="1200">
+                  <a:solidFill>
+                    <a:schemeClr val="tx1"/>
+                  </a:solidFill>
+                  <a:latin typeface="Times New Roman" pitchFamily="18" charset="0"/>
+                  <a:ea typeface="宋体" pitchFamily="2" charset="-122"/>
+                  <a:cs typeface="+mn-cs"/>
+                </a:defRPr>
+              </a:lvl6pPr>
+              <a:lvl7pPr marL="2743200" algn="l" defTabSz="914400" rtl="0" eaLnBrk="1" latinLnBrk="0" hangingPunct="1">
+                <a:defRPr kumimoji="1" sz="3600" kern="1200">
+                  <a:solidFill>
+                    <a:schemeClr val="tx1"/>
+                  </a:solidFill>
+                  <a:latin typeface="Times New Roman" pitchFamily="18" charset="0"/>
+                  <a:ea typeface="宋体" pitchFamily="2" charset="-122"/>
+                  <a:cs typeface="+mn-cs"/>
+                </a:defRPr>
+              </a:lvl7pPr>
+              <a:lvl8pPr marL="3200400" algn="l" defTabSz="914400" rtl="0" eaLnBrk="1" latinLnBrk="0" hangingPunct="1">
+                <a:defRPr kumimoji="1" sz="3600" kern="1200">
+                  <a:solidFill>
+                    <a:schemeClr val="tx1"/>
+                  </a:solidFill>
+                  <a:latin typeface="Times New Roman" pitchFamily="18" charset="0"/>
+                  <a:ea typeface="宋体" pitchFamily="2" charset="-122"/>
+                  <a:cs typeface="+mn-cs"/>
+                </a:defRPr>
+              </a:lvl8pPr>
+              <a:lvl9pPr marL="3657600" algn="l" defTabSz="914400" rtl="0" eaLnBrk="1" latinLnBrk="0" hangingPunct="1">
+                <a:defRPr kumimoji="1" sz="3600" kern="1200">
+                  <a:solidFill>
+                    <a:schemeClr val="tx1"/>
+                  </a:solidFill>
+                  <a:latin typeface="Times New Roman" pitchFamily="18" charset="0"/>
+                  <a:ea typeface="宋体" pitchFamily="2" charset="-122"/>
+                  <a:cs typeface="+mn-cs"/>
+                </a:defRPr>
+              </a:lvl9pPr>
+            </a:lstStyle>
+            <a:p>
+              <a:pPr>
+                <a:spcBef>
+                  <a:spcPct val="50000"/>
+                </a:spcBef>
+              </a:pPr>
+              <a:r>
+                <a:rPr lang="en-US" altLang="zh-CN" sz="2000" dirty="0"/>
+                <a:t>L</a:t>
+              </a:r>
+              <a:r>
+                <a:rPr lang="en-US" altLang="zh-CN" sz="2000" b="1" dirty="0"/>
+                <a:t> </a:t>
+              </a:r>
+            </a:p>
+          </p:txBody>
+        </p:sp>
+        <p:sp>
+          <p:nvSpPr>
+            <p:cNvPr id="102" name="Text Box 11"/>
+            <p:cNvSpPr txBox="1">
+              <a:spLocks noChangeArrowheads="1"/>
+            </p:cNvSpPr>
+            <p:nvPr/>
+          </p:nvSpPr>
+          <p:spPr bwMode="auto">
+            <a:xfrm>
+              <a:off x="4509931" y="5188587"/>
+              <a:ext cx="762000" cy="400110"/>
+            </a:xfrm>
+            <a:prstGeom prst="rect">
+              <a:avLst/>
+            </a:prstGeom>
+            <a:noFill/>
+            <a:ln>
+              <a:noFill/>
+            </a:ln>
+            <a:effectLst/>
+            <a:extLst>
+              <a:ext uri="{909E8E84-426E-40DD-AFC4-6F175D3DCCD1}">
+                <a14:hiddenFill xmlns:a14="http://schemas.microsoft.com/office/drawing/2010/main">
+                  <a:solidFill>
+                    <a:schemeClr val="accent1"/>
+                  </a:solidFill>
+                </a14:hiddenFill>
+              </a:ext>
+              <a:ext uri="{91240B29-F687-4F45-9708-019B960494DF}">
+                <a14:hiddenLine xmlns:a14="http://schemas.microsoft.com/office/drawing/2010/main" w="12700" cap="sq">
+                  <a:solidFill>
+                    <a:schemeClr val="tx1"/>
+                  </a:solidFill>
+                  <a:miter lim="800000"/>
+                  <a:headEnd type="none" w="sm" len="sm"/>
+                  <a:tailEnd type="none" w="sm" len="sm"/>
+                </a14:hiddenLine>
+              </a:ext>
+              <a:ext uri="{AF507438-7753-43E0-B8FC-AC1667EBCBE1}">
+                <a14:hiddenEffects xmlns:a14="http://schemas.microsoft.com/office/drawing/2010/main">
+                  <a:effectLst>
+                    <a:outerShdw dist="35921" dir="2700000" algn="ctr" rotWithShape="0">
+                      <a:schemeClr val="bg2"/>
+                    </a:outerShdw>
+                  </a:effectLst>
+                </a14:hiddenEffects>
+              </a:ext>
+            </a:extLst>
+          </p:spPr>
+          <p:txBody>
+            <a:bodyPr>
+              <a:spAutoFit/>
+            </a:bodyPr>
+            <a:lstStyle>
+              <a:defPPr>
+                <a:defRPr lang="en-US"/>
+              </a:defPPr>
+              <a:lvl1pPr algn="l" rtl="0" fontAlgn="base">
+                <a:spcBef>
+                  <a:spcPct val="0"/>
+                </a:spcBef>
+                <a:spcAft>
+                  <a:spcPct val="0"/>
+                </a:spcAft>
+                <a:defRPr kumimoji="1" sz="3600" kern="1200">
+                  <a:solidFill>
+                    <a:schemeClr val="tx1"/>
+                  </a:solidFill>
+                  <a:latin typeface="Times New Roman" pitchFamily="18" charset="0"/>
+                  <a:ea typeface="宋体" pitchFamily="2" charset="-122"/>
+                  <a:cs typeface="+mn-cs"/>
+                </a:defRPr>
+              </a:lvl1pPr>
+              <a:lvl2pPr marL="457200" algn="l" rtl="0" fontAlgn="base">
+                <a:spcBef>
+                  <a:spcPct val="0"/>
+                </a:spcBef>
+                <a:spcAft>
+                  <a:spcPct val="0"/>
+                </a:spcAft>
+                <a:defRPr kumimoji="1" sz="3600" kern="1200">
+                  <a:solidFill>
+                    <a:schemeClr val="tx1"/>
+                  </a:solidFill>
+                  <a:latin typeface="Times New Roman" pitchFamily="18" charset="0"/>
+                  <a:ea typeface="宋体" pitchFamily="2" charset="-122"/>
+                  <a:cs typeface="+mn-cs"/>
+                </a:defRPr>
+              </a:lvl2pPr>
+              <a:lvl3pPr marL="914400" algn="l" rtl="0" fontAlgn="base">
+                <a:spcBef>
+                  <a:spcPct val="0"/>
+                </a:spcBef>
+                <a:spcAft>
+                  <a:spcPct val="0"/>
+                </a:spcAft>
+                <a:defRPr kumimoji="1" sz="3600" kern="1200">
+                  <a:solidFill>
+                    <a:schemeClr val="tx1"/>
+                  </a:solidFill>
+                  <a:latin typeface="Times New Roman" pitchFamily="18" charset="0"/>
+                  <a:ea typeface="宋体" pitchFamily="2" charset="-122"/>
+                  <a:cs typeface="+mn-cs"/>
+                </a:defRPr>
+              </a:lvl3pPr>
+              <a:lvl4pPr marL="1371600" algn="l" rtl="0" fontAlgn="base">
+                <a:spcBef>
+                  <a:spcPct val="0"/>
+                </a:spcBef>
+                <a:spcAft>
+                  <a:spcPct val="0"/>
+                </a:spcAft>
+                <a:defRPr kumimoji="1" sz="3600" kern="1200">
+                  <a:solidFill>
+                    <a:schemeClr val="tx1"/>
+                  </a:solidFill>
+                  <a:latin typeface="Times New Roman" pitchFamily="18" charset="0"/>
+                  <a:ea typeface="宋体" pitchFamily="2" charset="-122"/>
+                  <a:cs typeface="+mn-cs"/>
+                </a:defRPr>
+              </a:lvl4pPr>
+              <a:lvl5pPr marL="1828800" algn="l" rtl="0" fontAlgn="base">
+                <a:spcBef>
+                  <a:spcPct val="0"/>
+                </a:spcBef>
+                <a:spcAft>
+                  <a:spcPct val="0"/>
+                </a:spcAft>
+                <a:defRPr kumimoji="1" sz="3600" kern="1200">
+                  <a:solidFill>
+                    <a:schemeClr val="tx1"/>
+                  </a:solidFill>
+                  <a:latin typeface="Times New Roman" pitchFamily="18" charset="0"/>
+                  <a:ea typeface="宋体" pitchFamily="2" charset="-122"/>
+                  <a:cs typeface="+mn-cs"/>
+                </a:defRPr>
+              </a:lvl5pPr>
+              <a:lvl6pPr marL="2286000" algn="l" defTabSz="914400" rtl="0" eaLnBrk="1" latinLnBrk="0" hangingPunct="1">
+                <a:defRPr kumimoji="1" sz="3600" kern="1200">
+                  <a:solidFill>
+                    <a:schemeClr val="tx1"/>
+                  </a:solidFill>
+                  <a:latin typeface="Times New Roman" pitchFamily="18" charset="0"/>
+                  <a:ea typeface="宋体" pitchFamily="2" charset="-122"/>
+                  <a:cs typeface="+mn-cs"/>
+                </a:defRPr>
+              </a:lvl6pPr>
+              <a:lvl7pPr marL="2743200" algn="l" defTabSz="914400" rtl="0" eaLnBrk="1" latinLnBrk="0" hangingPunct="1">
+                <a:defRPr kumimoji="1" sz="3600" kern="1200">
+                  <a:solidFill>
+                    <a:schemeClr val="tx1"/>
+                  </a:solidFill>
+                  <a:latin typeface="Times New Roman" pitchFamily="18" charset="0"/>
+                  <a:ea typeface="宋体" pitchFamily="2" charset="-122"/>
+                  <a:cs typeface="+mn-cs"/>
+                </a:defRPr>
+              </a:lvl7pPr>
+              <a:lvl8pPr marL="3200400" algn="l" defTabSz="914400" rtl="0" eaLnBrk="1" latinLnBrk="0" hangingPunct="1">
+                <a:defRPr kumimoji="1" sz="3600" kern="1200">
+                  <a:solidFill>
+                    <a:schemeClr val="tx1"/>
+                  </a:solidFill>
+                  <a:latin typeface="Times New Roman" pitchFamily="18" charset="0"/>
+                  <a:ea typeface="宋体" pitchFamily="2" charset="-122"/>
+                  <a:cs typeface="+mn-cs"/>
+                </a:defRPr>
+              </a:lvl8pPr>
+              <a:lvl9pPr marL="3657600" algn="l" defTabSz="914400" rtl="0" eaLnBrk="1" latinLnBrk="0" hangingPunct="1">
+                <a:defRPr kumimoji="1" sz="3600" kern="1200">
+                  <a:solidFill>
+                    <a:schemeClr val="tx1"/>
+                  </a:solidFill>
+                  <a:latin typeface="Times New Roman" pitchFamily="18" charset="0"/>
+                  <a:ea typeface="宋体" pitchFamily="2" charset="-122"/>
+                  <a:cs typeface="+mn-cs"/>
+                </a:defRPr>
+              </a:lvl9pPr>
+            </a:lstStyle>
+            <a:p>
+              <a:pPr>
+                <a:spcBef>
+                  <a:spcPct val="50000"/>
+                </a:spcBef>
+              </a:pPr>
+              <a:r>
+                <a:rPr lang="en-US" altLang="zh-CN" sz="2000" b="1" dirty="0">
+                  <a:latin typeface="宋体" pitchFamily="2" charset="-122"/>
+                </a:rPr>
+                <a:t>S</a:t>
+              </a:r>
+              <a:r>
+                <a:rPr lang="en-US" altLang="zh-CN" sz="2000" b="1" dirty="0"/>
+                <a:t> </a:t>
+              </a:r>
+            </a:p>
+          </p:txBody>
+        </p:sp>
+        <p:sp>
+          <p:nvSpPr>
+            <p:cNvPr id="103" name="Text Box 12"/>
+            <p:cNvSpPr txBox="1">
+              <a:spLocks noChangeArrowheads="1"/>
+            </p:cNvSpPr>
+            <p:nvPr/>
+          </p:nvSpPr>
+          <p:spPr bwMode="auto">
+            <a:xfrm>
+              <a:off x="3184376" y="3437055"/>
+              <a:ext cx="762000" cy="400110"/>
+            </a:xfrm>
+            <a:prstGeom prst="rect">
+              <a:avLst/>
+            </a:prstGeom>
+            <a:noFill/>
+            <a:ln>
+              <a:noFill/>
+            </a:ln>
+            <a:effectLst/>
+            <a:extLst>
+              <a:ext uri="{909E8E84-426E-40DD-AFC4-6F175D3DCCD1}">
+                <a14:hiddenFill xmlns:a14="http://schemas.microsoft.com/office/drawing/2010/main">
+                  <a:solidFill>
+                    <a:schemeClr val="accent1"/>
+                  </a:solidFill>
+                </a14:hiddenFill>
+              </a:ext>
+              <a:ext uri="{91240B29-F687-4F45-9708-019B960494DF}">
+                <a14:hiddenLine xmlns:a14="http://schemas.microsoft.com/office/drawing/2010/main" w="12700" cap="sq">
+                  <a:solidFill>
+                    <a:schemeClr val="tx1"/>
+                  </a:solidFill>
+                  <a:miter lim="800000"/>
+                  <a:headEnd type="none" w="sm" len="sm"/>
+                  <a:tailEnd type="none" w="sm" len="sm"/>
+                </a14:hiddenLine>
+              </a:ext>
+              <a:ext uri="{AF507438-7753-43E0-B8FC-AC1667EBCBE1}">
+                <a14:hiddenEffects xmlns:a14="http://schemas.microsoft.com/office/drawing/2010/main">
+                  <a:effectLst>
+                    <a:outerShdw dist="35921" dir="2700000" algn="ctr" rotWithShape="0">
+                      <a:schemeClr val="bg2"/>
+                    </a:outerShdw>
+                  </a:effectLst>
+                </a14:hiddenEffects>
+              </a:ext>
+            </a:extLst>
+          </p:spPr>
+          <p:txBody>
+            <a:bodyPr>
+              <a:spAutoFit/>
+            </a:bodyPr>
+            <a:lstStyle>
+              <a:defPPr>
+                <a:defRPr lang="en-US"/>
+              </a:defPPr>
+              <a:lvl1pPr algn="l" rtl="0" fontAlgn="base">
+                <a:spcBef>
+                  <a:spcPct val="0"/>
+                </a:spcBef>
+                <a:spcAft>
+                  <a:spcPct val="0"/>
+                </a:spcAft>
+                <a:defRPr kumimoji="1" sz="3600" kern="1200">
+                  <a:solidFill>
+                    <a:schemeClr val="tx1"/>
+                  </a:solidFill>
+                  <a:latin typeface="Times New Roman" pitchFamily="18" charset="0"/>
+                  <a:ea typeface="宋体" pitchFamily="2" charset="-122"/>
+                  <a:cs typeface="+mn-cs"/>
+                </a:defRPr>
+              </a:lvl1pPr>
+              <a:lvl2pPr marL="457200" algn="l" rtl="0" fontAlgn="base">
+                <a:spcBef>
+                  <a:spcPct val="0"/>
+                </a:spcBef>
+                <a:spcAft>
+                  <a:spcPct val="0"/>
+                </a:spcAft>
+                <a:defRPr kumimoji="1" sz="3600" kern="1200">
+                  <a:solidFill>
+                    <a:schemeClr val="tx1"/>
+                  </a:solidFill>
+                  <a:latin typeface="Times New Roman" pitchFamily="18" charset="0"/>
+                  <a:ea typeface="宋体" pitchFamily="2" charset="-122"/>
+                  <a:cs typeface="+mn-cs"/>
+                </a:defRPr>
+              </a:lvl2pPr>
+              <a:lvl3pPr marL="914400" algn="l" rtl="0" fontAlgn="base">
+                <a:spcBef>
+                  <a:spcPct val="0"/>
+                </a:spcBef>
+                <a:spcAft>
+                  <a:spcPct val="0"/>
+                </a:spcAft>
+                <a:defRPr kumimoji="1" sz="3600" kern="1200">
+                  <a:solidFill>
+                    <a:schemeClr val="tx1"/>
+                  </a:solidFill>
+                  <a:latin typeface="Times New Roman" pitchFamily="18" charset="0"/>
+                  <a:ea typeface="宋体" pitchFamily="2" charset="-122"/>
+                  <a:cs typeface="+mn-cs"/>
+                </a:defRPr>
+              </a:lvl3pPr>
+              <a:lvl4pPr marL="1371600" algn="l" rtl="0" fontAlgn="base">
+                <a:spcBef>
+                  <a:spcPct val="0"/>
+                </a:spcBef>
+                <a:spcAft>
+                  <a:spcPct val="0"/>
+                </a:spcAft>
+                <a:defRPr kumimoji="1" sz="3600" kern="1200">
+                  <a:solidFill>
+                    <a:schemeClr val="tx1"/>
+                  </a:solidFill>
+                  <a:latin typeface="Times New Roman" pitchFamily="18" charset="0"/>
+                  <a:ea typeface="宋体" pitchFamily="2" charset="-122"/>
+                  <a:cs typeface="+mn-cs"/>
+                </a:defRPr>
+              </a:lvl4pPr>
+              <a:lvl5pPr marL="1828800" algn="l" rtl="0" fontAlgn="base">
+                <a:spcBef>
+                  <a:spcPct val="0"/>
+                </a:spcBef>
+                <a:spcAft>
+                  <a:spcPct val="0"/>
+                </a:spcAft>
+                <a:defRPr kumimoji="1" sz="3600" kern="1200">
+                  <a:solidFill>
+                    <a:schemeClr val="tx1"/>
+                  </a:solidFill>
+                  <a:latin typeface="Times New Roman" pitchFamily="18" charset="0"/>
+                  <a:ea typeface="宋体" pitchFamily="2" charset="-122"/>
+                  <a:cs typeface="+mn-cs"/>
+                </a:defRPr>
+              </a:lvl5pPr>
+              <a:lvl6pPr marL="2286000" algn="l" defTabSz="914400" rtl="0" eaLnBrk="1" latinLnBrk="0" hangingPunct="1">
+                <a:defRPr kumimoji="1" sz="3600" kern="1200">
+                  <a:solidFill>
+                    <a:schemeClr val="tx1"/>
+                  </a:solidFill>
+                  <a:latin typeface="Times New Roman" pitchFamily="18" charset="0"/>
+                  <a:ea typeface="宋体" pitchFamily="2" charset="-122"/>
+                  <a:cs typeface="+mn-cs"/>
+                </a:defRPr>
+              </a:lvl6pPr>
+              <a:lvl7pPr marL="2743200" algn="l" defTabSz="914400" rtl="0" eaLnBrk="1" latinLnBrk="0" hangingPunct="1">
+                <a:defRPr kumimoji="1" sz="3600" kern="1200">
+                  <a:solidFill>
+                    <a:schemeClr val="tx1"/>
+                  </a:solidFill>
+                  <a:latin typeface="Times New Roman" pitchFamily="18" charset="0"/>
+                  <a:ea typeface="宋体" pitchFamily="2" charset="-122"/>
+                  <a:cs typeface="+mn-cs"/>
+                </a:defRPr>
+              </a:lvl7pPr>
+              <a:lvl8pPr marL="3200400" algn="l" defTabSz="914400" rtl="0" eaLnBrk="1" latinLnBrk="0" hangingPunct="1">
+                <a:defRPr kumimoji="1" sz="3600" kern="1200">
+                  <a:solidFill>
+                    <a:schemeClr val="tx1"/>
+                  </a:solidFill>
+                  <a:latin typeface="Times New Roman" pitchFamily="18" charset="0"/>
+                  <a:ea typeface="宋体" pitchFamily="2" charset="-122"/>
+                  <a:cs typeface="+mn-cs"/>
+                </a:defRPr>
+              </a:lvl8pPr>
+              <a:lvl9pPr marL="3657600" algn="l" defTabSz="914400" rtl="0" eaLnBrk="1" latinLnBrk="0" hangingPunct="1">
+                <a:defRPr kumimoji="1" sz="3600" kern="1200">
+                  <a:solidFill>
+                    <a:schemeClr val="tx1"/>
+                  </a:solidFill>
+                  <a:latin typeface="Times New Roman" pitchFamily="18" charset="0"/>
+                  <a:ea typeface="宋体" pitchFamily="2" charset="-122"/>
+                  <a:cs typeface="+mn-cs"/>
+                </a:defRPr>
+              </a:lvl9pPr>
+            </a:lstStyle>
+            <a:p>
+              <a:pPr>
+                <a:spcBef>
+                  <a:spcPct val="50000"/>
+                </a:spcBef>
+              </a:pPr>
+              <a:r>
+                <a:rPr lang="en-US" altLang="zh-CN" sz="2000" b="1">
+                  <a:latin typeface="宋体" pitchFamily="2" charset="-122"/>
+                </a:rPr>
+                <a:t> B</a:t>
+              </a:r>
+              <a:r>
+                <a:rPr lang="en-US" altLang="zh-CN" sz="2000" b="1"/>
+                <a:t> </a:t>
+              </a:r>
+            </a:p>
+          </p:txBody>
+        </p:sp>
+        <p:sp>
+          <p:nvSpPr>
+            <p:cNvPr id="104" name="Line 13"/>
+            <p:cNvSpPr>
+              <a:spLocks noChangeShapeType="1"/>
+            </p:cNvSpPr>
+            <p:nvPr/>
+          </p:nvSpPr>
+          <p:spPr bwMode="auto">
+            <a:xfrm>
+              <a:off x="4311061" y="1362362"/>
+              <a:ext cx="0" cy="342900"/>
+            </a:xfrm>
+            <a:prstGeom prst="line">
+              <a:avLst/>
+            </a:prstGeom>
+            <a:noFill/>
+            <a:ln w="12700" cap="sq">
+              <a:solidFill>
+                <a:schemeClr val="tx1"/>
+              </a:solidFill>
+              <a:round/>
+              <a:headEnd type="none" w="sm" len="sm"/>
+              <a:tailEnd type="none" w="sm" len="sm"/>
+            </a:ln>
+            <a:effectLst/>
+            <a:extLst>
+              <a:ext uri="{909E8E84-426E-40DD-AFC4-6F175D3DCCD1}">
+                <a14:hiddenFill xmlns:a14="http://schemas.microsoft.com/office/drawing/2010/main">
+                  <a:noFill/>
+                </a14:hiddenFill>
+              </a:ext>
+              <a:ext uri="{AF507438-7753-43E0-B8FC-AC1667EBCBE1}">
+                <a14:hiddenEffects xmlns:a14="http://schemas.microsoft.com/office/drawing/2010/main">
+                  <a:effectLst>
+                    <a:outerShdw dist="35921" dir="2700000" algn="ctr" rotWithShape="0">
+                      <a:schemeClr val="bg2"/>
+                    </a:outerShdw>
+                  </a:effectLst>
+                </a14:hiddenEffects>
+              </a:ext>
+            </a:extLst>
+          </p:spPr>
+          <p:txBody>
+            <a:bodyPr wrap="none"/>
+            <a:lstStyle>
+              <a:defPPr>
+                <a:defRPr lang="en-US"/>
+              </a:defPPr>
+              <a:lvl1pPr algn="l" rtl="0" fontAlgn="base">
+                <a:spcBef>
+                  <a:spcPct val="0"/>
+                </a:spcBef>
+                <a:spcAft>
+                  <a:spcPct val="0"/>
+                </a:spcAft>
+                <a:defRPr kumimoji="1" sz="3600" kern="1200">
+                  <a:solidFill>
+                    <a:schemeClr val="tx1"/>
+                  </a:solidFill>
+                  <a:latin typeface="Times New Roman" pitchFamily="18" charset="0"/>
+                  <a:ea typeface="宋体" pitchFamily="2" charset="-122"/>
+                  <a:cs typeface="+mn-cs"/>
+                </a:defRPr>
+              </a:lvl1pPr>
+              <a:lvl2pPr marL="457200" algn="l" rtl="0" fontAlgn="base">
+                <a:spcBef>
+                  <a:spcPct val="0"/>
+                </a:spcBef>
+                <a:spcAft>
+                  <a:spcPct val="0"/>
+                </a:spcAft>
+                <a:defRPr kumimoji="1" sz="3600" kern="1200">
+                  <a:solidFill>
+                    <a:schemeClr val="tx1"/>
+                  </a:solidFill>
+                  <a:latin typeface="Times New Roman" pitchFamily="18" charset="0"/>
+                  <a:ea typeface="宋体" pitchFamily="2" charset="-122"/>
+                  <a:cs typeface="+mn-cs"/>
+                </a:defRPr>
+              </a:lvl2pPr>
+              <a:lvl3pPr marL="914400" algn="l" rtl="0" fontAlgn="base">
+                <a:spcBef>
+                  <a:spcPct val="0"/>
+                </a:spcBef>
+                <a:spcAft>
+                  <a:spcPct val="0"/>
+                </a:spcAft>
+                <a:defRPr kumimoji="1" sz="3600" kern="1200">
+                  <a:solidFill>
+                    <a:schemeClr val="tx1"/>
+                  </a:solidFill>
+                  <a:latin typeface="Times New Roman" pitchFamily="18" charset="0"/>
+                  <a:ea typeface="宋体" pitchFamily="2" charset="-122"/>
+                  <a:cs typeface="+mn-cs"/>
+                </a:defRPr>
+              </a:lvl3pPr>
+              <a:lvl4pPr marL="1371600" algn="l" rtl="0" fontAlgn="base">
+                <a:spcBef>
+                  <a:spcPct val="0"/>
+                </a:spcBef>
+                <a:spcAft>
+                  <a:spcPct val="0"/>
+                </a:spcAft>
+                <a:defRPr kumimoji="1" sz="3600" kern="1200">
+                  <a:solidFill>
+                    <a:schemeClr val="tx1"/>
+                  </a:solidFill>
+                  <a:latin typeface="Times New Roman" pitchFamily="18" charset="0"/>
+                  <a:ea typeface="宋体" pitchFamily="2" charset="-122"/>
+                  <a:cs typeface="+mn-cs"/>
+                </a:defRPr>
+              </a:lvl4pPr>
+              <a:lvl5pPr marL="1828800" algn="l" rtl="0" fontAlgn="base">
+                <a:spcBef>
+                  <a:spcPct val="0"/>
+                </a:spcBef>
+                <a:spcAft>
+                  <a:spcPct val="0"/>
+                </a:spcAft>
+                <a:defRPr kumimoji="1" sz="3600" kern="1200">
+                  <a:solidFill>
+                    <a:schemeClr val="tx1"/>
+                  </a:solidFill>
+                  <a:latin typeface="Times New Roman" pitchFamily="18" charset="0"/>
+                  <a:ea typeface="宋体" pitchFamily="2" charset="-122"/>
+                  <a:cs typeface="+mn-cs"/>
+                </a:defRPr>
+              </a:lvl5pPr>
+              <a:lvl6pPr marL="2286000" algn="l" defTabSz="914400" rtl="0" eaLnBrk="1" latinLnBrk="0" hangingPunct="1">
+                <a:defRPr kumimoji="1" sz="3600" kern="1200">
+                  <a:solidFill>
+                    <a:schemeClr val="tx1"/>
+                  </a:solidFill>
+                  <a:latin typeface="Times New Roman" pitchFamily="18" charset="0"/>
+                  <a:ea typeface="宋体" pitchFamily="2" charset="-122"/>
+                  <a:cs typeface="+mn-cs"/>
+                </a:defRPr>
+              </a:lvl6pPr>
+              <a:lvl7pPr marL="2743200" algn="l" defTabSz="914400" rtl="0" eaLnBrk="1" latinLnBrk="0" hangingPunct="1">
+                <a:defRPr kumimoji="1" sz="3600" kern="1200">
+                  <a:solidFill>
+                    <a:schemeClr val="tx1"/>
+                  </a:solidFill>
+                  <a:latin typeface="Times New Roman" pitchFamily="18" charset="0"/>
+                  <a:ea typeface="宋体" pitchFamily="2" charset="-122"/>
+                  <a:cs typeface="+mn-cs"/>
+                </a:defRPr>
+              </a:lvl7pPr>
+              <a:lvl8pPr marL="3200400" algn="l" defTabSz="914400" rtl="0" eaLnBrk="1" latinLnBrk="0" hangingPunct="1">
+                <a:defRPr kumimoji="1" sz="3600" kern="1200">
+                  <a:solidFill>
+                    <a:schemeClr val="tx1"/>
+                  </a:solidFill>
+                  <a:latin typeface="Times New Roman" pitchFamily="18" charset="0"/>
+                  <a:ea typeface="宋体" pitchFamily="2" charset="-122"/>
+                  <a:cs typeface="+mn-cs"/>
+                </a:defRPr>
+              </a:lvl8pPr>
+              <a:lvl9pPr marL="3657600" algn="l" defTabSz="914400" rtl="0" eaLnBrk="1" latinLnBrk="0" hangingPunct="1">
+                <a:defRPr kumimoji="1" sz="3600" kern="1200">
+                  <a:solidFill>
+                    <a:schemeClr val="tx1"/>
+                  </a:solidFill>
+                  <a:latin typeface="Times New Roman" pitchFamily="18" charset="0"/>
+                  <a:ea typeface="宋体" pitchFamily="2" charset="-122"/>
+                  <a:cs typeface="+mn-cs"/>
+                </a:defRPr>
+              </a:lvl9pPr>
+            </a:lstStyle>
+            <a:p>
+              <a:endParaRPr lang="zh-CN" altLang="en-US" sz="2000"/>
+            </a:p>
+          </p:txBody>
+        </p:sp>
+        <p:sp>
+          <p:nvSpPr>
+            <p:cNvPr id="105" name="Line 14"/>
+            <p:cNvSpPr>
+              <a:spLocks noChangeShapeType="1"/>
+            </p:cNvSpPr>
+            <p:nvPr/>
+          </p:nvSpPr>
+          <p:spPr bwMode="auto">
+            <a:xfrm>
+              <a:off x="4325416" y="2193925"/>
+              <a:ext cx="0" cy="342900"/>
+            </a:xfrm>
+            <a:prstGeom prst="line">
+              <a:avLst/>
+            </a:prstGeom>
+            <a:noFill/>
+            <a:ln w="12700" cap="sq">
+              <a:solidFill>
+                <a:schemeClr val="tx1"/>
+              </a:solidFill>
+              <a:round/>
+              <a:headEnd type="none" w="sm" len="sm"/>
+              <a:tailEnd type="none" w="sm" len="sm"/>
+            </a:ln>
+            <a:effectLst/>
+            <a:extLst>
+              <a:ext uri="{909E8E84-426E-40DD-AFC4-6F175D3DCCD1}">
+                <a14:hiddenFill xmlns:a14="http://schemas.microsoft.com/office/drawing/2010/main">
+                  <a:noFill/>
+                </a14:hiddenFill>
+              </a:ext>
+              <a:ext uri="{AF507438-7753-43E0-B8FC-AC1667EBCBE1}">
+                <a14:hiddenEffects xmlns:a14="http://schemas.microsoft.com/office/drawing/2010/main">
+                  <a:effectLst>
+                    <a:outerShdw dist="35921" dir="2700000" algn="ctr" rotWithShape="0">
+                      <a:schemeClr val="bg2"/>
+                    </a:outerShdw>
+                  </a:effectLst>
+                </a14:hiddenEffects>
+              </a:ext>
+            </a:extLst>
+          </p:spPr>
+          <p:txBody>
+            <a:bodyPr wrap="none"/>
+            <a:lstStyle>
+              <a:defPPr>
+                <a:defRPr lang="en-US"/>
+              </a:defPPr>
+              <a:lvl1pPr algn="l" rtl="0" fontAlgn="base">
+                <a:spcBef>
+                  <a:spcPct val="0"/>
+                </a:spcBef>
+                <a:spcAft>
+                  <a:spcPct val="0"/>
+                </a:spcAft>
+                <a:defRPr kumimoji="1" sz="3600" kern="1200">
+                  <a:solidFill>
+                    <a:schemeClr val="tx1"/>
+                  </a:solidFill>
+                  <a:latin typeface="Times New Roman" pitchFamily="18" charset="0"/>
+                  <a:ea typeface="宋体" pitchFamily="2" charset="-122"/>
+                  <a:cs typeface="+mn-cs"/>
+                </a:defRPr>
+              </a:lvl1pPr>
+              <a:lvl2pPr marL="457200" algn="l" rtl="0" fontAlgn="base">
+                <a:spcBef>
+                  <a:spcPct val="0"/>
+                </a:spcBef>
+                <a:spcAft>
+                  <a:spcPct val="0"/>
+                </a:spcAft>
+                <a:defRPr kumimoji="1" sz="3600" kern="1200">
+                  <a:solidFill>
+                    <a:schemeClr val="tx1"/>
+                  </a:solidFill>
+                  <a:latin typeface="Times New Roman" pitchFamily="18" charset="0"/>
+                  <a:ea typeface="宋体" pitchFamily="2" charset="-122"/>
+                  <a:cs typeface="+mn-cs"/>
+                </a:defRPr>
+              </a:lvl2pPr>
+              <a:lvl3pPr marL="914400" algn="l" rtl="0" fontAlgn="base">
+                <a:spcBef>
+                  <a:spcPct val="0"/>
+                </a:spcBef>
+                <a:spcAft>
+                  <a:spcPct val="0"/>
+                </a:spcAft>
+                <a:defRPr kumimoji="1" sz="3600" kern="1200">
+                  <a:solidFill>
+                    <a:schemeClr val="tx1"/>
+                  </a:solidFill>
+                  <a:latin typeface="Times New Roman" pitchFamily="18" charset="0"/>
+                  <a:ea typeface="宋体" pitchFamily="2" charset="-122"/>
+                  <a:cs typeface="+mn-cs"/>
+                </a:defRPr>
+              </a:lvl3pPr>
+              <a:lvl4pPr marL="1371600" algn="l" rtl="0" fontAlgn="base">
+                <a:spcBef>
+                  <a:spcPct val="0"/>
+                </a:spcBef>
+                <a:spcAft>
+                  <a:spcPct val="0"/>
+                </a:spcAft>
+                <a:defRPr kumimoji="1" sz="3600" kern="1200">
+                  <a:solidFill>
+                    <a:schemeClr val="tx1"/>
+                  </a:solidFill>
+                  <a:latin typeface="Times New Roman" pitchFamily="18" charset="0"/>
+                  <a:ea typeface="宋体" pitchFamily="2" charset="-122"/>
+                  <a:cs typeface="+mn-cs"/>
+                </a:defRPr>
+              </a:lvl4pPr>
+              <a:lvl5pPr marL="1828800" algn="l" rtl="0" fontAlgn="base">
+                <a:spcBef>
+                  <a:spcPct val="0"/>
+                </a:spcBef>
+                <a:spcAft>
+                  <a:spcPct val="0"/>
+                </a:spcAft>
+                <a:defRPr kumimoji="1" sz="3600" kern="1200">
+                  <a:solidFill>
+                    <a:schemeClr val="tx1"/>
+                  </a:solidFill>
+                  <a:latin typeface="Times New Roman" pitchFamily="18" charset="0"/>
+                  <a:ea typeface="宋体" pitchFamily="2" charset="-122"/>
+                  <a:cs typeface="+mn-cs"/>
+                </a:defRPr>
+              </a:lvl5pPr>
+              <a:lvl6pPr marL="2286000" algn="l" defTabSz="914400" rtl="0" eaLnBrk="1" latinLnBrk="0" hangingPunct="1">
+                <a:defRPr kumimoji="1" sz="3600" kern="1200">
+                  <a:solidFill>
+                    <a:schemeClr val="tx1"/>
+                  </a:solidFill>
+                  <a:latin typeface="Times New Roman" pitchFamily="18" charset="0"/>
+                  <a:ea typeface="宋体" pitchFamily="2" charset="-122"/>
+                  <a:cs typeface="+mn-cs"/>
+                </a:defRPr>
+              </a:lvl6pPr>
+              <a:lvl7pPr marL="2743200" algn="l" defTabSz="914400" rtl="0" eaLnBrk="1" latinLnBrk="0" hangingPunct="1">
+                <a:defRPr kumimoji="1" sz="3600" kern="1200">
+                  <a:solidFill>
+                    <a:schemeClr val="tx1"/>
+                  </a:solidFill>
+                  <a:latin typeface="Times New Roman" pitchFamily="18" charset="0"/>
+                  <a:ea typeface="宋体" pitchFamily="2" charset="-122"/>
+                  <a:cs typeface="+mn-cs"/>
+                </a:defRPr>
+              </a:lvl7pPr>
+              <a:lvl8pPr marL="3200400" algn="l" defTabSz="914400" rtl="0" eaLnBrk="1" latinLnBrk="0" hangingPunct="1">
+                <a:defRPr kumimoji="1" sz="3600" kern="1200">
+                  <a:solidFill>
+                    <a:schemeClr val="tx1"/>
+                  </a:solidFill>
+                  <a:latin typeface="Times New Roman" pitchFamily="18" charset="0"/>
+                  <a:ea typeface="宋体" pitchFamily="2" charset="-122"/>
+                  <a:cs typeface="+mn-cs"/>
+                </a:defRPr>
+              </a:lvl8pPr>
+              <a:lvl9pPr marL="3657600" algn="l" defTabSz="914400" rtl="0" eaLnBrk="1" latinLnBrk="0" hangingPunct="1">
+                <a:defRPr kumimoji="1" sz="3600" kern="1200">
+                  <a:solidFill>
+                    <a:schemeClr val="tx1"/>
+                  </a:solidFill>
+                  <a:latin typeface="Times New Roman" pitchFamily="18" charset="0"/>
+                  <a:ea typeface="宋体" pitchFamily="2" charset="-122"/>
+                  <a:cs typeface="+mn-cs"/>
+                </a:defRPr>
+              </a:lvl9pPr>
+            </a:lstStyle>
+            <a:p>
+              <a:endParaRPr lang="zh-CN" altLang="en-US" sz="2000"/>
+            </a:p>
+          </p:txBody>
+        </p:sp>
+        <p:sp>
+          <p:nvSpPr>
+            <p:cNvPr id="106" name="Line 16"/>
+            <p:cNvSpPr>
+              <a:spLocks noChangeShapeType="1"/>
+            </p:cNvSpPr>
+            <p:nvPr/>
+          </p:nvSpPr>
+          <p:spPr bwMode="auto">
+            <a:xfrm flipH="1">
+              <a:off x="5316016" y="3830014"/>
+              <a:ext cx="0" cy="391074"/>
+            </a:xfrm>
+            <a:prstGeom prst="line">
+              <a:avLst/>
+            </a:prstGeom>
+            <a:noFill/>
+            <a:ln w="12700" cap="sq">
+              <a:solidFill>
+                <a:schemeClr val="tx1"/>
+              </a:solidFill>
+              <a:round/>
+              <a:headEnd type="none" w="sm" len="sm"/>
+              <a:tailEnd type="none" w="sm" len="sm"/>
+            </a:ln>
+            <a:effectLst/>
+            <a:extLst>
+              <a:ext uri="{909E8E84-426E-40DD-AFC4-6F175D3DCCD1}">
+                <a14:hiddenFill xmlns:a14="http://schemas.microsoft.com/office/drawing/2010/main">
+                  <a:noFill/>
+                </a14:hiddenFill>
+              </a:ext>
+              <a:ext uri="{AF507438-7753-43E0-B8FC-AC1667EBCBE1}">
+                <a14:hiddenEffects xmlns:a14="http://schemas.microsoft.com/office/drawing/2010/main">
+                  <a:effectLst>
+                    <a:outerShdw dist="35921" dir="2700000" algn="ctr" rotWithShape="0">
+                      <a:schemeClr val="bg2"/>
+                    </a:outerShdw>
+                  </a:effectLst>
+                </a14:hiddenEffects>
+              </a:ext>
+            </a:extLst>
+          </p:spPr>
+          <p:txBody>
+            <a:bodyPr wrap="none"/>
+            <a:lstStyle>
+              <a:defPPr>
+                <a:defRPr lang="en-US"/>
+              </a:defPPr>
+              <a:lvl1pPr algn="l" rtl="0" fontAlgn="base">
+                <a:spcBef>
+                  <a:spcPct val="0"/>
+                </a:spcBef>
+                <a:spcAft>
+                  <a:spcPct val="0"/>
+                </a:spcAft>
+                <a:defRPr kumimoji="1" sz="3600" kern="1200">
+                  <a:solidFill>
+                    <a:schemeClr val="tx1"/>
+                  </a:solidFill>
+                  <a:latin typeface="Times New Roman" pitchFamily="18" charset="0"/>
+                  <a:ea typeface="宋体" pitchFamily="2" charset="-122"/>
+                  <a:cs typeface="+mn-cs"/>
+                </a:defRPr>
+              </a:lvl1pPr>
+              <a:lvl2pPr marL="457200" algn="l" rtl="0" fontAlgn="base">
+                <a:spcBef>
+                  <a:spcPct val="0"/>
+                </a:spcBef>
+                <a:spcAft>
+                  <a:spcPct val="0"/>
+                </a:spcAft>
+                <a:defRPr kumimoji="1" sz="3600" kern="1200">
+                  <a:solidFill>
+                    <a:schemeClr val="tx1"/>
+                  </a:solidFill>
+                  <a:latin typeface="Times New Roman" pitchFamily="18" charset="0"/>
+                  <a:ea typeface="宋体" pitchFamily="2" charset="-122"/>
+                  <a:cs typeface="+mn-cs"/>
+                </a:defRPr>
+              </a:lvl2pPr>
+              <a:lvl3pPr marL="914400" algn="l" rtl="0" fontAlgn="base">
+                <a:spcBef>
+                  <a:spcPct val="0"/>
+                </a:spcBef>
+                <a:spcAft>
+                  <a:spcPct val="0"/>
+                </a:spcAft>
+                <a:defRPr kumimoji="1" sz="3600" kern="1200">
+                  <a:solidFill>
+                    <a:schemeClr val="tx1"/>
+                  </a:solidFill>
+                  <a:latin typeface="Times New Roman" pitchFamily="18" charset="0"/>
+                  <a:ea typeface="宋体" pitchFamily="2" charset="-122"/>
+                  <a:cs typeface="+mn-cs"/>
+                </a:defRPr>
+              </a:lvl3pPr>
+              <a:lvl4pPr marL="1371600" algn="l" rtl="0" fontAlgn="base">
+                <a:spcBef>
+                  <a:spcPct val="0"/>
+                </a:spcBef>
+                <a:spcAft>
+                  <a:spcPct val="0"/>
+                </a:spcAft>
+                <a:defRPr kumimoji="1" sz="3600" kern="1200">
+                  <a:solidFill>
+                    <a:schemeClr val="tx1"/>
+                  </a:solidFill>
+                  <a:latin typeface="Times New Roman" pitchFamily="18" charset="0"/>
+                  <a:ea typeface="宋体" pitchFamily="2" charset="-122"/>
+                  <a:cs typeface="+mn-cs"/>
+                </a:defRPr>
+              </a:lvl4pPr>
+              <a:lvl5pPr marL="1828800" algn="l" rtl="0" fontAlgn="base">
+                <a:spcBef>
+                  <a:spcPct val="0"/>
+                </a:spcBef>
+                <a:spcAft>
+                  <a:spcPct val="0"/>
+                </a:spcAft>
+                <a:defRPr kumimoji="1" sz="3600" kern="1200">
+                  <a:solidFill>
+                    <a:schemeClr val="tx1"/>
+                  </a:solidFill>
+                  <a:latin typeface="Times New Roman" pitchFamily="18" charset="0"/>
+                  <a:ea typeface="宋体" pitchFamily="2" charset="-122"/>
+                  <a:cs typeface="+mn-cs"/>
+                </a:defRPr>
+              </a:lvl5pPr>
+              <a:lvl6pPr marL="2286000" algn="l" defTabSz="914400" rtl="0" eaLnBrk="1" latinLnBrk="0" hangingPunct="1">
+                <a:defRPr kumimoji="1" sz="3600" kern="1200">
+                  <a:solidFill>
+                    <a:schemeClr val="tx1"/>
+                  </a:solidFill>
+                  <a:latin typeface="Times New Roman" pitchFamily="18" charset="0"/>
+                  <a:ea typeface="宋体" pitchFamily="2" charset="-122"/>
+                  <a:cs typeface="+mn-cs"/>
+                </a:defRPr>
+              </a:lvl6pPr>
+              <a:lvl7pPr marL="2743200" algn="l" defTabSz="914400" rtl="0" eaLnBrk="1" latinLnBrk="0" hangingPunct="1">
+                <a:defRPr kumimoji="1" sz="3600" kern="1200">
+                  <a:solidFill>
+                    <a:schemeClr val="tx1"/>
+                  </a:solidFill>
+                  <a:latin typeface="Times New Roman" pitchFamily="18" charset="0"/>
+                  <a:ea typeface="宋体" pitchFamily="2" charset="-122"/>
+                  <a:cs typeface="+mn-cs"/>
+                </a:defRPr>
+              </a:lvl7pPr>
+              <a:lvl8pPr marL="3200400" algn="l" defTabSz="914400" rtl="0" eaLnBrk="1" latinLnBrk="0" hangingPunct="1">
+                <a:defRPr kumimoji="1" sz="3600" kern="1200">
+                  <a:solidFill>
+                    <a:schemeClr val="tx1"/>
+                  </a:solidFill>
+                  <a:latin typeface="Times New Roman" pitchFamily="18" charset="0"/>
+                  <a:ea typeface="宋体" pitchFamily="2" charset="-122"/>
+                  <a:cs typeface="+mn-cs"/>
+                </a:defRPr>
+              </a:lvl8pPr>
+              <a:lvl9pPr marL="3657600" algn="l" defTabSz="914400" rtl="0" eaLnBrk="1" latinLnBrk="0" hangingPunct="1">
+                <a:defRPr kumimoji="1" sz="3600" kern="1200">
+                  <a:solidFill>
+                    <a:schemeClr val="tx1"/>
+                  </a:solidFill>
+                  <a:latin typeface="Times New Roman" pitchFamily="18" charset="0"/>
+                  <a:ea typeface="宋体" pitchFamily="2" charset="-122"/>
+                  <a:cs typeface="+mn-cs"/>
+                </a:defRPr>
+              </a:lvl9pPr>
+            </a:lstStyle>
+            <a:p>
+              <a:endParaRPr lang="zh-CN" altLang="en-US" sz="2000"/>
+            </a:p>
+          </p:txBody>
+        </p:sp>
+        <p:sp>
+          <p:nvSpPr>
+            <p:cNvPr id="107" name="Line 17"/>
+            <p:cNvSpPr>
+              <a:spLocks noChangeShapeType="1"/>
+            </p:cNvSpPr>
+            <p:nvPr/>
+          </p:nvSpPr>
+          <p:spPr bwMode="auto">
+            <a:xfrm flipH="1">
+              <a:off x="3592603" y="2936935"/>
+              <a:ext cx="381000" cy="420057"/>
+            </a:xfrm>
+            <a:prstGeom prst="line">
+              <a:avLst/>
+            </a:prstGeom>
+            <a:noFill/>
+            <a:ln w="12700" cap="sq">
+              <a:solidFill>
+                <a:schemeClr val="tx1"/>
+              </a:solidFill>
+              <a:round/>
+              <a:headEnd type="none" w="sm" len="sm"/>
+              <a:tailEnd type="none" w="sm" len="sm"/>
+            </a:ln>
+            <a:effectLst/>
+            <a:extLst>
+              <a:ext uri="{909E8E84-426E-40DD-AFC4-6F175D3DCCD1}">
+                <a14:hiddenFill xmlns:a14="http://schemas.microsoft.com/office/drawing/2010/main">
+                  <a:noFill/>
+                </a14:hiddenFill>
+              </a:ext>
+              <a:ext uri="{AF507438-7753-43E0-B8FC-AC1667EBCBE1}">
+                <a14:hiddenEffects xmlns:a14="http://schemas.microsoft.com/office/drawing/2010/main">
+                  <a:effectLst>
+                    <a:outerShdw dist="35921" dir="2700000" algn="ctr" rotWithShape="0">
+                      <a:schemeClr val="bg2"/>
+                    </a:outerShdw>
+                  </a:effectLst>
+                </a14:hiddenEffects>
+              </a:ext>
+            </a:extLst>
+          </p:spPr>
+          <p:txBody>
+            <a:bodyPr wrap="none"/>
+            <a:lstStyle>
+              <a:defPPr>
+                <a:defRPr lang="en-US"/>
+              </a:defPPr>
+              <a:lvl1pPr algn="l" rtl="0" fontAlgn="base">
+                <a:spcBef>
+                  <a:spcPct val="0"/>
+                </a:spcBef>
+                <a:spcAft>
+                  <a:spcPct val="0"/>
+                </a:spcAft>
+                <a:defRPr kumimoji="1" sz="3600" kern="1200">
+                  <a:solidFill>
+                    <a:schemeClr val="tx1"/>
+                  </a:solidFill>
+                  <a:latin typeface="Times New Roman" pitchFamily="18" charset="0"/>
+                  <a:ea typeface="宋体" pitchFamily="2" charset="-122"/>
+                  <a:cs typeface="+mn-cs"/>
+                </a:defRPr>
+              </a:lvl1pPr>
+              <a:lvl2pPr marL="457200" algn="l" rtl="0" fontAlgn="base">
+                <a:spcBef>
+                  <a:spcPct val="0"/>
+                </a:spcBef>
+                <a:spcAft>
+                  <a:spcPct val="0"/>
+                </a:spcAft>
+                <a:defRPr kumimoji="1" sz="3600" kern="1200">
+                  <a:solidFill>
+                    <a:schemeClr val="tx1"/>
+                  </a:solidFill>
+                  <a:latin typeface="Times New Roman" pitchFamily="18" charset="0"/>
+                  <a:ea typeface="宋体" pitchFamily="2" charset="-122"/>
+                  <a:cs typeface="+mn-cs"/>
+                </a:defRPr>
+              </a:lvl2pPr>
+              <a:lvl3pPr marL="914400" algn="l" rtl="0" fontAlgn="base">
+                <a:spcBef>
+                  <a:spcPct val="0"/>
+                </a:spcBef>
+                <a:spcAft>
+                  <a:spcPct val="0"/>
+                </a:spcAft>
+                <a:defRPr kumimoji="1" sz="3600" kern="1200">
+                  <a:solidFill>
+                    <a:schemeClr val="tx1"/>
+                  </a:solidFill>
+                  <a:latin typeface="Times New Roman" pitchFamily="18" charset="0"/>
+                  <a:ea typeface="宋体" pitchFamily="2" charset="-122"/>
+                  <a:cs typeface="+mn-cs"/>
+                </a:defRPr>
+              </a:lvl3pPr>
+              <a:lvl4pPr marL="1371600" algn="l" rtl="0" fontAlgn="base">
+                <a:spcBef>
+                  <a:spcPct val="0"/>
+                </a:spcBef>
+                <a:spcAft>
+                  <a:spcPct val="0"/>
+                </a:spcAft>
+                <a:defRPr kumimoji="1" sz="3600" kern="1200">
+                  <a:solidFill>
+                    <a:schemeClr val="tx1"/>
+                  </a:solidFill>
+                  <a:latin typeface="Times New Roman" pitchFamily="18" charset="0"/>
+                  <a:ea typeface="宋体" pitchFamily="2" charset="-122"/>
+                  <a:cs typeface="+mn-cs"/>
+                </a:defRPr>
+              </a:lvl4pPr>
+              <a:lvl5pPr marL="1828800" algn="l" rtl="0" fontAlgn="base">
+                <a:spcBef>
+                  <a:spcPct val="0"/>
+                </a:spcBef>
+                <a:spcAft>
+                  <a:spcPct val="0"/>
+                </a:spcAft>
+                <a:defRPr kumimoji="1" sz="3600" kern="1200">
+                  <a:solidFill>
+                    <a:schemeClr val="tx1"/>
+                  </a:solidFill>
+                  <a:latin typeface="Times New Roman" pitchFamily="18" charset="0"/>
+                  <a:ea typeface="宋体" pitchFamily="2" charset="-122"/>
+                  <a:cs typeface="+mn-cs"/>
+                </a:defRPr>
+              </a:lvl5pPr>
+              <a:lvl6pPr marL="2286000" algn="l" defTabSz="914400" rtl="0" eaLnBrk="1" latinLnBrk="0" hangingPunct="1">
+                <a:defRPr kumimoji="1" sz="3600" kern="1200">
+                  <a:solidFill>
+                    <a:schemeClr val="tx1"/>
+                  </a:solidFill>
+                  <a:latin typeface="Times New Roman" pitchFamily="18" charset="0"/>
+                  <a:ea typeface="宋体" pitchFamily="2" charset="-122"/>
+                  <a:cs typeface="+mn-cs"/>
+                </a:defRPr>
+              </a:lvl6pPr>
+              <a:lvl7pPr marL="2743200" algn="l" defTabSz="914400" rtl="0" eaLnBrk="1" latinLnBrk="0" hangingPunct="1">
+                <a:defRPr kumimoji="1" sz="3600" kern="1200">
+                  <a:solidFill>
+                    <a:schemeClr val="tx1"/>
+                  </a:solidFill>
+                  <a:latin typeface="Times New Roman" pitchFamily="18" charset="0"/>
+                  <a:ea typeface="宋体" pitchFamily="2" charset="-122"/>
+                  <a:cs typeface="+mn-cs"/>
+                </a:defRPr>
+              </a:lvl7pPr>
+              <a:lvl8pPr marL="3200400" algn="l" defTabSz="914400" rtl="0" eaLnBrk="1" latinLnBrk="0" hangingPunct="1">
+                <a:defRPr kumimoji="1" sz="3600" kern="1200">
+                  <a:solidFill>
+                    <a:schemeClr val="tx1"/>
+                  </a:solidFill>
+                  <a:latin typeface="Times New Roman" pitchFamily="18" charset="0"/>
+                  <a:ea typeface="宋体" pitchFamily="2" charset="-122"/>
+                  <a:cs typeface="+mn-cs"/>
+                </a:defRPr>
+              </a:lvl8pPr>
+              <a:lvl9pPr marL="3657600" algn="l" defTabSz="914400" rtl="0" eaLnBrk="1" latinLnBrk="0" hangingPunct="1">
+                <a:defRPr kumimoji="1" sz="3600" kern="1200">
+                  <a:solidFill>
+                    <a:schemeClr val="tx1"/>
+                  </a:solidFill>
+                  <a:latin typeface="Times New Roman" pitchFamily="18" charset="0"/>
+                  <a:ea typeface="宋体" pitchFamily="2" charset="-122"/>
+                  <a:cs typeface="+mn-cs"/>
+                </a:defRPr>
+              </a:lvl9pPr>
+            </a:lstStyle>
+            <a:p>
+              <a:endParaRPr lang="zh-CN" altLang="en-US" sz="2000"/>
+            </a:p>
+          </p:txBody>
+        </p:sp>
+        <p:sp>
+          <p:nvSpPr>
+            <p:cNvPr id="108" name="Line 18"/>
+            <p:cNvSpPr>
+              <a:spLocks noChangeShapeType="1"/>
+            </p:cNvSpPr>
+            <p:nvPr/>
+          </p:nvSpPr>
+          <p:spPr bwMode="auto">
+            <a:xfrm>
+              <a:off x="4515916" y="2936935"/>
+              <a:ext cx="327348" cy="266700"/>
+            </a:xfrm>
+            <a:prstGeom prst="line">
+              <a:avLst/>
+            </a:prstGeom>
+            <a:noFill/>
+            <a:ln w="12700" cap="sq">
+              <a:solidFill>
+                <a:schemeClr val="tx1"/>
+              </a:solidFill>
+              <a:round/>
+              <a:headEnd type="none" w="sm" len="sm"/>
+              <a:tailEnd type="none" w="sm" len="sm"/>
+            </a:ln>
+            <a:effectLst/>
+            <a:extLst>
+              <a:ext uri="{909E8E84-426E-40DD-AFC4-6F175D3DCCD1}">
+                <a14:hiddenFill xmlns:a14="http://schemas.microsoft.com/office/drawing/2010/main">
+                  <a:noFill/>
+                </a14:hiddenFill>
+              </a:ext>
+              <a:ext uri="{AF507438-7753-43E0-B8FC-AC1667EBCBE1}">
+                <a14:hiddenEffects xmlns:a14="http://schemas.microsoft.com/office/drawing/2010/main">
+                  <a:effectLst>
+                    <a:outerShdw dist="35921" dir="2700000" algn="ctr" rotWithShape="0">
+                      <a:schemeClr val="bg2"/>
+                    </a:outerShdw>
+                  </a:effectLst>
+                </a14:hiddenEffects>
+              </a:ext>
+            </a:extLst>
+          </p:spPr>
+          <p:txBody>
+            <a:bodyPr wrap="none"/>
+            <a:lstStyle>
+              <a:defPPr>
+                <a:defRPr lang="en-US"/>
+              </a:defPPr>
+              <a:lvl1pPr algn="l" rtl="0" fontAlgn="base">
+                <a:spcBef>
+                  <a:spcPct val="0"/>
+                </a:spcBef>
+                <a:spcAft>
+                  <a:spcPct val="0"/>
+                </a:spcAft>
+                <a:defRPr kumimoji="1" sz="3600" kern="1200">
+                  <a:solidFill>
+                    <a:schemeClr val="tx1"/>
+                  </a:solidFill>
+                  <a:latin typeface="Times New Roman" pitchFamily="18" charset="0"/>
+                  <a:ea typeface="宋体" pitchFamily="2" charset="-122"/>
+                  <a:cs typeface="+mn-cs"/>
+                </a:defRPr>
+              </a:lvl1pPr>
+              <a:lvl2pPr marL="457200" algn="l" rtl="0" fontAlgn="base">
+                <a:spcBef>
+                  <a:spcPct val="0"/>
+                </a:spcBef>
+                <a:spcAft>
+                  <a:spcPct val="0"/>
+                </a:spcAft>
+                <a:defRPr kumimoji="1" sz="3600" kern="1200">
+                  <a:solidFill>
+                    <a:schemeClr val="tx1"/>
+                  </a:solidFill>
+                  <a:latin typeface="Times New Roman" pitchFamily="18" charset="0"/>
+                  <a:ea typeface="宋体" pitchFamily="2" charset="-122"/>
+                  <a:cs typeface="+mn-cs"/>
+                </a:defRPr>
+              </a:lvl2pPr>
+              <a:lvl3pPr marL="914400" algn="l" rtl="0" fontAlgn="base">
+                <a:spcBef>
+                  <a:spcPct val="0"/>
+                </a:spcBef>
+                <a:spcAft>
+                  <a:spcPct val="0"/>
+                </a:spcAft>
+                <a:defRPr kumimoji="1" sz="3600" kern="1200">
+                  <a:solidFill>
+                    <a:schemeClr val="tx1"/>
+                  </a:solidFill>
+                  <a:latin typeface="Times New Roman" pitchFamily="18" charset="0"/>
+                  <a:ea typeface="宋体" pitchFamily="2" charset="-122"/>
+                  <a:cs typeface="+mn-cs"/>
+                </a:defRPr>
+              </a:lvl3pPr>
+              <a:lvl4pPr marL="1371600" algn="l" rtl="0" fontAlgn="base">
+                <a:spcBef>
+                  <a:spcPct val="0"/>
+                </a:spcBef>
+                <a:spcAft>
+                  <a:spcPct val="0"/>
+                </a:spcAft>
+                <a:defRPr kumimoji="1" sz="3600" kern="1200">
+                  <a:solidFill>
+                    <a:schemeClr val="tx1"/>
+                  </a:solidFill>
+                  <a:latin typeface="Times New Roman" pitchFamily="18" charset="0"/>
+                  <a:ea typeface="宋体" pitchFamily="2" charset="-122"/>
+                  <a:cs typeface="+mn-cs"/>
+                </a:defRPr>
+              </a:lvl4pPr>
+              <a:lvl5pPr marL="1828800" algn="l" rtl="0" fontAlgn="base">
+                <a:spcBef>
+                  <a:spcPct val="0"/>
+                </a:spcBef>
+                <a:spcAft>
+                  <a:spcPct val="0"/>
+                </a:spcAft>
+                <a:defRPr kumimoji="1" sz="3600" kern="1200">
+                  <a:solidFill>
+                    <a:schemeClr val="tx1"/>
+                  </a:solidFill>
+                  <a:latin typeface="Times New Roman" pitchFamily="18" charset="0"/>
+                  <a:ea typeface="宋体" pitchFamily="2" charset="-122"/>
+                  <a:cs typeface="+mn-cs"/>
+                </a:defRPr>
+              </a:lvl5pPr>
+              <a:lvl6pPr marL="2286000" algn="l" defTabSz="914400" rtl="0" eaLnBrk="1" latinLnBrk="0" hangingPunct="1">
+                <a:defRPr kumimoji="1" sz="3600" kern="1200">
+                  <a:solidFill>
+                    <a:schemeClr val="tx1"/>
+                  </a:solidFill>
+                  <a:latin typeface="Times New Roman" pitchFamily="18" charset="0"/>
+                  <a:ea typeface="宋体" pitchFamily="2" charset="-122"/>
+                  <a:cs typeface="+mn-cs"/>
+                </a:defRPr>
+              </a:lvl6pPr>
+              <a:lvl7pPr marL="2743200" algn="l" defTabSz="914400" rtl="0" eaLnBrk="1" latinLnBrk="0" hangingPunct="1">
+                <a:defRPr kumimoji="1" sz="3600" kern="1200">
+                  <a:solidFill>
+                    <a:schemeClr val="tx1"/>
+                  </a:solidFill>
+                  <a:latin typeface="Times New Roman" pitchFamily="18" charset="0"/>
+                  <a:ea typeface="宋体" pitchFamily="2" charset="-122"/>
+                  <a:cs typeface="+mn-cs"/>
+                </a:defRPr>
+              </a:lvl7pPr>
+              <a:lvl8pPr marL="3200400" algn="l" defTabSz="914400" rtl="0" eaLnBrk="1" latinLnBrk="0" hangingPunct="1">
+                <a:defRPr kumimoji="1" sz="3600" kern="1200">
+                  <a:solidFill>
+                    <a:schemeClr val="tx1"/>
+                  </a:solidFill>
+                  <a:latin typeface="Times New Roman" pitchFamily="18" charset="0"/>
+                  <a:ea typeface="宋体" pitchFamily="2" charset="-122"/>
+                  <a:cs typeface="+mn-cs"/>
+                </a:defRPr>
+              </a:lvl8pPr>
+              <a:lvl9pPr marL="3657600" algn="l" defTabSz="914400" rtl="0" eaLnBrk="1" latinLnBrk="0" hangingPunct="1">
+                <a:defRPr kumimoji="1" sz="3600" kern="1200">
+                  <a:solidFill>
+                    <a:schemeClr val="tx1"/>
+                  </a:solidFill>
+                  <a:latin typeface="Times New Roman" pitchFamily="18" charset="0"/>
+                  <a:ea typeface="宋体" pitchFamily="2" charset="-122"/>
+                  <a:cs typeface="+mn-cs"/>
+                </a:defRPr>
+              </a:lvl9pPr>
+            </a:lstStyle>
+            <a:p>
+              <a:endParaRPr lang="zh-CN" altLang="en-US" sz="2000"/>
+            </a:p>
+          </p:txBody>
+        </p:sp>
+        <p:sp>
+          <p:nvSpPr>
+            <p:cNvPr id="109" name="Line 19"/>
+            <p:cNvSpPr>
+              <a:spLocks noChangeShapeType="1"/>
+            </p:cNvSpPr>
+            <p:nvPr/>
+          </p:nvSpPr>
+          <p:spPr bwMode="auto">
+            <a:xfrm flipH="1">
+              <a:off x="4911080" y="4640560"/>
+              <a:ext cx="304800" cy="457200"/>
+            </a:xfrm>
+            <a:prstGeom prst="line">
+              <a:avLst/>
+            </a:prstGeom>
+            <a:noFill/>
+            <a:ln w="12700" cap="sq">
+              <a:solidFill>
+                <a:schemeClr val="tx1"/>
+              </a:solidFill>
+              <a:round/>
+              <a:headEnd type="none" w="sm" len="sm"/>
+              <a:tailEnd type="none" w="sm" len="sm"/>
+            </a:ln>
+            <a:effectLst/>
+            <a:extLst>
+              <a:ext uri="{909E8E84-426E-40DD-AFC4-6F175D3DCCD1}">
+                <a14:hiddenFill xmlns:a14="http://schemas.microsoft.com/office/drawing/2010/main">
+                  <a:noFill/>
+                </a14:hiddenFill>
+              </a:ext>
+              <a:ext uri="{AF507438-7753-43E0-B8FC-AC1667EBCBE1}">
+                <a14:hiddenEffects xmlns:a14="http://schemas.microsoft.com/office/drawing/2010/main">
+                  <a:effectLst>
+                    <a:outerShdw dist="35921" dir="2700000" algn="ctr" rotWithShape="0">
+                      <a:schemeClr val="bg2"/>
+                    </a:outerShdw>
+                  </a:effectLst>
+                </a14:hiddenEffects>
+              </a:ext>
+            </a:extLst>
+          </p:spPr>
+          <p:txBody>
+            <a:bodyPr wrap="none"/>
+            <a:lstStyle>
+              <a:defPPr>
+                <a:defRPr lang="en-US"/>
+              </a:defPPr>
+              <a:lvl1pPr algn="l" rtl="0" fontAlgn="base">
+                <a:spcBef>
+                  <a:spcPct val="0"/>
+                </a:spcBef>
+                <a:spcAft>
+                  <a:spcPct val="0"/>
+                </a:spcAft>
+                <a:defRPr kumimoji="1" sz="3600" kern="1200">
+                  <a:solidFill>
+                    <a:schemeClr val="tx1"/>
+                  </a:solidFill>
+                  <a:latin typeface="Times New Roman" pitchFamily="18" charset="0"/>
+                  <a:ea typeface="宋体" pitchFamily="2" charset="-122"/>
+                  <a:cs typeface="+mn-cs"/>
+                </a:defRPr>
+              </a:lvl1pPr>
+              <a:lvl2pPr marL="457200" algn="l" rtl="0" fontAlgn="base">
+                <a:spcBef>
+                  <a:spcPct val="0"/>
+                </a:spcBef>
+                <a:spcAft>
+                  <a:spcPct val="0"/>
+                </a:spcAft>
+                <a:defRPr kumimoji="1" sz="3600" kern="1200">
+                  <a:solidFill>
+                    <a:schemeClr val="tx1"/>
+                  </a:solidFill>
+                  <a:latin typeface="Times New Roman" pitchFamily="18" charset="0"/>
+                  <a:ea typeface="宋体" pitchFamily="2" charset="-122"/>
+                  <a:cs typeface="+mn-cs"/>
+                </a:defRPr>
+              </a:lvl2pPr>
+              <a:lvl3pPr marL="914400" algn="l" rtl="0" fontAlgn="base">
+                <a:spcBef>
+                  <a:spcPct val="0"/>
+                </a:spcBef>
+                <a:spcAft>
+                  <a:spcPct val="0"/>
+                </a:spcAft>
+                <a:defRPr kumimoji="1" sz="3600" kern="1200">
+                  <a:solidFill>
+                    <a:schemeClr val="tx1"/>
+                  </a:solidFill>
+                  <a:latin typeface="Times New Roman" pitchFamily="18" charset="0"/>
+                  <a:ea typeface="宋体" pitchFamily="2" charset="-122"/>
+                  <a:cs typeface="+mn-cs"/>
+                </a:defRPr>
+              </a:lvl3pPr>
+              <a:lvl4pPr marL="1371600" algn="l" rtl="0" fontAlgn="base">
+                <a:spcBef>
+                  <a:spcPct val="0"/>
+                </a:spcBef>
+                <a:spcAft>
+                  <a:spcPct val="0"/>
+                </a:spcAft>
+                <a:defRPr kumimoji="1" sz="3600" kern="1200">
+                  <a:solidFill>
+                    <a:schemeClr val="tx1"/>
+                  </a:solidFill>
+                  <a:latin typeface="Times New Roman" pitchFamily="18" charset="0"/>
+                  <a:ea typeface="宋体" pitchFamily="2" charset="-122"/>
+                  <a:cs typeface="+mn-cs"/>
+                </a:defRPr>
+              </a:lvl4pPr>
+              <a:lvl5pPr marL="1828800" algn="l" rtl="0" fontAlgn="base">
+                <a:spcBef>
+                  <a:spcPct val="0"/>
+                </a:spcBef>
+                <a:spcAft>
+                  <a:spcPct val="0"/>
+                </a:spcAft>
+                <a:defRPr kumimoji="1" sz="3600" kern="1200">
+                  <a:solidFill>
+                    <a:schemeClr val="tx1"/>
+                  </a:solidFill>
+                  <a:latin typeface="Times New Roman" pitchFamily="18" charset="0"/>
+                  <a:ea typeface="宋体" pitchFamily="2" charset="-122"/>
+                  <a:cs typeface="+mn-cs"/>
+                </a:defRPr>
+              </a:lvl5pPr>
+              <a:lvl6pPr marL="2286000" algn="l" defTabSz="914400" rtl="0" eaLnBrk="1" latinLnBrk="0" hangingPunct="1">
+                <a:defRPr kumimoji="1" sz="3600" kern="1200">
+                  <a:solidFill>
+                    <a:schemeClr val="tx1"/>
+                  </a:solidFill>
+                  <a:latin typeface="Times New Roman" pitchFamily="18" charset="0"/>
+                  <a:ea typeface="宋体" pitchFamily="2" charset="-122"/>
+                  <a:cs typeface="+mn-cs"/>
+                </a:defRPr>
+              </a:lvl6pPr>
+              <a:lvl7pPr marL="2743200" algn="l" defTabSz="914400" rtl="0" eaLnBrk="1" latinLnBrk="0" hangingPunct="1">
+                <a:defRPr kumimoji="1" sz="3600" kern="1200">
+                  <a:solidFill>
+                    <a:schemeClr val="tx1"/>
+                  </a:solidFill>
+                  <a:latin typeface="Times New Roman" pitchFamily="18" charset="0"/>
+                  <a:ea typeface="宋体" pitchFamily="2" charset="-122"/>
+                  <a:cs typeface="+mn-cs"/>
+                </a:defRPr>
+              </a:lvl7pPr>
+              <a:lvl8pPr marL="3200400" algn="l" defTabSz="914400" rtl="0" eaLnBrk="1" latinLnBrk="0" hangingPunct="1">
+                <a:defRPr kumimoji="1" sz="3600" kern="1200">
+                  <a:solidFill>
+                    <a:schemeClr val="tx1"/>
+                  </a:solidFill>
+                  <a:latin typeface="Times New Roman" pitchFamily="18" charset="0"/>
+                  <a:ea typeface="宋体" pitchFamily="2" charset="-122"/>
+                  <a:cs typeface="+mn-cs"/>
+                </a:defRPr>
+              </a:lvl8pPr>
+              <a:lvl9pPr marL="3657600" algn="l" defTabSz="914400" rtl="0" eaLnBrk="1" latinLnBrk="0" hangingPunct="1">
+                <a:defRPr kumimoji="1" sz="3600" kern="1200">
+                  <a:solidFill>
+                    <a:schemeClr val="tx1"/>
+                  </a:solidFill>
+                  <a:latin typeface="Times New Roman" pitchFamily="18" charset="0"/>
+                  <a:ea typeface="宋体" pitchFamily="2" charset="-122"/>
+                  <a:cs typeface="+mn-cs"/>
+                </a:defRPr>
+              </a:lvl9pPr>
+            </a:lstStyle>
+            <a:p>
+              <a:endParaRPr lang="zh-CN" altLang="en-US" sz="2000"/>
+            </a:p>
+          </p:txBody>
+        </p:sp>
+        <p:sp>
+          <p:nvSpPr>
+            <p:cNvPr id="110" name="Line 20"/>
+            <p:cNvSpPr>
+              <a:spLocks noChangeShapeType="1"/>
+            </p:cNvSpPr>
+            <p:nvPr/>
+          </p:nvSpPr>
+          <p:spPr bwMode="auto">
+            <a:xfrm>
+              <a:off x="5495350" y="4584498"/>
+              <a:ext cx="609600" cy="381000"/>
+            </a:xfrm>
+            <a:prstGeom prst="line">
+              <a:avLst/>
+            </a:prstGeom>
+            <a:noFill/>
+            <a:ln w="12700" cap="sq">
+              <a:solidFill>
+                <a:schemeClr val="tx1"/>
+              </a:solidFill>
+              <a:round/>
+              <a:headEnd type="none" w="sm" len="sm"/>
+              <a:tailEnd type="none" w="sm" len="sm"/>
+            </a:ln>
+            <a:effectLst/>
+            <a:extLst>
+              <a:ext uri="{909E8E84-426E-40DD-AFC4-6F175D3DCCD1}">
+                <a14:hiddenFill xmlns:a14="http://schemas.microsoft.com/office/drawing/2010/main">
+                  <a:noFill/>
+                </a14:hiddenFill>
+              </a:ext>
+              <a:ext uri="{AF507438-7753-43E0-B8FC-AC1667EBCBE1}">
+                <a14:hiddenEffects xmlns:a14="http://schemas.microsoft.com/office/drawing/2010/main">
+                  <a:effectLst>
+                    <a:outerShdw dist="35921" dir="2700000" algn="ctr" rotWithShape="0">
+                      <a:schemeClr val="bg2"/>
+                    </a:outerShdw>
+                  </a:effectLst>
+                </a14:hiddenEffects>
+              </a:ext>
+            </a:extLst>
+          </p:spPr>
+          <p:txBody>
+            <a:bodyPr wrap="none"/>
+            <a:lstStyle>
+              <a:defPPr>
+                <a:defRPr lang="en-US"/>
+              </a:defPPr>
+              <a:lvl1pPr algn="l" rtl="0" fontAlgn="base">
+                <a:spcBef>
+                  <a:spcPct val="0"/>
+                </a:spcBef>
+                <a:spcAft>
+                  <a:spcPct val="0"/>
+                </a:spcAft>
+                <a:defRPr kumimoji="1" sz="3600" kern="1200">
+                  <a:solidFill>
+                    <a:schemeClr val="tx1"/>
+                  </a:solidFill>
+                  <a:latin typeface="Times New Roman" pitchFamily="18" charset="0"/>
+                  <a:ea typeface="宋体" pitchFamily="2" charset="-122"/>
+                  <a:cs typeface="+mn-cs"/>
+                </a:defRPr>
+              </a:lvl1pPr>
+              <a:lvl2pPr marL="457200" algn="l" rtl="0" fontAlgn="base">
+                <a:spcBef>
+                  <a:spcPct val="0"/>
+                </a:spcBef>
+                <a:spcAft>
+                  <a:spcPct val="0"/>
+                </a:spcAft>
+                <a:defRPr kumimoji="1" sz="3600" kern="1200">
+                  <a:solidFill>
+                    <a:schemeClr val="tx1"/>
+                  </a:solidFill>
+                  <a:latin typeface="Times New Roman" pitchFamily="18" charset="0"/>
+                  <a:ea typeface="宋体" pitchFamily="2" charset="-122"/>
+                  <a:cs typeface="+mn-cs"/>
+                </a:defRPr>
+              </a:lvl2pPr>
+              <a:lvl3pPr marL="914400" algn="l" rtl="0" fontAlgn="base">
+                <a:spcBef>
+                  <a:spcPct val="0"/>
+                </a:spcBef>
+                <a:spcAft>
+                  <a:spcPct val="0"/>
+                </a:spcAft>
+                <a:defRPr kumimoji="1" sz="3600" kern="1200">
+                  <a:solidFill>
+                    <a:schemeClr val="tx1"/>
+                  </a:solidFill>
+                  <a:latin typeface="Times New Roman" pitchFamily="18" charset="0"/>
+                  <a:ea typeface="宋体" pitchFamily="2" charset="-122"/>
+                  <a:cs typeface="+mn-cs"/>
+                </a:defRPr>
+              </a:lvl3pPr>
+              <a:lvl4pPr marL="1371600" algn="l" rtl="0" fontAlgn="base">
+                <a:spcBef>
+                  <a:spcPct val="0"/>
+                </a:spcBef>
+                <a:spcAft>
+                  <a:spcPct val="0"/>
+                </a:spcAft>
+                <a:defRPr kumimoji="1" sz="3600" kern="1200">
+                  <a:solidFill>
+                    <a:schemeClr val="tx1"/>
+                  </a:solidFill>
+                  <a:latin typeface="Times New Roman" pitchFamily="18" charset="0"/>
+                  <a:ea typeface="宋体" pitchFamily="2" charset="-122"/>
+                  <a:cs typeface="+mn-cs"/>
+                </a:defRPr>
+              </a:lvl4pPr>
+              <a:lvl5pPr marL="1828800" algn="l" rtl="0" fontAlgn="base">
+                <a:spcBef>
+                  <a:spcPct val="0"/>
+                </a:spcBef>
+                <a:spcAft>
+                  <a:spcPct val="0"/>
+                </a:spcAft>
+                <a:defRPr kumimoji="1" sz="3600" kern="1200">
+                  <a:solidFill>
+                    <a:schemeClr val="tx1"/>
+                  </a:solidFill>
+                  <a:latin typeface="Times New Roman" pitchFamily="18" charset="0"/>
+                  <a:ea typeface="宋体" pitchFamily="2" charset="-122"/>
+                  <a:cs typeface="+mn-cs"/>
+                </a:defRPr>
+              </a:lvl5pPr>
+              <a:lvl6pPr marL="2286000" algn="l" defTabSz="914400" rtl="0" eaLnBrk="1" latinLnBrk="0" hangingPunct="1">
+                <a:defRPr kumimoji="1" sz="3600" kern="1200">
+                  <a:solidFill>
+                    <a:schemeClr val="tx1"/>
+                  </a:solidFill>
+                  <a:latin typeface="Times New Roman" pitchFamily="18" charset="0"/>
+                  <a:ea typeface="宋体" pitchFamily="2" charset="-122"/>
+                  <a:cs typeface="+mn-cs"/>
+                </a:defRPr>
+              </a:lvl6pPr>
+              <a:lvl7pPr marL="2743200" algn="l" defTabSz="914400" rtl="0" eaLnBrk="1" latinLnBrk="0" hangingPunct="1">
+                <a:defRPr kumimoji="1" sz="3600" kern="1200">
+                  <a:solidFill>
+                    <a:schemeClr val="tx1"/>
+                  </a:solidFill>
+                  <a:latin typeface="Times New Roman" pitchFamily="18" charset="0"/>
+                  <a:ea typeface="宋体" pitchFamily="2" charset="-122"/>
+                  <a:cs typeface="+mn-cs"/>
+                </a:defRPr>
+              </a:lvl7pPr>
+              <a:lvl8pPr marL="3200400" algn="l" defTabSz="914400" rtl="0" eaLnBrk="1" latinLnBrk="0" hangingPunct="1">
+                <a:defRPr kumimoji="1" sz="3600" kern="1200">
+                  <a:solidFill>
+                    <a:schemeClr val="tx1"/>
+                  </a:solidFill>
+                  <a:latin typeface="Times New Roman" pitchFamily="18" charset="0"/>
+                  <a:ea typeface="宋体" pitchFamily="2" charset="-122"/>
+                  <a:cs typeface="+mn-cs"/>
+                </a:defRPr>
+              </a:lvl8pPr>
+              <a:lvl9pPr marL="3657600" algn="l" defTabSz="914400" rtl="0" eaLnBrk="1" latinLnBrk="0" hangingPunct="1">
+                <a:defRPr kumimoji="1" sz="3600" kern="1200">
+                  <a:solidFill>
+                    <a:schemeClr val="tx1"/>
+                  </a:solidFill>
+                  <a:latin typeface="Times New Roman" pitchFamily="18" charset="0"/>
+                  <a:ea typeface="宋体" pitchFamily="2" charset="-122"/>
+                  <a:cs typeface="+mn-cs"/>
+                </a:defRPr>
+              </a:lvl9pPr>
+            </a:lstStyle>
+            <a:p>
+              <a:endParaRPr lang="zh-CN" altLang="en-US" sz="2000"/>
+            </a:p>
+          </p:txBody>
+        </p:sp>
+        <p:sp>
+          <p:nvSpPr>
+            <p:cNvPr id="111" name="Line 21"/>
+            <p:cNvSpPr>
+              <a:spLocks noChangeShapeType="1"/>
+            </p:cNvSpPr>
+            <p:nvPr/>
+          </p:nvSpPr>
+          <p:spPr bwMode="auto">
+            <a:xfrm flipH="1">
+              <a:off x="6314256" y="5562914"/>
+              <a:ext cx="0" cy="381000"/>
+            </a:xfrm>
+            <a:prstGeom prst="line">
+              <a:avLst/>
+            </a:prstGeom>
+            <a:noFill/>
+            <a:ln w="12700" cap="sq">
+              <a:solidFill>
+                <a:schemeClr val="tx1"/>
+              </a:solidFill>
+              <a:round/>
+              <a:headEnd type="none" w="sm" len="sm"/>
+              <a:tailEnd type="none" w="sm" len="sm"/>
+            </a:ln>
+            <a:effectLst/>
+            <a:extLst>
+              <a:ext uri="{909E8E84-426E-40DD-AFC4-6F175D3DCCD1}">
+                <a14:hiddenFill xmlns:a14="http://schemas.microsoft.com/office/drawing/2010/main">
+                  <a:noFill/>
+                </a14:hiddenFill>
+              </a:ext>
+              <a:ext uri="{AF507438-7753-43E0-B8FC-AC1667EBCBE1}">
+                <a14:hiddenEffects xmlns:a14="http://schemas.microsoft.com/office/drawing/2010/main">
+                  <a:effectLst>
+                    <a:outerShdw dist="35921" dir="2700000" algn="ctr" rotWithShape="0">
+                      <a:schemeClr val="bg2"/>
+                    </a:outerShdw>
+                  </a:effectLst>
+                </a14:hiddenEffects>
+              </a:ext>
+            </a:extLst>
+          </p:spPr>
+          <p:txBody>
+            <a:bodyPr wrap="none"/>
+            <a:lstStyle>
+              <a:defPPr>
+                <a:defRPr lang="en-US"/>
+              </a:defPPr>
+              <a:lvl1pPr algn="l" rtl="0" fontAlgn="base">
+                <a:spcBef>
+                  <a:spcPct val="0"/>
+                </a:spcBef>
+                <a:spcAft>
+                  <a:spcPct val="0"/>
+                </a:spcAft>
+                <a:defRPr kumimoji="1" sz="3600" kern="1200">
+                  <a:solidFill>
+                    <a:schemeClr val="tx1"/>
+                  </a:solidFill>
+                  <a:latin typeface="Times New Roman" pitchFamily="18" charset="0"/>
+                  <a:ea typeface="宋体" pitchFamily="2" charset="-122"/>
+                  <a:cs typeface="+mn-cs"/>
+                </a:defRPr>
+              </a:lvl1pPr>
+              <a:lvl2pPr marL="457200" algn="l" rtl="0" fontAlgn="base">
+                <a:spcBef>
+                  <a:spcPct val="0"/>
+                </a:spcBef>
+                <a:spcAft>
+                  <a:spcPct val="0"/>
+                </a:spcAft>
+                <a:defRPr kumimoji="1" sz="3600" kern="1200">
+                  <a:solidFill>
+                    <a:schemeClr val="tx1"/>
+                  </a:solidFill>
+                  <a:latin typeface="Times New Roman" pitchFamily="18" charset="0"/>
+                  <a:ea typeface="宋体" pitchFamily="2" charset="-122"/>
+                  <a:cs typeface="+mn-cs"/>
+                </a:defRPr>
+              </a:lvl2pPr>
+              <a:lvl3pPr marL="914400" algn="l" rtl="0" fontAlgn="base">
+                <a:spcBef>
+                  <a:spcPct val="0"/>
+                </a:spcBef>
+                <a:spcAft>
+                  <a:spcPct val="0"/>
+                </a:spcAft>
+                <a:defRPr kumimoji="1" sz="3600" kern="1200">
+                  <a:solidFill>
+                    <a:schemeClr val="tx1"/>
+                  </a:solidFill>
+                  <a:latin typeface="Times New Roman" pitchFamily="18" charset="0"/>
+                  <a:ea typeface="宋体" pitchFamily="2" charset="-122"/>
+                  <a:cs typeface="+mn-cs"/>
+                </a:defRPr>
+              </a:lvl3pPr>
+              <a:lvl4pPr marL="1371600" algn="l" rtl="0" fontAlgn="base">
+                <a:spcBef>
+                  <a:spcPct val="0"/>
+                </a:spcBef>
+                <a:spcAft>
+                  <a:spcPct val="0"/>
+                </a:spcAft>
+                <a:defRPr kumimoji="1" sz="3600" kern="1200">
+                  <a:solidFill>
+                    <a:schemeClr val="tx1"/>
+                  </a:solidFill>
+                  <a:latin typeface="Times New Roman" pitchFamily="18" charset="0"/>
+                  <a:ea typeface="宋体" pitchFamily="2" charset="-122"/>
+                  <a:cs typeface="+mn-cs"/>
+                </a:defRPr>
+              </a:lvl4pPr>
+              <a:lvl5pPr marL="1828800" algn="l" rtl="0" fontAlgn="base">
+                <a:spcBef>
+                  <a:spcPct val="0"/>
+                </a:spcBef>
+                <a:spcAft>
+                  <a:spcPct val="0"/>
+                </a:spcAft>
+                <a:defRPr kumimoji="1" sz="3600" kern="1200">
+                  <a:solidFill>
+                    <a:schemeClr val="tx1"/>
+                  </a:solidFill>
+                  <a:latin typeface="Times New Roman" pitchFamily="18" charset="0"/>
+                  <a:ea typeface="宋体" pitchFamily="2" charset="-122"/>
+                  <a:cs typeface="+mn-cs"/>
+                </a:defRPr>
+              </a:lvl5pPr>
+              <a:lvl6pPr marL="2286000" algn="l" defTabSz="914400" rtl="0" eaLnBrk="1" latinLnBrk="0" hangingPunct="1">
+                <a:defRPr kumimoji="1" sz="3600" kern="1200">
+                  <a:solidFill>
+                    <a:schemeClr val="tx1"/>
+                  </a:solidFill>
+                  <a:latin typeface="Times New Roman" pitchFamily="18" charset="0"/>
+                  <a:ea typeface="宋体" pitchFamily="2" charset="-122"/>
+                  <a:cs typeface="+mn-cs"/>
+                </a:defRPr>
+              </a:lvl6pPr>
+              <a:lvl7pPr marL="2743200" algn="l" defTabSz="914400" rtl="0" eaLnBrk="1" latinLnBrk="0" hangingPunct="1">
+                <a:defRPr kumimoji="1" sz="3600" kern="1200">
+                  <a:solidFill>
+                    <a:schemeClr val="tx1"/>
+                  </a:solidFill>
+                  <a:latin typeface="Times New Roman" pitchFamily="18" charset="0"/>
+                  <a:ea typeface="宋体" pitchFamily="2" charset="-122"/>
+                  <a:cs typeface="+mn-cs"/>
+                </a:defRPr>
+              </a:lvl7pPr>
+              <a:lvl8pPr marL="3200400" algn="l" defTabSz="914400" rtl="0" eaLnBrk="1" latinLnBrk="0" hangingPunct="1">
+                <a:defRPr kumimoji="1" sz="3600" kern="1200">
+                  <a:solidFill>
+                    <a:schemeClr val="tx1"/>
+                  </a:solidFill>
+                  <a:latin typeface="Times New Roman" pitchFamily="18" charset="0"/>
+                  <a:ea typeface="宋体" pitchFamily="2" charset="-122"/>
+                  <a:cs typeface="+mn-cs"/>
+                </a:defRPr>
+              </a:lvl8pPr>
+              <a:lvl9pPr marL="3657600" algn="l" defTabSz="914400" rtl="0" eaLnBrk="1" latinLnBrk="0" hangingPunct="1">
+                <a:defRPr kumimoji="1" sz="3600" kern="1200">
+                  <a:solidFill>
+                    <a:schemeClr val="tx1"/>
+                  </a:solidFill>
+                  <a:latin typeface="Times New Roman" pitchFamily="18" charset="0"/>
+                  <a:ea typeface="宋体" pitchFamily="2" charset="-122"/>
+                  <a:cs typeface="+mn-cs"/>
+                </a:defRPr>
+              </a:lvl9pPr>
+            </a:lstStyle>
+            <a:p>
+              <a:endParaRPr lang="zh-CN" altLang="en-US" sz="2000"/>
+            </a:p>
+          </p:txBody>
+        </p:sp>
+        <p:sp>
+          <p:nvSpPr>
+            <p:cNvPr id="112" name="Text Box 22"/>
+            <p:cNvSpPr txBox="1">
+              <a:spLocks noChangeArrowheads="1"/>
+            </p:cNvSpPr>
+            <p:nvPr/>
+          </p:nvSpPr>
+          <p:spPr bwMode="auto">
+            <a:xfrm>
+              <a:off x="5546576" y="4978139"/>
+              <a:ext cx="3200400" cy="584775"/>
+            </a:xfrm>
+            <a:prstGeom prst="rect">
+              <a:avLst/>
+            </a:prstGeom>
+            <a:noFill/>
+            <a:ln>
+              <a:noFill/>
+            </a:ln>
+            <a:effectLst/>
+            <a:extLst>
+              <a:ext uri="{909E8E84-426E-40DD-AFC4-6F175D3DCCD1}">
+                <a14:hiddenFill xmlns:a14="http://schemas.microsoft.com/office/drawing/2010/main">
+                  <a:solidFill>
+                    <a:schemeClr val="accent1"/>
+                  </a:solidFill>
+                </a14:hiddenFill>
+              </a:ext>
+              <a:ext uri="{91240B29-F687-4F45-9708-019B960494DF}">
+                <a14:hiddenLine xmlns:a14="http://schemas.microsoft.com/office/drawing/2010/main" w="12700" cap="sq">
+                  <a:solidFill>
+                    <a:schemeClr val="tx1"/>
+                  </a:solidFill>
+                  <a:miter lim="800000"/>
+                  <a:headEnd type="none" w="sm" len="sm"/>
+                  <a:tailEnd type="none" w="sm" len="sm"/>
+                </a14:hiddenLine>
+              </a:ext>
+              <a:ext uri="{AF507438-7753-43E0-B8FC-AC1667EBCBE1}">
+                <a14:hiddenEffects xmlns:a14="http://schemas.microsoft.com/office/drawing/2010/main">
+                  <a:effectLst>
+                    <a:outerShdw dist="35921" dir="2700000" algn="ctr" rotWithShape="0">
+                      <a:schemeClr val="bg2"/>
+                    </a:outerShdw>
+                  </a:effectLst>
+                </a14:hiddenEffects>
+              </a:ext>
+            </a:extLst>
+          </p:spPr>
+          <p:txBody>
+            <a:bodyPr>
+              <a:spAutoFit/>
+            </a:bodyPr>
+            <a:lstStyle>
+              <a:defPPr>
+                <a:defRPr lang="en-US"/>
+              </a:defPPr>
+              <a:lvl1pPr algn="l" rtl="0" fontAlgn="base">
+                <a:spcBef>
+                  <a:spcPct val="0"/>
+                </a:spcBef>
+                <a:spcAft>
+                  <a:spcPct val="0"/>
+                </a:spcAft>
+                <a:defRPr kumimoji="1" sz="3600" kern="1200">
+                  <a:solidFill>
+                    <a:schemeClr val="tx1"/>
+                  </a:solidFill>
+                  <a:latin typeface="Times New Roman" pitchFamily="18" charset="0"/>
+                  <a:ea typeface="宋体" pitchFamily="2" charset="-122"/>
+                  <a:cs typeface="+mn-cs"/>
+                </a:defRPr>
+              </a:lvl1pPr>
+              <a:lvl2pPr marL="457200" algn="l" rtl="0" fontAlgn="base">
+                <a:spcBef>
+                  <a:spcPct val="0"/>
+                </a:spcBef>
+                <a:spcAft>
+                  <a:spcPct val="0"/>
+                </a:spcAft>
+                <a:defRPr kumimoji="1" sz="3600" kern="1200">
+                  <a:solidFill>
+                    <a:schemeClr val="tx1"/>
+                  </a:solidFill>
+                  <a:latin typeface="Times New Roman" pitchFamily="18" charset="0"/>
+                  <a:ea typeface="宋体" pitchFamily="2" charset="-122"/>
+                  <a:cs typeface="+mn-cs"/>
+                </a:defRPr>
+              </a:lvl2pPr>
+              <a:lvl3pPr marL="914400" algn="l" rtl="0" fontAlgn="base">
+                <a:spcBef>
+                  <a:spcPct val="0"/>
+                </a:spcBef>
+                <a:spcAft>
+                  <a:spcPct val="0"/>
+                </a:spcAft>
+                <a:defRPr kumimoji="1" sz="3600" kern="1200">
+                  <a:solidFill>
+                    <a:schemeClr val="tx1"/>
+                  </a:solidFill>
+                  <a:latin typeface="Times New Roman" pitchFamily="18" charset="0"/>
+                  <a:ea typeface="宋体" pitchFamily="2" charset="-122"/>
+                  <a:cs typeface="+mn-cs"/>
+                </a:defRPr>
+              </a:lvl3pPr>
+              <a:lvl4pPr marL="1371600" algn="l" rtl="0" fontAlgn="base">
+                <a:spcBef>
+                  <a:spcPct val="0"/>
+                </a:spcBef>
+                <a:spcAft>
+                  <a:spcPct val="0"/>
+                </a:spcAft>
+                <a:defRPr kumimoji="1" sz="3600" kern="1200">
+                  <a:solidFill>
+                    <a:schemeClr val="tx1"/>
+                  </a:solidFill>
+                  <a:latin typeface="Times New Roman" pitchFamily="18" charset="0"/>
+                  <a:ea typeface="宋体" pitchFamily="2" charset="-122"/>
+                  <a:cs typeface="+mn-cs"/>
+                </a:defRPr>
+              </a:lvl4pPr>
+              <a:lvl5pPr marL="1828800" algn="l" rtl="0" fontAlgn="base">
+                <a:spcBef>
+                  <a:spcPct val="0"/>
+                </a:spcBef>
+                <a:spcAft>
+                  <a:spcPct val="0"/>
+                </a:spcAft>
+                <a:defRPr kumimoji="1" sz="3600" kern="1200">
+                  <a:solidFill>
+                    <a:schemeClr val="tx1"/>
+                  </a:solidFill>
+                  <a:latin typeface="Times New Roman" pitchFamily="18" charset="0"/>
+                  <a:ea typeface="宋体" pitchFamily="2" charset="-122"/>
+                  <a:cs typeface="+mn-cs"/>
+                </a:defRPr>
+              </a:lvl5pPr>
+              <a:lvl6pPr marL="2286000" algn="l" defTabSz="914400" rtl="0" eaLnBrk="1" latinLnBrk="0" hangingPunct="1">
+                <a:defRPr kumimoji="1" sz="3600" kern="1200">
+                  <a:solidFill>
+                    <a:schemeClr val="tx1"/>
+                  </a:solidFill>
+                  <a:latin typeface="Times New Roman" pitchFamily="18" charset="0"/>
+                  <a:ea typeface="宋体" pitchFamily="2" charset="-122"/>
+                  <a:cs typeface="+mn-cs"/>
+                </a:defRPr>
+              </a:lvl6pPr>
+              <a:lvl7pPr marL="2743200" algn="l" defTabSz="914400" rtl="0" eaLnBrk="1" latinLnBrk="0" hangingPunct="1">
+                <a:defRPr kumimoji="1" sz="3600" kern="1200">
+                  <a:solidFill>
+                    <a:schemeClr val="tx1"/>
+                  </a:solidFill>
+                  <a:latin typeface="Times New Roman" pitchFamily="18" charset="0"/>
+                  <a:ea typeface="宋体" pitchFamily="2" charset="-122"/>
+                  <a:cs typeface="+mn-cs"/>
+                </a:defRPr>
+              </a:lvl7pPr>
+              <a:lvl8pPr marL="3200400" algn="l" defTabSz="914400" rtl="0" eaLnBrk="1" latinLnBrk="0" hangingPunct="1">
+                <a:defRPr kumimoji="1" sz="3600" kern="1200">
+                  <a:solidFill>
+                    <a:schemeClr val="tx1"/>
+                  </a:solidFill>
+                  <a:latin typeface="Times New Roman" pitchFamily="18" charset="0"/>
+                  <a:ea typeface="宋体" pitchFamily="2" charset="-122"/>
+                  <a:cs typeface="+mn-cs"/>
+                </a:defRPr>
+              </a:lvl8pPr>
+              <a:lvl9pPr marL="3657600" algn="l" defTabSz="914400" rtl="0" eaLnBrk="1" latinLnBrk="0" hangingPunct="1">
+                <a:defRPr kumimoji="1" sz="3600" kern="1200">
+                  <a:solidFill>
+                    <a:schemeClr val="tx1"/>
+                  </a:solidFill>
+                  <a:latin typeface="Times New Roman" pitchFamily="18" charset="0"/>
+                  <a:ea typeface="宋体" pitchFamily="2" charset="-122"/>
+                  <a:cs typeface="+mn-cs"/>
+                </a:defRPr>
+              </a:lvl9pPr>
+            </a:lstStyle>
+            <a:p>
+              <a:pPr>
+                <a:spcBef>
+                  <a:spcPct val="50000"/>
+                </a:spcBef>
+              </a:pPr>
+              <a:r>
+                <a:rPr lang="zh-CN" altLang="en-US" sz="3200" b="1" dirty="0"/>
+                <a:t> </a:t>
+              </a:r>
+              <a:r>
+                <a:rPr lang="en-US" altLang="zh-CN" sz="3200" b="1" dirty="0" err="1">
+                  <a:latin typeface="宋体" pitchFamily="2" charset="-122"/>
+                </a:rPr>
+                <a:t>σ</a:t>
+              </a:r>
+              <a:r>
+                <a:rPr lang="en-US" altLang="zh-CN" sz="1400" b="1" dirty="0" err="1"/>
+                <a:t>D</a:t>
+              </a:r>
+              <a:r>
+                <a:rPr lang="en-US" altLang="zh-CN" sz="1400" b="1" dirty="0"/>
+                <a:t>&lt;20010101</a:t>
+              </a:r>
+              <a:r>
+                <a:rPr lang="en-US" altLang="zh-CN" sz="1800" b="1" dirty="0"/>
+                <a:t> </a:t>
+              </a:r>
+              <a:endParaRPr lang="zh-CN" altLang="en-US" sz="1800" b="1" dirty="0"/>
+            </a:p>
+          </p:txBody>
+        </p:sp>
+      </p:grpSp>
+      <p:sp>
+        <p:nvSpPr>
+          <p:cNvPr id="113" name="矩形 112"/>
+          <p:cNvSpPr/>
+          <p:nvPr/>
+        </p:nvSpPr>
+        <p:spPr>
+          <a:xfrm>
+            <a:off x="405503" y="148898"/>
+            <a:ext cx="5716630" cy="837152"/>
+          </a:xfrm>
+          <a:prstGeom prst="rect">
+            <a:avLst/>
+          </a:prstGeom>
+        </p:spPr>
+        <p:txBody>
+          <a:bodyPr wrap="none">
+            <a:spAutoFit/>
+          </a:bodyPr>
+          <a:lstStyle/>
           <a:p>
-            <a:r>
-              <a:rPr lang="zh-CN" altLang="en-US" dirty="0" smtClean="0"/>
+            <a:pPr algn="just">
+              <a:lnSpc>
+                <a:spcPct val="110000"/>
+              </a:lnSpc>
+            </a:pPr>
+            <a:r>
+              <a:rPr lang="en-US" altLang="zh-CN" sz="4400" b="1" dirty="0">
+                <a:latin typeface="幼圆" pitchFamily="49" charset="-122"/>
+                <a:ea typeface="幼圆" pitchFamily="49" charset="-122"/>
+              </a:rPr>
+              <a:t>π</a:t>
+            </a:r>
+            <a:r>
+              <a:rPr lang="en-US" altLang="zh-CN" sz="1400" b="1" dirty="0">
+                <a:latin typeface="幼圆" pitchFamily="49" charset="-122"/>
+                <a:ea typeface="幼圆" pitchFamily="49" charset="-122"/>
+              </a:rPr>
+              <a:t>T, </a:t>
+            </a:r>
+            <a:r>
+              <a:rPr lang="en-US" altLang="zh-CN" sz="1400" b="1" dirty="0" err="1" smtClean="0">
+                <a:latin typeface="幼圆" pitchFamily="49" charset="-122"/>
+                <a:ea typeface="幼圆" pitchFamily="49" charset="-122"/>
+              </a:rPr>
+              <a:t>N</a:t>
+            </a:r>
+            <a:r>
+              <a:rPr lang="en-US" altLang="zh-CN" sz="3200" b="1" dirty="0" err="1" smtClean="0">
+                <a:latin typeface="幼圆" pitchFamily="49" charset="-122"/>
+                <a:ea typeface="幼圆" pitchFamily="49" charset="-122"/>
+              </a:rPr>
               <a:t>（</a:t>
             </a:r>
             <a:r>
-              <a:rPr lang="en-US" altLang="zh-CN" dirty="0" smtClean="0"/>
-              <a:t>1</a:t>
-            </a:r>
-            <a:r>
-              <a:rPr lang="zh-CN" altLang="en-US" dirty="0" smtClean="0"/>
+              <a:rPr lang="en-US" altLang="zh-CN" sz="4400" b="1" dirty="0" err="1" smtClean="0">
+                <a:latin typeface="幼圆" pitchFamily="49" charset="-122"/>
+                <a:ea typeface="幼圆" pitchFamily="49" charset="-122"/>
+              </a:rPr>
+              <a:t>σ</a:t>
+            </a:r>
+            <a:r>
+              <a:rPr lang="en-US" altLang="zh-CN" sz="1400" b="1" dirty="0" err="1" smtClean="0">
+                <a:latin typeface="幼圆" pitchFamily="49" charset="-122"/>
+                <a:ea typeface="幼圆" pitchFamily="49" charset="-122"/>
+              </a:rPr>
+              <a:t>D</a:t>
+            </a:r>
+            <a:r>
+              <a:rPr lang="en-US" altLang="zh-CN" sz="1400" b="1" dirty="0" smtClean="0">
+                <a:latin typeface="幼圆" pitchFamily="49" charset="-122"/>
+                <a:ea typeface="幼圆" pitchFamily="49" charset="-122"/>
+              </a:rPr>
+              <a:t>&lt;20010101</a:t>
+            </a:r>
+            <a:r>
+              <a:rPr lang="en-US" altLang="zh-CN" sz="3200" b="1" dirty="0" smtClean="0">
+                <a:latin typeface="幼圆" pitchFamily="49" charset="-122"/>
+                <a:ea typeface="幼圆" pitchFamily="49" charset="-122"/>
+              </a:rPr>
+              <a:t>（B×S×L）</a:t>
+            </a:r>
+            <a:r>
+              <a:rPr lang="en-US" altLang="zh-CN" sz="3600" b="1" dirty="0" smtClean="0">
+                <a:latin typeface="幼圆" pitchFamily="49" charset="-122"/>
+                <a:ea typeface="幼圆" pitchFamily="49" charset="-122"/>
+              </a:rPr>
               <a:t>）</a:t>
             </a:r>
-            <a:r>
-              <a:rPr lang="en-US" altLang="zh-CN" b="1" dirty="0" smtClean="0"/>
-              <a:t>UDF</a:t>
-            </a:r>
-            <a:r>
-              <a:rPr lang="zh-CN" altLang="en-US" b="1" dirty="0" smtClean="0"/>
-              <a:t>很流行</a:t>
-            </a:r>
-            <a:r>
-              <a:rPr lang="zh-CN" altLang="en-US" dirty="0" smtClean="0"/>
-              <a:t>、</a:t>
-            </a:r>
-            <a:r>
-              <a:rPr lang="en-US" altLang="zh-CN" dirty="0" smtClean="0"/>
-              <a:t>Shark</a:t>
-            </a:r>
-            <a:r>
-              <a:rPr lang="zh-CN" altLang="en-US" dirty="0" smtClean="0"/>
-              <a:t>上执行</a:t>
-            </a:r>
-            <a:r>
-              <a:rPr lang="zh-CN" altLang="en-US" b="1" dirty="0" smtClean="0"/>
-              <a:t>复杂</a:t>
-            </a:r>
-            <a:r>
-              <a:rPr lang="zh-CN" altLang="en-US" b="1" dirty="0" smtClean="0"/>
-              <a:t>分析</a:t>
-            </a:r>
-            <a:r>
-              <a:rPr lang="zh-CN" altLang="en-US" b="1" dirty="0" smtClean="0"/>
-              <a:t>功能</a:t>
-            </a:r>
-            <a:r>
-              <a:rPr lang="zh-CN" altLang="en-US" dirty="0" smtClean="0"/>
-              <a:t>（如机器学习、数据挖掘、图计算等），使得</a:t>
-            </a:r>
-            <a:r>
-              <a:rPr lang="zh-CN" altLang="en-US" dirty="0" smtClean="0"/>
-              <a:t>难以在编译的时候确定优化策略，特别是新数据没有经过</a:t>
-            </a:r>
-            <a:r>
-              <a:rPr lang="en-US" altLang="zh-CN" dirty="0" smtClean="0"/>
-              <a:t>ETL</a:t>
-            </a:r>
-            <a:r>
-              <a:rPr lang="zh-CN" altLang="en-US" dirty="0" smtClean="0"/>
-              <a:t>的情况（也即</a:t>
-            </a:r>
-            <a:r>
-              <a:rPr lang="zh-CN" altLang="en-US" b="1" dirty="0" smtClean="0"/>
-              <a:t>缺少对这部分数据的统计信息</a:t>
-            </a:r>
-            <a:r>
-              <a:rPr lang="zh-CN" altLang="en-US" dirty="0" smtClean="0"/>
-              <a:t>）</a:t>
-            </a:r>
-            <a:r>
-              <a:rPr lang="zh-CN" altLang="en-US" dirty="0" smtClean="0"/>
-              <a:t>？</a:t>
-            </a:r>
-            <a:endParaRPr lang="en-US" altLang="zh-CN" dirty="0" smtClean="0"/>
-          </a:p>
-          <a:p>
-            <a:r>
-              <a:rPr lang="zh-CN" altLang="en-US" dirty="0" smtClean="0"/>
-              <a:t>（</a:t>
-            </a:r>
-            <a:r>
-              <a:rPr lang="en-US" altLang="zh-CN" dirty="0" smtClean="0"/>
-              <a:t>2</a:t>
-            </a:r>
-            <a:r>
-              <a:rPr lang="zh-CN" altLang="en-US" dirty="0" smtClean="0"/>
-              <a:t>）直接在</a:t>
-            </a:r>
-            <a:r>
-              <a:rPr lang="en-US" altLang="zh-CN" dirty="0" smtClean="0"/>
-              <a:t>Spark</a:t>
-            </a:r>
-            <a:r>
-              <a:rPr lang="zh-CN" altLang="en-US" dirty="0" smtClean="0"/>
-              <a:t>的</a:t>
-            </a:r>
-            <a:r>
-              <a:rPr lang="en-US" altLang="zh-CN" dirty="0" smtClean="0"/>
-              <a:t>RDD</a:t>
-            </a:r>
-            <a:r>
-              <a:rPr lang="zh-CN" altLang="en-US" dirty="0" smtClean="0"/>
-              <a:t>上执行</a:t>
-            </a:r>
-            <a:r>
-              <a:rPr lang="en-US" altLang="zh-CN" dirty="0" smtClean="0"/>
-              <a:t>SQL</a:t>
-            </a:r>
-            <a:r>
-              <a:rPr lang="zh-CN" altLang="en-US" dirty="0" smtClean="0"/>
-              <a:t>是低效的</a:t>
-            </a:r>
-            <a:r>
-              <a:rPr lang="zh-CN" altLang="en-US" dirty="0" smtClean="0">
-                <a:solidFill>
-                  <a:srgbClr val="FF0000"/>
-                </a:solidFill>
-              </a:rPr>
-              <a:t>（加些例子）</a:t>
-            </a:r>
-            <a:r>
-              <a:rPr lang="zh-CN" altLang="en-US" dirty="0" smtClean="0"/>
-              <a:t>。</a:t>
-            </a:r>
-            <a:endParaRPr lang="en-US" altLang="zh-CN" dirty="0" smtClean="0"/>
-          </a:p>
-          <a:p>
-            <a:r>
-              <a:rPr lang="zh-CN" altLang="en-US" dirty="0" smtClean="0"/>
-              <a:t>提出的优化机制：在 </a:t>
-            </a:r>
-            <a:r>
-              <a:rPr lang="zh-CN" altLang="en-US" b="1" dirty="0" smtClean="0"/>
-              <a:t>运行时</a:t>
-            </a:r>
-            <a:r>
-              <a:rPr lang="zh-CN" altLang="en-US" dirty="0" smtClean="0"/>
-              <a:t> 进行“动态的、统计驱动的”再优化。</a:t>
-            </a:r>
-            <a:endParaRPr lang="zh-CN" altLang="en-US" dirty="0"/>
+            <a:endParaRPr lang="en-US" altLang="zh-CN" sz="3600" b="1" dirty="0">
+              <a:latin typeface="幼圆" pitchFamily="49" charset="-122"/>
+              <a:ea typeface="幼圆" pitchFamily="49" charset="-122"/>
+            </a:endParaRPr>
           </a:p>
         </p:txBody>
       </p:sp>
     </p:spTree>
     <p:extLst>
       <p:ext uri="{BB962C8B-B14F-4D97-AF65-F5344CB8AC3E}">
-        <p14:creationId xmlns:p14="http://schemas.microsoft.com/office/powerpoint/2010/main" val="3771789783"/>
+        <p14:creationId xmlns:p14="http://schemas.microsoft.com/office/powerpoint/2010/main" val="236415203"/>
       </p:ext>
     </p:extLst>
   </p:cSld>
   <p:clrMapOvr>
     <a:masterClrMapping/>
   </p:clrMapOvr>
-  <p:timing>
-    <p:tnLst>
-      <p:par>
-        <p:cTn id="1" dur="indefinite" restart="never" nodeType="tmRoot"/>
-      </p:par>
-    </p:tnLst>
-  </p:timing>
 </p:sld>
 </file>
 
@@ -34622,7 +41194,15 @@
           <a:bodyPr/>
           <a:lstStyle/>
           <a:p>
-            <a:endParaRPr lang="zh-CN" altLang="en-US"/>
+            <a:r>
+              <a:rPr lang="zh-CN" altLang="en-US" dirty="0" smtClean="0"/>
+              <a:t>三、引擎</a:t>
+            </a:r>
+            <a:r>
+              <a:rPr lang="zh-CN" altLang="en-US" dirty="0" smtClean="0"/>
+              <a:t>扩展</a:t>
+            </a:r>
+            <a:endParaRPr lang="zh-CN" altLang="en-US" dirty="0"/>
           </a:p>
         </p:txBody>
       </p:sp>
@@ -34638,17 +41218,277 @@
         </p:nvSpPr>
         <p:spPr/>
         <p:txBody>
-          <a:bodyPr/>
+          <a:bodyPr>
+            <a:normAutofit/>
+          </a:bodyPr>
           <a:lstStyle/>
           <a:p>
-            <a:endParaRPr lang="zh-CN" altLang="en-US"/>
+            <a:endParaRPr lang="zh-CN" altLang="en-US" dirty="0"/>
           </a:p>
         </p:txBody>
       </p:sp>
     </p:spTree>
     <p:extLst>
       <p:ext uri="{BB962C8B-B14F-4D97-AF65-F5344CB8AC3E}">
-        <p14:creationId xmlns:p14="http://schemas.microsoft.com/office/powerpoint/2010/main" val="1661457862"/>
+        <p14:creationId xmlns:p14="http://schemas.microsoft.com/office/powerpoint/2010/main" val="3771789783"/>
+      </p:ext>
+    </p:extLst>
+  </p:cSld>
+  <p:clrMapOvr>
+    <a:masterClrMapping/>
+  </p:clrMapOvr>
+  <p:timing>
+    <p:tnLst>
+      <p:par>
+        <p:cTn id="1" dur="indefinite" restart="never" nodeType="tmRoot"/>
+      </p:par>
+    </p:tnLst>
+  </p:timing>
+</p:sld>
+</file>
+
+<file path=ppt/slides/slide29.xml><?xml version="1.0" encoding="utf-8"?>
+<p:sld xmlns:a="http://schemas.openxmlformats.org/drawingml/2006/main" xmlns:r="http://schemas.openxmlformats.org/officeDocument/2006/relationships" xmlns:p="http://schemas.openxmlformats.org/presentationml/2006/main">
+  <p:cSld>
+    <p:spTree>
+      <p:nvGrpSpPr>
+        <p:cNvPr id="1" name=""/>
+        <p:cNvGrpSpPr/>
+        <p:nvPr/>
+      </p:nvGrpSpPr>
+      <p:grpSpPr>
+        <a:xfrm>
+          <a:off x="0" y="0"/>
+          <a:ext cx="0" cy="0"/>
+          <a:chOff x="0" y="0"/>
+          <a:chExt cx="0" cy="0"/>
+        </a:xfrm>
+      </p:grpSpPr>
+      <p:sp>
+        <p:nvSpPr>
+          <p:cNvPr id="2" name="标题 1"/>
+          <p:cNvSpPr>
+            <a:spLocks noGrp="1"/>
+          </p:cNvSpPr>
+          <p:nvPr>
+            <p:ph type="title"/>
+          </p:nvPr>
+        </p:nvSpPr>
+        <p:spPr/>
+        <p:txBody>
+          <a:bodyPr/>
+          <a:lstStyle/>
+          <a:p>
+            <a:r>
+              <a:rPr lang="en-US" altLang="zh-CN" dirty="0" smtClean="0"/>
+              <a:t>PDE</a:t>
+            </a:r>
+            <a:endParaRPr lang="zh-CN" altLang="en-US" dirty="0"/>
+          </a:p>
+        </p:txBody>
+      </p:sp>
+      <p:sp>
+        <p:nvSpPr>
+          <p:cNvPr id="3" name="内容占位符 2"/>
+          <p:cNvSpPr>
+            <a:spLocks noGrp="1"/>
+          </p:cNvSpPr>
+          <p:nvPr>
+            <p:ph idx="1"/>
+          </p:nvPr>
+        </p:nvSpPr>
+        <p:spPr/>
+        <p:txBody>
+          <a:bodyPr>
+            <a:normAutofit fontScale="92500"/>
+          </a:bodyPr>
+          <a:lstStyle/>
+          <a:p>
+            <a:r>
+              <a:rPr lang="zh-CN" altLang="en-US" dirty="0"/>
+              <a:t>有效地在</a:t>
+            </a:r>
+            <a:r>
+              <a:rPr lang="en-US" altLang="zh-CN" dirty="0" smtClean="0"/>
+              <a:t>RDD</a:t>
+            </a:r>
+            <a:r>
+              <a:rPr lang="zh-CN" altLang="en-US" dirty="0" smtClean="0"/>
+              <a:t>上执行</a:t>
+            </a:r>
+            <a:r>
+              <a:rPr lang="en-US" altLang="zh-CN" dirty="0" smtClean="0"/>
+              <a:t>SQL</a:t>
+            </a:r>
+            <a:r>
+              <a:rPr lang="zh-CN" altLang="en-US" dirty="0" smtClean="0"/>
+              <a:t>有难度。原因：</a:t>
+            </a:r>
+            <a:endParaRPr lang="en-US" altLang="zh-CN" dirty="0" smtClean="0"/>
+          </a:p>
+          <a:p>
+            <a:pPr marL="514350" indent="-514350">
+              <a:buFont typeface="+mj-lt"/>
+              <a:buAutoNum type="arabicPeriod"/>
+            </a:pPr>
+            <a:r>
+              <a:rPr lang="zh-CN" altLang="en-US" dirty="0" smtClean="0"/>
+              <a:t>（</a:t>
+            </a:r>
+            <a:r>
+              <a:rPr lang="en-US" altLang="zh-CN" dirty="0" smtClean="0"/>
+              <a:t>1</a:t>
+            </a:r>
+            <a:r>
+              <a:rPr lang="zh-CN" altLang="en-US" dirty="0" smtClean="0"/>
+              <a:t>）</a:t>
+            </a:r>
+            <a:r>
+              <a:rPr lang="zh-CN" altLang="en-US" b="1" dirty="0" smtClean="0"/>
+              <a:t>流行的</a:t>
+            </a:r>
+            <a:r>
+              <a:rPr lang="en-US" altLang="zh-CN" b="1" dirty="0" smtClean="0"/>
+              <a:t>UDF</a:t>
+            </a:r>
+            <a:r>
+              <a:rPr lang="zh-CN" altLang="en-US" dirty="0" smtClean="0"/>
+              <a:t>、</a:t>
+            </a:r>
+            <a:r>
+              <a:rPr lang="en-US" altLang="zh-CN" dirty="0" smtClean="0"/>
+              <a:t>Shark</a:t>
+            </a:r>
+            <a:r>
+              <a:rPr lang="zh-CN" altLang="en-US" dirty="0" smtClean="0"/>
+              <a:t>上</a:t>
+            </a:r>
+            <a:r>
+              <a:rPr lang="zh-CN" altLang="en-US" b="1" dirty="0" smtClean="0"/>
+              <a:t>复杂</a:t>
+            </a:r>
+            <a:r>
+              <a:rPr lang="zh-CN" altLang="en-US" b="1" dirty="0" smtClean="0"/>
+              <a:t>分析功能</a:t>
+            </a:r>
+            <a:r>
+              <a:rPr lang="zh-CN" altLang="en-US" dirty="0" smtClean="0"/>
+              <a:t>（如机器学习、数据挖掘、图计算等），使得难以在编译的时候确定优化策略，特别是新数据没有经过</a:t>
+            </a:r>
+            <a:r>
+              <a:rPr lang="en-US" altLang="zh-CN" dirty="0" smtClean="0"/>
+              <a:t>ETL</a:t>
+            </a:r>
+            <a:r>
+              <a:rPr lang="zh-CN" altLang="en-US" dirty="0" smtClean="0"/>
+              <a:t>的情况（也即</a:t>
+            </a:r>
+            <a:r>
+              <a:rPr lang="zh-CN" altLang="en-US" b="1" dirty="0" smtClean="0"/>
+              <a:t>缺少对这部分数据的统计信息</a:t>
+            </a:r>
+            <a:r>
+              <a:rPr lang="zh-CN" altLang="en-US" dirty="0" smtClean="0"/>
+              <a:t>）？</a:t>
+            </a:r>
+            <a:endParaRPr lang="en-US" altLang="zh-CN" dirty="0" smtClean="0"/>
+          </a:p>
+          <a:p>
+            <a:pPr marL="514350" indent="-514350">
+              <a:buFont typeface="+mj-lt"/>
+              <a:buAutoNum type="arabicPeriod"/>
+            </a:pPr>
+            <a:r>
+              <a:rPr lang="zh-CN" altLang="en-US" dirty="0" smtClean="0"/>
+              <a:t>（</a:t>
+            </a:r>
+            <a:r>
+              <a:rPr lang="en-US" altLang="zh-CN" dirty="0" smtClean="0"/>
+              <a:t>2</a:t>
+            </a:r>
+            <a:r>
+              <a:rPr lang="zh-CN" altLang="en-US" dirty="0" smtClean="0"/>
+              <a:t>）直接在</a:t>
+            </a:r>
+            <a:r>
+              <a:rPr lang="en-US" altLang="zh-CN" dirty="0" smtClean="0"/>
+              <a:t>Spark</a:t>
+            </a:r>
+            <a:r>
+              <a:rPr lang="zh-CN" altLang="en-US" dirty="0" smtClean="0"/>
+              <a:t>的</a:t>
+            </a:r>
+            <a:r>
+              <a:rPr lang="en-US" altLang="zh-CN" dirty="0" smtClean="0"/>
+              <a:t>RDD</a:t>
+            </a:r>
+            <a:r>
+              <a:rPr lang="zh-CN" altLang="en-US" dirty="0" smtClean="0"/>
+              <a:t>上执行</a:t>
+            </a:r>
+            <a:r>
+              <a:rPr lang="en-US" altLang="zh-CN" dirty="0" smtClean="0"/>
+              <a:t>SQL</a:t>
+            </a:r>
+            <a:r>
+              <a:rPr lang="zh-CN" altLang="en-US" dirty="0" smtClean="0"/>
+              <a:t>是低效</a:t>
+            </a:r>
+            <a:r>
+              <a:rPr lang="zh-CN" altLang="en-US" dirty="0" smtClean="0"/>
+              <a:t>的。</a:t>
+            </a:r>
+            <a:endParaRPr lang="en-US" altLang="zh-CN" dirty="0" smtClean="0"/>
+          </a:p>
+          <a:p>
+            <a:r>
+              <a:rPr lang="zh-CN" altLang="en-US" dirty="0" smtClean="0"/>
+              <a:t>提出的优化</a:t>
+            </a:r>
+            <a:r>
+              <a:rPr lang="zh-CN" altLang="en-US" dirty="0" smtClean="0"/>
+              <a:t>机制：</a:t>
+            </a:r>
+            <a:r>
+              <a:rPr lang="zh-CN" altLang="en-US" dirty="0" smtClean="0"/>
+              <a:t>在 </a:t>
+            </a:r>
+            <a:r>
+              <a:rPr lang="zh-CN" altLang="en-US" b="1" dirty="0" smtClean="0"/>
+              <a:t>运行时</a:t>
+            </a:r>
+            <a:r>
+              <a:rPr lang="zh-CN" altLang="en-US" dirty="0" smtClean="0"/>
+              <a:t> 进行“动态的、统计</a:t>
+            </a:r>
+            <a:r>
+              <a:rPr lang="zh-CN" altLang="en-US" dirty="0" smtClean="0"/>
+              <a:t>驱动</a:t>
+            </a:r>
+            <a:r>
+              <a:rPr lang="zh-CN" altLang="en-US" dirty="0" smtClean="0"/>
+              <a:t>”</a:t>
+            </a:r>
+            <a:r>
+              <a:rPr lang="zh-CN" altLang="en-US" dirty="0"/>
+              <a:t>的再</a:t>
+            </a:r>
+            <a:r>
+              <a:rPr lang="zh-CN" altLang="en-US" dirty="0" smtClean="0"/>
+              <a:t>优化</a:t>
+            </a:r>
+            <a:r>
+              <a:rPr lang="zh-CN" altLang="en-US" dirty="0" smtClean="0"/>
+              <a:t>。</a:t>
+            </a:r>
+            <a:endParaRPr lang="zh-CN" altLang="en-US" dirty="0"/>
+          </a:p>
+        </p:txBody>
+      </p:sp>
+    </p:spTree>
+    <p:extLst>
+      <p:ext uri="{BB962C8B-B14F-4D97-AF65-F5344CB8AC3E}">
+        <p14:creationId xmlns:p14="http://schemas.microsoft.com/office/powerpoint/2010/main" val="2916353179"/>
       </p:ext>
     </p:extLst>
   </p:cSld>
@@ -34714,7 +41554,7 @@
         <p:spPr/>
         <p:txBody>
           <a:bodyPr>
-            <a:normAutofit fontScale="62500" lnSpcReduction="20000"/>
+            <a:normAutofit fontScale="70000" lnSpcReduction="20000"/>
           </a:bodyPr>
           <a:lstStyle/>
           <a:p>
@@ -34812,11 +41652,7 @@
             </a:r>
             <a:r>
               <a:rPr lang="zh-CN" altLang="en-US" dirty="0" smtClean="0"/>
-              <a:t>依赖</a:t>
-            </a:r>
-            <a:r>
-              <a:rPr lang="zh-CN" altLang="en-US" dirty="0" smtClean="0"/>
-              <a:t>类型</a:t>
+              <a:t>依赖类型</a:t>
             </a:r>
             <a:endParaRPr lang="en-US" altLang="zh-CN" dirty="0" smtClean="0"/>
           </a:p>
@@ -34899,24 +41735,11 @@
             </a:r>
             <a:r>
               <a:rPr lang="en-US" altLang="zh-CN" dirty="0" smtClean="0"/>
-              <a:t>. </a:t>
+              <a:t>. Hive VS </a:t>
             </a:r>
             <a:r>
               <a:rPr lang="en-US" altLang="zh-CN" dirty="0" smtClean="0"/>
-              <a:t>Hive </a:t>
-            </a:r>
-            <a:r>
-              <a:rPr lang="en-US" altLang="zh-CN" dirty="0" smtClean="0"/>
-              <a:t>VS Shark</a:t>
-            </a:r>
-          </a:p>
-          <a:p>
-            <a:pPr marL="971550" lvl="1" indent="-514350">
-              <a:buNone/>
-            </a:pPr>
-            <a:r>
-              <a:rPr lang="en-US" altLang="zh-CN" dirty="0" smtClean="0"/>
-              <a:t>2. Spark</a:t>
+              <a:t>Shark</a:t>
             </a:r>
             <a:endParaRPr lang="en-US" altLang="zh-CN" dirty="0" smtClean="0"/>
           </a:p>
@@ -34926,28 +41749,11 @@
             </a:pPr>
             <a:r>
               <a:rPr lang="en-US" altLang="zh-CN" dirty="0" smtClean="0"/>
-              <a:t>3</a:t>
+              <a:t>2. </a:t>
             </a:r>
             <a:r>
               <a:rPr lang="zh-CN" altLang="en-US" dirty="0" smtClean="0"/>
-              <a:t>、</a:t>
-            </a:r>
-            <a:r>
-              <a:rPr lang="en-US" altLang="zh-CN" dirty="0" smtClean="0"/>
-              <a:t>Resilient Distributed Datasets(RDDs)</a:t>
-            </a:r>
-          </a:p>
-          <a:p>
-            <a:pPr marL="971550" lvl="1" indent="-514350">
-              <a:buNone/>
-            </a:pPr>
-            <a:r>
-              <a:rPr lang="en-US" altLang="zh-CN" dirty="0" smtClean="0"/>
-              <a:t>4</a:t>
-            </a:r>
-            <a:r>
-              <a:rPr lang="zh-CN" altLang="en-US" dirty="0" smtClean="0"/>
-              <a:t>、容错</a:t>
+              <a:t>容错</a:t>
             </a:r>
             <a:endParaRPr lang="en-US" altLang="zh-CN" dirty="0" smtClean="0"/>
           </a:p>
@@ -34957,11 +41763,7 @@
             </a:pPr>
             <a:r>
               <a:rPr lang="en-US" altLang="zh-CN" dirty="0" smtClean="0"/>
-              <a:t>5</a:t>
-            </a:r>
-            <a:r>
-              <a:rPr lang="zh-CN" altLang="en-US" dirty="0" smtClean="0"/>
-              <a:t>、在</a:t>
+              <a:t>3. </a:t>
             </a:r>
             <a:r>
               <a:rPr lang="en-US" altLang="zh-CN" dirty="0" smtClean="0"/>
@@ -34992,7 +41794,7 @@
         <p:spPr/>
         <p:txBody>
           <a:bodyPr>
-            <a:normAutofit fontScale="62500" lnSpcReduction="20000"/>
+            <a:normAutofit fontScale="70000" lnSpcReduction="20000"/>
           </a:bodyPr>
           <a:lstStyle/>
           <a:p>
@@ -35001,7 +41803,11 @@
             </a:pPr>
             <a:r>
               <a:rPr lang="zh-CN" altLang="en-US" dirty="0" smtClean="0"/>
-              <a:t>三、引擎扩展</a:t>
+              <a:t>四、</a:t>
+            </a:r>
+            <a:r>
+              <a:rPr lang="zh-CN" altLang="en-US" dirty="0" smtClean="0"/>
+              <a:t>引擎扩展</a:t>
             </a:r>
             <a:endParaRPr lang="en-US" altLang="zh-CN" dirty="0" smtClean="0"/>
           </a:p>
@@ -35014,20 +41820,12 @@
               <a:t>1</a:t>
             </a:r>
             <a:r>
-              <a:rPr lang="zh-CN" altLang="en-US" dirty="0" smtClean="0"/>
-              <a:t>、局部</a:t>
-            </a:r>
-            <a:r>
               <a:rPr lang="en-US" altLang="zh-CN" dirty="0" smtClean="0"/>
-              <a:t>DAG</a:t>
-            </a:r>
-            <a:r>
-              <a:rPr lang="zh-CN" altLang="en-US" dirty="0" smtClean="0"/>
-              <a:t>执行</a:t>
+              <a:t>. </a:t>
             </a:r>
             <a:r>
               <a:rPr lang="en-US" altLang="zh-CN" dirty="0" smtClean="0"/>
-              <a:t>(Partial DAG Execution (PDE))</a:t>
+              <a:t>PDE</a:t>
             </a:r>
           </a:p>
           <a:p>
@@ -35039,8 +41837,8 @@
               <a:t>1</a:t>
             </a:r>
             <a:r>
-              <a:rPr lang="zh-CN" altLang="en-US" dirty="0" smtClean="0"/>
-              <a:t>）、</a:t>
+              <a:rPr lang="en-US" altLang="zh-CN" dirty="0" smtClean="0"/>
+              <a:t>). </a:t>
             </a:r>
             <a:r>
               <a:rPr lang="en-US" altLang="zh-CN" dirty="0" smtClean="0"/>
@@ -35058,19 +41856,23 @@
             </a:pPr>
             <a:r>
               <a:rPr lang="en-US" altLang="zh-CN" dirty="0" smtClean="0"/>
-              <a:t>2</a:t>
+              <a:t>2). </a:t>
             </a:r>
             <a:r>
               <a:rPr lang="zh-CN" altLang="en-US" dirty="0" smtClean="0"/>
-              <a:t>）、</a:t>
-            </a:r>
-            <a:r>
-              <a:rPr lang="en-US" altLang="zh-CN" dirty="0" smtClean="0"/>
-              <a:t>Skew-handling </a:t>
+              <a:t>斜</a:t>
+            </a:r>
+            <a:r>
+              <a:rPr lang="zh-CN" altLang="en-US" dirty="0"/>
+              <a:t>处理</a:t>
             </a:r>
             <a:r>
               <a:rPr lang="zh-CN" altLang="en-US" dirty="0" smtClean="0"/>
-              <a:t>和并行度</a:t>
+              <a:t>和</a:t>
+            </a:r>
+            <a:r>
+              <a:rPr lang="zh-CN" altLang="en-US" dirty="0" smtClean="0"/>
+              <a:t>并行度</a:t>
             </a:r>
             <a:endParaRPr lang="en-US" altLang="zh-CN" dirty="0" smtClean="0"/>
           </a:p>
@@ -35080,11 +41882,15 @@
             </a:pPr>
             <a:r>
               <a:rPr lang="en-US" altLang="zh-CN" dirty="0" smtClean="0"/>
-              <a:t>2</a:t>
+              <a:t>2. </a:t>
             </a:r>
             <a:r>
               <a:rPr lang="zh-CN" altLang="en-US" dirty="0" smtClean="0"/>
-              <a:t>、内存列存储</a:t>
+              <a:t>内存</a:t>
+            </a:r>
+            <a:r>
+              <a:rPr lang="zh-CN" altLang="en-US" dirty="0" smtClean="0"/>
+              <a:t>列存储</a:t>
             </a:r>
             <a:endParaRPr lang="en-US" altLang="zh-CN" dirty="0" smtClean="0"/>
           </a:p>
@@ -35094,11 +41900,15 @@
             </a:pPr>
             <a:r>
               <a:rPr lang="en-US" altLang="zh-CN" dirty="0" smtClean="0"/>
-              <a:t>3</a:t>
+              <a:t>3. </a:t>
             </a:r>
             <a:r>
               <a:rPr lang="zh-CN" altLang="en-US" dirty="0" smtClean="0"/>
-              <a:t>、分布式数据加载</a:t>
+              <a:t>分布式</a:t>
+            </a:r>
+            <a:r>
+              <a:rPr lang="zh-CN" altLang="en-US" dirty="0" smtClean="0"/>
+              <a:t>数据加载</a:t>
             </a:r>
             <a:endParaRPr lang="en-US" altLang="zh-CN" dirty="0" smtClean="0"/>
           </a:p>
@@ -35108,11 +41918,15 @@
             </a:pPr>
             <a:r>
               <a:rPr lang="en-US" altLang="zh-CN" dirty="0" smtClean="0"/>
-              <a:t>4</a:t>
+              <a:t>4. </a:t>
             </a:r>
             <a:r>
               <a:rPr lang="zh-CN" altLang="en-US" dirty="0" smtClean="0"/>
-              <a:t>、数据协同分区</a:t>
+              <a:t>数据</a:t>
+            </a:r>
+            <a:r>
+              <a:rPr lang="zh-CN" altLang="en-US" dirty="0" smtClean="0"/>
+              <a:t>协同分区</a:t>
             </a:r>
             <a:endParaRPr lang="en-US" altLang="zh-CN" dirty="0" smtClean="0"/>
           </a:p>
@@ -35122,11 +41936,15 @@
             </a:pPr>
             <a:r>
               <a:rPr lang="en-US" altLang="zh-CN" dirty="0" smtClean="0"/>
-              <a:t>5</a:t>
+              <a:t>5. </a:t>
             </a:r>
             <a:r>
               <a:rPr lang="zh-CN" altLang="en-US" dirty="0" smtClean="0"/>
-              <a:t>、分区统计和</a:t>
+              <a:t>分区</a:t>
+            </a:r>
+            <a:r>
+              <a:rPr lang="zh-CN" altLang="en-US" dirty="0" smtClean="0"/>
+              <a:t>统计和</a:t>
             </a:r>
             <a:r>
               <a:rPr lang="en-US" altLang="zh-CN" dirty="0" smtClean="0"/>
@@ -35144,7 +41962,11 @@
             </a:pPr>
             <a:r>
               <a:rPr lang="zh-CN" altLang="en-US" dirty="0" smtClean="0"/>
-              <a:t>四、机器学习支持</a:t>
+              <a:t>五、</a:t>
+            </a:r>
+            <a:r>
+              <a:rPr lang="zh-CN" altLang="en-US" dirty="0" smtClean="0"/>
+              <a:t>机器学习支持</a:t>
             </a:r>
             <a:endParaRPr lang="en-US" altLang="zh-CN" dirty="0" smtClean="0"/>
           </a:p>
@@ -35154,11 +41976,15 @@
             </a:pPr>
             <a:r>
               <a:rPr lang="en-US" altLang="zh-CN" dirty="0" smtClean="0"/>
-              <a:t>1</a:t>
+              <a:t>1. </a:t>
             </a:r>
             <a:r>
               <a:rPr lang="zh-CN" altLang="en-US" dirty="0" smtClean="0"/>
-              <a:t>、语言集成</a:t>
+              <a:t>语言</a:t>
+            </a:r>
+            <a:r>
+              <a:rPr lang="zh-CN" altLang="en-US" dirty="0" smtClean="0"/>
+              <a:t>集成</a:t>
             </a:r>
             <a:endParaRPr lang="en-US" altLang="zh-CN" dirty="0" smtClean="0"/>
           </a:p>
@@ -35168,11 +41994,15 @@
             </a:pPr>
             <a:r>
               <a:rPr lang="en-US" altLang="zh-CN" dirty="0" smtClean="0"/>
-              <a:t>2</a:t>
+              <a:t>2. </a:t>
             </a:r>
             <a:r>
               <a:rPr lang="zh-CN" altLang="en-US" dirty="0" smtClean="0"/>
-              <a:t>、执行引擎集成</a:t>
+              <a:t>执行</a:t>
+            </a:r>
+            <a:r>
+              <a:rPr lang="zh-CN" altLang="en-US" dirty="0" smtClean="0"/>
+              <a:t>引擎集成</a:t>
             </a:r>
             <a:endParaRPr lang="en-US" altLang="zh-CN" dirty="0" smtClean="0"/>
           </a:p>
@@ -35182,7 +42012,11 @@
             </a:pPr>
             <a:r>
               <a:rPr lang="zh-CN" altLang="en-US" dirty="0" smtClean="0"/>
-              <a:t>五、实现</a:t>
+              <a:t>六、</a:t>
+            </a:r>
+            <a:r>
+              <a:rPr lang="zh-CN" altLang="en-US" dirty="0" smtClean="0"/>
+              <a:t>实现</a:t>
             </a:r>
             <a:endParaRPr lang="en-US" altLang="zh-CN" dirty="0" smtClean="0"/>
           </a:p>
@@ -35192,7 +42026,11 @@
             </a:pPr>
             <a:r>
               <a:rPr lang="zh-CN" altLang="en-US" dirty="0" smtClean="0"/>
-              <a:t>六、实验</a:t>
+              <a:t>七、</a:t>
+            </a:r>
+            <a:r>
+              <a:rPr lang="zh-CN" altLang="en-US" dirty="0" smtClean="0"/>
+              <a:t>实验</a:t>
             </a:r>
             <a:endParaRPr lang="zh-CN" altLang="en-US" dirty="0"/>
           </a:p>
@@ -35208,6 +42046,1078 @@
   <p:clrMapOvr>
     <a:masterClrMapping/>
   </p:clrMapOvr>
+</p:sld>
+</file>
+
+<file path=ppt/slides/slide30.xml><?xml version="1.0" encoding="utf-8"?>
+<p:sld xmlns:a="http://schemas.openxmlformats.org/drawingml/2006/main" xmlns:r="http://schemas.openxmlformats.org/officeDocument/2006/relationships" xmlns:p="http://schemas.openxmlformats.org/presentationml/2006/main">
+  <p:cSld>
+    <p:spTree>
+      <p:nvGrpSpPr>
+        <p:cNvPr id="1" name=""/>
+        <p:cNvGrpSpPr/>
+        <p:nvPr/>
+      </p:nvGrpSpPr>
+      <p:grpSpPr>
+        <a:xfrm>
+          <a:off x="0" y="0"/>
+          <a:ext cx="0" cy="0"/>
+          <a:chOff x="0" y="0"/>
+          <a:chExt cx="0" cy="0"/>
+        </a:xfrm>
+      </p:grpSpPr>
+      <p:sp>
+        <p:nvSpPr>
+          <p:cNvPr id="2" name="标题 1"/>
+          <p:cNvSpPr>
+            <a:spLocks noGrp="1"/>
+          </p:cNvSpPr>
+          <p:nvPr>
+            <p:ph type="title"/>
+          </p:nvPr>
+        </p:nvSpPr>
+        <p:spPr/>
+        <p:txBody>
+          <a:bodyPr/>
+          <a:lstStyle/>
+          <a:p>
+            <a:r>
+              <a:rPr lang="en-US" altLang="zh-CN" dirty="0" smtClean="0"/>
+              <a:t>PDE</a:t>
+            </a:r>
+            <a:endParaRPr lang="zh-CN" altLang="en-US" dirty="0"/>
+          </a:p>
+        </p:txBody>
+      </p:sp>
+      <p:sp>
+        <p:nvSpPr>
+          <p:cNvPr id="3" name="内容占位符 2"/>
+          <p:cNvSpPr>
+            <a:spLocks noGrp="1"/>
+          </p:cNvSpPr>
+          <p:nvPr>
+            <p:ph idx="1"/>
+          </p:nvPr>
+        </p:nvSpPr>
+        <p:spPr>
+          <a:xfrm>
+            <a:off x="457200" y="1600201"/>
+            <a:ext cx="7081711" cy="3412975"/>
+          </a:xfrm>
+        </p:spPr>
+        <p:txBody>
+          <a:bodyPr>
+            <a:normAutofit lnSpcReduction="10000"/>
+          </a:bodyPr>
+          <a:lstStyle/>
+          <a:p>
+            <a:pPr marL="0" indent="0">
+              <a:buNone/>
+            </a:pPr>
+            <a:r>
+              <a:rPr lang="zh-CN" altLang="en-US" sz="1800" dirty="0" smtClean="0"/>
+              <a:t>扩展</a:t>
+            </a:r>
+            <a:r>
+              <a:rPr lang="en-US" altLang="zh-CN" sz="1800" dirty="0" smtClean="0"/>
+              <a:t>Spark</a:t>
+            </a:r>
+            <a:r>
+              <a:rPr lang="zh-CN" altLang="en-US" sz="1800" dirty="0" smtClean="0"/>
+              <a:t>，实现</a:t>
+            </a:r>
+            <a:r>
+              <a:rPr lang="zh-CN" altLang="en-US" sz="1800" b="1" dirty="0" smtClean="0"/>
+              <a:t>局部</a:t>
+            </a:r>
+            <a:r>
+              <a:rPr lang="en-US" altLang="zh-CN" sz="1800" b="1" dirty="0" smtClean="0"/>
+              <a:t>DAG</a:t>
+            </a:r>
+            <a:r>
+              <a:rPr lang="zh-CN" altLang="en-US" sz="1800" b="1" dirty="0" smtClean="0"/>
+              <a:t>执行</a:t>
+            </a:r>
+            <a:r>
+              <a:rPr lang="zh-CN" altLang="en-US" sz="1800" dirty="0" smtClean="0"/>
+              <a:t>（</a:t>
+            </a:r>
+            <a:r>
+              <a:rPr lang="en-US" altLang="zh-CN" sz="1800" dirty="0" smtClean="0"/>
+              <a:t> </a:t>
+            </a:r>
+            <a:r>
+              <a:rPr lang="en-US" altLang="zh-CN" sz="1800" b="1" dirty="0"/>
+              <a:t>partial DAG </a:t>
+            </a:r>
+            <a:r>
+              <a:rPr lang="en-US" altLang="zh-CN" sz="1800" b="1" dirty="0" smtClean="0"/>
+              <a:t>execution</a:t>
+            </a:r>
+            <a:r>
+              <a:rPr lang="zh-CN" altLang="en-US" sz="1800" dirty="0" smtClean="0"/>
+              <a:t>，简称</a:t>
+            </a:r>
+            <a:r>
+              <a:rPr lang="en-US" altLang="zh-CN" sz="1800" b="1" dirty="0" smtClean="0"/>
+              <a:t>PDE</a:t>
+            </a:r>
+            <a:r>
+              <a:rPr lang="zh-CN" altLang="en-US" sz="1800" dirty="0" smtClean="0"/>
+              <a:t>），该技术基于 </a:t>
+            </a:r>
+            <a:r>
+              <a:rPr lang="zh-CN" altLang="en-US" sz="1800" b="1" dirty="0" smtClean="0"/>
+              <a:t>运行</a:t>
+            </a:r>
+            <a:r>
+              <a:rPr lang="zh-CN" altLang="en-US" sz="1800" b="1" dirty="0" smtClean="0"/>
+              <a:t>时</a:t>
+            </a:r>
+            <a:r>
+              <a:rPr lang="zh-CN" altLang="en-US" sz="1800" dirty="0" smtClean="0"/>
+              <a:t> 收集数据的统计信息，</a:t>
+            </a:r>
+            <a:r>
+              <a:rPr lang="zh-CN" altLang="en-US" sz="1800" b="1" dirty="0" smtClean="0"/>
+              <a:t>动态</a:t>
+            </a:r>
+            <a:r>
+              <a:rPr lang="zh-CN" altLang="en-US" sz="1800" dirty="0" smtClean="0"/>
+              <a:t>改变</a:t>
+            </a:r>
+            <a:r>
+              <a:rPr lang="zh-CN" altLang="en-US" sz="1800" b="1" dirty="0" smtClean="0"/>
+              <a:t>查询计划</a:t>
+            </a:r>
+            <a:r>
+              <a:rPr lang="zh-CN" altLang="en-US" sz="1800" dirty="0" smtClean="0"/>
+              <a:t>。</a:t>
+            </a:r>
+            <a:endParaRPr lang="en-US" altLang="zh-CN" sz="1800" dirty="0" smtClean="0"/>
+          </a:p>
+          <a:p>
+            <a:pPr marL="0" indent="0">
+              <a:buNone/>
+            </a:pPr>
+            <a:r>
+              <a:rPr lang="zh-CN" altLang="en-US" sz="1800" b="1" dirty="0" smtClean="0"/>
+              <a:t>思路</a:t>
+            </a:r>
+            <a:r>
+              <a:rPr lang="zh-CN" altLang="en-US" sz="1800" dirty="0" smtClean="0"/>
+              <a:t>：</a:t>
+            </a:r>
+            <a:r>
+              <a:rPr lang="en-US" altLang="zh-CN" sz="1800" dirty="0" smtClean="0"/>
+              <a:t>PDE</a:t>
+            </a:r>
+            <a:r>
+              <a:rPr lang="zh-CN" altLang="en-US" sz="1800" dirty="0" smtClean="0"/>
+              <a:t>应用</a:t>
+            </a:r>
+            <a:r>
+              <a:rPr lang="zh-CN" altLang="en-US" sz="1800" dirty="0" smtClean="0"/>
+              <a:t>到“块的</a:t>
+            </a:r>
+            <a:r>
+              <a:rPr lang="en-US" altLang="zh-CN" sz="1800" dirty="0" smtClean="0"/>
+              <a:t>shuffle</a:t>
+            </a:r>
+            <a:r>
+              <a:rPr lang="zh-CN" altLang="en-US" sz="1800" dirty="0" smtClean="0"/>
+              <a:t>操作边界</a:t>
+            </a:r>
+            <a:r>
+              <a:rPr lang="zh-CN" altLang="en-US" sz="1800" dirty="0" smtClean="0"/>
+              <a:t>”，该</a:t>
+            </a:r>
+            <a:r>
+              <a:rPr lang="zh-CN" altLang="en-US" sz="1800" dirty="0" smtClean="0"/>
+              <a:t>边界（也即</a:t>
+            </a:r>
+            <a:r>
+              <a:rPr lang="en-US" altLang="zh-CN" sz="1800" dirty="0" smtClean="0"/>
+              <a:t>RDD</a:t>
+            </a:r>
+            <a:r>
+              <a:rPr lang="zh-CN" altLang="en-US" sz="1800" dirty="0" smtClean="0"/>
+              <a:t>从“窄依赖”到“宽依赖”的边界）涉及到数据的交换和重新分区，在</a:t>
+            </a:r>
+            <a:r>
+              <a:rPr lang="en-US" altLang="zh-CN" sz="1800" dirty="0" smtClean="0"/>
+              <a:t>Shark</a:t>
+            </a:r>
+            <a:r>
+              <a:rPr lang="zh-CN" altLang="en-US" sz="1800" dirty="0" smtClean="0"/>
+              <a:t>里是最耗费时间的。</a:t>
+            </a:r>
+            <a:endParaRPr lang="en-US" altLang="zh-CN" sz="1800" dirty="0" smtClean="0"/>
+          </a:p>
+          <a:p>
+            <a:pPr marL="0" indent="0">
+              <a:buNone/>
+            </a:pPr>
+            <a:r>
+              <a:rPr lang="en-US" altLang="zh-CN" sz="1800" b="1" dirty="0" smtClean="0"/>
+              <a:t>PDE</a:t>
+            </a:r>
+            <a:r>
+              <a:rPr lang="zh-CN" altLang="en-US" sz="1800" b="1" dirty="0" smtClean="0"/>
+              <a:t>技术原理</a:t>
+            </a:r>
+            <a:r>
+              <a:rPr lang="zh-CN" altLang="en-US" sz="1800" dirty="0" smtClean="0"/>
+              <a:t>，两</a:t>
+            </a:r>
+            <a:r>
+              <a:rPr lang="zh-CN" altLang="en-US" sz="1800" dirty="0" smtClean="0"/>
+              <a:t>个方面：</a:t>
+            </a:r>
+            <a:endParaRPr lang="en-US" altLang="zh-CN" sz="1800" dirty="0" smtClean="0"/>
+          </a:p>
+          <a:p>
+            <a:pPr marL="971550" lvl="1" indent="-514350">
+              <a:buFont typeface="+mj-ea"/>
+              <a:buAutoNum type="circleNumDbPlain"/>
+            </a:pPr>
+            <a:r>
+              <a:rPr lang="en-US" altLang="zh-CN" sz="1800" dirty="0" smtClean="0"/>
+              <a:t> </a:t>
+            </a:r>
+            <a:r>
+              <a:rPr lang="zh-CN" altLang="en-US" sz="1800" dirty="0" smtClean="0"/>
+              <a:t>在物化</a:t>
+            </a:r>
+            <a:r>
+              <a:rPr lang="en-US" altLang="zh-CN" sz="1800" dirty="0" smtClean="0"/>
+              <a:t>map</a:t>
+            </a:r>
+            <a:r>
+              <a:rPr lang="zh-CN" altLang="en-US" sz="1800" dirty="0" smtClean="0"/>
+              <a:t>输出时，</a:t>
+            </a:r>
+            <a:r>
+              <a:rPr lang="en-US" altLang="zh-CN" sz="1800" dirty="0" smtClean="0"/>
+              <a:t>PDE</a:t>
+            </a:r>
+            <a:r>
+              <a:rPr lang="zh-CN" altLang="en-US" sz="1800" dirty="0" smtClean="0"/>
+              <a:t>可在全局范围内针对每个分区，收集可自定义的统计信息，如分区大小、记录数、热数据等。</a:t>
+            </a:r>
+            <a:endParaRPr lang="en-US" altLang="zh-CN" sz="1800" dirty="0" smtClean="0"/>
+          </a:p>
+          <a:p>
+            <a:pPr marL="971550" lvl="1" indent="-514350">
+              <a:buFont typeface="+mj-ea"/>
+              <a:buAutoNum type="circleNumDbPlain"/>
+            </a:pPr>
+            <a:r>
+              <a:rPr lang="zh-CN" altLang="en-US" sz="1800" dirty="0" smtClean="0"/>
+              <a:t>基于</a:t>
+            </a:r>
+            <a:r>
+              <a:rPr lang="zh-CN" altLang="en-US" sz="1800" dirty="0" smtClean="0"/>
+              <a:t>这些统计信息，</a:t>
+            </a:r>
+            <a:r>
+              <a:rPr lang="en-US" altLang="zh-CN" sz="1800" dirty="0" smtClean="0"/>
+              <a:t>PDE</a:t>
+            </a:r>
+            <a:r>
+              <a:rPr lang="zh-CN" altLang="en-US" sz="1800" dirty="0" smtClean="0"/>
+              <a:t>允许</a:t>
+            </a:r>
+            <a:r>
+              <a:rPr lang="en-US" altLang="zh-CN" sz="1800" dirty="0" smtClean="0"/>
+              <a:t>DAG</a:t>
+            </a:r>
+            <a:r>
+              <a:rPr lang="zh-CN" altLang="en-US" sz="1800" dirty="0" smtClean="0"/>
+              <a:t>进行调整</a:t>
+            </a:r>
+            <a:r>
+              <a:rPr lang="en-US" altLang="zh-CN" sz="1800" dirty="0" smtClean="0"/>
+              <a:t>: (1)</a:t>
+            </a:r>
+            <a:r>
+              <a:rPr lang="zh-CN" altLang="en-US" sz="1800" dirty="0" smtClean="0"/>
+              <a:t>选择不同的操作；</a:t>
+            </a:r>
+            <a:r>
+              <a:rPr lang="en-US" altLang="zh-CN" sz="1800" dirty="0" smtClean="0"/>
+              <a:t>(2)</a:t>
+            </a:r>
+            <a:r>
+              <a:rPr lang="zh-CN" altLang="en-US" sz="1800" dirty="0" smtClean="0"/>
+              <a:t>改变参数，如并行度</a:t>
+            </a:r>
+            <a:endParaRPr lang="en-US" altLang="zh-CN" sz="1800" dirty="0" smtClean="0"/>
+          </a:p>
+          <a:p>
+            <a:pPr marL="0" indent="0">
+              <a:buNone/>
+            </a:pPr>
+            <a:r>
+              <a:rPr lang="zh-CN" altLang="en-US" sz="1800" dirty="0" smtClean="0"/>
+              <a:t>统计</a:t>
+            </a:r>
+            <a:r>
+              <a:rPr lang="zh-CN" altLang="en-US" sz="1800" dirty="0"/>
+              <a:t>信息由每个</a:t>
+            </a:r>
+            <a:r>
+              <a:rPr lang="en-US" altLang="zh-CN" sz="1800" dirty="0"/>
+              <a:t>worker</a:t>
+            </a:r>
+            <a:r>
+              <a:rPr lang="zh-CN" altLang="en-US" sz="1800" dirty="0"/>
+              <a:t>发送给</a:t>
+            </a:r>
+            <a:r>
+              <a:rPr lang="en-US" altLang="zh-CN" sz="1800" dirty="0"/>
+              <a:t>master</a:t>
+            </a:r>
+            <a:r>
+              <a:rPr lang="zh-CN" altLang="en-US" sz="1800" dirty="0"/>
+              <a:t>，然后</a:t>
+            </a:r>
+            <a:r>
+              <a:rPr lang="zh-CN" altLang="en-US" sz="1800" dirty="0" smtClean="0"/>
+              <a:t>汇总给</a:t>
+            </a:r>
+            <a:r>
+              <a:rPr lang="zh-CN" altLang="en-US" sz="1800" dirty="0"/>
+              <a:t>优化器</a:t>
+            </a:r>
+            <a:r>
+              <a:rPr lang="zh-CN" altLang="en-US" sz="1800" dirty="0" smtClean="0"/>
+              <a:t>。统计信息采用</a:t>
+            </a:r>
+            <a:r>
+              <a:rPr lang="zh-CN" altLang="en-US" sz="1800" b="1" dirty="0"/>
+              <a:t>有损压缩</a:t>
+            </a:r>
+            <a:r>
+              <a:rPr lang="zh-CN" altLang="en-US" sz="1800" dirty="0"/>
+              <a:t>（节省空间）</a:t>
+            </a:r>
+            <a:r>
+              <a:rPr lang="zh-CN" altLang="en-US" sz="1800" dirty="0" smtClean="0"/>
+              <a:t>。</a:t>
+            </a:r>
+            <a:endParaRPr lang="en-US" altLang="zh-CN" sz="1800" dirty="0" smtClean="0"/>
+          </a:p>
+          <a:p>
+            <a:endParaRPr lang="zh-CN" altLang="en-US" dirty="0"/>
+          </a:p>
+        </p:txBody>
+      </p:sp>
+      <p:pic>
+        <p:nvPicPr>
+          <p:cNvPr id="4" name="图片 3"/>
+          <p:cNvPicPr>
+            <a:picLocks noChangeAspect="1"/>
+          </p:cNvPicPr>
+          <p:nvPr/>
+        </p:nvPicPr>
+        <p:blipFill>
+          <a:blip r:embed="rId2"/>
+          <a:stretch>
+            <a:fillRect/>
+          </a:stretch>
+        </p:blipFill>
+        <p:spPr>
+          <a:xfrm>
+            <a:off x="5933822" y="4746873"/>
+            <a:ext cx="3210178" cy="2111127"/>
+          </a:xfrm>
+          <a:prstGeom prst="rect">
+            <a:avLst/>
+          </a:prstGeom>
+        </p:spPr>
+      </p:pic>
+    </p:spTree>
+    <p:extLst>
+      <p:ext uri="{BB962C8B-B14F-4D97-AF65-F5344CB8AC3E}">
+        <p14:creationId xmlns:p14="http://schemas.microsoft.com/office/powerpoint/2010/main" val="3056623005"/>
+      </p:ext>
+    </p:extLst>
+  </p:cSld>
+  <p:clrMapOvr>
+    <a:masterClrMapping/>
+  </p:clrMapOvr>
+  <p:timing>
+    <p:tnLst>
+      <p:par>
+        <p:cTn id="1" dur="indefinite" restart="never" nodeType="tmRoot"/>
+      </p:par>
+    </p:tnLst>
+  </p:timing>
+</p:sld>
+</file>
+
+<file path=ppt/slides/slide31.xml><?xml version="1.0" encoding="utf-8"?>
+<p:sld xmlns:a="http://schemas.openxmlformats.org/drawingml/2006/main" xmlns:r="http://schemas.openxmlformats.org/officeDocument/2006/relationships" xmlns:p="http://schemas.openxmlformats.org/presentationml/2006/main">
+  <p:cSld>
+    <p:spTree>
+      <p:nvGrpSpPr>
+        <p:cNvPr id="1" name=""/>
+        <p:cNvGrpSpPr/>
+        <p:nvPr/>
+      </p:nvGrpSpPr>
+      <p:grpSpPr>
+        <a:xfrm>
+          <a:off x="0" y="0"/>
+          <a:ext cx="0" cy="0"/>
+          <a:chOff x="0" y="0"/>
+          <a:chExt cx="0" cy="0"/>
+        </a:xfrm>
+      </p:grpSpPr>
+      <p:sp>
+        <p:nvSpPr>
+          <p:cNvPr id="2" name="标题 1"/>
+          <p:cNvSpPr>
+            <a:spLocks noGrp="1"/>
+          </p:cNvSpPr>
+          <p:nvPr>
+            <p:ph type="title"/>
+          </p:nvPr>
+        </p:nvSpPr>
+        <p:spPr/>
+        <p:txBody>
+          <a:bodyPr/>
+          <a:lstStyle/>
+          <a:p>
+            <a:r>
+              <a:rPr lang="zh-CN" altLang="en-US" dirty="0"/>
+              <a:t>引擎扩展</a:t>
+            </a:r>
+            <a:r>
+              <a:rPr lang="en-US" altLang="zh-CN" dirty="0"/>
+              <a:t>:</a:t>
+            </a:r>
+            <a:r>
+              <a:rPr lang="en-US" altLang="zh-CN" dirty="0" smtClean="0"/>
+              <a:t>PDE Join</a:t>
+            </a:r>
+            <a:r>
+              <a:rPr lang="zh-CN" altLang="en-US" dirty="0" smtClean="0"/>
+              <a:t>优化</a:t>
+            </a:r>
+            <a:endParaRPr lang="zh-CN" altLang="en-US" dirty="0"/>
+          </a:p>
+        </p:txBody>
+      </p:sp>
+      <p:sp>
+        <p:nvSpPr>
+          <p:cNvPr id="3" name="内容占位符 2"/>
+          <p:cNvSpPr>
+            <a:spLocks noGrp="1"/>
+          </p:cNvSpPr>
+          <p:nvPr>
+            <p:ph idx="1"/>
+          </p:nvPr>
+        </p:nvSpPr>
+        <p:spPr/>
+        <p:txBody>
+          <a:bodyPr/>
+          <a:lstStyle/>
+          <a:p>
+            <a:endParaRPr lang="zh-CN" altLang="en-US"/>
+          </a:p>
+        </p:txBody>
+      </p:sp>
+    </p:spTree>
+    <p:extLst>
+      <p:ext uri="{BB962C8B-B14F-4D97-AF65-F5344CB8AC3E}">
+        <p14:creationId xmlns:p14="http://schemas.microsoft.com/office/powerpoint/2010/main" val="161344241"/>
+      </p:ext>
+    </p:extLst>
+  </p:cSld>
+  <p:clrMapOvr>
+    <a:masterClrMapping/>
+  </p:clrMapOvr>
+  <p:timing>
+    <p:tnLst>
+      <p:par>
+        <p:cTn id="1" dur="indefinite" restart="never" nodeType="tmRoot"/>
+      </p:par>
+    </p:tnLst>
+  </p:timing>
+</p:sld>
+</file>
+
+<file path=ppt/slides/slide32.xml><?xml version="1.0" encoding="utf-8"?>
+<p:sld xmlns:a="http://schemas.openxmlformats.org/drawingml/2006/main" xmlns:r="http://schemas.openxmlformats.org/officeDocument/2006/relationships" xmlns:p="http://schemas.openxmlformats.org/presentationml/2006/main">
+  <p:cSld>
+    <p:spTree>
+      <p:nvGrpSpPr>
+        <p:cNvPr id="1" name=""/>
+        <p:cNvGrpSpPr/>
+        <p:nvPr/>
+      </p:nvGrpSpPr>
+      <p:grpSpPr>
+        <a:xfrm>
+          <a:off x="0" y="0"/>
+          <a:ext cx="0" cy="0"/>
+          <a:chOff x="0" y="0"/>
+          <a:chExt cx="0" cy="0"/>
+        </a:xfrm>
+      </p:grpSpPr>
+      <p:sp>
+        <p:nvSpPr>
+          <p:cNvPr id="2" name="标题 1"/>
+          <p:cNvSpPr>
+            <a:spLocks noGrp="1"/>
+          </p:cNvSpPr>
+          <p:nvPr>
+            <p:ph type="title"/>
+          </p:nvPr>
+        </p:nvSpPr>
+        <p:spPr/>
+        <p:txBody>
+          <a:bodyPr>
+            <a:normAutofit/>
+          </a:bodyPr>
+          <a:lstStyle/>
+          <a:p>
+            <a:r>
+              <a:rPr lang="en-US" altLang="zh-CN" dirty="0" smtClean="0"/>
+              <a:t>PDE </a:t>
+            </a:r>
+            <a:r>
+              <a:rPr lang="zh-CN" altLang="en-US" dirty="0" smtClean="0"/>
+              <a:t>斜</a:t>
+            </a:r>
+            <a:r>
+              <a:rPr lang="en-US" altLang="zh-CN" dirty="0" smtClean="0"/>
+              <a:t>(skew)</a:t>
+            </a:r>
+            <a:r>
+              <a:rPr lang="zh-CN" altLang="en-US" dirty="0" smtClean="0"/>
+              <a:t>处理和并行度</a:t>
+            </a:r>
+            <a:endParaRPr lang="zh-CN" altLang="en-US" dirty="0"/>
+          </a:p>
+        </p:txBody>
+      </p:sp>
+      <p:sp>
+        <p:nvSpPr>
+          <p:cNvPr id="3" name="内容占位符 2"/>
+          <p:cNvSpPr>
+            <a:spLocks noGrp="1"/>
+          </p:cNvSpPr>
+          <p:nvPr>
+            <p:ph idx="1"/>
+          </p:nvPr>
+        </p:nvSpPr>
+        <p:spPr/>
+        <p:txBody>
+          <a:bodyPr>
+            <a:normAutofit fontScale="55000" lnSpcReduction="20000"/>
+          </a:bodyPr>
+          <a:lstStyle/>
+          <a:p>
+            <a:pPr marL="0" indent="0">
+              <a:buNone/>
+            </a:pPr>
+            <a:r>
+              <a:rPr lang="en-US" altLang="zh-CN" b="1" dirty="0" smtClean="0"/>
+              <a:t>1. </a:t>
+            </a:r>
+            <a:r>
+              <a:rPr lang="zh-CN" altLang="en-US" b="1" dirty="0" smtClean="0"/>
+              <a:t>并行度</a:t>
+            </a:r>
+            <a:endParaRPr lang="en-US" altLang="zh-CN" b="1" dirty="0" smtClean="0"/>
+          </a:p>
+          <a:p>
+            <a:pPr marL="0" indent="0">
+              <a:buNone/>
+            </a:pPr>
+            <a:r>
+              <a:rPr lang="en-US" altLang="zh-CN" b="1" dirty="0" smtClean="0"/>
+              <a:t>Reducer</a:t>
+            </a:r>
+            <a:r>
+              <a:rPr lang="zh-CN" altLang="en-US" b="1" dirty="0" smtClean="0"/>
+              <a:t>任务</a:t>
+            </a:r>
+            <a:r>
+              <a:rPr lang="zh-CN" altLang="en-US" b="1" i="1" dirty="0" smtClean="0"/>
+              <a:t>并行度</a:t>
+            </a:r>
+            <a:r>
+              <a:rPr lang="zh-CN" altLang="en-US" dirty="0" smtClean="0"/>
+              <a:t>对性能的影响</a:t>
+            </a:r>
+            <a:r>
+              <a:rPr lang="en-US" altLang="zh-CN" dirty="0" smtClean="0"/>
+              <a:t>: </a:t>
+            </a:r>
+          </a:p>
+          <a:p>
+            <a:pPr marL="0" indent="0">
+              <a:buNone/>
+            </a:pPr>
+            <a:r>
+              <a:rPr lang="en-US" altLang="zh-CN" dirty="0" smtClean="0"/>
+              <a:t>(1)Reducer</a:t>
+            </a:r>
+            <a:r>
+              <a:rPr lang="zh-CN" altLang="en-US" dirty="0" smtClean="0"/>
+              <a:t>个数太少，那么</a:t>
+            </a:r>
+            <a:r>
+              <a:rPr lang="en-US" altLang="zh-CN" dirty="0" smtClean="0"/>
+              <a:t>reducer</a:t>
+            </a:r>
+            <a:r>
+              <a:rPr lang="zh-CN" altLang="en-US" dirty="0" smtClean="0"/>
+              <a:t>的网络工作负载过高，并且消耗大量的内存；</a:t>
+            </a:r>
+            <a:endParaRPr lang="en-US" altLang="zh-CN" dirty="0" smtClean="0"/>
+          </a:p>
+          <a:p>
+            <a:pPr marL="0" indent="0">
+              <a:buNone/>
+            </a:pPr>
+            <a:r>
+              <a:rPr lang="en-US" altLang="zh-CN" dirty="0" smtClean="0"/>
+              <a:t>(2)Reducer</a:t>
+            </a:r>
+            <a:r>
+              <a:rPr lang="zh-CN" altLang="en-US" dirty="0" smtClean="0"/>
+              <a:t>个数太多，则会延长作业（</a:t>
+            </a:r>
+            <a:r>
+              <a:rPr lang="en-US" altLang="zh-CN" dirty="0" smtClean="0"/>
+              <a:t>job</a:t>
+            </a:r>
+            <a:r>
+              <a:rPr lang="zh-CN" altLang="en-US" dirty="0" smtClean="0"/>
+              <a:t>）完成时间，因为任务调度开销大。</a:t>
+            </a:r>
+            <a:endParaRPr lang="en-US" altLang="zh-CN" dirty="0" smtClean="0"/>
+          </a:p>
+          <a:p>
+            <a:pPr marL="0" indent="0">
+              <a:buNone/>
+            </a:pPr>
+            <a:r>
+              <a:rPr lang="zh-CN" altLang="en-US" b="1" dirty="0" smtClean="0"/>
+              <a:t>并行度处理</a:t>
+            </a:r>
+            <a:r>
+              <a:rPr lang="zh-CN" altLang="en-US" dirty="0" smtClean="0"/>
+              <a:t>：根据单个分区</a:t>
+            </a:r>
+            <a:r>
+              <a:rPr lang="zh-CN" altLang="en-US" dirty="0" smtClean="0"/>
+              <a:t>的大小，在</a:t>
+            </a:r>
+            <a:r>
+              <a:rPr lang="zh-CN" altLang="en-US" b="1" dirty="0" smtClean="0"/>
+              <a:t>运行时（</a:t>
+            </a:r>
+            <a:r>
+              <a:rPr lang="en-US" altLang="zh-CN" b="1" dirty="0" smtClean="0"/>
+              <a:t>run-time</a:t>
+            </a:r>
+            <a:r>
+              <a:rPr lang="zh-CN" altLang="en-US" b="1" dirty="0" smtClean="0"/>
+              <a:t>）</a:t>
+            </a:r>
+            <a:r>
+              <a:rPr lang="zh-CN" altLang="en-US" dirty="0" smtClean="0"/>
+              <a:t>决定</a:t>
+            </a:r>
+            <a:r>
+              <a:rPr lang="en-US" altLang="zh-CN" dirty="0" smtClean="0"/>
+              <a:t>reducer</a:t>
+            </a:r>
+            <a:r>
+              <a:rPr lang="zh-CN" altLang="en-US" dirty="0" smtClean="0"/>
+              <a:t>的个数，通过合并很多小的、细粒度的分区，得到少量的粗粒度的分区</a:t>
+            </a:r>
+            <a:r>
+              <a:rPr lang="zh-CN" altLang="en-US" dirty="0" smtClean="0"/>
+              <a:t>。</a:t>
+            </a:r>
+            <a:endParaRPr lang="en-US" altLang="zh-CN" dirty="0" smtClean="0">
+              <a:solidFill>
+                <a:srgbClr val="FF0000"/>
+              </a:solidFill>
+            </a:endParaRPr>
+          </a:p>
+          <a:p>
+            <a:pPr marL="0" indent="0">
+              <a:buNone/>
+            </a:pPr>
+            <a:endParaRPr lang="en-US" altLang="zh-CN" dirty="0" smtClean="0"/>
+          </a:p>
+          <a:p>
+            <a:pPr marL="0" indent="0">
+              <a:buNone/>
+            </a:pPr>
+            <a:r>
+              <a:rPr lang="en-US" altLang="zh-CN" b="1" dirty="0" smtClean="0"/>
+              <a:t>2. </a:t>
+            </a:r>
+            <a:r>
+              <a:rPr lang="zh-CN" altLang="en-US" b="1" dirty="0" smtClean="0"/>
+              <a:t>斜问题</a:t>
+            </a:r>
+            <a:endParaRPr lang="en-US" altLang="zh-CN" b="1" dirty="0" smtClean="0"/>
+          </a:p>
+          <a:p>
+            <a:pPr marL="0" indent="0">
+              <a:buNone/>
+            </a:pPr>
+            <a:r>
+              <a:rPr lang="zh-CN" altLang="en-US" b="1" dirty="0" smtClean="0"/>
+              <a:t>斜</a:t>
+            </a:r>
+            <a:r>
+              <a:rPr lang="en-US" altLang="zh-CN" b="1" dirty="0" smtClean="0"/>
+              <a:t>(skew)</a:t>
+            </a:r>
+            <a:r>
+              <a:rPr lang="zh-CN" altLang="en-US" b="1" dirty="0" smtClean="0"/>
+              <a:t>问题</a:t>
+            </a:r>
+            <a:r>
+              <a:rPr lang="zh-CN" altLang="en-US" dirty="0"/>
+              <a:t>：</a:t>
+            </a:r>
+            <a:r>
+              <a:rPr lang="zh-CN" altLang="en-US" dirty="0" smtClean="0"/>
+              <a:t>小</a:t>
+            </a:r>
+            <a:r>
+              <a:rPr lang="zh-CN" altLang="en-US" dirty="0" smtClean="0"/>
+              <a:t>分区合并后得到的大分区，其大小可能不一。</a:t>
+            </a:r>
+            <a:endParaRPr lang="en-US" altLang="zh-CN" dirty="0" smtClean="0"/>
+          </a:p>
+          <a:p>
+            <a:pPr marL="0" indent="0">
+              <a:buNone/>
+            </a:pPr>
+            <a:r>
+              <a:rPr lang="zh-CN" altLang="en-US" b="1" dirty="0" smtClean="0"/>
+              <a:t>斜问题处理</a:t>
+            </a:r>
+            <a:r>
+              <a:rPr lang="zh-CN" altLang="en-US" dirty="0" smtClean="0"/>
+              <a:t>：使用“贪婪的</a:t>
+            </a:r>
+            <a:r>
+              <a:rPr lang="zh-CN" altLang="en-US" b="1" dirty="0" smtClean="0"/>
+              <a:t>装箱</a:t>
+            </a:r>
+            <a:r>
+              <a:rPr lang="zh-CN" altLang="en-US" dirty="0" smtClean="0"/>
+              <a:t>启发式”算法，</a:t>
+            </a:r>
+            <a:r>
+              <a:rPr lang="zh-CN" altLang="en-US" dirty="0" smtClean="0"/>
+              <a:t>试图使合并后的分区大小均等化。</a:t>
+            </a:r>
+            <a:endParaRPr lang="en-US" altLang="zh-CN" dirty="0" smtClean="0"/>
+          </a:p>
+          <a:p>
+            <a:pPr marL="0" indent="0">
+              <a:buNone/>
+            </a:pPr>
+            <a:endParaRPr lang="en-US" altLang="zh-CN" dirty="0" smtClean="0"/>
+          </a:p>
+          <a:p>
+            <a:pPr marL="0" indent="0">
+              <a:buNone/>
+            </a:pPr>
+            <a:r>
+              <a:rPr lang="zh-CN" altLang="en-US" dirty="0" smtClean="0"/>
+              <a:t>本文</a:t>
+            </a:r>
+            <a:r>
+              <a:rPr lang="zh-CN" altLang="en-US" dirty="0" smtClean="0"/>
+              <a:t>提到一个有意思的现象：在</a:t>
+            </a:r>
+            <a:r>
+              <a:rPr lang="en-US" altLang="zh-CN" dirty="0" smtClean="0"/>
+              <a:t>Shark</a:t>
+            </a:r>
+            <a:r>
+              <a:rPr lang="zh-CN" altLang="en-US" dirty="0" smtClean="0"/>
+              <a:t>上运行大量的</a:t>
+            </a:r>
+            <a:r>
+              <a:rPr lang="en-US" altLang="zh-CN" dirty="0" smtClean="0"/>
+              <a:t>reducer</a:t>
+            </a:r>
+            <a:r>
+              <a:rPr lang="zh-CN" altLang="en-US" dirty="0" smtClean="0"/>
+              <a:t>任务，却有相似的性能提升，作者们把这归功于</a:t>
+            </a:r>
+            <a:r>
+              <a:rPr lang="en-US" altLang="zh-CN" dirty="0" smtClean="0"/>
+              <a:t>Spark</a:t>
+            </a:r>
+            <a:r>
+              <a:rPr lang="zh-CN" altLang="en-US" dirty="0" smtClean="0"/>
+              <a:t>的调度和任务启动开销很低。</a:t>
+            </a:r>
+            <a:endParaRPr lang="zh-CN" altLang="en-US" dirty="0"/>
+          </a:p>
+        </p:txBody>
+      </p:sp>
+    </p:spTree>
+    <p:extLst>
+      <p:ext uri="{BB962C8B-B14F-4D97-AF65-F5344CB8AC3E}">
+        <p14:creationId xmlns:p14="http://schemas.microsoft.com/office/powerpoint/2010/main" val="1259719757"/>
+      </p:ext>
+    </p:extLst>
+  </p:cSld>
+  <p:clrMapOvr>
+    <a:masterClrMapping/>
+  </p:clrMapOvr>
+  <p:timing>
+    <p:tnLst>
+      <p:par>
+        <p:cTn id="1" dur="indefinite" restart="never" nodeType="tmRoot"/>
+      </p:par>
+    </p:tnLst>
+  </p:timing>
+</p:sld>
+</file>
+
+<file path=ppt/slides/slide33.xml><?xml version="1.0" encoding="utf-8"?>
+<p:sld xmlns:a="http://schemas.openxmlformats.org/drawingml/2006/main" xmlns:r="http://schemas.openxmlformats.org/officeDocument/2006/relationships" xmlns:p="http://schemas.openxmlformats.org/presentationml/2006/main">
+  <p:cSld>
+    <p:spTree>
+      <p:nvGrpSpPr>
+        <p:cNvPr id="1" name=""/>
+        <p:cNvGrpSpPr/>
+        <p:nvPr/>
+      </p:nvGrpSpPr>
+      <p:grpSpPr>
+        <a:xfrm>
+          <a:off x="0" y="0"/>
+          <a:ext cx="0" cy="0"/>
+          <a:chOff x="0" y="0"/>
+          <a:chExt cx="0" cy="0"/>
+        </a:xfrm>
+      </p:grpSpPr>
+      <p:sp>
+        <p:nvSpPr>
+          <p:cNvPr id="2" name="标题 1"/>
+          <p:cNvSpPr>
+            <a:spLocks noGrp="1"/>
+          </p:cNvSpPr>
+          <p:nvPr>
+            <p:ph type="title"/>
+          </p:nvPr>
+        </p:nvSpPr>
+        <p:spPr/>
+        <p:txBody>
+          <a:bodyPr/>
+          <a:lstStyle/>
+          <a:p>
+            <a:r>
+              <a:rPr lang="zh-CN" altLang="en-US" dirty="0"/>
+              <a:t>引擎</a:t>
+            </a:r>
+            <a:r>
+              <a:rPr lang="zh-CN" altLang="en-US" dirty="0" smtClean="0"/>
+              <a:t>扩展：列内存存储</a:t>
+            </a:r>
+            <a:endParaRPr lang="zh-CN" altLang="en-US" dirty="0"/>
+          </a:p>
+        </p:txBody>
+      </p:sp>
+      <p:sp>
+        <p:nvSpPr>
+          <p:cNvPr id="3" name="内容占位符 2"/>
+          <p:cNvSpPr>
+            <a:spLocks noGrp="1"/>
+          </p:cNvSpPr>
+          <p:nvPr>
+            <p:ph idx="1"/>
+          </p:nvPr>
+        </p:nvSpPr>
+        <p:spPr/>
+        <p:txBody>
+          <a:bodyPr>
+            <a:normAutofit/>
+          </a:bodyPr>
+          <a:lstStyle/>
+          <a:p>
+            <a:r>
+              <a:rPr lang="zh-CN" altLang="en-US" smtClean="0"/>
+              <a:t>简单</a:t>
+            </a:r>
+            <a:r>
+              <a:rPr lang="zh-CN" altLang="en-US" dirty="0" smtClean="0"/>
+              <a:t>地将内存数据以其原始格式缓存到磁盘（涉及到</a:t>
+            </a:r>
+            <a:r>
+              <a:rPr lang="zh-CN" altLang="en-US" b="1" dirty="0" smtClean="0"/>
+              <a:t>序列化</a:t>
+            </a:r>
+            <a:r>
+              <a:rPr lang="zh-CN" altLang="en-US" dirty="0" smtClean="0"/>
+              <a:t>），当需要的时候再由查询处理器将其</a:t>
+            </a:r>
+            <a:r>
+              <a:rPr lang="zh-CN" altLang="en-US" b="1" dirty="0" smtClean="0"/>
+              <a:t>反序列化</a:t>
+            </a:r>
+            <a:r>
+              <a:rPr lang="zh-CN" altLang="en-US" dirty="0" smtClean="0"/>
+              <a:t>。然而，作者的研究发现：商用</a:t>
+            </a:r>
+            <a:r>
+              <a:rPr lang="en-US" altLang="zh-CN" dirty="0" smtClean="0"/>
+              <a:t>CPU</a:t>
+            </a:r>
+            <a:r>
+              <a:rPr lang="zh-CN" altLang="en-US" dirty="0" smtClean="0"/>
+              <a:t>的反序列化速率为每核心每秒</a:t>
+            </a:r>
+            <a:r>
+              <a:rPr lang="en-US" altLang="zh-CN" dirty="0" smtClean="0"/>
+              <a:t>200MB</a:t>
+            </a:r>
+            <a:r>
+              <a:rPr lang="zh-CN" altLang="en-US" dirty="0" smtClean="0"/>
+              <a:t>。</a:t>
+            </a:r>
+            <a:r>
+              <a:rPr lang="zh-CN" altLang="en-US" dirty="0" smtClean="0">
+                <a:solidFill>
+                  <a:srgbClr val="FF0000"/>
+                </a:solidFill>
+              </a:rPr>
+              <a:t>这里添加一些序列化和反序列化的知识</a:t>
+            </a:r>
+            <a:r>
+              <a:rPr lang="en-US" altLang="zh-CN" dirty="0" smtClean="0">
+                <a:solidFill>
+                  <a:srgbClr val="FF0000"/>
+                </a:solidFill>
+              </a:rPr>
+              <a:t>,</a:t>
+            </a:r>
+            <a:r>
+              <a:rPr lang="zh-CN" altLang="en-US" dirty="0" smtClean="0">
+                <a:solidFill>
+                  <a:srgbClr val="FF0000"/>
+                </a:solidFill>
+              </a:rPr>
+              <a:t>，如额外占用空间开销等。</a:t>
+            </a:r>
+            <a:endParaRPr lang="en-US" altLang="zh-CN" dirty="0" smtClean="0">
+              <a:solidFill>
+                <a:srgbClr val="FF0000"/>
+              </a:solidFill>
+            </a:endParaRPr>
+          </a:p>
+        </p:txBody>
+      </p:sp>
+    </p:spTree>
+    <p:extLst>
+      <p:ext uri="{BB962C8B-B14F-4D97-AF65-F5344CB8AC3E}">
+        <p14:creationId xmlns:p14="http://schemas.microsoft.com/office/powerpoint/2010/main" val="987704948"/>
+      </p:ext>
+    </p:extLst>
+  </p:cSld>
+  <p:clrMapOvr>
+    <a:masterClrMapping/>
+  </p:clrMapOvr>
+  <p:timing>
+    <p:tnLst>
+      <p:par>
+        <p:cTn id="1" dur="indefinite" restart="never" nodeType="tmRoot"/>
+      </p:par>
+    </p:tnLst>
+  </p:timing>
+</p:sld>
+</file>
+
+<file path=ppt/slides/slide34.xml><?xml version="1.0" encoding="utf-8"?>
+<p:sld xmlns:a="http://schemas.openxmlformats.org/drawingml/2006/main" xmlns:r="http://schemas.openxmlformats.org/officeDocument/2006/relationships" xmlns:p="http://schemas.openxmlformats.org/presentationml/2006/main">
+  <p:cSld>
+    <p:spTree>
+      <p:nvGrpSpPr>
+        <p:cNvPr id="1" name=""/>
+        <p:cNvGrpSpPr/>
+        <p:nvPr/>
+      </p:nvGrpSpPr>
+      <p:grpSpPr>
+        <a:xfrm>
+          <a:off x="0" y="0"/>
+          <a:ext cx="0" cy="0"/>
+          <a:chOff x="0" y="0"/>
+          <a:chExt cx="0" cy="0"/>
+        </a:xfrm>
+      </p:grpSpPr>
+      <p:sp>
+        <p:nvSpPr>
+          <p:cNvPr id="2" name="标题 1"/>
+          <p:cNvSpPr>
+            <a:spLocks noGrp="1"/>
+          </p:cNvSpPr>
+          <p:nvPr>
+            <p:ph type="title"/>
+          </p:nvPr>
+        </p:nvSpPr>
+        <p:spPr/>
+        <p:txBody>
+          <a:bodyPr/>
+          <a:lstStyle/>
+          <a:p>
+            <a:endParaRPr lang="zh-CN" altLang="en-US"/>
+          </a:p>
+        </p:txBody>
+      </p:sp>
+      <p:sp>
+        <p:nvSpPr>
+          <p:cNvPr id="3" name="内容占位符 2"/>
+          <p:cNvSpPr>
+            <a:spLocks noGrp="1"/>
+          </p:cNvSpPr>
+          <p:nvPr>
+            <p:ph idx="1"/>
+          </p:nvPr>
+        </p:nvSpPr>
+        <p:spPr/>
+        <p:txBody>
+          <a:bodyPr/>
+          <a:lstStyle/>
+          <a:p>
+            <a:endParaRPr lang="zh-CN" altLang="en-US" dirty="0"/>
+          </a:p>
+        </p:txBody>
+      </p:sp>
+    </p:spTree>
+    <p:extLst>
+      <p:ext uri="{BB962C8B-B14F-4D97-AF65-F5344CB8AC3E}">
+        <p14:creationId xmlns:p14="http://schemas.microsoft.com/office/powerpoint/2010/main" val="1661457862"/>
+      </p:ext>
+    </p:extLst>
+  </p:cSld>
+  <p:clrMapOvr>
+    <a:masterClrMapping/>
+  </p:clrMapOvr>
+  <p:timing>
+    <p:tnLst>
+      <p:par>
+        <p:cTn id="1" dur="indefinite" restart="never" nodeType="tmRoot"/>
+      </p:par>
+    </p:tnLst>
+  </p:timing>
 </p:sld>
 </file>
 
@@ -35795,7 +43705,15 @@
           <a:bodyPr/>
           <a:lstStyle/>
           <a:p>
-            <a:endParaRPr lang="zh-CN" altLang="en-US"/>
+            <a:r>
+              <a:rPr lang="en-US" altLang="zh-CN" dirty="0" smtClean="0"/>
+              <a:t>Apache </a:t>
+            </a:r>
+            <a:r>
+              <a:rPr lang="zh-CN" altLang="en-US" dirty="0" smtClean="0"/>
+              <a:t>顶级项目</a:t>
+            </a:r>
+            <a:endParaRPr lang="zh-CN" altLang="en-US" dirty="0"/>
           </a:p>
         </p:txBody>
       </p:sp>
@@ -36757,7 +44675,7 @@
   <a:extraClrSchemeLst/>
   <a:extLst>
     <a:ext uri="{05A4C25C-085E-4340-85A3-A5531E510DB2}">
-      <thm15:themeFamily xmlns:thm15="http://schemas.microsoft.com/office/thememl/2012/main" name="Office Theme" id="{62F939B6-93AF-4DB8-9C6B-D6C7DFDC589F}" vid="{4A3C46E8-61CC-4603-A589-7422A47A8E4A}"/>
+      <thm15:themeFamily xmlns:thm15="http://schemas.microsoft.com/office/thememl/2012/main" xmlns="" name="Office Theme" id="{62F939B6-93AF-4DB8-9C6B-D6C7DFDC589F}" vid="{4A3C46E8-61CC-4603-A589-7422A47A8E4A}"/>
     </a:ext>
   </a:extLst>
 </a:theme>

--- a/整合.pptx
+++ b/整合.pptx
@@ -5,7 +5,7 @@
     <p:sldMasterId id="2147483648" r:id="rId1"/>
   </p:sldMasterIdLst>
   <p:notesMasterIdLst>
-    <p:notesMasterId r:id="rId36"/>
+    <p:notesMasterId r:id="rId47"/>
   </p:notesMasterIdLst>
   <p:sldIdLst>
     <p:sldId id="268" r:id="rId2"/>
@@ -38,10 +38,21 @@
     <p:sldId id="296" r:id="rId29"/>
     <p:sldId id="301" r:id="rId30"/>
     <p:sldId id="300" r:id="rId31"/>
-    <p:sldId id="302" r:id="rId32"/>
+    <p:sldId id="312" r:id="rId32"/>
     <p:sldId id="303" r:id="rId33"/>
-    <p:sldId id="304" r:id="rId34"/>
-    <p:sldId id="293" r:id="rId35"/>
+    <p:sldId id="305" r:id="rId34"/>
+    <p:sldId id="306" r:id="rId35"/>
+    <p:sldId id="307" r:id="rId36"/>
+    <p:sldId id="308" r:id="rId37"/>
+    <p:sldId id="310" r:id="rId38"/>
+    <p:sldId id="309" r:id="rId39"/>
+    <p:sldId id="311" r:id="rId40"/>
+    <p:sldId id="314" r:id="rId41"/>
+    <p:sldId id="315" r:id="rId42"/>
+    <p:sldId id="316" r:id="rId43"/>
+    <p:sldId id="318" r:id="rId44"/>
+    <p:sldId id="317" r:id="rId45"/>
+    <p:sldId id="319" r:id="rId46"/>
   </p:sldIdLst>
   <p:sldSz cx="9144000" cy="6858000" type="screen4x3"/>
   <p:notesSz cx="6858000" cy="9144000"/>
@@ -142,7 +153,7 @@
   </p:defaultTextStyle>
   <p:extLst>
     <p:ext uri="{EFAFB233-063F-42B5-8137-9DF3F51BA10A}">
-      <p15:sldGuideLst xmlns:p15="http://schemas.microsoft.com/office/powerpoint/2012/main" xmlns="">
+      <p15:sldGuideLst xmlns="" xmlns:p15="http://schemas.microsoft.com/office/powerpoint/2012/main">
         <p15:guide id="1" orient="horz" pos="2160">
           <p15:clr>
             <a:srgbClr val="A4A3A4"/>
@@ -241,7 +252,7 @@
           <a:p>
             <a:fld id="{BB7FF8B6-CFDF-429E-BED6-5A0F7B8ECD8C}" type="datetimeFigureOut">
               <a:rPr lang="zh-CN" altLang="en-US" smtClean="0"/>
-              <a:t>2014/6/20</a:t>
+              <a:t>2014/6/21</a:t>
             </a:fld>
             <a:endParaRPr lang="zh-CN" altLang="en-US"/>
           </a:p>
@@ -633,6 +644,877 @@
 </p:notes>
 </file>
 
+<file path=ppt/notesSlides/notesSlide2.xml><?xml version="1.0" encoding="utf-8"?>
+<p:notes xmlns:a="http://schemas.openxmlformats.org/drawingml/2006/main" xmlns:r="http://schemas.openxmlformats.org/officeDocument/2006/relationships" xmlns:p="http://schemas.openxmlformats.org/presentationml/2006/main">
+  <p:cSld>
+    <p:spTree>
+      <p:nvGrpSpPr>
+        <p:cNvPr id="1" name=""/>
+        <p:cNvGrpSpPr/>
+        <p:nvPr/>
+      </p:nvGrpSpPr>
+      <p:grpSpPr>
+        <a:xfrm>
+          <a:off x="0" y="0"/>
+          <a:ext cx="0" cy="0"/>
+          <a:chOff x="0" y="0"/>
+          <a:chExt cx="0" cy="0"/>
+        </a:xfrm>
+      </p:grpSpPr>
+      <p:sp>
+        <p:nvSpPr>
+          <p:cNvPr id="2" name="幻灯片图像占位符 1"/>
+          <p:cNvSpPr>
+            <a:spLocks noGrp="1" noRot="1" noChangeAspect="1"/>
+          </p:cNvSpPr>
+          <p:nvPr>
+            <p:ph type="sldImg"/>
+          </p:nvPr>
+        </p:nvSpPr>
+        <p:spPr/>
+      </p:sp>
+      <p:sp>
+        <p:nvSpPr>
+          <p:cNvPr id="3" name="备注占位符 2"/>
+          <p:cNvSpPr>
+            <a:spLocks noGrp="1"/>
+          </p:cNvSpPr>
+          <p:nvPr>
+            <p:ph type="body" idx="1"/>
+          </p:nvPr>
+        </p:nvSpPr>
+        <p:spPr/>
+        <p:txBody>
+          <a:bodyPr/>
+          <a:lstStyle/>
+          <a:p>
+            <a:pPr marL="0" marR="0" indent="0" algn="l" defTabSz="914400" rtl="0" eaLnBrk="1" fontAlgn="auto" latinLnBrk="0" hangingPunct="1">
+              <a:lnSpc>
+                <a:spcPct val="100000"/>
+              </a:lnSpc>
+              <a:spcBef>
+                <a:spcPts val="0"/>
+              </a:spcBef>
+              <a:spcAft>
+                <a:spcPts val="0"/>
+              </a:spcAft>
+              <a:buClrTx/>
+              <a:buSzTx/>
+              <a:buFontTx/>
+              <a:buNone/>
+              <a:tabLst/>
+              <a:defRPr/>
+            </a:pPr>
+            <a:r>
+              <a:rPr lang="zh-CN" altLang="en-US" dirty="0" smtClean="0"/>
+              <a:t>装箱问题：设有许多具有同样结构和负荷的箱子 </a:t>
+            </a:r>
+            <a:r>
+              <a:rPr lang="en-US" altLang="zh-CN" dirty="0" smtClean="0"/>
+              <a:t>B1</a:t>
+            </a:r>
+            <a:r>
+              <a:rPr lang="zh-CN" altLang="en-US" dirty="0" smtClean="0"/>
+              <a:t>，</a:t>
+            </a:r>
+            <a:r>
+              <a:rPr lang="en-US" altLang="zh-CN" dirty="0" smtClean="0"/>
+              <a:t>B2</a:t>
+            </a:r>
+            <a:r>
+              <a:rPr lang="zh-CN" altLang="en-US" dirty="0" smtClean="0"/>
+              <a:t>，</a:t>
+            </a:r>
+            <a:r>
+              <a:rPr lang="en-US" altLang="zh-CN" dirty="0" smtClean="0"/>
+              <a:t>… </a:t>
+            </a:r>
+            <a:r>
+              <a:rPr lang="zh-CN" altLang="en-US" dirty="0" smtClean="0"/>
+              <a:t>，其数量足够供所达到目的之用。每个箱子的负荷（可为长度、重量等等</a:t>
+            </a:r>
+            <a:r>
+              <a:rPr lang="en-US" altLang="zh-CN" dirty="0" smtClean="0"/>
+              <a:t>.</a:t>
+            </a:r>
+            <a:r>
+              <a:rPr lang="zh-CN" altLang="en-US" dirty="0" smtClean="0"/>
+              <a:t>）为 </a:t>
+            </a:r>
+            <a:r>
+              <a:rPr lang="en-US" altLang="zh-CN" dirty="0" smtClean="0"/>
+              <a:t>C </a:t>
+            </a:r>
+            <a:r>
+              <a:rPr lang="zh-CN" altLang="en-US" dirty="0" smtClean="0"/>
+              <a:t>，今有 </a:t>
+            </a:r>
+            <a:r>
+              <a:rPr lang="en-US" altLang="zh-CN" dirty="0" smtClean="0"/>
+              <a:t>n </a:t>
+            </a:r>
+            <a:r>
+              <a:rPr lang="zh-CN" altLang="en-US" dirty="0" smtClean="0"/>
+              <a:t>个负荷为 </a:t>
+            </a:r>
+            <a:r>
+              <a:rPr lang="en-US" altLang="zh-CN" dirty="0" err="1" smtClean="0"/>
+              <a:t>wj</a:t>
+            </a:r>
+            <a:r>
+              <a:rPr lang="zh-CN" altLang="en-US" dirty="0" smtClean="0"/>
+              <a:t>，</a:t>
+            </a:r>
+            <a:r>
+              <a:rPr lang="en-US" altLang="zh-CN" dirty="0" smtClean="0"/>
+              <a:t>0 &lt; </a:t>
+            </a:r>
+            <a:r>
+              <a:rPr lang="en-US" altLang="zh-CN" dirty="0" err="1" smtClean="0"/>
+              <a:t>wj</a:t>
+            </a:r>
+            <a:r>
+              <a:rPr lang="en-US" altLang="zh-CN" dirty="0" smtClean="0"/>
+              <a:t> &lt; C </a:t>
+            </a:r>
+            <a:r>
+              <a:rPr lang="zh-CN" altLang="en-US" dirty="0" smtClean="0"/>
+              <a:t>， </a:t>
+            </a:r>
+            <a:r>
+              <a:rPr lang="en-US" altLang="zh-CN" dirty="0" smtClean="0"/>
+              <a:t>j = 1</a:t>
+            </a:r>
+            <a:r>
+              <a:rPr lang="zh-CN" altLang="en-US" dirty="0" smtClean="0"/>
+              <a:t>，</a:t>
+            </a:r>
+            <a:r>
+              <a:rPr lang="en-US" altLang="zh-CN" dirty="0" smtClean="0"/>
+              <a:t>2</a:t>
+            </a:r>
+            <a:r>
+              <a:rPr lang="zh-CN" altLang="en-US" dirty="0" smtClean="0"/>
+              <a:t>，</a:t>
+            </a:r>
+            <a:r>
+              <a:rPr lang="en-US" altLang="zh-CN" dirty="0" smtClean="0"/>
+              <a:t>…</a:t>
+            </a:r>
+            <a:r>
+              <a:rPr lang="zh-CN" altLang="en-US" dirty="0" smtClean="0"/>
+              <a:t>，</a:t>
+            </a:r>
+            <a:r>
+              <a:rPr lang="en-US" altLang="zh-CN" dirty="0" smtClean="0"/>
+              <a:t>n </a:t>
+            </a:r>
+            <a:r>
+              <a:rPr lang="zh-CN" altLang="en-US" dirty="0" smtClean="0"/>
+              <a:t>的物品 </a:t>
+            </a:r>
+            <a:r>
+              <a:rPr lang="en-US" altLang="zh-CN" dirty="0" smtClean="0"/>
+              <a:t>J1</a:t>
+            </a:r>
+            <a:r>
+              <a:rPr lang="zh-CN" altLang="en-US" dirty="0" smtClean="0"/>
+              <a:t>，</a:t>
+            </a:r>
+            <a:r>
+              <a:rPr lang="en-US" altLang="zh-CN" dirty="0" smtClean="0"/>
+              <a:t>J2</a:t>
+            </a:r>
+            <a:r>
+              <a:rPr lang="zh-CN" altLang="en-US" dirty="0" smtClean="0"/>
+              <a:t>，</a:t>
+            </a:r>
+            <a:r>
+              <a:rPr lang="en-US" altLang="zh-CN" dirty="0" smtClean="0"/>
+              <a:t>…</a:t>
+            </a:r>
+            <a:r>
+              <a:rPr lang="zh-CN" altLang="en-US" dirty="0" smtClean="0"/>
+              <a:t>，</a:t>
+            </a:r>
+            <a:r>
+              <a:rPr lang="en-US" altLang="zh-CN" dirty="0" err="1" smtClean="0"/>
+              <a:t>Jn</a:t>
+            </a:r>
+            <a:r>
+              <a:rPr lang="en-US" altLang="zh-CN" dirty="0" smtClean="0"/>
+              <a:t> </a:t>
+            </a:r>
+            <a:r>
+              <a:rPr lang="zh-CN" altLang="en-US" dirty="0" smtClean="0"/>
+              <a:t>需要装入箱内。装箱问题就是指寻找一种方法，使得能以最小数量的箱子数将</a:t>
+            </a:r>
+            <a:r>
+              <a:rPr lang="en-US" altLang="zh-CN" dirty="0" smtClean="0"/>
+              <a:t>J1</a:t>
+            </a:r>
+            <a:r>
+              <a:rPr lang="zh-CN" altLang="en-US" dirty="0" smtClean="0"/>
+              <a:t>，</a:t>
+            </a:r>
+            <a:r>
+              <a:rPr lang="en-US" altLang="zh-CN" dirty="0" smtClean="0"/>
+              <a:t>J2</a:t>
+            </a:r>
+            <a:r>
+              <a:rPr lang="zh-CN" altLang="en-US" dirty="0" smtClean="0"/>
+              <a:t>，</a:t>
+            </a:r>
+            <a:r>
+              <a:rPr lang="en-US" altLang="zh-CN" dirty="0" smtClean="0"/>
+              <a:t>…</a:t>
+            </a:r>
+            <a:r>
+              <a:rPr lang="zh-CN" altLang="en-US" dirty="0" smtClean="0"/>
+              <a:t>，</a:t>
+            </a:r>
+            <a:r>
+              <a:rPr lang="en-US" altLang="zh-CN" dirty="0" err="1" smtClean="0"/>
+              <a:t>Jn</a:t>
+            </a:r>
+            <a:r>
+              <a:rPr lang="en-US" altLang="zh-CN" dirty="0" smtClean="0"/>
+              <a:t> </a:t>
+            </a:r>
+            <a:r>
+              <a:rPr lang="zh-CN" altLang="en-US" dirty="0" smtClean="0"/>
+              <a:t>全部装入箱内。</a:t>
+            </a:r>
+          </a:p>
+          <a:p>
+            <a:endParaRPr lang="zh-CN" altLang="en-US" dirty="0"/>
+          </a:p>
+        </p:txBody>
+      </p:sp>
+      <p:sp>
+        <p:nvSpPr>
+          <p:cNvPr id="4" name="灯片编号占位符 3"/>
+          <p:cNvSpPr>
+            <a:spLocks noGrp="1"/>
+          </p:cNvSpPr>
+          <p:nvPr>
+            <p:ph type="sldNum" sz="quarter" idx="10"/>
+          </p:nvPr>
+        </p:nvSpPr>
+        <p:spPr/>
+        <p:txBody>
+          <a:bodyPr/>
+          <a:lstStyle/>
+          <a:p>
+            <a:fld id="{213C2EC4-EC77-4BBC-8089-CEB80D7C2761}" type="slidenum">
+              <a:rPr lang="zh-CN" altLang="en-US" smtClean="0"/>
+              <a:t>32</a:t>
+            </a:fld>
+            <a:endParaRPr lang="zh-CN" altLang="en-US"/>
+          </a:p>
+        </p:txBody>
+      </p:sp>
+    </p:spTree>
+    <p:extLst>
+      <p:ext uri="{BB962C8B-B14F-4D97-AF65-F5344CB8AC3E}">
+        <p14:creationId xmlns:p14="http://schemas.microsoft.com/office/powerpoint/2010/main" val="1647492432"/>
+      </p:ext>
+    </p:extLst>
+  </p:cSld>
+  <p:clrMapOvr>
+    <a:masterClrMapping/>
+  </p:clrMapOvr>
+</p:notes>
+</file>
+
+<file path=ppt/notesSlides/notesSlide3.xml><?xml version="1.0" encoding="utf-8"?>
+<p:notes xmlns:a="http://schemas.openxmlformats.org/drawingml/2006/main" xmlns:r="http://schemas.openxmlformats.org/officeDocument/2006/relationships" xmlns:p="http://schemas.openxmlformats.org/presentationml/2006/main">
+  <p:cSld>
+    <p:spTree>
+      <p:nvGrpSpPr>
+        <p:cNvPr id="1" name=""/>
+        <p:cNvGrpSpPr/>
+        <p:nvPr/>
+      </p:nvGrpSpPr>
+      <p:grpSpPr>
+        <a:xfrm>
+          <a:off x="0" y="0"/>
+          <a:ext cx="0" cy="0"/>
+          <a:chOff x="0" y="0"/>
+          <a:chExt cx="0" cy="0"/>
+        </a:xfrm>
+      </p:grpSpPr>
+      <p:sp>
+        <p:nvSpPr>
+          <p:cNvPr id="2" name="幻灯片图像占位符 1"/>
+          <p:cNvSpPr>
+            <a:spLocks noGrp="1" noRot="1" noChangeAspect="1"/>
+          </p:cNvSpPr>
+          <p:nvPr>
+            <p:ph type="sldImg"/>
+          </p:nvPr>
+        </p:nvSpPr>
+        <p:spPr/>
+      </p:sp>
+      <p:sp>
+        <p:nvSpPr>
+          <p:cNvPr id="3" name="备注占位符 2"/>
+          <p:cNvSpPr>
+            <a:spLocks noGrp="1"/>
+          </p:cNvSpPr>
+          <p:nvPr>
+            <p:ph type="body" idx="1"/>
+          </p:nvPr>
+        </p:nvSpPr>
+        <p:spPr/>
+        <p:txBody>
+          <a:bodyPr/>
+          <a:lstStyle/>
+          <a:p>
+            <a:pPr marL="0" marR="0" indent="0" algn="l" defTabSz="914400" rtl="0" eaLnBrk="1" fontAlgn="auto" latinLnBrk="0" hangingPunct="1">
+              <a:lnSpc>
+                <a:spcPct val="100000"/>
+              </a:lnSpc>
+              <a:spcBef>
+                <a:spcPts val="0"/>
+              </a:spcBef>
+              <a:spcAft>
+                <a:spcPts val="0"/>
+              </a:spcAft>
+              <a:buClrTx/>
+              <a:buSzTx/>
+              <a:buFontTx/>
+              <a:buNone/>
+              <a:tabLst/>
+              <a:defRPr/>
+            </a:pPr>
+            <a:r>
+              <a:rPr lang="zh-CN" altLang="en-US" dirty="0" smtClean="0">
+                <a:solidFill>
+                  <a:srgbClr val="FF0000"/>
+                </a:solidFill>
+              </a:rPr>
+              <a:t>了解一下</a:t>
+            </a:r>
+            <a:r>
+              <a:rPr lang="en-US" altLang="zh-CN" dirty="0" smtClean="0">
+                <a:solidFill>
+                  <a:srgbClr val="FF0000"/>
+                </a:solidFill>
+              </a:rPr>
+              <a:t>hive </a:t>
+            </a:r>
+            <a:r>
+              <a:rPr lang="zh-CN" altLang="en-US" dirty="0" smtClean="0">
+                <a:solidFill>
+                  <a:srgbClr val="FF0000"/>
+                </a:solidFill>
+              </a:rPr>
+              <a:t>的混合存储：</a:t>
+            </a:r>
+          </a:p>
+          <a:p>
+            <a:endParaRPr lang="zh-CN" altLang="en-US" dirty="0"/>
+          </a:p>
+        </p:txBody>
+      </p:sp>
+      <p:sp>
+        <p:nvSpPr>
+          <p:cNvPr id="4" name="灯片编号占位符 3"/>
+          <p:cNvSpPr>
+            <a:spLocks noGrp="1"/>
+          </p:cNvSpPr>
+          <p:nvPr>
+            <p:ph type="sldNum" sz="quarter" idx="10"/>
+          </p:nvPr>
+        </p:nvSpPr>
+        <p:spPr/>
+        <p:txBody>
+          <a:bodyPr/>
+          <a:lstStyle/>
+          <a:p>
+            <a:fld id="{213C2EC4-EC77-4BBC-8089-CEB80D7C2761}" type="slidenum">
+              <a:rPr lang="zh-CN" altLang="en-US" smtClean="0"/>
+              <a:t>35</a:t>
+            </a:fld>
+            <a:endParaRPr lang="zh-CN" altLang="en-US"/>
+          </a:p>
+        </p:txBody>
+      </p:sp>
+    </p:spTree>
+    <p:extLst>
+      <p:ext uri="{BB962C8B-B14F-4D97-AF65-F5344CB8AC3E}">
+        <p14:creationId xmlns:p14="http://schemas.microsoft.com/office/powerpoint/2010/main" val="706637247"/>
+      </p:ext>
+    </p:extLst>
+  </p:cSld>
+  <p:clrMapOvr>
+    <a:masterClrMapping/>
+  </p:clrMapOvr>
+</p:notes>
+</file>
+
+<file path=ppt/notesSlides/notesSlide4.xml><?xml version="1.0" encoding="utf-8"?>
+<p:notes xmlns:a="http://schemas.openxmlformats.org/drawingml/2006/main" xmlns:r="http://schemas.openxmlformats.org/officeDocument/2006/relationships" xmlns:p="http://schemas.openxmlformats.org/presentationml/2006/main">
+  <p:cSld>
+    <p:spTree>
+      <p:nvGrpSpPr>
+        <p:cNvPr id="1" name=""/>
+        <p:cNvGrpSpPr/>
+        <p:nvPr/>
+      </p:nvGrpSpPr>
+      <p:grpSpPr>
+        <a:xfrm>
+          <a:off x="0" y="0"/>
+          <a:ext cx="0" cy="0"/>
+          <a:chOff x="0" y="0"/>
+          <a:chExt cx="0" cy="0"/>
+        </a:xfrm>
+      </p:grpSpPr>
+      <p:sp>
+        <p:nvSpPr>
+          <p:cNvPr id="2" name="幻灯片图像占位符 1"/>
+          <p:cNvSpPr>
+            <a:spLocks noGrp="1" noRot="1" noChangeAspect="1"/>
+          </p:cNvSpPr>
+          <p:nvPr>
+            <p:ph type="sldImg"/>
+          </p:nvPr>
+        </p:nvSpPr>
+        <p:spPr/>
+      </p:sp>
+      <p:sp>
+        <p:nvSpPr>
+          <p:cNvPr id="3" name="备注占位符 2"/>
+          <p:cNvSpPr>
+            <a:spLocks noGrp="1"/>
+          </p:cNvSpPr>
+          <p:nvPr>
+            <p:ph type="body" idx="1"/>
+          </p:nvPr>
+        </p:nvSpPr>
+        <p:spPr/>
+        <p:txBody>
+          <a:bodyPr/>
+          <a:lstStyle/>
+          <a:p>
+            <a:pPr marL="0" marR="0" indent="0" algn="l" defTabSz="914400" rtl="0" eaLnBrk="1" fontAlgn="auto" latinLnBrk="0" hangingPunct="1">
+              <a:lnSpc>
+                <a:spcPct val="100000"/>
+              </a:lnSpc>
+              <a:spcBef>
+                <a:spcPts val="0"/>
+              </a:spcBef>
+              <a:spcAft>
+                <a:spcPts val="0"/>
+              </a:spcAft>
+              <a:buClrTx/>
+              <a:buSzTx/>
+              <a:buFontTx/>
+              <a:buNone/>
+              <a:tabLst/>
+              <a:defRPr/>
+            </a:pPr>
+            <a:r>
+              <a:rPr lang="zh-CN" altLang="en-US" sz="1200" dirty="0" smtClean="0">
+                <a:solidFill>
+                  <a:srgbClr val="FF0000"/>
+                </a:solidFill>
+              </a:rPr>
+              <a:t>这里添加两个表的字段描述，以及普通</a:t>
+            </a:r>
+            <a:r>
+              <a:rPr lang="en-US" altLang="zh-CN" sz="1200" dirty="0" err="1" smtClean="0">
+                <a:solidFill>
+                  <a:srgbClr val="FF0000"/>
+                </a:solidFill>
+              </a:rPr>
+              <a:t>sql</a:t>
+            </a:r>
+            <a:r>
+              <a:rPr lang="en-US" altLang="zh-CN" sz="1200" dirty="0" smtClean="0">
+                <a:solidFill>
+                  <a:srgbClr val="FF0000"/>
+                </a:solidFill>
+              </a:rPr>
+              <a:t> </a:t>
+            </a:r>
+            <a:r>
+              <a:rPr lang="zh-CN" altLang="en-US" sz="1200" dirty="0" smtClean="0">
+                <a:solidFill>
+                  <a:srgbClr val="FF0000"/>
+                </a:solidFill>
+              </a:rPr>
+              <a:t>的</a:t>
+            </a:r>
+            <a:r>
+              <a:rPr lang="en-US" altLang="zh-CN" sz="1200" dirty="0" smtClean="0">
+                <a:solidFill>
+                  <a:srgbClr val="FF0000"/>
+                </a:solidFill>
+              </a:rPr>
+              <a:t>join</a:t>
+            </a:r>
+            <a:r>
+              <a:rPr lang="zh-CN" altLang="en-US" sz="1200" dirty="0" smtClean="0">
+                <a:solidFill>
+                  <a:srgbClr val="FF0000"/>
+                </a:solidFill>
+              </a:rPr>
+              <a:t>语句。</a:t>
+            </a:r>
+            <a:endParaRPr lang="en-US" altLang="zh-CN" sz="1200" dirty="0" smtClean="0">
+              <a:solidFill>
+                <a:srgbClr val="FF0000"/>
+              </a:solidFill>
+            </a:endParaRPr>
+          </a:p>
+          <a:p>
+            <a:pPr marL="0" marR="0" indent="0" algn="l" defTabSz="914400" rtl="0" eaLnBrk="1" fontAlgn="auto" latinLnBrk="0" hangingPunct="1">
+              <a:lnSpc>
+                <a:spcPct val="100000"/>
+              </a:lnSpc>
+              <a:spcBef>
+                <a:spcPts val="0"/>
+              </a:spcBef>
+              <a:spcAft>
+                <a:spcPts val="0"/>
+              </a:spcAft>
+              <a:buClrTx/>
+              <a:buSzTx/>
+              <a:buFontTx/>
+              <a:buNone/>
+              <a:tabLst/>
+              <a:defRPr/>
+            </a:pPr>
+            <a:r>
+              <a:rPr lang="en-US" altLang="zh-CN" b="1" dirty="0" smtClean="0"/>
+              <a:t>TBLPROPERTIES </a:t>
+            </a:r>
+            <a:r>
+              <a:rPr lang="zh-CN" altLang="en-US" b="1" dirty="0" smtClean="0"/>
+              <a:t>设置表的属性</a:t>
+            </a:r>
+            <a:endParaRPr lang="zh-CN" altLang="en-US" dirty="0" smtClean="0"/>
+          </a:p>
+          <a:p>
+            <a:endParaRPr lang="zh-CN" altLang="en-US" dirty="0"/>
+          </a:p>
+        </p:txBody>
+      </p:sp>
+      <p:sp>
+        <p:nvSpPr>
+          <p:cNvPr id="4" name="灯片编号占位符 3"/>
+          <p:cNvSpPr>
+            <a:spLocks noGrp="1"/>
+          </p:cNvSpPr>
+          <p:nvPr>
+            <p:ph type="sldNum" sz="quarter" idx="10"/>
+          </p:nvPr>
+        </p:nvSpPr>
+        <p:spPr/>
+        <p:txBody>
+          <a:bodyPr/>
+          <a:lstStyle/>
+          <a:p>
+            <a:fld id="{213C2EC4-EC77-4BBC-8089-CEB80D7C2761}" type="slidenum">
+              <a:rPr lang="zh-CN" altLang="en-US" smtClean="0"/>
+              <a:t>36</a:t>
+            </a:fld>
+            <a:endParaRPr lang="zh-CN" altLang="en-US"/>
+          </a:p>
+        </p:txBody>
+      </p:sp>
+    </p:spTree>
+    <p:extLst>
+      <p:ext uri="{BB962C8B-B14F-4D97-AF65-F5344CB8AC3E}">
+        <p14:creationId xmlns:p14="http://schemas.microsoft.com/office/powerpoint/2010/main" val="2030732982"/>
+      </p:ext>
+    </p:extLst>
+  </p:cSld>
+  <p:clrMapOvr>
+    <a:masterClrMapping/>
+  </p:clrMapOvr>
+</p:notes>
+</file>
+
+<file path=ppt/notesSlides/notesSlide5.xml><?xml version="1.0" encoding="utf-8"?>
+<p:notes xmlns:a="http://schemas.openxmlformats.org/drawingml/2006/main" xmlns:r="http://schemas.openxmlformats.org/officeDocument/2006/relationships" xmlns:p="http://schemas.openxmlformats.org/presentationml/2006/main">
+  <p:cSld>
+    <p:spTree>
+      <p:nvGrpSpPr>
+        <p:cNvPr id="1" name=""/>
+        <p:cNvGrpSpPr/>
+        <p:nvPr/>
+      </p:nvGrpSpPr>
+      <p:grpSpPr>
+        <a:xfrm>
+          <a:off x="0" y="0"/>
+          <a:ext cx="0" cy="0"/>
+          <a:chOff x="0" y="0"/>
+          <a:chExt cx="0" cy="0"/>
+        </a:xfrm>
+      </p:grpSpPr>
+      <p:sp>
+        <p:nvSpPr>
+          <p:cNvPr id="2" name="幻灯片图像占位符 1"/>
+          <p:cNvSpPr>
+            <a:spLocks noGrp="1" noRot="1" noChangeAspect="1"/>
+          </p:cNvSpPr>
+          <p:nvPr>
+            <p:ph type="sldImg"/>
+          </p:nvPr>
+        </p:nvSpPr>
+        <p:spPr/>
+      </p:sp>
+      <p:sp>
+        <p:nvSpPr>
+          <p:cNvPr id="3" name="备注占位符 2"/>
+          <p:cNvSpPr>
+            <a:spLocks noGrp="1"/>
+          </p:cNvSpPr>
+          <p:nvPr>
+            <p:ph type="body" idx="1"/>
+          </p:nvPr>
+        </p:nvSpPr>
+        <p:spPr/>
+        <p:txBody>
+          <a:bodyPr/>
+          <a:lstStyle/>
+          <a:p>
+            <a:endParaRPr lang="zh-CN" altLang="en-US" dirty="0"/>
+          </a:p>
+        </p:txBody>
+      </p:sp>
+      <p:sp>
+        <p:nvSpPr>
+          <p:cNvPr id="4" name="灯片编号占位符 3"/>
+          <p:cNvSpPr>
+            <a:spLocks noGrp="1"/>
+          </p:cNvSpPr>
+          <p:nvPr>
+            <p:ph type="sldNum" sz="quarter" idx="10"/>
+          </p:nvPr>
+        </p:nvSpPr>
+        <p:spPr/>
+        <p:txBody>
+          <a:bodyPr/>
+          <a:lstStyle/>
+          <a:p>
+            <a:fld id="{213C2EC4-EC77-4BBC-8089-CEB80D7C2761}" type="slidenum">
+              <a:rPr lang="zh-CN" altLang="en-US" smtClean="0"/>
+              <a:t>40</a:t>
+            </a:fld>
+            <a:endParaRPr lang="zh-CN" altLang="en-US"/>
+          </a:p>
+        </p:txBody>
+      </p:sp>
+    </p:spTree>
+    <p:extLst>
+      <p:ext uri="{BB962C8B-B14F-4D97-AF65-F5344CB8AC3E}">
+        <p14:creationId xmlns:p14="http://schemas.microsoft.com/office/powerpoint/2010/main" val="3587952399"/>
+      </p:ext>
+    </p:extLst>
+  </p:cSld>
+  <p:clrMapOvr>
+    <a:masterClrMapping/>
+  </p:clrMapOvr>
+</p:notes>
+</file>
+
+<file path=ppt/notesSlides/notesSlide6.xml><?xml version="1.0" encoding="utf-8"?>
+<p:notes xmlns:a="http://schemas.openxmlformats.org/drawingml/2006/main" xmlns:r="http://schemas.openxmlformats.org/officeDocument/2006/relationships" xmlns:p="http://schemas.openxmlformats.org/presentationml/2006/main">
+  <p:cSld>
+    <p:spTree>
+      <p:nvGrpSpPr>
+        <p:cNvPr id="1" name=""/>
+        <p:cNvGrpSpPr/>
+        <p:nvPr/>
+      </p:nvGrpSpPr>
+      <p:grpSpPr>
+        <a:xfrm>
+          <a:off x="0" y="0"/>
+          <a:ext cx="0" cy="0"/>
+          <a:chOff x="0" y="0"/>
+          <a:chExt cx="0" cy="0"/>
+        </a:xfrm>
+      </p:grpSpPr>
+      <p:sp>
+        <p:nvSpPr>
+          <p:cNvPr id="2" name="幻灯片图像占位符 1"/>
+          <p:cNvSpPr>
+            <a:spLocks noGrp="1" noRot="1" noChangeAspect="1"/>
+          </p:cNvSpPr>
+          <p:nvPr>
+            <p:ph type="sldImg"/>
+          </p:nvPr>
+        </p:nvSpPr>
+        <p:spPr/>
+      </p:sp>
+      <p:sp>
+        <p:nvSpPr>
+          <p:cNvPr id="3" name="备注占位符 2"/>
+          <p:cNvSpPr>
+            <a:spLocks noGrp="1"/>
+          </p:cNvSpPr>
+          <p:nvPr>
+            <p:ph type="body" idx="1"/>
+          </p:nvPr>
+        </p:nvSpPr>
+        <p:spPr/>
+        <p:txBody>
+          <a:bodyPr/>
+          <a:lstStyle/>
+          <a:p>
+            <a:pPr marL="0" marR="0" indent="0" algn="l" defTabSz="914400" rtl="0" eaLnBrk="1" fontAlgn="auto" latinLnBrk="0" hangingPunct="1">
+              <a:lnSpc>
+                <a:spcPct val="100000"/>
+              </a:lnSpc>
+              <a:spcBef>
+                <a:spcPts val="0"/>
+              </a:spcBef>
+              <a:spcAft>
+                <a:spcPts val="0"/>
+              </a:spcAft>
+              <a:buClrTx/>
+              <a:buSzTx/>
+              <a:buFontTx/>
+              <a:buNone/>
+              <a:tabLst/>
+              <a:defRPr/>
+            </a:pPr>
+            <a:r>
+              <a:rPr lang="zh-CN" altLang="en-US" dirty="0" smtClean="0"/>
+              <a:t>传统的</a:t>
+            </a:r>
+            <a:r>
+              <a:rPr lang="en-US" altLang="zh-CN" dirty="0" err="1" smtClean="0"/>
+              <a:t>MapReduce</a:t>
+            </a:r>
+            <a:r>
+              <a:rPr lang="zh-CN" altLang="en-US" dirty="0" smtClean="0"/>
+              <a:t>系统，如</a:t>
+            </a:r>
+            <a:r>
+              <a:rPr lang="en-US" altLang="zh-CN" dirty="0" smtClean="0"/>
+              <a:t>Hadoop</a:t>
+            </a:r>
+            <a:r>
+              <a:rPr lang="zh-CN" altLang="en-US" dirty="0" smtClean="0"/>
+              <a:t>，被设计为多小时的批处理系统。</a:t>
+            </a:r>
+            <a:r>
+              <a:rPr lang="en-US" altLang="zh-CN" dirty="0" smtClean="0"/>
+              <a:t>Hadoop</a:t>
+            </a:r>
+            <a:r>
+              <a:rPr lang="zh-CN" altLang="en-US" dirty="0" smtClean="0"/>
+              <a:t>使用“心跳机制”分配任务，</a:t>
+            </a:r>
+            <a:r>
+              <a:rPr lang="en-US" altLang="zh-CN" dirty="0" smtClean="0"/>
+              <a:t>worker</a:t>
+            </a:r>
+            <a:r>
+              <a:rPr lang="zh-CN" altLang="en-US" dirty="0" smtClean="0"/>
+              <a:t>每</a:t>
+            </a:r>
+            <a:r>
+              <a:rPr lang="en-US" altLang="zh-CN" dirty="0" smtClean="0">
+                <a:solidFill>
+                  <a:srgbClr val="FF0000"/>
+                </a:solidFill>
+              </a:rPr>
+              <a:t>3</a:t>
+            </a:r>
+            <a:r>
+              <a:rPr lang="zh-CN" altLang="en-US" dirty="0" smtClean="0"/>
+              <a:t>秒向</a:t>
+            </a:r>
+            <a:r>
+              <a:rPr lang="en-US" altLang="zh-CN" dirty="0" smtClean="0"/>
+              <a:t>master</a:t>
+            </a:r>
+            <a:r>
+              <a:rPr lang="zh-CN" altLang="en-US" dirty="0" smtClean="0"/>
+              <a:t>发送一次心跳，而任务启动时间延迟了</a:t>
+            </a:r>
+            <a:r>
+              <a:rPr lang="en-US" altLang="zh-CN" dirty="0" smtClean="0"/>
+              <a:t>5~10</a:t>
+            </a:r>
+            <a:r>
+              <a:rPr lang="zh-CN" altLang="en-US" dirty="0" smtClean="0"/>
+              <a:t>秒。对于即席查询不适用。</a:t>
+            </a:r>
+            <a:endParaRPr lang="en-US" altLang="zh-CN" dirty="0" smtClean="0"/>
+          </a:p>
+          <a:p>
+            <a:endParaRPr lang="en-US" altLang="zh-CN" dirty="0" smtClean="0"/>
+          </a:p>
+          <a:p>
+            <a:r>
+              <a:rPr lang="zh-CN" altLang="en-US" dirty="0" smtClean="0"/>
+              <a:t>多租户技术（英语：</a:t>
+            </a:r>
+            <a:r>
+              <a:rPr lang="en-US" altLang="zh-CN" dirty="0" smtClean="0"/>
+              <a:t>multi-tenancy technology</a:t>
+            </a:r>
+            <a:r>
+              <a:rPr lang="zh-CN" altLang="en-US" dirty="0" smtClean="0"/>
+              <a:t>）或称多重租赁技术，是一种</a:t>
+            </a:r>
+            <a:r>
+              <a:rPr lang="zh-CN" altLang="en-US" dirty="0" smtClean="0">
+                <a:hlinkClick r:id="rId3"/>
+              </a:rPr>
+              <a:t>软件架构</a:t>
+            </a:r>
+            <a:r>
+              <a:rPr lang="zh-CN" altLang="en-US" dirty="0" smtClean="0"/>
+              <a:t>技术，它是在探讨与实现如何于多用户的环境下共用相同的系统或程序组件，并且仍可确保各用户间数据的隔离性。</a:t>
+            </a:r>
+            <a:endParaRPr lang="zh-CN" altLang="en-US" dirty="0"/>
+          </a:p>
+        </p:txBody>
+      </p:sp>
+      <p:sp>
+        <p:nvSpPr>
+          <p:cNvPr id="4" name="灯片编号占位符 3"/>
+          <p:cNvSpPr>
+            <a:spLocks noGrp="1"/>
+          </p:cNvSpPr>
+          <p:nvPr>
+            <p:ph type="sldNum" sz="quarter" idx="10"/>
+          </p:nvPr>
+        </p:nvSpPr>
+        <p:spPr/>
+        <p:txBody>
+          <a:bodyPr/>
+          <a:lstStyle/>
+          <a:p>
+            <a:fld id="{213C2EC4-EC77-4BBC-8089-CEB80D7C2761}" type="slidenum">
+              <a:rPr lang="zh-CN" altLang="en-US" smtClean="0"/>
+              <a:t>43</a:t>
+            </a:fld>
+            <a:endParaRPr lang="zh-CN" altLang="en-US"/>
+          </a:p>
+        </p:txBody>
+      </p:sp>
+    </p:spTree>
+    <p:extLst>
+      <p:ext uri="{BB962C8B-B14F-4D97-AF65-F5344CB8AC3E}">
+        <p14:creationId xmlns:p14="http://schemas.microsoft.com/office/powerpoint/2010/main" val="4270467599"/>
+      </p:ext>
+    </p:extLst>
+  </p:cSld>
+  <p:clrMapOvr>
+    <a:masterClrMapping/>
+  </p:clrMapOvr>
+</p:notes>
+</file>
+
 <file path=ppt/slideLayouts/slideLayout1.xml><?xml version="1.0" encoding="utf-8"?>
 <p:sldLayout xmlns:a="http://schemas.openxmlformats.org/drawingml/2006/main" xmlns:r="http://schemas.openxmlformats.org/officeDocument/2006/relationships" xmlns:p="http://schemas.openxmlformats.org/presentationml/2006/main" type="title" preserve="1">
   <p:cSld name="标题幻灯片">
@@ -814,7 +1696,7 @@
           <a:p>
             <a:fld id="{530820CF-B880-4189-942D-D702A7CBA730}" type="datetimeFigureOut">
               <a:rPr lang="zh-CN" altLang="en-US" smtClean="0"/>
-              <a:t>2014/6/20</a:t>
+              <a:t>2014/6/21</a:t>
             </a:fld>
             <a:endParaRPr lang="zh-CN" altLang="en-US"/>
           </a:p>
@@ -979,7 +1861,7 @@
           <a:p>
             <a:fld id="{530820CF-B880-4189-942D-D702A7CBA730}" type="datetimeFigureOut">
               <a:rPr lang="zh-CN" altLang="en-US" smtClean="0"/>
-              <a:t>2014/6/20</a:t>
+              <a:t>2014/6/21</a:t>
             </a:fld>
             <a:endParaRPr lang="zh-CN" altLang="en-US"/>
           </a:p>
@@ -1154,7 +2036,7 @@
           <a:p>
             <a:fld id="{530820CF-B880-4189-942D-D702A7CBA730}" type="datetimeFigureOut">
               <a:rPr lang="zh-CN" altLang="en-US" smtClean="0"/>
-              <a:t>2014/6/20</a:t>
+              <a:t>2014/6/21</a:t>
             </a:fld>
             <a:endParaRPr lang="zh-CN" altLang="en-US"/>
           </a:p>
@@ -1319,7 +2201,7 @@
           <a:p>
             <a:fld id="{530820CF-B880-4189-942D-D702A7CBA730}" type="datetimeFigureOut">
               <a:rPr lang="zh-CN" altLang="en-US" smtClean="0"/>
-              <a:t>2014/6/20</a:t>
+              <a:t>2014/6/21</a:t>
             </a:fld>
             <a:endParaRPr lang="zh-CN" altLang="en-US"/>
           </a:p>
@@ -1560,7 +2442,7 @@
           <a:p>
             <a:fld id="{530820CF-B880-4189-942D-D702A7CBA730}" type="datetimeFigureOut">
               <a:rPr lang="zh-CN" altLang="en-US" smtClean="0"/>
-              <a:t>2014/6/20</a:t>
+              <a:t>2014/6/21</a:t>
             </a:fld>
             <a:endParaRPr lang="zh-CN" altLang="en-US"/>
           </a:p>
@@ -1843,7 +2725,7 @@
           <a:p>
             <a:fld id="{530820CF-B880-4189-942D-D702A7CBA730}" type="datetimeFigureOut">
               <a:rPr lang="zh-CN" altLang="en-US" smtClean="0"/>
-              <a:t>2014/6/20</a:t>
+              <a:t>2014/6/21</a:t>
             </a:fld>
             <a:endParaRPr lang="zh-CN" altLang="en-US"/>
           </a:p>
@@ -2260,7 +3142,7 @@
           <a:p>
             <a:fld id="{530820CF-B880-4189-942D-D702A7CBA730}" type="datetimeFigureOut">
               <a:rPr lang="zh-CN" altLang="en-US" smtClean="0"/>
-              <a:t>2014/6/20</a:t>
+              <a:t>2014/6/21</a:t>
             </a:fld>
             <a:endParaRPr lang="zh-CN" altLang="en-US"/>
           </a:p>
@@ -2373,7 +3255,7 @@
           <a:p>
             <a:fld id="{530820CF-B880-4189-942D-D702A7CBA730}" type="datetimeFigureOut">
               <a:rPr lang="zh-CN" altLang="en-US" smtClean="0"/>
-              <a:t>2014/6/20</a:t>
+              <a:t>2014/6/21</a:t>
             </a:fld>
             <a:endParaRPr lang="zh-CN" altLang="en-US"/>
           </a:p>
@@ -2463,7 +3345,7 @@
           <a:p>
             <a:fld id="{530820CF-B880-4189-942D-D702A7CBA730}" type="datetimeFigureOut">
               <a:rPr lang="zh-CN" altLang="en-US" smtClean="0"/>
-              <a:t>2014/6/20</a:t>
+              <a:t>2014/6/21</a:t>
             </a:fld>
             <a:endParaRPr lang="zh-CN" altLang="en-US"/>
           </a:p>
@@ -2735,7 +3617,7 @@
           <a:p>
             <a:fld id="{530820CF-B880-4189-942D-D702A7CBA730}" type="datetimeFigureOut">
               <a:rPr lang="zh-CN" altLang="en-US" smtClean="0"/>
-              <a:t>2014/6/20</a:t>
+              <a:t>2014/6/21</a:t>
             </a:fld>
             <a:endParaRPr lang="zh-CN" altLang="en-US"/>
           </a:p>
@@ -2983,7 +3865,7 @@
           <a:p>
             <a:fld id="{530820CF-B880-4189-942D-D702A7CBA730}" type="datetimeFigureOut">
               <a:rPr lang="zh-CN" altLang="en-US" smtClean="0"/>
-              <a:t>2014/6/20</a:t>
+              <a:t>2014/6/21</a:t>
             </a:fld>
             <a:endParaRPr lang="zh-CN" altLang="en-US"/>
           </a:p>
@@ -3191,7 +4073,7 @@
           <a:p>
             <a:fld id="{530820CF-B880-4189-942D-D702A7CBA730}" type="datetimeFigureOut">
               <a:rPr lang="zh-CN" altLang="en-US" smtClean="0"/>
-              <a:t>2014/6/20</a:t>
+              <a:t>2014/6/21</a:t>
             </a:fld>
             <a:endParaRPr lang="zh-CN" altLang="en-US"/>
           </a:p>
@@ -4090,10 +4972,32 @@
             <a:endParaRPr lang="en-US" altLang="zh-CN" dirty="0" smtClean="0"/>
           </a:p>
           <a:p>
-            <a:pPr lvl="1"/>
+            <a:pPr marL="457200" lvl="1" indent="0">
+              <a:buNone/>
+            </a:pPr>
+            <a:r>
+              <a:rPr lang="en-US" altLang="zh-CN" dirty="0" smtClean="0"/>
+              <a:t>RDD</a:t>
+            </a:r>
+            <a:r>
+              <a:rPr lang="zh-CN" altLang="en-US" dirty="0" smtClean="0"/>
+              <a:t>是</a:t>
+            </a:r>
+            <a:r>
+              <a:rPr lang="zh-CN" altLang="en-US" b="1" dirty="0" smtClean="0"/>
+              <a:t>粗粒度</a:t>
+            </a:r>
+            <a:r>
+              <a:rPr lang="zh-CN" altLang="en-US" dirty="0" smtClean="0"/>
+              <a:t>的，</a:t>
+            </a:r>
+            <a:r>
+              <a:rPr lang="zh-CN" altLang="en-US" dirty="0" smtClean="0"/>
+              <a:t>不能</a:t>
+            </a:r>
             <a:r>
               <a:rPr lang="zh-CN" altLang="en-US" dirty="0"/>
-              <a:t>不能很好地支持细粒度、异步的数据处理</a:t>
+              <a:t>很好地支持细粒度、异步的数据处理</a:t>
             </a:r>
             <a:r>
               <a:rPr lang="zh-CN" altLang="en-US" dirty="0" smtClean="0"/>
@@ -5293,7 +6197,7 @@
             <p:ph idx="1"/>
             <p:extLst>
               <p:ext uri="{D42A27DB-BD31-4B8C-83A1-F6EECF244321}">
-                <p14:modId xmlns:p14="http://schemas.microsoft.com/office/powerpoint/2010/main" val="2113602481"/>
+                <p14:modId xmlns:p14="http://schemas.microsoft.com/office/powerpoint/2010/main" val="1821514070"/>
               </p:ext>
             </p:extLst>
           </p:nvPr>
@@ -5467,7 +6371,7 @@
                         </a:spcAft>
                       </a:pPr>
                       <a:r>
-                        <a:rPr lang="en-US" sz="1800" dirty="0" err="1"/>
+                        <a:rPr lang="en-US" sz="1800" b="1" dirty="0" err="1"/>
                         <a:t>flatMap</a:t>
                       </a:r>
                       <a:r>
@@ -5595,10 +6499,14 @@
                         </a:spcAft>
                       </a:pPr>
                       <a:r>
-                        <a:rPr lang="en-US" sz="1800"/>
-                        <a:t>reduceByKey( f : (V;V))V) :</a:t>
+                        <a:rPr lang="en-US" sz="1800" b="1" dirty="0" err="1"/>
+                        <a:t>reduceByKey</a:t>
                       </a:r>
-                      <a:endParaRPr lang="zh-CN" sz="1800">
+                      <a:r>
+                        <a:rPr lang="en-US" sz="1800" dirty="0"/>
+                        <a:t>( f : (V;V))V) :</a:t>
+                      </a:r>
+                      <a:endParaRPr lang="zh-CN" sz="1800" dirty="0">
                         <a:latin typeface="Times New Roman"/>
                         <a:ea typeface="PMingLiU"/>
                       </a:endParaRPr>
@@ -24007,14 +24915,7 @@
                 <a:latin typeface="+mn-ea"/>
                 <a:cs typeface="ＭＳ Ｐゴシック" charset="-128"/>
               </a:rPr>
-              <a:t>注意</a:t>
-            </a:r>
-            <a:r>
-              <a:rPr lang="zh-CN" altLang="en-US" sz="2000" dirty="0" smtClean="0">
-                <a:latin typeface="+mn-ea"/>
-                <a:cs typeface="ＭＳ Ｐゴシック" charset="-128"/>
-              </a:rPr>
-              <a:t>：</a:t>
+              <a:t>注意：</a:t>
             </a:r>
             <a:endParaRPr lang="en-US" altLang="zh-CN" sz="2000" dirty="0" smtClean="0">
               <a:latin typeface="+mn-ea"/>
@@ -24031,14 +24932,7 @@
                 <a:latin typeface="+mn-ea"/>
                 <a:cs typeface="ＭＳ Ｐゴシック" charset="-128"/>
               </a:rPr>
-              <a:t>对于</a:t>
-            </a:r>
-            <a:r>
-              <a:rPr lang="zh-CN" altLang="en-US" sz="2000" dirty="0" smtClean="0">
-                <a:latin typeface="+mn-ea"/>
-                <a:cs typeface="ＭＳ Ｐゴシック" charset="-128"/>
-              </a:rPr>
-              <a:t>宽依赖，在两个阶段（</a:t>
+              <a:t>对于宽依赖，在两个阶段（</a:t>
             </a:r>
             <a:r>
               <a:rPr lang="en-US" altLang="zh-CN" sz="2000" b="1" dirty="0" smtClean="0">
@@ -24094,14 +24988,7 @@
                 <a:latin typeface="+mn-ea"/>
                 <a:cs typeface="ＭＳ Ｐゴシック" charset="-128"/>
               </a:rPr>
-              <a:t>操作涉及到数据网络传输、中间结果排序等问题，会影响到整体性能</a:t>
-            </a:r>
-            <a:r>
-              <a:rPr lang="zh-CN" altLang="en-US" sz="2000" dirty="0" smtClean="0">
-                <a:latin typeface="+mn-ea"/>
-                <a:cs typeface="ＭＳ Ｐゴシック" charset="-128"/>
-              </a:rPr>
-              <a:t>。</a:t>
+              <a:t>操作涉及到数据网络传输、中间结果排序等问题，会影响到整体性能。</a:t>
             </a:r>
             <a:endParaRPr lang="en-US" altLang="zh-CN" sz="2000" dirty="0" smtClean="0">
               <a:latin typeface="+mn-ea"/>
@@ -32685,12 +33572,39 @@
             <p:ph type="ctrTitle"/>
           </p:nvPr>
         </p:nvSpPr>
-        <p:spPr/>
+        <p:spPr>
+          <a:xfrm>
+            <a:off x="251520" y="1340768"/>
+            <a:ext cx="8892480" cy="2259683"/>
+          </a:xfrm>
+        </p:spPr>
         <p:txBody>
-          <a:bodyPr/>
+          <a:bodyPr>
+            <a:normAutofit/>
+          </a:bodyPr>
           <a:lstStyle/>
           <a:p>
-            <a:endParaRPr lang="zh-CN" altLang="en-US" dirty="0"/>
+            <a:pPr algn="just"/>
+            <a:r>
+              <a:rPr lang="en-US" altLang="zh-CN" sz="4000" b="1" dirty="0"/>
+              <a:t>Shark: SQL and Rich </a:t>
+            </a:r>
+            <a:r>
+              <a:rPr lang="en-US" altLang="zh-CN" sz="4000" b="1" dirty="0" smtClean="0"/>
+              <a:t>Analytics </a:t>
+            </a:r>
+            <a:r>
+              <a:rPr lang="en-US" altLang="zh-CN" sz="4000" b="1" dirty="0"/>
+              <a:t>at </a:t>
+            </a:r>
+            <a:r>
+              <a:rPr lang="en-US" altLang="zh-CN" sz="4000" b="1" dirty="0" smtClean="0"/>
+              <a:t>Scale</a:t>
+            </a:r>
+            <a:br>
+              <a:rPr lang="en-US" altLang="zh-CN" sz="4000" b="1" dirty="0" smtClean="0"/>
+            </a:br>
+            <a:endParaRPr lang="zh-CN" altLang="en-US" sz="4000" dirty="0"/>
           </a:p>
         </p:txBody>
       </p:sp>
@@ -32704,12 +33618,30 @@
             <p:ph type="subTitle" idx="1"/>
           </p:nvPr>
         </p:nvSpPr>
-        <p:spPr/>
+        <p:spPr>
+          <a:xfrm>
+            <a:off x="3995936" y="3886200"/>
+            <a:ext cx="3776464" cy="1752600"/>
+          </a:xfrm>
+        </p:spPr>
         <p:txBody>
           <a:bodyPr/>
           <a:lstStyle/>
           <a:p>
-            <a:endParaRPr lang="zh-CN" altLang="en-US"/>
+            <a:pPr algn="l"/>
+            <a:r>
+              <a:rPr lang="zh-CN" altLang="en-US" dirty="0" smtClean="0"/>
+              <a:t>主讲人：沈昌干</a:t>
+            </a:r>
+            <a:endParaRPr lang="en-US" altLang="zh-CN" dirty="0" smtClean="0"/>
+          </a:p>
+          <a:p>
+            <a:pPr algn="l"/>
+            <a:r>
+              <a:rPr lang="zh-CN" altLang="en-US" dirty="0" smtClean="0"/>
+              <a:t>主持人：詹天晟</a:t>
+            </a:r>
+            <a:endParaRPr lang="zh-CN" altLang="en-US" dirty="0"/>
           </a:p>
         </p:txBody>
       </p:sp>
@@ -33920,6 +34852,48 @@
           </a:extLst>
         </p:spPr>
       </p:pic>
+      <p:sp>
+        <p:nvSpPr>
+          <p:cNvPr id="5" name="TextBox 4"/>
+          <p:cNvSpPr txBox="1"/>
+          <p:nvPr/>
+        </p:nvSpPr>
+        <p:spPr>
+          <a:xfrm>
+            <a:off x="912577" y="5310857"/>
+            <a:ext cx="2952328" cy="646331"/>
+          </a:xfrm>
+          <a:prstGeom prst="rect">
+            <a:avLst/>
+          </a:prstGeom>
+          <a:noFill/>
+        </p:spPr>
+        <p:txBody>
+          <a:bodyPr wrap="square" rtlCol="0">
+            <a:spAutoFit/>
+          </a:bodyPr>
+          <a:lstStyle/>
+          <a:p>
+            <a:r>
+              <a:rPr lang="en-US" altLang="zh-CN" dirty="0" smtClean="0"/>
+              <a:t>Spark</a:t>
+            </a:r>
+            <a:r>
+              <a:rPr lang="zh-CN" altLang="en-US" dirty="0" smtClean="0"/>
+              <a:t>比</a:t>
+            </a:r>
+            <a:r>
+              <a:rPr lang="en-US" altLang="zh-CN" dirty="0" smtClean="0"/>
+              <a:t>Hive</a:t>
+            </a:r>
+            <a:r>
+              <a:rPr lang="zh-CN" altLang="en-US" dirty="0" smtClean="0"/>
+              <a:t>的主要优势：缓存中间查询结果到内存</a:t>
+            </a:r>
+            <a:endParaRPr lang="zh-CN" altLang="en-US" dirty="0"/>
+          </a:p>
+        </p:txBody>
+      </p:sp>
     </p:spTree>
     <p:extLst>
       <p:ext uri="{BB962C8B-B14F-4D97-AF65-F5344CB8AC3E}">
@@ -34144,11 +35118,27 @@
                   <a:srgbClr val="FF0000"/>
                 </a:solidFill>
               </a:rPr>
-              <a:t>UDF</a:t>
+              <a:t>UDF(</a:t>
+            </a:r>
+            <a:r>
+              <a:rPr lang="en-US" altLang="zh-CN" dirty="0"/>
+              <a:t>user-defined function</a:t>
+            </a:r>
+            <a:r>
+              <a:rPr lang="en-US" altLang="zh-CN" dirty="0" smtClean="0">
+                <a:solidFill>
+                  <a:srgbClr val="FF0000"/>
+                </a:solidFill>
+              </a:rPr>
+              <a:t>)</a:t>
             </a:r>
             <a:r>
               <a:rPr lang="zh-CN" altLang="en-US" dirty="0" smtClean="0"/>
-              <a:t>的这类查询，“恢复”同样起作用。</a:t>
+              <a:t>的</a:t>
+            </a:r>
+            <a:r>
+              <a:rPr lang="zh-CN" altLang="en-US" dirty="0" smtClean="0"/>
+              <a:t>这类查询，“恢复”同样起作用。</a:t>
             </a:r>
             <a:endParaRPr lang="zh-CN" altLang="en-US" dirty="0"/>
           </a:p>
@@ -34164,6 +35154,13 @@
   <p:clrMapOvr>
     <a:masterClrMapping/>
   </p:clrMapOvr>
+  <p:timing>
+    <p:tnLst>
+      <p:par>
+        <p:cTn id="1" dur="indefinite" restart="never" nodeType="tmRoot"/>
+      </p:par>
+    </p:tnLst>
+  </p:timing>
 </p:sld>
 </file>
 
@@ -34328,11 +35325,7 @@
             </a:r>
             <a:r>
               <a:rPr lang="zh-CN" altLang="en-US" dirty="0" smtClean="0"/>
-              <a:t>等</a:t>
-            </a:r>
-            <a:r>
-              <a:rPr lang="zh-CN" altLang="en-US" dirty="0" smtClean="0"/>
-              <a:t>。</a:t>
+              <a:t>等。</a:t>
             </a:r>
             <a:endParaRPr lang="en-US" altLang="zh-CN" dirty="0" smtClean="0"/>
           </a:p>
@@ -34418,11 +35411,7 @@
             </a:pPr>
             <a:r>
               <a:rPr lang="zh-CN" altLang="en-US" dirty="0" smtClean="0"/>
-              <a:t>至此</a:t>
-            </a:r>
-            <a:r>
-              <a:rPr lang="zh-CN" altLang="en-US" dirty="0" smtClean="0"/>
-              <a:t>，一个查询操作在底层表现为</a:t>
+              <a:t>至此，一个查询操作在底层表现为</a:t>
             </a:r>
             <a:r>
               <a:rPr lang="en-US" altLang="zh-CN" b="1" dirty="0" smtClean="0"/>
@@ -41196,11 +42185,7 @@
           <a:p>
             <a:r>
               <a:rPr lang="zh-CN" altLang="en-US" dirty="0" smtClean="0"/>
-              <a:t>三、引擎</a:t>
-            </a:r>
-            <a:r>
-              <a:rPr lang="zh-CN" altLang="en-US" dirty="0" smtClean="0"/>
-              <a:t>扩展</a:t>
+              <a:t>三、引擎扩展</a:t>
             </a:r>
             <a:endParaRPr lang="zh-CN" altLang="en-US" dirty="0"/>
           </a:p>
@@ -41300,7 +42285,7 @@
         <p:spPr/>
         <p:txBody>
           <a:bodyPr>
-            <a:normAutofit fontScale="92500"/>
+            <a:normAutofit fontScale="92500" lnSpcReduction="10000"/>
           </a:bodyPr>
           <a:lstStyle/>
           <a:p>
@@ -41344,10 +42329,6 @@
               <a:t>）</a:t>
             </a:r>
             <a:r>
-              <a:rPr lang="zh-CN" altLang="en-US" b="1" dirty="0" smtClean="0"/>
-              <a:t>流行的</a:t>
-            </a:r>
-            <a:r>
               <a:rPr lang="en-US" altLang="zh-CN" b="1" dirty="0" smtClean="0"/>
               <a:t>UDF</a:t>
             </a:r>
@@ -41356,14 +42337,6 @@
               <a:t>、</a:t>
             </a:r>
             <a:r>
-              <a:rPr lang="en-US" altLang="zh-CN" dirty="0" smtClean="0"/>
-              <a:t>Shark</a:t>
-            </a:r>
-            <a:r>
-              <a:rPr lang="zh-CN" altLang="en-US" dirty="0" smtClean="0"/>
-              <a:t>上</a:t>
-            </a:r>
-            <a:r>
               <a:rPr lang="zh-CN" altLang="en-US" b="1" dirty="0" smtClean="0"/>
               <a:t>复杂</a:t>
             </a:r>
@@ -41373,7 +42346,15 @@
             </a:r>
             <a:r>
               <a:rPr lang="zh-CN" altLang="en-US" dirty="0" smtClean="0"/>
-              <a:t>（如机器学习、数据挖掘、图计算等），使得难以在编译的时候确定优化策略，特别是新数据没有经过</a:t>
+              <a:t>（如机器学习、数据挖掘、图计算等</a:t>
+            </a:r>
+            <a:r>
+              <a:rPr lang="zh-CN" altLang="en-US" dirty="0" smtClean="0"/>
+              <a:t>），使得系统难以</a:t>
+            </a:r>
+            <a:r>
+              <a:rPr lang="zh-CN" altLang="en-US" dirty="0" smtClean="0"/>
+              <a:t>在编译的时候确定优化策略，特别是新数据没有经过</a:t>
             </a:r>
             <a:r>
               <a:rPr lang="en-US" altLang="zh-CN" dirty="0" smtClean="0"/>
@@ -41432,26 +42413,18 @@
             </a:r>
             <a:r>
               <a:rPr lang="zh-CN" altLang="en-US" dirty="0" smtClean="0"/>
-              <a:t>是低效</a:t>
+              <a:t>是低效的</a:t>
             </a:r>
             <a:r>
               <a:rPr lang="zh-CN" altLang="en-US" dirty="0" smtClean="0"/>
-              <a:t>的。</a:t>
+              <a:t>。（如数据格式、粒度等）</a:t>
             </a:r>
             <a:endParaRPr lang="en-US" altLang="zh-CN" dirty="0" smtClean="0"/>
           </a:p>
           <a:p>
             <a:r>
               <a:rPr lang="zh-CN" altLang="en-US" dirty="0" smtClean="0"/>
-              <a:t>提出的优化</a:t>
-            </a:r>
-            <a:r>
-              <a:rPr lang="zh-CN" altLang="en-US" dirty="0" smtClean="0"/>
-              <a:t>机制：</a:t>
-            </a:r>
-            <a:r>
-              <a:rPr lang="zh-CN" altLang="en-US" dirty="0" smtClean="0"/>
-              <a:t>在 </a:t>
+              <a:t>提出的优化机制：在 </a:t>
             </a:r>
             <a:r>
               <a:rPr lang="zh-CN" altLang="en-US" b="1" dirty="0" smtClean="0"/>
@@ -41459,15 +42432,7 @@
             </a:r>
             <a:r>
               <a:rPr lang="zh-CN" altLang="en-US" dirty="0" smtClean="0"/>
-              <a:t> 进行“动态的、统计</a:t>
-            </a:r>
-            <a:r>
-              <a:rPr lang="zh-CN" altLang="en-US" dirty="0" smtClean="0"/>
-              <a:t>驱动</a:t>
-            </a:r>
-            <a:r>
-              <a:rPr lang="zh-CN" altLang="en-US" dirty="0" smtClean="0"/>
-              <a:t>”</a:t>
+              <a:t> 进行“动态的、统计驱动”</a:t>
             </a:r>
             <a:r>
               <a:rPr lang="zh-CN" altLang="en-US" dirty="0"/>
@@ -41475,11 +42440,7 @@
             </a:r>
             <a:r>
               <a:rPr lang="zh-CN" altLang="en-US" dirty="0" smtClean="0"/>
-              <a:t>优化</a:t>
-            </a:r>
-            <a:r>
-              <a:rPr lang="zh-CN" altLang="en-US" dirty="0" smtClean="0"/>
-              <a:t>。</a:t>
+              <a:t>优化。</a:t>
             </a:r>
             <a:endParaRPr lang="zh-CN" altLang="en-US" dirty="0"/>
           </a:p>
@@ -41731,15 +42692,20 @@
             </a:pPr>
             <a:r>
               <a:rPr lang="en-US" altLang="zh-CN" dirty="0" smtClean="0"/>
-              <a:t>1</a:t>
-            </a:r>
+              <a:t>1. Hive VS Shark</a:t>
+            </a:r>
+          </a:p>
+          <a:p>
+            <a:pPr marL="971550" lvl="1" indent="-514350">
+              <a:buNone/>
+            </a:pPr>
             <a:r>
               <a:rPr lang="en-US" altLang="zh-CN" dirty="0" smtClean="0"/>
-              <a:t>. Hive VS </a:t>
-            </a:r>
-            <a:r>
-              <a:rPr lang="en-US" altLang="zh-CN" dirty="0" smtClean="0"/>
-              <a:t>Shark</a:t>
+              <a:t>2. </a:t>
+            </a:r>
+            <a:r>
+              <a:rPr lang="zh-CN" altLang="en-US" dirty="0" smtClean="0"/>
+              <a:t>容错</a:t>
             </a:r>
             <a:endParaRPr lang="en-US" altLang="zh-CN" dirty="0" smtClean="0"/>
           </a:p>
@@ -41749,25 +42715,7 @@
             </a:pPr>
             <a:r>
               <a:rPr lang="en-US" altLang="zh-CN" dirty="0" smtClean="0"/>
-              <a:t>2. </a:t>
-            </a:r>
-            <a:r>
-              <a:rPr lang="zh-CN" altLang="en-US" dirty="0" smtClean="0"/>
-              <a:t>容错</a:t>
-            </a:r>
-            <a:endParaRPr lang="en-US" altLang="zh-CN" dirty="0" smtClean="0"/>
-          </a:p>
-          <a:p>
-            <a:pPr marL="971550" lvl="1" indent="-514350">
-              <a:buNone/>
-            </a:pPr>
-            <a:r>
-              <a:rPr lang="en-US" altLang="zh-CN" dirty="0" smtClean="0"/>
-              <a:t>3. </a:t>
-            </a:r>
-            <a:r>
-              <a:rPr lang="en-US" altLang="zh-CN" dirty="0" smtClean="0"/>
-              <a:t>RDDs</a:t>
+              <a:t>3. RDDs</a:t>
             </a:r>
             <a:r>
               <a:rPr lang="zh-CN" altLang="en-US" dirty="0" smtClean="0"/>
@@ -41803,11 +42751,7 @@
             </a:pPr>
             <a:r>
               <a:rPr lang="zh-CN" altLang="en-US" dirty="0" smtClean="0"/>
-              <a:t>四、</a:t>
-            </a:r>
-            <a:r>
-              <a:rPr lang="zh-CN" altLang="en-US" dirty="0" smtClean="0"/>
-              <a:t>引擎扩展</a:t>
+              <a:t>四、引擎扩展</a:t>
             </a:r>
             <a:endParaRPr lang="en-US" altLang="zh-CN" dirty="0" smtClean="0"/>
           </a:p>
@@ -41817,15 +42761,7 @@
             </a:pPr>
             <a:r>
               <a:rPr lang="en-US" altLang="zh-CN" dirty="0" smtClean="0"/>
-              <a:t>1</a:t>
-            </a:r>
-            <a:r>
-              <a:rPr lang="en-US" altLang="zh-CN" dirty="0" smtClean="0"/>
-              <a:t>. </a:t>
-            </a:r>
-            <a:r>
-              <a:rPr lang="en-US" altLang="zh-CN" dirty="0" smtClean="0"/>
-              <a:t>PDE</a:t>
+              <a:t>1. PDE</a:t>
             </a:r>
           </a:p>
           <a:p>
@@ -41834,15 +42770,7 @@
             </a:pPr>
             <a:r>
               <a:rPr lang="en-US" altLang="zh-CN" dirty="0" smtClean="0"/>
-              <a:t>1</a:t>
-            </a:r>
-            <a:r>
-              <a:rPr lang="en-US" altLang="zh-CN" dirty="0" smtClean="0"/>
-              <a:t>). </a:t>
-            </a:r>
-            <a:r>
-              <a:rPr lang="en-US" altLang="zh-CN" dirty="0" smtClean="0"/>
-              <a:t>Join</a:t>
+              <a:t>1). Join</a:t>
             </a:r>
             <a:r>
               <a:rPr lang="zh-CN" altLang="en-US" dirty="0" smtClean="0"/>
@@ -41868,11 +42796,7 @@
             </a:r>
             <a:r>
               <a:rPr lang="zh-CN" altLang="en-US" dirty="0" smtClean="0"/>
-              <a:t>和</a:t>
-            </a:r>
-            <a:r>
-              <a:rPr lang="zh-CN" altLang="en-US" dirty="0" smtClean="0"/>
-              <a:t>并行度</a:t>
+              <a:t>和并行度</a:t>
             </a:r>
             <a:endParaRPr lang="en-US" altLang="zh-CN" dirty="0" smtClean="0"/>
           </a:p>
@@ -41886,11 +42810,7 @@
             </a:r>
             <a:r>
               <a:rPr lang="zh-CN" altLang="en-US" dirty="0" smtClean="0"/>
-              <a:t>内存</a:t>
-            </a:r>
-            <a:r>
-              <a:rPr lang="zh-CN" altLang="en-US" dirty="0" smtClean="0"/>
-              <a:t>列存储</a:t>
+              <a:t>内存列存储</a:t>
             </a:r>
             <a:endParaRPr lang="en-US" altLang="zh-CN" dirty="0" smtClean="0"/>
           </a:p>
@@ -41904,11 +42824,7 @@
             </a:r>
             <a:r>
               <a:rPr lang="zh-CN" altLang="en-US" dirty="0" smtClean="0"/>
-              <a:t>分布式</a:t>
-            </a:r>
-            <a:r>
-              <a:rPr lang="zh-CN" altLang="en-US" dirty="0" smtClean="0"/>
-              <a:t>数据加载</a:t>
+              <a:t>分布式数据加载</a:t>
             </a:r>
             <a:endParaRPr lang="en-US" altLang="zh-CN" dirty="0" smtClean="0"/>
           </a:p>
@@ -41922,11 +42838,7 @@
             </a:r>
             <a:r>
               <a:rPr lang="zh-CN" altLang="en-US" dirty="0" smtClean="0"/>
-              <a:t>数据</a:t>
-            </a:r>
-            <a:r>
-              <a:rPr lang="zh-CN" altLang="en-US" dirty="0" smtClean="0"/>
-              <a:t>协同分区</a:t>
+              <a:t>数据协同分区</a:t>
             </a:r>
             <a:endParaRPr lang="en-US" altLang="zh-CN" dirty="0" smtClean="0"/>
           </a:p>
@@ -41940,11 +42852,7 @@
             </a:r>
             <a:r>
               <a:rPr lang="zh-CN" altLang="en-US" dirty="0" smtClean="0"/>
-              <a:t>分区</a:t>
-            </a:r>
-            <a:r>
-              <a:rPr lang="zh-CN" altLang="en-US" dirty="0" smtClean="0"/>
-              <a:t>统计和</a:t>
+              <a:t>分区统计和</a:t>
             </a:r>
             <a:r>
               <a:rPr lang="en-US" altLang="zh-CN" dirty="0" smtClean="0"/>
@@ -41962,11 +42870,7 @@
             </a:pPr>
             <a:r>
               <a:rPr lang="zh-CN" altLang="en-US" dirty="0" smtClean="0"/>
-              <a:t>五、</a:t>
-            </a:r>
-            <a:r>
-              <a:rPr lang="zh-CN" altLang="en-US" dirty="0" smtClean="0"/>
-              <a:t>机器学习支持</a:t>
+              <a:t>五、机器学习支持</a:t>
             </a:r>
             <a:endParaRPr lang="en-US" altLang="zh-CN" dirty="0" smtClean="0"/>
           </a:p>
@@ -41980,11 +42884,7 @@
             </a:r>
             <a:r>
               <a:rPr lang="zh-CN" altLang="en-US" dirty="0" smtClean="0"/>
-              <a:t>语言</a:t>
-            </a:r>
-            <a:r>
-              <a:rPr lang="zh-CN" altLang="en-US" dirty="0" smtClean="0"/>
-              <a:t>集成</a:t>
+              <a:t>语言集成</a:t>
             </a:r>
             <a:endParaRPr lang="en-US" altLang="zh-CN" dirty="0" smtClean="0"/>
           </a:p>
@@ -41998,11 +42898,7 @@
             </a:r>
             <a:r>
               <a:rPr lang="zh-CN" altLang="en-US" dirty="0" smtClean="0"/>
-              <a:t>执行</a:t>
-            </a:r>
-            <a:r>
-              <a:rPr lang="zh-CN" altLang="en-US" dirty="0" smtClean="0"/>
-              <a:t>引擎集成</a:t>
+              <a:t>执行引擎集成</a:t>
             </a:r>
             <a:endParaRPr lang="en-US" altLang="zh-CN" dirty="0" smtClean="0"/>
           </a:p>
@@ -42012,11 +42908,11 @@
             </a:pPr>
             <a:r>
               <a:rPr lang="zh-CN" altLang="en-US" dirty="0" smtClean="0"/>
-              <a:t>六、</a:t>
+              <a:t>六</a:t>
             </a:r>
             <a:r>
               <a:rPr lang="zh-CN" altLang="en-US" dirty="0" smtClean="0"/>
-              <a:t>实现</a:t>
+              <a:t>、系统实现</a:t>
             </a:r>
             <a:endParaRPr lang="en-US" altLang="zh-CN" dirty="0" smtClean="0"/>
           </a:p>
@@ -42031,6 +42927,26 @@
             <a:r>
               <a:rPr lang="zh-CN" altLang="en-US" dirty="0" smtClean="0"/>
               <a:t>实验</a:t>
+            </a:r>
+            <a:endParaRPr lang="en-US" altLang="zh-CN" dirty="0" smtClean="0"/>
+          </a:p>
+          <a:p>
+            <a:pPr marL="571500" indent="-571500">
+              <a:buNone/>
+            </a:pPr>
+            <a:r>
+              <a:rPr lang="zh-CN" altLang="en-US" dirty="0" smtClean="0"/>
+              <a:t>八、讨论</a:t>
+            </a:r>
+            <a:endParaRPr lang="en-US" altLang="zh-CN" dirty="0" smtClean="0"/>
+          </a:p>
+          <a:p>
+            <a:pPr marL="571500" indent="-571500">
+              <a:buNone/>
+            </a:pPr>
+            <a:r>
+              <a:rPr lang="zh-CN" altLang="en-US" dirty="0" smtClean="0"/>
+              <a:t>九、回顾</a:t>
             </a:r>
             <a:endParaRPr lang="zh-CN" altLang="en-US" dirty="0"/>
           </a:p>
@@ -42168,11 +43084,7 @@
             </a:r>
             <a:r>
               <a:rPr lang="zh-CN" altLang="en-US" sz="1800" b="1" dirty="0" smtClean="0"/>
-              <a:t>运行</a:t>
-            </a:r>
-            <a:r>
-              <a:rPr lang="zh-CN" altLang="en-US" sz="1800" b="1" dirty="0" smtClean="0"/>
-              <a:t>时</a:t>
+              <a:t>运行时</a:t>
             </a:r>
             <a:r>
               <a:rPr lang="zh-CN" altLang="en-US" sz="1800" dirty="0" smtClean="0"/>
@@ -42214,11 +43126,7 @@
             </a:r>
             <a:r>
               <a:rPr lang="zh-CN" altLang="en-US" sz="1800" dirty="0" smtClean="0"/>
-              <a:t>应用</a:t>
-            </a:r>
-            <a:r>
-              <a:rPr lang="zh-CN" altLang="en-US" sz="1800" dirty="0" smtClean="0"/>
-              <a:t>到“块的</a:t>
+              <a:t>应用到“块的</a:t>
             </a:r>
             <a:r>
               <a:rPr lang="en-US" altLang="zh-CN" sz="1800" dirty="0" smtClean="0"/>
@@ -42226,15 +43134,7 @@
             </a:r>
             <a:r>
               <a:rPr lang="zh-CN" altLang="en-US" sz="1800" dirty="0" smtClean="0"/>
-              <a:t>操作边界</a:t>
-            </a:r>
-            <a:r>
-              <a:rPr lang="zh-CN" altLang="en-US" sz="1800" dirty="0" smtClean="0"/>
-              <a:t>”，该</a:t>
-            </a:r>
-            <a:r>
-              <a:rPr lang="zh-CN" altLang="en-US" sz="1800" dirty="0" smtClean="0"/>
-              <a:t>边界（也即</a:t>
+              <a:t>操作边界”，该边界（也即</a:t>
             </a:r>
             <a:r>
               <a:rPr lang="en-US" altLang="zh-CN" sz="1800" dirty="0" smtClean="0"/>
@@ -42268,11 +43168,7 @@
             </a:r>
             <a:r>
               <a:rPr lang="zh-CN" altLang="en-US" sz="1800" dirty="0" smtClean="0"/>
-              <a:t>，两</a:t>
-            </a:r>
-            <a:r>
-              <a:rPr lang="zh-CN" altLang="en-US" sz="1800" dirty="0" smtClean="0"/>
-              <a:t>个方面：</a:t>
+              <a:t>，两个方面：</a:t>
             </a:r>
             <a:endParaRPr lang="en-US" altLang="zh-CN" sz="1800" dirty="0" smtClean="0"/>
           </a:p>
@@ -42314,11 +43210,7 @@
             </a:pPr>
             <a:r>
               <a:rPr lang="zh-CN" altLang="en-US" sz="1800" dirty="0" smtClean="0"/>
-              <a:t>基于</a:t>
-            </a:r>
-            <a:r>
-              <a:rPr lang="zh-CN" altLang="en-US" sz="1800" dirty="0" smtClean="0"/>
-              <a:t>这些统计信息，</a:t>
+              <a:t>基于这些统计信息，</a:t>
             </a:r>
             <a:r>
               <a:rPr lang="en-US" altLang="zh-CN" sz="1800" dirty="0" smtClean="0"/>
@@ -42490,48 +43382,128 @@
           <a:lstStyle/>
           <a:p>
             <a:r>
+              <a:rPr lang="en-US" altLang="zh-CN" dirty="0"/>
+              <a:t>PDE Join</a:t>
+            </a:r>
+            <a:r>
               <a:rPr lang="zh-CN" altLang="en-US" dirty="0"/>
-              <a:t>引擎扩展</a:t>
-            </a:r>
-            <a:r>
-              <a:rPr lang="en-US" altLang="zh-CN" dirty="0"/>
-              <a:t>:</a:t>
-            </a:r>
-            <a:r>
-              <a:rPr lang="en-US" altLang="zh-CN" dirty="0" smtClean="0"/>
-              <a:t>PDE Join</a:t>
-            </a:r>
-            <a:r>
-              <a:rPr lang="zh-CN" altLang="en-US" dirty="0" smtClean="0"/>
               <a:t>优化</a:t>
             </a:r>
-            <a:endParaRPr lang="zh-CN" altLang="en-US" dirty="0"/>
           </a:p>
         </p:txBody>
       </p:sp>
+      <p:pic>
+        <p:nvPicPr>
+          <p:cNvPr id="2051" name="Picture 3"/>
+          <p:cNvPicPr>
+            <a:picLocks noChangeAspect="1" noChangeArrowheads="1"/>
+          </p:cNvPicPr>
+          <p:nvPr/>
+        </p:nvPicPr>
+        <p:blipFill>
+          <a:blip r:embed="rId2">
+            <a:extLst>
+              <a:ext uri="{28A0092B-C50C-407E-A947-70E740481C1C}">
+                <a14:useLocalDpi xmlns:a14="http://schemas.microsoft.com/office/drawing/2010/main" val="0"/>
+              </a:ext>
+            </a:extLst>
+          </a:blip>
+          <a:srcRect/>
+          <a:stretch>
+            <a:fillRect/>
+          </a:stretch>
+        </p:blipFill>
+        <p:spPr bwMode="auto">
+          <a:xfrm>
+            <a:off x="539552" y="1844824"/>
+            <a:ext cx="7124700" cy="4619625"/>
+          </a:xfrm>
+          <a:prstGeom prst="rect">
+            <a:avLst/>
+          </a:prstGeom>
+          <a:noFill/>
+          <a:ln>
+            <a:noFill/>
+          </a:ln>
+          <a:extLst>
+            <a:ext uri="{909E8E84-426E-40DD-AFC4-6F175D3DCCD1}">
+              <a14:hiddenFill xmlns:a14="http://schemas.microsoft.com/office/drawing/2010/main">
+                <a:solidFill>
+                  <a:schemeClr val="accent1"/>
+                </a:solidFill>
+              </a14:hiddenFill>
+            </a:ext>
+            <a:ext uri="{91240B29-F687-4F45-9708-019B960494DF}">
+              <a14:hiddenLine xmlns:a14="http://schemas.microsoft.com/office/drawing/2010/main" w="9525">
+                <a:solidFill>
+                  <a:schemeClr val="tx1"/>
+                </a:solidFill>
+                <a:miter lim="800000"/>
+                <a:headEnd/>
+                <a:tailEnd/>
+              </a14:hiddenLine>
+            </a:ext>
+          </a:extLst>
+        </p:spPr>
+      </p:pic>
       <p:sp>
         <p:nvSpPr>
-          <p:cNvPr id="3" name="内容占位符 2"/>
-          <p:cNvSpPr>
-            <a:spLocks noGrp="1"/>
-          </p:cNvSpPr>
-          <p:nvPr>
-            <p:ph idx="1"/>
-          </p:nvPr>
+          <p:cNvPr id="3" name="TextBox 2"/>
+          <p:cNvSpPr txBox="1"/>
+          <p:nvPr/>
         </p:nvSpPr>
-        <p:spPr/>
+        <p:spPr>
+          <a:xfrm>
+            <a:off x="243886" y="1506030"/>
+            <a:ext cx="8893781" cy="369332"/>
+          </a:xfrm>
+          <a:prstGeom prst="rect">
+            <a:avLst/>
+          </a:prstGeom>
+          <a:noFill/>
+        </p:spPr>
         <p:txBody>
-          <a:bodyPr/>
+          <a:bodyPr wrap="none" rtlCol="0">
+            <a:spAutoFit/>
+          </a:bodyPr>
           <a:lstStyle/>
           <a:p>
-            <a:endParaRPr lang="zh-CN" altLang="en-US"/>
+            <a:r>
+              <a:rPr lang="en-US" altLang="zh-CN" dirty="0"/>
+              <a:t>map </a:t>
+            </a:r>
+            <a:r>
+              <a:rPr lang="en-US" altLang="zh-CN" dirty="0" smtClean="0"/>
+              <a:t>join:</a:t>
+            </a:r>
+            <a:r>
+              <a:rPr lang="zh-CN" altLang="en-US" dirty="0" smtClean="0"/>
+              <a:t>使用</a:t>
+            </a:r>
+            <a:r>
+              <a:rPr lang="en-US" altLang="zh-CN" dirty="0"/>
+              <a:t>PDE</a:t>
+            </a:r>
+            <a:r>
+              <a:rPr lang="zh-CN" altLang="en-US" dirty="0"/>
+              <a:t>技术，在系统运行时基于输入数据的大小，决定是否采用</a:t>
+            </a:r>
+            <a:r>
+              <a:rPr lang="en-US" altLang="zh-CN" dirty="0"/>
+              <a:t>map join</a:t>
+            </a:r>
+            <a:r>
+              <a:rPr lang="zh-CN" altLang="en-US" dirty="0" smtClean="0"/>
+              <a:t>。</a:t>
+            </a:r>
+            <a:endParaRPr lang="en-US" altLang="zh-CN" dirty="0"/>
           </a:p>
         </p:txBody>
       </p:sp>
     </p:spTree>
     <p:extLst>
       <p:ext uri="{BB962C8B-B14F-4D97-AF65-F5344CB8AC3E}">
-        <p14:creationId xmlns:p14="http://schemas.microsoft.com/office/powerpoint/2010/main" val="161344241"/>
+        <p14:creationId xmlns:p14="http://schemas.microsoft.com/office/powerpoint/2010/main" val="1821519802"/>
       </p:ext>
     </p:extLst>
   </p:cSld>
@@ -42711,11 +43683,7 @@
             </a:r>
             <a:r>
               <a:rPr lang="zh-CN" altLang="en-US" dirty="0" smtClean="0"/>
-              <a:t>：根据单个分区</a:t>
-            </a:r>
-            <a:r>
-              <a:rPr lang="zh-CN" altLang="en-US" dirty="0" smtClean="0"/>
-              <a:t>的大小，在</a:t>
+              <a:t>：根据单个分区的大小，在</a:t>
             </a:r>
             <a:r>
               <a:rPr lang="zh-CN" altLang="en-US" b="1" dirty="0" smtClean="0"/>
@@ -42739,11 +43707,7 @@
             </a:r>
             <a:r>
               <a:rPr lang="zh-CN" altLang="en-US" dirty="0" smtClean="0"/>
-              <a:t>的个数，通过合并很多小的、细粒度的分区，得到少量的粗粒度的分区</a:t>
-            </a:r>
-            <a:r>
-              <a:rPr lang="zh-CN" altLang="en-US" dirty="0" smtClean="0"/>
-              <a:t>。</a:t>
+              <a:t>的个数，通过合并很多小的、细粒度的分区，得到少量的粗粒度的分区。</a:t>
             </a:r>
             <a:endParaRPr lang="en-US" altLang="zh-CN" dirty="0" smtClean="0">
               <a:solidFill>
@@ -42793,11 +43757,7 @@
             </a:r>
             <a:r>
               <a:rPr lang="zh-CN" altLang="en-US" dirty="0" smtClean="0"/>
-              <a:t>小</a:t>
-            </a:r>
-            <a:r>
-              <a:rPr lang="zh-CN" altLang="en-US" dirty="0" smtClean="0"/>
-              <a:t>分区合并后得到的大分区，其大小可能不一。</a:t>
+              <a:t>小分区合并后得到的大分区，其大小可能不一。</a:t>
             </a:r>
             <a:endParaRPr lang="en-US" altLang="zh-CN" dirty="0" smtClean="0"/>
           </a:p>
@@ -42819,11 +43779,7 @@
             </a:r>
             <a:r>
               <a:rPr lang="zh-CN" altLang="en-US" dirty="0" smtClean="0"/>
-              <a:t>启发式”算法，</a:t>
-            </a:r>
-            <a:r>
-              <a:rPr lang="zh-CN" altLang="en-US" dirty="0" smtClean="0"/>
-              <a:t>试图使合并后的分区大小均等化。</a:t>
+              <a:t>启发式”算法，试图使合并后的分区大小均等化。</a:t>
             </a:r>
             <a:endParaRPr lang="en-US" altLang="zh-CN" dirty="0" smtClean="0"/>
           </a:p>
@@ -42839,11 +43795,7 @@
             </a:pPr>
             <a:r>
               <a:rPr lang="zh-CN" altLang="en-US" dirty="0" smtClean="0"/>
-              <a:t>本文</a:t>
-            </a:r>
-            <a:r>
-              <a:rPr lang="zh-CN" altLang="en-US" dirty="0" smtClean="0"/>
-              <a:t>提到一个有意思的现象：在</a:t>
+              <a:t>本文提到一个有意思的现象：在</a:t>
             </a:r>
             <a:r>
               <a:rPr lang="en-US" altLang="zh-CN" dirty="0" smtClean="0"/>
@@ -42927,13 +43879,8 @@
           <a:p>
             <a:r>
               <a:rPr lang="zh-CN" altLang="en-US" dirty="0"/>
-              <a:t>引擎</a:t>
-            </a:r>
-            <a:r>
-              <a:rPr lang="zh-CN" altLang="en-US" dirty="0" smtClean="0"/>
-              <a:t>扩展：列内存存储</a:t>
-            </a:r>
-            <a:endParaRPr lang="zh-CN" altLang="en-US" dirty="0"/>
+              <a:t>列内存存储</a:t>
+            </a:r>
           </a:p>
         </p:txBody>
       </p:sp>
@@ -42944,92 +43891,427 @@
             <a:spLocks noGrp="1"/>
           </p:cNvSpPr>
           <p:nvPr>
-            <p:ph idx="1"/>
+            <p:ph sz="half" idx="1"/>
           </p:nvPr>
         </p:nvSpPr>
-        <p:spPr/>
+        <p:spPr>
+          <a:xfrm>
+            <a:off x="457200" y="2420888"/>
+            <a:ext cx="4038600" cy="3705275"/>
+          </a:xfrm>
+        </p:spPr>
         <p:txBody>
           <a:bodyPr>
-            <a:normAutofit/>
+            <a:normAutofit fontScale="70000" lnSpcReduction="20000"/>
           </a:bodyPr>
           <a:lstStyle/>
           <a:p>
             <a:r>
-              <a:rPr lang="zh-CN" altLang="en-US" smtClean="0"/>
-              <a:t>简单</a:t>
+              <a:rPr lang="en-US" altLang="zh-CN" dirty="0"/>
+              <a:t>Spark</a:t>
+            </a:r>
+            <a:r>
+              <a:rPr lang="zh-CN" altLang="en-US" dirty="0"/>
+              <a:t>默认内存存储策略是，以</a:t>
+            </a:r>
+            <a:r>
+              <a:rPr lang="en-US" altLang="zh-CN" dirty="0"/>
+              <a:t>JVM</a:t>
+            </a:r>
+            <a:r>
+              <a:rPr lang="zh-CN" altLang="en-US" dirty="0"/>
+              <a:t>对象集方式存储数据分区</a:t>
             </a:r>
             <a:r>
               <a:rPr lang="zh-CN" altLang="en-US" dirty="0" smtClean="0"/>
-              <a:t>地将内存数据以其原始格式缓存到磁盘（涉及到</a:t>
+              <a:t>。但副作用有：</a:t>
+            </a:r>
+            <a:endParaRPr lang="en-US" altLang="zh-CN" dirty="0" smtClean="0"/>
+          </a:p>
+          <a:p>
+            <a:r>
+              <a:rPr lang="zh-CN" altLang="en-US" dirty="0" smtClean="0"/>
+              <a:t>（</a:t>
+            </a:r>
+            <a:r>
+              <a:rPr lang="en-US" altLang="zh-CN" dirty="0"/>
+              <a:t>1</a:t>
+            </a:r>
+            <a:r>
+              <a:rPr lang="zh-CN" altLang="en-US" dirty="0"/>
+              <a:t>）大量的</a:t>
+            </a:r>
+            <a:r>
+              <a:rPr lang="zh-CN" altLang="en-US" b="1" dirty="0"/>
+              <a:t>存储空间</a:t>
             </a:r>
             <a:r>
               <a:rPr lang="zh-CN" altLang="en-US" b="1" dirty="0" smtClean="0"/>
-              <a:t>序列化</a:t>
+              <a:t>开销</a:t>
             </a:r>
             <a:r>
               <a:rPr lang="zh-CN" altLang="en-US" dirty="0" smtClean="0"/>
-              <a:t>），当需要的时候再由查询处理器将其</a:t>
+              <a:t>。通常，一个</a:t>
+            </a:r>
+            <a:r>
+              <a:rPr lang="en-US" altLang="zh-CN" dirty="0" smtClean="0"/>
+              <a:t>JVM</a:t>
+            </a:r>
+            <a:r>
+              <a:rPr lang="zh-CN" altLang="en-US" dirty="0" smtClean="0"/>
+              <a:t>对象需要额外</a:t>
+            </a:r>
+            <a:r>
+              <a:rPr lang="en-US" altLang="zh-CN" dirty="0" smtClean="0"/>
+              <a:t>12~16bytes</a:t>
+            </a:r>
+            <a:r>
+              <a:rPr lang="zh-CN" altLang="en-US" dirty="0" smtClean="0"/>
+              <a:t>空间，如</a:t>
+            </a:r>
+            <a:r>
+              <a:rPr lang="en-US" altLang="zh-CN" dirty="0" smtClean="0"/>
+              <a:t>270 </a:t>
+            </a:r>
+            <a:r>
+              <a:rPr lang="en-US" altLang="zh-CN" dirty="0"/>
+              <a:t>MB </a:t>
+            </a:r>
+            <a:r>
+              <a:rPr lang="zh-CN" altLang="en-US" dirty="0" smtClean="0"/>
+              <a:t>的</a:t>
+            </a:r>
+            <a:r>
+              <a:rPr lang="en-US" altLang="zh-CN" dirty="0" smtClean="0"/>
+              <a:t>TPC-H </a:t>
+            </a:r>
+            <a:r>
+              <a:rPr lang="en-US" altLang="zh-CN" dirty="0" err="1"/>
+              <a:t>lineitem</a:t>
+            </a:r>
+            <a:r>
+              <a:rPr lang="en-US" altLang="zh-CN" dirty="0"/>
+              <a:t> </a:t>
+            </a:r>
+            <a:r>
+              <a:rPr lang="en-US" altLang="zh-CN" dirty="0" smtClean="0"/>
+              <a:t>table</a:t>
+            </a:r>
+            <a:r>
+              <a:rPr lang="zh-CN" altLang="en-US" dirty="0" smtClean="0"/>
+              <a:t>存储为</a:t>
+            </a:r>
+            <a:r>
+              <a:rPr lang="en-US" altLang="zh-CN" dirty="0" smtClean="0"/>
+              <a:t>JVM</a:t>
+            </a:r>
+            <a:r>
+              <a:rPr lang="zh-CN" altLang="en-US" dirty="0" smtClean="0"/>
+              <a:t>对象，需要</a:t>
+            </a:r>
+            <a:r>
+              <a:rPr lang="en-US" altLang="zh-CN" dirty="0" smtClean="0"/>
+              <a:t>971MB</a:t>
+            </a:r>
+            <a:r>
+              <a:rPr lang="zh-CN" altLang="en-US" dirty="0" smtClean="0"/>
+              <a:t>内存，而序列化仅需</a:t>
+            </a:r>
+            <a:r>
+              <a:rPr lang="en-US" altLang="zh-CN" dirty="0" smtClean="0"/>
+              <a:t>289MB</a:t>
+            </a:r>
+            <a:r>
+              <a:rPr lang="zh-CN" altLang="en-US" dirty="0"/>
+              <a:t>；</a:t>
+            </a:r>
+            <a:endParaRPr lang="en-US" altLang="zh-CN" dirty="0" smtClean="0"/>
+          </a:p>
+          <a:p>
+            <a:r>
+              <a:rPr lang="zh-CN" altLang="en-US" dirty="0" smtClean="0"/>
+              <a:t>（</a:t>
+            </a:r>
+            <a:r>
+              <a:rPr lang="en-US" altLang="zh-CN" dirty="0" smtClean="0"/>
+              <a:t>2</a:t>
+            </a:r>
+            <a:r>
+              <a:rPr lang="zh-CN" altLang="en-US" dirty="0" smtClean="0"/>
+              <a:t>）</a:t>
             </a:r>
             <a:r>
               <a:rPr lang="zh-CN" altLang="en-US" b="1" dirty="0" smtClean="0"/>
-              <a:t>反序列化</a:t>
+              <a:t>垃圾回收</a:t>
             </a:r>
             <a:r>
               <a:rPr lang="zh-CN" altLang="en-US" dirty="0" smtClean="0"/>
-              <a:t>。然而，作者的研究发现：商用</a:t>
+              <a:t>。如，一个记录</a:t>
             </a:r>
             <a:r>
               <a:rPr lang="en-US" altLang="zh-CN" dirty="0" smtClean="0"/>
-              <a:t>CPU</a:t>
+              <a:t>200B</a:t>
             </a:r>
             <a:r>
               <a:rPr lang="zh-CN" altLang="en-US" dirty="0" smtClean="0"/>
-              <a:t>的反序列化速率为每核心每秒</a:t>
+              <a:t>，一个</a:t>
             </a:r>
             <a:r>
               <a:rPr lang="en-US" altLang="zh-CN" dirty="0" smtClean="0"/>
-              <a:t>200MB</a:t>
+              <a:t>32GB</a:t>
+            </a:r>
+            <a:r>
+              <a:rPr lang="zh-CN" altLang="en-US" dirty="0" smtClean="0"/>
+              <a:t>的堆可包含</a:t>
+            </a:r>
+            <a:r>
+              <a:rPr lang="en-US" altLang="zh-CN" dirty="0" smtClean="0"/>
+              <a:t>1</a:t>
+            </a:r>
+            <a:r>
+              <a:rPr lang="zh-CN" altLang="en-US" dirty="0" smtClean="0"/>
+              <a:t>亿</a:t>
+            </a:r>
+            <a:r>
+              <a:rPr lang="en-US" altLang="zh-CN" dirty="0" smtClean="0"/>
+              <a:t>6</a:t>
+            </a:r>
+            <a:r>
+              <a:rPr lang="zh-CN" altLang="en-US" dirty="0" smtClean="0"/>
+              <a:t>千万个对象，一次</a:t>
+            </a:r>
+            <a:r>
+              <a:rPr lang="en-US" altLang="zh-CN" dirty="0" smtClean="0"/>
+              <a:t>full GC</a:t>
+            </a:r>
+            <a:r>
+              <a:rPr lang="zh-CN" altLang="en-US" dirty="0" smtClean="0"/>
+              <a:t>需要数分钟时间。</a:t>
+            </a:r>
+            <a:endParaRPr lang="zh-CN" altLang="en-US" dirty="0"/>
+          </a:p>
+          <a:p>
+            <a:endParaRPr lang="zh-CN" altLang="en-US" dirty="0"/>
+          </a:p>
+        </p:txBody>
+      </p:sp>
+      <p:sp>
+        <p:nvSpPr>
+          <p:cNvPr id="4" name="内容占位符 3"/>
+          <p:cNvSpPr>
+            <a:spLocks noGrp="1"/>
+          </p:cNvSpPr>
+          <p:nvPr>
+            <p:ph sz="half" idx="2"/>
+          </p:nvPr>
+        </p:nvSpPr>
+        <p:spPr>
+          <a:xfrm>
+            <a:off x="4648200" y="2420888"/>
+            <a:ext cx="4038600" cy="3705275"/>
+          </a:xfrm>
+        </p:spPr>
+        <p:txBody>
+          <a:bodyPr>
+            <a:normAutofit fontScale="70000" lnSpcReduction="20000"/>
+          </a:bodyPr>
+          <a:lstStyle/>
+          <a:p>
+            <a:r>
+              <a:rPr lang="en-US" altLang="zh-CN" dirty="0" smtClean="0"/>
+              <a:t>Shark</a:t>
+            </a:r>
+            <a:r>
+              <a:rPr lang="zh-CN" altLang="en-US" dirty="0" smtClean="0"/>
+              <a:t>的内存存储策略是，数据按原始数据类型归为不同的列，每一列存储为对应的原始数组，如</a:t>
+            </a:r>
+            <a:r>
+              <a:rPr lang="en-US" altLang="zh-CN" dirty="0" err="1" smtClean="0"/>
+              <a:t>int</a:t>
+            </a:r>
+            <a:r>
+              <a:rPr lang="zh-CN" altLang="en-US" dirty="0" smtClean="0"/>
+              <a:t>→</a:t>
+            </a:r>
+            <a:r>
+              <a:rPr lang="en-US" altLang="zh-CN" dirty="0" err="1" smtClean="0"/>
+              <a:t>int</a:t>
+            </a:r>
+            <a:r>
+              <a:rPr lang="en-US" altLang="zh-CN" dirty="0" smtClean="0"/>
+              <a:t>[]</a:t>
             </a:r>
             <a:r>
               <a:rPr lang="zh-CN" altLang="en-US" dirty="0" smtClean="0"/>
               <a:t>。</a:t>
             </a:r>
             <a:r>
-              <a:rPr lang="zh-CN" altLang="en-US" dirty="0" smtClean="0">
-                <a:solidFill>
-                  <a:srgbClr val="FF0000"/>
-                </a:solidFill>
-              </a:rPr>
-              <a:t>这里添加一些序列化和反序列化的知识</a:t>
-            </a:r>
-            <a:r>
-              <a:rPr lang="en-US" altLang="zh-CN" dirty="0" smtClean="0">
-                <a:solidFill>
-                  <a:srgbClr val="FF0000"/>
-                </a:solidFill>
-              </a:rPr>
-              <a:t>,</a:t>
-            </a:r>
-            <a:r>
-              <a:rPr lang="zh-CN" altLang="en-US" dirty="0" smtClean="0">
-                <a:solidFill>
-                  <a:srgbClr val="FF0000"/>
-                </a:solidFill>
-              </a:rPr>
-              <a:t>，如额外占用空间开销等。</a:t>
-            </a:r>
-            <a:endParaRPr lang="en-US" altLang="zh-CN" dirty="0" smtClean="0">
-              <a:solidFill>
-                <a:srgbClr val="FF0000"/>
-              </a:solidFill>
-            </a:endParaRPr>
+              <a:rPr lang="en-US" altLang="zh-CN" dirty="0" smtClean="0"/>
+              <a:t>Hive</a:t>
+            </a:r>
+            <a:r>
+              <a:rPr lang="zh-CN" altLang="en-US" dirty="0" smtClean="0"/>
+              <a:t>支持的复杂数据类型，如</a:t>
+            </a:r>
+            <a:r>
+              <a:rPr lang="en-US" altLang="zh-CN" dirty="0" smtClean="0"/>
+              <a:t>map</a:t>
+            </a:r>
+            <a:r>
+              <a:rPr lang="zh-CN" altLang="en-US" dirty="0" smtClean="0"/>
+              <a:t>、</a:t>
+            </a:r>
+            <a:r>
+              <a:rPr lang="en-US" altLang="zh-CN" dirty="0" smtClean="0"/>
+              <a:t>array</a:t>
+            </a:r>
+            <a:r>
+              <a:rPr lang="zh-CN" altLang="en-US" dirty="0" smtClean="0"/>
+              <a:t>，先序列化，然后串接为</a:t>
+            </a:r>
+            <a:r>
+              <a:rPr lang="en-US" altLang="zh-CN" dirty="0" smtClean="0"/>
+              <a:t>byte</a:t>
+            </a:r>
+            <a:r>
+              <a:rPr lang="zh-CN" altLang="en-US" dirty="0" smtClean="0"/>
+              <a:t>数组。</a:t>
+            </a:r>
+            <a:endParaRPr lang="en-US" altLang="zh-CN" dirty="0" smtClean="0"/>
+          </a:p>
+          <a:p>
+            <a:r>
+              <a:rPr lang="zh-CN" altLang="en-US" dirty="0" smtClean="0"/>
+              <a:t>好处有：</a:t>
+            </a:r>
+            <a:endParaRPr lang="en-US" altLang="zh-CN" dirty="0" smtClean="0"/>
+          </a:p>
+          <a:p>
+            <a:r>
+              <a:rPr lang="zh-CN" altLang="en-US" dirty="0" smtClean="0"/>
+              <a:t>每列只有一个</a:t>
+            </a:r>
+            <a:r>
+              <a:rPr lang="en-US" altLang="zh-CN" dirty="0" smtClean="0"/>
+              <a:t>JVM</a:t>
+            </a:r>
+            <a:r>
+              <a:rPr lang="zh-CN" altLang="en-US" dirty="0" smtClean="0"/>
+              <a:t>对象，占用内存空间少，垃圾回收快</a:t>
+            </a:r>
+            <a:endParaRPr lang="en-US" altLang="zh-CN" dirty="0" smtClean="0"/>
+          </a:p>
+          <a:p>
+            <a:r>
+              <a:rPr lang="zh-CN" altLang="en-US" dirty="0" smtClean="0"/>
+              <a:t>数据紧凑，占用空间少，高效压缩（如</a:t>
+            </a:r>
+            <a:r>
+              <a:rPr lang="zh-CN" altLang="en-US" dirty="0"/>
+              <a:t>：</a:t>
+            </a:r>
+            <a:r>
+              <a:rPr lang="en-US" altLang="zh-CN" dirty="0"/>
+              <a:t>dictionary encoding, run-length encoding, bit packing</a:t>
+            </a:r>
+            <a:r>
+              <a:rPr lang="zh-CN" altLang="en-US" dirty="0"/>
+              <a:t>）</a:t>
+            </a:r>
+            <a:r>
+              <a:rPr lang="en-US" altLang="zh-CN" dirty="0"/>
+              <a:t/>
+            </a:r>
+            <a:br>
+              <a:rPr lang="en-US" altLang="zh-CN" dirty="0"/>
+            </a:br>
+            <a:endParaRPr lang="zh-CN" altLang="en-US" dirty="0"/>
+          </a:p>
+        </p:txBody>
+      </p:sp>
+      <p:sp>
+        <p:nvSpPr>
+          <p:cNvPr id="5" name="TextBox 4"/>
+          <p:cNvSpPr txBox="1"/>
+          <p:nvPr/>
+        </p:nvSpPr>
+        <p:spPr>
+          <a:xfrm>
+            <a:off x="467543" y="1484784"/>
+            <a:ext cx="8280919" cy="923330"/>
+          </a:xfrm>
+          <a:prstGeom prst="rect">
+            <a:avLst/>
+          </a:prstGeom>
+          <a:noFill/>
+        </p:spPr>
+        <p:txBody>
+          <a:bodyPr wrap="square" rtlCol="0">
+            <a:spAutoFit/>
+          </a:bodyPr>
+          <a:lstStyle/>
+          <a:p>
+            <a:r>
+              <a:rPr lang="zh-CN" altLang="en-US" dirty="0"/>
+              <a:t>将磁盘数据缓存到内存，并保持数据原始格式，涉及反序列操作，而研究表明反序列化在普通机</a:t>
+            </a:r>
+            <a:r>
+              <a:rPr lang="en-US" altLang="zh-CN" dirty="0"/>
+              <a:t>CPU</a:t>
+            </a:r>
+            <a:r>
+              <a:rPr lang="zh-CN" altLang="en-US" dirty="0"/>
+              <a:t>的反序列率为每秒每核心</a:t>
+            </a:r>
+            <a:r>
+              <a:rPr lang="en-US" altLang="zh-CN" dirty="0"/>
+              <a:t>200M</a:t>
+            </a:r>
+            <a:r>
+              <a:rPr lang="zh-CN" altLang="en-US" dirty="0"/>
+              <a:t>，故反序列化成为性能瓶颈。</a:t>
+            </a:r>
+            <a:endParaRPr lang="en-US" altLang="zh-CN" dirty="0"/>
+          </a:p>
+          <a:p>
+            <a:endParaRPr lang="zh-CN" altLang="en-US" dirty="0"/>
+          </a:p>
+        </p:txBody>
+      </p:sp>
+      <p:sp>
+        <p:nvSpPr>
+          <p:cNvPr id="6" name="TextBox 5"/>
+          <p:cNvSpPr txBox="1"/>
+          <p:nvPr/>
+        </p:nvSpPr>
+        <p:spPr>
+          <a:xfrm>
+            <a:off x="-2484784" y="1992065"/>
+            <a:ext cx="2304255" cy="1754326"/>
+          </a:xfrm>
+          <a:prstGeom prst="rect">
+            <a:avLst/>
+          </a:prstGeom>
+          <a:noFill/>
+        </p:spPr>
+        <p:txBody>
+          <a:bodyPr wrap="square" rtlCol="0">
+            <a:spAutoFit/>
+          </a:bodyPr>
+          <a:lstStyle/>
+          <a:p>
+            <a:r>
+              <a:rPr lang="zh-CN" altLang="en-US" dirty="0" smtClean="0"/>
+              <a:t>数据不一定就在本地，会涉及到数据的网络传输，则数据需要进行序列化，接收到的数据还需要进行反序列化 </a:t>
+            </a:r>
+            <a:endParaRPr lang="zh-CN" altLang="en-US" dirty="0"/>
           </a:p>
         </p:txBody>
       </p:sp>
     </p:spTree>
     <p:extLst>
       <p:ext uri="{BB962C8B-B14F-4D97-AF65-F5344CB8AC3E}">
-        <p14:creationId xmlns:p14="http://schemas.microsoft.com/office/powerpoint/2010/main" val="987704948"/>
+        <p14:creationId xmlns:p14="http://schemas.microsoft.com/office/powerpoint/2010/main" val="4178856235"/>
       </p:ext>
     </p:extLst>
   </p:cSld>
@@ -43078,7 +44360,447 @@
           <a:bodyPr/>
           <a:lstStyle/>
           <a:p>
-            <a:endParaRPr lang="zh-CN" altLang="en-US"/>
+            <a:r>
+              <a:rPr lang="zh-CN" altLang="en-US" dirty="0" smtClean="0"/>
+              <a:t>列</a:t>
+            </a:r>
+            <a:r>
+              <a:rPr lang="zh-CN" altLang="en-US" dirty="0"/>
+              <a:t>内存存储</a:t>
+            </a:r>
+          </a:p>
+        </p:txBody>
+      </p:sp>
+      <p:sp>
+        <p:nvSpPr>
+          <p:cNvPr id="3" name="内容占位符 2"/>
+          <p:cNvSpPr>
+            <a:spLocks noGrp="1"/>
+          </p:cNvSpPr>
+          <p:nvPr>
+            <p:ph sz="half" idx="1"/>
+          </p:nvPr>
+        </p:nvSpPr>
+        <p:spPr/>
+        <p:txBody>
+          <a:bodyPr/>
+          <a:lstStyle/>
+          <a:p>
+            <a:r>
+              <a:rPr lang="zh-CN" altLang="en-US" dirty="0" smtClean="0"/>
+              <a:t>行存储和列存储</a:t>
+            </a:r>
+            <a:endParaRPr lang="zh-CN" altLang="en-US" dirty="0"/>
+          </a:p>
+        </p:txBody>
+      </p:sp>
+      <p:sp>
+        <p:nvSpPr>
+          <p:cNvPr id="4" name="内容占位符 3"/>
+          <p:cNvSpPr>
+            <a:spLocks noGrp="1"/>
+          </p:cNvSpPr>
+          <p:nvPr>
+            <p:ph sz="half" idx="2"/>
+          </p:nvPr>
+        </p:nvSpPr>
+        <p:spPr/>
+        <p:txBody>
+          <a:bodyPr/>
+          <a:lstStyle/>
+          <a:p>
+            <a:r>
+              <a:rPr lang="zh-CN" altLang="en-US" dirty="0"/>
+              <a:t>行程长度压缩算法 </a:t>
+            </a:r>
+            <a:r>
+              <a:rPr lang="en-US" altLang="zh-CN" i="1" dirty="0"/>
+              <a:t>Run-Length</a:t>
+            </a:r>
+            <a:r>
+              <a:rPr lang="en-US" altLang="zh-CN" dirty="0"/>
+              <a:t> </a:t>
+            </a:r>
+            <a:r>
+              <a:rPr lang="en-US" altLang="zh-CN" i="1" dirty="0"/>
+              <a:t>Encoding</a:t>
+            </a:r>
+            <a:r>
+              <a:rPr lang="en-US" altLang="zh-CN" dirty="0"/>
+              <a:t>(RLE</a:t>
+            </a:r>
+            <a:r>
+              <a:rPr lang="en-US" altLang="zh-CN" dirty="0" smtClean="0"/>
+              <a:t>)</a:t>
+            </a:r>
+          </a:p>
+          <a:p>
+            <a:endParaRPr lang="zh-CN" altLang="en-US" dirty="0"/>
+          </a:p>
+        </p:txBody>
+      </p:sp>
+      <p:pic>
+        <p:nvPicPr>
+          <p:cNvPr id="1028" name="Picture 4"/>
+          <p:cNvPicPr>
+            <a:picLocks noChangeAspect="1" noChangeArrowheads="1"/>
+          </p:cNvPicPr>
+          <p:nvPr/>
+        </p:nvPicPr>
+        <p:blipFill>
+          <a:blip r:embed="rId2">
+            <a:extLst>
+              <a:ext uri="{28A0092B-C50C-407E-A947-70E740481C1C}">
+                <a14:useLocalDpi xmlns:a14="http://schemas.microsoft.com/office/drawing/2010/main" val="0"/>
+              </a:ext>
+            </a:extLst>
+          </a:blip>
+          <a:srcRect/>
+          <a:stretch>
+            <a:fillRect/>
+          </a:stretch>
+        </p:blipFill>
+        <p:spPr bwMode="auto">
+          <a:xfrm>
+            <a:off x="611560" y="2708920"/>
+            <a:ext cx="3571875" cy="1752600"/>
+          </a:xfrm>
+          <a:prstGeom prst="rect">
+            <a:avLst/>
+          </a:prstGeom>
+          <a:noFill/>
+          <a:ln>
+            <a:noFill/>
+          </a:ln>
+          <a:extLst>
+            <a:ext uri="{909E8E84-426E-40DD-AFC4-6F175D3DCCD1}">
+              <a14:hiddenFill xmlns:a14="http://schemas.microsoft.com/office/drawing/2010/main">
+                <a:solidFill>
+                  <a:schemeClr val="accent1"/>
+                </a:solidFill>
+              </a14:hiddenFill>
+            </a:ext>
+            <a:ext uri="{91240B29-F687-4F45-9708-019B960494DF}">
+              <a14:hiddenLine xmlns:a14="http://schemas.microsoft.com/office/drawing/2010/main" w="9525">
+                <a:solidFill>
+                  <a:schemeClr val="tx1"/>
+                </a:solidFill>
+                <a:miter lim="800000"/>
+                <a:headEnd/>
+                <a:tailEnd/>
+              </a14:hiddenLine>
+            </a:ext>
+          </a:extLst>
+        </p:spPr>
+      </p:pic>
+      <p:pic>
+        <p:nvPicPr>
+          <p:cNvPr id="1029" name="Picture 5" descr="C:\Users\SH\Desktop\48c95a19gd01a24ab4d0b&amp;690.png"/>
+          <p:cNvPicPr>
+            <a:picLocks noChangeAspect="1" noChangeArrowheads="1"/>
+          </p:cNvPicPr>
+          <p:nvPr/>
+        </p:nvPicPr>
+        <p:blipFill>
+          <a:blip r:embed="rId3">
+            <a:extLst>
+              <a:ext uri="{28A0092B-C50C-407E-A947-70E740481C1C}">
+                <a14:useLocalDpi xmlns:a14="http://schemas.microsoft.com/office/drawing/2010/main" val="0"/>
+              </a:ext>
+            </a:extLst>
+          </a:blip>
+          <a:srcRect/>
+          <a:stretch>
+            <a:fillRect/>
+          </a:stretch>
+        </p:blipFill>
+        <p:spPr bwMode="auto">
+          <a:xfrm>
+            <a:off x="5142025" y="3056758"/>
+            <a:ext cx="2476191" cy="2809524"/>
+          </a:xfrm>
+          <a:prstGeom prst="rect">
+            <a:avLst/>
+          </a:prstGeom>
+          <a:noFill/>
+          <a:extLst>
+            <a:ext uri="{909E8E84-426E-40DD-AFC4-6F175D3DCCD1}">
+              <a14:hiddenFill xmlns:a14="http://schemas.microsoft.com/office/drawing/2010/main">
+                <a:solidFill>
+                  <a:srgbClr val="FFFFFF"/>
+                </a:solidFill>
+              </a14:hiddenFill>
+            </a:ext>
+          </a:extLst>
+        </p:spPr>
+      </p:pic>
+    </p:spTree>
+    <p:extLst>
+      <p:ext uri="{BB962C8B-B14F-4D97-AF65-F5344CB8AC3E}">
+        <p14:creationId xmlns:p14="http://schemas.microsoft.com/office/powerpoint/2010/main" val="3418791196"/>
+      </p:ext>
+    </p:extLst>
+  </p:cSld>
+  <p:clrMapOvr>
+    <a:masterClrMapping/>
+  </p:clrMapOvr>
+  <p:timing>
+    <p:tnLst>
+      <p:par>
+        <p:cTn id="1" dur="indefinite" restart="never" nodeType="tmRoot"/>
+      </p:par>
+    </p:tnLst>
+  </p:timing>
+</p:sld>
+</file>
+
+<file path=ppt/slides/slide35.xml><?xml version="1.0" encoding="utf-8"?>
+<p:sld xmlns:a="http://schemas.openxmlformats.org/drawingml/2006/main" xmlns:r="http://schemas.openxmlformats.org/officeDocument/2006/relationships" xmlns:p="http://schemas.openxmlformats.org/presentationml/2006/main">
+  <p:cSld>
+    <p:spTree>
+      <p:nvGrpSpPr>
+        <p:cNvPr id="1" name=""/>
+        <p:cNvGrpSpPr/>
+        <p:nvPr/>
+      </p:nvGrpSpPr>
+      <p:grpSpPr>
+        <a:xfrm>
+          <a:off x="0" y="0"/>
+          <a:ext cx="0" cy="0"/>
+          <a:chOff x="0" y="0"/>
+          <a:chExt cx="0" cy="0"/>
+        </a:xfrm>
+      </p:grpSpPr>
+      <p:sp>
+        <p:nvSpPr>
+          <p:cNvPr id="2" name="标题 1"/>
+          <p:cNvSpPr>
+            <a:spLocks noGrp="1"/>
+          </p:cNvSpPr>
+          <p:nvPr>
+            <p:ph type="title"/>
+          </p:nvPr>
+        </p:nvSpPr>
+        <p:spPr/>
+        <p:txBody>
+          <a:bodyPr/>
+          <a:lstStyle/>
+          <a:p>
+            <a:r>
+              <a:rPr lang="zh-CN" altLang="en-US" dirty="0" smtClean="0"/>
+              <a:t>分布式</a:t>
+            </a:r>
+            <a:r>
+              <a:rPr lang="zh-CN" altLang="en-US" dirty="0" smtClean="0"/>
+              <a:t>数据加载</a:t>
+            </a:r>
+            <a:endParaRPr lang="zh-CN" altLang="en-US" dirty="0"/>
+          </a:p>
+        </p:txBody>
+      </p:sp>
+      <p:sp>
+        <p:nvSpPr>
+          <p:cNvPr id="3" name="内容占位符 2"/>
+          <p:cNvSpPr>
+            <a:spLocks noGrp="1"/>
+          </p:cNvSpPr>
+          <p:nvPr>
+            <p:ph idx="1"/>
+          </p:nvPr>
+        </p:nvSpPr>
+        <p:spPr/>
+        <p:txBody>
+          <a:bodyPr>
+            <a:normAutofit fontScale="77500" lnSpcReduction="20000"/>
+          </a:bodyPr>
+          <a:lstStyle/>
+          <a:p>
+            <a:r>
+              <a:rPr lang="en-US" altLang="zh-CN" dirty="0" smtClean="0"/>
+              <a:t>Shark</a:t>
+            </a:r>
+            <a:r>
+              <a:rPr lang="zh-CN" altLang="en-US" dirty="0" smtClean="0"/>
+              <a:t>的分布式数据加载依赖于</a:t>
+            </a:r>
+            <a:r>
+              <a:rPr lang="en-US" altLang="zh-CN" dirty="0" smtClean="0"/>
+              <a:t>Spark</a:t>
+            </a:r>
+            <a:r>
+              <a:rPr lang="zh-CN" altLang="en-US" dirty="0" smtClean="0"/>
+              <a:t>，</a:t>
+            </a:r>
+            <a:r>
+              <a:rPr lang="zh-CN" altLang="en-US" dirty="0" smtClean="0"/>
+              <a:t>大致过程：</a:t>
+            </a:r>
+            <a:r>
+              <a:rPr lang="en-US" altLang="zh-CN" dirty="0" smtClean="0"/>
+              <a:t/>
+            </a:r>
+            <a:br>
+              <a:rPr lang="en-US" altLang="zh-CN" dirty="0" smtClean="0"/>
+            </a:br>
+            <a:r>
+              <a:rPr lang="zh-CN" altLang="en-US" dirty="0" smtClean="0"/>
+              <a:t>一个表被划分到多个小的分区，每个</a:t>
+            </a:r>
+            <a:r>
+              <a:rPr lang="zh-CN" altLang="en-US" dirty="0" smtClean="0"/>
+              <a:t>分区对应一个加载任务，</a:t>
+            </a:r>
+            <a:r>
+              <a:rPr lang="zh-CN" altLang="en-US" dirty="0" smtClean="0"/>
+              <a:t>加载任务按照“数据视图”从数据行中提取独立字段，然后将分区数据整理为列存储形式，最后存储到内存。</a:t>
+            </a:r>
+            <a:endParaRPr lang="en-US" altLang="zh-CN" dirty="0" smtClean="0"/>
+          </a:p>
+          <a:p>
+            <a:r>
+              <a:rPr lang="zh-CN" altLang="en-US" dirty="0" smtClean="0"/>
+              <a:t>每个</a:t>
+            </a:r>
+            <a:r>
+              <a:rPr lang="zh-CN" altLang="en-US" dirty="0" smtClean="0"/>
+              <a:t>数据加载任务跟踪“元数据（</a:t>
+            </a:r>
+            <a:r>
+              <a:rPr lang="en-US" altLang="zh-CN" dirty="0"/>
+              <a:t>metadata</a:t>
+            </a:r>
+            <a:r>
+              <a:rPr lang="zh-CN" altLang="en-US" dirty="0" smtClean="0"/>
+              <a:t>）”，决定分区内的数据是否应该压缩，每个任务可以选择适合自己数据的最好压缩方式（局部最优达到全局最优</a:t>
+            </a:r>
+            <a:r>
+              <a:rPr lang="en-US" altLang="zh-CN" dirty="0" smtClean="0"/>
+              <a:t>~~</a:t>
+            </a:r>
+            <a:r>
+              <a:rPr lang="zh-CN" altLang="en-US" dirty="0" smtClean="0"/>
+              <a:t>）。</a:t>
+            </a:r>
+            <a:r>
+              <a:rPr lang="en-US" altLang="zh-CN" dirty="0" smtClean="0"/>
+              <a:t/>
+            </a:r>
+            <a:br>
+              <a:rPr lang="en-US" altLang="zh-CN" dirty="0" smtClean="0"/>
+            </a:br>
+            <a:r>
+              <a:rPr lang="zh-CN" altLang="en-US" dirty="0" smtClean="0"/>
+              <a:t>允许数据加载阶段达到最大并行度（前面提到的并行度只涉及</a:t>
+            </a:r>
+            <a:r>
+              <a:rPr lang="en-US" altLang="zh-CN" dirty="0" smtClean="0"/>
+              <a:t>reducer</a:t>
+            </a:r>
+            <a:r>
+              <a:rPr lang="zh-CN" altLang="en-US" dirty="0" smtClean="0"/>
+              <a:t>）</a:t>
+            </a:r>
+            <a:r>
+              <a:rPr lang="zh-CN" altLang="en-US" dirty="0" smtClean="0"/>
+              <a:t>。</a:t>
+            </a:r>
+            <a:endParaRPr lang="en-US" altLang="zh-CN" dirty="0" smtClean="0"/>
+          </a:p>
+          <a:p>
+            <a:r>
+              <a:rPr lang="zh-CN" altLang="en-US" dirty="0" smtClean="0"/>
+              <a:t>注意：</a:t>
+            </a:r>
+            <a:r>
+              <a:rPr lang="en-US" altLang="zh-CN" dirty="0" smtClean="0"/>
+              <a:t>RDD</a:t>
+            </a:r>
+            <a:r>
+              <a:rPr lang="zh-CN" altLang="en-US" dirty="0" smtClean="0"/>
+              <a:t>的</a:t>
+            </a:r>
+            <a:r>
+              <a:rPr lang="en-US" altLang="zh-CN" dirty="0" smtClean="0"/>
+              <a:t>lineage</a:t>
+            </a:r>
+            <a:r>
+              <a:rPr lang="zh-CN" altLang="en-US" dirty="0" smtClean="0"/>
+              <a:t>不会包含分区的压缩视图和元数据信息，这些信息只是</a:t>
+            </a:r>
+            <a:r>
+              <a:rPr lang="en-US" altLang="zh-CN" dirty="0" smtClean="0"/>
+              <a:t>RDD</a:t>
+            </a:r>
+            <a:r>
+              <a:rPr lang="zh-CN" altLang="en-US" dirty="0" smtClean="0"/>
+              <a:t>计算过程的副产品，假如该信息丢失，可以利用</a:t>
+            </a:r>
+            <a:r>
+              <a:rPr lang="en-US" altLang="zh-CN" dirty="0" smtClean="0"/>
+              <a:t>RDD</a:t>
+            </a:r>
+            <a:r>
+              <a:rPr lang="zh-CN" altLang="en-US" dirty="0" smtClean="0"/>
+              <a:t>容错机制快速重新计算。</a:t>
+            </a:r>
+            <a:endParaRPr lang="zh-CN" altLang="en-US" dirty="0"/>
+          </a:p>
+        </p:txBody>
+      </p:sp>
+    </p:spTree>
+    <p:extLst>
+      <p:ext uri="{BB962C8B-B14F-4D97-AF65-F5344CB8AC3E}">
+        <p14:creationId xmlns:p14="http://schemas.microsoft.com/office/powerpoint/2010/main" val="1846602671"/>
+      </p:ext>
+    </p:extLst>
+  </p:cSld>
+  <p:clrMapOvr>
+    <a:masterClrMapping/>
+  </p:clrMapOvr>
+</p:sld>
+</file>
+
+<file path=ppt/slides/slide36.xml><?xml version="1.0" encoding="utf-8"?>
+<p:sld xmlns:a="http://schemas.openxmlformats.org/drawingml/2006/main" xmlns:r="http://schemas.openxmlformats.org/officeDocument/2006/relationships" xmlns:p="http://schemas.openxmlformats.org/presentationml/2006/main">
+  <p:cSld>
+    <p:spTree>
+      <p:nvGrpSpPr>
+        <p:cNvPr id="1" name=""/>
+        <p:cNvGrpSpPr/>
+        <p:nvPr/>
+      </p:nvGrpSpPr>
+      <p:grpSpPr>
+        <a:xfrm>
+          <a:off x="0" y="0"/>
+          <a:ext cx="0" cy="0"/>
+          <a:chOff x="0" y="0"/>
+          <a:chExt cx="0" cy="0"/>
+        </a:xfrm>
+      </p:grpSpPr>
+      <p:sp>
+        <p:nvSpPr>
+          <p:cNvPr id="2" name="标题 1"/>
+          <p:cNvSpPr>
+            <a:spLocks noGrp="1"/>
+          </p:cNvSpPr>
+          <p:nvPr>
+            <p:ph type="title"/>
+          </p:nvPr>
+        </p:nvSpPr>
+        <p:spPr/>
+        <p:txBody>
+          <a:bodyPr/>
+          <a:lstStyle/>
+          <a:p>
+            <a:r>
+              <a:rPr lang="zh-CN" altLang="en-US" dirty="0" smtClean="0"/>
+              <a:t>数据</a:t>
+            </a:r>
+            <a:r>
+              <a:rPr lang="zh-CN" altLang="en-US" dirty="0" smtClean="0"/>
+              <a:t>协作分区</a:t>
+            </a:r>
+            <a:endParaRPr lang="zh-CN" altLang="en-US" dirty="0"/>
           </a:p>
         </p:txBody>
       </p:sp>
@@ -43097,6 +44819,484 @@
           <a:bodyPr/>
           <a:lstStyle/>
           <a:p>
+            <a:r>
+              <a:rPr lang="en-US" altLang="zh-CN" sz="2400" dirty="0" smtClean="0"/>
+              <a:t>MPP</a:t>
+            </a:r>
+            <a:r>
+              <a:rPr lang="zh-CN" altLang="en-US" sz="2400" dirty="0" smtClean="0"/>
+              <a:t>协同分区方式：数据</a:t>
+            </a:r>
+            <a:r>
+              <a:rPr lang="zh-CN" altLang="en-US" sz="2400" dirty="0" smtClean="0"/>
+              <a:t>加载过程，</a:t>
+            </a:r>
+            <a:r>
+              <a:rPr lang="zh-CN" altLang="en-US" sz="2400" dirty="0"/>
+              <a:t>基于两个</a:t>
+            </a:r>
+            <a:r>
+              <a:rPr lang="zh-CN" altLang="en-US" sz="2400" dirty="0" smtClean="0"/>
+              <a:t>表的</a:t>
+            </a:r>
+            <a:r>
+              <a:rPr lang="en-US" altLang="zh-CN" sz="2400" b="1" dirty="0" smtClean="0"/>
+              <a:t>join key</a:t>
+            </a:r>
+            <a:r>
+              <a:rPr lang="zh-CN" altLang="en-US" sz="2400" dirty="0" smtClean="0"/>
+              <a:t>协同分区。</a:t>
+            </a:r>
+            <a:endParaRPr lang="en-US" altLang="zh-CN" sz="2400" dirty="0" smtClean="0"/>
+          </a:p>
+          <a:p>
+            <a:r>
+              <a:rPr lang="en-US" altLang="zh-CN" sz="2400" dirty="0" smtClean="0"/>
+              <a:t>Shark</a:t>
+            </a:r>
+            <a:r>
+              <a:rPr lang="zh-CN" altLang="en-US" sz="2400" dirty="0" smtClean="0"/>
+              <a:t>协同分区方式：</a:t>
+            </a:r>
+            <a:r>
+              <a:rPr lang="zh-CN" altLang="en-US" sz="2400" dirty="0"/>
+              <a:t>基于两个</a:t>
+            </a:r>
+            <a:r>
+              <a:rPr lang="zh-CN" altLang="en-US" sz="2400" dirty="0" smtClean="0"/>
+              <a:t>表的</a:t>
+            </a:r>
+            <a:r>
+              <a:rPr lang="en-US" altLang="zh-CN" sz="2400" b="1" dirty="0" smtClean="0"/>
+              <a:t>common </a:t>
+            </a:r>
+            <a:r>
+              <a:rPr lang="en-US" altLang="zh-CN" sz="2400" b="1" dirty="0" smtClean="0"/>
+              <a:t>key</a:t>
+            </a:r>
+            <a:r>
+              <a:rPr lang="zh-CN" altLang="en-US" sz="2400" dirty="0" smtClean="0"/>
+              <a:t>协同</a:t>
+            </a:r>
+            <a:r>
+              <a:rPr lang="zh-CN" altLang="en-US" sz="2400" dirty="0" smtClean="0"/>
+              <a:t>分区。</a:t>
+            </a:r>
+            <a:r>
+              <a:rPr lang="en-US" altLang="zh-CN" sz="2400" dirty="0" smtClean="0"/>
+              <a:t/>
+            </a:r>
+            <a:br>
+              <a:rPr lang="en-US" altLang="zh-CN" sz="2400" dirty="0" smtClean="0"/>
+            </a:br>
+            <a:r>
+              <a:rPr lang="zh-CN" altLang="en-US" sz="2400" dirty="0" smtClean="0"/>
+              <a:t>协同分区时</a:t>
+            </a:r>
+            <a:r>
+              <a:rPr lang="zh-CN" altLang="en-US" sz="2400" dirty="0" smtClean="0"/>
+              <a:t>，</a:t>
+            </a:r>
+            <a:r>
+              <a:rPr lang="en-US" altLang="zh-CN" sz="2400" dirty="0" smtClean="0"/>
+              <a:t>Shark</a:t>
+            </a:r>
+            <a:r>
+              <a:rPr lang="zh-CN" altLang="en-US" sz="2400" dirty="0" smtClean="0"/>
+              <a:t>的优化器构建</a:t>
+            </a:r>
+            <a:r>
+              <a:rPr lang="en-US" altLang="zh-CN" sz="2400" dirty="0" smtClean="0"/>
+              <a:t>DAG</a:t>
+            </a:r>
+            <a:r>
+              <a:rPr lang="zh-CN" altLang="en-US" sz="2400" dirty="0" smtClean="0"/>
+              <a:t>，（</a:t>
+            </a:r>
+            <a:r>
+              <a:rPr lang="en-US" altLang="zh-CN" sz="2400" dirty="0" smtClean="0"/>
+              <a:t>1</a:t>
+            </a:r>
+            <a:r>
+              <a:rPr lang="zh-CN" altLang="en-US" sz="2400" dirty="0" smtClean="0"/>
+              <a:t>）避免</a:t>
+            </a:r>
+            <a:r>
+              <a:rPr lang="en-US" altLang="zh-CN" sz="2400" dirty="0" smtClean="0"/>
+              <a:t>shuffle</a:t>
+            </a:r>
+            <a:r>
+              <a:rPr lang="zh-CN" altLang="en-US" sz="2400" dirty="0" smtClean="0"/>
+              <a:t>过程；（</a:t>
+            </a:r>
+            <a:r>
+              <a:rPr lang="en-US" altLang="zh-CN" sz="2400" dirty="0" smtClean="0"/>
+              <a:t>2</a:t>
+            </a:r>
+            <a:r>
+              <a:rPr lang="zh-CN" altLang="en-US" sz="2400" dirty="0" smtClean="0"/>
+              <a:t>）</a:t>
+            </a:r>
+            <a:r>
+              <a:rPr lang="en-US" altLang="zh-CN" sz="2400" dirty="0" smtClean="0"/>
+              <a:t>map</a:t>
+            </a:r>
+            <a:r>
+              <a:rPr lang="zh-CN" altLang="en-US" sz="2400" dirty="0" smtClean="0"/>
+              <a:t>任务执行</a:t>
+            </a:r>
+            <a:r>
+              <a:rPr lang="en-US" altLang="zh-CN" sz="2400" dirty="0" smtClean="0"/>
+              <a:t>join</a:t>
+            </a:r>
+            <a:r>
+              <a:rPr lang="zh-CN" altLang="en-US" sz="2400" dirty="0" smtClean="0"/>
+              <a:t>操作。</a:t>
+            </a:r>
+            <a:endParaRPr lang="en-US" altLang="zh-CN" sz="2400" dirty="0" smtClean="0"/>
+          </a:p>
+          <a:p>
+            <a:endParaRPr lang="zh-CN" altLang="en-US" dirty="0"/>
+          </a:p>
+        </p:txBody>
+      </p:sp>
+      <p:sp>
+        <p:nvSpPr>
+          <p:cNvPr id="5" name="TextBox 4"/>
+          <p:cNvSpPr txBox="1"/>
+          <p:nvPr/>
+        </p:nvSpPr>
+        <p:spPr>
+          <a:xfrm>
+            <a:off x="285720" y="4000504"/>
+            <a:ext cx="8501122" cy="1938992"/>
+          </a:xfrm>
+          <a:prstGeom prst="rect">
+            <a:avLst/>
+          </a:prstGeom>
+          <a:noFill/>
+        </p:spPr>
+        <p:txBody>
+          <a:bodyPr wrap="square" rtlCol="0">
+            <a:spAutoFit/>
+          </a:bodyPr>
+          <a:lstStyle/>
+          <a:p>
+            <a:r>
+              <a:rPr lang="en-US" altLang="zh-CN" sz="2400" dirty="0" smtClean="0"/>
+              <a:t>CREATE TABLE </a:t>
+            </a:r>
+            <a:r>
+              <a:rPr lang="en-US" altLang="zh-CN" sz="2400" dirty="0" err="1" smtClean="0"/>
+              <a:t>l_mem</a:t>
+            </a:r>
+            <a:r>
+              <a:rPr lang="en-US" altLang="zh-CN" sz="2400" dirty="0" smtClean="0"/>
+              <a:t> </a:t>
+            </a:r>
+            <a:r>
+              <a:rPr lang="en-US" altLang="zh-CN" sz="2400" b="1" dirty="0" smtClean="0"/>
+              <a:t>TBLPROPERTIES</a:t>
+            </a:r>
+            <a:r>
+              <a:rPr lang="en-US" altLang="zh-CN" sz="2400" dirty="0" smtClean="0"/>
+              <a:t> ("</a:t>
+            </a:r>
+            <a:r>
+              <a:rPr lang="en-US" altLang="zh-CN" sz="2400" dirty="0" err="1" smtClean="0"/>
+              <a:t>shark.cache</a:t>
+            </a:r>
+            <a:r>
+              <a:rPr lang="en-US" altLang="zh-CN" sz="2400" dirty="0" smtClean="0"/>
+              <a:t>"=true)</a:t>
+            </a:r>
+          </a:p>
+          <a:p>
+            <a:r>
+              <a:rPr lang="en-US" altLang="zh-CN" sz="2400" dirty="0" smtClean="0"/>
+              <a:t>      AS SELECT * FROM </a:t>
+            </a:r>
+            <a:r>
+              <a:rPr lang="en-US" altLang="zh-CN" sz="2400" dirty="0" err="1" smtClean="0"/>
+              <a:t>lineitem</a:t>
+            </a:r>
+            <a:r>
+              <a:rPr lang="en-US" altLang="zh-CN" sz="2400" dirty="0" smtClean="0"/>
+              <a:t> DISTRIBUTE BY L_ORDERKEY;</a:t>
+            </a:r>
+          </a:p>
+          <a:p>
+            <a:r>
+              <a:rPr lang="en-US" altLang="zh-CN" sz="2400" dirty="0" smtClean="0"/>
+              <a:t>CREATE TABLE </a:t>
+            </a:r>
+            <a:r>
+              <a:rPr lang="en-US" altLang="zh-CN" sz="2400" dirty="0" err="1" smtClean="0"/>
+              <a:t>o_mem</a:t>
+            </a:r>
+            <a:r>
+              <a:rPr lang="en-US" altLang="zh-CN" sz="2400" dirty="0" smtClean="0"/>
+              <a:t> </a:t>
+            </a:r>
+            <a:r>
+              <a:rPr lang="en-US" altLang="zh-CN" sz="2400" b="1" dirty="0" smtClean="0"/>
+              <a:t>TBLPROPERTIES</a:t>
+            </a:r>
+            <a:r>
+              <a:rPr lang="en-US" altLang="zh-CN" sz="2400" dirty="0" smtClean="0"/>
+              <a:t> (</a:t>
+            </a:r>
+          </a:p>
+          <a:p>
+            <a:r>
+              <a:rPr lang="en-US" altLang="zh-CN" sz="2400" dirty="0" smtClean="0"/>
+              <a:t>      "</a:t>
+            </a:r>
+            <a:r>
+              <a:rPr lang="en-US" altLang="zh-CN" sz="2400" dirty="0" err="1" smtClean="0"/>
+              <a:t>shark.cache</a:t>
+            </a:r>
+            <a:r>
+              <a:rPr lang="en-US" altLang="zh-CN" sz="2400" dirty="0" smtClean="0"/>
+              <a:t>"=true, "</a:t>
+            </a:r>
+            <a:r>
+              <a:rPr lang="en-US" altLang="zh-CN" sz="2400" dirty="0" err="1" smtClean="0"/>
+              <a:t>copartition</a:t>
+            </a:r>
+            <a:r>
+              <a:rPr lang="en-US" altLang="zh-CN" sz="2400" dirty="0" smtClean="0"/>
+              <a:t>"="</a:t>
+            </a:r>
+            <a:r>
+              <a:rPr lang="en-US" altLang="zh-CN" sz="2400" dirty="0" err="1" smtClean="0"/>
+              <a:t>l_mem</a:t>
+            </a:r>
+            <a:r>
+              <a:rPr lang="en-US" altLang="zh-CN" sz="2400" dirty="0" smtClean="0"/>
+              <a:t>")</a:t>
+            </a:r>
+          </a:p>
+          <a:p>
+            <a:r>
+              <a:rPr lang="en-US" altLang="zh-CN" sz="2400" dirty="0" smtClean="0"/>
+              <a:t>      AS SELECT * FROM order </a:t>
+            </a:r>
+            <a:r>
+              <a:rPr lang="en-US" altLang="zh-CN" sz="2400" b="1" dirty="0" smtClean="0"/>
+              <a:t>DISTRIBUTE BY </a:t>
+            </a:r>
+            <a:r>
+              <a:rPr lang="en-US" altLang="zh-CN" sz="2400" dirty="0" smtClean="0"/>
+              <a:t>O_ORDERKEY;</a:t>
+            </a:r>
+            <a:endParaRPr lang="zh-CN" altLang="en-US" sz="2400" dirty="0"/>
+          </a:p>
+        </p:txBody>
+      </p:sp>
+    </p:spTree>
+    <p:extLst>
+      <p:ext uri="{BB962C8B-B14F-4D97-AF65-F5344CB8AC3E}">
+        <p14:creationId xmlns:p14="http://schemas.microsoft.com/office/powerpoint/2010/main" val="1656473760"/>
+      </p:ext>
+    </p:extLst>
+  </p:cSld>
+  <p:clrMapOvr>
+    <a:masterClrMapping/>
+  </p:clrMapOvr>
+  <p:timing>
+    <p:tnLst>
+      <p:par>
+        <p:cTn id="1" dur="indefinite" restart="never" nodeType="tmRoot"/>
+      </p:par>
+    </p:tnLst>
+  </p:timing>
+</p:sld>
+</file>
+
+<file path=ppt/slides/slide37.xml><?xml version="1.0" encoding="utf-8"?>
+<p:sld xmlns:a="http://schemas.openxmlformats.org/drawingml/2006/main" xmlns:r="http://schemas.openxmlformats.org/officeDocument/2006/relationships" xmlns:p="http://schemas.openxmlformats.org/presentationml/2006/main">
+  <p:cSld>
+    <p:spTree>
+      <p:nvGrpSpPr>
+        <p:cNvPr id="1" name=""/>
+        <p:cNvGrpSpPr/>
+        <p:nvPr/>
+      </p:nvGrpSpPr>
+      <p:grpSpPr>
+        <a:xfrm>
+          <a:off x="0" y="0"/>
+          <a:ext cx="0" cy="0"/>
+          <a:chOff x="0" y="0"/>
+          <a:chExt cx="0" cy="0"/>
+        </a:xfrm>
+      </p:grpSpPr>
+      <p:sp>
+        <p:nvSpPr>
+          <p:cNvPr id="2" name="标题 1"/>
+          <p:cNvSpPr>
+            <a:spLocks noGrp="1"/>
+          </p:cNvSpPr>
+          <p:nvPr>
+            <p:ph type="title"/>
+          </p:nvPr>
+        </p:nvSpPr>
+        <p:spPr/>
+        <p:txBody>
+          <a:bodyPr/>
+          <a:lstStyle/>
+          <a:p>
+            <a:r>
+              <a:rPr lang="zh-CN" altLang="en-US" dirty="0" smtClean="0"/>
+              <a:t>分区</a:t>
+            </a:r>
+            <a:r>
+              <a:rPr lang="zh-CN" altLang="en-US" dirty="0" smtClean="0"/>
+              <a:t>统计和</a:t>
+            </a:r>
+            <a:r>
+              <a:rPr lang="en-US" altLang="zh-CN" dirty="0" smtClean="0"/>
+              <a:t>Map</a:t>
+            </a:r>
+            <a:r>
+              <a:rPr lang="zh-CN" altLang="en-US" dirty="0" smtClean="0"/>
+              <a:t>裁剪</a:t>
+            </a:r>
+            <a:endParaRPr lang="zh-CN" altLang="en-US" dirty="0"/>
+          </a:p>
+        </p:txBody>
+      </p:sp>
+      <p:sp>
+        <p:nvSpPr>
+          <p:cNvPr id="3" name="内容占位符 2"/>
+          <p:cNvSpPr>
+            <a:spLocks noGrp="1"/>
+          </p:cNvSpPr>
+          <p:nvPr>
+            <p:ph idx="1"/>
+          </p:nvPr>
+        </p:nvSpPr>
+        <p:spPr/>
+        <p:txBody>
+          <a:bodyPr>
+            <a:normAutofit fontScale="85000" lnSpcReduction="10000"/>
+          </a:bodyPr>
+          <a:lstStyle/>
+          <a:p>
+            <a:r>
+              <a:rPr lang="en-US" altLang="zh-CN" dirty="0" smtClean="0"/>
+              <a:t>Map</a:t>
+            </a:r>
+            <a:r>
+              <a:rPr lang="zh-CN" altLang="en-US" dirty="0" smtClean="0"/>
+              <a:t>裁剪：基于数据分区的</a:t>
+            </a:r>
+            <a:r>
+              <a:rPr lang="zh-CN" altLang="en-US" b="1" dirty="0" smtClean="0"/>
+              <a:t>自然列簇</a:t>
+            </a:r>
+            <a:r>
+              <a:rPr lang="zh-CN" altLang="en-US" dirty="0" smtClean="0"/>
+              <a:t>（</a:t>
+            </a:r>
+            <a:r>
+              <a:rPr lang="en-US" altLang="zh-CN" dirty="0" smtClean="0"/>
+              <a:t>natural clustering columns</a:t>
+            </a:r>
+            <a:r>
+              <a:rPr lang="zh-CN" altLang="en-US" dirty="0" smtClean="0"/>
+              <a:t>）对</a:t>
+            </a:r>
+            <a:r>
+              <a:rPr lang="zh-CN" altLang="en-US" b="1" dirty="0" smtClean="0"/>
+              <a:t>数据分区</a:t>
+            </a:r>
+            <a:r>
+              <a:rPr lang="zh-CN" altLang="en-US" dirty="0" smtClean="0"/>
+              <a:t>进行裁剪的过程。即不在查询范围内的数据，</a:t>
+            </a:r>
+            <a:r>
+              <a:rPr lang="en-US" altLang="zh-CN" dirty="0" smtClean="0"/>
+              <a:t>Shark</a:t>
+            </a:r>
+            <a:r>
+              <a:rPr lang="zh-CN" altLang="en-US" dirty="0" smtClean="0"/>
+              <a:t>避免扫描这些数据块。</a:t>
+            </a:r>
+            <a:endParaRPr lang="en-US" altLang="zh-CN" dirty="0" smtClean="0"/>
+          </a:p>
+          <a:p>
+            <a:r>
+              <a:rPr lang="zh-CN" altLang="en-US" dirty="0" smtClean="0"/>
+              <a:t>分区统计：每个</a:t>
+            </a:r>
+            <a:r>
+              <a:rPr lang="zh-CN" altLang="en-US" dirty="0" smtClean="0"/>
+              <a:t>节点的</a:t>
+            </a:r>
+            <a:r>
+              <a:rPr lang="zh-CN" altLang="en-US" dirty="0" smtClean="0"/>
+              <a:t>内存</a:t>
+            </a:r>
+            <a:r>
+              <a:rPr lang="zh-CN" altLang="en-US" dirty="0" smtClean="0"/>
+              <a:t>存储在</a:t>
+            </a:r>
+            <a:r>
+              <a:rPr lang="zh-CN" altLang="en-US" dirty="0" smtClean="0"/>
+              <a:t>数据加载过程收集统计数据</a:t>
+            </a:r>
+            <a:r>
+              <a:rPr lang="zh-CN" altLang="en-US" dirty="0" smtClean="0"/>
+              <a:t>，如每</a:t>
+            </a:r>
+            <a:r>
+              <a:rPr lang="zh-CN" altLang="en-US" dirty="0" smtClean="0"/>
+              <a:t>一列的范围、记录数等</a:t>
+            </a:r>
+            <a:r>
+              <a:rPr lang="zh-CN" altLang="en-US" dirty="0" smtClean="0"/>
+              <a:t>。这些</a:t>
+            </a:r>
+            <a:r>
+              <a:rPr lang="zh-CN" altLang="en-US" dirty="0" smtClean="0"/>
+              <a:t>数据会发送到</a:t>
+            </a:r>
+            <a:r>
+              <a:rPr lang="en-US" altLang="zh-CN" dirty="0" smtClean="0"/>
+              <a:t>master</a:t>
+            </a:r>
+            <a:r>
+              <a:rPr lang="zh-CN" altLang="en-US" dirty="0" smtClean="0"/>
+              <a:t>，在查询期间用来裁剪分区。</a:t>
+            </a:r>
+            <a:endParaRPr lang="en-US" altLang="zh-CN" dirty="0" smtClean="0"/>
+          </a:p>
+          <a:p>
+            <a:r>
+              <a:rPr lang="zh-CN" altLang="en-US" dirty="0" smtClean="0"/>
+              <a:t>查询过程：当有一个查询执行，</a:t>
+            </a:r>
+            <a:r>
+              <a:rPr lang="en-US" altLang="zh-CN" dirty="0" smtClean="0"/>
+              <a:t>Shark</a:t>
+            </a:r>
+            <a:r>
+              <a:rPr lang="zh-CN" altLang="en-US" dirty="0" smtClean="0"/>
+              <a:t>对所有的分区统计信息和查询语句的谓词进行评估，不满足谓词的分区将被裁剪掉，也即不会有</a:t>
+            </a:r>
+            <a:r>
+              <a:rPr lang="zh-CN" altLang="en-US" dirty="0" smtClean="0"/>
+              <a:t>任务扫描</a:t>
+            </a:r>
+            <a:r>
+              <a:rPr lang="zh-CN" altLang="en-US" dirty="0" smtClean="0"/>
+              <a:t>这些分区数据</a:t>
+            </a:r>
+            <a:r>
+              <a:rPr lang="zh-CN" altLang="en-US" dirty="0" smtClean="0"/>
+              <a:t>。</a:t>
+            </a:r>
             <a:endParaRPr lang="zh-CN" altLang="en-US" dirty="0"/>
           </a:p>
         </p:txBody>
@@ -43104,7 +45304,473 @@
     </p:spTree>
     <p:extLst>
       <p:ext uri="{BB962C8B-B14F-4D97-AF65-F5344CB8AC3E}">
-        <p14:creationId xmlns:p14="http://schemas.microsoft.com/office/powerpoint/2010/main" val="1661457862"/>
+        <p14:creationId xmlns:p14="http://schemas.microsoft.com/office/powerpoint/2010/main" val="2868625586"/>
+      </p:ext>
+    </p:extLst>
+  </p:cSld>
+  <p:clrMapOvr>
+    <a:masterClrMapping/>
+  </p:clrMapOvr>
+  <p:timing>
+    <p:tnLst>
+      <p:par>
+        <p:cTn id="1" dur="indefinite" restart="never" nodeType="tmRoot"/>
+      </p:par>
+    </p:tnLst>
+  </p:timing>
+</p:sld>
+</file>
+
+<file path=ppt/slides/slide38.xml><?xml version="1.0" encoding="utf-8"?>
+<p:sld xmlns:a="http://schemas.openxmlformats.org/drawingml/2006/main" xmlns:r="http://schemas.openxmlformats.org/officeDocument/2006/relationships" xmlns:p="http://schemas.openxmlformats.org/presentationml/2006/main">
+  <p:cSld>
+    <p:spTree>
+      <p:nvGrpSpPr>
+        <p:cNvPr id="1" name=""/>
+        <p:cNvGrpSpPr/>
+        <p:nvPr/>
+      </p:nvGrpSpPr>
+      <p:grpSpPr>
+        <a:xfrm>
+          <a:off x="0" y="0"/>
+          <a:ext cx="0" cy="0"/>
+          <a:chOff x="0" y="0"/>
+          <a:chExt cx="0" cy="0"/>
+        </a:xfrm>
+      </p:grpSpPr>
+      <p:sp>
+        <p:nvSpPr>
+          <p:cNvPr id="2" name="标题 1"/>
+          <p:cNvSpPr>
+            <a:spLocks noGrp="1"/>
+          </p:cNvSpPr>
+          <p:nvPr>
+            <p:ph type="title"/>
+          </p:nvPr>
+        </p:nvSpPr>
+        <p:spPr/>
+        <p:txBody>
+          <a:bodyPr/>
+          <a:lstStyle/>
+          <a:p>
+            <a:r>
+              <a:rPr lang="zh-CN" altLang="en-US" dirty="0" smtClean="0"/>
+              <a:t>机器学习支持</a:t>
+            </a:r>
+            <a:endParaRPr lang="zh-CN" altLang="en-US" dirty="0"/>
+          </a:p>
+        </p:txBody>
+      </p:sp>
+      <p:sp>
+        <p:nvSpPr>
+          <p:cNvPr id="3" name="内容占位符 2"/>
+          <p:cNvSpPr>
+            <a:spLocks noGrp="1"/>
+          </p:cNvSpPr>
+          <p:nvPr>
+            <p:ph sz="half" idx="1"/>
+          </p:nvPr>
+        </p:nvSpPr>
+        <p:spPr>
+          <a:xfrm>
+            <a:off x="457200" y="1600200"/>
+            <a:ext cx="3686172" cy="4525963"/>
+          </a:xfrm>
+        </p:spPr>
+        <p:txBody>
+          <a:bodyPr/>
+          <a:lstStyle/>
+          <a:p>
+            <a:pPr marL="0" indent="0">
+              <a:buNone/>
+            </a:pPr>
+            <a:r>
+              <a:rPr lang="zh-CN" altLang="en-US" dirty="0" smtClean="0"/>
+              <a:t>机器学习在</a:t>
+            </a:r>
+            <a:r>
+              <a:rPr lang="en-US" altLang="zh-CN" dirty="0" smtClean="0"/>
+              <a:t>Shark</a:t>
+            </a:r>
+            <a:r>
+              <a:rPr lang="zh-CN" altLang="en-US" dirty="0" smtClean="0"/>
+              <a:t>内是</a:t>
+            </a:r>
+            <a:r>
+              <a:rPr lang="zh-CN" altLang="en-US" b="1" dirty="0" smtClean="0"/>
+              <a:t>一等公民</a:t>
+            </a:r>
+            <a:r>
+              <a:rPr lang="zh-CN" altLang="en-US" dirty="0" smtClean="0"/>
+              <a:t>！</a:t>
+            </a:r>
+            <a:endParaRPr lang="en-US" altLang="zh-CN" dirty="0" smtClean="0"/>
+          </a:p>
+          <a:p>
+            <a:pPr marL="514350" indent="-457200">
+              <a:buFont typeface="+mj-ea"/>
+              <a:buAutoNum type="circleNumDbPlain"/>
+            </a:pPr>
+            <a:r>
+              <a:rPr lang="zh-CN" altLang="en-US" dirty="0" smtClean="0"/>
+              <a:t>语言集成</a:t>
+            </a:r>
+            <a:r>
+              <a:rPr lang="zh-CN" altLang="en-US" dirty="0" smtClean="0"/>
+              <a:t>：类似于</a:t>
+            </a:r>
+            <a:r>
+              <a:rPr lang="en-US" altLang="zh-CN" dirty="0" smtClean="0"/>
+              <a:t>Scala</a:t>
+            </a:r>
+            <a:r>
+              <a:rPr lang="zh-CN" altLang="en-US" dirty="0" smtClean="0"/>
+              <a:t>编程，如</a:t>
+            </a:r>
+            <a:r>
+              <a:rPr lang="zh-CN" altLang="en-US" dirty="0" smtClean="0"/>
+              <a:t>右图</a:t>
+            </a:r>
+            <a:endParaRPr lang="en-US" altLang="zh-CN" dirty="0" smtClean="0"/>
+          </a:p>
+          <a:p>
+            <a:pPr marL="514350" indent="-457200">
+              <a:buFont typeface="+mj-ea"/>
+              <a:buAutoNum type="circleNumDbPlain"/>
+            </a:pPr>
+            <a:r>
+              <a:rPr lang="zh-CN" altLang="en-US" dirty="0" smtClean="0"/>
+              <a:t>执行引擎集成</a:t>
+            </a:r>
+            <a:r>
+              <a:rPr lang="zh-CN" altLang="en-US" dirty="0" smtClean="0"/>
+              <a:t>：</a:t>
+            </a:r>
+            <a:r>
+              <a:rPr lang="en-US" altLang="zh-CN" dirty="0" smtClean="0"/>
+              <a:t>RDD</a:t>
+            </a:r>
+            <a:endParaRPr lang="zh-CN" altLang="en-US" dirty="0" smtClean="0"/>
+          </a:p>
+          <a:p>
+            <a:endParaRPr lang="zh-CN" altLang="en-US" dirty="0"/>
+          </a:p>
+        </p:txBody>
+      </p:sp>
+      <p:pic>
+        <p:nvPicPr>
+          <p:cNvPr id="5" name="Picture 2"/>
+          <p:cNvPicPr>
+            <a:picLocks noGrp="1" noChangeAspect="1" noChangeArrowheads="1"/>
+          </p:cNvPicPr>
+          <p:nvPr>
+            <p:ph sz="half" idx="2"/>
+          </p:nvPr>
+        </p:nvPicPr>
+        <p:blipFill>
+          <a:blip r:embed="rId2"/>
+          <a:srcRect/>
+          <a:stretch>
+            <a:fillRect/>
+          </a:stretch>
+        </p:blipFill>
+        <p:spPr bwMode="auto">
+          <a:xfrm>
+            <a:off x="4214810" y="1643050"/>
+            <a:ext cx="4467228" cy="3929090"/>
+          </a:xfrm>
+          <a:prstGeom prst="rect">
+            <a:avLst/>
+          </a:prstGeom>
+          <a:noFill/>
+          <a:ln w="9525">
+            <a:noFill/>
+            <a:miter lim="800000"/>
+            <a:headEnd/>
+            <a:tailEnd/>
+          </a:ln>
+          <a:effectLst/>
+        </p:spPr>
+      </p:pic>
+    </p:spTree>
+    <p:extLst>
+      <p:ext uri="{BB962C8B-B14F-4D97-AF65-F5344CB8AC3E}">
+        <p14:creationId xmlns:p14="http://schemas.microsoft.com/office/powerpoint/2010/main" val="3127868990"/>
+      </p:ext>
+    </p:extLst>
+  </p:cSld>
+  <p:clrMapOvr>
+    <a:masterClrMapping/>
+  </p:clrMapOvr>
+  <p:timing>
+    <p:tnLst>
+      <p:par>
+        <p:cTn id="1" dur="indefinite" restart="never" nodeType="tmRoot"/>
+      </p:par>
+    </p:tnLst>
+  </p:timing>
+</p:sld>
+</file>
+
+<file path=ppt/slides/slide39.xml><?xml version="1.0" encoding="utf-8"?>
+<p:sld xmlns:a="http://schemas.openxmlformats.org/drawingml/2006/main" xmlns:r="http://schemas.openxmlformats.org/officeDocument/2006/relationships" xmlns:p="http://schemas.openxmlformats.org/presentationml/2006/main">
+  <p:cSld>
+    <p:spTree>
+      <p:nvGrpSpPr>
+        <p:cNvPr id="1" name=""/>
+        <p:cNvGrpSpPr/>
+        <p:nvPr/>
+      </p:nvGrpSpPr>
+      <p:grpSpPr>
+        <a:xfrm>
+          <a:off x="0" y="0"/>
+          <a:ext cx="0" cy="0"/>
+          <a:chOff x="0" y="0"/>
+          <a:chExt cx="0" cy="0"/>
+        </a:xfrm>
+      </p:grpSpPr>
+      <p:sp>
+        <p:nvSpPr>
+          <p:cNvPr id="2" name="标题 1"/>
+          <p:cNvSpPr>
+            <a:spLocks noGrp="1"/>
+          </p:cNvSpPr>
+          <p:nvPr>
+            <p:ph type="title"/>
+          </p:nvPr>
+        </p:nvSpPr>
+        <p:spPr/>
+        <p:txBody>
+          <a:bodyPr/>
+          <a:lstStyle/>
+          <a:p>
+            <a:r>
+              <a:rPr lang="zh-CN" altLang="en-US" dirty="0" smtClean="0"/>
+              <a:t>实现</a:t>
+            </a:r>
+            <a:endParaRPr lang="zh-CN" altLang="en-US" dirty="0"/>
+          </a:p>
+        </p:txBody>
+      </p:sp>
+      <p:sp>
+        <p:nvSpPr>
+          <p:cNvPr id="3" name="内容占位符 2"/>
+          <p:cNvSpPr>
+            <a:spLocks noGrp="1"/>
+          </p:cNvSpPr>
+          <p:nvPr>
+            <p:ph idx="1"/>
+          </p:nvPr>
+        </p:nvSpPr>
+        <p:spPr/>
+        <p:txBody>
+          <a:bodyPr>
+            <a:normAutofit fontScale="70000" lnSpcReduction="20000"/>
+          </a:bodyPr>
+          <a:lstStyle/>
+          <a:p>
+            <a:pPr marL="0" indent="0">
+              <a:buNone/>
+            </a:pPr>
+            <a:r>
+              <a:rPr lang="en-US" altLang="zh-CN" dirty="0" smtClean="0"/>
+              <a:t>Shark</a:t>
+            </a:r>
+            <a:r>
+              <a:rPr lang="zh-CN" altLang="en-US" dirty="0" smtClean="0"/>
+              <a:t>实现过程，进行的其他优化：</a:t>
+            </a:r>
+            <a:endParaRPr lang="en-US" altLang="zh-CN" dirty="0" smtClean="0"/>
+          </a:p>
+          <a:p>
+            <a:pPr marL="514350" indent="-514350">
+              <a:buFont typeface="+mj-lt"/>
+              <a:buAutoNum type="arabicPeriod"/>
+            </a:pPr>
+            <a:r>
+              <a:rPr lang="zh-CN" altLang="en-US" dirty="0" smtClean="0"/>
+              <a:t>基于内存的</a:t>
+            </a:r>
+            <a:r>
+              <a:rPr lang="en-US" altLang="zh-CN" dirty="0" smtClean="0"/>
+              <a:t>shuffle</a:t>
+            </a:r>
+            <a:r>
+              <a:rPr lang="zh-CN" altLang="en-US" dirty="0" smtClean="0"/>
+              <a:t>：</a:t>
+            </a:r>
+            <a:endParaRPr lang="en-US" altLang="zh-CN" dirty="0" smtClean="0"/>
+          </a:p>
+          <a:p>
+            <a:pPr marL="457200" lvl="1" indent="0">
+              <a:buNone/>
+            </a:pPr>
+            <a:r>
+              <a:rPr lang="en-US" altLang="zh-CN" dirty="0" smtClean="0"/>
+              <a:t>Shark</a:t>
+            </a:r>
+            <a:r>
+              <a:rPr lang="zh-CN" altLang="en-US" dirty="0" smtClean="0"/>
+              <a:t>修改了</a:t>
+            </a:r>
+            <a:r>
+              <a:rPr lang="en-US" altLang="zh-CN" dirty="0" smtClean="0"/>
+              <a:t>shuffle</a:t>
+            </a:r>
+            <a:r>
+              <a:rPr lang="zh-CN" altLang="en-US" dirty="0" smtClean="0"/>
+              <a:t>过程，物化</a:t>
+            </a:r>
+            <a:r>
+              <a:rPr lang="en-US" altLang="zh-CN" dirty="0" smtClean="0"/>
+              <a:t>map</a:t>
+            </a:r>
+            <a:r>
+              <a:rPr lang="zh-CN" altLang="en-US" dirty="0" smtClean="0"/>
+              <a:t>结果到内存，也可以选择存入磁盘。</a:t>
+            </a:r>
+            <a:endParaRPr lang="en-US" altLang="zh-CN" dirty="0" smtClean="0"/>
+          </a:p>
+          <a:p>
+            <a:pPr marL="514350" indent="-514350">
+              <a:buFont typeface="+mj-lt"/>
+              <a:buAutoNum type="arabicPeriod"/>
+            </a:pPr>
+            <a:r>
+              <a:rPr lang="zh-CN" altLang="en-US" dirty="0" smtClean="0"/>
+              <a:t>临时对象的创建：</a:t>
+            </a:r>
+            <a:endParaRPr lang="en-US" altLang="zh-CN" dirty="0" smtClean="0"/>
+          </a:p>
+          <a:p>
+            <a:pPr marL="457200" lvl="1" indent="0">
+              <a:buNone/>
+            </a:pPr>
+            <a:r>
+              <a:rPr lang="zh-CN" altLang="en-US" dirty="0" smtClean="0"/>
+              <a:t>临时对象会带来</a:t>
+            </a:r>
+            <a:r>
+              <a:rPr lang="en-US" altLang="zh-CN" dirty="0" smtClean="0"/>
+              <a:t>JVM</a:t>
+            </a:r>
+            <a:r>
+              <a:rPr lang="zh-CN" altLang="en-US" dirty="0" smtClean="0"/>
+              <a:t>垃圾回收，</a:t>
+            </a:r>
+            <a:r>
+              <a:rPr lang="en-US" altLang="zh-CN" dirty="0" smtClean="0"/>
+              <a:t>Shark</a:t>
+            </a:r>
+            <a:r>
+              <a:rPr lang="zh-CN" altLang="en-US" dirty="0" smtClean="0"/>
+              <a:t>操作和</a:t>
+            </a:r>
+            <a:r>
+              <a:rPr lang="en-US" altLang="zh-CN" dirty="0" smtClean="0"/>
+              <a:t>RDD</a:t>
+            </a:r>
+            <a:r>
+              <a:rPr lang="zh-CN" altLang="en-US" dirty="0" smtClean="0"/>
+              <a:t>的</a:t>
+            </a:r>
+            <a:r>
+              <a:rPr lang="en-US" altLang="zh-CN" dirty="0" smtClean="0"/>
+              <a:t>transformation</a:t>
+            </a:r>
+            <a:r>
+              <a:rPr lang="zh-CN" altLang="en-US" dirty="0" smtClean="0"/>
+              <a:t>设计为最小化地创建临对象。</a:t>
+            </a:r>
+            <a:endParaRPr lang="en-US" altLang="zh-CN" dirty="0" smtClean="0"/>
+          </a:p>
+          <a:p>
+            <a:pPr marL="514350" indent="-514350">
+              <a:buFont typeface="+mj-lt"/>
+              <a:buAutoNum type="arabicPeriod"/>
+            </a:pPr>
+            <a:r>
+              <a:rPr lang="zh-CN" altLang="en-US" dirty="0" smtClean="0"/>
+              <a:t>表现评估的字节码编译：</a:t>
+            </a:r>
+            <a:endParaRPr lang="en-US" altLang="zh-CN" dirty="0" smtClean="0"/>
+          </a:p>
+          <a:p>
+            <a:pPr marL="457200" lvl="1" indent="0">
+              <a:buNone/>
+            </a:pPr>
+            <a:r>
+              <a:rPr lang="en-US" altLang="zh-CN" dirty="0" smtClean="0"/>
+              <a:t>Shark</a:t>
+            </a:r>
+            <a:r>
+              <a:rPr lang="zh-CN" altLang="en-US" dirty="0" smtClean="0"/>
+              <a:t>发送的表现评估信息（</a:t>
+            </a:r>
+            <a:r>
+              <a:rPr lang="en-US" altLang="zh-CN" dirty="0" smtClean="0"/>
+              <a:t>Expression Evaluators</a:t>
+            </a:r>
+            <a:r>
+              <a:rPr lang="zh-CN" altLang="en-US" dirty="0" smtClean="0"/>
+              <a:t>）由</a:t>
+            </a:r>
+            <a:r>
+              <a:rPr lang="en-US" altLang="zh-CN" dirty="0" smtClean="0"/>
+              <a:t>Hive</a:t>
+            </a:r>
+            <a:r>
+              <a:rPr lang="zh-CN" altLang="en-US" dirty="0" smtClean="0"/>
+              <a:t>解析器生成，作者发现，当访问的数据不在内存时，</a:t>
+            </a:r>
+            <a:r>
+              <a:rPr lang="en-US" altLang="zh-CN" dirty="0" smtClean="0"/>
+              <a:t>CPU</a:t>
+            </a:r>
+            <a:r>
+              <a:rPr lang="zh-CN" altLang="en-US" dirty="0" smtClean="0"/>
+              <a:t>将耗费在解释这些评估。作者正在写一个编译器，将这些表现评估转化为</a:t>
+            </a:r>
+            <a:r>
+              <a:rPr lang="en-US" altLang="zh-CN" dirty="0" smtClean="0"/>
+              <a:t>JVM</a:t>
+            </a:r>
+            <a:r>
+              <a:rPr lang="zh-CN" altLang="en-US" dirty="0" smtClean="0"/>
+              <a:t>的字节码，以提高执行引擎的吞吐量。</a:t>
+            </a:r>
+            <a:endParaRPr lang="en-US" altLang="zh-CN" dirty="0" smtClean="0"/>
+          </a:p>
+          <a:p>
+            <a:pPr marL="514350" indent="-514350">
+              <a:buFont typeface="+mj-lt"/>
+              <a:buAutoNum type="arabicPeriod"/>
+            </a:pPr>
+            <a:r>
+              <a:rPr lang="zh-CN" altLang="en-US" dirty="0" smtClean="0"/>
+              <a:t>专门的数据结构：</a:t>
+            </a:r>
+            <a:endParaRPr lang="en-US" altLang="zh-CN" dirty="0" smtClean="0"/>
+          </a:p>
+          <a:p>
+            <a:pPr marL="457200" lvl="1" indent="0">
+              <a:buNone/>
+            </a:pPr>
+            <a:r>
+              <a:rPr lang="zh-CN" altLang="en-US" dirty="0" smtClean="0"/>
+              <a:t>尚未开发出来。</a:t>
+            </a:r>
+            <a:endParaRPr lang="en-US" altLang="zh-CN" dirty="0" smtClean="0"/>
+          </a:p>
+          <a:p>
+            <a:endParaRPr lang="zh-CN" altLang="en-US" dirty="0"/>
+          </a:p>
+        </p:txBody>
+      </p:sp>
+    </p:spTree>
+    <p:extLst>
+      <p:ext uri="{BB962C8B-B14F-4D97-AF65-F5344CB8AC3E}">
+        <p14:creationId xmlns:p14="http://schemas.microsoft.com/office/powerpoint/2010/main" val="497471215"/>
       </p:ext>
     </p:extLst>
   </p:cSld>
@@ -43259,6 +45925,891 @@
     <p:extLst>
       <p:ext uri="{BB962C8B-B14F-4D97-AF65-F5344CB8AC3E}">
         <p14:creationId xmlns:p14="http://schemas.microsoft.com/office/powerpoint/2010/main" val="1910282457"/>
+      </p:ext>
+    </p:extLst>
+  </p:cSld>
+  <p:clrMapOvr>
+    <a:masterClrMapping/>
+  </p:clrMapOvr>
+  <p:timing>
+    <p:tnLst>
+      <p:par>
+        <p:cTn id="1" dur="indefinite" restart="never" nodeType="tmRoot"/>
+      </p:par>
+    </p:tnLst>
+  </p:timing>
+</p:sld>
+</file>
+
+<file path=ppt/slides/slide40.xml><?xml version="1.0" encoding="utf-8"?>
+<p:sld xmlns:a="http://schemas.openxmlformats.org/drawingml/2006/main" xmlns:r="http://schemas.openxmlformats.org/officeDocument/2006/relationships" xmlns:p="http://schemas.openxmlformats.org/presentationml/2006/main">
+  <p:cSld>
+    <p:spTree>
+      <p:nvGrpSpPr>
+        <p:cNvPr id="1" name=""/>
+        <p:cNvGrpSpPr/>
+        <p:nvPr/>
+      </p:nvGrpSpPr>
+      <p:grpSpPr>
+        <a:xfrm>
+          <a:off x="0" y="0"/>
+          <a:ext cx="0" cy="0"/>
+          <a:chOff x="0" y="0"/>
+          <a:chExt cx="0" cy="0"/>
+        </a:xfrm>
+      </p:grpSpPr>
+      <p:sp>
+        <p:nvSpPr>
+          <p:cNvPr id="2" name="标题 1"/>
+          <p:cNvSpPr>
+            <a:spLocks noGrp="1"/>
+          </p:cNvSpPr>
+          <p:nvPr>
+            <p:ph type="title"/>
+          </p:nvPr>
+        </p:nvSpPr>
+        <p:spPr/>
+        <p:txBody>
+          <a:bodyPr/>
+          <a:lstStyle/>
+          <a:p>
+            <a:r>
+              <a:rPr lang="zh-CN" altLang="en-US" dirty="0" smtClean="0"/>
+              <a:t>实验</a:t>
+            </a:r>
+            <a:endParaRPr lang="zh-CN" altLang="en-US" dirty="0"/>
+          </a:p>
+        </p:txBody>
+      </p:sp>
+      <p:pic>
+        <p:nvPicPr>
+          <p:cNvPr id="4098" name="Picture 2"/>
+          <p:cNvPicPr>
+            <a:picLocks noChangeAspect="1" noChangeArrowheads="1"/>
+          </p:cNvPicPr>
+          <p:nvPr/>
+        </p:nvPicPr>
+        <p:blipFill>
+          <a:blip r:embed="rId3">
+            <a:extLst>
+              <a:ext uri="{28A0092B-C50C-407E-A947-70E740481C1C}">
+                <a14:useLocalDpi xmlns:a14="http://schemas.microsoft.com/office/drawing/2010/main" val="0"/>
+              </a:ext>
+            </a:extLst>
+          </a:blip>
+          <a:srcRect/>
+          <a:stretch>
+            <a:fillRect/>
+          </a:stretch>
+        </p:blipFill>
+        <p:spPr bwMode="auto">
+          <a:xfrm>
+            <a:off x="323528" y="1747837"/>
+            <a:ext cx="4524375" cy="3362325"/>
+          </a:xfrm>
+          <a:prstGeom prst="rect">
+            <a:avLst/>
+          </a:prstGeom>
+          <a:noFill/>
+          <a:ln>
+            <a:noFill/>
+          </a:ln>
+          <a:extLst>
+            <a:ext uri="{909E8E84-426E-40DD-AFC4-6F175D3DCCD1}">
+              <a14:hiddenFill xmlns:a14="http://schemas.microsoft.com/office/drawing/2010/main">
+                <a:solidFill>
+                  <a:schemeClr val="accent1"/>
+                </a:solidFill>
+              </a14:hiddenFill>
+            </a:ext>
+            <a:ext uri="{91240B29-F687-4F45-9708-019B960494DF}">
+              <a14:hiddenLine xmlns:a14="http://schemas.microsoft.com/office/drawing/2010/main" w="9525">
+                <a:solidFill>
+                  <a:schemeClr val="tx1"/>
+                </a:solidFill>
+                <a:miter lim="800000"/>
+                <a:headEnd/>
+                <a:tailEnd/>
+              </a14:hiddenLine>
+            </a:ext>
+          </a:extLst>
+        </p:spPr>
+      </p:pic>
+      <p:pic>
+        <p:nvPicPr>
+          <p:cNvPr id="4099" name="Picture 3"/>
+          <p:cNvPicPr>
+            <a:picLocks noChangeAspect="1" noChangeArrowheads="1"/>
+          </p:cNvPicPr>
+          <p:nvPr/>
+        </p:nvPicPr>
+        <p:blipFill>
+          <a:blip r:embed="rId4">
+            <a:extLst>
+              <a:ext uri="{28A0092B-C50C-407E-A947-70E740481C1C}">
+                <a14:useLocalDpi xmlns:a14="http://schemas.microsoft.com/office/drawing/2010/main" val="0"/>
+              </a:ext>
+            </a:extLst>
+          </a:blip>
+          <a:srcRect/>
+          <a:stretch>
+            <a:fillRect/>
+          </a:stretch>
+        </p:blipFill>
+        <p:spPr bwMode="auto">
+          <a:xfrm>
+            <a:off x="4512247" y="2590799"/>
+            <a:ext cx="4667250" cy="1676400"/>
+          </a:xfrm>
+          <a:prstGeom prst="rect">
+            <a:avLst/>
+          </a:prstGeom>
+          <a:noFill/>
+          <a:ln>
+            <a:noFill/>
+          </a:ln>
+          <a:extLst>
+            <a:ext uri="{909E8E84-426E-40DD-AFC4-6F175D3DCCD1}">
+              <a14:hiddenFill xmlns:a14="http://schemas.microsoft.com/office/drawing/2010/main">
+                <a:solidFill>
+                  <a:schemeClr val="accent1"/>
+                </a:solidFill>
+              </a14:hiddenFill>
+            </a:ext>
+            <a:ext uri="{91240B29-F687-4F45-9708-019B960494DF}">
+              <a14:hiddenLine xmlns:a14="http://schemas.microsoft.com/office/drawing/2010/main" w="9525">
+                <a:solidFill>
+                  <a:schemeClr val="tx1"/>
+                </a:solidFill>
+                <a:miter lim="800000"/>
+                <a:headEnd/>
+                <a:tailEnd/>
+              </a14:hiddenLine>
+            </a:ext>
+          </a:extLst>
+        </p:spPr>
+      </p:pic>
+    </p:spTree>
+    <p:extLst>
+      <p:ext uri="{BB962C8B-B14F-4D97-AF65-F5344CB8AC3E}">
+        <p14:creationId xmlns:p14="http://schemas.microsoft.com/office/powerpoint/2010/main" val="1058921501"/>
+      </p:ext>
+    </p:extLst>
+  </p:cSld>
+  <p:clrMapOvr>
+    <a:masterClrMapping/>
+  </p:clrMapOvr>
+  <p:timing>
+    <p:tnLst>
+      <p:par>
+        <p:cTn id="1" dur="indefinite" restart="never" nodeType="tmRoot"/>
+      </p:par>
+    </p:tnLst>
+  </p:timing>
+</p:sld>
+</file>
+
+<file path=ppt/slides/slide41.xml><?xml version="1.0" encoding="utf-8"?>
+<p:sld xmlns:a="http://schemas.openxmlformats.org/drawingml/2006/main" xmlns:r="http://schemas.openxmlformats.org/officeDocument/2006/relationships" xmlns:p="http://schemas.openxmlformats.org/presentationml/2006/main">
+  <p:cSld>
+    <p:spTree>
+      <p:nvGrpSpPr>
+        <p:cNvPr id="1" name=""/>
+        <p:cNvGrpSpPr/>
+        <p:nvPr/>
+      </p:nvGrpSpPr>
+      <p:grpSpPr>
+        <a:xfrm>
+          <a:off x="0" y="0"/>
+          <a:ext cx="0" cy="0"/>
+          <a:chOff x="0" y="0"/>
+          <a:chExt cx="0" cy="0"/>
+        </a:xfrm>
+      </p:grpSpPr>
+      <p:sp>
+        <p:nvSpPr>
+          <p:cNvPr id="2" name="标题 1"/>
+          <p:cNvSpPr>
+            <a:spLocks noGrp="1"/>
+          </p:cNvSpPr>
+          <p:nvPr>
+            <p:ph type="title"/>
+          </p:nvPr>
+        </p:nvSpPr>
+        <p:spPr/>
+        <p:txBody>
+          <a:bodyPr/>
+          <a:lstStyle/>
+          <a:p>
+            <a:r>
+              <a:rPr lang="zh-CN" altLang="en-US" dirty="0" smtClean="0"/>
+              <a:t>实验</a:t>
+            </a:r>
+            <a:endParaRPr lang="zh-CN" altLang="en-US" dirty="0"/>
+          </a:p>
+        </p:txBody>
+      </p:sp>
+      <p:pic>
+        <p:nvPicPr>
+          <p:cNvPr id="5122" name="Picture 2"/>
+          <p:cNvPicPr>
+            <a:picLocks noChangeAspect="1" noChangeArrowheads="1"/>
+          </p:cNvPicPr>
+          <p:nvPr/>
+        </p:nvPicPr>
+        <p:blipFill>
+          <a:blip r:embed="rId2">
+            <a:extLst>
+              <a:ext uri="{28A0092B-C50C-407E-A947-70E740481C1C}">
+                <a14:useLocalDpi xmlns:a14="http://schemas.microsoft.com/office/drawing/2010/main" val="0"/>
+              </a:ext>
+            </a:extLst>
+          </a:blip>
+          <a:srcRect/>
+          <a:stretch>
+            <a:fillRect/>
+          </a:stretch>
+        </p:blipFill>
+        <p:spPr bwMode="auto">
+          <a:xfrm>
+            <a:off x="251520" y="2204864"/>
+            <a:ext cx="3924300" cy="3371850"/>
+          </a:xfrm>
+          <a:prstGeom prst="rect">
+            <a:avLst/>
+          </a:prstGeom>
+          <a:noFill/>
+          <a:ln>
+            <a:noFill/>
+          </a:ln>
+          <a:extLst>
+            <a:ext uri="{909E8E84-426E-40DD-AFC4-6F175D3DCCD1}">
+              <a14:hiddenFill xmlns:a14="http://schemas.microsoft.com/office/drawing/2010/main">
+                <a:solidFill>
+                  <a:schemeClr val="accent1"/>
+                </a:solidFill>
+              </a14:hiddenFill>
+            </a:ext>
+            <a:ext uri="{91240B29-F687-4F45-9708-019B960494DF}">
+              <a14:hiddenLine xmlns:a14="http://schemas.microsoft.com/office/drawing/2010/main" w="9525">
+                <a:solidFill>
+                  <a:schemeClr val="tx1"/>
+                </a:solidFill>
+                <a:miter lim="800000"/>
+                <a:headEnd/>
+                <a:tailEnd/>
+              </a14:hiddenLine>
+            </a:ext>
+          </a:extLst>
+        </p:spPr>
+      </p:pic>
+      <p:pic>
+        <p:nvPicPr>
+          <p:cNvPr id="5123" name="Picture 3"/>
+          <p:cNvPicPr>
+            <a:picLocks noChangeAspect="1" noChangeArrowheads="1"/>
+          </p:cNvPicPr>
+          <p:nvPr/>
+        </p:nvPicPr>
+        <p:blipFill>
+          <a:blip r:embed="rId3">
+            <a:extLst>
+              <a:ext uri="{28A0092B-C50C-407E-A947-70E740481C1C}">
+                <a14:useLocalDpi xmlns:a14="http://schemas.microsoft.com/office/drawing/2010/main" val="0"/>
+              </a:ext>
+            </a:extLst>
+          </a:blip>
+          <a:srcRect/>
+          <a:stretch>
+            <a:fillRect/>
+          </a:stretch>
+        </p:blipFill>
+        <p:spPr bwMode="auto">
+          <a:xfrm>
+            <a:off x="4410075" y="2227565"/>
+            <a:ext cx="4733925" cy="3352800"/>
+          </a:xfrm>
+          <a:prstGeom prst="rect">
+            <a:avLst/>
+          </a:prstGeom>
+          <a:noFill/>
+          <a:ln>
+            <a:noFill/>
+          </a:ln>
+          <a:extLst>
+            <a:ext uri="{909E8E84-426E-40DD-AFC4-6F175D3DCCD1}">
+              <a14:hiddenFill xmlns:a14="http://schemas.microsoft.com/office/drawing/2010/main">
+                <a:solidFill>
+                  <a:schemeClr val="accent1"/>
+                </a:solidFill>
+              </a14:hiddenFill>
+            </a:ext>
+            <a:ext uri="{91240B29-F687-4F45-9708-019B960494DF}">
+              <a14:hiddenLine xmlns:a14="http://schemas.microsoft.com/office/drawing/2010/main" w="9525">
+                <a:solidFill>
+                  <a:schemeClr val="tx1"/>
+                </a:solidFill>
+                <a:miter lim="800000"/>
+                <a:headEnd/>
+                <a:tailEnd/>
+              </a14:hiddenLine>
+            </a:ext>
+          </a:extLst>
+        </p:spPr>
+      </p:pic>
+    </p:spTree>
+    <p:extLst>
+      <p:ext uri="{BB962C8B-B14F-4D97-AF65-F5344CB8AC3E}">
+        <p14:creationId xmlns:p14="http://schemas.microsoft.com/office/powerpoint/2010/main" val="3822325467"/>
+      </p:ext>
+    </p:extLst>
+  </p:cSld>
+  <p:clrMapOvr>
+    <a:masterClrMapping/>
+  </p:clrMapOvr>
+  <p:timing>
+    <p:tnLst>
+      <p:par>
+        <p:cTn id="1" dur="indefinite" restart="never" nodeType="tmRoot"/>
+      </p:par>
+    </p:tnLst>
+  </p:timing>
+</p:sld>
+</file>
+
+<file path=ppt/slides/slide42.xml><?xml version="1.0" encoding="utf-8"?>
+<p:sld xmlns:a="http://schemas.openxmlformats.org/drawingml/2006/main" xmlns:r="http://schemas.openxmlformats.org/officeDocument/2006/relationships" xmlns:p="http://schemas.openxmlformats.org/presentationml/2006/main">
+  <p:cSld>
+    <p:spTree>
+      <p:nvGrpSpPr>
+        <p:cNvPr id="1" name=""/>
+        <p:cNvGrpSpPr/>
+        <p:nvPr/>
+      </p:nvGrpSpPr>
+      <p:grpSpPr>
+        <a:xfrm>
+          <a:off x="0" y="0"/>
+          <a:ext cx="0" cy="0"/>
+          <a:chOff x="0" y="0"/>
+          <a:chExt cx="0" cy="0"/>
+        </a:xfrm>
+      </p:grpSpPr>
+      <p:sp>
+        <p:nvSpPr>
+          <p:cNvPr id="2" name="标题 1"/>
+          <p:cNvSpPr>
+            <a:spLocks noGrp="1"/>
+          </p:cNvSpPr>
+          <p:nvPr>
+            <p:ph type="title"/>
+          </p:nvPr>
+        </p:nvSpPr>
+        <p:spPr/>
+        <p:txBody>
+          <a:bodyPr/>
+          <a:lstStyle/>
+          <a:p>
+            <a:r>
+              <a:rPr lang="zh-CN" altLang="en-US" dirty="0" smtClean="0"/>
+              <a:t>讨论</a:t>
+            </a:r>
+            <a:endParaRPr lang="zh-CN" altLang="en-US" dirty="0"/>
+          </a:p>
+        </p:txBody>
+      </p:sp>
+      <p:sp>
+        <p:nvSpPr>
+          <p:cNvPr id="4" name="内容占位符 3"/>
+          <p:cNvSpPr>
+            <a:spLocks noGrp="1"/>
+          </p:cNvSpPr>
+          <p:nvPr>
+            <p:ph idx="1"/>
+          </p:nvPr>
+        </p:nvSpPr>
+        <p:spPr/>
+        <p:txBody>
+          <a:bodyPr/>
+          <a:lstStyle/>
+          <a:p>
+            <a:pPr marL="0" indent="0">
+              <a:buNone/>
+            </a:pPr>
+            <a:r>
+              <a:rPr lang="zh-CN" altLang="en-US" dirty="0" smtClean="0"/>
+              <a:t>为什么早先基于</a:t>
+            </a:r>
+            <a:r>
+              <a:rPr lang="en-US" altLang="zh-CN" dirty="0" err="1"/>
+              <a:t>MapReduce</a:t>
+            </a:r>
+            <a:r>
+              <a:rPr lang="zh-CN" altLang="en-US" dirty="0" smtClean="0"/>
+              <a:t>的系统很慢？</a:t>
+            </a:r>
+            <a:endParaRPr lang="en-US" altLang="zh-CN" dirty="0" smtClean="0"/>
+          </a:p>
+          <a:p>
+            <a:pPr marL="514350" indent="-514350">
+              <a:buFont typeface="+mj-lt"/>
+              <a:buAutoNum type="arabicPeriod"/>
+            </a:pPr>
+            <a:r>
+              <a:rPr lang="zh-CN" altLang="en-US" dirty="0" smtClean="0"/>
+              <a:t>基于磁盘的中间结果输出</a:t>
+            </a:r>
+            <a:endParaRPr lang="en-US" altLang="zh-CN" dirty="0" smtClean="0"/>
+          </a:p>
+          <a:p>
+            <a:pPr marL="514350" indent="-514350">
+              <a:buFont typeface="+mj-lt"/>
+              <a:buAutoNum type="arabicPeriod"/>
+            </a:pPr>
+            <a:r>
+              <a:rPr lang="zh-CN" altLang="en-US" dirty="0" smtClean="0"/>
+              <a:t>较差的数据格式和组织方式（缺少数据协同分区）</a:t>
+            </a:r>
+            <a:endParaRPr lang="en-US" altLang="zh-CN" dirty="0" smtClean="0"/>
+          </a:p>
+          <a:p>
+            <a:pPr marL="514350" indent="-514350">
+              <a:buFont typeface="+mj-lt"/>
+              <a:buAutoNum type="arabicPeriod"/>
+            </a:pPr>
+            <a:r>
+              <a:rPr lang="zh-CN" altLang="en-US" dirty="0"/>
+              <a:t>执行</a:t>
+            </a:r>
+            <a:r>
+              <a:rPr lang="zh-CN" altLang="en-US" dirty="0" smtClean="0"/>
+              <a:t>策略（缺乏基于数据统计的优化）</a:t>
+            </a:r>
+            <a:endParaRPr lang="en-US" altLang="zh-CN" dirty="0" smtClean="0"/>
+          </a:p>
+          <a:p>
+            <a:pPr marL="514350" indent="-514350">
+              <a:buFont typeface="+mj-lt"/>
+              <a:buAutoNum type="arabicPeriod"/>
+            </a:pPr>
+            <a:r>
+              <a:rPr lang="zh-CN" altLang="en-US" b="1" dirty="0" smtClean="0"/>
+              <a:t>任务调度和启动开销</a:t>
+            </a:r>
+            <a:endParaRPr lang="zh-CN" altLang="en-US" b="1" dirty="0"/>
+          </a:p>
+        </p:txBody>
+      </p:sp>
+    </p:spTree>
+    <p:extLst>
+      <p:ext uri="{BB962C8B-B14F-4D97-AF65-F5344CB8AC3E}">
+        <p14:creationId xmlns:p14="http://schemas.microsoft.com/office/powerpoint/2010/main" val="1025621793"/>
+      </p:ext>
+    </p:extLst>
+  </p:cSld>
+  <p:clrMapOvr>
+    <a:masterClrMapping/>
+  </p:clrMapOvr>
+  <p:timing>
+    <p:tnLst>
+      <p:par>
+        <p:cTn id="1" dur="indefinite" restart="never" nodeType="tmRoot"/>
+      </p:par>
+    </p:tnLst>
+  </p:timing>
+</p:sld>
+</file>
+
+<file path=ppt/slides/slide43.xml><?xml version="1.0" encoding="utf-8"?>
+<p:sld xmlns:a="http://schemas.openxmlformats.org/drawingml/2006/main" xmlns:r="http://schemas.openxmlformats.org/officeDocument/2006/relationships" xmlns:p="http://schemas.openxmlformats.org/presentationml/2006/main">
+  <p:cSld>
+    <p:spTree>
+      <p:nvGrpSpPr>
+        <p:cNvPr id="1" name=""/>
+        <p:cNvGrpSpPr/>
+        <p:nvPr/>
+      </p:nvGrpSpPr>
+      <p:grpSpPr>
+        <a:xfrm>
+          <a:off x="0" y="0"/>
+          <a:ext cx="0" cy="0"/>
+          <a:chOff x="0" y="0"/>
+          <a:chExt cx="0" cy="0"/>
+        </a:xfrm>
+      </p:grpSpPr>
+      <p:sp>
+        <p:nvSpPr>
+          <p:cNvPr id="2" name="标题 1"/>
+          <p:cNvSpPr>
+            <a:spLocks noGrp="1"/>
+          </p:cNvSpPr>
+          <p:nvPr>
+            <p:ph type="title"/>
+          </p:nvPr>
+        </p:nvSpPr>
+        <p:spPr/>
+        <p:txBody>
+          <a:bodyPr/>
+          <a:lstStyle/>
+          <a:p>
+            <a:r>
+              <a:rPr lang="zh-CN" altLang="en-US" dirty="0" smtClean="0"/>
+              <a:t>讨论</a:t>
+            </a:r>
+            <a:endParaRPr lang="zh-CN" altLang="en-US" dirty="0"/>
+          </a:p>
+        </p:txBody>
+      </p:sp>
+      <p:sp>
+        <p:nvSpPr>
+          <p:cNvPr id="3" name="内容占位符 2"/>
+          <p:cNvSpPr>
+            <a:spLocks noGrp="1"/>
+          </p:cNvSpPr>
+          <p:nvPr>
+            <p:ph idx="1"/>
+          </p:nvPr>
+        </p:nvSpPr>
+        <p:spPr/>
+        <p:txBody>
+          <a:bodyPr>
+            <a:normAutofit/>
+          </a:bodyPr>
+          <a:lstStyle/>
+          <a:p>
+            <a:r>
+              <a:rPr lang="en-US" altLang="zh-CN" dirty="0" smtClean="0"/>
+              <a:t>Hadoop</a:t>
+            </a:r>
+            <a:r>
+              <a:rPr lang="zh-CN" altLang="en-US" dirty="0" smtClean="0"/>
+              <a:t>使用“心跳”机制实现任务分配。</a:t>
+            </a:r>
+            <a:endParaRPr lang="en-US" altLang="zh-CN" dirty="0" smtClean="0"/>
+          </a:p>
+          <a:p>
+            <a:r>
+              <a:rPr lang="zh-CN" altLang="en-US" dirty="0" smtClean="0"/>
+              <a:t>任务启动时间延迟</a:t>
+            </a:r>
+            <a:r>
+              <a:rPr lang="en-US" altLang="zh-CN" dirty="0" smtClean="0"/>
+              <a:t>5~10</a:t>
+            </a:r>
+            <a:r>
+              <a:rPr lang="zh-CN" altLang="en-US" dirty="0" smtClean="0"/>
+              <a:t>秒</a:t>
+            </a:r>
+            <a:endParaRPr lang="en-US" altLang="zh-CN" dirty="0" smtClean="0"/>
+          </a:p>
+          <a:p>
+            <a:r>
+              <a:rPr lang="en-US" altLang="zh-CN" dirty="0" smtClean="0"/>
+              <a:t>Spark</a:t>
+            </a:r>
+            <a:r>
+              <a:rPr lang="zh-CN" altLang="en-US" dirty="0" smtClean="0"/>
+              <a:t>使用</a:t>
+            </a:r>
+            <a:r>
+              <a:rPr lang="zh-CN" altLang="en-US" b="1" dirty="0" smtClean="0"/>
+              <a:t>事件驱动</a:t>
+            </a:r>
+            <a:r>
+              <a:rPr lang="zh-CN" altLang="en-US" dirty="0" smtClean="0"/>
+              <a:t>的架构，能在</a:t>
+            </a:r>
+            <a:r>
+              <a:rPr lang="zh-CN" altLang="en-US" dirty="0"/>
+              <a:t>快</a:t>
+            </a:r>
+            <a:r>
+              <a:rPr lang="zh-CN" altLang="en-US" dirty="0" smtClean="0"/>
+              <a:t>达</a:t>
+            </a:r>
+            <a:r>
+              <a:rPr lang="en-US" altLang="zh-CN" dirty="0" smtClean="0"/>
+              <a:t>5ms</a:t>
+            </a:r>
+            <a:r>
+              <a:rPr lang="zh-CN" altLang="en-US" dirty="0" smtClean="0"/>
+              <a:t>内启动一个任务。</a:t>
+            </a:r>
+            <a:endParaRPr lang="en-US" altLang="zh-CN" dirty="0"/>
+          </a:p>
+          <a:p>
+            <a:pPr lvl="1"/>
+            <a:r>
+              <a:rPr lang="zh-CN" altLang="en-US" dirty="0" smtClean="0"/>
+              <a:t>更好的并行性</a:t>
+            </a:r>
+            <a:endParaRPr lang="en-US" altLang="zh-CN" dirty="0"/>
+          </a:p>
+          <a:p>
+            <a:pPr lvl="1"/>
+            <a:r>
+              <a:rPr lang="zh-CN" altLang="en-US" dirty="0" smtClean="0"/>
+              <a:t>容易缓和慢节点</a:t>
+            </a:r>
+            <a:r>
+              <a:rPr lang="en-US" altLang="zh-CN" dirty="0" smtClean="0"/>
+              <a:t>(straggler)</a:t>
+            </a:r>
+            <a:endParaRPr lang="en-US" altLang="zh-CN" dirty="0"/>
+          </a:p>
+          <a:p>
+            <a:pPr lvl="1"/>
+            <a:r>
+              <a:rPr lang="zh-CN" altLang="en-US" dirty="0" smtClean="0"/>
+              <a:t>有</a:t>
+            </a:r>
+            <a:r>
+              <a:rPr lang="zh-CN" altLang="en-US" dirty="0"/>
+              <a:t>弹性</a:t>
+            </a:r>
+            <a:endParaRPr lang="en-US" altLang="zh-CN" dirty="0"/>
+          </a:p>
+          <a:p>
+            <a:pPr lvl="1"/>
+            <a:r>
+              <a:rPr lang="zh-CN" altLang="en-US" dirty="0" smtClean="0"/>
+              <a:t>多租户的资源共享</a:t>
+            </a:r>
+            <a:endParaRPr lang="zh-CN" altLang="en-US" dirty="0"/>
+          </a:p>
+        </p:txBody>
+      </p:sp>
+    </p:spTree>
+    <p:extLst>
+      <p:ext uri="{BB962C8B-B14F-4D97-AF65-F5344CB8AC3E}">
+        <p14:creationId xmlns:p14="http://schemas.microsoft.com/office/powerpoint/2010/main" val="2659186018"/>
+      </p:ext>
+    </p:extLst>
+  </p:cSld>
+  <p:clrMapOvr>
+    <a:masterClrMapping/>
+  </p:clrMapOvr>
+</p:sld>
+</file>
+
+<file path=ppt/slides/slide44.xml><?xml version="1.0" encoding="utf-8"?>
+<p:sld xmlns:a="http://schemas.openxmlformats.org/drawingml/2006/main" xmlns:r="http://schemas.openxmlformats.org/officeDocument/2006/relationships" xmlns:p="http://schemas.openxmlformats.org/presentationml/2006/main">
+  <p:cSld>
+    <p:spTree>
+      <p:nvGrpSpPr>
+        <p:cNvPr id="1" name=""/>
+        <p:cNvGrpSpPr/>
+        <p:nvPr/>
+      </p:nvGrpSpPr>
+      <p:grpSpPr>
+        <a:xfrm>
+          <a:off x="0" y="0"/>
+          <a:ext cx="0" cy="0"/>
+          <a:chOff x="0" y="0"/>
+          <a:chExt cx="0" cy="0"/>
+        </a:xfrm>
+      </p:grpSpPr>
+      <p:sp>
+        <p:nvSpPr>
+          <p:cNvPr id="2" name="标题 1"/>
+          <p:cNvSpPr>
+            <a:spLocks noGrp="1"/>
+          </p:cNvSpPr>
+          <p:nvPr>
+            <p:ph type="title"/>
+          </p:nvPr>
+        </p:nvSpPr>
+        <p:spPr/>
+        <p:txBody>
+          <a:bodyPr/>
+          <a:lstStyle/>
+          <a:p>
+            <a:r>
+              <a:rPr lang="zh-CN" altLang="en-US" dirty="0" smtClean="0"/>
+              <a:t>讨论</a:t>
+            </a:r>
+            <a:endParaRPr lang="zh-CN" altLang="en-US" dirty="0"/>
+          </a:p>
+        </p:txBody>
+      </p:sp>
+      <p:pic>
+        <p:nvPicPr>
+          <p:cNvPr id="6147" name="Picture 3"/>
+          <p:cNvPicPr>
+            <a:picLocks noChangeAspect="1" noChangeArrowheads="1"/>
+          </p:cNvPicPr>
+          <p:nvPr/>
+        </p:nvPicPr>
+        <p:blipFill>
+          <a:blip r:embed="rId2">
+            <a:extLst>
+              <a:ext uri="{28A0092B-C50C-407E-A947-70E740481C1C}">
+                <a14:useLocalDpi xmlns:a14="http://schemas.microsoft.com/office/drawing/2010/main" val="0"/>
+              </a:ext>
+            </a:extLst>
+          </a:blip>
+          <a:srcRect/>
+          <a:stretch>
+            <a:fillRect/>
+          </a:stretch>
+        </p:blipFill>
+        <p:spPr bwMode="auto">
+          <a:xfrm>
+            <a:off x="251520" y="1124744"/>
+            <a:ext cx="6446341" cy="5229200"/>
+          </a:xfrm>
+          <a:prstGeom prst="rect">
+            <a:avLst/>
+          </a:prstGeom>
+          <a:noFill/>
+          <a:ln>
+            <a:noFill/>
+          </a:ln>
+          <a:extLst>
+            <a:ext uri="{909E8E84-426E-40DD-AFC4-6F175D3DCCD1}">
+              <a14:hiddenFill xmlns:a14="http://schemas.microsoft.com/office/drawing/2010/main">
+                <a:solidFill>
+                  <a:schemeClr val="accent1"/>
+                </a:solidFill>
+              </a14:hiddenFill>
+            </a:ext>
+            <a:ext uri="{91240B29-F687-4F45-9708-019B960494DF}">
+              <a14:hiddenLine xmlns:a14="http://schemas.microsoft.com/office/drawing/2010/main" w="9525">
+                <a:solidFill>
+                  <a:schemeClr val="tx1"/>
+                </a:solidFill>
+                <a:miter lim="800000"/>
+                <a:headEnd/>
+                <a:tailEnd/>
+              </a14:hiddenLine>
+            </a:ext>
+          </a:extLst>
+        </p:spPr>
+      </p:pic>
+      <p:sp>
+        <p:nvSpPr>
+          <p:cNvPr id="3" name="TextBox 2"/>
+          <p:cNvSpPr txBox="1"/>
+          <p:nvPr/>
+        </p:nvSpPr>
+        <p:spPr>
+          <a:xfrm>
+            <a:off x="845031" y="6444044"/>
+            <a:ext cx="4591065" cy="369332"/>
+          </a:xfrm>
+          <a:prstGeom prst="rect">
+            <a:avLst/>
+          </a:prstGeom>
+          <a:noFill/>
+        </p:spPr>
+        <p:txBody>
+          <a:bodyPr wrap="none" rtlCol="0">
+            <a:spAutoFit/>
+          </a:bodyPr>
+          <a:lstStyle/>
+          <a:p>
+            <a:r>
+              <a:rPr lang="en-US" altLang="zh-CN" i="1" dirty="0"/>
+              <a:t>Figure 6-1. How Hadoop runs a </a:t>
+            </a:r>
+            <a:r>
+              <a:rPr lang="en-US" altLang="zh-CN" i="1" dirty="0" err="1"/>
+              <a:t>MapReduce</a:t>
+            </a:r>
+            <a:r>
+              <a:rPr lang="en-US" altLang="zh-CN" i="1" dirty="0"/>
+              <a:t> job</a:t>
+            </a:r>
+            <a:endParaRPr lang="zh-CN" altLang="en-US" dirty="0"/>
+          </a:p>
+        </p:txBody>
+      </p:sp>
+    </p:spTree>
+    <p:extLst>
+      <p:ext uri="{BB962C8B-B14F-4D97-AF65-F5344CB8AC3E}">
+        <p14:creationId xmlns:p14="http://schemas.microsoft.com/office/powerpoint/2010/main" val="132038806"/>
+      </p:ext>
+    </p:extLst>
+  </p:cSld>
+  <p:clrMapOvr>
+    <a:masterClrMapping/>
+  </p:clrMapOvr>
+  <p:timing>
+    <p:tnLst>
+      <p:par>
+        <p:cTn id="1" dur="indefinite" restart="never" nodeType="tmRoot"/>
+      </p:par>
+    </p:tnLst>
+  </p:timing>
+</p:sld>
+</file>
+
+<file path=ppt/slides/slide45.xml><?xml version="1.0" encoding="utf-8"?>
+<p:sld xmlns:a="http://schemas.openxmlformats.org/drawingml/2006/main" xmlns:r="http://schemas.openxmlformats.org/officeDocument/2006/relationships" xmlns:p="http://schemas.openxmlformats.org/presentationml/2006/main">
+  <p:cSld>
+    <p:spTree>
+      <p:nvGrpSpPr>
+        <p:cNvPr id="1" name=""/>
+        <p:cNvGrpSpPr/>
+        <p:nvPr/>
+      </p:nvGrpSpPr>
+      <p:grpSpPr>
+        <a:xfrm>
+          <a:off x="0" y="0"/>
+          <a:ext cx="0" cy="0"/>
+          <a:chOff x="0" y="0"/>
+          <a:chExt cx="0" cy="0"/>
+        </a:xfrm>
+      </p:grpSpPr>
+      <p:sp>
+        <p:nvSpPr>
+          <p:cNvPr id="2" name="标题 1"/>
+          <p:cNvSpPr>
+            <a:spLocks noGrp="1"/>
+          </p:cNvSpPr>
+          <p:nvPr>
+            <p:ph type="ctrTitle"/>
+          </p:nvPr>
+        </p:nvSpPr>
+        <p:spPr/>
+        <p:txBody>
+          <a:bodyPr/>
+          <a:lstStyle/>
+          <a:p>
+            <a:r>
+              <a:rPr lang="en-US" altLang="zh-CN" dirty="0" smtClean="0"/>
+              <a:t> </a:t>
+            </a:r>
+            <a:r>
+              <a:rPr lang="zh-CN" altLang="en-US" dirty="0" smtClean="0"/>
+              <a:t>谢谢！</a:t>
+            </a:r>
+            <a:endParaRPr lang="zh-CN" altLang="en-US" dirty="0"/>
+          </a:p>
+        </p:txBody>
+      </p:sp>
+      <p:sp>
+        <p:nvSpPr>
+          <p:cNvPr id="3" name="副标题 2"/>
+          <p:cNvSpPr>
+            <a:spLocks noGrp="1"/>
+          </p:cNvSpPr>
+          <p:nvPr>
+            <p:ph type="subTitle" idx="1"/>
+          </p:nvPr>
+        </p:nvSpPr>
+        <p:spPr/>
+        <p:txBody>
+          <a:bodyPr/>
+          <a:lstStyle/>
+          <a:p>
+            <a:endParaRPr lang="zh-CN" altLang="en-US" dirty="0"/>
+          </a:p>
+        </p:txBody>
+      </p:sp>
+    </p:spTree>
+    <p:extLst>
+      <p:ext uri="{BB962C8B-B14F-4D97-AF65-F5344CB8AC3E}">
+        <p14:creationId xmlns:p14="http://schemas.microsoft.com/office/powerpoint/2010/main" val="1658726860"/>
       </p:ext>
     </p:extLst>
   </p:cSld>
@@ -43399,7 +46950,15 @@
             </a:pPr>
             <a:r>
               <a:rPr lang="zh-CN" altLang="en-US" dirty="0" smtClean="0"/>
-              <a:t>优点：有效地细粒度容错能力、资源共享、可扩展性、丰富的机器学习算法</a:t>
+              <a:t>优点：有效地</a:t>
+            </a:r>
+            <a:r>
+              <a:rPr lang="zh-CN" altLang="en-US" b="1" dirty="0" smtClean="0"/>
+              <a:t>细粒度</a:t>
+            </a:r>
+            <a:r>
+              <a:rPr lang="zh-CN" altLang="en-US" dirty="0" smtClean="0"/>
+              <a:t>容错能力、资源共享、可扩展性、丰富的机器学习算法</a:t>
             </a:r>
             <a:endParaRPr lang="en-US" altLang="zh-CN" dirty="0" smtClean="0"/>
           </a:p>
@@ -43705,18 +47264,150 @@
           <a:bodyPr/>
           <a:lstStyle/>
           <a:p>
+            <a:pPr marL="0" indent="0">
+              <a:buNone/>
+            </a:pPr>
             <a:r>
               <a:rPr lang="en-US" altLang="zh-CN" dirty="0" smtClean="0"/>
-              <a:t>Apache </a:t>
+              <a:t>Spark</a:t>
             </a:r>
             <a:r>
               <a:rPr lang="zh-CN" altLang="en-US" dirty="0" smtClean="0"/>
-              <a:t>顶级项目</a:t>
-            </a:r>
-            <a:endParaRPr lang="zh-CN" altLang="en-US" dirty="0"/>
+              <a:t>，类似于</a:t>
+            </a:r>
+            <a:r>
+              <a:rPr lang="en-US" altLang="zh-CN" dirty="0" smtClean="0"/>
+              <a:t>Hadoop</a:t>
+            </a:r>
+          </a:p>
+          <a:p>
+            <a:pPr marL="0" indent="0">
+              <a:buNone/>
+            </a:pPr>
+            <a:r>
+              <a:rPr lang="en-US" altLang="zh-CN" dirty="0" smtClean="0"/>
+              <a:t>Shark</a:t>
+            </a:r>
+            <a:r>
+              <a:rPr lang="zh-CN" altLang="en-US" dirty="0" smtClean="0"/>
+              <a:t>，类似于</a:t>
+            </a:r>
+            <a:r>
+              <a:rPr lang="en-US" altLang="zh-CN" dirty="0" smtClean="0"/>
+              <a:t>Hive</a:t>
+            </a:r>
+            <a:endParaRPr lang="en-US" altLang="zh-CN" dirty="0"/>
           </a:p>
         </p:txBody>
       </p:sp>
+      <p:pic>
+        <p:nvPicPr>
+          <p:cNvPr id="3074" name="Picture 2"/>
+          <p:cNvPicPr>
+            <a:picLocks noChangeAspect="1" noChangeArrowheads="1"/>
+          </p:cNvPicPr>
+          <p:nvPr/>
+        </p:nvPicPr>
+        <p:blipFill>
+          <a:blip r:embed="rId2">
+            <a:extLst>
+              <a:ext uri="{28A0092B-C50C-407E-A947-70E740481C1C}">
+                <a14:useLocalDpi xmlns:a14="http://schemas.microsoft.com/office/drawing/2010/main" val="0"/>
+              </a:ext>
+            </a:extLst>
+          </a:blip>
+          <a:srcRect/>
+          <a:stretch>
+            <a:fillRect/>
+          </a:stretch>
+        </p:blipFill>
+        <p:spPr bwMode="auto">
+          <a:xfrm>
+            <a:off x="179512" y="3356991"/>
+            <a:ext cx="4539312" cy="3004897"/>
+          </a:xfrm>
+          <a:prstGeom prst="rect">
+            <a:avLst/>
+          </a:prstGeom>
+          <a:noFill/>
+          <a:ln>
+            <a:noFill/>
+          </a:ln>
+          <a:extLst>
+            <a:ext uri="{909E8E84-426E-40DD-AFC4-6F175D3DCCD1}">
+              <a14:hiddenFill xmlns:a14="http://schemas.microsoft.com/office/drawing/2010/main">
+                <a:solidFill>
+                  <a:schemeClr val="accent1"/>
+                </a:solidFill>
+              </a14:hiddenFill>
+            </a:ext>
+            <a:ext uri="{91240B29-F687-4F45-9708-019B960494DF}">
+              <a14:hiddenLine xmlns:a14="http://schemas.microsoft.com/office/drawing/2010/main" w="9525">
+                <a:solidFill>
+                  <a:schemeClr val="tx1"/>
+                </a:solidFill>
+                <a:miter lim="800000"/>
+                <a:headEnd/>
+                <a:tailEnd/>
+              </a14:hiddenLine>
+            </a:ext>
+          </a:extLst>
+        </p:spPr>
+      </p:pic>
+      <p:pic>
+        <p:nvPicPr>
+          <p:cNvPr id="3075" name="Picture 3"/>
+          <p:cNvPicPr>
+            <a:picLocks noChangeAspect="1" noChangeArrowheads="1"/>
+          </p:cNvPicPr>
+          <p:nvPr/>
+        </p:nvPicPr>
+        <p:blipFill>
+          <a:blip r:embed="rId3">
+            <a:extLst>
+              <a:ext uri="{28A0092B-C50C-407E-A947-70E740481C1C}">
+                <a14:useLocalDpi xmlns:a14="http://schemas.microsoft.com/office/drawing/2010/main" val="0"/>
+              </a:ext>
+            </a:extLst>
+          </a:blip>
+          <a:srcRect/>
+          <a:stretch>
+            <a:fillRect/>
+          </a:stretch>
+        </p:blipFill>
+        <p:spPr bwMode="auto">
+          <a:xfrm>
+            <a:off x="4716016" y="3356991"/>
+            <a:ext cx="4248472" cy="2813462"/>
+          </a:xfrm>
+          <a:prstGeom prst="rect">
+            <a:avLst/>
+          </a:prstGeom>
+          <a:noFill/>
+          <a:ln>
+            <a:noFill/>
+          </a:ln>
+          <a:extLst>
+            <a:ext uri="{909E8E84-426E-40DD-AFC4-6F175D3DCCD1}">
+              <a14:hiddenFill xmlns:a14="http://schemas.microsoft.com/office/drawing/2010/main">
+                <a:solidFill>
+                  <a:schemeClr val="accent1"/>
+                </a:solidFill>
+              </a14:hiddenFill>
+            </a:ext>
+            <a:ext uri="{91240B29-F687-4F45-9708-019B960494DF}">
+              <a14:hiddenLine xmlns:a14="http://schemas.microsoft.com/office/drawing/2010/main" w="9525">
+                <a:solidFill>
+                  <a:schemeClr val="tx1"/>
+                </a:solidFill>
+                <a:miter lim="800000"/>
+                <a:headEnd/>
+                <a:tailEnd/>
+              </a14:hiddenLine>
+            </a:ext>
+          </a:extLst>
+        </p:spPr>
+      </p:pic>
     </p:spTree>
     <p:extLst>
       <p:ext uri="{BB962C8B-B14F-4D97-AF65-F5344CB8AC3E}">
@@ -43727,6 +47418,13 @@
   <p:clrMapOvr>
     <a:masterClrMapping/>
   </p:clrMapOvr>
+  <p:timing>
+    <p:tnLst>
+      <p:par>
+        <p:cTn id="1" dur="indefinite" restart="never" nodeType="tmRoot"/>
+      </p:par>
+    </p:tnLst>
+  </p:timing>
 </p:sld>
 </file>
 
@@ -43978,7 +47676,7 @@
         <p:spPr/>
         <p:txBody>
           <a:bodyPr>
-            <a:normAutofit fontScale="92500" lnSpcReduction="20000"/>
+            <a:normAutofit fontScale="85000" lnSpcReduction="20000"/>
           </a:bodyPr>
           <a:lstStyle/>
           <a:p>
@@ -44011,7 +47709,35 @@
             </a:r>
             <a:r>
               <a:rPr lang="zh-CN" altLang="en-US" dirty="0" smtClean="0"/>
-              <a:t>框架，其目标：</a:t>
+              <a:t>框架，于</a:t>
+            </a:r>
+            <a:r>
+              <a:rPr lang="en-US" altLang="zh-CN" dirty="0" smtClean="0"/>
+              <a:t>2014</a:t>
+            </a:r>
+            <a:r>
+              <a:rPr lang="zh-CN" altLang="en-US" dirty="0" smtClean="0"/>
+              <a:t>年</a:t>
+            </a:r>
+            <a:r>
+              <a:rPr lang="en-US" altLang="zh-CN" dirty="0" smtClean="0"/>
+              <a:t>2</a:t>
+            </a:r>
+            <a:r>
+              <a:rPr lang="zh-CN" altLang="en-US" dirty="0" smtClean="0"/>
+              <a:t>月正式成为</a:t>
+            </a:r>
+            <a:r>
+              <a:rPr lang="en-US" altLang="zh-CN" dirty="0" smtClean="0"/>
+              <a:t>Apache</a:t>
+            </a:r>
+            <a:r>
+              <a:rPr lang="zh-CN" altLang="en-US" dirty="0" smtClean="0"/>
+              <a:t>的顶级项目被认为是下一代大数据分析框架，</a:t>
+            </a:r>
+            <a:r>
+              <a:rPr lang="zh-CN" altLang="en-US" dirty="0" smtClean="0"/>
+              <a:t>其目标：</a:t>
             </a:r>
             <a:endParaRPr lang="en-US" altLang="zh-CN" dirty="0" smtClean="0"/>
           </a:p>
@@ -44098,6 +47824,9 @@
             <a:endParaRPr lang="en-US" altLang="zh-CN" dirty="0" smtClean="0"/>
           </a:p>
           <a:p>
+            <a:pPr marL="0" indent="0">
+              <a:buNone/>
+            </a:pPr>
             <a:r>
               <a:rPr lang="zh-CN" altLang="en-US" dirty="0" smtClean="0"/>
               <a:t>补充：</a:t>
@@ -44675,7 +48404,7 @@
   <a:extraClrSchemeLst/>
   <a:extLst>
     <a:ext uri="{05A4C25C-085E-4340-85A3-A5531E510DB2}">
-      <thm15:themeFamily xmlns:thm15="http://schemas.microsoft.com/office/thememl/2012/main" xmlns="" name="Office Theme" id="{62F939B6-93AF-4DB8-9C6B-D6C7DFDC589F}" vid="{4A3C46E8-61CC-4603-A589-7422A47A8E4A}"/>
+      <thm15:themeFamily xmlns="" xmlns:thm15="http://schemas.microsoft.com/office/thememl/2012/main" name="Office Theme" id="{62F939B6-93AF-4DB8-9C6B-D6C7DFDC589F}" vid="{4A3C46E8-61CC-4603-A589-7422A47A8E4A}"/>
     </a:ext>
   </a:extLst>
 </a:theme>

--- a/整合.pptx
+++ b/整合.pptx
@@ -5,30 +5,30 @@
     <p:sldMasterId id="2147483648" r:id="rId1"/>
   </p:sldMasterIdLst>
   <p:notesMasterIdLst>
-    <p:notesMasterId r:id="rId47"/>
+    <p:notesMasterId r:id="rId48"/>
   </p:notesMasterIdLst>
   <p:sldIdLst>
-    <p:sldId id="268" r:id="rId2"/>
-    <p:sldId id="256" r:id="rId3"/>
-    <p:sldId id="258" r:id="rId4"/>
-    <p:sldId id="259" r:id="rId5"/>
-    <p:sldId id="260" r:id="rId6"/>
-    <p:sldId id="261" r:id="rId7"/>
-    <p:sldId id="266" r:id="rId8"/>
-    <p:sldId id="271" r:id="rId9"/>
-    <p:sldId id="270" r:id="rId10"/>
-    <p:sldId id="269" r:id="rId11"/>
-    <p:sldId id="281" r:id="rId12"/>
-    <p:sldId id="273" r:id="rId13"/>
-    <p:sldId id="274" r:id="rId14"/>
-    <p:sldId id="275" r:id="rId15"/>
-    <p:sldId id="282" r:id="rId16"/>
-    <p:sldId id="283" r:id="rId17"/>
-    <p:sldId id="284" r:id="rId18"/>
-    <p:sldId id="287" r:id="rId19"/>
-    <p:sldId id="286" r:id="rId20"/>
-    <p:sldId id="289" r:id="rId21"/>
-    <p:sldId id="288" r:id="rId22"/>
+    <p:sldId id="256" r:id="rId2"/>
+    <p:sldId id="258" r:id="rId3"/>
+    <p:sldId id="259" r:id="rId4"/>
+    <p:sldId id="260" r:id="rId5"/>
+    <p:sldId id="261" r:id="rId6"/>
+    <p:sldId id="266" r:id="rId7"/>
+    <p:sldId id="271" r:id="rId8"/>
+    <p:sldId id="270" r:id="rId9"/>
+    <p:sldId id="269" r:id="rId10"/>
+    <p:sldId id="281" r:id="rId11"/>
+    <p:sldId id="273" r:id="rId12"/>
+    <p:sldId id="274" r:id="rId13"/>
+    <p:sldId id="275" r:id="rId14"/>
+    <p:sldId id="282" r:id="rId15"/>
+    <p:sldId id="283" r:id="rId16"/>
+    <p:sldId id="284" r:id="rId17"/>
+    <p:sldId id="287" r:id="rId18"/>
+    <p:sldId id="286" r:id="rId19"/>
+    <p:sldId id="289" r:id="rId20"/>
+    <p:sldId id="288" r:id="rId21"/>
+    <p:sldId id="322" r:id="rId22"/>
     <p:sldId id="290" r:id="rId23"/>
     <p:sldId id="291" r:id="rId24"/>
     <p:sldId id="292" r:id="rId25"/>
@@ -52,7 +52,8 @@
     <p:sldId id="316" r:id="rId43"/>
     <p:sldId id="318" r:id="rId44"/>
     <p:sldId id="317" r:id="rId45"/>
-    <p:sldId id="319" r:id="rId46"/>
+    <p:sldId id="320" r:id="rId46"/>
+    <p:sldId id="319" r:id="rId47"/>
   </p:sldIdLst>
   <p:sldSz cx="9144000" cy="6858000" type="screen4x3"/>
   <p:notesSz cx="6858000" cy="9144000"/>
@@ -153,7 +154,7 @@
   </p:defaultTextStyle>
   <p:extLst>
     <p:ext uri="{EFAFB233-063F-42B5-8137-9DF3F51BA10A}">
-      <p15:sldGuideLst xmlns="" xmlns:p15="http://schemas.microsoft.com/office/powerpoint/2012/main">
+      <p15:sldGuideLst xmlns:p15="http://schemas.microsoft.com/office/powerpoint/2012/main" xmlns="">
         <p15:guide id="1" orient="horz" pos="2160">
           <p15:clr>
             <a:srgbClr val="A4A3A4"/>
@@ -252,7 +253,7 @@
           <a:p>
             <a:fld id="{BB7FF8B6-CFDF-429E-BED6-5A0F7B8ECD8C}" type="datetimeFigureOut">
               <a:rPr lang="zh-CN" altLang="en-US" smtClean="0"/>
-              <a:t>2014/6/21</a:t>
+              <a:t>2014/6/22</a:t>
             </a:fld>
             <a:endParaRPr lang="zh-CN" altLang="en-US"/>
           </a:p>
@@ -625,7 +626,7 @@
             <a:fld id="{818931A2-CD2E-0F4D-8CC5-BC0B3844A363}" type="slidenum">
               <a:rPr lang="en-US" smtClean="0"/>
               <a:pPr/>
-              <a:t>18</a:t>
+              <a:t>17</a:t>
             </a:fld>
             <a:endParaRPr lang="en-US" smtClean="0"/>
           </a:p>
@@ -688,205 +689,22 @@
           <a:bodyPr/>
           <a:lstStyle/>
           <a:p>
-            <a:pPr marL="0" marR="0" indent="0" algn="l" defTabSz="914400" rtl="0" eaLnBrk="1" fontAlgn="auto" latinLnBrk="0" hangingPunct="1">
-              <a:lnSpc>
-                <a:spcPct val="100000"/>
-              </a:lnSpc>
-              <a:spcBef>
-                <a:spcPts val="0"/>
-              </a:spcBef>
-              <a:spcAft>
-                <a:spcPts val="0"/>
-              </a:spcAft>
-              <a:buClrTx/>
-              <a:buSzTx/>
-              <a:buFontTx/>
-              <a:buNone/>
-              <a:tabLst/>
-              <a:defRPr/>
-            </a:pPr>
+            <a:r>
+              <a:rPr lang="en-US" altLang="zh-CN" dirty="0" smtClean="0"/>
+              <a:t>《Spark Cluster Computing with Working Sets.pdf》</a:t>
+            </a:r>
             <a:r>
               <a:rPr lang="zh-CN" altLang="en-US" dirty="0" smtClean="0"/>
-              <a:t>装箱问题：设有许多具有同样结构和负荷的箱子 </a:t>
+              <a:t>里面提到了</a:t>
             </a:r>
             <a:r>
               <a:rPr lang="en-US" altLang="zh-CN" dirty="0" smtClean="0"/>
-              <a:t>B1</a:t>
+              <a:t>lineage</a:t>
             </a:r>
             <a:r>
               <a:rPr lang="zh-CN" altLang="en-US" dirty="0" smtClean="0"/>
-              <a:t>，</a:t>
-            </a:r>
-            <a:r>
-              <a:rPr lang="en-US" altLang="zh-CN" dirty="0" smtClean="0"/>
-              <a:t>B2</a:t>
-            </a:r>
-            <a:r>
-              <a:rPr lang="zh-CN" altLang="en-US" dirty="0" smtClean="0"/>
-              <a:t>，</a:t>
-            </a:r>
-            <a:r>
-              <a:rPr lang="en-US" altLang="zh-CN" dirty="0" smtClean="0"/>
-              <a:t>… </a:t>
-            </a:r>
-            <a:r>
-              <a:rPr lang="zh-CN" altLang="en-US" dirty="0" smtClean="0"/>
-              <a:t>，其数量足够供所达到目的之用。每个箱子的负荷（可为长度、重量等等</a:t>
-            </a:r>
-            <a:r>
-              <a:rPr lang="en-US" altLang="zh-CN" dirty="0" smtClean="0"/>
-              <a:t>.</a:t>
-            </a:r>
-            <a:r>
-              <a:rPr lang="zh-CN" altLang="en-US" dirty="0" smtClean="0"/>
-              <a:t>）为 </a:t>
-            </a:r>
-            <a:r>
-              <a:rPr lang="en-US" altLang="zh-CN" dirty="0" smtClean="0"/>
-              <a:t>C </a:t>
-            </a:r>
-            <a:r>
-              <a:rPr lang="zh-CN" altLang="en-US" dirty="0" smtClean="0"/>
-              <a:t>，今有 </a:t>
-            </a:r>
-            <a:r>
-              <a:rPr lang="en-US" altLang="zh-CN" dirty="0" smtClean="0"/>
-              <a:t>n </a:t>
-            </a:r>
-            <a:r>
-              <a:rPr lang="zh-CN" altLang="en-US" dirty="0" smtClean="0"/>
-              <a:t>个负荷为 </a:t>
-            </a:r>
-            <a:r>
-              <a:rPr lang="en-US" altLang="zh-CN" dirty="0" err="1" smtClean="0"/>
-              <a:t>wj</a:t>
-            </a:r>
-            <a:r>
-              <a:rPr lang="zh-CN" altLang="en-US" dirty="0" smtClean="0"/>
-              <a:t>，</a:t>
-            </a:r>
-            <a:r>
-              <a:rPr lang="en-US" altLang="zh-CN" dirty="0" smtClean="0"/>
-              <a:t>0 &lt; </a:t>
-            </a:r>
-            <a:r>
-              <a:rPr lang="en-US" altLang="zh-CN" dirty="0" err="1" smtClean="0"/>
-              <a:t>wj</a:t>
-            </a:r>
-            <a:r>
-              <a:rPr lang="en-US" altLang="zh-CN" dirty="0" smtClean="0"/>
-              <a:t> &lt; C </a:t>
-            </a:r>
-            <a:r>
-              <a:rPr lang="zh-CN" altLang="en-US" dirty="0" smtClean="0"/>
-              <a:t>， </a:t>
-            </a:r>
-            <a:r>
-              <a:rPr lang="en-US" altLang="zh-CN" dirty="0" smtClean="0"/>
-              <a:t>j = 1</a:t>
-            </a:r>
-            <a:r>
-              <a:rPr lang="zh-CN" altLang="en-US" dirty="0" smtClean="0"/>
-              <a:t>，</a:t>
-            </a:r>
-            <a:r>
-              <a:rPr lang="en-US" altLang="zh-CN" dirty="0" smtClean="0"/>
-              <a:t>2</a:t>
-            </a:r>
-            <a:r>
-              <a:rPr lang="zh-CN" altLang="en-US" dirty="0" smtClean="0"/>
-              <a:t>，</a:t>
-            </a:r>
-            <a:r>
-              <a:rPr lang="en-US" altLang="zh-CN" dirty="0" smtClean="0"/>
-              <a:t>…</a:t>
-            </a:r>
-            <a:r>
-              <a:rPr lang="zh-CN" altLang="en-US" dirty="0" smtClean="0"/>
-              <a:t>，</a:t>
-            </a:r>
-            <a:r>
-              <a:rPr lang="en-US" altLang="zh-CN" dirty="0" smtClean="0"/>
-              <a:t>n </a:t>
-            </a:r>
-            <a:r>
-              <a:rPr lang="zh-CN" altLang="en-US" dirty="0" smtClean="0"/>
-              <a:t>的物品 </a:t>
-            </a:r>
-            <a:r>
-              <a:rPr lang="en-US" altLang="zh-CN" dirty="0" smtClean="0"/>
-              <a:t>J1</a:t>
-            </a:r>
-            <a:r>
-              <a:rPr lang="zh-CN" altLang="en-US" dirty="0" smtClean="0"/>
-              <a:t>，</a:t>
-            </a:r>
-            <a:r>
-              <a:rPr lang="en-US" altLang="zh-CN" dirty="0" smtClean="0"/>
-              <a:t>J2</a:t>
-            </a:r>
-            <a:r>
-              <a:rPr lang="zh-CN" altLang="en-US" dirty="0" smtClean="0"/>
-              <a:t>，</a:t>
-            </a:r>
-            <a:r>
-              <a:rPr lang="en-US" altLang="zh-CN" dirty="0" smtClean="0"/>
-              <a:t>…</a:t>
-            </a:r>
-            <a:r>
-              <a:rPr lang="zh-CN" altLang="en-US" dirty="0" smtClean="0"/>
-              <a:t>，</a:t>
-            </a:r>
-            <a:r>
-              <a:rPr lang="en-US" altLang="zh-CN" dirty="0" err="1" smtClean="0"/>
-              <a:t>Jn</a:t>
-            </a:r>
-            <a:r>
-              <a:rPr lang="en-US" altLang="zh-CN" dirty="0" smtClean="0"/>
-              <a:t> </a:t>
-            </a:r>
-            <a:r>
-              <a:rPr lang="zh-CN" altLang="en-US" dirty="0" smtClean="0"/>
-              <a:t>需要装入箱内。装箱问题就是指寻找一种方法，使得能以最小数量的箱子数将</a:t>
-            </a:r>
-            <a:r>
-              <a:rPr lang="en-US" altLang="zh-CN" dirty="0" smtClean="0"/>
-              <a:t>J1</a:t>
-            </a:r>
-            <a:r>
-              <a:rPr lang="zh-CN" altLang="en-US" dirty="0" smtClean="0"/>
-              <a:t>，</a:t>
-            </a:r>
-            <a:r>
-              <a:rPr lang="en-US" altLang="zh-CN" dirty="0" smtClean="0"/>
-              <a:t>J2</a:t>
-            </a:r>
-            <a:r>
-              <a:rPr lang="zh-CN" altLang="en-US" dirty="0" smtClean="0"/>
-              <a:t>，</a:t>
-            </a:r>
-            <a:r>
-              <a:rPr lang="en-US" altLang="zh-CN" dirty="0" smtClean="0"/>
-              <a:t>…</a:t>
-            </a:r>
-            <a:r>
-              <a:rPr lang="zh-CN" altLang="en-US" dirty="0" smtClean="0"/>
-              <a:t>，</a:t>
-            </a:r>
-            <a:r>
-              <a:rPr lang="en-US" altLang="zh-CN" dirty="0" err="1" smtClean="0"/>
-              <a:t>Jn</a:t>
-            </a:r>
-            <a:r>
-              <a:rPr lang="en-US" altLang="zh-CN" dirty="0" smtClean="0"/>
-              <a:t> </a:t>
-            </a:r>
-            <a:r>
-              <a:rPr lang="zh-CN" altLang="en-US" dirty="0" smtClean="0"/>
-              <a:t>全部装入箱内。</a:t>
-            </a:r>
-          </a:p>
-          <a:p>
+              <a:t>是细粒度的。</a:t>
+            </a:r>
             <a:endParaRPr lang="zh-CN" altLang="en-US" dirty="0"/>
           </a:p>
         </p:txBody>
@@ -908,7 +726,7 @@
           <a:p>
             <a:fld id="{213C2EC4-EC77-4BBC-8089-CEB80D7C2761}" type="slidenum">
               <a:rPr lang="zh-CN" altLang="en-US" smtClean="0"/>
-              <a:t>32</a:t>
+              <a:t>21</a:t>
             </a:fld>
             <a:endParaRPr lang="zh-CN" altLang="en-US"/>
           </a:p>
@@ -917,7 +735,7 @@
     </p:spTree>
     <p:extLst>
       <p:ext uri="{BB962C8B-B14F-4D97-AF65-F5344CB8AC3E}">
-        <p14:creationId xmlns:p14="http://schemas.microsoft.com/office/powerpoint/2010/main" val="1647492432"/>
+        <p14:creationId xmlns:p14="http://schemas.microsoft.com/office/powerpoint/2010/main" val="2920916886"/>
       </p:ext>
     </p:extLst>
   </p:cSld>
@@ -989,28 +807,184 @@
               <a:defRPr/>
             </a:pPr>
             <a:r>
-              <a:rPr lang="zh-CN" altLang="en-US" dirty="0" smtClean="0">
-                <a:solidFill>
-                  <a:srgbClr val="FF0000"/>
-                </a:solidFill>
-              </a:rPr>
-              <a:t>了解一下</a:t>
-            </a:r>
-            <a:r>
-              <a:rPr lang="en-US" altLang="zh-CN" dirty="0" smtClean="0">
-                <a:solidFill>
-                  <a:srgbClr val="FF0000"/>
-                </a:solidFill>
-              </a:rPr>
-              <a:t>hive </a:t>
-            </a:r>
-            <a:r>
-              <a:rPr lang="zh-CN" altLang="en-US" dirty="0" smtClean="0">
-                <a:solidFill>
-                  <a:srgbClr val="FF0000"/>
-                </a:solidFill>
-              </a:rPr>
-              <a:t>的混合存储：</a:t>
+              <a:rPr lang="zh-CN" altLang="en-US" dirty="0" smtClean="0"/>
+              <a:t>装箱问题：设有许多具有同样结构和负荷的箱子 </a:t>
+            </a:r>
+            <a:r>
+              <a:rPr lang="en-US" altLang="zh-CN" dirty="0" smtClean="0"/>
+              <a:t>B1</a:t>
+            </a:r>
+            <a:r>
+              <a:rPr lang="zh-CN" altLang="en-US" dirty="0" smtClean="0"/>
+              <a:t>，</a:t>
+            </a:r>
+            <a:r>
+              <a:rPr lang="en-US" altLang="zh-CN" dirty="0" smtClean="0"/>
+              <a:t>B2</a:t>
+            </a:r>
+            <a:r>
+              <a:rPr lang="zh-CN" altLang="en-US" dirty="0" smtClean="0"/>
+              <a:t>，</a:t>
+            </a:r>
+            <a:r>
+              <a:rPr lang="en-US" altLang="zh-CN" dirty="0" smtClean="0"/>
+              <a:t>… </a:t>
+            </a:r>
+            <a:r>
+              <a:rPr lang="zh-CN" altLang="en-US" dirty="0" smtClean="0"/>
+              <a:t>，其数量足够供所达到目的之用。每个箱子的负荷（可为长度、重量等等</a:t>
+            </a:r>
+            <a:r>
+              <a:rPr lang="en-US" altLang="zh-CN" dirty="0" smtClean="0"/>
+              <a:t>.</a:t>
+            </a:r>
+            <a:r>
+              <a:rPr lang="zh-CN" altLang="en-US" dirty="0" smtClean="0"/>
+              <a:t>）为 </a:t>
+            </a:r>
+            <a:r>
+              <a:rPr lang="en-US" altLang="zh-CN" dirty="0" smtClean="0"/>
+              <a:t>C </a:t>
+            </a:r>
+            <a:r>
+              <a:rPr lang="zh-CN" altLang="en-US" dirty="0" smtClean="0"/>
+              <a:t>，今有 </a:t>
+            </a:r>
+            <a:r>
+              <a:rPr lang="en-US" altLang="zh-CN" dirty="0" smtClean="0"/>
+              <a:t>n </a:t>
+            </a:r>
+            <a:r>
+              <a:rPr lang="zh-CN" altLang="en-US" dirty="0" smtClean="0"/>
+              <a:t>个负荷为 </a:t>
+            </a:r>
+            <a:r>
+              <a:rPr lang="en-US" altLang="zh-CN" dirty="0" err="1" smtClean="0"/>
+              <a:t>wj</a:t>
+            </a:r>
+            <a:r>
+              <a:rPr lang="zh-CN" altLang="en-US" dirty="0" smtClean="0"/>
+              <a:t>，</a:t>
+            </a:r>
+            <a:r>
+              <a:rPr lang="en-US" altLang="zh-CN" dirty="0" smtClean="0"/>
+              <a:t>0 &lt; </a:t>
+            </a:r>
+            <a:r>
+              <a:rPr lang="en-US" altLang="zh-CN" dirty="0" err="1" smtClean="0"/>
+              <a:t>wj</a:t>
+            </a:r>
+            <a:r>
+              <a:rPr lang="en-US" altLang="zh-CN" dirty="0" smtClean="0"/>
+              <a:t> &lt; C </a:t>
+            </a:r>
+            <a:r>
+              <a:rPr lang="zh-CN" altLang="en-US" dirty="0" smtClean="0"/>
+              <a:t>， </a:t>
+            </a:r>
+            <a:r>
+              <a:rPr lang="en-US" altLang="zh-CN" dirty="0" smtClean="0"/>
+              <a:t>j = 1</a:t>
+            </a:r>
+            <a:r>
+              <a:rPr lang="zh-CN" altLang="en-US" dirty="0" smtClean="0"/>
+              <a:t>，</a:t>
+            </a:r>
+            <a:r>
+              <a:rPr lang="en-US" altLang="zh-CN" dirty="0" smtClean="0"/>
+              <a:t>2</a:t>
+            </a:r>
+            <a:r>
+              <a:rPr lang="zh-CN" altLang="en-US" dirty="0" smtClean="0"/>
+              <a:t>，</a:t>
+            </a:r>
+            <a:r>
+              <a:rPr lang="en-US" altLang="zh-CN" dirty="0" smtClean="0"/>
+              <a:t>…</a:t>
+            </a:r>
+            <a:r>
+              <a:rPr lang="zh-CN" altLang="en-US" dirty="0" smtClean="0"/>
+              <a:t>，</a:t>
+            </a:r>
+            <a:r>
+              <a:rPr lang="en-US" altLang="zh-CN" dirty="0" smtClean="0"/>
+              <a:t>n </a:t>
+            </a:r>
+            <a:r>
+              <a:rPr lang="zh-CN" altLang="en-US" dirty="0" smtClean="0"/>
+              <a:t>的物品 </a:t>
+            </a:r>
+            <a:r>
+              <a:rPr lang="en-US" altLang="zh-CN" dirty="0" smtClean="0"/>
+              <a:t>J1</a:t>
+            </a:r>
+            <a:r>
+              <a:rPr lang="zh-CN" altLang="en-US" dirty="0" smtClean="0"/>
+              <a:t>，</a:t>
+            </a:r>
+            <a:r>
+              <a:rPr lang="en-US" altLang="zh-CN" dirty="0" smtClean="0"/>
+              <a:t>J2</a:t>
+            </a:r>
+            <a:r>
+              <a:rPr lang="zh-CN" altLang="en-US" dirty="0" smtClean="0"/>
+              <a:t>，</a:t>
+            </a:r>
+            <a:r>
+              <a:rPr lang="en-US" altLang="zh-CN" dirty="0" smtClean="0"/>
+              <a:t>…</a:t>
+            </a:r>
+            <a:r>
+              <a:rPr lang="zh-CN" altLang="en-US" dirty="0" smtClean="0"/>
+              <a:t>，</a:t>
+            </a:r>
+            <a:r>
+              <a:rPr lang="en-US" altLang="zh-CN" dirty="0" err="1" smtClean="0"/>
+              <a:t>Jn</a:t>
+            </a:r>
+            <a:r>
+              <a:rPr lang="en-US" altLang="zh-CN" dirty="0" smtClean="0"/>
+              <a:t> </a:t>
+            </a:r>
+            <a:r>
+              <a:rPr lang="zh-CN" altLang="en-US" dirty="0" smtClean="0"/>
+              <a:t>需要装入箱内。装箱问题就是指寻找一种方法，使得能以最小数量的箱子数将</a:t>
+            </a:r>
+            <a:r>
+              <a:rPr lang="en-US" altLang="zh-CN" dirty="0" smtClean="0"/>
+              <a:t>J1</a:t>
+            </a:r>
+            <a:r>
+              <a:rPr lang="zh-CN" altLang="en-US" dirty="0" smtClean="0"/>
+              <a:t>，</a:t>
+            </a:r>
+            <a:r>
+              <a:rPr lang="en-US" altLang="zh-CN" dirty="0" smtClean="0"/>
+              <a:t>J2</a:t>
+            </a:r>
+            <a:r>
+              <a:rPr lang="zh-CN" altLang="en-US" dirty="0" smtClean="0"/>
+              <a:t>，</a:t>
+            </a:r>
+            <a:r>
+              <a:rPr lang="en-US" altLang="zh-CN" dirty="0" smtClean="0"/>
+              <a:t>…</a:t>
+            </a:r>
+            <a:r>
+              <a:rPr lang="zh-CN" altLang="en-US" dirty="0" smtClean="0"/>
+              <a:t>，</a:t>
+            </a:r>
+            <a:r>
+              <a:rPr lang="en-US" altLang="zh-CN" dirty="0" err="1" smtClean="0"/>
+              <a:t>Jn</a:t>
+            </a:r>
+            <a:r>
+              <a:rPr lang="en-US" altLang="zh-CN" dirty="0" smtClean="0"/>
+              <a:t> </a:t>
+            </a:r>
+            <a:r>
+              <a:rPr lang="zh-CN" altLang="en-US" dirty="0" smtClean="0"/>
+              <a:t>全部装入箱内。</a:t>
             </a:r>
           </a:p>
           <a:p>
@@ -1035,7 +1009,7 @@
           <a:p>
             <a:fld id="{213C2EC4-EC77-4BBC-8089-CEB80D7C2761}" type="slidenum">
               <a:rPr lang="zh-CN" altLang="en-US" smtClean="0"/>
-              <a:t>35</a:t>
+              <a:t>32</a:t>
             </a:fld>
             <a:endParaRPr lang="zh-CN" altLang="en-US"/>
           </a:p>
@@ -1044,7 +1018,7 @@
     </p:spTree>
     <p:extLst>
       <p:ext uri="{BB962C8B-B14F-4D97-AF65-F5344CB8AC3E}">
-        <p14:creationId xmlns:p14="http://schemas.microsoft.com/office/powerpoint/2010/main" val="706637247"/>
+        <p14:creationId xmlns:p14="http://schemas.microsoft.com/office/powerpoint/2010/main" val="1647492432"/>
       </p:ext>
     </p:extLst>
   </p:cSld>
@@ -1116,6 +1090,240 @@
               <a:defRPr/>
             </a:pPr>
             <a:r>
+              <a:rPr lang="zh-CN" altLang="en-US" dirty="0" smtClean="0"/>
+              <a:t>数据不一定就在本地，会涉及到数据的网络传输，则数据需要进行序列化，接收到的数据还需要进行反序列化 </a:t>
+            </a:r>
+          </a:p>
+          <a:p>
+            <a:endParaRPr lang="zh-CN" altLang="en-US" dirty="0"/>
+          </a:p>
+        </p:txBody>
+      </p:sp>
+      <p:sp>
+        <p:nvSpPr>
+          <p:cNvPr id="4" name="灯片编号占位符 3"/>
+          <p:cNvSpPr>
+            <a:spLocks noGrp="1"/>
+          </p:cNvSpPr>
+          <p:nvPr>
+            <p:ph type="sldNum" sz="quarter" idx="10"/>
+          </p:nvPr>
+        </p:nvSpPr>
+        <p:spPr/>
+        <p:txBody>
+          <a:bodyPr/>
+          <a:lstStyle/>
+          <a:p>
+            <a:fld id="{213C2EC4-EC77-4BBC-8089-CEB80D7C2761}" type="slidenum">
+              <a:rPr lang="zh-CN" altLang="en-US" smtClean="0"/>
+              <a:t>33</a:t>
+            </a:fld>
+            <a:endParaRPr lang="zh-CN" altLang="en-US"/>
+          </a:p>
+        </p:txBody>
+      </p:sp>
+    </p:spTree>
+    <p:extLst>
+      <p:ext uri="{BB962C8B-B14F-4D97-AF65-F5344CB8AC3E}">
+        <p14:creationId xmlns:p14="http://schemas.microsoft.com/office/powerpoint/2010/main" val="2492241778"/>
+      </p:ext>
+    </p:extLst>
+  </p:cSld>
+  <p:clrMapOvr>
+    <a:masterClrMapping/>
+  </p:clrMapOvr>
+</p:notes>
+</file>
+
+<file path=ppt/notesSlides/notesSlide5.xml><?xml version="1.0" encoding="utf-8"?>
+<p:notes xmlns:a="http://schemas.openxmlformats.org/drawingml/2006/main" xmlns:r="http://schemas.openxmlformats.org/officeDocument/2006/relationships" xmlns:p="http://schemas.openxmlformats.org/presentationml/2006/main">
+  <p:cSld>
+    <p:spTree>
+      <p:nvGrpSpPr>
+        <p:cNvPr id="1" name=""/>
+        <p:cNvGrpSpPr/>
+        <p:nvPr/>
+      </p:nvGrpSpPr>
+      <p:grpSpPr>
+        <a:xfrm>
+          <a:off x="0" y="0"/>
+          <a:ext cx="0" cy="0"/>
+          <a:chOff x="0" y="0"/>
+          <a:chExt cx="0" cy="0"/>
+        </a:xfrm>
+      </p:grpSpPr>
+      <p:sp>
+        <p:nvSpPr>
+          <p:cNvPr id="2" name="幻灯片图像占位符 1"/>
+          <p:cNvSpPr>
+            <a:spLocks noGrp="1" noRot="1" noChangeAspect="1"/>
+          </p:cNvSpPr>
+          <p:nvPr>
+            <p:ph type="sldImg"/>
+          </p:nvPr>
+        </p:nvSpPr>
+        <p:spPr/>
+      </p:sp>
+      <p:sp>
+        <p:nvSpPr>
+          <p:cNvPr id="3" name="备注占位符 2"/>
+          <p:cNvSpPr>
+            <a:spLocks noGrp="1"/>
+          </p:cNvSpPr>
+          <p:nvPr>
+            <p:ph type="body" idx="1"/>
+          </p:nvPr>
+        </p:nvSpPr>
+        <p:spPr/>
+        <p:txBody>
+          <a:bodyPr/>
+          <a:lstStyle/>
+          <a:p>
+            <a:pPr marL="0" marR="0" indent="0" algn="l" defTabSz="914400" rtl="0" eaLnBrk="1" fontAlgn="auto" latinLnBrk="0" hangingPunct="1">
+              <a:lnSpc>
+                <a:spcPct val="100000"/>
+              </a:lnSpc>
+              <a:spcBef>
+                <a:spcPts val="0"/>
+              </a:spcBef>
+              <a:spcAft>
+                <a:spcPts val="0"/>
+              </a:spcAft>
+              <a:buClrTx/>
+              <a:buSzTx/>
+              <a:buFontTx/>
+              <a:buNone/>
+              <a:tabLst/>
+              <a:defRPr/>
+            </a:pPr>
+            <a:r>
+              <a:rPr lang="zh-CN" altLang="en-US" dirty="0" smtClean="0">
+                <a:solidFill>
+                  <a:srgbClr val="FF0000"/>
+                </a:solidFill>
+              </a:rPr>
+              <a:t>了解一下</a:t>
+            </a:r>
+            <a:r>
+              <a:rPr lang="en-US" altLang="zh-CN" dirty="0" smtClean="0">
+                <a:solidFill>
+                  <a:srgbClr val="FF0000"/>
+                </a:solidFill>
+              </a:rPr>
+              <a:t>hive </a:t>
+            </a:r>
+            <a:r>
+              <a:rPr lang="zh-CN" altLang="en-US" dirty="0" smtClean="0">
+                <a:solidFill>
+                  <a:srgbClr val="FF0000"/>
+                </a:solidFill>
+              </a:rPr>
+              <a:t>的混合存储：</a:t>
+            </a:r>
+          </a:p>
+          <a:p>
+            <a:endParaRPr lang="zh-CN" altLang="en-US" dirty="0"/>
+          </a:p>
+        </p:txBody>
+      </p:sp>
+      <p:sp>
+        <p:nvSpPr>
+          <p:cNvPr id="4" name="灯片编号占位符 3"/>
+          <p:cNvSpPr>
+            <a:spLocks noGrp="1"/>
+          </p:cNvSpPr>
+          <p:nvPr>
+            <p:ph type="sldNum" sz="quarter" idx="10"/>
+          </p:nvPr>
+        </p:nvSpPr>
+        <p:spPr/>
+        <p:txBody>
+          <a:bodyPr/>
+          <a:lstStyle/>
+          <a:p>
+            <a:fld id="{213C2EC4-EC77-4BBC-8089-CEB80D7C2761}" type="slidenum">
+              <a:rPr lang="zh-CN" altLang="en-US" smtClean="0"/>
+              <a:t>35</a:t>
+            </a:fld>
+            <a:endParaRPr lang="zh-CN" altLang="en-US"/>
+          </a:p>
+        </p:txBody>
+      </p:sp>
+    </p:spTree>
+    <p:extLst>
+      <p:ext uri="{BB962C8B-B14F-4D97-AF65-F5344CB8AC3E}">
+        <p14:creationId xmlns:p14="http://schemas.microsoft.com/office/powerpoint/2010/main" val="706637247"/>
+      </p:ext>
+    </p:extLst>
+  </p:cSld>
+  <p:clrMapOvr>
+    <a:masterClrMapping/>
+  </p:clrMapOvr>
+</p:notes>
+</file>
+
+<file path=ppt/notesSlides/notesSlide6.xml><?xml version="1.0" encoding="utf-8"?>
+<p:notes xmlns:a="http://schemas.openxmlformats.org/drawingml/2006/main" xmlns:r="http://schemas.openxmlformats.org/officeDocument/2006/relationships" xmlns:p="http://schemas.openxmlformats.org/presentationml/2006/main">
+  <p:cSld>
+    <p:spTree>
+      <p:nvGrpSpPr>
+        <p:cNvPr id="1" name=""/>
+        <p:cNvGrpSpPr/>
+        <p:nvPr/>
+      </p:nvGrpSpPr>
+      <p:grpSpPr>
+        <a:xfrm>
+          <a:off x="0" y="0"/>
+          <a:ext cx="0" cy="0"/>
+          <a:chOff x="0" y="0"/>
+          <a:chExt cx="0" cy="0"/>
+        </a:xfrm>
+      </p:grpSpPr>
+      <p:sp>
+        <p:nvSpPr>
+          <p:cNvPr id="2" name="幻灯片图像占位符 1"/>
+          <p:cNvSpPr>
+            <a:spLocks noGrp="1" noRot="1" noChangeAspect="1"/>
+          </p:cNvSpPr>
+          <p:nvPr>
+            <p:ph type="sldImg"/>
+          </p:nvPr>
+        </p:nvSpPr>
+        <p:spPr/>
+      </p:sp>
+      <p:sp>
+        <p:nvSpPr>
+          <p:cNvPr id="3" name="备注占位符 2"/>
+          <p:cNvSpPr>
+            <a:spLocks noGrp="1"/>
+          </p:cNvSpPr>
+          <p:nvPr>
+            <p:ph type="body" idx="1"/>
+          </p:nvPr>
+        </p:nvSpPr>
+        <p:spPr/>
+        <p:txBody>
+          <a:bodyPr/>
+          <a:lstStyle/>
+          <a:p>
+            <a:pPr marL="0" marR="0" indent="0" algn="l" defTabSz="914400" rtl="0" eaLnBrk="1" fontAlgn="auto" latinLnBrk="0" hangingPunct="1">
+              <a:lnSpc>
+                <a:spcPct val="100000"/>
+              </a:lnSpc>
+              <a:spcBef>
+                <a:spcPts val="0"/>
+              </a:spcBef>
+              <a:spcAft>
+                <a:spcPts val="0"/>
+              </a:spcAft>
+              <a:buClrTx/>
+              <a:buSzTx/>
+              <a:buFontTx/>
+              <a:buNone/>
+              <a:tabLst/>
+              <a:defRPr/>
+            </a:pPr>
+            <a:r>
               <a:rPr lang="zh-CN" altLang="en-US" sz="1200" dirty="0" smtClean="0">
                 <a:solidFill>
                   <a:srgbClr val="FF0000"/>
@@ -1238,7 +1446,7 @@
 </p:notes>
 </file>
 
-<file path=ppt/notesSlides/notesSlide5.xml><?xml version="1.0" encoding="utf-8"?>
+<file path=ppt/notesSlides/notesSlide7.xml><?xml version="1.0" encoding="utf-8"?>
 <p:notes xmlns:a="http://schemas.openxmlformats.org/drawingml/2006/main" xmlns:r="http://schemas.openxmlformats.org/officeDocument/2006/relationships" xmlns:p="http://schemas.openxmlformats.org/presentationml/2006/main">
   <p:cSld>
     <p:spTree>
@@ -1322,7 +1530,7 @@
 </p:notes>
 </file>
 
-<file path=ppt/notesSlides/notesSlide6.xml><?xml version="1.0" encoding="utf-8"?>
+<file path=ppt/notesSlides/notesSlide8.xml><?xml version="1.0" encoding="utf-8"?>
 <p:notes xmlns:a="http://schemas.openxmlformats.org/drawingml/2006/main" xmlns:r="http://schemas.openxmlformats.org/officeDocument/2006/relationships" xmlns:p="http://schemas.openxmlformats.org/presentationml/2006/main">
   <p:cSld>
     <p:spTree>
@@ -1696,7 +1904,7 @@
           <a:p>
             <a:fld id="{530820CF-B880-4189-942D-D702A7CBA730}" type="datetimeFigureOut">
               <a:rPr lang="zh-CN" altLang="en-US" smtClean="0"/>
-              <a:t>2014/6/21</a:t>
+              <a:t>2014/6/22</a:t>
             </a:fld>
             <a:endParaRPr lang="zh-CN" altLang="en-US"/>
           </a:p>
@@ -1861,7 +2069,7 @@
           <a:p>
             <a:fld id="{530820CF-B880-4189-942D-D702A7CBA730}" type="datetimeFigureOut">
               <a:rPr lang="zh-CN" altLang="en-US" smtClean="0"/>
-              <a:t>2014/6/21</a:t>
+              <a:t>2014/6/22</a:t>
             </a:fld>
             <a:endParaRPr lang="zh-CN" altLang="en-US"/>
           </a:p>
@@ -2036,7 +2244,7 @@
           <a:p>
             <a:fld id="{530820CF-B880-4189-942D-D702A7CBA730}" type="datetimeFigureOut">
               <a:rPr lang="zh-CN" altLang="en-US" smtClean="0"/>
-              <a:t>2014/6/21</a:t>
+              <a:t>2014/6/22</a:t>
             </a:fld>
             <a:endParaRPr lang="zh-CN" altLang="en-US"/>
           </a:p>
@@ -2201,7 +2409,7 @@
           <a:p>
             <a:fld id="{530820CF-B880-4189-942D-D702A7CBA730}" type="datetimeFigureOut">
               <a:rPr lang="zh-CN" altLang="en-US" smtClean="0"/>
-              <a:t>2014/6/21</a:t>
+              <a:t>2014/6/22</a:t>
             </a:fld>
             <a:endParaRPr lang="zh-CN" altLang="en-US"/>
           </a:p>
@@ -2442,7 +2650,7 @@
           <a:p>
             <a:fld id="{530820CF-B880-4189-942D-D702A7CBA730}" type="datetimeFigureOut">
               <a:rPr lang="zh-CN" altLang="en-US" smtClean="0"/>
-              <a:t>2014/6/21</a:t>
+              <a:t>2014/6/22</a:t>
             </a:fld>
             <a:endParaRPr lang="zh-CN" altLang="en-US"/>
           </a:p>
@@ -2725,7 +2933,7 @@
           <a:p>
             <a:fld id="{530820CF-B880-4189-942D-D702A7CBA730}" type="datetimeFigureOut">
               <a:rPr lang="zh-CN" altLang="en-US" smtClean="0"/>
-              <a:t>2014/6/21</a:t>
+              <a:t>2014/6/22</a:t>
             </a:fld>
             <a:endParaRPr lang="zh-CN" altLang="en-US"/>
           </a:p>
@@ -3142,7 +3350,7 @@
           <a:p>
             <a:fld id="{530820CF-B880-4189-942D-D702A7CBA730}" type="datetimeFigureOut">
               <a:rPr lang="zh-CN" altLang="en-US" smtClean="0"/>
-              <a:t>2014/6/21</a:t>
+              <a:t>2014/6/22</a:t>
             </a:fld>
             <a:endParaRPr lang="zh-CN" altLang="en-US"/>
           </a:p>
@@ -3255,7 +3463,7 @@
           <a:p>
             <a:fld id="{530820CF-B880-4189-942D-D702A7CBA730}" type="datetimeFigureOut">
               <a:rPr lang="zh-CN" altLang="en-US" smtClean="0"/>
-              <a:t>2014/6/21</a:t>
+              <a:t>2014/6/22</a:t>
             </a:fld>
             <a:endParaRPr lang="zh-CN" altLang="en-US"/>
           </a:p>
@@ -3345,7 +3553,7 @@
           <a:p>
             <a:fld id="{530820CF-B880-4189-942D-D702A7CBA730}" type="datetimeFigureOut">
               <a:rPr lang="zh-CN" altLang="en-US" smtClean="0"/>
-              <a:t>2014/6/21</a:t>
+              <a:t>2014/6/22</a:t>
             </a:fld>
             <a:endParaRPr lang="zh-CN" altLang="en-US"/>
           </a:p>
@@ -3617,7 +3825,7 @@
           <a:p>
             <a:fld id="{530820CF-B880-4189-942D-D702A7CBA730}" type="datetimeFigureOut">
               <a:rPr lang="zh-CN" altLang="en-US" smtClean="0"/>
-              <a:t>2014/6/21</a:t>
+              <a:t>2014/6/22</a:t>
             </a:fld>
             <a:endParaRPr lang="zh-CN" altLang="en-US"/>
           </a:p>
@@ -3865,7 +4073,7 @@
           <a:p>
             <a:fld id="{530820CF-B880-4189-942D-D702A7CBA730}" type="datetimeFigureOut">
               <a:rPr lang="zh-CN" altLang="en-US" smtClean="0"/>
-              <a:t>2014/6/21</a:t>
+              <a:t>2014/6/22</a:t>
             </a:fld>
             <a:endParaRPr lang="zh-CN" altLang="en-US"/>
           </a:p>
@@ -4073,7 +4281,7 @@
           <a:p>
             <a:fld id="{530820CF-B880-4189-942D-D702A7CBA730}" type="datetimeFigureOut">
               <a:rPr lang="zh-CN" altLang="en-US" smtClean="0"/>
-              <a:t>2014/6/21</a:t>
+              <a:t>2014/6/22</a:t>
             </a:fld>
             <a:endParaRPr lang="zh-CN" altLang="en-US"/>
           </a:p>
@@ -4450,242 +4658,92 @@
             <a:spLocks noGrp="1"/>
           </p:cNvSpPr>
           <p:nvPr>
-            <p:ph type="title"/>
+            <p:ph type="ctrTitle"/>
           </p:nvPr>
         </p:nvSpPr>
-        <p:spPr/>
+        <p:spPr>
+          <a:xfrm>
+            <a:off x="251520" y="1340768"/>
+            <a:ext cx="8892480" cy="2259683"/>
+          </a:xfrm>
+        </p:spPr>
         <p:txBody>
-          <a:bodyPr/>
+          <a:bodyPr>
+            <a:normAutofit/>
+          </a:bodyPr>
           <a:lstStyle/>
           <a:p>
-            <a:r>
-              <a:rPr lang="en-US" altLang="zh-CN" dirty="0" smtClean="0"/>
-              <a:t>Spark</a:t>
-            </a:r>
-            <a:endParaRPr lang="zh-CN" altLang="en-US" dirty="0"/>
+            <a:pPr algn="just"/>
+            <a:r>
+              <a:rPr lang="en-US" altLang="zh-CN" sz="4000" b="1" dirty="0"/>
+              <a:t>Shark: SQL and Rich </a:t>
+            </a:r>
+            <a:r>
+              <a:rPr lang="en-US" altLang="zh-CN" sz="4000" b="1" dirty="0" smtClean="0"/>
+              <a:t>Analytics </a:t>
+            </a:r>
+            <a:r>
+              <a:rPr lang="en-US" altLang="zh-CN" sz="4000" b="1" dirty="0"/>
+              <a:t>at </a:t>
+            </a:r>
+            <a:r>
+              <a:rPr lang="en-US" altLang="zh-CN" sz="4000" b="1" dirty="0" smtClean="0"/>
+              <a:t>Scale</a:t>
+            </a:r>
+            <a:br>
+              <a:rPr lang="en-US" altLang="zh-CN" sz="4000" b="1" dirty="0" smtClean="0"/>
+            </a:br>
+            <a:endParaRPr lang="zh-CN" altLang="en-US" sz="4000" dirty="0"/>
           </a:p>
         </p:txBody>
       </p:sp>
       <p:sp>
         <p:nvSpPr>
-          <p:cNvPr id="3" name="内容占位符 2"/>
+          <p:cNvPr id="3" name="副标题 2"/>
           <p:cNvSpPr>
             <a:spLocks noGrp="1"/>
           </p:cNvSpPr>
           <p:nvPr>
-            <p:ph sz="half" idx="1"/>
+            <p:ph type="subTitle" idx="1"/>
           </p:nvPr>
         </p:nvSpPr>
         <p:spPr>
           <a:xfrm>
-            <a:off x="454766" y="3660344"/>
-            <a:ext cx="8147248" cy="1756791"/>
+            <a:off x="3995936" y="3886200"/>
+            <a:ext cx="3776464" cy="1752600"/>
           </a:xfrm>
         </p:spPr>
         <p:txBody>
-          <a:bodyPr>
-            <a:normAutofit fontScale="77500" lnSpcReduction="20000"/>
-          </a:bodyPr>
+          <a:bodyPr/>
           <a:lstStyle/>
           <a:p>
-            <a:pPr marL="0" indent="0" algn="just">
-              <a:buNone/>
-            </a:pPr>
-            <a:r>
-              <a:rPr lang="en-US" altLang="zh-CN" dirty="0"/>
-              <a:t>Spark</a:t>
-            </a:r>
+            <a:pPr algn="l"/>
             <a:r>
               <a:rPr lang="zh-CN" altLang="en-US" dirty="0" smtClean="0"/>
-              <a:t>是</a:t>
-            </a:r>
-            <a:r>
-              <a:rPr lang="zh-CN" altLang="en-US" dirty="0"/>
-              <a:t>加州伯克利大学</a:t>
-            </a:r>
-            <a:r>
-              <a:rPr lang="en-US" altLang="zh-CN" dirty="0"/>
-              <a:t>AMP</a:t>
-            </a:r>
-            <a:r>
-              <a:rPr lang="zh-CN" altLang="en-US" dirty="0" smtClean="0"/>
-              <a:t>实验室开发的类</a:t>
-            </a:r>
-            <a:r>
-              <a:rPr lang="en-US" altLang="zh-CN" dirty="0" err="1" smtClean="0"/>
-              <a:t>MapReduce</a:t>
-            </a:r>
-            <a:r>
-              <a:rPr lang="zh-CN" altLang="en-US" dirty="0"/>
-              <a:t>的通用的并行计算框架，</a:t>
-            </a:r>
-            <a:r>
-              <a:rPr lang="en-US" altLang="zh-CN" dirty="0"/>
-              <a:t>Spark</a:t>
-            </a:r>
-            <a:r>
-              <a:rPr lang="zh-CN" altLang="en-US" dirty="0"/>
-              <a:t>基于</a:t>
-            </a:r>
-            <a:r>
-              <a:rPr lang="en-US" altLang="zh-CN" dirty="0" err="1"/>
-              <a:t>MapReduce</a:t>
-            </a:r>
-            <a:r>
-              <a:rPr lang="zh-CN" altLang="en-US" dirty="0"/>
-              <a:t>算法实现的分布式计算，拥有</a:t>
-            </a:r>
-            <a:r>
-              <a:rPr lang="en-US" altLang="zh-CN" dirty="0"/>
-              <a:t>Hadoop </a:t>
-            </a:r>
-            <a:r>
-              <a:rPr lang="en-US" altLang="zh-CN" dirty="0" err="1"/>
-              <a:t>MapReduce</a:t>
-            </a:r>
-            <a:r>
-              <a:rPr lang="zh-CN" altLang="en-US" dirty="0"/>
-              <a:t>所具有的优点；但不同于</a:t>
-            </a:r>
-            <a:r>
-              <a:rPr lang="en-US" altLang="zh-CN" dirty="0" err="1"/>
-              <a:t>MapReduce</a:t>
-            </a:r>
-            <a:r>
-              <a:rPr lang="zh-CN" altLang="en-US" dirty="0"/>
-              <a:t>的是</a:t>
-            </a:r>
-            <a:r>
-              <a:rPr lang="en-US" altLang="zh-CN" dirty="0"/>
-              <a:t>Job</a:t>
-            </a:r>
-            <a:r>
-              <a:rPr lang="zh-CN" altLang="en-US" dirty="0">
-                <a:solidFill>
-                  <a:srgbClr val="FF0000"/>
-                </a:solidFill>
-              </a:rPr>
-              <a:t>中间输出和结果可以保存在内存中</a:t>
-            </a:r>
-            <a:r>
-              <a:rPr lang="zh-CN" altLang="en-US" dirty="0"/>
-              <a:t>，从而不再需要读写</a:t>
-            </a:r>
-            <a:r>
-              <a:rPr lang="en-US" altLang="zh-CN" dirty="0"/>
-              <a:t>HDFS</a:t>
-            </a:r>
-            <a:r>
-              <a:rPr lang="zh-CN" altLang="en-US" dirty="0"/>
-              <a:t>，因此</a:t>
-            </a:r>
-            <a:r>
-              <a:rPr lang="en-US" altLang="zh-CN" dirty="0"/>
-              <a:t>Spark</a:t>
-            </a:r>
-            <a:r>
-              <a:rPr lang="zh-CN" altLang="en-US" dirty="0"/>
-              <a:t>能更好地适用于数据挖掘与机器学习等需要迭代的</a:t>
-            </a:r>
-            <a:r>
-              <a:rPr lang="en-US" altLang="zh-CN" dirty="0" err="1"/>
-              <a:t>MapReduce</a:t>
-            </a:r>
-            <a:r>
-              <a:rPr lang="zh-CN" altLang="en-US" dirty="0"/>
-              <a:t>的算法。</a:t>
-            </a:r>
+              <a:t>主讲人：沈昌干</a:t>
+            </a:r>
+            <a:endParaRPr lang="en-US" altLang="zh-CN" dirty="0" smtClean="0"/>
           </a:p>
           <a:p>
-            <a:pPr algn="just"/>
+            <a:pPr algn="l"/>
+            <a:r>
+              <a:rPr lang="zh-CN" altLang="en-US" dirty="0" smtClean="0"/>
+              <a:t>主持人：詹天晟</a:t>
+            </a:r>
             <a:endParaRPr lang="zh-CN" altLang="en-US" dirty="0"/>
           </a:p>
         </p:txBody>
       </p:sp>
-      <p:pic>
-        <p:nvPicPr>
-          <p:cNvPr id="7" name="内容占位符 6"/>
-          <p:cNvPicPr>
-            <a:picLocks noGrp="1" noChangeAspect="1"/>
-          </p:cNvPicPr>
-          <p:nvPr>
-            <p:ph sz="half" idx="2"/>
-          </p:nvPr>
-        </p:nvPicPr>
-        <p:blipFill>
-          <a:blip r:embed="rId2"/>
-          <a:stretch>
-            <a:fillRect/>
-          </a:stretch>
-        </p:blipFill>
-        <p:spPr>
-          <a:xfrm>
-            <a:off x="467544" y="1238289"/>
-            <a:ext cx="6696744" cy="2336800"/>
-          </a:xfrm>
-          <a:prstGeom prst="rect">
-            <a:avLst/>
-          </a:prstGeom>
-        </p:spPr>
-      </p:pic>
-      <p:pic>
-        <p:nvPicPr>
-          <p:cNvPr id="1026" name="Picture 2" descr="http://jpkc.hnu.cn/wjylyjkjs/Course/Content/N12/res/content/capture/c4.1.1.gif"/>
-          <p:cNvPicPr>
-            <a:picLocks noChangeAspect="1" noChangeArrowheads="1"/>
-          </p:cNvPicPr>
-          <p:nvPr/>
-        </p:nvPicPr>
-        <p:blipFill>
-          <a:blip r:embed="rId3">
-            <a:extLst>
-              <a:ext uri="{28A0092B-C50C-407E-A947-70E740481C1C}">
-                <a14:useLocalDpi xmlns:a14="http://schemas.microsoft.com/office/drawing/2010/main" val="0"/>
-              </a:ext>
-            </a:extLst>
-          </a:blip>
-          <a:srcRect/>
-          <a:stretch>
-            <a:fillRect/>
-          </a:stretch>
-        </p:blipFill>
-        <p:spPr bwMode="auto">
-          <a:xfrm>
-            <a:off x="4572000" y="5078219"/>
-            <a:ext cx="3286125" cy="1666875"/>
-          </a:xfrm>
-          <a:prstGeom prst="rect">
-            <a:avLst/>
-          </a:prstGeom>
-          <a:noFill/>
-          <a:extLst>
-            <a:ext uri="{909E8E84-426E-40DD-AFC4-6F175D3DCCD1}">
-              <a14:hiddenFill xmlns:a14="http://schemas.microsoft.com/office/drawing/2010/main">
-                <a:solidFill>
-                  <a:srgbClr val="FFFFFF"/>
-                </a:solidFill>
-              </a14:hiddenFill>
-            </a:ext>
-          </a:extLst>
-        </p:spPr>
-      </p:pic>
     </p:spTree>
     <p:extLst>
       <p:ext uri="{BB962C8B-B14F-4D97-AF65-F5344CB8AC3E}">
-        <p14:creationId xmlns:p14="http://schemas.microsoft.com/office/powerpoint/2010/main" val="2379927289"/>
+        <p14:creationId xmlns:p14="http://schemas.microsoft.com/office/powerpoint/2010/main" val="187735090"/>
       </p:ext>
     </p:extLst>
   </p:cSld>
   <p:clrMapOvr>
     <a:masterClrMapping/>
   </p:clrMapOvr>
-  <p:timing>
-    <p:tnLst>
-      <p:par>
-        <p:cTn id="1" dur="indefinite" restart="never" nodeType="tmRoot"/>
-      </p:par>
-    </p:tnLst>
-  </p:timing>
 </p:sld>
 </file>
 
@@ -4718,372 +4776,21 @@
         </p:nvSpPr>
         <p:spPr/>
         <p:txBody>
-          <a:bodyPr/>
-          <a:lstStyle/>
-          <a:p>
-            <a:r>
-              <a:rPr lang="en-US" altLang="zh-CN" dirty="0" smtClean="0"/>
-              <a:t>1.Spark</a:t>
-            </a:r>
-            <a:endParaRPr lang="zh-CN" altLang="en-US" dirty="0"/>
-          </a:p>
-        </p:txBody>
-      </p:sp>
-      <p:sp>
-        <p:nvSpPr>
-          <p:cNvPr id="3" name="内容占位符 2"/>
-          <p:cNvSpPr>
-            <a:spLocks noGrp="1"/>
-          </p:cNvSpPr>
-          <p:nvPr>
-            <p:ph idx="1"/>
-          </p:nvPr>
-        </p:nvSpPr>
-        <p:spPr/>
-        <p:txBody>
           <a:bodyPr>
-            <a:normAutofit fontScale="85000" lnSpcReduction="20000"/>
+            <a:normAutofit/>
           </a:bodyPr>
           <a:lstStyle/>
           <a:p>
-            <a:r>
-              <a:rPr lang="zh-CN" altLang="en-US" dirty="0" smtClean="0"/>
-              <a:t>优点：</a:t>
-            </a:r>
-            <a:endParaRPr lang="en-US" altLang="zh-CN" dirty="0" smtClean="0"/>
-          </a:p>
-          <a:p>
-            <a:pPr marL="971550" lvl="1" indent="-514350">
-              <a:buFont typeface="+mj-ea"/>
-              <a:buAutoNum type="circleNumDbPlain"/>
-            </a:pPr>
-            <a:r>
-              <a:rPr lang="zh-CN" altLang="en-US" b="1" dirty="0" smtClean="0"/>
-              <a:t>快</a:t>
-            </a:r>
-            <a:r>
-              <a:rPr lang="zh-CN" altLang="en-US" dirty="0" smtClean="0"/>
-              <a:t>：基于内存，比</a:t>
-            </a:r>
-            <a:r>
-              <a:rPr lang="en-US" altLang="zh-CN" dirty="0" smtClean="0"/>
-              <a:t>Hadoop</a:t>
-            </a:r>
-            <a:r>
-              <a:rPr lang="zh-CN" altLang="en-US" dirty="0" smtClean="0"/>
-              <a:t>快</a:t>
-            </a:r>
-            <a:r>
-              <a:rPr lang="en-US" altLang="zh-CN" dirty="0" smtClean="0"/>
-              <a:t>100</a:t>
-            </a:r>
-            <a:r>
-              <a:rPr lang="zh-CN" altLang="en-US" dirty="0" smtClean="0"/>
-              <a:t>倍，基于磁盘，比</a:t>
-            </a:r>
-            <a:r>
-              <a:rPr lang="en-US" altLang="zh-CN" dirty="0" smtClean="0"/>
-              <a:t>Hadoop</a:t>
-            </a:r>
-            <a:r>
-              <a:rPr lang="zh-CN" altLang="en-US" dirty="0" smtClean="0"/>
-              <a:t>快</a:t>
-            </a:r>
-            <a:r>
-              <a:rPr lang="en-US" altLang="zh-CN" dirty="0" smtClean="0"/>
-              <a:t>10</a:t>
-            </a:r>
-            <a:r>
-              <a:rPr lang="zh-CN" altLang="en-US" dirty="0" smtClean="0"/>
-              <a:t>倍</a:t>
-            </a:r>
-            <a:endParaRPr lang="en-US" altLang="zh-CN" dirty="0"/>
-          </a:p>
-          <a:p>
-            <a:pPr marL="971550" lvl="1" indent="-514350">
-              <a:buFont typeface="+mj-ea"/>
-              <a:buAutoNum type="circleNumDbPlain"/>
-            </a:pPr>
-            <a:r>
-              <a:rPr lang="zh-CN" altLang="en-US" b="1" dirty="0"/>
-              <a:t>易</a:t>
-            </a:r>
-            <a:r>
-              <a:rPr lang="zh-CN" altLang="en-US" b="1" dirty="0" smtClean="0"/>
-              <a:t>用</a:t>
-            </a:r>
-            <a:r>
-              <a:rPr lang="zh-CN" altLang="en-US" dirty="0" smtClean="0"/>
-              <a:t>：支持</a:t>
-            </a:r>
-            <a:r>
-              <a:rPr lang="en-US" altLang="zh-CN" dirty="0" smtClean="0"/>
-              <a:t>Java</a:t>
-            </a:r>
-            <a:r>
-              <a:rPr lang="zh-CN" altLang="en-US" dirty="0" smtClean="0"/>
-              <a:t>、</a:t>
-            </a:r>
-            <a:r>
-              <a:rPr lang="en-US" altLang="zh-CN" dirty="0" smtClean="0">
-                <a:solidFill>
-                  <a:srgbClr val="FF0000"/>
-                </a:solidFill>
-              </a:rPr>
-              <a:t>Scala</a:t>
-            </a:r>
-            <a:r>
-              <a:rPr lang="zh-CN" altLang="en-US" dirty="0" smtClean="0"/>
-              <a:t>或</a:t>
-            </a:r>
-            <a:r>
-              <a:rPr lang="en-US" altLang="zh-CN" dirty="0" smtClean="0"/>
-              <a:t>Python</a:t>
-            </a:r>
-            <a:r>
-              <a:rPr lang="zh-CN" altLang="en-US" dirty="0" smtClean="0"/>
-              <a:t>三种语言。提供多达</a:t>
-            </a:r>
-            <a:r>
-              <a:rPr lang="en-US" altLang="zh-CN" dirty="0" smtClean="0"/>
-              <a:t>80</a:t>
-            </a:r>
-            <a:r>
-              <a:rPr lang="zh-CN" altLang="en-US" dirty="0" smtClean="0"/>
-              <a:t>种高级操作函数</a:t>
-            </a:r>
-            <a:endParaRPr lang="en-US" altLang="zh-CN" dirty="0"/>
-          </a:p>
-          <a:p>
-            <a:pPr marL="971550" lvl="1" indent="-514350">
-              <a:buFont typeface="+mj-ea"/>
-              <a:buAutoNum type="circleNumDbPlain"/>
-            </a:pPr>
-            <a:r>
-              <a:rPr lang="zh-CN" altLang="en-US" b="1" dirty="0" smtClean="0"/>
-              <a:t>通用</a:t>
-            </a:r>
-            <a:r>
-              <a:rPr lang="zh-CN" altLang="en-US" dirty="0" smtClean="0"/>
-              <a:t>：整合</a:t>
-            </a:r>
-            <a:r>
-              <a:rPr lang="en-US" altLang="zh-CN" dirty="0" smtClean="0"/>
-              <a:t>SQL</a:t>
-            </a:r>
-            <a:r>
-              <a:rPr lang="zh-CN" altLang="en-US" dirty="0" smtClean="0"/>
-              <a:t>（</a:t>
-            </a:r>
-            <a:r>
-              <a:rPr lang="en-US" altLang="zh-CN" dirty="0" smtClean="0"/>
-              <a:t>Shark </a:t>
-            </a:r>
-            <a:r>
-              <a:rPr lang="zh-CN" altLang="en-US" dirty="0" smtClean="0"/>
-              <a:t>）、流处理（</a:t>
-            </a:r>
-            <a:r>
-              <a:rPr lang="en-US" altLang="zh-CN" dirty="0" smtClean="0"/>
-              <a:t>Spark </a:t>
-            </a:r>
-            <a:r>
-              <a:rPr lang="en-US" altLang="zh-CN" dirty="0"/>
-              <a:t>Streaming </a:t>
-            </a:r>
-            <a:r>
-              <a:rPr lang="zh-CN" altLang="en-US" dirty="0" smtClean="0"/>
-              <a:t>）、复杂分析（</a:t>
-            </a:r>
-            <a:r>
-              <a:rPr lang="en-US" altLang="zh-CN" dirty="0" err="1"/>
-              <a:t>Mllib</a:t>
-            </a:r>
-            <a:r>
-              <a:rPr lang="zh-CN" altLang="en-US" dirty="0" smtClean="0"/>
-              <a:t>）等</a:t>
-            </a:r>
-            <a:endParaRPr lang="en-US" altLang="zh-CN" dirty="0" smtClean="0"/>
-          </a:p>
-          <a:p>
-            <a:pPr marL="971550" lvl="1" indent="-514350">
-              <a:buFont typeface="+mj-ea"/>
-              <a:buAutoNum type="circleNumDbPlain"/>
-            </a:pPr>
-            <a:r>
-              <a:rPr lang="zh-CN" altLang="en-US" b="1" dirty="0" smtClean="0"/>
-              <a:t>与</a:t>
-            </a:r>
-            <a:r>
-              <a:rPr lang="en-US" altLang="zh-CN" b="1" dirty="0" smtClean="0"/>
-              <a:t>Hadoop</a:t>
-            </a:r>
-            <a:r>
-              <a:rPr lang="zh-CN" altLang="en-US" b="1" dirty="0"/>
-              <a:t>集成</a:t>
-            </a:r>
-            <a:r>
-              <a:rPr lang="zh-CN" altLang="en-US" dirty="0" smtClean="0"/>
-              <a:t>：可运行于已有的</a:t>
-            </a:r>
-            <a:r>
-              <a:rPr lang="en-US" altLang="zh-CN" dirty="0" smtClean="0"/>
-              <a:t>Hadoop</a:t>
-            </a:r>
-            <a:r>
-              <a:rPr lang="zh-CN" altLang="en-US" dirty="0" smtClean="0"/>
-              <a:t>集群，可共用现有的</a:t>
-            </a:r>
-            <a:r>
-              <a:rPr lang="en-US" altLang="zh-CN" dirty="0" smtClean="0"/>
-              <a:t>YARN</a:t>
-            </a:r>
-            <a:r>
-              <a:rPr lang="zh-CN" altLang="en-US" dirty="0" smtClean="0"/>
-              <a:t>、</a:t>
-            </a:r>
-            <a:r>
-              <a:rPr lang="en-US" altLang="zh-CN" dirty="0" err="1" smtClean="0"/>
-              <a:t>Mesos</a:t>
-            </a:r>
-            <a:r>
-              <a:rPr lang="zh-CN" altLang="en-US" dirty="0"/>
-              <a:t>等资源统一</a:t>
-            </a:r>
-            <a:r>
-              <a:rPr lang="zh-CN" altLang="en-US" dirty="0" smtClean="0"/>
-              <a:t>管理系统，能读取任何</a:t>
-            </a:r>
-            <a:r>
-              <a:rPr lang="en-US" altLang="zh-CN" dirty="0" smtClean="0"/>
-              <a:t>Hadoop</a:t>
-            </a:r>
-            <a:r>
-              <a:rPr lang="zh-CN" altLang="en-US" dirty="0" smtClean="0"/>
-              <a:t>数据源</a:t>
-            </a:r>
-            <a:endParaRPr lang="en-US" altLang="zh-CN" dirty="0" smtClean="0"/>
-          </a:p>
-          <a:p>
-            <a:r>
-              <a:rPr lang="zh-CN" altLang="en-US" dirty="0" smtClean="0"/>
-              <a:t>不足：</a:t>
-            </a:r>
-            <a:endParaRPr lang="en-US" altLang="zh-CN" dirty="0" smtClean="0"/>
-          </a:p>
-          <a:p>
-            <a:pPr marL="457200" lvl="1" indent="0">
-              <a:buNone/>
-            </a:pPr>
-            <a:r>
-              <a:rPr lang="en-US" altLang="zh-CN" dirty="0" smtClean="0"/>
-              <a:t>RDD</a:t>
-            </a:r>
-            <a:r>
-              <a:rPr lang="zh-CN" altLang="en-US" dirty="0" smtClean="0"/>
-              <a:t>是</a:t>
-            </a:r>
-            <a:r>
-              <a:rPr lang="zh-CN" altLang="en-US" b="1" dirty="0" smtClean="0"/>
-              <a:t>粗粒度</a:t>
-            </a:r>
-            <a:r>
-              <a:rPr lang="zh-CN" altLang="en-US" dirty="0" smtClean="0"/>
-              <a:t>的，</a:t>
-            </a:r>
-            <a:r>
-              <a:rPr lang="zh-CN" altLang="en-US" dirty="0" smtClean="0"/>
-              <a:t>不能</a:t>
-            </a:r>
-            <a:r>
-              <a:rPr lang="zh-CN" altLang="en-US" dirty="0"/>
-              <a:t>很好地支持细粒度、异步的数据处理</a:t>
-            </a:r>
-            <a:r>
-              <a:rPr lang="zh-CN" altLang="en-US" dirty="0" smtClean="0"/>
-              <a:t>，比如</a:t>
-            </a:r>
-            <a:r>
-              <a:rPr lang="en-US" altLang="zh-CN" dirty="0" smtClean="0"/>
-              <a:t>web</a:t>
-            </a:r>
-            <a:r>
-              <a:rPr lang="zh-CN" altLang="en-US" dirty="0" smtClean="0"/>
-              <a:t>应用或增量</a:t>
-            </a:r>
-            <a:r>
-              <a:rPr lang="en-US" altLang="zh-CN" dirty="0" smtClean="0"/>
-              <a:t>web</a:t>
-            </a:r>
-            <a:r>
-              <a:rPr lang="zh-CN" altLang="en-US" dirty="0" smtClean="0"/>
-              <a:t>爬虫等存储系统。</a:t>
-            </a:r>
-            <a:endParaRPr lang="zh-CN" altLang="en-US" dirty="0"/>
-          </a:p>
-        </p:txBody>
-      </p:sp>
-    </p:spTree>
-    <p:extLst>
-      <p:ext uri="{BB962C8B-B14F-4D97-AF65-F5344CB8AC3E}">
-        <p14:creationId xmlns:p14="http://schemas.microsoft.com/office/powerpoint/2010/main" val="1571052858"/>
-      </p:ext>
-    </p:extLst>
-  </p:cSld>
-  <p:clrMapOvr>
-    <a:masterClrMapping/>
-  </p:clrMapOvr>
-  <p:timing>
-    <p:tnLst>
-      <p:par>
-        <p:cTn id="1" dur="indefinite" restart="never" nodeType="tmRoot"/>
-      </p:par>
-    </p:tnLst>
-  </p:timing>
-</p:sld>
-</file>
-
-<file path=ppt/slides/slide11.xml><?xml version="1.0" encoding="utf-8"?>
-<p:sld xmlns:a="http://schemas.openxmlformats.org/drawingml/2006/main" xmlns:r="http://schemas.openxmlformats.org/officeDocument/2006/relationships" xmlns:p="http://schemas.openxmlformats.org/presentationml/2006/main">
-  <p:cSld>
-    <p:spTree>
-      <p:nvGrpSpPr>
-        <p:cNvPr id="1" name=""/>
-        <p:cNvGrpSpPr/>
-        <p:nvPr/>
-      </p:nvGrpSpPr>
-      <p:grpSpPr>
-        <a:xfrm>
-          <a:off x="0" y="0"/>
-          <a:ext cx="0" cy="0"/>
-          <a:chOff x="0" y="0"/>
-          <a:chExt cx="0" cy="0"/>
-        </a:xfrm>
-      </p:grpSpPr>
-      <p:sp>
-        <p:nvSpPr>
-          <p:cNvPr id="2" name="标题 1"/>
-          <p:cNvSpPr>
-            <a:spLocks noGrp="1"/>
-          </p:cNvSpPr>
-          <p:nvPr>
-            <p:ph type="title"/>
-          </p:nvPr>
-        </p:nvSpPr>
-        <p:spPr/>
-        <p:txBody>
-          <a:bodyPr/>
-          <a:lstStyle/>
-          <a:p>
-            <a:r>
-              <a:rPr lang="en-US" altLang="zh-CN" dirty="0" smtClean="0"/>
+            <a:pPr algn="l"/>
+            <a:r>
+              <a:rPr lang="zh-CN" altLang="en-US" sz="3600" dirty="0"/>
+              <a:t>二、</a:t>
+            </a:r>
+            <a:r>
+              <a:rPr lang="en-US" altLang="zh-CN" sz="3600" dirty="0"/>
               <a:t>Spark</a:t>
             </a:r>
-            <a:r>
-              <a:rPr lang="zh-CN" altLang="en-US" dirty="0" smtClean="0"/>
-              <a:t>系统</a:t>
-            </a:r>
-            <a:endParaRPr lang="zh-CN" altLang="en-US" dirty="0"/>
+            <a:endParaRPr lang="zh-CN" altLang="en-US" sz="3600" dirty="0"/>
           </a:p>
         </p:txBody>
       </p:sp>
@@ -5875,7 +5582,7 @@
 </p:sld>
 </file>
 
-<file path=ppt/slides/slide12.xml><?xml version="1.0" encoding="utf-8"?>
+<file path=ppt/slides/slide11.xml><?xml version="1.0" encoding="utf-8"?>
 <p:sld xmlns:a="http://schemas.openxmlformats.org/drawingml/2006/main" xmlns:r="http://schemas.openxmlformats.org/officeDocument/2006/relationships" xmlns:p="http://schemas.openxmlformats.org/presentationml/2006/main">
   <p:cSld>
     <p:spTree>
@@ -5907,9 +5614,18 @@
           <a:bodyPr/>
           <a:lstStyle/>
           <a:p>
+            <a:pPr algn="l"/>
+            <a:r>
+              <a:rPr lang="zh-CN" altLang="en-US" sz="3600" dirty="0"/>
+              <a:t>二、</a:t>
+            </a:r>
+            <a:r>
+              <a:rPr lang="en-US" altLang="zh-CN" sz="3600" dirty="0" smtClean="0"/>
+              <a:t>Spark		</a:t>
+            </a:r>
             <a:r>
               <a:rPr lang="en-US" altLang="zh-CN" dirty="0" smtClean="0"/>
-              <a:t>2.RDD</a:t>
+              <a:t>1. RDD</a:t>
             </a:r>
             <a:endParaRPr lang="zh-CN" altLang="en-US" dirty="0"/>
           </a:p>
@@ -6147,7 +5863,7 @@
 </p:sld>
 </file>
 
-<file path=ppt/slides/slide13.xml><?xml version="1.0" encoding="utf-8"?>
+<file path=ppt/slides/slide12.xml><?xml version="1.0" encoding="utf-8"?>
 <p:sld xmlns:a="http://schemas.openxmlformats.org/drawingml/2006/main" xmlns:r="http://schemas.openxmlformats.org/officeDocument/2006/relationships" xmlns:p="http://schemas.openxmlformats.org/presentationml/2006/main">
   <p:cSld>
     <p:spTree>
@@ -6179,9 +5895,18 @@
           <a:bodyPr/>
           <a:lstStyle/>
           <a:p>
-            <a:r>
-              <a:rPr lang="en-US" altLang="zh-CN" dirty="0" smtClean="0"/>
-              <a:t>RDD</a:t>
+            <a:pPr algn="l"/>
+            <a:r>
+              <a:rPr lang="zh-CN" altLang="en-US" sz="3600" dirty="0"/>
+              <a:t>二、</a:t>
+            </a:r>
+            <a:r>
+              <a:rPr lang="en-US" altLang="zh-CN" sz="3600" dirty="0"/>
+              <a:t>Spark</a:t>
+            </a:r>
+            <a:r>
+              <a:rPr lang="en-US" altLang="zh-CN" dirty="0"/>
+              <a:t>		1. RDD</a:t>
             </a:r>
             <a:endParaRPr lang="zh-CN" altLang="en-US" dirty="0"/>
           </a:p>
@@ -6973,7 +6698,7 @@
 </p:sld>
 </file>
 
-<file path=ppt/slides/slide14.xml><?xml version="1.0" encoding="utf-8"?>
+<file path=ppt/slides/slide13.xml><?xml version="1.0" encoding="utf-8"?>
 <p:sld xmlns:a="http://schemas.openxmlformats.org/drawingml/2006/main" xmlns:r="http://schemas.openxmlformats.org/officeDocument/2006/relationships" xmlns:p="http://schemas.openxmlformats.org/presentationml/2006/main">
   <p:cSld>
     <p:spTree>
@@ -7006,9 +6731,10 @@
           <a:lstStyle/>
           <a:p>
             <a:r>
-              <a:rPr lang="zh-CN" altLang="en-US" dirty="0"/>
+              <a:rPr lang="zh-CN" altLang="en-US" dirty="0" smtClean="0"/>
               <a:t>举例</a:t>
             </a:r>
+            <a:endParaRPr lang="zh-CN" altLang="en-US" dirty="0"/>
           </a:p>
         </p:txBody>
       </p:sp>
@@ -8048,7 +7774,7 @@
 </p:sld>
 </file>
 
-<file path=ppt/slides/slide15.xml><?xml version="1.0" encoding="utf-8"?>
+<file path=ppt/slides/slide14.xml><?xml version="1.0" encoding="utf-8"?>
 <p:sld xmlns:a="http://schemas.openxmlformats.org/drawingml/2006/main" xmlns:r="http://schemas.openxmlformats.org/officeDocument/2006/relationships" xmlns:p="http://schemas.openxmlformats.org/presentationml/2006/main">
   <p:cSld>
     <p:spTree>
@@ -8081,7 +7807,7 @@
           <a:lstStyle/>
           <a:p>
             <a:r>
-              <a:rPr lang="en-US" altLang="zh-CN" dirty="0"/>
+              <a:rPr lang="en-US" altLang="zh-CN" dirty="0" smtClean="0"/>
               <a:t>Spark</a:t>
             </a:r>
             <a:r>
@@ -11113,7 +10839,7 @@
 </p:sld>
 </file>
 
-<file path=ppt/slides/slide16.xml><?xml version="1.0" encoding="utf-8"?>
+<file path=ppt/slides/slide15.xml><?xml version="1.0" encoding="utf-8"?>
 <p:sld xmlns:a="http://schemas.openxmlformats.org/drawingml/2006/main" xmlns:r="http://schemas.openxmlformats.org/officeDocument/2006/relationships" xmlns:p="http://schemas.openxmlformats.org/presentationml/2006/main">
   <p:cSld>
     <p:spTree>
@@ -11145,9 +10871,22 @@
           <a:bodyPr/>
           <a:lstStyle/>
           <a:p>
+            <a:pPr algn="l"/>
+            <a:r>
+              <a:rPr lang="zh-CN" altLang="en-US" sz="3600" dirty="0"/>
+              <a:t>二、</a:t>
+            </a:r>
+            <a:r>
+              <a:rPr lang="en-US" altLang="zh-CN" sz="3600" dirty="0"/>
+              <a:t>Spark </a:t>
+            </a:r>
             <a:r>
               <a:rPr lang="en-US" altLang="zh-CN" dirty="0"/>
-              <a:t>RDD </a:t>
+              <a:t>		</a:t>
+            </a:r>
+            <a:r>
+              <a:rPr lang="en-US" altLang="zh-CN" dirty="0" smtClean="0"/>
+              <a:t>2. RDD </a:t>
             </a:r>
             <a:r>
               <a:rPr lang="zh-CN" altLang="en-US" dirty="0" smtClean="0"/>
@@ -14441,7 +14180,7 @@
 </p:sld>
 </file>
 
-<file path=ppt/slides/slide17.xml><?xml version="1.0" encoding="utf-8"?>
+<file path=ppt/slides/slide16.xml><?xml version="1.0" encoding="utf-8"?>
 <p:sld xmlns:a="http://schemas.openxmlformats.org/drawingml/2006/main" xmlns:r="http://schemas.openxmlformats.org/officeDocument/2006/relationships" xmlns:p="http://schemas.openxmlformats.org/presentationml/2006/main">
   <p:cSld>
     <p:spTree>
@@ -14473,9 +14212,22 @@
           <a:bodyPr/>
           <a:lstStyle/>
           <a:p>
+            <a:pPr algn="l"/>
+            <a:r>
+              <a:rPr lang="zh-CN" altLang="en-US" sz="3600" dirty="0"/>
+              <a:t>二、</a:t>
+            </a:r>
+            <a:r>
+              <a:rPr lang="en-US" altLang="zh-CN" sz="3600" dirty="0"/>
+              <a:t>Spark </a:t>
+            </a:r>
+            <a:r>
+              <a:rPr lang="en-US" altLang="zh-CN" dirty="0"/>
+              <a:t>		</a:t>
+            </a:r>
             <a:r>
               <a:rPr lang="en-US" altLang="zh-CN" dirty="0" smtClean="0"/>
-              <a:t>RDD </a:t>
+              <a:t>3. RDD </a:t>
             </a:r>
             <a:r>
               <a:rPr lang="zh-CN" altLang="en-US" dirty="0" smtClean="0"/>
@@ -24649,7 +24401,7 @@
 </p:sld>
 </file>
 
-<file path=ppt/slides/slide18.xml><?xml version="1.0" encoding="utf-8"?>
+<file path=ppt/slides/slide17.xml><?xml version="1.0" encoding="utf-8"?>
 <p:sld xmlns:a="http://schemas.openxmlformats.org/drawingml/2006/main" xmlns:r="http://schemas.openxmlformats.org/officeDocument/2006/relationships" xmlns:p="http://schemas.openxmlformats.org/presentationml/2006/main">
   <p:cSld>
     <p:spTree>
@@ -24686,9 +24438,22 @@
           <a:bodyPr/>
           <a:lstStyle/>
           <a:p>
+            <a:pPr algn="l"/>
+            <a:r>
+              <a:rPr lang="zh-CN" altLang="en-US" dirty="0"/>
+              <a:t>二、</a:t>
+            </a:r>
+            <a:r>
+              <a:rPr lang="en-US" altLang="zh-CN" dirty="0"/>
+              <a:t>Spark </a:t>
+            </a:r>
             <a:r>
               <a:rPr lang="en-US" altLang="zh-CN" sz="5400" dirty="0"/>
-              <a:t>DAG </a:t>
+              <a:t>		</a:t>
+            </a:r>
+            <a:r>
+              <a:rPr lang="en-US" altLang="zh-CN" sz="5400" dirty="0" smtClean="0"/>
+              <a:t>4.DAG </a:t>
             </a:r>
             <a:r>
               <a:rPr lang="zh-CN" altLang="en-US" sz="5400" dirty="0"/>
@@ -29859,7 +29624,7 @@
 </p:sld>
 </file>
 
-<file path=ppt/slides/slide19.xml><?xml version="1.0" encoding="utf-8"?>
+<file path=ppt/slides/slide18.xml><?xml version="1.0" encoding="utf-8"?>
 <p:sld xmlns:a="http://schemas.openxmlformats.org/drawingml/2006/main" xmlns:r="http://schemas.openxmlformats.org/officeDocument/2006/relationships" xmlns:p="http://schemas.openxmlformats.org/presentationml/2006/main">
   <p:cSld>
     <p:spTree>
@@ -29893,9 +29658,28 @@
           </a:xfrm>
         </p:spPr>
         <p:txBody>
-          <a:bodyPr/>
+          <a:bodyPr>
+            <a:normAutofit fontScale="90000"/>
+          </a:bodyPr>
           <a:lstStyle/>
           <a:p>
+            <a:pPr algn="l"/>
+            <a:r>
+              <a:rPr lang="zh-CN" altLang="en-US" sz="4900" dirty="0"/>
+              <a:t>二、</a:t>
+            </a:r>
+            <a:r>
+              <a:rPr lang="en-US" altLang="zh-CN" sz="4900" dirty="0"/>
+              <a:t>Spark </a:t>
+            </a:r>
+            <a:r>
+              <a:rPr lang="en-US" altLang="zh-CN" sz="6000" dirty="0"/>
+              <a:t>		</a:t>
+            </a:r>
+            <a:r>
+              <a:rPr lang="en-US" altLang="zh-CN" sz="6000" dirty="0" smtClean="0"/>
+              <a:t>5. </a:t>
+            </a:r>
             <a:r>
               <a:rPr lang="en-US" altLang="zh-CN" sz="5500" dirty="0" smtClean="0"/>
               <a:t>Job</a:t>
@@ -33545,6 +33329,242 @@
 </p:sld>
 </file>
 
+<file path=ppt/slides/slide19.xml><?xml version="1.0" encoding="utf-8"?>
+<p:sld xmlns:a="http://schemas.openxmlformats.org/drawingml/2006/main" xmlns:r="http://schemas.openxmlformats.org/officeDocument/2006/relationships" xmlns:p="http://schemas.openxmlformats.org/presentationml/2006/main">
+  <p:cSld>
+    <p:spTree>
+      <p:nvGrpSpPr>
+        <p:cNvPr id="1" name=""/>
+        <p:cNvGrpSpPr/>
+        <p:nvPr/>
+      </p:nvGrpSpPr>
+      <p:grpSpPr>
+        <a:xfrm>
+          <a:off x="0" y="0"/>
+          <a:ext cx="0" cy="0"/>
+          <a:chOff x="0" y="0"/>
+          <a:chExt cx="0" cy="0"/>
+        </a:xfrm>
+      </p:grpSpPr>
+      <p:sp>
+        <p:nvSpPr>
+          <p:cNvPr id="2" name="标题 1"/>
+          <p:cNvSpPr>
+            <a:spLocks noGrp="1"/>
+          </p:cNvSpPr>
+          <p:nvPr>
+            <p:ph type="title"/>
+          </p:nvPr>
+        </p:nvSpPr>
+        <p:spPr/>
+        <p:txBody>
+          <a:bodyPr/>
+          <a:lstStyle/>
+          <a:p>
+            <a:pPr algn="l"/>
+            <a:r>
+              <a:rPr lang="zh-CN" altLang="en-US" sz="3600" dirty="0"/>
+              <a:t>二、</a:t>
+            </a:r>
+            <a:r>
+              <a:rPr lang="en-US" altLang="zh-CN" sz="3600" dirty="0"/>
+              <a:t>Spark </a:t>
+            </a:r>
+            <a:r>
+              <a:rPr lang="en-US" altLang="zh-CN" dirty="0"/>
+              <a:t>		</a:t>
+            </a:r>
+            <a:r>
+              <a:rPr lang="en-US" altLang="zh-CN" dirty="0" smtClean="0"/>
+              <a:t>6. RDD</a:t>
+            </a:r>
+            <a:r>
+              <a:rPr lang="zh-CN" altLang="en-US" dirty="0" smtClean="0"/>
+              <a:t>容错</a:t>
+            </a:r>
+            <a:endParaRPr lang="zh-CN" altLang="en-US" dirty="0"/>
+          </a:p>
+        </p:txBody>
+      </p:sp>
+      <p:sp>
+        <p:nvSpPr>
+          <p:cNvPr id="3" name="内容占位符 2"/>
+          <p:cNvSpPr>
+            <a:spLocks noGrp="1"/>
+          </p:cNvSpPr>
+          <p:nvPr>
+            <p:ph idx="1"/>
+          </p:nvPr>
+        </p:nvSpPr>
+        <p:spPr/>
+        <p:txBody>
+          <a:bodyPr>
+            <a:normAutofit fontScale="92500" lnSpcReduction="10000"/>
+          </a:bodyPr>
+          <a:lstStyle/>
+          <a:p>
+            <a:r>
+              <a:rPr lang="en-US" altLang="zh-CN" dirty="0" smtClean="0"/>
+              <a:t>RDDs</a:t>
+            </a:r>
+            <a:r>
+              <a:rPr lang="zh-CN" altLang="en-US" dirty="0" smtClean="0"/>
+              <a:t>维持</a:t>
+            </a:r>
+            <a:r>
+              <a:rPr lang="en-US" altLang="zh-CN" dirty="0" smtClean="0"/>
+              <a:t>lineage</a:t>
+            </a:r>
+            <a:r>
+              <a:rPr lang="zh-CN" altLang="en-US" dirty="0" smtClean="0"/>
+              <a:t>信息，用于重构丢失的分区。任何任务、节点的失败都可以通过</a:t>
+            </a:r>
+            <a:r>
+              <a:rPr lang="en-US" altLang="zh-CN" dirty="0" smtClean="0"/>
+              <a:t>lineage graph</a:t>
+            </a:r>
+            <a:r>
+              <a:rPr lang="zh-CN" altLang="en-US" dirty="0" smtClean="0"/>
+              <a:t>追溯到具体的丢失分区，然后在其他节点并行地计算这些分区。</a:t>
+            </a:r>
+            <a:endParaRPr lang="en-US" altLang="zh-CN" dirty="0" smtClean="0"/>
+          </a:p>
+          <a:p>
+            <a:r>
+              <a:rPr lang="zh-CN" altLang="en-US" dirty="0" smtClean="0"/>
+              <a:t>同时</a:t>
+            </a:r>
+            <a:r>
+              <a:rPr lang="en-US" altLang="zh-CN" dirty="0" smtClean="0"/>
+              <a:t>Spark</a:t>
+            </a:r>
+            <a:r>
+              <a:rPr lang="zh-CN" altLang="en-US" dirty="0" smtClean="0"/>
+              <a:t>的</a:t>
+            </a:r>
+            <a:r>
+              <a:rPr lang="en-US" altLang="zh-CN" dirty="0" smtClean="0"/>
+              <a:t>API</a:t>
+            </a:r>
+            <a:r>
+              <a:rPr lang="zh-CN" altLang="en-US" dirty="0" smtClean="0"/>
+              <a:t>也提供</a:t>
+            </a:r>
+            <a:r>
+              <a:rPr lang="en-US" altLang="zh-CN" dirty="0" smtClean="0"/>
+              <a:t>checkpoint</a:t>
+            </a:r>
+            <a:r>
+              <a:rPr lang="zh-CN" altLang="en-US" dirty="0" smtClean="0"/>
+              <a:t>功能，需用户主动设置。当</a:t>
+            </a:r>
+            <a:r>
+              <a:rPr lang="en-US" altLang="zh-CN" dirty="0" smtClean="0"/>
+              <a:t>lineage chain</a:t>
+            </a:r>
+            <a:r>
+              <a:rPr lang="zh-CN" altLang="en-US" dirty="0" smtClean="0"/>
+              <a:t>变得很大很长的时候，在某些</a:t>
+            </a:r>
+            <a:r>
+              <a:rPr lang="en-US" altLang="zh-CN" dirty="0" smtClean="0"/>
+              <a:t>RDD</a:t>
+            </a:r>
+            <a:r>
+              <a:rPr lang="zh-CN" altLang="en-US" dirty="0" smtClean="0"/>
+              <a:t>上设置</a:t>
+            </a:r>
+            <a:r>
+              <a:rPr lang="en-US" altLang="zh-CN" dirty="0" smtClean="0"/>
+              <a:t>checkpoint</a:t>
+            </a:r>
+            <a:r>
+              <a:rPr lang="zh-CN" altLang="en-US" dirty="0" smtClean="0"/>
+              <a:t>是值得的。</a:t>
+            </a:r>
+            <a:endParaRPr lang="en-US" altLang="zh-CN" dirty="0" smtClean="0"/>
+          </a:p>
+          <a:p>
+            <a:r>
+              <a:rPr lang="zh-CN" altLang="en-US" dirty="0" smtClean="0"/>
+              <a:t>缓解慢节点</a:t>
+            </a:r>
+            <a:r>
+              <a:rPr lang="en-US" altLang="zh-CN" dirty="0" smtClean="0"/>
+              <a:t>(</a:t>
+            </a:r>
+            <a:r>
+              <a:rPr lang="en-US" altLang="zh-CN" dirty="0"/>
+              <a:t>straggler</a:t>
+            </a:r>
+            <a:r>
+              <a:rPr lang="en-US" altLang="zh-CN" dirty="0" smtClean="0"/>
+              <a:t>)</a:t>
+            </a:r>
+            <a:r>
+              <a:rPr lang="zh-CN" altLang="en-US" dirty="0" smtClean="0"/>
+              <a:t>：</a:t>
+            </a:r>
+            <a:r>
+              <a:rPr lang="en-US" altLang="zh-CN" dirty="0" smtClean="0"/>
+              <a:t>RDD</a:t>
+            </a:r>
+            <a:r>
+              <a:rPr lang="zh-CN" altLang="en-US" dirty="0" smtClean="0"/>
+              <a:t>是</a:t>
+            </a:r>
+            <a:r>
+              <a:rPr lang="zh-CN" altLang="en-US" b="1" dirty="0" smtClean="0"/>
+              <a:t>不可变</a:t>
+            </a:r>
+            <a:r>
+              <a:rPr lang="zh-CN" altLang="en-US" dirty="0" smtClean="0"/>
+              <a:t>的性质（不会引起</a:t>
+            </a:r>
+            <a:r>
+              <a:rPr lang="zh-CN" altLang="en-US" b="1" dirty="0" smtClean="0">
+                <a:solidFill>
+                  <a:srgbClr val="FF0000"/>
+                </a:solidFill>
+              </a:rPr>
+              <a:t>数据一致性问题</a:t>
+            </a:r>
+            <a:r>
+              <a:rPr lang="zh-CN" altLang="en-US" dirty="0" smtClean="0"/>
+              <a:t>），系统在其他节点重新运行慢任务的备份，和</a:t>
+            </a:r>
+            <a:r>
+              <a:rPr lang="en-US" altLang="zh-CN" dirty="0" err="1" smtClean="0"/>
+              <a:t>MapReduce</a:t>
+            </a:r>
+            <a:r>
+              <a:rPr lang="zh-CN" altLang="en-US" dirty="0" smtClean="0"/>
+              <a:t>类似。</a:t>
+            </a:r>
+            <a:endParaRPr lang="zh-CN" altLang="en-US" dirty="0"/>
+          </a:p>
+        </p:txBody>
+      </p:sp>
+    </p:spTree>
+    <p:extLst>
+      <p:ext uri="{BB962C8B-B14F-4D97-AF65-F5344CB8AC3E}">
+        <p14:creationId xmlns:p14="http://schemas.microsoft.com/office/powerpoint/2010/main" val="2619786363"/>
+      </p:ext>
+    </p:extLst>
+  </p:cSld>
+  <p:clrMapOvr>
+    <a:masterClrMapping/>
+  </p:clrMapOvr>
+  <p:timing>
+    <p:tnLst>
+      <p:par>
+        <p:cTn id="1" dur="indefinite" restart="never" nodeType="tmRoot"/>
+      </p:par>
+    </p:tnLst>
+  </p:timing>
+</p:sld>
+</file>
+
 <file path=ppt/slides/slide2.xml><?xml version="1.0" encoding="utf-8"?>
 <p:sld xmlns:a="http://schemas.openxmlformats.org/drawingml/2006/main" xmlns:r="http://schemas.openxmlformats.org/officeDocument/2006/relationships" xmlns:p="http://schemas.openxmlformats.org/presentationml/2006/main">
   <p:cSld>
@@ -33569,77 +33589,431 @@
             <a:spLocks noGrp="1"/>
           </p:cNvSpPr>
           <p:nvPr>
-            <p:ph type="ctrTitle"/>
+            <p:ph type="title"/>
           </p:nvPr>
         </p:nvSpPr>
-        <p:spPr>
-          <a:xfrm>
-            <a:off x="251520" y="1340768"/>
-            <a:ext cx="8892480" cy="2259683"/>
-          </a:xfrm>
-        </p:spPr>
+        <p:spPr/>
         <p:txBody>
-          <a:bodyPr>
-            <a:normAutofit/>
-          </a:bodyPr>
+          <a:bodyPr/>
           <a:lstStyle/>
           <a:p>
-            <a:pPr algn="just"/>
-            <a:r>
-              <a:rPr lang="en-US" altLang="zh-CN" sz="4000" b="1" dirty="0"/>
-              <a:t>Shark: SQL and Rich </a:t>
-            </a:r>
-            <a:r>
-              <a:rPr lang="en-US" altLang="zh-CN" sz="4000" b="1" dirty="0" smtClean="0"/>
-              <a:t>Analytics </a:t>
-            </a:r>
-            <a:r>
-              <a:rPr lang="en-US" altLang="zh-CN" sz="4000" b="1" dirty="0"/>
-              <a:t>at </a:t>
-            </a:r>
-            <a:r>
-              <a:rPr lang="en-US" altLang="zh-CN" sz="4000" b="1" dirty="0" smtClean="0"/>
-              <a:t>Scale</a:t>
-            </a:r>
-            <a:br>
-              <a:rPr lang="en-US" altLang="zh-CN" sz="4000" b="1" dirty="0" smtClean="0"/>
-            </a:br>
-            <a:endParaRPr lang="zh-CN" altLang="en-US" sz="4000" dirty="0"/>
+            <a:endParaRPr lang="zh-CN" altLang="en-US" dirty="0"/>
           </a:p>
         </p:txBody>
       </p:sp>
       <p:sp>
         <p:nvSpPr>
-          <p:cNvPr id="3" name="副标题 2"/>
+          <p:cNvPr id="3" name="内容占位符 2"/>
           <p:cNvSpPr>
             <a:spLocks noGrp="1"/>
           </p:cNvSpPr>
           <p:nvPr>
-            <p:ph type="subTitle" idx="1"/>
+            <p:ph sz="half" idx="1"/>
           </p:nvPr>
         </p:nvSpPr>
-        <p:spPr>
-          <a:xfrm>
-            <a:off x="3995936" y="3886200"/>
-            <a:ext cx="3776464" cy="1752600"/>
-          </a:xfrm>
-        </p:spPr>
+        <p:spPr/>
         <p:txBody>
-          <a:bodyPr/>
+          <a:bodyPr>
+            <a:normAutofit fontScale="70000" lnSpcReduction="20000"/>
+          </a:bodyPr>
           <a:lstStyle/>
           <a:p>
-            <a:pPr algn="l"/>
+            <a:pPr marL="571500" indent="-571500">
+              <a:buNone/>
+            </a:pPr>
             <a:r>
               <a:rPr lang="zh-CN" altLang="en-US" dirty="0" smtClean="0"/>
-              <a:t>主讲人：沈昌干</a:t>
+              <a:t>一、背景</a:t>
             </a:r>
             <a:endParaRPr lang="en-US" altLang="zh-CN" dirty="0" smtClean="0"/>
           </a:p>
           <a:p>
-            <a:pPr algn="l"/>
+            <a:pPr marL="971550" lvl="1" indent="-571500">
+              <a:buNone/>
+            </a:pPr>
+            <a:r>
+              <a:rPr lang="en-US" altLang="zh-CN" dirty="0" smtClean="0"/>
+              <a:t>1. </a:t>
+            </a:r>
+            <a:r>
+              <a:rPr lang="en-US" altLang="zh-CN" dirty="0" err="1" smtClean="0"/>
+              <a:t>MapReduce</a:t>
+            </a:r>
+            <a:endParaRPr lang="en-US" altLang="zh-CN" dirty="0" smtClean="0"/>
+          </a:p>
+          <a:p>
+            <a:pPr marL="971550" lvl="1" indent="-571500">
+              <a:buNone/>
+            </a:pPr>
+            <a:r>
+              <a:rPr lang="en-US" altLang="zh-CN" dirty="0" smtClean="0"/>
+              <a:t>2. MPP</a:t>
+            </a:r>
+            <a:endParaRPr lang="en-US" altLang="zh-CN" sz="2900" dirty="0" smtClean="0"/>
+          </a:p>
+          <a:p>
+            <a:pPr marL="571500" indent="-571500">
+              <a:buNone/>
+            </a:pPr>
             <a:r>
               <a:rPr lang="zh-CN" altLang="en-US" dirty="0" smtClean="0"/>
-              <a:t>主持人：詹天晟</a:t>
+              <a:t>二、</a:t>
+            </a:r>
+            <a:r>
+              <a:rPr lang="en-US" altLang="zh-CN" dirty="0" smtClean="0"/>
+              <a:t>Spark</a:t>
+            </a:r>
+          </a:p>
+          <a:p>
+            <a:pPr marL="971550" lvl="1" indent="-571500">
+              <a:buNone/>
+            </a:pPr>
+            <a:r>
+              <a:rPr lang="en-US" altLang="zh-CN" dirty="0" smtClean="0"/>
+              <a:t>1. RDD(Resilient </a:t>
+            </a:r>
+            <a:r>
+              <a:rPr lang="en-US" altLang="zh-CN" dirty="0"/>
+              <a:t>Distributed Dataset</a:t>
+            </a:r>
+            <a:r>
+              <a:rPr lang="en-US" altLang="zh-CN" dirty="0" smtClean="0"/>
+              <a:t>)</a:t>
+            </a:r>
+          </a:p>
+          <a:p>
+            <a:pPr marL="971550" lvl="1" indent="-571500">
+              <a:buNone/>
+            </a:pPr>
+            <a:r>
+              <a:rPr lang="en-US" altLang="zh-CN" dirty="0" smtClean="0"/>
+              <a:t>2. </a:t>
+            </a:r>
+            <a:r>
+              <a:rPr lang="en-US" altLang="zh-CN" dirty="0"/>
+              <a:t>RDD </a:t>
+            </a:r>
+            <a:r>
+              <a:rPr lang="zh-CN" altLang="en-US" dirty="0" smtClean="0"/>
+              <a:t>图</a:t>
+            </a:r>
+            <a:r>
+              <a:rPr lang="en-US" altLang="zh-CN" dirty="0" smtClean="0"/>
+              <a:t>(DAG)</a:t>
+            </a:r>
+          </a:p>
+          <a:p>
+            <a:pPr marL="971550" lvl="1" indent="-571500">
+              <a:buNone/>
+            </a:pPr>
+            <a:r>
+              <a:rPr lang="en-US" altLang="zh-CN" dirty="0" smtClean="0"/>
+              <a:t>3. RDD </a:t>
+            </a:r>
+            <a:r>
+              <a:rPr lang="zh-CN" altLang="en-US" dirty="0" smtClean="0"/>
+              <a:t>依赖类型</a:t>
+            </a:r>
+            <a:endParaRPr lang="en-US" altLang="zh-CN" dirty="0" smtClean="0"/>
+          </a:p>
+          <a:p>
+            <a:pPr marL="971550" lvl="1" indent="-571500">
+              <a:buNone/>
+            </a:pPr>
+            <a:r>
+              <a:rPr lang="en-US" altLang="zh-CN" dirty="0" smtClean="0"/>
+              <a:t>4. DAG </a:t>
+            </a:r>
+            <a:r>
+              <a:rPr lang="zh-CN" altLang="en-US" dirty="0" smtClean="0"/>
+              <a:t>调度器</a:t>
+            </a:r>
+            <a:endParaRPr lang="en-US" altLang="zh-CN" dirty="0" smtClean="0"/>
+          </a:p>
+          <a:p>
+            <a:pPr marL="971550" lvl="1" indent="-571500">
+              <a:buNone/>
+            </a:pPr>
+            <a:r>
+              <a:rPr lang="en-US" altLang="zh-CN" dirty="0" smtClean="0"/>
+              <a:t>5. Job </a:t>
+            </a:r>
+            <a:r>
+              <a:rPr lang="zh-CN" altLang="en-US" dirty="0" smtClean="0"/>
+              <a:t>调度过程</a:t>
+            </a:r>
+            <a:endParaRPr lang="en-US" altLang="zh-CN" dirty="0" smtClean="0"/>
+          </a:p>
+          <a:p>
+            <a:pPr marL="971550" lvl="1" indent="-571500">
+              <a:buNone/>
+            </a:pPr>
+            <a:r>
+              <a:rPr lang="en-US" altLang="zh-CN" dirty="0" smtClean="0"/>
+              <a:t>6. RDD </a:t>
+            </a:r>
+            <a:r>
+              <a:rPr lang="zh-CN" altLang="en-US" dirty="0" smtClean="0"/>
+              <a:t>容错</a:t>
+            </a:r>
+            <a:endParaRPr lang="en-US" altLang="zh-CN" dirty="0" smtClean="0"/>
+          </a:p>
+          <a:p>
+            <a:pPr marL="971550" lvl="1" indent="-571500">
+              <a:buNone/>
+            </a:pPr>
+            <a:r>
+              <a:rPr lang="en-US" altLang="zh-CN" dirty="0" smtClean="0"/>
+              <a:t>7. </a:t>
+            </a:r>
+            <a:r>
+              <a:rPr lang="zh-CN" altLang="en-US" dirty="0" smtClean="0"/>
+              <a:t>其他概念</a:t>
+            </a:r>
+            <a:endParaRPr lang="en-US" altLang="zh-CN" dirty="0" smtClean="0"/>
+          </a:p>
+          <a:p>
+            <a:pPr marL="571500" indent="-571500">
+              <a:buNone/>
+            </a:pPr>
+            <a:r>
+              <a:rPr lang="zh-CN" altLang="en-US" dirty="0" smtClean="0"/>
+              <a:t>三、</a:t>
+            </a:r>
+            <a:r>
+              <a:rPr lang="en-US" altLang="zh-CN" dirty="0" smtClean="0"/>
+              <a:t>Shark</a:t>
+            </a:r>
+          </a:p>
+          <a:p>
+            <a:pPr marL="971550" lvl="1" indent="-514350">
+              <a:buNone/>
+            </a:pPr>
+            <a:r>
+              <a:rPr lang="en-US" altLang="zh-CN" dirty="0" smtClean="0"/>
+              <a:t>1. Hive VS Shark</a:t>
+            </a:r>
+          </a:p>
+          <a:p>
+            <a:pPr marL="971550" lvl="1" indent="-514350">
+              <a:buNone/>
+            </a:pPr>
+            <a:r>
+              <a:rPr lang="en-US" altLang="zh-CN" dirty="0" smtClean="0"/>
+              <a:t>2. </a:t>
+            </a:r>
+            <a:r>
+              <a:rPr lang="zh-CN" altLang="en-US" dirty="0" smtClean="0"/>
+              <a:t>容错</a:t>
+            </a:r>
+            <a:endParaRPr lang="en-US" altLang="zh-CN" dirty="0" smtClean="0"/>
+          </a:p>
+          <a:p>
+            <a:pPr marL="971550" lvl="1" indent="-514350">
+              <a:buNone/>
+            </a:pPr>
+            <a:r>
+              <a:rPr lang="en-US" altLang="zh-CN" dirty="0" smtClean="0"/>
+              <a:t>3. </a:t>
+            </a:r>
+            <a:r>
+              <a:rPr lang="en-US" altLang="zh-CN" dirty="0" smtClean="0"/>
+              <a:t>SQL</a:t>
+            </a:r>
+            <a:r>
+              <a:rPr lang="zh-CN" altLang="en-US" dirty="0" smtClean="0"/>
+              <a:t>执行过程</a:t>
+            </a:r>
+            <a:endParaRPr lang="zh-CN" altLang="en-US" dirty="0"/>
+          </a:p>
+        </p:txBody>
+      </p:sp>
+      <p:sp>
+        <p:nvSpPr>
+          <p:cNvPr id="4" name="内容占位符 3"/>
+          <p:cNvSpPr>
+            <a:spLocks noGrp="1"/>
+          </p:cNvSpPr>
+          <p:nvPr>
+            <p:ph sz="half" idx="2"/>
+          </p:nvPr>
+        </p:nvSpPr>
+        <p:spPr/>
+        <p:txBody>
+          <a:bodyPr>
+            <a:normAutofit fontScale="70000" lnSpcReduction="20000"/>
+          </a:bodyPr>
+          <a:lstStyle/>
+          <a:p>
+            <a:pPr marL="571500" indent="-571500">
+              <a:buNone/>
+            </a:pPr>
+            <a:r>
+              <a:rPr lang="zh-CN" altLang="en-US" dirty="0" smtClean="0"/>
+              <a:t>四、引擎扩展</a:t>
+            </a:r>
+            <a:endParaRPr lang="en-US" altLang="zh-CN" dirty="0" smtClean="0"/>
+          </a:p>
+          <a:p>
+            <a:pPr marL="971550" lvl="1" indent="-514350">
+              <a:buNone/>
+            </a:pPr>
+            <a:r>
+              <a:rPr lang="en-US" altLang="zh-CN" dirty="0" smtClean="0"/>
+              <a:t>1. PDE</a:t>
+            </a:r>
+          </a:p>
+          <a:p>
+            <a:pPr marL="1371600" lvl="2" indent="-457200">
+              <a:buNone/>
+            </a:pPr>
+            <a:r>
+              <a:rPr lang="en-US" altLang="zh-CN" dirty="0" smtClean="0"/>
+              <a:t>1). Join</a:t>
+            </a:r>
+            <a:r>
+              <a:rPr lang="zh-CN" altLang="en-US" dirty="0" smtClean="0"/>
+              <a:t>优化</a:t>
+            </a:r>
+            <a:endParaRPr lang="en-US" altLang="zh-CN" dirty="0" smtClean="0"/>
+          </a:p>
+          <a:p>
+            <a:pPr marL="1371600" lvl="2" indent="-457200">
+              <a:buNone/>
+            </a:pPr>
+            <a:r>
+              <a:rPr lang="en-US" altLang="zh-CN" dirty="0" smtClean="0"/>
+              <a:t>2). </a:t>
+            </a:r>
+            <a:r>
+              <a:rPr lang="zh-CN" altLang="en-US" dirty="0" smtClean="0"/>
+              <a:t>斜</a:t>
+            </a:r>
+            <a:r>
+              <a:rPr lang="zh-CN" altLang="en-US" dirty="0"/>
+              <a:t>处理</a:t>
+            </a:r>
+            <a:r>
+              <a:rPr lang="zh-CN" altLang="en-US" dirty="0" smtClean="0"/>
+              <a:t>和并行度</a:t>
+            </a:r>
+            <a:endParaRPr lang="en-US" altLang="zh-CN" dirty="0" smtClean="0"/>
+          </a:p>
+          <a:p>
+            <a:pPr marL="971550" lvl="1" indent="-514350">
+              <a:buNone/>
+            </a:pPr>
+            <a:r>
+              <a:rPr lang="en-US" altLang="zh-CN" dirty="0" smtClean="0"/>
+              <a:t>2. </a:t>
+            </a:r>
+            <a:r>
+              <a:rPr lang="zh-CN" altLang="en-US" dirty="0" smtClean="0"/>
+              <a:t>内存列存储</a:t>
+            </a:r>
+            <a:endParaRPr lang="en-US" altLang="zh-CN" dirty="0" smtClean="0"/>
+          </a:p>
+          <a:p>
+            <a:pPr marL="971550" lvl="1" indent="-514350">
+              <a:buNone/>
+            </a:pPr>
+            <a:r>
+              <a:rPr lang="en-US" altLang="zh-CN" dirty="0" smtClean="0"/>
+              <a:t>3. </a:t>
+            </a:r>
+            <a:r>
+              <a:rPr lang="zh-CN" altLang="en-US" dirty="0" smtClean="0"/>
+              <a:t>分布式数据加载</a:t>
+            </a:r>
+            <a:endParaRPr lang="en-US" altLang="zh-CN" dirty="0" smtClean="0"/>
+          </a:p>
+          <a:p>
+            <a:pPr marL="971550" lvl="1" indent="-514350">
+              <a:buNone/>
+            </a:pPr>
+            <a:r>
+              <a:rPr lang="en-US" altLang="zh-CN" dirty="0" smtClean="0"/>
+              <a:t>4. </a:t>
+            </a:r>
+            <a:r>
+              <a:rPr lang="zh-CN" altLang="en-US" dirty="0" smtClean="0"/>
+              <a:t>数据协同分区</a:t>
+            </a:r>
+            <a:endParaRPr lang="en-US" altLang="zh-CN" dirty="0" smtClean="0"/>
+          </a:p>
+          <a:p>
+            <a:pPr marL="971550" lvl="1" indent="-514350">
+              <a:buNone/>
+            </a:pPr>
+            <a:r>
+              <a:rPr lang="en-US" altLang="zh-CN" dirty="0" smtClean="0"/>
+              <a:t>5. </a:t>
+            </a:r>
+            <a:r>
+              <a:rPr lang="zh-CN" altLang="en-US" dirty="0" smtClean="0"/>
+              <a:t>分区统计和</a:t>
+            </a:r>
+            <a:r>
+              <a:rPr lang="en-US" altLang="zh-CN" dirty="0" smtClean="0"/>
+              <a:t>Map</a:t>
+            </a:r>
+            <a:r>
+              <a:rPr lang="zh-CN" altLang="en-US" dirty="0" smtClean="0"/>
+              <a:t>裁剪</a:t>
+            </a:r>
+            <a:endParaRPr lang="en-US" altLang="zh-CN" dirty="0" smtClean="0"/>
+          </a:p>
+          <a:p>
+            <a:pPr marL="571500" indent="-571500">
+              <a:buNone/>
+            </a:pPr>
+            <a:r>
+              <a:rPr lang="zh-CN" altLang="en-US" dirty="0" smtClean="0"/>
+              <a:t>五、机器学习支持</a:t>
+            </a:r>
+            <a:endParaRPr lang="en-US" altLang="zh-CN" dirty="0" smtClean="0"/>
+          </a:p>
+          <a:p>
+            <a:pPr marL="571500" indent="-571500">
+              <a:buNone/>
+            </a:pPr>
+            <a:r>
+              <a:rPr lang="zh-CN" altLang="en-US" dirty="0" smtClean="0"/>
+              <a:t>六</a:t>
+            </a:r>
+            <a:r>
+              <a:rPr lang="zh-CN" altLang="en-US" dirty="0" smtClean="0"/>
+              <a:t>、系统实现</a:t>
+            </a:r>
+            <a:endParaRPr lang="en-US" altLang="zh-CN" dirty="0" smtClean="0"/>
+          </a:p>
+          <a:p>
+            <a:pPr marL="571500" indent="-571500">
+              <a:buNone/>
+            </a:pPr>
+            <a:r>
+              <a:rPr lang="zh-CN" altLang="en-US" dirty="0" smtClean="0"/>
+              <a:t>七、实验</a:t>
+            </a:r>
+            <a:endParaRPr lang="en-US" altLang="zh-CN" dirty="0" smtClean="0"/>
+          </a:p>
+          <a:p>
+            <a:pPr marL="571500" indent="-571500">
+              <a:buNone/>
+            </a:pPr>
+            <a:r>
+              <a:rPr lang="zh-CN" altLang="en-US" dirty="0" smtClean="0"/>
+              <a:t>八、讨论</a:t>
+            </a:r>
+            <a:endParaRPr lang="en-US" altLang="zh-CN" dirty="0" smtClean="0"/>
+          </a:p>
+          <a:p>
+            <a:pPr marL="571500" indent="-571500">
+              <a:buNone/>
+            </a:pPr>
+            <a:r>
+              <a:rPr lang="zh-CN" altLang="en-US" dirty="0" smtClean="0"/>
+              <a:t>九、回顾</a:t>
             </a:r>
             <a:endParaRPr lang="zh-CN" altLang="en-US" dirty="0"/>
           </a:p>
@@ -33648,7 +34022,7 @@
     </p:spTree>
     <p:extLst>
       <p:ext uri="{BB962C8B-B14F-4D97-AF65-F5344CB8AC3E}">
-        <p14:creationId xmlns:p14="http://schemas.microsoft.com/office/powerpoint/2010/main" val="187735090"/>
+        <p14:creationId xmlns:p14="http://schemas.microsoft.com/office/powerpoint/2010/main" val="3870573160"/>
       </p:ext>
     </p:extLst>
   </p:cSld>
@@ -33690,13 +34064,26 @@
           <a:bodyPr/>
           <a:lstStyle/>
           <a:p>
+            <a:pPr algn="l"/>
+            <a:r>
+              <a:rPr lang="zh-CN" altLang="en-US" sz="3600" dirty="0"/>
+              <a:t>二、</a:t>
+            </a:r>
+            <a:r>
+              <a:rPr lang="en-US" altLang="zh-CN" sz="3600" dirty="0" smtClean="0"/>
+              <a:t>Spark</a:t>
+            </a:r>
             <a:r>
               <a:rPr lang="en-US" altLang="zh-CN" dirty="0" smtClean="0"/>
-              <a:t>RDD</a:t>
+              <a:t>		7. </a:t>
             </a:r>
             <a:r>
               <a:rPr lang="zh-CN" altLang="en-US" dirty="0" smtClean="0"/>
-              <a:t>容错</a:t>
+              <a:t>其他</a:t>
+            </a:r>
+            <a:r>
+              <a:rPr lang="zh-CN" altLang="en-US" dirty="0" smtClean="0"/>
+              <a:t>概念</a:t>
             </a:r>
             <a:endParaRPr lang="zh-CN" altLang="en-US" dirty="0"/>
           </a:p>
@@ -33715,40 +34102,32 @@
         <p:spPr/>
         <p:txBody>
           <a:bodyPr>
-            <a:normAutofit fontScale="92500" lnSpcReduction="10000"/>
+            <a:normAutofit lnSpcReduction="10000"/>
           </a:bodyPr>
           <a:lstStyle/>
           <a:p>
             <a:r>
+              <a:rPr lang="zh-CN" altLang="en-US" dirty="0" smtClean="0"/>
+              <a:t>分区、事件驱动、持久化</a:t>
+            </a:r>
+            <a:r>
               <a:rPr lang="en-US" altLang="zh-CN" dirty="0" smtClean="0"/>
-              <a:t>RDDs</a:t>
-            </a:r>
-            <a:r>
-              <a:rPr lang="zh-CN" altLang="en-US" dirty="0" smtClean="0"/>
-              <a:t>维持</a:t>
-            </a:r>
-            <a:r>
-              <a:rPr lang="en-US" altLang="zh-CN" dirty="0" smtClean="0"/>
-              <a:t>lineage</a:t>
-            </a:r>
-            <a:r>
-              <a:rPr lang="zh-CN" altLang="en-US" dirty="0" smtClean="0"/>
-              <a:t>信息，用于重构丢失的分区。任何任务、节点的失败都可以通过</a:t>
-            </a:r>
-            <a:r>
-              <a:rPr lang="en-US" altLang="zh-CN" dirty="0" smtClean="0"/>
-              <a:t>lineage graph</a:t>
-            </a:r>
-            <a:r>
-              <a:rPr lang="zh-CN" altLang="en-US" dirty="0" smtClean="0"/>
-              <a:t>追溯到具体的丢失分区，然后在其他节点并行地计算这些分区。</a:t>
-            </a:r>
+              <a:t>…</a:t>
+            </a:r>
+          </a:p>
+          <a:p>
+            <a:pPr marL="0" indent="0">
+              <a:buNone/>
+            </a:pPr>
             <a:endParaRPr lang="en-US" altLang="zh-CN" dirty="0" smtClean="0"/>
           </a:p>
           <a:p>
+            <a:pPr marL="0" indent="0">
+              <a:buNone/>
+            </a:pPr>
             <a:r>
               <a:rPr lang="zh-CN" altLang="en-US" dirty="0" smtClean="0"/>
-              <a:t>同时</a:t>
+              <a:t>注意：</a:t>
             </a:r>
             <a:r>
               <a:rPr lang="en-US" altLang="zh-CN" dirty="0" smtClean="0"/>
@@ -33756,31 +34135,27 @@
             </a:r>
             <a:r>
               <a:rPr lang="zh-CN" altLang="en-US" dirty="0" smtClean="0"/>
-              <a:t>的</a:t>
-            </a:r>
-            <a:r>
-              <a:rPr lang="en-US" altLang="zh-CN" dirty="0" smtClean="0"/>
-              <a:t>API</a:t>
+              <a:t>是类</a:t>
+            </a:r>
+            <a:r>
+              <a:rPr lang="en-US" altLang="zh-CN" dirty="0" err="1" smtClean="0"/>
+              <a:t>MapReduce</a:t>
             </a:r>
             <a:r>
               <a:rPr lang="zh-CN" altLang="en-US" dirty="0" smtClean="0"/>
-              <a:t>也提供</a:t>
-            </a:r>
-            <a:r>
-              <a:rPr lang="en-US" altLang="zh-CN" dirty="0" smtClean="0"/>
-              <a:t>checkpoint</a:t>
+              <a:t>的并行处理</a:t>
             </a:r>
             <a:r>
               <a:rPr lang="zh-CN" altLang="en-US" dirty="0" smtClean="0"/>
-              <a:t>功能，需用户主动设置。当</a:t>
-            </a:r>
-            <a:r>
-              <a:rPr lang="en-US" altLang="zh-CN" dirty="0" smtClean="0"/>
-              <a:t>lineage chain</a:t>
+              <a:t>框架（核心计算模型还是</a:t>
+            </a:r>
+            <a:r>
+              <a:rPr lang="en-US" altLang="zh-CN" dirty="0" err="1" smtClean="0"/>
+              <a:t>MapReduce</a:t>
             </a:r>
             <a:r>
               <a:rPr lang="zh-CN" altLang="en-US" dirty="0" smtClean="0"/>
-              <a:t>变得很大很长的时候，在某些</a:t>
+              <a:t>）。</a:t>
             </a:r>
             <a:r>
               <a:rPr lang="en-US" altLang="zh-CN" dirty="0" smtClean="0"/>
@@ -33788,66 +34163,67 @@
             </a:r>
             <a:r>
               <a:rPr lang="zh-CN" altLang="en-US" dirty="0" smtClean="0"/>
-              <a:t>上设置</a:t>
+              <a:t>提供的很多操作是对</a:t>
             </a:r>
             <a:r>
               <a:rPr lang="en-US" altLang="zh-CN" dirty="0" smtClean="0"/>
-              <a:t>checkpoint</a:t>
+              <a:t>map</a:t>
             </a:r>
             <a:r>
               <a:rPr lang="zh-CN" altLang="en-US" dirty="0" smtClean="0"/>
-              <a:t>是值得的。</a:t>
+              <a:t>、</a:t>
+            </a:r>
+            <a:r>
+              <a:rPr lang="en-US" altLang="zh-CN" dirty="0" smtClean="0"/>
+              <a:t>reduce</a:t>
+            </a:r>
+            <a:r>
+              <a:rPr lang="zh-CN" altLang="en-US" dirty="0" smtClean="0"/>
+              <a:t>的</a:t>
+            </a:r>
+            <a:r>
+              <a:rPr lang="zh-CN" altLang="en-US" dirty="0" smtClean="0"/>
+              <a:t>封装、重组、优化和丰富；</a:t>
             </a:r>
             <a:endParaRPr lang="en-US" altLang="zh-CN" dirty="0" smtClean="0"/>
           </a:p>
           <a:p>
-            <a:r>
-              <a:rPr lang="zh-CN" altLang="en-US" dirty="0" smtClean="0"/>
-              <a:t>缓解慢节点</a:t>
-            </a:r>
-            <a:r>
-              <a:rPr lang="en-US" altLang="zh-CN" dirty="0" smtClean="0"/>
-              <a:t>(</a:t>
-            </a:r>
-            <a:r>
-              <a:rPr lang="en-US" altLang="zh-CN" dirty="0"/>
-              <a:t>straggler</a:t>
-            </a:r>
-            <a:r>
-              <a:rPr lang="en-US" altLang="zh-CN" dirty="0" smtClean="0"/>
-              <a:t>)</a:t>
-            </a:r>
-            <a:r>
-              <a:rPr lang="zh-CN" altLang="en-US" dirty="0" smtClean="0"/>
-              <a:t>：</a:t>
-            </a:r>
+            <a:pPr marL="0" indent="0">
+              <a:buNone/>
+            </a:pPr>
             <a:r>
               <a:rPr lang="en-US" altLang="zh-CN" dirty="0" smtClean="0"/>
               <a:t>RDD</a:t>
             </a:r>
             <a:r>
               <a:rPr lang="zh-CN" altLang="en-US" dirty="0" smtClean="0"/>
-              <a:t>是不可变的性质（不会引起</a:t>
-            </a:r>
-            <a:r>
-              <a:rPr lang="zh-CN" altLang="en-US" b="1" dirty="0" smtClean="0">
-                <a:solidFill>
-                  <a:srgbClr val="FF0000"/>
-                </a:solidFill>
-              </a:rPr>
-              <a:t>数据一致性问题</a:t>
+              <a:t>数据元素除了</a:t>
+            </a:r>
+            <a:r>
+              <a:rPr lang="en-US" altLang="zh-CN" dirty="0" smtClean="0"/>
+              <a:t>key-value</a:t>
             </a:r>
             <a:r>
               <a:rPr lang="zh-CN" altLang="en-US" dirty="0" smtClean="0"/>
-              <a:t>），系统在其他节点重新运行慢任务的备份，和</a:t>
-            </a:r>
-            <a:r>
-              <a:rPr lang="en-US" altLang="zh-CN" dirty="0" err="1" smtClean="0"/>
-              <a:t>MapReduce</a:t>
+              <a:t>类型，还有其他类型</a:t>
             </a:r>
             <a:r>
               <a:rPr lang="zh-CN" altLang="en-US" dirty="0" smtClean="0"/>
-              <a:t>类似。</a:t>
+              <a:t>。</a:t>
+            </a:r>
+            <a:endParaRPr lang="en-US" altLang="zh-CN" dirty="0" smtClean="0"/>
+          </a:p>
+          <a:p>
+            <a:pPr marL="0" indent="0">
+              <a:buNone/>
+            </a:pPr>
+            <a:r>
+              <a:rPr lang="zh-CN" altLang="en-US" dirty="0" smtClean="0"/>
+              <a:t>更多细节，读代码</a:t>
+            </a:r>
+            <a:r>
+              <a:rPr lang="en-US" altLang="zh-CN" dirty="0" smtClean="0"/>
+              <a:t>~</a:t>
             </a:r>
             <a:endParaRPr lang="zh-CN" altLang="en-US" dirty="0"/>
           </a:p>
@@ -33856,7 +34232,7 @@
     </p:spTree>
     <p:extLst>
       <p:ext uri="{BB962C8B-B14F-4D97-AF65-F5344CB8AC3E}">
-        <p14:creationId xmlns:p14="http://schemas.microsoft.com/office/powerpoint/2010/main" val="2619786363"/>
+        <p14:creationId xmlns:p14="http://schemas.microsoft.com/office/powerpoint/2010/main" val="1529454233"/>
       </p:ext>
     </p:extLst>
   </p:cSld>
@@ -33906,120 +34282,121 @@
           <a:lstStyle/>
           <a:p>
             <a:r>
+              <a:rPr lang="en-US" altLang="zh-CN" dirty="0" smtClean="0"/>
+              <a:t>RDD</a:t>
+            </a:r>
+            <a:r>
               <a:rPr lang="zh-CN" altLang="en-US" dirty="0" smtClean="0"/>
-              <a:t>其他概念</a:t>
+              <a:t>的粒度问题</a:t>
             </a:r>
             <a:endParaRPr lang="zh-CN" altLang="en-US" dirty="0"/>
           </a:p>
         </p:txBody>
       </p:sp>
+      <p:pic>
+        <p:nvPicPr>
+          <p:cNvPr id="2051" name="Picture 3"/>
+          <p:cNvPicPr>
+            <a:picLocks noChangeAspect="1" noChangeArrowheads="1"/>
+          </p:cNvPicPr>
+          <p:nvPr/>
+        </p:nvPicPr>
+        <p:blipFill>
+          <a:blip r:embed="rId3">
+            <a:extLst>
+              <a:ext uri="{28A0092B-C50C-407E-A947-70E740481C1C}">
+                <a14:useLocalDpi xmlns:a14="http://schemas.microsoft.com/office/drawing/2010/main" val="0"/>
+              </a:ext>
+            </a:extLst>
+          </a:blip>
+          <a:srcRect/>
+          <a:stretch>
+            <a:fillRect/>
+          </a:stretch>
+        </p:blipFill>
+        <p:spPr bwMode="auto">
+          <a:xfrm>
+            <a:off x="179512" y="1412776"/>
+            <a:ext cx="6772275" cy="4848225"/>
+          </a:xfrm>
+          <a:prstGeom prst="rect">
+            <a:avLst/>
+          </a:prstGeom>
+          <a:noFill/>
+          <a:ln>
+            <a:noFill/>
+          </a:ln>
+          <a:extLst>
+            <a:ext uri="{909E8E84-426E-40DD-AFC4-6F175D3DCCD1}">
+              <a14:hiddenFill xmlns:a14="http://schemas.microsoft.com/office/drawing/2010/main">
+                <a:solidFill>
+                  <a:schemeClr val="accent1"/>
+                </a:solidFill>
+              </a14:hiddenFill>
+            </a:ext>
+            <a:ext uri="{91240B29-F687-4F45-9708-019B960494DF}">
+              <a14:hiddenLine xmlns:a14="http://schemas.microsoft.com/office/drawing/2010/main" w="9525">
+                <a:solidFill>
+                  <a:schemeClr val="tx1"/>
+                </a:solidFill>
+                <a:miter lim="800000"/>
+                <a:headEnd/>
+                <a:tailEnd/>
+              </a14:hiddenLine>
+            </a:ext>
+          </a:extLst>
+        </p:spPr>
+      </p:pic>
       <p:sp>
         <p:nvSpPr>
-          <p:cNvPr id="3" name="内容占位符 2"/>
-          <p:cNvSpPr>
-            <a:spLocks noGrp="1"/>
-          </p:cNvSpPr>
-          <p:nvPr>
-            <p:ph idx="1"/>
-          </p:nvPr>
+          <p:cNvPr id="4" name="线形标注 2 3"/>
+          <p:cNvSpPr/>
+          <p:nvPr/>
         </p:nvSpPr>
-        <p:spPr/>
+        <p:spPr>
+          <a:xfrm>
+            <a:off x="4644008" y="3068960"/>
+            <a:ext cx="4968552" cy="767928"/>
+          </a:xfrm>
+          <a:prstGeom prst="borderCallout2">
+            <a:avLst>
+              <a:gd name="adj1" fmla="val 20640"/>
+              <a:gd name="adj2" fmla="val 139"/>
+              <a:gd name="adj3" fmla="val 18750"/>
+              <a:gd name="adj4" fmla="val -16667"/>
+              <a:gd name="adj5" fmla="val 57688"/>
+              <a:gd name="adj6" fmla="val -28263"/>
+            </a:avLst>
+          </a:prstGeom>
+        </p:spPr>
+        <p:style>
+          <a:lnRef idx="2">
+            <a:schemeClr val="accent1">
+              <a:shade val="50000"/>
+            </a:schemeClr>
+          </a:lnRef>
+          <a:fillRef idx="1">
+            <a:schemeClr val="accent1"/>
+          </a:fillRef>
+          <a:effectRef idx="0">
+            <a:schemeClr val="accent1"/>
+          </a:effectRef>
+          <a:fontRef idx="minor">
+            <a:schemeClr val="lt1"/>
+          </a:fontRef>
+        </p:style>
         <p:txBody>
-          <a:bodyPr/>
+          <a:bodyPr rtlCol="0" anchor="ctr"/>
           <a:lstStyle/>
           <a:p>
-            <a:r>
-              <a:rPr lang="zh-CN" altLang="en-US" dirty="0" smtClean="0"/>
-              <a:t>分区、事件驱动、持久化</a:t>
+            <a:pPr algn="ctr"/>
+            <a:r>
+              <a:rPr lang="en-US" altLang="zh-CN" dirty="0"/>
+              <a:t>《Spark Cluster Computing with Working </a:t>
             </a:r>
             <a:r>
               <a:rPr lang="en-US" altLang="zh-CN" dirty="0" smtClean="0"/>
-              <a:t>…</a:t>
-            </a:r>
-          </a:p>
-          <a:p>
-            <a:pPr marL="0" indent="0">
-              <a:buNone/>
-            </a:pPr>
-            <a:endParaRPr lang="en-US" altLang="zh-CN" dirty="0" smtClean="0"/>
-          </a:p>
-          <a:p>
-            <a:pPr marL="0" indent="0">
-              <a:buNone/>
-            </a:pPr>
-            <a:r>
-              <a:rPr lang="zh-CN" altLang="en-US" dirty="0" smtClean="0"/>
-              <a:t>注意：</a:t>
-            </a:r>
-            <a:r>
-              <a:rPr lang="en-US" altLang="zh-CN" dirty="0" smtClean="0"/>
-              <a:t>Spark</a:t>
-            </a:r>
-            <a:r>
-              <a:rPr lang="zh-CN" altLang="en-US" dirty="0" smtClean="0"/>
-              <a:t>是类</a:t>
-            </a:r>
-            <a:r>
-              <a:rPr lang="en-US" altLang="zh-CN" dirty="0" err="1" smtClean="0"/>
-              <a:t>MapReduce</a:t>
-            </a:r>
-            <a:r>
-              <a:rPr lang="zh-CN" altLang="en-US" dirty="0" smtClean="0"/>
-              <a:t>的并行处理框架。</a:t>
-            </a:r>
-            <a:r>
-              <a:rPr lang="en-US" altLang="zh-CN" dirty="0" smtClean="0"/>
-              <a:t>RDD</a:t>
-            </a:r>
-            <a:r>
-              <a:rPr lang="zh-CN" altLang="en-US" dirty="0" smtClean="0"/>
-              <a:t>提供的很多操作是对</a:t>
-            </a:r>
-            <a:r>
-              <a:rPr lang="en-US" altLang="zh-CN" dirty="0" smtClean="0"/>
-              <a:t>mapper</a:t>
-            </a:r>
-            <a:r>
-              <a:rPr lang="zh-CN" altLang="en-US" dirty="0" smtClean="0"/>
-              <a:t>、</a:t>
-            </a:r>
-            <a:r>
-              <a:rPr lang="en-US" altLang="zh-CN" dirty="0" smtClean="0"/>
-              <a:t>shuffle</a:t>
-            </a:r>
-            <a:r>
-              <a:rPr lang="zh-CN" altLang="en-US" dirty="0" smtClean="0"/>
-              <a:t>、</a:t>
-            </a:r>
-            <a:r>
-              <a:rPr lang="en-US" altLang="zh-CN" dirty="0" smtClean="0"/>
-              <a:t>reducer</a:t>
-            </a:r>
-            <a:r>
-              <a:rPr lang="zh-CN" altLang="en-US" dirty="0" smtClean="0"/>
-              <a:t>的封装、重组、优化和丰富；</a:t>
-            </a:r>
-            <a:endParaRPr lang="en-US" altLang="zh-CN" dirty="0" smtClean="0"/>
-          </a:p>
-          <a:p>
-            <a:pPr marL="0" indent="0">
-              <a:buNone/>
-            </a:pPr>
-            <a:r>
-              <a:rPr lang="en-US" altLang="zh-CN" dirty="0" smtClean="0"/>
-              <a:t>RDD</a:t>
-            </a:r>
-            <a:r>
-              <a:rPr lang="zh-CN" altLang="en-US" dirty="0" smtClean="0"/>
-              <a:t>数据元素除了</a:t>
-            </a:r>
-            <a:r>
-              <a:rPr lang="en-US" altLang="zh-CN" dirty="0" smtClean="0"/>
-              <a:t>key-value</a:t>
-            </a:r>
-            <a:r>
-              <a:rPr lang="zh-CN" altLang="en-US" dirty="0" smtClean="0"/>
-              <a:t>类型，还有其他类型。</a:t>
+              <a:t>Sets.》</a:t>
             </a:r>
             <a:endParaRPr lang="zh-CN" altLang="en-US" dirty="0"/>
           </a:p>
@@ -34028,7 +34405,7 @@
     </p:spTree>
     <p:extLst>
       <p:ext uri="{BB962C8B-B14F-4D97-AF65-F5344CB8AC3E}">
-        <p14:creationId xmlns:p14="http://schemas.microsoft.com/office/powerpoint/2010/main" val="1529454233"/>
+        <p14:creationId xmlns:p14="http://schemas.microsoft.com/office/powerpoint/2010/main" val="2160697785"/>
       </p:ext>
     </p:extLst>
   </p:cSld>
@@ -34074,14 +34451,21 @@
         </p:nvSpPr>
         <p:spPr/>
         <p:txBody>
-          <a:bodyPr/>
+          <a:bodyPr>
+            <a:normAutofit/>
+          </a:bodyPr>
           <a:lstStyle/>
           <a:p>
-            <a:r>
-              <a:rPr lang="en-US" altLang="zh-CN" dirty="0" smtClean="0"/>
+            <a:pPr algn="l"/>
+            <a:r>
+              <a:rPr lang="zh-CN" altLang="en-US" sz="3600" dirty="0" smtClean="0"/>
+              <a:t>三、</a:t>
+            </a:r>
+            <a:r>
+              <a:rPr lang="en-US" altLang="zh-CN" sz="3600" dirty="0" smtClean="0"/>
               <a:t>Shark</a:t>
             </a:r>
-            <a:endParaRPr lang="zh-CN" altLang="en-US" dirty="0"/>
+            <a:endParaRPr lang="zh-CN" altLang="en-US" sz="3600" dirty="0"/>
           </a:p>
         </p:txBody>
       </p:sp>
@@ -34183,6 +34567,13 @@
   <p:clrMapOvr>
     <a:masterClrMapping/>
   </p:clrMapOvr>
+  <p:timing>
+    <p:tnLst>
+      <p:par>
+        <p:cTn id="1" dur="indefinite" restart="never" nodeType="tmRoot"/>
+      </p:par>
+    </p:tnLst>
+  </p:timing>
 </p:sld>
 </file>
 
@@ -34218,9 +34609,22 @@
           <a:bodyPr/>
           <a:lstStyle/>
           <a:p>
+            <a:pPr algn="l"/>
+            <a:r>
+              <a:rPr lang="zh-CN" altLang="en-US" sz="3600" dirty="0"/>
+              <a:t>三、</a:t>
+            </a:r>
+            <a:r>
+              <a:rPr lang="en-US" altLang="zh-CN" sz="3600" dirty="0" smtClean="0"/>
+              <a:t>Shark		</a:t>
+            </a:r>
             <a:r>
               <a:rPr lang="en-US" altLang="zh-CN" dirty="0" smtClean="0"/>
-              <a:t>Hive VS Shark</a:t>
+              <a:t>1. Hive </a:t>
+            </a:r>
+            <a:r>
+              <a:rPr lang="en-US" altLang="zh-CN" dirty="0" smtClean="0"/>
+              <a:t>VS Shark</a:t>
             </a:r>
             <a:endParaRPr lang="zh-CN" altLang="en-US" dirty="0"/>
           </a:p>
@@ -34698,9 +35102,22 @@
           <a:bodyPr/>
           <a:lstStyle/>
           <a:p>
+            <a:pPr algn="l"/>
+            <a:r>
+              <a:rPr lang="zh-CN" altLang="en-US" sz="3600" dirty="0"/>
+              <a:t>三、</a:t>
+            </a:r>
+            <a:r>
+              <a:rPr lang="en-US" altLang="zh-CN" sz="3600" dirty="0" smtClean="0"/>
+              <a:t>Shark</a:t>
+            </a:r>
             <a:r>
               <a:rPr lang="en-US" altLang="zh-CN" dirty="0" smtClean="0"/>
-              <a:t>Hive VS Shark</a:t>
+              <a:t>		1. Hive </a:t>
+            </a:r>
+            <a:r>
+              <a:rPr lang="en-US" altLang="zh-CN" dirty="0" smtClean="0"/>
+              <a:t>VS Shark</a:t>
             </a:r>
             <a:endParaRPr lang="zh-CN" altLang="en-US" dirty="0"/>
           </a:p>
@@ -34946,6 +35363,19 @@
           <a:bodyPr/>
           <a:lstStyle/>
           <a:p>
+            <a:pPr algn="l"/>
+            <a:r>
+              <a:rPr lang="zh-CN" altLang="en-US" sz="3600" dirty="0"/>
+              <a:t>三、</a:t>
+            </a:r>
+            <a:r>
+              <a:rPr lang="en-US" altLang="zh-CN" sz="3600" dirty="0" smtClean="0"/>
+              <a:t>Shark</a:t>
+            </a:r>
+            <a:r>
+              <a:rPr lang="en-US" altLang="zh-CN" dirty="0" smtClean="0"/>
+              <a:t>		2. </a:t>
+            </a:r>
             <a:r>
               <a:rPr lang="zh-CN" altLang="en-US" dirty="0" smtClean="0"/>
               <a:t>容错</a:t>
@@ -35134,11 +35564,7 @@
             </a:r>
             <a:r>
               <a:rPr lang="zh-CN" altLang="en-US" dirty="0" smtClean="0"/>
-              <a:t>的</a:t>
-            </a:r>
-            <a:r>
-              <a:rPr lang="zh-CN" altLang="en-US" dirty="0" smtClean="0"/>
-              <a:t>这类查询，“恢复”同样起作用。</a:t>
+              <a:t>的这类查询，“恢复”同样起作用。</a:t>
             </a:r>
             <a:endParaRPr lang="zh-CN" altLang="en-US" dirty="0"/>
           </a:p>
@@ -35196,21 +35622,22 @@
           <a:bodyPr/>
           <a:lstStyle/>
           <a:p>
+            <a:pPr algn="l"/>
+            <a:r>
+              <a:rPr lang="zh-CN" altLang="en-US" sz="3600" dirty="0"/>
+              <a:t>三、</a:t>
+            </a:r>
+            <a:r>
+              <a:rPr lang="en-US" altLang="zh-CN" sz="3600" dirty="0"/>
+              <a:t>Shark </a:t>
+            </a:r>
+            <a:r>
+              <a:rPr lang="en-US" altLang="zh-CN" dirty="0" smtClean="0"/>
+              <a:t>		3. SQL</a:t>
+            </a:r>
             <a:r>
               <a:rPr lang="zh-CN" altLang="en-US" dirty="0" smtClean="0"/>
-              <a:t>在</a:t>
-            </a:r>
-            <a:r>
-              <a:rPr lang="en-US" altLang="zh-CN" dirty="0" smtClean="0"/>
-              <a:t>RDD</a:t>
-            </a:r>
-            <a:r>
-              <a:rPr lang="zh-CN" altLang="en-US" dirty="0" smtClean="0"/>
-              <a:t>上执行</a:t>
-            </a:r>
-            <a:r>
-              <a:rPr lang="en-US" altLang="zh-CN" dirty="0" smtClean="0"/>
-              <a:t>SQL</a:t>
+              <a:t>执行过程</a:t>
             </a:r>
             <a:endParaRPr lang="zh-CN" altLang="en-US" dirty="0"/>
           </a:p>
@@ -42148,6 +42575,13 @@
   <p:clrMapOvr>
     <a:masterClrMapping/>
   </p:clrMapOvr>
+  <p:timing>
+    <p:tnLst>
+      <p:par>
+        <p:cTn id="1" dur="indefinite" restart="never" nodeType="tmRoot"/>
+      </p:par>
+    </p:tnLst>
+  </p:timing>
 </p:sld>
 </file>
 
@@ -42180,14 +42614,17 @@
         </p:nvSpPr>
         <p:spPr/>
         <p:txBody>
-          <a:bodyPr/>
+          <a:bodyPr>
+            <a:normAutofit/>
+          </a:bodyPr>
           <a:lstStyle/>
           <a:p>
-            <a:r>
-              <a:rPr lang="zh-CN" altLang="en-US" dirty="0" smtClean="0"/>
+            <a:pPr algn="l"/>
+            <a:r>
+              <a:rPr lang="zh-CN" altLang="en-US" sz="3600" dirty="0" smtClean="0"/>
               <a:t>三、引擎扩展</a:t>
             </a:r>
-            <a:endParaRPr lang="zh-CN" altLang="en-US" dirty="0"/>
+            <a:endParaRPr lang="zh-CN" altLang="en-US" sz="3600" dirty="0"/>
           </a:p>
         </p:txBody>
       </p:sp>
@@ -42204,10 +42641,162 @@
         <p:spPr/>
         <p:txBody>
           <a:bodyPr>
-            <a:normAutofit/>
+            <a:normAutofit fontScale="92500" lnSpcReduction="10000"/>
           </a:bodyPr>
           <a:lstStyle/>
           <a:p>
+            <a:pPr marL="0" indent="0">
+              <a:buNone/>
+            </a:pPr>
+            <a:r>
+              <a:rPr lang="zh-CN" altLang="en-US" dirty="0" smtClean="0"/>
+              <a:t>基于</a:t>
+            </a:r>
+            <a:r>
+              <a:rPr lang="en-US" altLang="zh-CN" dirty="0" smtClean="0"/>
+              <a:t>RDD</a:t>
+            </a:r>
+            <a:r>
+              <a:rPr lang="en-US" altLang="zh-CN" dirty="0" smtClean="0"/>
+              <a:t>(</a:t>
+            </a:r>
+            <a:r>
+              <a:rPr lang="zh-CN" altLang="en-US" b="1" dirty="0" smtClean="0"/>
+              <a:t>粗粒度</a:t>
+            </a:r>
+            <a:r>
+              <a:rPr lang="zh-CN" altLang="en-US" dirty="0" smtClean="0"/>
+              <a:t>数据操作</a:t>
+            </a:r>
+            <a:r>
+              <a:rPr lang="en-US" altLang="zh-CN" dirty="0" smtClean="0"/>
+              <a:t>)</a:t>
+            </a:r>
+            <a:r>
+              <a:rPr lang="zh-CN" altLang="en-US" dirty="0" smtClean="0"/>
+              <a:t>，同时结合传统的数据库技术，</a:t>
+            </a:r>
+            <a:r>
+              <a:rPr lang="en-US" altLang="zh-CN" dirty="0" smtClean="0"/>
+              <a:t>Shark</a:t>
+            </a:r>
+            <a:r>
+              <a:rPr lang="zh-CN" altLang="en-US" dirty="0" smtClean="0"/>
+              <a:t>在如下几个方面扩展</a:t>
+            </a:r>
+            <a:r>
+              <a:rPr lang="en-US" altLang="zh-CN" dirty="0" smtClean="0"/>
+              <a:t>RDD</a:t>
+            </a:r>
+            <a:r>
+              <a:rPr lang="zh-CN" altLang="en-US" dirty="0" smtClean="0"/>
+              <a:t>执行引擎：</a:t>
+            </a:r>
+            <a:endParaRPr lang="en-US" altLang="zh-CN" dirty="0" smtClean="0"/>
+          </a:p>
+          <a:p>
+            <a:pPr marL="514350" indent="-514350">
+              <a:buFont typeface="+mj-lt"/>
+              <a:buAutoNum type="arabicPeriod"/>
+            </a:pPr>
+            <a:r>
+              <a:rPr lang="en-US" altLang="zh-CN" dirty="0" smtClean="0"/>
+              <a:t>SQL</a:t>
+            </a:r>
+            <a:r>
+              <a:rPr lang="zh-CN" altLang="en-US" dirty="0"/>
+              <a:t>查询优化，</a:t>
+            </a:r>
+            <a:r>
+              <a:rPr lang="zh-CN" altLang="en-US" dirty="0" smtClean="0"/>
+              <a:t>局部的</a:t>
+            </a:r>
+            <a:r>
+              <a:rPr lang="en-US" altLang="zh-CN" dirty="0" smtClean="0"/>
+              <a:t>DAG</a:t>
+            </a:r>
+            <a:r>
+              <a:rPr lang="zh-CN" altLang="en-US" dirty="0" smtClean="0"/>
+              <a:t>扩展（</a:t>
+            </a:r>
+            <a:r>
+              <a:rPr lang="en-US" altLang="zh-CN" dirty="0" smtClean="0"/>
+              <a:t>partial </a:t>
+            </a:r>
+            <a:r>
+              <a:rPr lang="en-US" altLang="zh-CN" dirty="0"/>
+              <a:t>DAG execution</a:t>
+            </a:r>
+            <a:r>
+              <a:rPr lang="zh-CN" altLang="en-US" dirty="0"/>
+              <a:t>，简称</a:t>
+            </a:r>
+            <a:r>
+              <a:rPr lang="en-US" altLang="zh-CN" b="1" dirty="0" smtClean="0"/>
+              <a:t>PDE</a:t>
+            </a:r>
+            <a:r>
+              <a:rPr lang="zh-CN" altLang="en-US" dirty="0" smtClean="0"/>
+              <a:t>）</a:t>
+            </a:r>
+            <a:endParaRPr lang="en-US" altLang="zh-CN" dirty="0" smtClean="0"/>
+          </a:p>
+          <a:p>
+            <a:pPr marL="514350" indent="-514350">
+              <a:buFont typeface="+mj-lt"/>
+              <a:buAutoNum type="arabicPeriod"/>
+            </a:pPr>
+            <a:r>
+              <a:rPr lang="zh-CN" altLang="en-US" dirty="0" smtClean="0"/>
+              <a:t>内存存储和内存压缩</a:t>
+            </a:r>
+            <a:endParaRPr lang="en-US" altLang="zh-CN" dirty="0" smtClean="0"/>
+          </a:p>
+          <a:p>
+            <a:pPr marL="514350" indent="-514350">
+              <a:buFont typeface="+mj-lt"/>
+              <a:buAutoNum type="arabicPeriod"/>
+            </a:pPr>
+            <a:r>
+              <a:rPr lang="zh-CN" altLang="en-US" dirty="0" smtClean="0"/>
+              <a:t>分布式数据加载</a:t>
+            </a:r>
+            <a:endParaRPr lang="en-US" altLang="zh-CN" dirty="0" smtClean="0"/>
+          </a:p>
+          <a:p>
+            <a:pPr marL="514350" indent="-514350">
+              <a:buFont typeface="+mj-lt"/>
+              <a:buAutoNum type="arabicPeriod"/>
+            </a:pPr>
+            <a:r>
+              <a:rPr lang="zh-CN" altLang="en-US" dirty="0" smtClean="0"/>
+              <a:t>协同分区</a:t>
+            </a:r>
+            <a:endParaRPr lang="en-US" altLang="zh-CN" dirty="0" smtClean="0"/>
+          </a:p>
+          <a:p>
+            <a:pPr marL="514350" indent="-514350">
+              <a:buFont typeface="+mj-lt"/>
+              <a:buAutoNum type="arabicPeriod"/>
+            </a:pPr>
+            <a:r>
+              <a:rPr lang="zh-CN" altLang="en-US" dirty="0" smtClean="0"/>
+              <a:t>分区统计和</a:t>
+            </a:r>
+            <a:r>
+              <a:rPr lang="en-US" altLang="zh-CN" dirty="0" smtClean="0"/>
+              <a:t>Map</a:t>
+            </a:r>
+            <a:r>
+              <a:rPr lang="zh-CN" altLang="en-US" dirty="0" smtClean="0"/>
+              <a:t>裁剪</a:t>
+            </a:r>
+            <a:endParaRPr lang="en-US" altLang="zh-CN" dirty="0" smtClean="0"/>
+          </a:p>
+          <a:p>
+            <a:pPr marL="0" indent="0">
+              <a:buNone/>
+            </a:pPr>
             <a:endParaRPr lang="zh-CN" altLang="en-US" dirty="0"/>
           </a:p>
         </p:txBody>
@@ -42264,6 +42853,19 @@
           <a:bodyPr/>
           <a:lstStyle/>
           <a:p>
+            <a:pPr algn="l"/>
+            <a:r>
+              <a:rPr lang="zh-CN" altLang="en-US" sz="3600" dirty="0"/>
+              <a:t>三、引擎</a:t>
+            </a:r>
+            <a:r>
+              <a:rPr lang="zh-CN" altLang="en-US" sz="3600" dirty="0" smtClean="0"/>
+              <a:t>扩展</a:t>
+            </a:r>
+            <a:r>
+              <a:rPr lang="en-US" altLang="zh-CN" dirty="0" smtClean="0"/>
+              <a:t>		1.</a:t>
+            </a:r>
             <a:r>
               <a:rPr lang="en-US" altLang="zh-CN" dirty="0" smtClean="0"/>
               <a:t>PDE</a:t>
@@ -42290,8 +42892,8 @@
           <a:lstStyle/>
           <a:p>
             <a:r>
-              <a:rPr lang="zh-CN" altLang="en-US" dirty="0"/>
-              <a:t>有效地在</a:t>
+              <a:rPr lang="zh-CN" altLang="en-US" dirty="0" smtClean="0"/>
+              <a:t>在</a:t>
             </a:r>
             <a:r>
               <a:rPr lang="en-US" altLang="zh-CN" dirty="0" smtClean="0"/>
@@ -42338,23 +42940,11 @@
             </a:r>
             <a:r>
               <a:rPr lang="zh-CN" altLang="en-US" b="1" dirty="0" smtClean="0"/>
-              <a:t>复杂</a:t>
-            </a:r>
-            <a:r>
-              <a:rPr lang="zh-CN" altLang="en-US" b="1" dirty="0" smtClean="0"/>
-              <a:t>分析功能</a:t>
+              <a:t>复杂分析功能</a:t>
             </a:r>
             <a:r>
               <a:rPr lang="zh-CN" altLang="en-US" dirty="0" smtClean="0"/>
-              <a:t>（如机器学习、数据挖掘、图计算等</a:t>
-            </a:r>
-            <a:r>
-              <a:rPr lang="zh-CN" altLang="en-US" dirty="0" smtClean="0"/>
-              <a:t>），使得系统难以</a:t>
-            </a:r>
-            <a:r>
-              <a:rPr lang="zh-CN" altLang="en-US" dirty="0" smtClean="0"/>
-              <a:t>在编译的时候确定优化策略，特别是新数据没有经过</a:t>
+              <a:t>（如机器学习、数据挖掘、图计算等），使得系统难以在编译的时候确定优化策略，特别是新数据没有经过</a:t>
             </a:r>
             <a:r>
               <a:rPr lang="en-US" altLang="zh-CN" dirty="0" smtClean="0"/>
@@ -42413,11 +43003,31 @@
             </a:r>
             <a:r>
               <a:rPr lang="zh-CN" altLang="en-US" dirty="0" smtClean="0"/>
-              <a:t>是低效的</a:t>
+              <a:t>是低效的。（如</a:t>
             </a:r>
             <a:r>
               <a:rPr lang="zh-CN" altLang="en-US" dirty="0" smtClean="0"/>
-              <a:t>。（如数据格式、粒度等）</a:t>
+              <a:t>数据的格式</a:t>
+            </a:r>
+            <a:r>
+              <a:rPr lang="zh-CN" altLang="en-US" dirty="0" smtClean="0"/>
+              <a:t>、粒度</a:t>
+            </a:r>
+            <a:r>
+              <a:rPr lang="zh-CN" altLang="en-US" dirty="0" smtClean="0"/>
+              <a:t>等，</a:t>
+            </a:r>
+            <a:r>
+              <a:rPr lang="en-US" altLang="zh-CN" dirty="0" smtClean="0"/>
+              <a:t>RDD</a:t>
+            </a:r>
+            <a:r>
+              <a:rPr lang="zh-CN" altLang="en-US" dirty="0" smtClean="0"/>
+              <a:t>是粗粒度的</a:t>
+            </a:r>
+            <a:r>
+              <a:rPr lang="zh-CN" altLang="en-US" dirty="0" smtClean="0"/>
+              <a:t>）</a:t>
             </a:r>
             <a:endParaRPr lang="en-US" altLang="zh-CN" dirty="0" smtClean="0"/>
           </a:p>
@@ -42495,10 +43105,17 @@
         </p:nvSpPr>
         <p:spPr/>
         <p:txBody>
-          <a:bodyPr/>
+          <a:bodyPr>
+            <a:normAutofit/>
+          </a:bodyPr>
           <a:lstStyle/>
           <a:p>
-            <a:endParaRPr lang="zh-CN" altLang="en-US" dirty="0"/>
+            <a:pPr algn="l"/>
+            <a:r>
+              <a:rPr lang="zh-CN" altLang="en-US" sz="3600" dirty="0" smtClean="0"/>
+              <a:t>一、背景</a:t>
+            </a:r>
+            <a:endParaRPr lang="zh-CN" altLang="en-US" sz="3600" dirty="0"/>
           </a:p>
         </p:txBody>
       </p:sp>
@@ -42509,444 +43126,87 @@
             <a:spLocks noGrp="1"/>
           </p:cNvSpPr>
           <p:nvPr>
-            <p:ph sz="half" idx="1"/>
+            <p:ph idx="1"/>
           </p:nvPr>
         </p:nvSpPr>
         <p:spPr/>
         <p:txBody>
-          <a:bodyPr>
-            <a:normAutofit fontScale="70000" lnSpcReduction="20000"/>
-          </a:bodyPr>
+          <a:bodyPr/>
           <a:lstStyle/>
           <a:p>
-            <a:pPr marL="571500" indent="-571500">
+            <a:pPr marL="0" indent="0">
               <a:buNone/>
             </a:pPr>
             <a:r>
               <a:rPr lang="zh-CN" altLang="en-US" dirty="0" smtClean="0"/>
-              <a:t>一、背景</a:t>
+              <a:t>现代数据分析领域面临的困境：</a:t>
             </a:r>
             <a:endParaRPr lang="en-US" altLang="zh-CN" dirty="0" smtClean="0"/>
           </a:p>
           <a:p>
-            <a:pPr marL="971550" lvl="1" indent="-571500">
-              <a:buNone/>
+            <a:pPr marL="514350" indent="-514350">
+              <a:buFont typeface="+mj-lt"/>
+              <a:buAutoNum type="arabicPeriod"/>
             </a:pPr>
             <a:r>
-              <a:rPr lang="en-US" altLang="zh-CN" dirty="0" smtClean="0"/>
-              <a:t>1. </a:t>
-            </a:r>
-            <a:r>
-              <a:rPr lang="en-US" altLang="zh-CN" dirty="0" err="1" smtClean="0"/>
-              <a:t>MapReduce</a:t>
+              <a:rPr lang="zh-CN" altLang="en-US" dirty="0" smtClean="0"/>
+              <a:t>数据量大</a:t>
             </a:r>
             <a:endParaRPr lang="en-US" altLang="zh-CN" dirty="0" smtClean="0"/>
           </a:p>
           <a:p>
-            <a:pPr marL="971550" lvl="1" indent="-571500">
-              <a:buNone/>
+            <a:pPr marL="514350" indent="-514350">
+              <a:buFont typeface="+mj-lt"/>
+              <a:buAutoNum type="arabicPeriod"/>
             </a:pPr>
             <a:r>
-              <a:rPr lang="en-US" altLang="zh-CN" dirty="0" smtClean="0"/>
-              <a:t>2. MPP</a:t>
-            </a:r>
-            <a:endParaRPr lang="en-US" altLang="zh-CN" sz="2900" dirty="0" smtClean="0"/>
-          </a:p>
-          <a:p>
-            <a:pPr marL="571500" indent="-571500">
-              <a:buNone/>
-            </a:pPr>
-            <a:r>
               <a:rPr lang="zh-CN" altLang="en-US" dirty="0" smtClean="0"/>
-              <a:t>二、</a:t>
-            </a:r>
-            <a:r>
-              <a:rPr lang="en-US" altLang="zh-CN" dirty="0" smtClean="0"/>
-              <a:t>Spark</a:t>
-            </a:r>
-          </a:p>
-          <a:p>
-            <a:pPr marL="971550" lvl="1" indent="-571500">
-              <a:buNone/>
-            </a:pPr>
-            <a:r>
-              <a:rPr lang="en-US" altLang="zh-CN" dirty="0" smtClean="0"/>
-              <a:t>1. RDD(Resilient </a:t>
+              <a:t>故障和掉队者（</a:t>
             </a:r>
             <a:r>
               <a:rPr lang="en-US" altLang="zh-CN" dirty="0"/>
-              <a:t>Distributed Dataset</a:t>
-            </a:r>
-            <a:r>
-              <a:rPr lang="en-US" altLang="zh-CN" dirty="0" smtClean="0"/>
-              <a:t>)</a:t>
-            </a:r>
-          </a:p>
-          <a:p>
-            <a:pPr marL="971550" lvl="1" indent="-571500">
-              <a:buNone/>
-            </a:pPr>
-            <a:r>
-              <a:rPr lang="en-US" altLang="zh-CN" dirty="0" smtClean="0"/>
-              <a:t>2. </a:t>
-            </a:r>
-            <a:r>
-              <a:rPr lang="en-US" altLang="zh-CN" dirty="0"/>
-              <a:t>RDD </a:t>
+              <a:t>straggler</a:t>
             </a:r>
             <a:r>
               <a:rPr lang="zh-CN" altLang="en-US" dirty="0" smtClean="0"/>
-              <a:t>图</a:t>
-            </a:r>
-            <a:r>
-              <a:rPr lang="en-US" altLang="zh-CN" dirty="0" smtClean="0"/>
-              <a:t>(DAG)</a:t>
-            </a:r>
-          </a:p>
-          <a:p>
-            <a:pPr marL="971550" lvl="1" indent="-571500">
-              <a:buNone/>
-            </a:pPr>
-            <a:r>
-              <a:rPr lang="en-US" altLang="zh-CN" dirty="0" smtClean="0"/>
-              <a:t>3. RDD </a:t>
-            </a:r>
-            <a:r>
-              <a:rPr lang="zh-CN" altLang="en-US" dirty="0" smtClean="0"/>
-              <a:t>依赖类型</a:t>
+              <a:t>）使并行的数据库设计复杂化</a:t>
             </a:r>
             <a:endParaRPr lang="en-US" altLang="zh-CN" dirty="0" smtClean="0"/>
           </a:p>
           <a:p>
-            <a:pPr marL="971550" lvl="1" indent="-571500">
-              <a:buNone/>
+            <a:pPr marL="514350" indent="-514350">
+              <a:buFont typeface="+mj-lt"/>
+              <a:buAutoNum type="arabicPeriod"/>
             </a:pPr>
             <a:r>
-              <a:rPr lang="en-US" altLang="zh-CN" dirty="0" smtClean="0"/>
-              <a:t>4. DAG </a:t>
-            </a:r>
-            <a:r>
               <a:rPr lang="zh-CN" altLang="en-US" dirty="0" smtClean="0"/>
-              <a:t>调度器</a:t>
+              <a:t>复杂的分析功能，如机器学习、图计算等</a:t>
             </a:r>
             <a:endParaRPr lang="en-US" altLang="zh-CN" dirty="0" smtClean="0"/>
           </a:p>
           <a:p>
-            <a:pPr marL="971550" lvl="1" indent="-571500">
-              <a:buNone/>
+            <a:pPr marL="514350" indent="-514350">
+              <a:buFont typeface="+mj-lt"/>
+              <a:buAutoNum type="arabicPeriod"/>
             </a:pPr>
             <a:r>
-              <a:rPr lang="en-US" altLang="zh-CN" dirty="0" smtClean="0"/>
-              <a:t>5. Job </a:t>
+              <a:rPr lang="zh-CN" altLang="en-US" dirty="0"/>
+              <a:t>低</a:t>
             </a:r>
             <a:r>
               <a:rPr lang="zh-CN" altLang="en-US" dirty="0" smtClean="0"/>
-              <a:t>调度过程</a:t>
+              <a:t>延迟要求</a:t>
             </a:r>
             <a:endParaRPr lang="en-US" altLang="zh-CN" dirty="0" smtClean="0"/>
           </a:p>
           <a:p>
-            <a:pPr marL="971550" lvl="1" indent="-571500">
-              <a:buNone/>
+            <a:pPr marL="514350" indent="-514350">
+              <a:buFont typeface="+mj-lt"/>
+              <a:buAutoNum type="arabicPeriod"/>
             </a:pPr>
             <a:r>
-              <a:rPr lang="en-US" altLang="zh-CN" dirty="0" smtClean="0"/>
-              <a:t>6. RDD </a:t>
-            </a:r>
-            <a:r>
               <a:rPr lang="zh-CN" altLang="en-US" dirty="0" smtClean="0"/>
-              <a:t>容错</a:t>
-            </a:r>
-            <a:endParaRPr lang="en-US" altLang="zh-CN" dirty="0" smtClean="0"/>
-          </a:p>
-          <a:p>
-            <a:pPr marL="971550" lvl="1" indent="-571500">
-              <a:buNone/>
-            </a:pPr>
-            <a:r>
-              <a:rPr lang="en-US" altLang="zh-CN" dirty="0" smtClean="0"/>
-              <a:t>7. </a:t>
-            </a:r>
-            <a:r>
-              <a:rPr lang="zh-CN" altLang="en-US" dirty="0" smtClean="0"/>
-              <a:t>其他概念</a:t>
-            </a:r>
-            <a:endParaRPr lang="en-US" altLang="zh-CN" dirty="0" smtClean="0"/>
-          </a:p>
-          <a:p>
-            <a:pPr marL="571500" indent="-571500">
-              <a:buNone/>
-            </a:pPr>
-            <a:r>
-              <a:rPr lang="zh-CN" altLang="en-US" dirty="0" smtClean="0"/>
-              <a:t>三、</a:t>
-            </a:r>
-            <a:r>
-              <a:rPr lang="en-US" altLang="zh-CN" dirty="0" smtClean="0"/>
-              <a:t>Shark</a:t>
-            </a:r>
-          </a:p>
-          <a:p>
-            <a:pPr marL="971550" lvl="1" indent="-514350">
-              <a:buNone/>
-            </a:pPr>
-            <a:r>
-              <a:rPr lang="en-US" altLang="zh-CN" dirty="0" smtClean="0"/>
-              <a:t>1. Hive VS Shark</a:t>
-            </a:r>
-          </a:p>
-          <a:p>
-            <a:pPr marL="971550" lvl="1" indent="-514350">
-              <a:buNone/>
-            </a:pPr>
-            <a:r>
-              <a:rPr lang="en-US" altLang="zh-CN" dirty="0" smtClean="0"/>
-              <a:t>2. </a:t>
-            </a:r>
-            <a:r>
-              <a:rPr lang="zh-CN" altLang="en-US" dirty="0" smtClean="0"/>
-              <a:t>容错</a:t>
-            </a:r>
-            <a:endParaRPr lang="en-US" altLang="zh-CN" dirty="0" smtClean="0"/>
-          </a:p>
-          <a:p>
-            <a:pPr marL="971550" lvl="1" indent="-514350">
-              <a:buNone/>
-            </a:pPr>
-            <a:r>
-              <a:rPr lang="en-US" altLang="zh-CN" dirty="0" smtClean="0"/>
-              <a:t>3. RDDs</a:t>
-            </a:r>
-            <a:r>
-              <a:rPr lang="zh-CN" altLang="en-US" dirty="0" smtClean="0"/>
-              <a:t>上执行</a:t>
-            </a:r>
-            <a:r>
-              <a:rPr lang="en-US" altLang="zh-CN" dirty="0" smtClean="0"/>
-              <a:t>SQL</a:t>
-            </a:r>
-            <a:endParaRPr lang="zh-CN" altLang="en-US" dirty="0"/>
-          </a:p>
-        </p:txBody>
-      </p:sp>
-      <p:sp>
-        <p:nvSpPr>
-          <p:cNvPr id="4" name="内容占位符 3"/>
-          <p:cNvSpPr>
-            <a:spLocks noGrp="1"/>
-          </p:cNvSpPr>
-          <p:nvPr>
-            <p:ph sz="half" idx="2"/>
-          </p:nvPr>
-        </p:nvSpPr>
-        <p:spPr/>
-        <p:txBody>
-          <a:bodyPr>
-            <a:normAutofit fontScale="70000" lnSpcReduction="20000"/>
-          </a:bodyPr>
-          <a:lstStyle/>
-          <a:p>
-            <a:pPr marL="571500" indent="-571500">
-              <a:buNone/>
-            </a:pPr>
-            <a:r>
-              <a:rPr lang="zh-CN" altLang="en-US" dirty="0" smtClean="0"/>
-              <a:t>四、引擎扩展</a:t>
-            </a:r>
-            <a:endParaRPr lang="en-US" altLang="zh-CN" dirty="0" smtClean="0"/>
-          </a:p>
-          <a:p>
-            <a:pPr marL="971550" lvl="1" indent="-514350">
-              <a:buNone/>
-            </a:pPr>
-            <a:r>
-              <a:rPr lang="en-US" altLang="zh-CN" dirty="0" smtClean="0"/>
-              <a:t>1. PDE</a:t>
-            </a:r>
-          </a:p>
-          <a:p>
-            <a:pPr marL="1371600" lvl="2" indent="-457200">
-              <a:buNone/>
-            </a:pPr>
-            <a:r>
-              <a:rPr lang="en-US" altLang="zh-CN" dirty="0" smtClean="0"/>
-              <a:t>1). Join</a:t>
-            </a:r>
-            <a:r>
-              <a:rPr lang="zh-CN" altLang="en-US" dirty="0" smtClean="0"/>
-              <a:t>优化</a:t>
-            </a:r>
-            <a:endParaRPr lang="en-US" altLang="zh-CN" dirty="0" smtClean="0"/>
-          </a:p>
-          <a:p>
-            <a:pPr marL="1371600" lvl="2" indent="-457200">
-              <a:buNone/>
-            </a:pPr>
-            <a:r>
-              <a:rPr lang="en-US" altLang="zh-CN" dirty="0" smtClean="0"/>
-              <a:t>2). </a:t>
-            </a:r>
-            <a:r>
-              <a:rPr lang="zh-CN" altLang="en-US" dirty="0" smtClean="0"/>
-              <a:t>斜</a:t>
-            </a:r>
-            <a:r>
-              <a:rPr lang="zh-CN" altLang="en-US" dirty="0"/>
-              <a:t>处理</a:t>
-            </a:r>
-            <a:r>
-              <a:rPr lang="zh-CN" altLang="en-US" dirty="0" smtClean="0"/>
-              <a:t>和并行度</a:t>
-            </a:r>
-            <a:endParaRPr lang="en-US" altLang="zh-CN" dirty="0" smtClean="0"/>
-          </a:p>
-          <a:p>
-            <a:pPr marL="971550" lvl="1" indent="-514350">
-              <a:buNone/>
-            </a:pPr>
-            <a:r>
-              <a:rPr lang="en-US" altLang="zh-CN" dirty="0" smtClean="0"/>
-              <a:t>2. </a:t>
-            </a:r>
-            <a:r>
-              <a:rPr lang="zh-CN" altLang="en-US" dirty="0" smtClean="0"/>
-              <a:t>内存列存储</a:t>
-            </a:r>
-            <a:endParaRPr lang="en-US" altLang="zh-CN" dirty="0" smtClean="0"/>
-          </a:p>
-          <a:p>
-            <a:pPr marL="971550" lvl="1" indent="-514350">
-              <a:buNone/>
-            </a:pPr>
-            <a:r>
-              <a:rPr lang="en-US" altLang="zh-CN" dirty="0" smtClean="0"/>
-              <a:t>3. </a:t>
-            </a:r>
-            <a:r>
-              <a:rPr lang="zh-CN" altLang="en-US" dirty="0" smtClean="0"/>
-              <a:t>分布式数据加载</a:t>
-            </a:r>
-            <a:endParaRPr lang="en-US" altLang="zh-CN" dirty="0" smtClean="0"/>
-          </a:p>
-          <a:p>
-            <a:pPr marL="971550" lvl="1" indent="-514350">
-              <a:buNone/>
-            </a:pPr>
-            <a:r>
-              <a:rPr lang="en-US" altLang="zh-CN" dirty="0" smtClean="0"/>
-              <a:t>4. </a:t>
-            </a:r>
-            <a:r>
-              <a:rPr lang="zh-CN" altLang="en-US" dirty="0" smtClean="0"/>
-              <a:t>数据协同分区</a:t>
-            </a:r>
-            <a:endParaRPr lang="en-US" altLang="zh-CN" dirty="0" smtClean="0"/>
-          </a:p>
-          <a:p>
-            <a:pPr marL="971550" lvl="1" indent="-514350">
-              <a:buNone/>
-            </a:pPr>
-            <a:r>
-              <a:rPr lang="en-US" altLang="zh-CN" dirty="0" smtClean="0"/>
-              <a:t>5. </a:t>
-            </a:r>
-            <a:r>
-              <a:rPr lang="zh-CN" altLang="en-US" dirty="0" smtClean="0"/>
-              <a:t>分区统计和</a:t>
-            </a:r>
-            <a:r>
-              <a:rPr lang="en-US" altLang="zh-CN" dirty="0" smtClean="0"/>
-              <a:t>Map</a:t>
-            </a:r>
-            <a:r>
-              <a:rPr lang="zh-CN" altLang="en-US" dirty="0" smtClean="0"/>
-              <a:t>裁剪</a:t>
-            </a:r>
-            <a:endParaRPr lang="en-US" altLang="zh-CN" dirty="0" smtClean="0"/>
-          </a:p>
-          <a:p>
-            <a:pPr marL="571500" indent="-571500">
-              <a:buNone/>
-            </a:pPr>
-            <a:r>
-              <a:rPr lang="zh-CN" altLang="en-US" dirty="0" smtClean="0"/>
-              <a:t>五、机器学习支持</a:t>
-            </a:r>
-            <a:endParaRPr lang="en-US" altLang="zh-CN" dirty="0" smtClean="0"/>
-          </a:p>
-          <a:p>
-            <a:pPr lvl="1">
-              <a:buNone/>
-            </a:pPr>
-            <a:r>
-              <a:rPr lang="en-US" altLang="zh-CN" dirty="0" smtClean="0"/>
-              <a:t>1. </a:t>
-            </a:r>
-            <a:r>
-              <a:rPr lang="zh-CN" altLang="en-US" dirty="0" smtClean="0"/>
-              <a:t>语言集成</a:t>
-            </a:r>
-            <a:endParaRPr lang="en-US" altLang="zh-CN" dirty="0" smtClean="0"/>
-          </a:p>
-          <a:p>
-            <a:pPr lvl="1">
-              <a:buNone/>
-            </a:pPr>
-            <a:r>
-              <a:rPr lang="en-US" altLang="zh-CN" dirty="0" smtClean="0"/>
-              <a:t>2. </a:t>
-            </a:r>
-            <a:r>
-              <a:rPr lang="zh-CN" altLang="en-US" dirty="0" smtClean="0"/>
-              <a:t>执行引擎集成</a:t>
-            </a:r>
-            <a:endParaRPr lang="en-US" altLang="zh-CN" dirty="0" smtClean="0"/>
-          </a:p>
-          <a:p>
-            <a:pPr marL="571500" indent="-571500">
-              <a:buNone/>
-            </a:pPr>
-            <a:r>
-              <a:rPr lang="zh-CN" altLang="en-US" dirty="0" smtClean="0"/>
-              <a:t>六</a:t>
-            </a:r>
-            <a:r>
-              <a:rPr lang="zh-CN" altLang="en-US" dirty="0" smtClean="0"/>
-              <a:t>、系统实现</a:t>
-            </a:r>
-            <a:endParaRPr lang="en-US" altLang="zh-CN" dirty="0" smtClean="0"/>
-          </a:p>
-          <a:p>
-            <a:pPr marL="571500" indent="-571500">
-              <a:buNone/>
-            </a:pPr>
-            <a:r>
-              <a:rPr lang="zh-CN" altLang="en-US" dirty="0" smtClean="0"/>
-              <a:t>七、</a:t>
-            </a:r>
-            <a:r>
-              <a:rPr lang="zh-CN" altLang="en-US" dirty="0" smtClean="0"/>
-              <a:t>实验</a:t>
-            </a:r>
-            <a:endParaRPr lang="en-US" altLang="zh-CN" dirty="0" smtClean="0"/>
-          </a:p>
-          <a:p>
-            <a:pPr marL="571500" indent="-571500">
-              <a:buNone/>
-            </a:pPr>
-            <a:r>
-              <a:rPr lang="zh-CN" altLang="en-US" dirty="0" smtClean="0"/>
-              <a:t>八、讨论</a:t>
-            </a:r>
-            <a:endParaRPr lang="en-US" altLang="zh-CN" dirty="0" smtClean="0"/>
-          </a:p>
-          <a:p>
-            <a:pPr marL="571500" indent="-571500">
-              <a:buNone/>
-            </a:pPr>
-            <a:r>
-              <a:rPr lang="zh-CN" altLang="en-US" dirty="0" smtClean="0"/>
-              <a:t>九、回顾</a:t>
+              <a:t>迭代式计算</a:t>
             </a:r>
             <a:endParaRPr lang="zh-CN" altLang="en-US" dirty="0"/>
           </a:p>
@@ -42955,13 +43215,20 @@
     </p:spTree>
     <p:extLst>
       <p:ext uri="{BB962C8B-B14F-4D97-AF65-F5344CB8AC3E}">
-        <p14:creationId xmlns:p14="http://schemas.microsoft.com/office/powerpoint/2010/main" val="3870573160"/>
+        <p14:creationId xmlns:p14="http://schemas.microsoft.com/office/powerpoint/2010/main" val="1910282457"/>
       </p:ext>
     </p:extLst>
   </p:cSld>
   <p:clrMapOvr>
     <a:masterClrMapping/>
   </p:clrMapOvr>
+  <p:timing>
+    <p:tnLst>
+      <p:par>
+        <p:cTn id="1" dur="indefinite" restart="never" nodeType="tmRoot"/>
+      </p:par>
+    </p:tnLst>
+  </p:timing>
 </p:sld>
 </file>
 
@@ -42997,6 +43264,19 @@
           <a:bodyPr/>
           <a:lstStyle/>
           <a:p>
+            <a:pPr algn="l"/>
+            <a:r>
+              <a:rPr lang="zh-CN" altLang="en-US" sz="3600" dirty="0"/>
+              <a:t>三、引擎</a:t>
+            </a:r>
+            <a:r>
+              <a:rPr lang="zh-CN" altLang="en-US" sz="3600" dirty="0" smtClean="0"/>
+              <a:t>扩展</a:t>
+            </a:r>
+            <a:r>
+              <a:rPr lang="en-US" altLang="zh-CN" dirty="0" smtClean="0"/>
+              <a:t>		1. </a:t>
+            </a:r>
             <a:r>
               <a:rPr lang="en-US" altLang="zh-CN" dirty="0" smtClean="0"/>
               <a:t>PDE</a:t>
@@ -43378,12 +43658,31 @@
         </p:nvSpPr>
         <p:spPr/>
         <p:txBody>
-          <a:bodyPr/>
+          <a:bodyPr>
+            <a:normAutofit fontScale="90000"/>
+          </a:bodyPr>
           <a:lstStyle/>
           <a:p>
+            <a:pPr algn="l"/>
+            <a:r>
+              <a:rPr lang="zh-CN" altLang="en-US" sz="3600" dirty="0"/>
+              <a:t>三、引擎</a:t>
+            </a:r>
+            <a:r>
+              <a:rPr lang="zh-CN" altLang="en-US" sz="3600" dirty="0" smtClean="0"/>
+              <a:t>扩展</a:t>
+            </a:r>
+            <a:r>
+              <a:rPr lang="en-US" altLang="zh-CN" dirty="0" smtClean="0"/>
+              <a:t>		1. </a:t>
+            </a:r>
+            <a:r>
+              <a:rPr lang="en-US" altLang="zh-CN" dirty="0" smtClean="0"/>
+              <a:t>PDE </a:t>
+            </a:r>
             <a:r>
               <a:rPr lang="en-US" altLang="zh-CN" dirty="0"/>
-              <a:t>PDE Join</a:t>
+              <a:t>Join</a:t>
             </a:r>
             <a:r>
               <a:rPr lang="zh-CN" altLang="en-US" dirty="0"/>
@@ -43550,25 +43849,37 @@
         <p:spPr/>
         <p:txBody>
           <a:bodyPr>
-            <a:normAutofit/>
+            <a:normAutofit fontScale="90000"/>
           </a:bodyPr>
           <a:lstStyle/>
           <a:p>
             <a:r>
+              <a:rPr lang="zh-CN" altLang="en-US" sz="3600" dirty="0"/>
+              <a:t>三、引擎</a:t>
+            </a:r>
+            <a:r>
+              <a:rPr lang="zh-CN" altLang="en-US" sz="3600" dirty="0" smtClean="0"/>
+              <a:t>扩展</a:t>
+            </a:r>
+            <a:r>
+              <a:rPr lang="en-US" altLang="zh-CN" sz="3600" dirty="0" smtClean="0"/>
+              <a:t>	</a:t>
+            </a:r>
+            <a:r>
+              <a:rPr lang="en-US" altLang="zh-CN" dirty="0" smtClean="0"/>
+              <a:t>1. </a:t>
+            </a:r>
+            <a:r>
               <a:rPr lang="en-US" altLang="zh-CN" dirty="0" smtClean="0"/>
               <a:t>PDE </a:t>
             </a:r>
             <a:r>
               <a:rPr lang="zh-CN" altLang="en-US" dirty="0" smtClean="0"/>
-              <a:t>斜</a:t>
-            </a:r>
-            <a:r>
-              <a:rPr lang="en-US" altLang="zh-CN" dirty="0" smtClean="0"/>
-              <a:t>(skew)</a:t>
+              <a:t>斜处理</a:t>
             </a:r>
             <a:r>
               <a:rPr lang="zh-CN" altLang="en-US" dirty="0" smtClean="0"/>
-              <a:t>处理和并行度</a:t>
+              <a:t>和并行度</a:t>
             </a:r>
             <a:endParaRPr lang="zh-CN" altLang="en-US" dirty="0"/>
           </a:p>
@@ -43878,8 +44189,24 @@
           <a:lstStyle/>
           <a:p>
             <a:r>
+              <a:rPr lang="zh-CN" altLang="en-US" sz="3600" dirty="0"/>
+              <a:t>三、引擎</a:t>
+            </a:r>
+            <a:r>
+              <a:rPr lang="zh-CN" altLang="en-US" sz="3600" dirty="0" smtClean="0"/>
+              <a:t>扩展</a:t>
+            </a:r>
+            <a:r>
+              <a:rPr lang="en-US" altLang="zh-CN" dirty="0" smtClean="0"/>
+              <a:t>		2. </a:t>
+            </a:r>
+            <a:r>
+              <a:rPr lang="zh-CN" altLang="en-US" dirty="0" smtClean="0"/>
+              <a:t>列</a:t>
+            </a:r>
+            <a:r>
               <a:rPr lang="zh-CN" altLang="en-US" dirty="0"/>
-              <a:t>列内存存储</a:t>
+              <a:t>内存存储</a:t>
             </a:r>
           </a:p>
         </p:txBody>
@@ -44274,36 +44601,6 @@
             <a:endParaRPr lang="en-US" altLang="zh-CN" dirty="0"/>
           </a:p>
           <a:p>
-            <a:endParaRPr lang="zh-CN" altLang="en-US" dirty="0"/>
-          </a:p>
-        </p:txBody>
-      </p:sp>
-      <p:sp>
-        <p:nvSpPr>
-          <p:cNvPr id="6" name="TextBox 5"/>
-          <p:cNvSpPr txBox="1"/>
-          <p:nvPr/>
-        </p:nvSpPr>
-        <p:spPr>
-          <a:xfrm>
-            <a:off x="-2484784" y="1992065"/>
-            <a:ext cx="2304255" cy="1754326"/>
-          </a:xfrm>
-          <a:prstGeom prst="rect">
-            <a:avLst/>
-          </a:prstGeom>
-          <a:noFill/>
-        </p:spPr>
-        <p:txBody>
-          <a:bodyPr wrap="square" rtlCol="0">
-            <a:spAutoFit/>
-          </a:bodyPr>
-          <a:lstStyle/>
-          <a:p>
-            <a:r>
-              <a:rPr lang="zh-CN" altLang="en-US" dirty="0" smtClean="0"/>
-              <a:t>数据不一定就在本地，会涉及到数据的网络传输，则数据需要进行序列化，接收到的数据还需要进行反序列化 </a:t>
-            </a:r>
             <a:endParaRPr lang="zh-CN" altLang="en-US" dirty="0"/>
           </a:p>
         </p:txBody>
@@ -44361,6 +44658,18 @@
           <a:lstStyle/>
           <a:p>
             <a:r>
+              <a:rPr lang="zh-CN" altLang="en-US" sz="3600" dirty="0"/>
+              <a:t>三、引擎</a:t>
+            </a:r>
+            <a:r>
+              <a:rPr lang="zh-CN" altLang="en-US" sz="3600" dirty="0" smtClean="0"/>
+              <a:t>扩展</a:t>
+            </a:r>
+            <a:r>
+              <a:rPr lang="en-US" altLang="zh-CN" dirty="0" smtClean="0"/>
+              <a:t>		2. </a:t>
+            </a:r>
+            <a:r>
               <a:rPr lang="zh-CN" altLang="en-US" dirty="0" smtClean="0"/>
               <a:t>列</a:t>
             </a:r>
@@ -44583,9 +44892,23 @@
         </p:nvSpPr>
         <p:spPr/>
         <p:txBody>
-          <a:bodyPr/>
+          <a:bodyPr>
+            <a:normAutofit fontScale="90000"/>
+          </a:bodyPr>
           <a:lstStyle/>
           <a:p>
+            <a:r>
+              <a:rPr lang="zh-CN" altLang="en-US" sz="3600" dirty="0"/>
+              <a:t>三、引擎</a:t>
+            </a:r>
+            <a:r>
+              <a:rPr lang="zh-CN" altLang="en-US" sz="3600" dirty="0" smtClean="0"/>
+              <a:t>扩展</a:t>
+            </a:r>
+            <a:r>
+              <a:rPr lang="en-US" altLang="zh-CN" dirty="0" smtClean="0"/>
+              <a:t>		3.</a:t>
+            </a:r>
             <a:r>
               <a:rPr lang="zh-CN" altLang="en-US" dirty="0" smtClean="0"/>
               <a:t>分布式</a:t>
@@ -44629,11 +44952,7 @@
             </a:r>
             <a:r>
               <a:rPr lang="zh-CN" altLang="en-US" dirty="0" smtClean="0"/>
-              <a:t>，</a:t>
-            </a:r>
-            <a:r>
-              <a:rPr lang="zh-CN" altLang="en-US" dirty="0" smtClean="0"/>
-              <a:t>大致过程：</a:t>
+              <a:t>，大致过程：</a:t>
             </a:r>
             <a:r>
               <a:rPr lang="en-US" altLang="zh-CN" dirty="0" smtClean="0"/>
@@ -44644,26 +44963,14 @@
             </a:br>
             <a:r>
               <a:rPr lang="zh-CN" altLang="en-US" dirty="0" smtClean="0"/>
-              <a:t>一个表被划分到多个小的分区，每个</a:t>
-            </a:r>
-            <a:r>
-              <a:rPr lang="zh-CN" altLang="en-US" dirty="0" smtClean="0"/>
-              <a:t>分区对应一个加载任务，</a:t>
-            </a:r>
-            <a:r>
-              <a:rPr lang="zh-CN" altLang="en-US" dirty="0" smtClean="0"/>
-              <a:t>加载任务按照“数据视图”从数据行中提取独立字段，然后将分区数据整理为列存储形式，最后存储到内存。</a:t>
+              <a:t>一个表被划分到多个小的分区，每个分区对应一个加载任务，加载任务按照“数据视图”从数据行中提取独立字段，然后将分区数据整理为列存储形式，最后存储到内存。</a:t>
             </a:r>
             <a:endParaRPr lang="en-US" altLang="zh-CN" dirty="0" smtClean="0"/>
           </a:p>
           <a:p>
             <a:r>
               <a:rPr lang="zh-CN" altLang="en-US" dirty="0" smtClean="0"/>
-              <a:t>每个</a:t>
-            </a:r>
-            <a:r>
-              <a:rPr lang="zh-CN" altLang="en-US" dirty="0" smtClean="0"/>
-              <a:t>数据加载任务跟踪“元数据（</a:t>
+              <a:t>每个数据加载任务跟踪“元数据（</a:t>
             </a:r>
             <a:r>
               <a:rPr lang="en-US" altLang="zh-CN" dirty="0"/>
@@ -44698,11 +45005,7 @@
             </a:r>
             <a:r>
               <a:rPr lang="zh-CN" altLang="en-US" dirty="0" smtClean="0"/>
-              <a:t>）</a:t>
-            </a:r>
-            <a:r>
-              <a:rPr lang="zh-CN" altLang="en-US" dirty="0" smtClean="0"/>
-              <a:t>。</a:t>
+              <a:t>）。</a:t>
             </a:r>
             <a:endParaRPr lang="en-US" altLang="zh-CN" dirty="0" smtClean="0"/>
           </a:p>
@@ -44789,9 +45092,24 @@
         </p:nvSpPr>
         <p:spPr/>
         <p:txBody>
-          <a:bodyPr/>
+          <a:bodyPr>
+            <a:normAutofit fontScale="90000"/>
+          </a:bodyPr>
           <a:lstStyle/>
           <a:p>
+            <a:pPr algn="l"/>
+            <a:r>
+              <a:rPr lang="zh-CN" altLang="en-US" sz="3600" dirty="0"/>
+              <a:t>三、引擎</a:t>
+            </a:r>
+            <a:r>
+              <a:rPr lang="zh-CN" altLang="en-US" sz="3600" dirty="0" smtClean="0"/>
+              <a:t>扩展</a:t>
+            </a:r>
+            <a:r>
+              <a:rPr lang="en-US" altLang="zh-CN" dirty="0" smtClean="0"/>
+              <a:t>		4. </a:t>
+            </a:r>
             <a:r>
               <a:rPr lang="zh-CN" altLang="en-US" dirty="0" smtClean="0"/>
               <a:t>数据</a:t>
@@ -44825,11 +45143,7 @@
             </a:r>
             <a:r>
               <a:rPr lang="zh-CN" altLang="en-US" sz="2400" dirty="0" smtClean="0"/>
-              <a:t>协同分区方式：数据</a:t>
-            </a:r>
-            <a:r>
-              <a:rPr lang="zh-CN" altLang="en-US" sz="2400" dirty="0" smtClean="0"/>
-              <a:t>加载过程，</a:t>
+              <a:t>协同分区方式：数据加载过程，</a:t>
             </a:r>
             <a:r>
               <a:rPr lang="zh-CN" altLang="en-US" sz="2400" dirty="0"/>
@@ -44868,19 +45182,11 @@
             </a:r>
             <a:r>
               <a:rPr lang="en-US" altLang="zh-CN" sz="2400" b="1" dirty="0" smtClean="0"/>
-              <a:t>common </a:t>
-            </a:r>
-            <a:r>
-              <a:rPr lang="en-US" altLang="zh-CN" sz="2400" b="1" dirty="0" smtClean="0"/>
-              <a:t>key</a:t>
+              <a:t>common key</a:t>
             </a:r>
             <a:r>
               <a:rPr lang="zh-CN" altLang="en-US" sz="2400" dirty="0" smtClean="0"/>
-              <a:t>协同</a:t>
-            </a:r>
-            <a:r>
-              <a:rPr lang="zh-CN" altLang="en-US" sz="2400" dirty="0" smtClean="0"/>
-              <a:t>分区。</a:t>
+              <a:t>协同分区。</a:t>
             </a:r>
             <a:r>
               <a:rPr lang="en-US" altLang="zh-CN" sz="2400" dirty="0" smtClean="0"/>
@@ -44891,11 +45197,7 @@
             </a:br>
             <a:r>
               <a:rPr lang="zh-CN" altLang="en-US" sz="2400" dirty="0" smtClean="0"/>
-              <a:t>协同分区时</a:t>
-            </a:r>
-            <a:r>
-              <a:rPr lang="zh-CN" altLang="en-US" sz="2400" dirty="0" smtClean="0"/>
-              <a:t>，</a:t>
+              <a:t>协同分区时，</a:t>
             </a:r>
             <a:r>
               <a:rPr lang="en-US" altLang="zh-CN" sz="2400" dirty="0" smtClean="0"/>
@@ -45143,9 +45445,24 @@
         </p:nvSpPr>
         <p:spPr/>
         <p:txBody>
-          <a:bodyPr/>
+          <a:bodyPr>
+            <a:normAutofit fontScale="90000"/>
+          </a:bodyPr>
           <a:lstStyle/>
           <a:p>
+            <a:pPr algn="l"/>
+            <a:r>
+              <a:rPr lang="zh-CN" altLang="en-US" sz="3600" dirty="0"/>
+              <a:t>三、引擎</a:t>
+            </a:r>
+            <a:r>
+              <a:rPr lang="zh-CN" altLang="en-US" sz="3600" dirty="0" smtClean="0"/>
+              <a:t>扩展</a:t>
+            </a:r>
+            <a:r>
+              <a:rPr lang="en-US" altLang="zh-CN" dirty="0" smtClean="0"/>
+              <a:t>	5. </a:t>
+            </a:r>
             <a:r>
               <a:rPr lang="zh-CN" altLang="en-US" dirty="0" smtClean="0"/>
               <a:t>分区</a:t>
@@ -45228,39 +45545,7 @@
           <a:p>
             <a:r>
               <a:rPr lang="zh-CN" altLang="en-US" dirty="0" smtClean="0"/>
-              <a:t>分区统计：每个</a:t>
-            </a:r>
-            <a:r>
-              <a:rPr lang="zh-CN" altLang="en-US" dirty="0" smtClean="0"/>
-              <a:t>节点的</a:t>
-            </a:r>
-            <a:r>
-              <a:rPr lang="zh-CN" altLang="en-US" dirty="0" smtClean="0"/>
-              <a:t>内存</a:t>
-            </a:r>
-            <a:r>
-              <a:rPr lang="zh-CN" altLang="en-US" dirty="0" smtClean="0"/>
-              <a:t>存储在</a:t>
-            </a:r>
-            <a:r>
-              <a:rPr lang="zh-CN" altLang="en-US" dirty="0" smtClean="0"/>
-              <a:t>数据加载过程收集统计数据</a:t>
-            </a:r>
-            <a:r>
-              <a:rPr lang="zh-CN" altLang="en-US" dirty="0" smtClean="0"/>
-              <a:t>，如每</a:t>
-            </a:r>
-            <a:r>
-              <a:rPr lang="zh-CN" altLang="en-US" dirty="0" smtClean="0"/>
-              <a:t>一列的范围、记录数等</a:t>
-            </a:r>
-            <a:r>
-              <a:rPr lang="zh-CN" altLang="en-US" dirty="0" smtClean="0"/>
-              <a:t>。这些</a:t>
-            </a:r>
-            <a:r>
-              <a:rPr lang="zh-CN" altLang="en-US" dirty="0" smtClean="0"/>
-              <a:t>数据会发送到</a:t>
+              <a:t>分区统计：每个节点的内存存储在数据加载过程收集统计数据，如每一列的范围、记录数等。这些数据会发送到</a:t>
             </a:r>
             <a:r>
               <a:rPr lang="en-US" altLang="zh-CN" dirty="0" smtClean="0"/>
@@ -45283,19 +45568,7 @@
             </a:r>
             <a:r>
               <a:rPr lang="zh-CN" altLang="en-US" dirty="0" smtClean="0"/>
-              <a:t>对所有的分区统计信息和查询语句的谓词进行评估，不满足谓词的分区将被裁剪掉，也即不会有</a:t>
-            </a:r>
-            <a:r>
-              <a:rPr lang="zh-CN" altLang="en-US" dirty="0" smtClean="0"/>
-              <a:t>任务扫描</a:t>
-            </a:r>
-            <a:r>
-              <a:rPr lang="zh-CN" altLang="en-US" dirty="0" smtClean="0"/>
-              <a:t>这些分区数据</a:t>
-            </a:r>
-            <a:r>
-              <a:rPr lang="zh-CN" altLang="en-US" dirty="0" smtClean="0"/>
-              <a:t>。</a:t>
+              <a:t>对所有的分区统计信息和查询语句的谓词进行评估，不满足谓词的分区将被裁剪掉，也即不会有任务扫描这些分区数据。</a:t>
             </a:r>
             <a:endParaRPr lang="zh-CN" altLang="en-US" dirty="0"/>
           </a:p>
@@ -45350,14 +45623,21 @@
         </p:nvSpPr>
         <p:spPr/>
         <p:txBody>
-          <a:bodyPr/>
+          <a:bodyPr>
+            <a:normAutofit/>
+          </a:bodyPr>
           <a:lstStyle/>
           <a:p>
-            <a:r>
-              <a:rPr lang="zh-CN" altLang="en-US" dirty="0" smtClean="0"/>
-              <a:t>机器学习支持</a:t>
-            </a:r>
-            <a:endParaRPr lang="zh-CN" altLang="en-US" dirty="0"/>
+            <a:pPr algn="l"/>
+            <a:r>
+              <a:rPr lang="zh-CN" altLang="en-US" sz="3600" dirty="0" smtClean="0"/>
+              <a:t>四、机器学习</a:t>
+            </a:r>
+            <a:r>
+              <a:rPr lang="zh-CN" altLang="en-US" sz="3600" dirty="0" smtClean="0"/>
+              <a:t>支持</a:t>
+            </a:r>
+            <a:endParaRPr lang="zh-CN" altLang="en-US" sz="3600" dirty="0"/>
           </a:p>
         </p:txBody>
       </p:sp>
@@ -45413,11 +45693,7 @@
             </a:pPr>
             <a:r>
               <a:rPr lang="zh-CN" altLang="en-US" dirty="0" smtClean="0"/>
-              <a:t>语言集成</a:t>
-            </a:r>
-            <a:r>
-              <a:rPr lang="zh-CN" altLang="en-US" dirty="0" smtClean="0"/>
-              <a:t>：类似于</a:t>
+              <a:t>语言集成：类似于</a:t>
             </a:r>
             <a:r>
               <a:rPr lang="en-US" altLang="zh-CN" dirty="0" smtClean="0"/>
@@ -45425,11 +45701,7 @@
             </a:r>
             <a:r>
               <a:rPr lang="zh-CN" altLang="en-US" dirty="0" smtClean="0"/>
-              <a:t>编程，如</a:t>
-            </a:r>
-            <a:r>
-              <a:rPr lang="zh-CN" altLang="en-US" dirty="0" smtClean="0"/>
-              <a:t>右图</a:t>
+              <a:t>编程，如右图</a:t>
             </a:r>
             <a:endParaRPr lang="en-US" altLang="zh-CN" dirty="0" smtClean="0"/>
           </a:p>
@@ -45440,11 +45712,7 @@
             </a:pPr>
             <a:r>
               <a:rPr lang="zh-CN" altLang="en-US" dirty="0" smtClean="0"/>
-              <a:t>执行引擎集成</a:t>
-            </a:r>
-            <a:r>
-              <a:rPr lang="zh-CN" altLang="en-US" dirty="0" smtClean="0"/>
-              <a:t>：</a:t>
+              <a:t>执行引擎集成：</a:t>
             </a:r>
             <a:r>
               <a:rPr lang="en-US" altLang="zh-CN" dirty="0" smtClean="0"/>
@@ -45541,14 +45809,17 @@
         </p:nvSpPr>
         <p:spPr/>
         <p:txBody>
-          <a:bodyPr/>
+          <a:bodyPr>
+            <a:normAutofit/>
+          </a:bodyPr>
           <a:lstStyle/>
           <a:p>
-            <a:r>
-              <a:rPr lang="zh-CN" altLang="en-US" dirty="0" smtClean="0"/>
-              <a:t>实现</a:t>
-            </a:r>
-            <a:endParaRPr lang="zh-CN" altLang="en-US" dirty="0"/>
+            <a:pPr algn="l"/>
+            <a:r>
+              <a:rPr lang="zh-CN" altLang="en-US" sz="3600" dirty="0" smtClean="0"/>
+              <a:t>五、实现</a:t>
+            </a:r>
+            <a:endParaRPr lang="zh-CN" altLang="en-US" sz="3600" dirty="0"/>
           </a:p>
         </p:txBody>
       </p:sp>
@@ -45816,13 +46087,27 @@
         </p:nvSpPr>
         <p:spPr/>
         <p:txBody>
-          <a:bodyPr/>
+          <a:bodyPr>
+            <a:normAutofit/>
+          </a:bodyPr>
           <a:lstStyle/>
           <a:p>
             <a:pPr algn="l"/>
             <a:r>
-              <a:rPr lang="zh-CN" altLang="en-US" dirty="0" smtClean="0"/>
-              <a:t>一、背景</a:t>
+              <a:rPr lang="zh-CN" altLang="en-US" sz="3600" dirty="0"/>
+              <a:t>一、</a:t>
+            </a:r>
+            <a:r>
+              <a:rPr lang="zh-CN" altLang="en-US" sz="3600" dirty="0" smtClean="0"/>
+              <a:t>背景</a:t>
+            </a:r>
+            <a:r>
+              <a:rPr lang="en-US" altLang="zh-CN" dirty="0" smtClean="0"/>
+              <a:t>	1. </a:t>
+            </a:r>
+            <a:r>
+              <a:rPr lang="en-US" altLang="zh-CN" dirty="0" err="1" smtClean="0"/>
+              <a:t>MapReduce</a:t>
             </a:r>
             <a:endParaRPr lang="zh-CN" altLang="en-US" dirty="0"/>
           </a:p>
@@ -45848,7 +46133,15 @@
             </a:pPr>
             <a:r>
               <a:rPr lang="zh-CN" altLang="en-US" dirty="0" smtClean="0"/>
-              <a:t>现代数据分析领域面临的困境：</a:t>
+              <a:t>数据分析现状</a:t>
+            </a:r>
+            <a:r>
+              <a:rPr lang="en-US" altLang="zh-CN" dirty="0" smtClean="0"/>
+              <a:t>——</a:t>
+            </a:r>
+            <a:r>
+              <a:rPr lang="en-US" altLang="zh-CN" dirty="0" err="1"/>
+              <a:t>MapReduce</a:t>
             </a:r>
             <a:endParaRPr lang="en-US" altLang="zh-CN" dirty="0" smtClean="0"/>
           </a:p>
@@ -45859,7 +46152,49 @@
             </a:pPr>
             <a:r>
               <a:rPr lang="zh-CN" altLang="en-US" dirty="0" smtClean="0"/>
-              <a:t>数据量大</a:t>
+              <a:t>成员：</a:t>
+            </a:r>
+            <a:r>
+              <a:rPr lang="en-US" altLang="zh-CN" dirty="0" smtClean="0"/>
+              <a:t>Apache </a:t>
+            </a:r>
+            <a:r>
+              <a:rPr lang="en-US" altLang="zh-CN" dirty="0"/>
+              <a:t>Hive, </a:t>
+            </a:r>
+            <a:r>
+              <a:rPr lang="en-US" altLang="zh-CN" dirty="0" smtClean="0"/>
+              <a:t>Google </a:t>
+            </a:r>
+            <a:r>
+              <a:rPr lang="en-US" altLang="zh-CN" dirty="0" err="1"/>
+              <a:t>Tenzing</a:t>
+            </a:r>
+            <a:r>
+              <a:rPr lang="en-US" altLang="zh-CN" dirty="0"/>
+              <a:t>, Turn Cheetah</a:t>
+            </a:r>
+            <a:r>
+              <a:rPr lang="en-US" altLang="zh-CN" dirty="0" smtClean="0"/>
+              <a:t>...</a:t>
+            </a:r>
+          </a:p>
+          <a:p>
+            <a:pPr marL="514350" indent="-514350">
+              <a:buFont typeface="+mj-lt"/>
+              <a:buAutoNum type="arabicPeriod"/>
+            </a:pPr>
+            <a:r>
+              <a:rPr lang="zh-CN" altLang="en-US" dirty="0" smtClean="0"/>
+              <a:t>优点：有效地</a:t>
+            </a:r>
+            <a:r>
+              <a:rPr lang="zh-CN" altLang="en-US" b="1" dirty="0" smtClean="0"/>
+              <a:t>细粒度</a:t>
+            </a:r>
+            <a:r>
+              <a:rPr lang="zh-CN" altLang="en-US" dirty="0" smtClean="0"/>
+              <a:t>容错能力、资源共享、可扩展性、丰富的机器学习算法</a:t>
             </a:r>
             <a:endParaRPr lang="en-US" altLang="zh-CN" dirty="0" smtClean="0"/>
           </a:p>
@@ -45870,61 +46205,19 @@
             </a:pPr>
             <a:r>
               <a:rPr lang="zh-CN" altLang="en-US" dirty="0" smtClean="0"/>
-              <a:t>故障和掉队者（</a:t>
-            </a:r>
-            <a:r>
-              <a:rPr lang="en-US" altLang="zh-CN" dirty="0"/>
-              <a:t>straggler</a:t>
-            </a:r>
-            <a:r>
-              <a:rPr lang="zh-CN" altLang="en-US" dirty="0" smtClean="0"/>
-              <a:t>）使并行的数据库设计复杂化</a:t>
-            </a:r>
-            <a:endParaRPr lang="en-US" altLang="zh-CN" dirty="0" smtClean="0"/>
-          </a:p>
-          <a:p>
-            <a:pPr marL="514350" indent="-514350">
-              <a:buFont typeface="+mj-lt"/>
-              <a:buAutoNum type="arabicPeriod"/>
-            </a:pPr>
-            <a:r>
-              <a:rPr lang="zh-CN" altLang="en-US" dirty="0" smtClean="0"/>
-              <a:t>复杂的分析功能，如机器学习、图计算等</a:t>
-            </a:r>
-            <a:endParaRPr lang="en-US" altLang="zh-CN" dirty="0" smtClean="0"/>
-          </a:p>
-          <a:p>
-            <a:pPr marL="514350" indent="-514350">
-              <a:buFont typeface="+mj-lt"/>
-              <a:buAutoNum type="arabicPeriod"/>
-            </a:pPr>
+              <a:t>不足：高延迟、作业的交互式能力不</a:t>
+            </a:r>
             <a:r>
               <a:rPr lang="zh-CN" altLang="en-US" dirty="0"/>
-              <a:t>低</a:t>
-            </a:r>
-            <a:r>
-              <a:rPr lang="zh-CN" altLang="en-US" dirty="0" smtClean="0"/>
-              <a:t>延迟要求</a:t>
-            </a:r>
-            <a:endParaRPr lang="en-US" altLang="zh-CN" dirty="0" smtClean="0"/>
-          </a:p>
-          <a:p>
-            <a:pPr marL="514350" indent="-514350">
-              <a:buFont typeface="+mj-lt"/>
-              <a:buAutoNum type="arabicPeriod"/>
-            </a:pPr>
-            <a:r>
-              <a:rPr lang="zh-CN" altLang="en-US" dirty="0" smtClean="0"/>
-              <a:t>迭代式计算</a:t>
-            </a:r>
-            <a:endParaRPr lang="zh-CN" altLang="en-US" dirty="0"/>
+              <a:t>足</a:t>
+            </a:r>
           </a:p>
         </p:txBody>
       </p:sp>
     </p:spTree>
     <p:extLst>
       <p:ext uri="{BB962C8B-B14F-4D97-AF65-F5344CB8AC3E}">
-        <p14:creationId xmlns:p14="http://schemas.microsoft.com/office/powerpoint/2010/main" val="1910282457"/>
+        <p14:creationId xmlns:p14="http://schemas.microsoft.com/office/powerpoint/2010/main" val="4167560043"/>
       </p:ext>
     </p:extLst>
   </p:cSld>
@@ -45970,14 +46263,17 @@
         </p:nvSpPr>
         <p:spPr/>
         <p:txBody>
-          <a:bodyPr/>
+          <a:bodyPr>
+            <a:normAutofit/>
+          </a:bodyPr>
           <a:lstStyle/>
           <a:p>
-            <a:r>
-              <a:rPr lang="zh-CN" altLang="en-US" dirty="0" smtClean="0"/>
-              <a:t>实验</a:t>
-            </a:r>
-            <a:endParaRPr lang="zh-CN" altLang="en-US" dirty="0"/>
+            <a:pPr algn="l"/>
+            <a:r>
+              <a:rPr lang="zh-CN" altLang="en-US" sz="3600" dirty="0" smtClean="0"/>
+              <a:t>六、实验</a:t>
+            </a:r>
+            <a:endParaRPr lang="zh-CN" altLang="en-US" sz="3600" dirty="0"/>
           </a:p>
         </p:txBody>
       </p:sp>
@@ -46138,14 +46434,17 @@
         </p:nvSpPr>
         <p:spPr/>
         <p:txBody>
-          <a:bodyPr/>
+          <a:bodyPr>
+            <a:normAutofit/>
+          </a:bodyPr>
           <a:lstStyle/>
           <a:p>
-            <a:r>
-              <a:rPr lang="zh-CN" altLang="en-US" dirty="0" smtClean="0"/>
-              <a:t>实验</a:t>
-            </a:r>
-            <a:endParaRPr lang="zh-CN" altLang="en-US" dirty="0"/>
+            <a:pPr algn="l"/>
+            <a:r>
+              <a:rPr lang="zh-CN" altLang="en-US" sz="3600" dirty="0" smtClean="0"/>
+              <a:t>六、实验</a:t>
+            </a:r>
+            <a:endParaRPr lang="zh-CN" altLang="en-US" sz="3600" dirty="0"/>
           </a:p>
         </p:txBody>
       </p:sp>
@@ -46306,14 +46605,17 @@
         </p:nvSpPr>
         <p:spPr/>
         <p:txBody>
-          <a:bodyPr/>
+          <a:bodyPr>
+            <a:normAutofit/>
+          </a:bodyPr>
           <a:lstStyle/>
           <a:p>
-            <a:r>
-              <a:rPr lang="zh-CN" altLang="en-US" dirty="0" smtClean="0"/>
-              <a:t>讨论</a:t>
-            </a:r>
-            <a:endParaRPr lang="zh-CN" altLang="en-US" dirty="0"/>
+            <a:pPr algn="l"/>
+            <a:r>
+              <a:rPr lang="zh-CN" altLang="en-US" sz="3600" dirty="0" smtClean="0"/>
+              <a:t>七、讨论</a:t>
+            </a:r>
+            <a:endParaRPr lang="zh-CN" altLang="en-US" sz="3600" dirty="0"/>
           </a:p>
         </p:txBody>
       </p:sp>
@@ -46448,14 +46750,17 @@
         </p:nvSpPr>
         <p:spPr/>
         <p:txBody>
-          <a:bodyPr/>
+          <a:bodyPr>
+            <a:normAutofit/>
+          </a:bodyPr>
           <a:lstStyle/>
           <a:p>
-            <a:r>
-              <a:rPr lang="zh-CN" altLang="en-US" dirty="0" smtClean="0"/>
-              <a:t>讨论</a:t>
-            </a:r>
-            <a:endParaRPr lang="zh-CN" altLang="en-US" dirty="0"/>
+            <a:pPr algn="l"/>
+            <a:r>
+              <a:rPr lang="zh-CN" altLang="en-US" sz="3600" dirty="0" smtClean="0"/>
+              <a:t>七、讨论</a:t>
+            </a:r>
+            <a:endParaRPr lang="zh-CN" altLang="en-US" sz="3600" dirty="0"/>
           </a:p>
         </p:txBody>
       </p:sp>
@@ -46532,49 +46837,13 @@
             </a:r>
             <a:r>
               <a:rPr lang="zh-CN" altLang="en-US" dirty="0" smtClean="0"/>
-              <a:t>内启动一个任务。</a:t>
+              <a:t>内启动一个任务</a:t>
+            </a:r>
+            <a:r>
+              <a:rPr lang="zh-CN" altLang="en-US" dirty="0" smtClean="0"/>
+              <a:t>。</a:t>
             </a:r>
             <a:endParaRPr lang="en-US" altLang="zh-CN" dirty="0"/>
-          </a:p>
-          <a:p>
-            <a:pPr lvl="1"/>
-            <a:r>
-              <a:rPr lang="zh-CN" altLang="en-US" dirty="0" smtClean="0"/>
-              <a:t>更好的并行性</a:t>
-            </a:r>
-            <a:endParaRPr lang="en-US" altLang="zh-CN" dirty="0"/>
-          </a:p>
-          <a:p>
-            <a:pPr lvl="1"/>
-            <a:r>
-              <a:rPr lang="zh-CN" altLang="en-US" dirty="0" smtClean="0"/>
-              <a:t>容易缓和慢节点</a:t>
-            </a:r>
-            <a:r>
-              <a:rPr lang="en-US" altLang="zh-CN" dirty="0" smtClean="0"/>
-              <a:t>(straggler)</a:t>
-            </a:r>
-            <a:endParaRPr lang="en-US" altLang="zh-CN" dirty="0"/>
-          </a:p>
-          <a:p>
-            <a:pPr lvl="1"/>
-            <a:r>
-              <a:rPr lang="zh-CN" altLang="en-US" dirty="0" smtClean="0"/>
-              <a:t>有</a:t>
-            </a:r>
-            <a:r>
-              <a:rPr lang="zh-CN" altLang="en-US" dirty="0"/>
-              <a:t>弹性</a:t>
-            </a:r>
-            <a:endParaRPr lang="en-US" altLang="zh-CN" dirty="0"/>
-          </a:p>
-          <a:p>
-            <a:pPr lvl="1"/>
-            <a:r>
-              <a:rPr lang="zh-CN" altLang="en-US" dirty="0" smtClean="0"/>
-              <a:t>多租户的资源共享</a:t>
-            </a:r>
-            <a:endParaRPr lang="zh-CN" altLang="en-US" dirty="0"/>
           </a:p>
         </p:txBody>
       </p:sp>
@@ -46588,6 +46857,13 @@
   <p:clrMapOvr>
     <a:masterClrMapping/>
   </p:clrMapOvr>
+  <p:timing>
+    <p:tnLst>
+      <p:par>
+        <p:cTn id="1" dur="indefinite" restart="never" nodeType="tmRoot"/>
+      </p:par>
+    </p:tnLst>
+  </p:timing>
 </p:sld>
 </file>
 
@@ -46620,14 +46896,17 @@
         </p:nvSpPr>
         <p:spPr/>
         <p:txBody>
-          <a:bodyPr/>
+          <a:bodyPr>
+            <a:normAutofit/>
+          </a:bodyPr>
           <a:lstStyle/>
           <a:p>
-            <a:r>
-              <a:rPr lang="zh-CN" altLang="en-US" dirty="0" smtClean="0"/>
-              <a:t>讨论</a:t>
-            </a:r>
-            <a:endParaRPr lang="zh-CN" altLang="en-US" dirty="0"/>
+            <a:pPr algn="l"/>
+            <a:r>
+              <a:rPr lang="zh-CN" altLang="en-US" sz="3600" dirty="0" smtClean="0"/>
+              <a:t>七、讨论</a:t>
+            </a:r>
+            <a:endParaRPr lang="zh-CN" altLang="en-US" sz="3600" dirty="0"/>
           </a:p>
         </p:txBody>
       </p:sp>
@@ -46744,6 +47023,115 @@
 </file>
 
 <file path=ppt/slides/slide45.xml><?xml version="1.0" encoding="utf-8"?>
+<p:sld xmlns:a="http://schemas.openxmlformats.org/drawingml/2006/main" xmlns:r="http://schemas.openxmlformats.org/officeDocument/2006/relationships" xmlns:p="http://schemas.openxmlformats.org/presentationml/2006/main">
+  <p:cSld>
+    <p:spTree>
+      <p:nvGrpSpPr>
+        <p:cNvPr id="1" name=""/>
+        <p:cNvGrpSpPr/>
+        <p:nvPr/>
+      </p:nvGrpSpPr>
+      <p:grpSpPr>
+        <a:xfrm>
+          <a:off x="0" y="0"/>
+          <a:ext cx="0" cy="0"/>
+          <a:chOff x="0" y="0"/>
+          <a:chExt cx="0" cy="0"/>
+        </a:xfrm>
+      </p:grpSpPr>
+      <p:sp>
+        <p:nvSpPr>
+          <p:cNvPr id="2" name="标题 1"/>
+          <p:cNvSpPr>
+            <a:spLocks noGrp="1"/>
+          </p:cNvSpPr>
+          <p:nvPr>
+            <p:ph type="title"/>
+          </p:nvPr>
+        </p:nvSpPr>
+        <p:spPr/>
+        <p:txBody>
+          <a:bodyPr>
+            <a:normAutofit/>
+          </a:bodyPr>
+          <a:lstStyle/>
+          <a:p>
+            <a:pPr algn="l"/>
+            <a:r>
+              <a:rPr lang="zh-CN" altLang="en-US" sz="3600" dirty="0"/>
+              <a:t>七、讨论</a:t>
+            </a:r>
+          </a:p>
+        </p:txBody>
+      </p:sp>
+      <p:pic>
+        <p:nvPicPr>
+          <p:cNvPr id="1026" name="Picture 2"/>
+          <p:cNvPicPr>
+            <a:picLocks noChangeAspect="1" noChangeArrowheads="1"/>
+          </p:cNvPicPr>
+          <p:nvPr/>
+        </p:nvPicPr>
+        <p:blipFill>
+          <a:blip r:embed="rId2">
+            <a:extLst>
+              <a:ext uri="{28A0092B-C50C-407E-A947-70E740481C1C}">
+                <a14:useLocalDpi xmlns:a14="http://schemas.microsoft.com/office/drawing/2010/main" val="0"/>
+              </a:ext>
+            </a:extLst>
+          </a:blip>
+          <a:srcRect/>
+          <a:stretch>
+            <a:fillRect/>
+          </a:stretch>
+        </p:blipFill>
+        <p:spPr bwMode="auto">
+          <a:xfrm>
+            <a:off x="66675" y="1916832"/>
+            <a:ext cx="9010650" cy="3419475"/>
+          </a:xfrm>
+          <a:prstGeom prst="rect">
+            <a:avLst/>
+          </a:prstGeom>
+          <a:noFill/>
+          <a:ln>
+            <a:noFill/>
+          </a:ln>
+          <a:extLst>
+            <a:ext uri="{909E8E84-426E-40DD-AFC4-6F175D3DCCD1}">
+              <a14:hiddenFill xmlns:a14="http://schemas.microsoft.com/office/drawing/2010/main">
+                <a:solidFill>
+                  <a:schemeClr val="accent1"/>
+                </a:solidFill>
+              </a14:hiddenFill>
+            </a:ext>
+            <a:ext uri="{91240B29-F687-4F45-9708-019B960494DF}">
+              <a14:hiddenLine xmlns:a14="http://schemas.microsoft.com/office/drawing/2010/main" w="9525">
+                <a:solidFill>
+                  <a:schemeClr val="tx1"/>
+                </a:solidFill>
+                <a:miter lim="800000"/>
+                <a:headEnd/>
+                <a:tailEnd/>
+              </a14:hiddenLine>
+            </a:ext>
+          </a:extLst>
+        </p:spPr>
+      </p:pic>
+    </p:spTree>
+    <p:extLst>
+      <p:ext uri="{BB962C8B-B14F-4D97-AF65-F5344CB8AC3E}">
+        <p14:creationId xmlns:p14="http://schemas.microsoft.com/office/powerpoint/2010/main" val="4229318152"/>
+      </p:ext>
+    </p:extLst>
+  </p:cSld>
+  <p:clrMapOvr>
+    <a:masterClrMapping/>
+  </p:clrMapOvr>
+</p:sld>
+</file>
+
+<file path=ppt/slides/slide46.xml><?xml version="1.0" encoding="utf-8"?>
 <p:sld xmlns:a="http://schemas.openxmlformats.org/drawingml/2006/main" xmlns:r="http://schemas.openxmlformats.org/officeDocument/2006/relationships" xmlns:p="http://schemas.openxmlformats.org/presentationml/2006/main">
   <p:cSld>
     <p:spTree>
@@ -46855,23 +47243,21 @@
         </p:nvSpPr>
         <p:spPr/>
         <p:txBody>
-          <a:bodyPr>
-            <a:normAutofit/>
-          </a:bodyPr>
+          <a:bodyPr/>
           <a:lstStyle/>
           <a:p>
             <a:pPr algn="l"/>
             <a:r>
-              <a:rPr lang="zh-CN" altLang="en-US" dirty="0"/>
+              <a:rPr lang="zh-CN" altLang="en-US" sz="3600" dirty="0"/>
               <a:t>一、</a:t>
             </a:r>
             <a:r>
-              <a:rPr lang="zh-CN" altLang="en-US" dirty="0" smtClean="0"/>
-              <a:t>背景：</a:t>
-            </a:r>
-            <a:r>
-              <a:rPr lang="en-US" altLang="zh-CN" dirty="0" err="1" smtClean="0"/>
-              <a:t>MapReduce</a:t>
+              <a:rPr lang="zh-CN" altLang="en-US" sz="3600" dirty="0" smtClean="0"/>
+              <a:t>背景 </a:t>
+            </a:r>
+            <a:r>
+              <a:rPr lang="en-US" altLang="zh-CN" dirty="0" smtClean="0"/>
+              <a:t>		2. MPP</a:t>
             </a:r>
             <a:endParaRPr lang="zh-CN" altLang="en-US" dirty="0"/>
           </a:p>
@@ -46896,92 +47282,125 @@
               <a:buNone/>
             </a:pPr>
             <a:r>
+              <a:rPr lang="zh-CN" altLang="en-US" dirty="0"/>
+              <a:t>数据分析</a:t>
+            </a:r>
+            <a:r>
               <a:rPr lang="zh-CN" altLang="en-US" dirty="0" smtClean="0"/>
-              <a:t>数据分析现状</a:t>
+              <a:t>现状</a:t>
+            </a:r>
+            <a:r>
+              <a:rPr lang="en-US" altLang="zh-CN" dirty="0"/>
+              <a:t>——MPP(massively parallel processing)</a:t>
+            </a:r>
+            <a:r>
+              <a:rPr lang="zh-CN" altLang="en-US" dirty="0" smtClean="0"/>
+              <a:t>数据库</a:t>
             </a:r>
             <a:r>
               <a:rPr lang="en-US" altLang="zh-CN" dirty="0" smtClean="0"/>
-              <a:t>——</a:t>
+              <a:t>:</a:t>
+            </a:r>
+          </a:p>
+          <a:p>
+            <a:pPr marL="0" indent="0">
+              <a:buNone/>
+            </a:pPr>
+            <a:r>
+              <a:rPr lang="zh-CN" altLang="en-US" dirty="0" smtClean="0"/>
+              <a:t>成员：</a:t>
+            </a:r>
+            <a:r>
+              <a:rPr lang="en-US" altLang="zh-CN" dirty="0"/>
+              <a:t> </a:t>
             </a:r>
             <a:r>
               <a:rPr lang="en-US" altLang="zh-CN" dirty="0" err="1"/>
-              <a:t>MapReduce</a:t>
+              <a:t>Vertica</a:t>
+            </a:r>
+            <a:r>
+              <a:rPr lang="en-US" altLang="zh-CN" dirty="0"/>
+              <a:t>, </a:t>
+            </a:r>
+            <a:r>
+              <a:rPr lang="en-US" altLang="zh-CN" b="1" dirty="0"/>
+              <a:t>SAP HANA</a:t>
+            </a:r>
+            <a:r>
+              <a:rPr lang="en-US" altLang="zh-CN" dirty="0"/>
+              <a:t>, Teradata, Google </a:t>
+            </a:r>
+            <a:r>
+              <a:rPr lang="en-US" altLang="zh-CN" dirty="0" err="1"/>
+              <a:t>Dremel</a:t>
+            </a:r>
+            <a:r>
+              <a:rPr lang="en-US" altLang="zh-CN" dirty="0"/>
+              <a:t>, Google </a:t>
+            </a:r>
+            <a:r>
+              <a:rPr lang="en-US" altLang="zh-CN" dirty="0" err="1" smtClean="0"/>
+              <a:t>PowerDrill</a:t>
+            </a:r>
+            <a:r>
+              <a:rPr lang="en-US" altLang="zh-CN" dirty="0"/>
+              <a:t>, </a:t>
+            </a:r>
+            <a:r>
+              <a:rPr lang="en-US" altLang="zh-CN" dirty="0" err="1"/>
+              <a:t>Cloudera</a:t>
+            </a:r>
+            <a:r>
+              <a:rPr lang="en-US" altLang="zh-CN" dirty="0"/>
+              <a:t> Impala</a:t>
+            </a:r>
+            <a:r>
+              <a:rPr lang="en-US" altLang="zh-CN" dirty="0" smtClean="0"/>
+              <a:t>...</a:t>
+            </a:r>
+          </a:p>
+          <a:p>
+            <a:pPr marL="0" indent="0">
+              <a:buNone/>
+            </a:pPr>
+            <a:r>
+              <a:rPr lang="zh-CN" altLang="en-US" dirty="0" smtClean="0"/>
+              <a:t>优点：速度快</a:t>
             </a:r>
             <a:endParaRPr lang="en-US" altLang="zh-CN" dirty="0" smtClean="0"/>
           </a:p>
           <a:p>
-            <a:pPr marL="514350" indent="-514350">
-              <a:buFont typeface="+mj-lt"/>
-              <a:buAutoNum type="arabicPeriod"/>
+            <a:pPr marL="0" indent="0">
+              <a:buNone/>
             </a:pPr>
             <a:r>
               <a:rPr lang="zh-CN" altLang="en-US" dirty="0" smtClean="0"/>
-              <a:t>成员：</a:t>
+              <a:t>不足：通常没有容错</a:t>
             </a:r>
             <a:r>
               <a:rPr lang="en-US" altLang="zh-CN" dirty="0" smtClean="0"/>
-              <a:t>Apache </a:t>
-            </a:r>
-            <a:r>
-              <a:rPr lang="en-US" altLang="zh-CN" dirty="0"/>
-              <a:t>Hive, </a:t>
+              <a:t>(</a:t>
+            </a:r>
+            <a:r>
+              <a:rPr lang="zh-CN" altLang="en-US" dirty="0" smtClean="0"/>
+              <a:t>或代价很高</a:t>
             </a:r>
             <a:r>
               <a:rPr lang="en-US" altLang="zh-CN" dirty="0" smtClean="0"/>
-              <a:t>Google </a:t>
-            </a:r>
-            <a:r>
-              <a:rPr lang="en-US" altLang="zh-CN" dirty="0" err="1"/>
-              <a:t>Tenzing</a:t>
-            </a:r>
-            <a:r>
-              <a:rPr lang="en-US" altLang="zh-CN" dirty="0"/>
-              <a:t>, Turn Cheetah</a:t>
-            </a:r>
-            <a:r>
-              <a:rPr lang="en-US" altLang="zh-CN" dirty="0" smtClean="0"/>
-              <a:t>...</a:t>
-            </a:r>
-          </a:p>
-          <a:p>
-            <a:pPr marL="514350" indent="-514350">
-              <a:buFont typeface="+mj-lt"/>
-              <a:buAutoNum type="arabicPeriod"/>
-            </a:pPr>
+              <a:t>)</a:t>
+            </a:r>
             <a:r>
               <a:rPr lang="zh-CN" altLang="en-US" dirty="0" smtClean="0"/>
-              <a:t>优点：有效地</a:t>
-            </a:r>
-            <a:r>
-              <a:rPr lang="zh-CN" altLang="en-US" b="1" dirty="0" smtClean="0"/>
-              <a:t>细粒度</a:t>
-            </a:r>
-            <a:r>
-              <a:rPr lang="zh-CN" altLang="en-US" dirty="0" smtClean="0"/>
-              <a:t>容错能力、资源共享、可扩展性、丰富的机器学习算法</a:t>
-            </a:r>
-            <a:endParaRPr lang="en-US" altLang="zh-CN" dirty="0" smtClean="0"/>
-          </a:p>
-          <a:p>
-            <a:pPr marL="514350" indent="-514350">
-              <a:buFont typeface="+mj-lt"/>
-              <a:buAutoNum type="arabicPeriod"/>
-            </a:pPr>
-            <a:r>
-              <a:rPr lang="zh-CN" altLang="en-US" dirty="0" smtClean="0"/>
-              <a:t>不足：高延迟、作业的交互式能力不</a:t>
-            </a:r>
-            <a:r>
-              <a:rPr lang="zh-CN" altLang="en-US" dirty="0"/>
-              <a:t>足</a:t>
-            </a:r>
+              <a:t>；当集群规模较大时，运行长查询具有挑战性；缺乏丰富的分析功能，如机器学习和图计算。</a:t>
+            </a:r>
+            <a:endParaRPr lang="zh-CN" altLang="en-US" dirty="0"/>
           </a:p>
         </p:txBody>
       </p:sp>
     </p:spTree>
     <p:extLst>
       <p:ext uri="{BB962C8B-B14F-4D97-AF65-F5344CB8AC3E}">
-        <p14:creationId xmlns:p14="http://schemas.microsoft.com/office/powerpoint/2010/main" val="4167560043"/>
+        <p14:creationId xmlns:p14="http://schemas.microsoft.com/office/powerpoint/2010/main" val="2576282725"/>
       </p:ext>
     </p:extLst>
   </p:cSld>
@@ -47027,27 +47446,21 @@
         </p:nvSpPr>
         <p:spPr/>
         <p:txBody>
-          <a:bodyPr/>
+          <a:bodyPr>
+            <a:normAutofit/>
+          </a:bodyPr>
           <a:lstStyle/>
           <a:p>
             <a:pPr algn="l"/>
             <a:r>
-              <a:rPr lang="zh-CN" altLang="en-US" dirty="0"/>
-              <a:t>一、</a:t>
-            </a:r>
-            <a:r>
-              <a:rPr lang="zh-CN" altLang="en-US" dirty="0" smtClean="0"/>
-              <a:t>背景</a:t>
-            </a:r>
-            <a:r>
-              <a:rPr lang="zh-CN" altLang="en-US" dirty="0"/>
-              <a:t>：</a:t>
-            </a:r>
-            <a:r>
-              <a:rPr lang="en-US" altLang="zh-CN" dirty="0" smtClean="0"/>
-              <a:t>MPP</a:t>
-            </a:r>
-            <a:endParaRPr lang="zh-CN" altLang="en-US" dirty="0"/>
+              <a:rPr lang="zh-CN" altLang="en-US" sz="3600" dirty="0" smtClean="0"/>
+              <a:t>二、</a:t>
+            </a:r>
+            <a:r>
+              <a:rPr lang="en-US" altLang="zh-CN" sz="3600" dirty="0" smtClean="0"/>
+              <a:t>Spark</a:t>
+            </a:r>
+            <a:endParaRPr lang="zh-CN" altLang="en-US" sz="3600" dirty="0"/>
           </a:p>
         </p:txBody>
       </p:sp>
@@ -47070,24 +47483,16 @@
               <a:buNone/>
             </a:pPr>
             <a:r>
-              <a:rPr lang="zh-CN" altLang="en-US" dirty="0"/>
-              <a:t>数据分析</a:t>
+              <a:rPr lang="en-US" altLang="zh-CN" dirty="0" smtClean="0"/>
+              <a:t>Spark</a:t>
             </a:r>
             <a:r>
               <a:rPr lang="zh-CN" altLang="en-US" dirty="0" smtClean="0"/>
-              <a:t>现状</a:t>
-            </a:r>
-            <a:r>
-              <a:rPr lang="en-US" altLang="zh-CN" dirty="0"/>
-              <a:t>——MPP(massively parallel processing)</a:t>
-            </a:r>
-            <a:r>
-              <a:rPr lang="zh-CN" altLang="en-US" dirty="0" smtClean="0"/>
-              <a:t>数据库</a:t>
+              <a:t>，类似于</a:t>
             </a:r>
             <a:r>
               <a:rPr lang="en-US" altLang="zh-CN" dirty="0" smtClean="0"/>
-              <a:t>:</a:t>
+              <a:t>Hadoop</a:t>
             </a:r>
           </a:p>
           <a:p>
@@ -47095,100 +47500,133 @@
               <a:buNone/>
             </a:pPr>
             <a:r>
+              <a:rPr lang="en-US" altLang="zh-CN" dirty="0" smtClean="0"/>
+              <a:t>Shark</a:t>
+            </a:r>
+            <a:r>
               <a:rPr lang="zh-CN" altLang="en-US" dirty="0" smtClean="0"/>
-              <a:t>成员：</a:t>
-            </a:r>
-            <a:r>
-              <a:rPr lang="en-US" altLang="zh-CN" dirty="0"/>
-              <a:t> </a:t>
-            </a:r>
-            <a:r>
-              <a:rPr lang="en-US" altLang="zh-CN" dirty="0" err="1"/>
-              <a:t>Vertica</a:t>
-            </a:r>
-            <a:r>
-              <a:rPr lang="en-US" altLang="zh-CN" dirty="0"/>
-              <a:t>, </a:t>
-            </a:r>
-            <a:r>
-              <a:rPr lang="en-US" altLang="zh-CN" b="1" dirty="0"/>
-              <a:t>SAP HANA</a:t>
-            </a:r>
-            <a:r>
-              <a:rPr lang="en-US" altLang="zh-CN" dirty="0"/>
-              <a:t>, Teradata, Google </a:t>
-            </a:r>
-            <a:r>
-              <a:rPr lang="en-US" altLang="zh-CN" dirty="0" err="1"/>
-              <a:t>Dremel</a:t>
-            </a:r>
-            <a:r>
-              <a:rPr lang="en-US" altLang="zh-CN" dirty="0"/>
-              <a:t>, Google </a:t>
-            </a:r>
-            <a:r>
-              <a:rPr lang="en-US" altLang="zh-CN" dirty="0" err="1" smtClean="0"/>
-              <a:t>PowerDrill</a:t>
-            </a:r>
-            <a:r>
-              <a:rPr lang="en-US" altLang="zh-CN" dirty="0"/>
-              <a:t>, </a:t>
-            </a:r>
-            <a:r>
-              <a:rPr lang="en-US" altLang="zh-CN" dirty="0" err="1"/>
-              <a:t>Cloudera</a:t>
-            </a:r>
-            <a:r>
-              <a:rPr lang="en-US" altLang="zh-CN" dirty="0"/>
-              <a:t> Impala</a:t>
+              <a:t>，类似于</a:t>
             </a:r>
             <a:r>
               <a:rPr lang="en-US" altLang="zh-CN" dirty="0" smtClean="0"/>
-              <a:t>...</a:t>
-            </a:r>
-          </a:p>
-          <a:p>
-            <a:pPr marL="0" indent="0">
-              <a:buNone/>
-            </a:pPr>
-            <a:r>
-              <a:rPr lang="zh-CN" altLang="en-US" dirty="0" smtClean="0"/>
-              <a:t>优点：速度快</a:t>
-            </a:r>
-            <a:endParaRPr lang="en-US" altLang="zh-CN" dirty="0" smtClean="0"/>
-          </a:p>
-          <a:p>
-            <a:pPr marL="0" indent="0">
-              <a:buNone/>
-            </a:pPr>
-            <a:r>
-              <a:rPr lang="zh-CN" altLang="en-US" dirty="0" smtClean="0"/>
-              <a:t>不足：通常没有容错</a:t>
-            </a:r>
-            <a:r>
-              <a:rPr lang="en-US" altLang="zh-CN" dirty="0" smtClean="0"/>
-              <a:t>(</a:t>
-            </a:r>
-            <a:r>
-              <a:rPr lang="zh-CN" altLang="en-US" dirty="0" smtClean="0"/>
-              <a:t>或代价很高</a:t>
-            </a:r>
-            <a:r>
-              <a:rPr lang="en-US" altLang="zh-CN" dirty="0" smtClean="0"/>
-              <a:t>)</a:t>
-            </a:r>
-            <a:r>
-              <a:rPr lang="zh-CN" altLang="en-US" dirty="0" smtClean="0"/>
-              <a:t>；当集群规模较大时，运行长查询具有挑战性；缺乏丰富的分析功能，如机器学习和图计算。</a:t>
-            </a:r>
-            <a:endParaRPr lang="zh-CN" altLang="en-US" dirty="0"/>
+              <a:t>Hive</a:t>
+            </a:r>
+            <a:endParaRPr lang="en-US" altLang="zh-CN" dirty="0"/>
           </a:p>
         </p:txBody>
       </p:sp>
+      <p:pic>
+        <p:nvPicPr>
+          <p:cNvPr id="3074" name="Picture 2"/>
+          <p:cNvPicPr>
+            <a:picLocks noChangeAspect="1" noChangeArrowheads="1"/>
+          </p:cNvPicPr>
+          <p:nvPr/>
+        </p:nvPicPr>
+        <p:blipFill>
+          <a:blip r:embed="rId2">
+            <a:extLst>
+              <a:ext uri="{28A0092B-C50C-407E-A947-70E740481C1C}">
+                <a14:useLocalDpi xmlns:a14="http://schemas.microsoft.com/office/drawing/2010/main" val="0"/>
+              </a:ext>
+            </a:extLst>
+          </a:blip>
+          <a:srcRect/>
+          <a:stretch>
+            <a:fillRect/>
+          </a:stretch>
+        </p:blipFill>
+        <p:spPr bwMode="auto">
+          <a:xfrm>
+            <a:off x="179512" y="3356991"/>
+            <a:ext cx="4539312" cy="3004897"/>
+          </a:xfrm>
+          <a:prstGeom prst="rect">
+            <a:avLst/>
+          </a:prstGeom>
+          <a:noFill/>
+          <a:ln>
+            <a:noFill/>
+          </a:ln>
+          <a:extLst>
+            <a:ext uri="{909E8E84-426E-40DD-AFC4-6F175D3DCCD1}">
+              <a14:hiddenFill xmlns:a14="http://schemas.microsoft.com/office/drawing/2010/main">
+                <a:solidFill>
+                  <a:schemeClr val="accent1"/>
+                </a:solidFill>
+              </a14:hiddenFill>
+            </a:ext>
+            <a:ext uri="{91240B29-F687-4F45-9708-019B960494DF}">
+              <a14:hiddenLine xmlns:a14="http://schemas.microsoft.com/office/drawing/2010/main" w="9525">
+                <a:solidFill>
+                  <a:schemeClr val="tx1"/>
+                </a:solidFill>
+                <a:miter lim="800000"/>
+                <a:headEnd/>
+                <a:tailEnd/>
+              </a14:hiddenLine>
+            </a:ext>
+          </a:extLst>
+        </p:spPr>
+      </p:pic>
+      <p:pic>
+        <p:nvPicPr>
+          <p:cNvPr id="3075" name="Picture 3"/>
+          <p:cNvPicPr>
+            <a:picLocks noChangeAspect="1" noChangeArrowheads="1"/>
+          </p:cNvPicPr>
+          <p:nvPr/>
+        </p:nvPicPr>
+        <p:blipFill>
+          <a:blip r:embed="rId3">
+            <a:extLst>
+              <a:ext uri="{28A0092B-C50C-407E-A947-70E740481C1C}">
+                <a14:useLocalDpi xmlns:a14="http://schemas.microsoft.com/office/drawing/2010/main" val="0"/>
+              </a:ext>
+            </a:extLst>
+          </a:blip>
+          <a:srcRect/>
+          <a:stretch>
+            <a:fillRect/>
+          </a:stretch>
+        </p:blipFill>
+        <p:spPr bwMode="auto">
+          <a:xfrm>
+            <a:off x="4716016" y="3356991"/>
+            <a:ext cx="4248472" cy="2813462"/>
+          </a:xfrm>
+          <a:prstGeom prst="rect">
+            <a:avLst/>
+          </a:prstGeom>
+          <a:noFill/>
+          <a:ln>
+            <a:noFill/>
+          </a:ln>
+          <a:extLst>
+            <a:ext uri="{909E8E84-426E-40DD-AFC4-6F175D3DCCD1}">
+              <a14:hiddenFill xmlns:a14="http://schemas.microsoft.com/office/drawing/2010/main">
+                <a:solidFill>
+                  <a:schemeClr val="accent1"/>
+                </a:solidFill>
+              </a14:hiddenFill>
+            </a:ext>
+            <a:ext uri="{91240B29-F687-4F45-9708-019B960494DF}">
+              <a14:hiddenLine xmlns:a14="http://schemas.microsoft.com/office/drawing/2010/main" w="9525">
+                <a:solidFill>
+                  <a:schemeClr val="tx1"/>
+                </a:solidFill>
+                <a:miter lim="800000"/>
+                <a:headEnd/>
+                <a:tailEnd/>
+              </a14:hiddenLine>
+            </a:ext>
+          </a:extLst>
+        </p:spPr>
+      </p:pic>
     </p:spTree>
     <p:extLst>
       <p:ext uri="{BB962C8B-B14F-4D97-AF65-F5344CB8AC3E}">
-        <p14:creationId xmlns:p14="http://schemas.microsoft.com/office/powerpoint/2010/main" val="2576282725"/>
+        <p14:creationId xmlns:p14="http://schemas.microsoft.com/office/powerpoint/2010/main" val="2748023162"/>
       </p:ext>
     </p:extLst>
   </p:cSld>
@@ -47234,237 +47672,21 @@
         </p:nvSpPr>
         <p:spPr/>
         <p:txBody>
-          <a:bodyPr/>
+          <a:bodyPr>
+            <a:normAutofit/>
+          </a:bodyPr>
           <a:lstStyle/>
           <a:p>
-            <a:r>
-              <a:rPr lang="zh-CN" altLang="en-US" dirty="0" smtClean="0"/>
+            <a:pPr algn="l"/>
+            <a:r>
+              <a:rPr lang="zh-CN" altLang="en-US" sz="3600" dirty="0" smtClean="0"/>
               <a:t>二、</a:t>
             </a:r>
             <a:r>
-              <a:rPr lang="en-US" altLang="zh-CN" dirty="0" smtClean="0"/>
+              <a:rPr lang="en-US" altLang="zh-CN" sz="3600" dirty="0" smtClean="0"/>
               <a:t>Spark</a:t>
             </a:r>
-            <a:endParaRPr lang="zh-CN" altLang="en-US" dirty="0"/>
-          </a:p>
-        </p:txBody>
-      </p:sp>
-      <p:sp>
-        <p:nvSpPr>
-          <p:cNvPr id="3" name="内容占位符 2"/>
-          <p:cNvSpPr>
-            <a:spLocks noGrp="1"/>
-          </p:cNvSpPr>
-          <p:nvPr>
-            <p:ph idx="1"/>
-          </p:nvPr>
-        </p:nvSpPr>
-        <p:spPr/>
-        <p:txBody>
-          <a:bodyPr/>
-          <a:lstStyle/>
-          <a:p>
-            <a:pPr marL="0" indent="0">
-              <a:buNone/>
-            </a:pPr>
-            <a:r>
-              <a:rPr lang="en-US" altLang="zh-CN" dirty="0" smtClean="0"/>
-              <a:t>Spark</a:t>
-            </a:r>
-            <a:r>
-              <a:rPr lang="zh-CN" altLang="en-US" dirty="0" smtClean="0"/>
-              <a:t>，类似于</a:t>
-            </a:r>
-            <a:r>
-              <a:rPr lang="en-US" altLang="zh-CN" dirty="0" smtClean="0"/>
-              <a:t>Hadoop</a:t>
-            </a:r>
-          </a:p>
-          <a:p>
-            <a:pPr marL="0" indent="0">
-              <a:buNone/>
-            </a:pPr>
-            <a:r>
-              <a:rPr lang="en-US" altLang="zh-CN" dirty="0" smtClean="0"/>
-              <a:t>Shark</a:t>
-            </a:r>
-            <a:r>
-              <a:rPr lang="zh-CN" altLang="en-US" dirty="0" smtClean="0"/>
-              <a:t>，类似于</a:t>
-            </a:r>
-            <a:r>
-              <a:rPr lang="en-US" altLang="zh-CN" dirty="0" smtClean="0"/>
-              <a:t>Hive</a:t>
-            </a:r>
-            <a:endParaRPr lang="en-US" altLang="zh-CN" dirty="0"/>
-          </a:p>
-        </p:txBody>
-      </p:sp>
-      <p:pic>
-        <p:nvPicPr>
-          <p:cNvPr id="3074" name="Picture 2"/>
-          <p:cNvPicPr>
-            <a:picLocks noChangeAspect="1" noChangeArrowheads="1"/>
-          </p:cNvPicPr>
-          <p:nvPr/>
-        </p:nvPicPr>
-        <p:blipFill>
-          <a:blip r:embed="rId2">
-            <a:extLst>
-              <a:ext uri="{28A0092B-C50C-407E-A947-70E740481C1C}">
-                <a14:useLocalDpi xmlns:a14="http://schemas.microsoft.com/office/drawing/2010/main" val="0"/>
-              </a:ext>
-            </a:extLst>
-          </a:blip>
-          <a:srcRect/>
-          <a:stretch>
-            <a:fillRect/>
-          </a:stretch>
-        </p:blipFill>
-        <p:spPr bwMode="auto">
-          <a:xfrm>
-            <a:off x="179512" y="3356991"/>
-            <a:ext cx="4539312" cy="3004897"/>
-          </a:xfrm>
-          <a:prstGeom prst="rect">
-            <a:avLst/>
-          </a:prstGeom>
-          <a:noFill/>
-          <a:ln>
-            <a:noFill/>
-          </a:ln>
-          <a:extLst>
-            <a:ext uri="{909E8E84-426E-40DD-AFC4-6F175D3DCCD1}">
-              <a14:hiddenFill xmlns:a14="http://schemas.microsoft.com/office/drawing/2010/main">
-                <a:solidFill>
-                  <a:schemeClr val="accent1"/>
-                </a:solidFill>
-              </a14:hiddenFill>
-            </a:ext>
-            <a:ext uri="{91240B29-F687-4F45-9708-019B960494DF}">
-              <a14:hiddenLine xmlns:a14="http://schemas.microsoft.com/office/drawing/2010/main" w="9525">
-                <a:solidFill>
-                  <a:schemeClr val="tx1"/>
-                </a:solidFill>
-                <a:miter lim="800000"/>
-                <a:headEnd/>
-                <a:tailEnd/>
-              </a14:hiddenLine>
-            </a:ext>
-          </a:extLst>
-        </p:spPr>
-      </p:pic>
-      <p:pic>
-        <p:nvPicPr>
-          <p:cNvPr id="3075" name="Picture 3"/>
-          <p:cNvPicPr>
-            <a:picLocks noChangeAspect="1" noChangeArrowheads="1"/>
-          </p:cNvPicPr>
-          <p:nvPr/>
-        </p:nvPicPr>
-        <p:blipFill>
-          <a:blip r:embed="rId3">
-            <a:extLst>
-              <a:ext uri="{28A0092B-C50C-407E-A947-70E740481C1C}">
-                <a14:useLocalDpi xmlns:a14="http://schemas.microsoft.com/office/drawing/2010/main" val="0"/>
-              </a:ext>
-            </a:extLst>
-          </a:blip>
-          <a:srcRect/>
-          <a:stretch>
-            <a:fillRect/>
-          </a:stretch>
-        </p:blipFill>
-        <p:spPr bwMode="auto">
-          <a:xfrm>
-            <a:off x="4716016" y="3356991"/>
-            <a:ext cx="4248472" cy="2813462"/>
-          </a:xfrm>
-          <a:prstGeom prst="rect">
-            <a:avLst/>
-          </a:prstGeom>
-          <a:noFill/>
-          <a:ln>
-            <a:noFill/>
-          </a:ln>
-          <a:extLst>
-            <a:ext uri="{909E8E84-426E-40DD-AFC4-6F175D3DCCD1}">
-              <a14:hiddenFill xmlns:a14="http://schemas.microsoft.com/office/drawing/2010/main">
-                <a:solidFill>
-                  <a:schemeClr val="accent1"/>
-                </a:solidFill>
-              </a14:hiddenFill>
-            </a:ext>
-            <a:ext uri="{91240B29-F687-4F45-9708-019B960494DF}">
-              <a14:hiddenLine xmlns:a14="http://schemas.microsoft.com/office/drawing/2010/main" w="9525">
-                <a:solidFill>
-                  <a:schemeClr val="tx1"/>
-                </a:solidFill>
-                <a:miter lim="800000"/>
-                <a:headEnd/>
-                <a:tailEnd/>
-              </a14:hiddenLine>
-            </a:ext>
-          </a:extLst>
-        </p:spPr>
-      </p:pic>
-    </p:spTree>
-    <p:extLst>
-      <p:ext uri="{BB962C8B-B14F-4D97-AF65-F5344CB8AC3E}">
-        <p14:creationId xmlns:p14="http://schemas.microsoft.com/office/powerpoint/2010/main" val="2748023162"/>
-      </p:ext>
-    </p:extLst>
-  </p:cSld>
-  <p:clrMapOvr>
-    <a:masterClrMapping/>
-  </p:clrMapOvr>
-  <p:timing>
-    <p:tnLst>
-      <p:par>
-        <p:cTn id="1" dur="indefinite" restart="never" nodeType="tmRoot"/>
-      </p:par>
-    </p:tnLst>
-  </p:timing>
-</p:sld>
-</file>
-
-<file path=ppt/slides/slide8.xml><?xml version="1.0" encoding="utf-8"?>
-<p:sld xmlns:a="http://schemas.openxmlformats.org/drawingml/2006/main" xmlns:r="http://schemas.openxmlformats.org/officeDocument/2006/relationships" xmlns:p="http://schemas.openxmlformats.org/presentationml/2006/main">
-  <p:cSld>
-    <p:spTree>
-      <p:nvGrpSpPr>
-        <p:cNvPr id="1" name=""/>
-        <p:cNvGrpSpPr/>
-        <p:nvPr/>
-      </p:nvGrpSpPr>
-      <p:grpSpPr>
-        <a:xfrm>
-          <a:off x="0" y="0"/>
-          <a:ext cx="0" cy="0"/>
-          <a:chOff x="0" y="0"/>
-          <a:chExt cx="0" cy="0"/>
-        </a:xfrm>
-      </p:grpSpPr>
-      <p:sp>
-        <p:nvSpPr>
-          <p:cNvPr id="2" name="标题 1"/>
-          <p:cNvSpPr>
-            <a:spLocks noGrp="1"/>
-          </p:cNvSpPr>
-          <p:nvPr>
-            <p:ph type="title"/>
-          </p:nvPr>
-        </p:nvSpPr>
-        <p:spPr/>
-        <p:txBody>
-          <a:bodyPr/>
-          <a:lstStyle/>
-          <a:p>
-            <a:r>
-              <a:rPr lang="en-US" altLang="zh-CN" dirty="0" smtClean="0"/>
-              <a:t>1.Spark</a:t>
-            </a:r>
-            <a:endParaRPr lang="zh-CN" altLang="en-US" dirty="0"/>
+            <a:endParaRPr lang="zh-CN" altLang="en-US" sz="3600" dirty="0"/>
           </a:p>
         </p:txBody>
       </p:sp>
@@ -47623,6 +47845,324 @@
 </p:sld>
 </file>
 
+<file path=ppt/slides/slide8.xml><?xml version="1.0" encoding="utf-8"?>
+<p:sld xmlns:a="http://schemas.openxmlformats.org/drawingml/2006/main" xmlns:r="http://schemas.openxmlformats.org/officeDocument/2006/relationships" xmlns:p="http://schemas.openxmlformats.org/presentationml/2006/main">
+  <p:cSld>
+    <p:spTree>
+      <p:nvGrpSpPr>
+        <p:cNvPr id="1" name=""/>
+        <p:cNvGrpSpPr/>
+        <p:nvPr/>
+      </p:nvGrpSpPr>
+      <p:grpSpPr>
+        <a:xfrm>
+          <a:off x="0" y="0"/>
+          <a:ext cx="0" cy="0"/>
+          <a:chOff x="0" y="0"/>
+          <a:chExt cx="0" cy="0"/>
+        </a:xfrm>
+      </p:grpSpPr>
+      <p:sp>
+        <p:nvSpPr>
+          <p:cNvPr id="2" name="标题 1"/>
+          <p:cNvSpPr>
+            <a:spLocks noGrp="1"/>
+          </p:cNvSpPr>
+          <p:nvPr>
+            <p:ph type="title"/>
+          </p:nvPr>
+        </p:nvSpPr>
+        <p:spPr/>
+        <p:txBody>
+          <a:bodyPr>
+            <a:normAutofit/>
+          </a:bodyPr>
+          <a:lstStyle/>
+          <a:p>
+            <a:pPr algn="l"/>
+            <a:r>
+              <a:rPr lang="zh-CN" altLang="en-US" sz="3600" dirty="0"/>
+              <a:t>二、</a:t>
+            </a:r>
+            <a:r>
+              <a:rPr lang="en-US" altLang="zh-CN" sz="3600" dirty="0"/>
+              <a:t>Spark</a:t>
+            </a:r>
+            <a:endParaRPr lang="zh-CN" altLang="en-US" sz="3600" dirty="0"/>
+          </a:p>
+        </p:txBody>
+      </p:sp>
+      <p:sp>
+        <p:nvSpPr>
+          <p:cNvPr id="3" name="内容占位符 2"/>
+          <p:cNvSpPr>
+            <a:spLocks noGrp="1"/>
+          </p:cNvSpPr>
+          <p:nvPr>
+            <p:ph idx="1"/>
+          </p:nvPr>
+        </p:nvSpPr>
+        <p:spPr/>
+        <p:txBody>
+          <a:bodyPr>
+            <a:normAutofit fontScale="77500" lnSpcReduction="20000"/>
+          </a:bodyPr>
+          <a:lstStyle/>
+          <a:p>
+            <a:pPr marL="0" indent="0">
+              <a:buNone/>
+            </a:pPr>
+            <a:r>
+              <a:rPr lang="en-US" altLang="zh-CN" dirty="0"/>
+              <a:t>Spark</a:t>
+            </a:r>
+            <a:r>
+              <a:rPr lang="zh-CN" altLang="en-US" dirty="0"/>
+              <a:t>是加州伯克利大学</a:t>
+            </a:r>
+            <a:r>
+              <a:rPr lang="en-US" altLang="zh-CN" dirty="0"/>
+              <a:t>AMP</a:t>
+            </a:r>
+            <a:r>
+              <a:rPr lang="zh-CN" altLang="en-US" dirty="0"/>
+              <a:t>实验室开发的类</a:t>
+            </a:r>
+            <a:r>
+              <a:rPr lang="en-US" altLang="zh-CN" dirty="0" err="1"/>
+              <a:t>MapReduce</a:t>
+            </a:r>
+            <a:r>
+              <a:rPr lang="zh-CN" altLang="en-US" dirty="0"/>
+              <a:t>的通用的并行计算</a:t>
+            </a:r>
+            <a:r>
+              <a:rPr lang="zh-CN" altLang="en-US" dirty="0" smtClean="0"/>
+              <a:t>框架，于</a:t>
+            </a:r>
+            <a:r>
+              <a:rPr lang="en-US" altLang="zh-CN" dirty="0" smtClean="0"/>
+              <a:t>2014</a:t>
+            </a:r>
+            <a:r>
+              <a:rPr lang="zh-CN" altLang="en-US" dirty="0" smtClean="0"/>
+              <a:t>年</a:t>
+            </a:r>
+            <a:r>
+              <a:rPr lang="en-US" altLang="zh-CN" dirty="0" smtClean="0"/>
+              <a:t>2</a:t>
+            </a:r>
+            <a:r>
+              <a:rPr lang="zh-CN" altLang="en-US" dirty="0" smtClean="0"/>
+              <a:t>月正式成为</a:t>
+            </a:r>
+            <a:r>
+              <a:rPr lang="en-US" altLang="zh-CN" dirty="0" smtClean="0"/>
+              <a:t>Apache</a:t>
+            </a:r>
+            <a:r>
+              <a:rPr lang="zh-CN" altLang="en-US" dirty="0" smtClean="0"/>
+              <a:t>的顶级项目被认为是下一代大数据分析框架，其目标：</a:t>
+            </a:r>
+            <a:endParaRPr lang="en-US" altLang="zh-CN" dirty="0" smtClean="0"/>
+          </a:p>
+          <a:p>
+            <a:pPr marL="514350" indent="-514350">
+              <a:buFont typeface="+mj-lt"/>
+              <a:buAutoNum type="arabicPeriod"/>
+            </a:pPr>
+            <a:r>
+              <a:rPr lang="zh-CN" altLang="en-US" dirty="0" smtClean="0"/>
+              <a:t>扩展</a:t>
+            </a:r>
+            <a:r>
+              <a:rPr lang="en-US" altLang="zh-CN" dirty="0" err="1" smtClean="0"/>
+              <a:t>MapReduce</a:t>
+            </a:r>
+            <a:r>
+              <a:rPr lang="zh-CN" altLang="en-US" dirty="0" smtClean="0"/>
+              <a:t>模型，以便更好的支持两类分析应用：</a:t>
+            </a:r>
+            <a:endParaRPr lang="en-US" altLang="zh-CN" dirty="0" smtClean="0"/>
+          </a:p>
+          <a:p>
+            <a:pPr lvl="1"/>
+            <a:r>
+              <a:rPr lang="zh-CN" altLang="en-US" dirty="0" smtClean="0"/>
+              <a:t>迭代算法（机器学习、图计算）</a:t>
+            </a:r>
+            <a:endParaRPr lang="en-US" altLang="zh-CN" dirty="0" smtClean="0"/>
+          </a:p>
+          <a:p>
+            <a:pPr lvl="1"/>
+            <a:r>
+              <a:rPr lang="zh-CN" altLang="en-US" dirty="0" smtClean="0"/>
+              <a:t>交互式的数据挖掘</a:t>
+            </a:r>
+            <a:endParaRPr lang="en-US" altLang="zh-CN" dirty="0" smtClean="0"/>
+          </a:p>
+          <a:p>
+            <a:pPr marL="514350" indent="-514350">
+              <a:buFont typeface="+mj-lt"/>
+              <a:buAutoNum type="arabicPeriod"/>
+            </a:pPr>
+            <a:r>
+              <a:rPr lang="zh-CN" altLang="en-US" dirty="0" smtClean="0"/>
+              <a:t>提升可编程性</a:t>
+            </a:r>
+            <a:endParaRPr lang="en-US" altLang="zh-CN" dirty="0" smtClean="0"/>
+          </a:p>
+          <a:p>
+            <a:pPr lvl="1"/>
+            <a:r>
+              <a:rPr lang="zh-CN" altLang="en-US" dirty="0" smtClean="0"/>
+              <a:t>整合</a:t>
+            </a:r>
+            <a:r>
+              <a:rPr lang="en-US" altLang="zh-CN" dirty="0" smtClean="0">
+                <a:solidFill>
+                  <a:srgbClr val="FF0000"/>
+                </a:solidFill>
+              </a:rPr>
+              <a:t>Scala</a:t>
+            </a:r>
+            <a:r>
+              <a:rPr lang="zh-CN" altLang="en-US" dirty="0" smtClean="0"/>
+              <a:t>编程语言</a:t>
+            </a:r>
+            <a:endParaRPr lang="en-US" altLang="zh-CN" dirty="0" smtClean="0"/>
+          </a:p>
+          <a:p>
+            <a:pPr lvl="1"/>
+            <a:r>
+              <a:rPr lang="zh-CN" altLang="en-US" dirty="0" smtClean="0"/>
+              <a:t>允许交互式地使用</a:t>
+            </a:r>
+            <a:r>
+              <a:rPr lang="en-US" altLang="zh-CN" dirty="0" smtClean="0"/>
+              <a:t>Scala</a:t>
+            </a:r>
+            <a:r>
+              <a:rPr lang="zh-CN" altLang="en-US" dirty="0" smtClean="0"/>
+              <a:t>的解释器</a:t>
+            </a:r>
+            <a:endParaRPr lang="en-US" altLang="zh-CN" dirty="0" smtClean="0"/>
+          </a:p>
+          <a:p>
+            <a:pPr marL="0" indent="0">
+              <a:buNone/>
+            </a:pPr>
+            <a:r>
+              <a:rPr lang="zh-CN" altLang="en-US" dirty="0" smtClean="0"/>
+              <a:t>补充：</a:t>
+            </a:r>
+            <a:r>
+              <a:rPr lang="en-US" altLang="zh-CN" dirty="0" smtClean="0"/>
+              <a:t>Scala</a:t>
+            </a:r>
+            <a:r>
+              <a:rPr lang="zh-CN" altLang="en-US" dirty="0"/>
+              <a:t>，是一种</a:t>
+            </a:r>
+            <a:r>
+              <a:rPr lang="zh-CN" altLang="en-US" b="1" dirty="0"/>
+              <a:t>多范式</a:t>
+            </a:r>
+            <a:r>
+              <a:rPr lang="zh-CN" altLang="en-US" dirty="0"/>
+              <a:t>的编程语言，一种类似</a:t>
+            </a:r>
+            <a:r>
+              <a:rPr lang="en-US" altLang="zh-CN" dirty="0"/>
+              <a:t>java</a:t>
+            </a:r>
+            <a:r>
+              <a:rPr lang="zh-CN" altLang="en-US" dirty="0"/>
+              <a:t>的</a:t>
+            </a:r>
+            <a:r>
+              <a:rPr lang="zh-CN" altLang="en-US" dirty="0" smtClean="0"/>
+              <a:t>编程，</a:t>
+            </a:r>
+            <a:r>
+              <a:rPr lang="zh-CN" altLang="en-US" dirty="0"/>
+              <a:t>设计初衷是要集成</a:t>
+            </a:r>
+            <a:r>
+              <a:rPr lang="zh-CN" altLang="en-US" b="1" dirty="0"/>
+              <a:t>面向对象编程</a:t>
+            </a:r>
+            <a:r>
+              <a:rPr lang="zh-CN" altLang="en-US" dirty="0"/>
+              <a:t>和</a:t>
+            </a:r>
+            <a:r>
+              <a:rPr lang="zh-CN" altLang="en-US" b="1" dirty="0">
+                <a:solidFill>
+                  <a:srgbClr val="FF0000"/>
+                </a:solidFill>
+              </a:rPr>
+              <a:t>函数式</a:t>
+            </a:r>
+            <a:r>
+              <a:rPr lang="zh-CN" altLang="en-US" b="1" dirty="0"/>
+              <a:t>编程</a:t>
+            </a:r>
+            <a:r>
+              <a:rPr lang="zh-CN" altLang="en-US" dirty="0"/>
+              <a:t>的各种特性</a:t>
+            </a:r>
+            <a:r>
+              <a:rPr lang="zh-CN" altLang="en-US" dirty="0" smtClean="0"/>
+              <a:t>。</a:t>
+            </a:r>
+            <a:r>
+              <a:rPr lang="en-US" altLang="zh-CN" dirty="0"/>
+              <a:t>Scala</a:t>
+            </a:r>
+            <a:r>
+              <a:rPr lang="zh-CN" altLang="en-US" dirty="0"/>
+              <a:t>是在</a:t>
+            </a:r>
+            <a:r>
+              <a:rPr lang="en-US" altLang="zh-CN" dirty="0"/>
+              <a:t>JVM</a:t>
+            </a:r>
+            <a:r>
+              <a:rPr lang="zh-CN" altLang="en-US" dirty="0"/>
+              <a:t>上</a:t>
+            </a:r>
+            <a:r>
+              <a:rPr lang="zh-CN" altLang="en-US" dirty="0" smtClean="0"/>
+              <a:t>运行。</a:t>
+            </a:r>
+            <a:endParaRPr lang="en-US" altLang="zh-CN" dirty="0" smtClean="0"/>
+          </a:p>
+          <a:p>
+            <a:endParaRPr lang="zh-CN" altLang="en-US" dirty="0"/>
+          </a:p>
+        </p:txBody>
+      </p:sp>
+    </p:spTree>
+    <p:extLst>
+      <p:ext uri="{BB962C8B-B14F-4D97-AF65-F5344CB8AC3E}">
+        <p14:creationId xmlns:p14="http://schemas.microsoft.com/office/powerpoint/2010/main" val="127212797"/>
+      </p:ext>
+    </p:extLst>
+  </p:cSld>
+  <p:clrMapOvr>
+    <a:masterClrMapping/>
+  </p:clrMapOvr>
+  <p:timing>
+    <p:tnLst>
+      <p:par>
+        <p:cTn id="1" dur="indefinite" restart="never" nodeType="tmRoot"/>
+      </p:par>
+    </p:tnLst>
+  </p:timing>
+</p:sld>
+</file>
+
 <file path=ppt/slides/slide9.xml><?xml version="1.0" encoding="utf-8"?>
 <p:sld xmlns:a="http://schemas.openxmlformats.org/drawingml/2006/main" xmlns:r="http://schemas.openxmlformats.org/officeDocument/2006/relationships" xmlns:p="http://schemas.openxmlformats.org/presentationml/2006/main">
   <p:cSld>
@@ -47652,14 +48192,21 @@
         </p:nvSpPr>
         <p:spPr/>
         <p:txBody>
-          <a:bodyPr/>
+          <a:bodyPr>
+            <a:normAutofit/>
+          </a:bodyPr>
           <a:lstStyle/>
           <a:p>
-            <a:r>
-              <a:rPr lang="en-US" altLang="zh-CN" dirty="0" smtClean="0"/>
-              <a:t>1.Spark</a:t>
-            </a:r>
-            <a:endParaRPr lang="zh-CN" altLang="en-US" dirty="0"/>
+            <a:pPr algn="l"/>
+            <a:r>
+              <a:rPr lang="zh-CN" altLang="en-US" sz="3600" dirty="0"/>
+              <a:t>二、</a:t>
+            </a:r>
+            <a:r>
+              <a:rPr lang="en-US" altLang="zh-CN" sz="3600" dirty="0"/>
+              <a:t>Spark</a:t>
+            </a:r>
+            <a:endParaRPr lang="zh-CN" altLang="en-US" sz="3600" dirty="0"/>
           </a:p>
         </p:txBody>
       </p:sp>
@@ -47680,168 +48227,275 @@
           </a:bodyPr>
           <a:lstStyle/>
           <a:p>
-            <a:pPr marL="0" indent="0">
-              <a:buNone/>
-            </a:pPr>
-            <a:r>
-              <a:rPr lang="en-US" altLang="zh-CN" dirty="0"/>
-              <a:t>Spark</a:t>
-            </a:r>
-            <a:r>
-              <a:rPr lang="zh-CN" altLang="en-US" dirty="0"/>
-              <a:t>是加州伯克利大学</a:t>
-            </a:r>
-            <a:r>
-              <a:rPr lang="en-US" altLang="zh-CN" dirty="0"/>
-              <a:t>AMP</a:t>
-            </a:r>
-            <a:r>
-              <a:rPr lang="zh-CN" altLang="en-US" dirty="0"/>
-              <a:t>实验室开发的类</a:t>
-            </a:r>
-            <a:r>
-              <a:rPr lang="en-US" altLang="zh-CN" dirty="0" err="1"/>
-              <a:t>MapReduce</a:t>
-            </a:r>
-            <a:r>
-              <a:rPr lang="zh-CN" altLang="en-US" dirty="0"/>
-              <a:t>的通用的并行计算</a:t>
-            </a:r>
             <a:r>
               <a:rPr lang="zh-CN" altLang="en-US" dirty="0" smtClean="0"/>
-              <a:t>框架，于</a:t>
-            </a:r>
-            <a:r>
-              <a:rPr lang="en-US" altLang="zh-CN" dirty="0" smtClean="0"/>
-              <a:t>2014</a:t>
-            </a:r>
-            <a:r>
-              <a:rPr lang="zh-CN" altLang="en-US" dirty="0" smtClean="0"/>
-              <a:t>年</a:t>
-            </a:r>
-            <a:r>
-              <a:rPr lang="en-US" altLang="zh-CN" dirty="0" smtClean="0"/>
-              <a:t>2</a:t>
-            </a:r>
-            <a:r>
-              <a:rPr lang="zh-CN" altLang="en-US" dirty="0" smtClean="0"/>
-              <a:t>月正式成为</a:t>
-            </a:r>
-            <a:r>
-              <a:rPr lang="en-US" altLang="zh-CN" dirty="0" smtClean="0"/>
-              <a:t>Apache</a:t>
-            </a:r>
-            <a:r>
-              <a:rPr lang="zh-CN" altLang="en-US" dirty="0" smtClean="0"/>
-              <a:t>的顶级项目被认为是下一代大数据分析框架，</a:t>
-            </a:r>
-            <a:r>
-              <a:rPr lang="zh-CN" altLang="en-US" dirty="0" smtClean="0"/>
-              <a:t>其目标：</a:t>
+              <a:t>优点：</a:t>
             </a:r>
             <a:endParaRPr lang="en-US" altLang="zh-CN" dirty="0" smtClean="0"/>
           </a:p>
           <a:p>
-            <a:pPr marL="514350" indent="-514350">
-              <a:buFont typeface="+mj-lt"/>
-              <a:buAutoNum type="arabicPeriod"/>
+            <a:pPr marL="971550" lvl="1" indent="-514350">
+              <a:buFont typeface="+mj-ea"/>
+              <a:buAutoNum type="circleNumDbPlain"/>
             </a:pPr>
             <a:r>
+              <a:rPr lang="zh-CN" altLang="en-US" b="1" dirty="0" smtClean="0"/>
+              <a:t>快</a:t>
+            </a:r>
+            <a:r>
               <a:rPr lang="zh-CN" altLang="en-US" dirty="0" smtClean="0"/>
-              <a:t>扩展</a:t>
-            </a:r>
-            <a:r>
-              <a:rPr lang="en-US" altLang="zh-CN" dirty="0" err="1" smtClean="0"/>
-              <a:t>MapReduce</a:t>
+              <a:t>：基于内存，比</a:t>
+            </a:r>
+            <a:r>
+              <a:rPr lang="en-US" altLang="zh-CN" dirty="0" smtClean="0"/>
+              <a:t>Hadoop</a:t>
             </a:r>
             <a:r>
               <a:rPr lang="zh-CN" altLang="en-US" dirty="0" smtClean="0"/>
-              <a:t>模型，以便更好的支持两类分析应用：</a:t>
+              <a:t>快</a:t>
+            </a:r>
+            <a:r>
+              <a:rPr lang="en-US" altLang="zh-CN" dirty="0" smtClean="0"/>
+              <a:t>100</a:t>
+            </a:r>
+            <a:r>
+              <a:rPr lang="zh-CN" altLang="en-US" dirty="0" smtClean="0"/>
+              <a:t>倍，基于磁盘，比</a:t>
+            </a:r>
+            <a:r>
+              <a:rPr lang="en-US" altLang="zh-CN" dirty="0" smtClean="0"/>
+              <a:t>Hadoop</a:t>
+            </a:r>
+            <a:r>
+              <a:rPr lang="zh-CN" altLang="en-US" dirty="0" smtClean="0"/>
+              <a:t>快</a:t>
+            </a:r>
+            <a:r>
+              <a:rPr lang="en-US" altLang="zh-CN" dirty="0" smtClean="0"/>
+              <a:t>10</a:t>
+            </a:r>
+            <a:r>
+              <a:rPr lang="zh-CN" altLang="en-US" dirty="0" smtClean="0"/>
+              <a:t>倍</a:t>
+            </a:r>
+            <a:endParaRPr lang="en-US" altLang="zh-CN" dirty="0"/>
+          </a:p>
+          <a:p>
+            <a:pPr marL="971550" lvl="1" indent="-514350">
+              <a:buFont typeface="+mj-ea"/>
+              <a:buAutoNum type="circleNumDbPlain"/>
+            </a:pPr>
+            <a:r>
+              <a:rPr lang="zh-CN" altLang="en-US" b="1" dirty="0"/>
+              <a:t>易</a:t>
+            </a:r>
+            <a:r>
+              <a:rPr lang="zh-CN" altLang="en-US" b="1" dirty="0" smtClean="0"/>
+              <a:t>用</a:t>
+            </a:r>
+            <a:r>
+              <a:rPr lang="zh-CN" altLang="en-US" dirty="0" smtClean="0"/>
+              <a:t>：支持</a:t>
+            </a:r>
+            <a:r>
+              <a:rPr lang="en-US" altLang="zh-CN" dirty="0" smtClean="0"/>
+              <a:t>Java</a:t>
+            </a:r>
+            <a:r>
+              <a:rPr lang="zh-CN" altLang="en-US" dirty="0" smtClean="0"/>
+              <a:t>、</a:t>
+            </a:r>
+            <a:r>
+              <a:rPr lang="en-US" altLang="zh-CN" dirty="0" smtClean="0">
+                <a:solidFill>
+                  <a:srgbClr val="FF0000"/>
+                </a:solidFill>
+              </a:rPr>
+              <a:t>Scala</a:t>
+            </a:r>
+            <a:r>
+              <a:rPr lang="zh-CN" altLang="en-US" dirty="0" smtClean="0"/>
+              <a:t>或</a:t>
+            </a:r>
+            <a:r>
+              <a:rPr lang="en-US" altLang="zh-CN" dirty="0" smtClean="0"/>
+              <a:t>Python</a:t>
+            </a:r>
+            <a:r>
+              <a:rPr lang="zh-CN" altLang="en-US" dirty="0" smtClean="0"/>
+              <a:t>三种语言。提供多达</a:t>
+            </a:r>
+            <a:r>
+              <a:rPr lang="en-US" altLang="zh-CN" dirty="0" smtClean="0"/>
+              <a:t>80</a:t>
+            </a:r>
+            <a:r>
+              <a:rPr lang="zh-CN" altLang="en-US" dirty="0" smtClean="0"/>
+              <a:t>种高级操作函数</a:t>
+            </a:r>
+            <a:endParaRPr lang="en-US" altLang="zh-CN" dirty="0"/>
+          </a:p>
+          <a:p>
+            <a:pPr marL="971550" lvl="1" indent="-514350">
+              <a:buFont typeface="+mj-ea"/>
+              <a:buAutoNum type="circleNumDbPlain"/>
+            </a:pPr>
+            <a:r>
+              <a:rPr lang="zh-CN" altLang="en-US" b="1" dirty="0" smtClean="0"/>
+              <a:t>通用</a:t>
+            </a:r>
+            <a:r>
+              <a:rPr lang="zh-CN" altLang="en-US" dirty="0" smtClean="0"/>
+              <a:t>：整合</a:t>
+            </a:r>
+            <a:r>
+              <a:rPr lang="en-US" altLang="zh-CN" dirty="0" smtClean="0"/>
+              <a:t>SQL</a:t>
+            </a:r>
+            <a:r>
+              <a:rPr lang="zh-CN" altLang="en-US" dirty="0" smtClean="0"/>
+              <a:t>（</a:t>
+            </a:r>
+            <a:r>
+              <a:rPr lang="en-US" altLang="zh-CN" dirty="0" smtClean="0"/>
+              <a:t>Shark </a:t>
+            </a:r>
+            <a:r>
+              <a:rPr lang="zh-CN" altLang="en-US" dirty="0" smtClean="0"/>
+              <a:t>）、流处理（</a:t>
+            </a:r>
+            <a:r>
+              <a:rPr lang="en-US" altLang="zh-CN" dirty="0" smtClean="0"/>
+              <a:t>Spark </a:t>
+            </a:r>
+            <a:r>
+              <a:rPr lang="en-US" altLang="zh-CN" dirty="0"/>
+              <a:t>Streaming </a:t>
+            </a:r>
+            <a:r>
+              <a:rPr lang="zh-CN" altLang="en-US" dirty="0" smtClean="0"/>
+              <a:t>）、复杂分析（</a:t>
+            </a:r>
+            <a:r>
+              <a:rPr lang="en-US" altLang="zh-CN" dirty="0" err="1"/>
+              <a:t>Mllib</a:t>
+            </a:r>
+            <a:r>
+              <a:rPr lang="zh-CN" altLang="en-US" dirty="0" smtClean="0"/>
+              <a:t>）等</a:t>
             </a:r>
             <a:endParaRPr lang="en-US" altLang="zh-CN" dirty="0" smtClean="0"/>
           </a:p>
           <a:p>
-            <a:pPr lvl="1"/>
+            <a:pPr marL="971550" lvl="1" indent="-514350">
+              <a:buFont typeface="+mj-ea"/>
+              <a:buAutoNum type="circleNumDbPlain"/>
+            </a:pPr>
+            <a:r>
+              <a:rPr lang="zh-CN" altLang="en-US" b="1" dirty="0" smtClean="0"/>
+              <a:t>与</a:t>
+            </a:r>
+            <a:r>
+              <a:rPr lang="en-US" altLang="zh-CN" b="1" dirty="0" smtClean="0"/>
+              <a:t>Hadoop</a:t>
+            </a:r>
+            <a:r>
+              <a:rPr lang="zh-CN" altLang="en-US" b="1" dirty="0"/>
+              <a:t>集成</a:t>
+            </a:r>
             <a:r>
               <a:rPr lang="zh-CN" altLang="en-US" dirty="0" smtClean="0"/>
-              <a:t>迭代算法（机器学习、图计算）</a:t>
+              <a:t>：可运行于已有的</a:t>
+            </a:r>
+            <a:r>
+              <a:rPr lang="en-US" altLang="zh-CN" dirty="0" smtClean="0"/>
+              <a:t>Hadoop</a:t>
+            </a:r>
+            <a:r>
+              <a:rPr lang="zh-CN" altLang="en-US" dirty="0" smtClean="0"/>
+              <a:t>集群，可共用现有的</a:t>
+            </a:r>
+            <a:r>
+              <a:rPr lang="en-US" altLang="zh-CN" dirty="0" smtClean="0"/>
+              <a:t>YARN</a:t>
+            </a:r>
+            <a:r>
+              <a:rPr lang="zh-CN" altLang="en-US" dirty="0" smtClean="0"/>
+              <a:t>、</a:t>
+            </a:r>
+            <a:r>
+              <a:rPr lang="en-US" altLang="zh-CN" dirty="0" err="1" smtClean="0"/>
+              <a:t>Mesos</a:t>
+            </a:r>
+            <a:r>
+              <a:rPr lang="zh-CN" altLang="en-US" dirty="0"/>
+              <a:t>等资源统一</a:t>
+            </a:r>
+            <a:r>
+              <a:rPr lang="zh-CN" altLang="en-US" dirty="0" smtClean="0"/>
+              <a:t>管理系统，能读取任何</a:t>
+            </a:r>
+            <a:r>
+              <a:rPr lang="en-US" altLang="zh-CN" dirty="0" smtClean="0"/>
+              <a:t>Hadoop</a:t>
+            </a:r>
+            <a:r>
+              <a:rPr lang="zh-CN" altLang="en-US" dirty="0" smtClean="0"/>
+              <a:t>数据源</a:t>
             </a:r>
             <a:endParaRPr lang="en-US" altLang="zh-CN" dirty="0" smtClean="0"/>
           </a:p>
           <a:p>
-            <a:pPr lvl="1"/>
             <a:r>
               <a:rPr lang="zh-CN" altLang="en-US" dirty="0" smtClean="0"/>
-              <a:t>交互式的数据挖掘</a:t>
+              <a:t>不足：</a:t>
             </a:r>
             <a:endParaRPr lang="en-US" altLang="zh-CN" dirty="0" smtClean="0"/>
           </a:p>
           <a:p>
-            <a:pPr marL="514350" indent="-514350">
-              <a:buFont typeface="+mj-lt"/>
-              <a:buAutoNum type="arabicPeriod"/>
-            </a:pPr>
-            <a:r>
-              <a:rPr lang="zh-CN" altLang="en-US" dirty="0" smtClean="0"/>
-              <a:t>提升可编程性</a:t>
-            </a:r>
-            <a:endParaRPr lang="en-US" altLang="zh-CN" dirty="0" smtClean="0"/>
-          </a:p>
-          <a:p>
-            <a:pPr lvl="1"/>
-            <a:r>
-              <a:rPr lang="zh-CN" altLang="en-US" dirty="0" smtClean="0"/>
-              <a:t>整合</a:t>
-            </a:r>
-            <a:r>
-              <a:rPr lang="en-US" altLang="zh-CN" dirty="0" smtClean="0">
-                <a:solidFill>
-                  <a:srgbClr val="FF0000"/>
-                </a:solidFill>
-              </a:rPr>
-              <a:t>Scala</a:t>
-            </a:r>
-            <a:r>
-              <a:rPr lang="zh-CN" altLang="en-US" dirty="0" smtClean="0"/>
-              <a:t>编程语言</a:t>
-            </a:r>
-            <a:endParaRPr lang="en-US" altLang="zh-CN" dirty="0" smtClean="0"/>
-          </a:p>
-          <a:p>
-            <a:pPr lvl="1"/>
-            <a:r>
-              <a:rPr lang="zh-CN" altLang="en-US" dirty="0" smtClean="0"/>
-              <a:t>允许交互式地使用</a:t>
-            </a:r>
-            <a:r>
-              <a:rPr lang="en-US" altLang="zh-CN" dirty="0" smtClean="0"/>
-              <a:t>Scala</a:t>
-            </a:r>
-            <a:r>
-              <a:rPr lang="zh-CN" altLang="en-US" dirty="0" smtClean="0"/>
-              <a:t>的解释器</a:t>
-            </a:r>
-            <a:endParaRPr lang="en-US" altLang="zh-CN" dirty="0" smtClean="0"/>
-          </a:p>
-          <a:p>
-            <a:pPr marL="0" indent="0">
+            <a:pPr marL="457200" lvl="1" indent="0">
               <a:buNone/>
             </a:pPr>
             <a:r>
+              <a:rPr lang="en-US" altLang="zh-CN" dirty="0" smtClean="0"/>
+              <a:t>RDD</a:t>
+            </a:r>
+            <a:r>
               <a:rPr lang="zh-CN" altLang="en-US" dirty="0" smtClean="0"/>
-              <a:t>补充：</a:t>
+              <a:t>是</a:t>
+            </a:r>
+            <a:r>
+              <a:rPr lang="zh-CN" altLang="en-US" b="1" dirty="0" smtClean="0"/>
+              <a:t>粗粒度</a:t>
+            </a:r>
+            <a:r>
+              <a:rPr lang="zh-CN" altLang="en-US" dirty="0" smtClean="0"/>
+              <a:t>的，不能</a:t>
+            </a:r>
+            <a:r>
+              <a:rPr lang="zh-CN" altLang="en-US" dirty="0"/>
+              <a:t>很好地支持细粒度、异步的数据处理</a:t>
+            </a:r>
+            <a:r>
+              <a:rPr lang="zh-CN" altLang="en-US" dirty="0" smtClean="0"/>
+              <a:t>，比如</a:t>
             </a:r>
             <a:r>
               <a:rPr lang="en-US" altLang="zh-CN" dirty="0" smtClean="0"/>
-              <a:t>Scala</a:t>
+              <a:t>web</a:t>
             </a:r>
             <a:r>
               <a:rPr lang="zh-CN" altLang="en-US" dirty="0" smtClean="0"/>
-              <a:t>，</a:t>
-            </a:r>
-            <a:endParaRPr lang="en-US" altLang="zh-CN" dirty="0" smtClean="0"/>
-          </a:p>
-          <a:p>
+              <a:t>应用或增量</a:t>
+            </a:r>
+            <a:r>
+              <a:rPr lang="en-US" altLang="zh-CN" dirty="0" smtClean="0"/>
+              <a:t>web</a:t>
+            </a:r>
+            <a:r>
+              <a:rPr lang="zh-CN" altLang="en-US" dirty="0" smtClean="0"/>
+              <a:t>爬虫等存储系统。</a:t>
+            </a:r>
             <a:endParaRPr lang="zh-CN" altLang="en-US" dirty="0"/>
           </a:p>
         </p:txBody>
@@ -47849,7 +48503,7 @@
     </p:spTree>
     <p:extLst>
       <p:ext uri="{BB962C8B-B14F-4D97-AF65-F5344CB8AC3E}">
-        <p14:creationId xmlns:p14="http://schemas.microsoft.com/office/powerpoint/2010/main" val="127212797"/>
+        <p14:creationId xmlns:p14="http://schemas.microsoft.com/office/powerpoint/2010/main" val="1571052858"/>
       </p:ext>
     </p:extLst>
   </p:cSld>
@@ -48404,7 +49058,7 @@
   <a:extraClrSchemeLst/>
   <a:extLst>
     <a:ext uri="{05A4C25C-085E-4340-85A3-A5531E510DB2}">
-      <thm15:themeFamily xmlns="" xmlns:thm15="http://schemas.microsoft.com/office/thememl/2012/main" name="Office Theme" id="{62F939B6-93AF-4DB8-9C6B-D6C7DFDC589F}" vid="{4A3C46E8-61CC-4603-A589-7422A47A8E4A}"/>
+      <thm15:themeFamily xmlns:thm15="http://schemas.microsoft.com/office/thememl/2012/main" xmlns="" name="Office Theme" id="{62F939B6-93AF-4DB8-9C6B-D6C7DFDC589F}" vid="{4A3C46E8-61CC-4603-A589-7422A47A8E4A}"/>
     </a:ext>
   </a:extLst>
 </a:theme>
